--- a/supports/P7_presentation_final.pptx
+++ b/supports/P7_presentation_final.pptx
@@ -5,10 +5,10 @@
     <p:sldMasterId id="2147483648" r:id="rId1"/>
   </p:sldMasterIdLst>
   <p:notesMasterIdLst>
-    <p:notesMasterId r:id="rId30"/>
+    <p:notesMasterId r:id="rId31"/>
   </p:notesMasterIdLst>
   <p:handoutMasterIdLst>
-    <p:handoutMasterId r:id="rId31"/>
+    <p:handoutMasterId r:id="rId32"/>
   </p:handoutMasterIdLst>
   <p:sldIdLst>
     <p:sldId id="368" r:id="rId2"/>
@@ -32,13 +32,14 @@
     <p:sldId id="713" r:id="rId20"/>
     <p:sldId id="679" r:id="rId21"/>
     <p:sldId id="709" r:id="rId22"/>
-    <p:sldId id="714" r:id="rId23"/>
-    <p:sldId id="710" r:id="rId24"/>
-    <p:sldId id="610" r:id="rId25"/>
-    <p:sldId id="686" r:id="rId26"/>
-    <p:sldId id="534" r:id="rId27"/>
-    <p:sldId id="535" r:id="rId28"/>
-    <p:sldId id="633" r:id="rId29"/>
+    <p:sldId id="717" r:id="rId23"/>
+    <p:sldId id="714" r:id="rId24"/>
+    <p:sldId id="710" r:id="rId25"/>
+    <p:sldId id="610" r:id="rId26"/>
+    <p:sldId id="716" r:id="rId27"/>
+    <p:sldId id="534" r:id="rId28"/>
+    <p:sldId id="535" r:id="rId29"/>
+    <p:sldId id="633" r:id="rId30"/>
   </p:sldIdLst>
   <p:sldSz cx="12192000" cy="6858000"/>
   <p:notesSz cx="6858000" cy="9144000"/>
@@ -239,7 +240,7 @@
           <a:p>
             <a:fld id="{081908C2-F1FA-4AA1-810C-31F86594FA86}" type="datetimeFigureOut">
               <a:rPr lang="en-US" smtClean="0"/>
-              <a:t>2/3/2022</a:t>
+              <a:t>2/4/2022</a:t>
             </a:fld>
             <a:endParaRPr lang="en-US"/>
           </a:p>
@@ -2025,6 +2026,284 @@
           <a:bodyPr/>
           <a:lstStyle/>
           <a:p>
+            <a:pPr marL="171450" marR="0" lvl="0" indent="-171450" algn="l" defTabSz="914400" rtl="0" eaLnBrk="1" fontAlgn="auto" latinLnBrk="0" hangingPunct="1">
+              <a:lnSpc>
+                <a:spcPct val="100000"/>
+              </a:lnSpc>
+              <a:spcBef>
+                <a:spcPts val="0"/>
+              </a:spcBef>
+              <a:spcAft>
+                <a:spcPts val="0"/>
+              </a:spcAft>
+              <a:buClrTx/>
+              <a:buSzTx/>
+              <a:buFont typeface="Wingdings" panose="05000000000000000000" pitchFamily="2" charset="2"/>
+              <a:buChar char="§"/>
+              <a:tabLst/>
+              <a:defRPr/>
+            </a:pPr>
+            <a:r>
+              <a:rPr lang="fr-FR" sz="1200" dirty="0" err="1"/>
+              <a:t>learning_rate</a:t>
+            </a:r>
+            <a:r>
+              <a:rPr lang="fr-FR" sz="1200" dirty="0"/>
+              <a:t> : </a:t>
+            </a:r>
+            <a:r>
+              <a:rPr lang="fr-FR" sz="1800" b="0" i="0" u="none" strike="noStrike" baseline="0" dirty="0">
+                <a:solidFill>
+                  <a:srgbClr val="1C3C70"/>
+                </a:solidFill>
+                <a:latin typeface="CIDFont+F2"/>
+              </a:rPr>
+              <a:t>Le taux d'apprentissage.</a:t>
+            </a:r>
+          </a:p>
+          <a:p>
+            <a:pPr marL="171450" marR="0" lvl="0" indent="-171450" algn="l" defTabSz="914400" rtl="0" eaLnBrk="1" fontAlgn="auto" latinLnBrk="0" hangingPunct="1">
+              <a:lnSpc>
+                <a:spcPct val="100000"/>
+              </a:lnSpc>
+              <a:spcBef>
+                <a:spcPts val="0"/>
+              </a:spcBef>
+              <a:spcAft>
+                <a:spcPts val="0"/>
+              </a:spcAft>
+              <a:buClrTx/>
+              <a:buSzTx/>
+              <a:buFont typeface="Wingdings" panose="05000000000000000000" pitchFamily="2" charset="2"/>
+              <a:buChar char="§"/>
+              <a:tabLst/>
+              <a:defRPr/>
+            </a:pPr>
+            <a:r>
+              <a:rPr lang="fr-FR" sz="1800" dirty="0" err="1"/>
+              <a:t>max_depth</a:t>
+            </a:r>
+            <a:r>
+              <a:rPr lang="fr-FR" sz="1800" dirty="0"/>
+              <a:t> : </a:t>
+            </a:r>
+            <a:r>
+              <a:rPr lang="fr-FR" sz="1800" b="0" i="0" u="none" strike="noStrike" baseline="0" dirty="0">
+                <a:solidFill>
+                  <a:srgbClr val="1C3C70"/>
+                </a:solidFill>
+                <a:latin typeface="CIDFont+F2"/>
+              </a:rPr>
+              <a:t>Profondeur de l'arbre.</a:t>
+            </a:r>
+            <a:endParaRPr lang="fr-FR" sz="1800" dirty="0"/>
+          </a:p>
+          <a:p>
+            <a:pPr marL="171450" marR="0" lvl="0" indent="-171450" algn="l" defTabSz="914400" rtl="0" eaLnBrk="1" fontAlgn="auto" latinLnBrk="0" hangingPunct="1">
+              <a:lnSpc>
+                <a:spcPct val="100000"/>
+              </a:lnSpc>
+              <a:spcBef>
+                <a:spcPts val="0"/>
+              </a:spcBef>
+              <a:spcAft>
+                <a:spcPts val="0"/>
+              </a:spcAft>
+              <a:buClrTx/>
+              <a:buSzTx/>
+              <a:buFont typeface="Wingdings" panose="05000000000000000000" pitchFamily="2" charset="2"/>
+              <a:buChar char="§"/>
+              <a:tabLst/>
+              <a:defRPr/>
+            </a:pPr>
+            <a:r>
+              <a:rPr lang="fr-FR" sz="1800" dirty="0" err="1"/>
+              <a:t>min_child_weight</a:t>
+            </a:r>
+            <a:r>
+              <a:rPr lang="fr-FR" sz="1800" dirty="0"/>
+              <a:t> : </a:t>
+            </a:r>
+          </a:p>
+          <a:p>
+            <a:pPr marL="171450" marR="0" lvl="0" indent="-171450" algn="l" defTabSz="914400" rtl="0" eaLnBrk="1" fontAlgn="auto" latinLnBrk="0" hangingPunct="1">
+              <a:lnSpc>
+                <a:spcPct val="100000"/>
+              </a:lnSpc>
+              <a:spcBef>
+                <a:spcPts val="0"/>
+              </a:spcBef>
+              <a:spcAft>
+                <a:spcPts val="0"/>
+              </a:spcAft>
+              <a:buClrTx/>
+              <a:buSzTx/>
+              <a:buFont typeface="Wingdings" panose="05000000000000000000" pitchFamily="2" charset="2"/>
+              <a:buChar char="§"/>
+              <a:tabLst/>
+              <a:defRPr/>
+            </a:pPr>
+            <a:r>
+              <a:rPr lang="fr-FR" sz="1800" dirty="0" err="1"/>
+              <a:t>min_split_gain</a:t>
+            </a:r>
+            <a:endParaRPr lang="fr-FR" sz="1800" dirty="0"/>
+          </a:p>
+          <a:p>
+            <a:pPr marL="171450" marR="0" lvl="0" indent="-171450" algn="l" defTabSz="914400" rtl="0" eaLnBrk="1" fontAlgn="auto" latinLnBrk="0" hangingPunct="1">
+              <a:lnSpc>
+                <a:spcPct val="100000"/>
+              </a:lnSpc>
+              <a:spcBef>
+                <a:spcPts val="0"/>
+              </a:spcBef>
+              <a:spcAft>
+                <a:spcPts val="0"/>
+              </a:spcAft>
+              <a:buClrTx/>
+              <a:buSzTx/>
+              <a:buFont typeface="Wingdings" panose="05000000000000000000" pitchFamily="2" charset="2"/>
+              <a:buChar char="§"/>
+              <a:tabLst/>
+              <a:defRPr/>
+            </a:pPr>
+            <a:r>
+              <a:rPr lang="fr-FR" sz="1800" dirty="0" err="1"/>
+              <a:t>n_estimators</a:t>
+            </a:r>
+            <a:r>
+              <a:rPr lang="fr-FR" sz="1800" dirty="0"/>
+              <a:t> : </a:t>
+            </a:r>
+            <a:r>
+              <a:rPr lang="fr-FR" sz="1800" b="0" i="0" u="none" strike="noStrike" baseline="0" dirty="0">
+                <a:solidFill>
+                  <a:srgbClr val="1C3C70"/>
+                </a:solidFill>
+                <a:latin typeface="CIDFont+F2"/>
+              </a:rPr>
+              <a:t>Le nombre maximum d'arbres qui peuvent être construits lors de</a:t>
+            </a:r>
+          </a:p>
+          <a:p>
+            <a:pPr algn="l"/>
+            <a:r>
+              <a:rPr lang="fr-FR" sz="1800" b="0" i="0" u="none" strike="noStrike" baseline="0" dirty="0">
+                <a:solidFill>
+                  <a:srgbClr val="1C3C70"/>
+                </a:solidFill>
+                <a:latin typeface="CIDFont+F2"/>
+              </a:rPr>
+              <a:t>la résolution de problèmes d'apprentissage automatique.</a:t>
+            </a:r>
+            <a:endParaRPr lang="fr-FR" sz="1800" dirty="0"/>
+          </a:p>
+          <a:p>
+            <a:pPr marL="171450" marR="0" lvl="0" indent="-171450" algn="l" defTabSz="914400" rtl="0" eaLnBrk="1" fontAlgn="auto" latinLnBrk="0" hangingPunct="1">
+              <a:lnSpc>
+                <a:spcPct val="100000"/>
+              </a:lnSpc>
+              <a:spcBef>
+                <a:spcPts val="0"/>
+              </a:spcBef>
+              <a:spcAft>
+                <a:spcPts val="0"/>
+              </a:spcAft>
+              <a:buClrTx/>
+              <a:buSzTx/>
+              <a:buFont typeface="Wingdings" panose="05000000000000000000" pitchFamily="2" charset="2"/>
+              <a:buChar char="§"/>
+              <a:tabLst/>
+              <a:defRPr/>
+            </a:pPr>
+            <a:endParaRPr lang="fr-FR" sz="1800" dirty="0"/>
+          </a:p>
+          <a:p>
+            <a:pPr marL="171450" marR="0" lvl="0" indent="-171450" algn="l" defTabSz="914400" rtl="0" eaLnBrk="1" fontAlgn="auto" latinLnBrk="0" hangingPunct="1">
+              <a:lnSpc>
+                <a:spcPct val="100000"/>
+              </a:lnSpc>
+              <a:spcBef>
+                <a:spcPts val="0"/>
+              </a:spcBef>
+              <a:spcAft>
+                <a:spcPts val="0"/>
+              </a:spcAft>
+              <a:buClrTx/>
+              <a:buSzTx/>
+              <a:buFont typeface="Wingdings" panose="05000000000000000000" pitchFamily="2" charset="2"/>
+              <a:buChar char="§"/>
+              <a:tabLst/>
+              <a:defRPr/>
+            </a:pPr>
+            <a:endParaRPr lang="fr-FR" sz="1800" dirty="0"/>
+          </a:p>
+          <a:p>
+            <a:pPr marL="171450" marR="0" lvl="0" indent="-171450" algn="l" defTabSz="914400" rtl="0" eaLnBrk="1" fontAlgn="auto" latinLnBrk="0" hangingPunct="1">
+              <a:lnSpc>
+                <a:spcPct val="100000"/>
+              </a:lnSpc>
+              <a:spcBef>
+                <a:spcPts val="0"/>
+              </a:spcBef>
+              <a:spcAft>
+                <a:spcPts val="0"/>
+              </a:spcAft>
+              <a:buClrTx/>
+              <a:buSzTx/>
+              <a:buFont typeface="Wingdings" panose="05000000000000000000" pitchFamily="2" charset="2"/>
+              <a:buChar char="§"/>
+              <a:tabLst/>
+              <a:defRPr/>
+            </a:pPr>
+            <a:endParaRPr lang="fr-FR" sz="1800" dirty="0"/>
+          </a:p>
+          <a:p>
+            <a:pPr marL="171450" marR="0" lvl="0" indent="-171450" algn="l" defTabSz="914400" rtl="0" eaLnBrk="1" fontAlgn="auto" latinLnBrk="0" hangingPunct="1">
+              <a:lnSpc>
+                <a:spcPct val="100000"/>
+              </a:lnSpc>
+              <a:spcBef>
+                <a:spcPts val="0"/>
+              </a:spcBef>
+              <a:spcAft>
+                <a:spcPts val="0"/>
+              </a:spcAft>
+              <a:buClrTx/>
+              <a:buSzTx/>
+              <a:buFont typeface="Wingdings" panose="05000000000000000000" pitchFamily="2" charset="2"/>
+              <a:buChar char="§"/>
+              <a:tabLst/>
+              <a:defRPr/>
+            </a:pPr>
+            <a:endParaRPr lang="fr-FR" sz="1800" b="0" i="0" u="none" strike="noStrike" baseline="0" dirty="0">
+              <a:solidFill>
+                <a:srgbClr val="1C3C70"/>
+              </a:solidFill>
+              <a:latin typeface="CIDFont+F2"/>
+            </a:endParaRPr>
+          </a:p>
+          <a:p>
+            <a:pPr marL="171450" marR="0" lvl="0" indent="-171450" algn="l" defTabSz="914400" rtl="0" eaLnBrk="1" fontAlgn="auto" latinLnBrk="0" hangingPunct="1">
+              <a:lnSpc>
+                <a:spcPct val="100000"/>
+              </a:lnSpc>
+              <a:spcBef>
+                <a:spcPts val="0"/>
+              </a:spcBef>
+              <a:spcAft>
+                <a:spcPts val="0"/>
+              </a:spcAft>
+              <a:buClrTx/>
+              <a:buSzTx/>
+              <a:buFont typeface="Wingdings" panose="05000000000000000000" pitchFamily="2" charset="2"/>
+              <a:buChar char="§"/>
+              <a:tabLst/>
+              <a:defRPr/>
+            </a:pPr>
+            <a:endParaRPr lang="fr-FR" sz="1200" dirty="0"/>
+          </a:p>
+          <a:p>
             <a:pPr algn="l">
               <a:buFont typeface="Arial" panose="020B0604020202020204" pitchFamily="34" charset="0"/>
               <a:buChar char="•"/>
@@ -2129,6 +2408,29 @@
               </a:rPr>
               <a:t>Plus le modèle est performant, plus l’aire sous la courbe est maximisé.</a:t>
             </a:r>
+          </a:p>
+          <a:p>
+            <a:pPr algn="l"/>
+            <a:endParaRPr lang="fr-FR" sz="1800" b="0" i="0" u="none" strike="noStrike" baseline="0" dirty="0">
+              <a:solidFill>
+                <a:srgbClr val="142D6E"/>
+              </a:solidFill>
+              <a:effectLst/>
+              <a:latin typeface="CIDFont+F2"/>
+            </a:endParaRPr>
+          </a:p>
+          <a:p>
+            <a:pPr algn="l"/>
+            <a:r>
+              <a:rPr lang="fr-FR" sz="1800" b="0" i="0" u="none" strike="noStrike" baseline="0" dirty="0">
+                <a:solidFill>
+                  <a:srgbClr val="142D6E"/>
+                </a:solidFill>
+                <a:effectLst/>
+                <a:latin typeface="CIDFont+F2"/>
+              </a:rPr>
+              <a:t>TN, FP, FN, TP</a:t>
+            </a:r>
             <a:endParaRPr lang="fr-FR" b="0" i="0" dirty="0">
               <a:solidFill>
                 <a:srgbClr val="404040"/>
@@ -2615,7 +2917,7 @@
     </p:spTree>
     <p:extLst>
       <p:ext uri="{BB962C8B-B14F-4D97-AF65-F5344CB8AC3E}">
-        <p14:creationId xmlns:p14="http://schemas.microsoft.com/office/powerpoint/2010/main" val="3883169578"/>
+        <p14:creationId xmlns:p14="http://schemas.microsoft.com/office/powerpoint/2010/main" val="423251923"/>
       </p:ext>
     </p:extLst>
   </p:cSld>
@@ -2709,7 +3011,7 @@
     </p:spTree>
     <p:extLst>
       <p:ext uri="{BB962C8B-B14F-4D97-AF65-F5344CB8AC3E}">
-        <p14:creationId xmlns:p14="http://schemas.microsoft.com/office/powerpoint/2010/main" val="840419749"/>
+        <p14:creationId xmlns:p14="http://schemas.microsoft.com/office/powerpoint/2010/main" val="3883169578"/>
       </p:ext>
     </p:extLst>
   </p:cSld>
@@ -2763,7 +3065,17 @@
           <a:bodyPr/>
           <a:lstStyle/>
           <a:p>
-            <a:endParaRPr lang="fr-FR" dirty="0"/>
+            <a:pPr algn="l">
+              <a:buFont typeface="Arial" panose="020B0604020202020204" pitchFamily="34" charset="0"/>
+              <a:buNone/>
+            </a:pPr>
+            <a:endParaRPr lang="fr-FR" b="0" i="0" dirty="0">
+              <a:solidFill>
+                <a:srgbClr val="404040"/>
+              </a:solidFill>
+              <a:effectLst/>
+              <a:latin typeface="Lato" panose="020F0502020204030203" pitchFamily="34" charset="0"/>
+            </a:endParaRPr>
           </a:p>
         </p:txBody>
       </p:sp>
@@ -2793,7 +3105,7 @@
     </p:spTree>
     <p:extLst>
       <p:ext uri="{BB962C8B-B14F-4D97-AF65-F5344CB8AC3E}">
-        <p14:creationId xmlns:p14="http://schemas.microsoft.com/office/powerpoint/2010/main" val="2672249202"/>
+        <p14:creationId xmlns:p14="http://schemas.microsoft.com/office/powerpoint/2010/main" val="840419749"/>
       </p:ext>
     </p:extLst>
   </p:cSld>
@@ -2847,10 +3159,6 @@
           <a:bodyPr/>
           <a:lstStyle/>
           <a:p>
-            <a:pPr marL="171450" indent="-171450">
-              <a:buFontTx/>
-              <a:buChar char="-"/>
-            </a:pPr>
             <a:endParaRPr lang="fr-FR" dirty="0"/>
           </a:p>
         </p:txBody>
@@ -2881,7 +3189,7 @@
     </p:spTree>
     <p:extLst>
       <p:ext uri="{BB962C8B-B14F-4D97-AF65-F5344CB8AC3E}">
-        <p14:creationId xmlns:p14="http://schemas.microsoft.com/office/powerpoint/2010/main" val="2984157815"/>
+        <p14:creationId xmlns:p14="http://schemas.microsoft.com/office/powerpoint/2010/main" val="2672249202"/>
       </p:ext>
     </p:extLst>
   </p:cSld>
@@ -2969,7 +3277,7 @@
     </p:spTree>
     <p:extLst>
       <p:ext uri="{BB962C8B-B14F-4D97-AF65-F5344CB8AC3E}">
-        <p14:creationId xmlns:p14="http://schemas.microsoft.com/office/powerpoint/2010/main" val="3436986321"/>
+        <p14:creationId xmlns:p14="http://schemas.microsoft.com/office/powerpoint/2010/main" val="1372545783"/>
       </p:ext>
     </p:extLst>
   </p:cSld>
@@ -3023,6 +3331,94 @@
           <a:bodyPr/>
           <a:lstStyle/>
           <a:p>
+            <a:pPr marL="171450" indent="-171450">
+              <a:buFont typeface="Wingdings" panose="05000000000000000000" pitchFamily="2" charset="2"/>
+              <a:buChar char="§"/>
+            </a:pPr>
+            <a:endParaRPr lang="fr-FR" dirty="0"/>
+          </a:p>
+        </p:txBody>
+      </p:sp>
+      <p:sp>
+        <p:nvSpPr>
+          <p:cNvPr id="4" name="Espace réservé du numéro de diapositive 3"/>
+          <p:cNvSpPr>
+            <a:spLocks noGrp="1"/>
+          </p:cNvSpPr>
+          <p:nvPr>
+            <p:ph type="sldNum" sz="quarter" idx="5"/>
+          </p:nvPr>
+        </p:nvSpPr>
+        <p:spPr/>
+        <p:txBody>
+          <a:bodyPr/>
+          <a:lstStyle/>
+          <a:p>
+            <a:fld id="{B2BE2823-3393-479C-B299-87C7B63AEB2B}" type="slidenum">
+              <a:rPr lang="en-US" smtClean="0"/>
+              <a:t>27</a:t>
+            </a:fld>
+            <a:endParaRPr lang="en-US"/>
+          </a:p>
+        </p:txBody>
+      </p:sp>
+    </p:spTree>
+    <p:extLst>
+      <p:ext uri="{BB962C8B-B14F-4D97-AF65-F5344CB8AC3E}">
+        <p14:creationId xmlns:p14="http://schemas.microsoft.com/office/powerpoint/2010/main" val="3436986321"/>
+      </p:ext>
+    </p:extLst>
+  </p:cSld>
+  <p:clrMapOvr>
+    <a:masterClrMapping/>
+  </p:clrMapOvr>
+</p:notes>
+</file>
+
+<file path=ppt/notesSlides/notesSlide27.xml><?xml version="1.0" encoding="utf-8"?>
+<p:notes xmlns:a="http://schemas.openxmlformats.org/drawingml/2006/main" xmlns:r="http://schemas.openxmlformats.org/officeDocument/2006/relationships" xmlns:p="http://schemas.openxmlformats.org/presentationml/2006/main">
+  <p:cSld>
+    <p:spTree>
+      <p:nvGrpSpPr>
+        <p:cNvPr id="1" name=""/>
+        <p:cNvGrpSpPr/>
+        <p:nvPr/>
+      </p:nvGrpSpPr>
+      <p:grpSpPr>
+        <a:xfrm>
+          <a:off x="0" y="0"/>
+          <a:ext cx="0" cy="0"/>
+          <a:chOff x="0" y="0"/>
+          <a:chExt cx="0" cy="0"/>
+        </a:xfrm>
+      </p:grpSpPr>
+      <p:sp>
+        <p:nvSpPr>
+          <p:cNvPr id="2" name="Espace réservé de l'image des diapositives 1"/>
+          <p:cNvSpPr>
+            <a:spLocks noGrp="1" noRot="1" noChangeAspect="1"/>
+          </p:cNvSpPr>
+          <p:nvPr>
+            <p:ph type="sldImg"/>
+          </p:nvPr>
+        </p:nvSpPr>
+        <p:spPr/>
+      </p:sp>
+      <p:sp>
+        <p:nvSpPr>
+          <p:cNvPr id="3" name="Espace réservé des notes 2"/>
+          <p:cNvSpPr>
+            <a:spLocks noGrp="1"/>
+          </p:cNvSpPr>
+          <p:nvPr>
+            <p:ph type="body" idx="1"/>
+          </p:nvPr>
+        </p:nvSpPr>
+        <p:spPr/>
+        <p:txBody>
+          <a:bodyPr/>
+          <a:lstStyle/>
+          <a:p>
             <a:pPr marL="0" marR="0" lvl="0" indent="0" algn="l" defTabSz="914400" rtl="0" eaLnBrk="1" fontAlgn="auto" latinLnBrk="0" hangingPunct="1">
               <a:lnSpc>
                 <a:spcPct val="100000"/>
@@ -3067,7 +3463,7 @@
           <a:p>
             <a:fld id="{B2BE2823-3393-479C-B299-87C7B63AEB2B}" type="slidenum">
               <a:rPr lang="en-US" smtClean="0"/>
-              <a:t>28</a:t>
+              <a:t>29</a:t>
             </a:fld>
             <a:endParaRPr lang="en-US"/>
           </a:p>
@@ -11032,7 +11428,7 @@
                 <a:cs typeface="Fira Sans Condensed Medium"/>
                 <a:sym typeface="Fira Sans Condensed Medium"/>
               </a:rPr>
-              <a:t>de données </a:t>
+              <a:t>données </a:t>
             </a:r>
             <a:r>
               <a:rPr lang="fr-FR" sz="1400" dirty="0">
@@ -12306,8 +12702,8 @@
         </p:nvSpPr>
         <p:spPr>
           <a:xfrm>
-            <a:off x="1077977" y="3591324"/>
-            <a:ext cx="5677825" cy="1077218"/>
+            <a:off x="1077978" y="3591324"/>
+            <a:ext cx="4771030" cy="1077218"/>
           </a:xfrm>
           <a:prstGeom prst="rect">
             <a:avLst/>
@@ -12364,7 +12760,19 @@
               <a:rPr lang="fr-FR" sz="1400" dirty="0">
                 <a:latin typeface="docs-Roboto"/>
               </a:rPr>
-              <a:t>Imputation de la moyenne basé sur la colonne</a:t>
+              <a:t>Imputation de la </a:t>
+            </a:r>
+            <a:r>
+              <a:rPr lang="fr-FR" sz="1400" dirty="0" err="1">
+                <a:latin typeface="docs-Roboto"/>
+              </a:rPr>
+              <a:t>moyennee</a:t>
+            </a:r>
+            <a:r>
+              <a:rPr lang="fr-FR" sz="1400" dirty="0">
+                <a:latin typeface="docs-Roboto"/>
+              </a:rPr>
+              <a:t> basée sur la colonne</a:t>
             </a:r>
           </a:p>
         </p:txBody>
@@ -12565,7 +12973,7 @@
                   <a:cs typeface="Fira Sans Condensed Medium"/>
                   <a:sym typeface="Fira Sans Condensed Medium"/>
                 </a:rPr>
-                <a:t>de données </a:t>
+                <a:t>données </a:t>
               </a:r>
               <a:r>
                 <a:rPr lang="fr-FR" sz="1400" dirty="0">
@@ -12917,7 +13325,7 @@
         <p:spPr>
           <a:xfrm>
             <a:off x="279917" y="432794"/>
-            <a:ext cx="8573627" cy="696438"/>
+            <a:ext cx="7736849" cy="696438"/>
           </a:xfrm>
           <a:prstGeom prst="rect">
             <a:avLst/>
@@ -12959,7 +13367,7 @@
                 </a:solidFill>
                 <a:latin typeface="Google Sans"/>
               </a:rPr>
-              <a:t>Le jeu de données est déséquilibrées</a:t>
+              <a:t>Le jeu de données est déséquilibré</a:t>
             </a:r>
           </a:p>
         </p:txBody>
@@ -13276,7 +13684,7 @@
               <a:rPr lang="fr-FR" dirty="0">
                 <a:latin typeface="docs-Roboto"/>
               </a:rPr>
-              <a:t>pour augmenter de données dans la classe minoritaire</a:t>
+              <a:t>pour augmenter les données dans la classe minoritaire</a:t>
             </a:r>
             <a:endParaRPr lang="fr-FR" sz="1400" dirty="0">
               <a:latin typeface="docs-Roboto"/>
@@ -15522,8 +15930,8 @@
         </p:nvSpPr>
         <p:spPr>
           <a:xfrm>
-            <a:off x="7625834" y="1543515"/>
-            <a:ext cx="4566166" cy="1323439"/>
+            <a:off x="7267903" y="1543515"/>
+            <a:ext cx="4924097" cy="1323439"/>
           </a:xfrm>
           <a:prstGeom prst="rect">
             <a:avLst/>
@@ -15630,7 +16038,7 @@
                 <a:effectLst/>
                 <a:latin typeface="docs-Roboto"/>
               </a:rPr>
-              <a:t> pour la banque à différence d'un </a:t>
+              <a:t> pour la banque, à la différence d'un </a:t>
             </a:r>
             <a:r>
               <a:rPr lang="fr-FR" sz="2000" u="sng" strike="noStrike" dirty="0">
@@ -15660,7 +16068,7 @@
                 <a:effectLst/>
                 <a:latin typeface="docs-Roboto"/>
               </a:rPr>
-              <a:t> que constitue une </a:t>
+              <a:t> qui constitue une </a:t>
             </a:r>
             <a:r>
               <a:rPr lang="fr-FR" sz="2000" u="sng" strike="noStrike" dirty="0">
@@ -18566,8 +18974,8 @@
         </p:nvSpPr>
         <p:spPr>
           <a:xfrm>
-            <a:off x="6271404" y="5762621"/>
-            <a:ext cx="5920595" cy="400110"/>
+            <a:off x="8542798" y="5185680"/>
+            <a:ext cx="3649201" cy="707886"/>
           </a:xfrm>
           <a:prstGeom prst="rect">
             <a:avLst/>
@@ -18601,7 +19009,7 @@
                 <a:effectLst/>
                 <a:latin typeface="docs-Roboto"/>
               </a:rPr>
-              <a:t>Paramètres basés sur les existants dans le kernel choisi</a:t>
+              <a:t>Paramètres basés sur ceux déjà existants dans le kernel choisi</a:t>
             </a:r>
           </a:p>
         </p:txBody>
@@ -18709,7 +19117,7 @@
                 </a:solidFill>
                 <a:latin typeface="docs-Roboto"/>
               </a:rPr>
-              <a:t>Les résultats obtenus après avoir fait l’optimisation sont meilleurs que celui de précèdent</a:t>
+              <a:t>Les résultats obtenus après avoir fait l’optimisation sont meilleurs que ceux du précèdent</a:t>
             </a:r>
             <a:endParaRPr lang="fr-FR" sz="1100" b="1" i="1" dirty="0">
               <a:ln>
@@ -19520,7 +19928,7 @@
         <p:spPr>
           <a:xfrm>
             <a:off x="1577902" y="2121581"/>
-            <a:ext cx="3869192" cy="3667125"/>
+            <a:ext cx="4198144" cy="3978898"/>
           </a:xfrm>
           <a:prstGeom prst="rect">
             <a:avLst/>
@@ -19559,65 +19967,14 @@
         </p:blipFill>
         <p:spPr>
           <a:xfrm>
-            <a:off x="6415955" y="2121581"/>
-            <a:ext cx="4875177" cy="3951746"/>
+            <a:off x="6468390" y="2121581"/>
+            <a:ext cx="5028490" cy="4076019"/>
           </a:xfrm>
           <a:prstGeom prst="rect">
             <a:avLst/>
           </a:prstGeom>
         </p:spPr>
       </p:pic>
-      <p:sp>
-        <p:nvSpPr>
-          <p:cNvPr id="20" name="ZoneTexte 19">
-            <a:extLst>
-              <a:ext uri="{FF2B5EF4-FFF2-40B4-BE49-F238E27FC236}">
-                <a16:creationId xmlns:a16="http://schemas.microsoft.com/office/drawing/2014/main" id="{C5F0A357-6CC7-4126-B060-EE8627481D6D}"/>
-              </a:ext>
-            </a:extLst>
-          </p:cNvPr>
-          <p:cNvSpPr txBox="1"/>
-          <p:nvPr/>
-        </p:nvSpPr>
-        <p:spPr>
-          <a:xfrm rot="2853657">
-            <a:off x="7528034" y="1552903"/>
-            <a:ext cx="3237732" cy="1015663"/>
-          </a:xfrm>
-          <a:prstGeom prst="rect">
-            <a:avLst/>
-          </a:prstGeom>
-          <a:noFill/>
-          <a:ln w="38100">
-            <a:solidFill>
-              <a:srgbClr val="FF0000"/>
-            </a:solidFill>
-            <a:prstDash val="lgDash"/>
-          </a:ln>
-        </p:spPr>
-        <p:txBody>
-          <a:bodyPr wrap="square" rtlCol="0">
-            <a:spAutoFit/>
-          </a:bodyPr>
-          <a:lstStyle/>
-          <a:p>
-            <a:pPr algn="ctr"/>
-            <a:r>
-              <a:rPr lang="es-ES" sz="6000" b="1" dirty="0">
-                <a:solidFill>
-                  <a:srgbClr val="FF0000"/>
-                </a:solidFill>
-              </a:rPr>
-              <a:t>REVISAR</a:t>
-            </a:r>
-            <a:endParaRPr lang="fr-FR" sz="6000" b="1" dirty="0">
-              <a:solidFill>
-                <a:srgbClr val="FF0000"/>
-              </a:solidFill>
-            </a:endParaRPr>
-          </a:p>
-        </p:txBody>
-      </p:sp>
       <p:sp>
         <p:nvSpPr>
           <p:cNvPr id="24" name="Rectangle 23">
@@ -19767,6 +20124,52 @@
                 </a:schemeClr>
               </a:solidFill>
               <a:latin typeface="Google Sans"/>
+            </a:endParaRPr>
+          </a:p>
+        </p:txBody>
+      </p:sp>
+      <p:sp>
+        <p:nvSpPr>
+          <p:cNvPr id="2" name="ZoneTexte 1">
+            <a:extLst>
+              <a:ext uri="{FF2B5EF4-FFF2-40B4-BE49-F238E27FC236}">
+                <a16:creationId xmlns:a16="http://schemas.microsoft.com/office/drawing/2014/main" id="{D0CFDBEC-2A8F-441F-AD56-4AF3A8F7EA99}"/>
+              </a:ext>
+            </a:extLst>
+          </p:cNvPr>
+          <p:cNvSpPr txBox="1"/>
+          <p:nvPr/>
+        </p:nvSpPr>
+        <p:spPr>
+          <a:xfrm>
+            <a:off x="7148573" y="4025724"/>
+            <a:ext cx="530915" cy="369332"/>
+          </a:xfrm>
+          <a:prstGeom prst="rect">
+            <a:avLst/>
+          </a:prstGeom>
+          <a:noFill/>
+        </p:spPr>
+        <p:txBody>
+          <a:bodyPr wrap="none" rtlCol="0">
+            <a:spAutoFit/>
+          </a:bodyPr>
+          <a:lstStyle/>
+          <a:p>
+            <a:r>
+              <a:rPr lang="es-ES" b="1" dirty="0">
+                <a:solidFill>
+                  <a:schemeClr val="bg1"/>
+                </a:solidFill>
+                <a:latin typeface="Arial Black" panose="020B0A04020102020204" pitchFamily="34" charset="0"/>
+              </a:rPr>
+              <a:t>FN</a:t>
+            </a:r>
+            <a:endParaRPr lang="fr-FR" b="1" dirty="0">
+              <a:solidFill>
+                <a:schemeClr val="bg1"/>
+              </a:solidFill>
+              <a:latin typeface="Arial Black" panose="020B0A04020102020204" pitchFamily="34" charset="0"/>
             </a:endParaRPr>
           </a:p>
         </p:txBody>
@@ -20855,7 +21258,7 @@
                 </a:solidFill>
                 <a:latin typeface="Google Sans"/>
               </a:rPr>
-              <a:t>Dashboard</a:t>
+              <a:t>Tableau de bord</a:t>
             </a:r>
           </a:p>
           <a:p>
@@ -21070,7 +21473,7 @@
         </p:blipFill>
         <p:spPr>
           <a:xfrm>
-            <a:off x="7469766" y="1510259"/>
+            <a:off x="7138690" y="1510259"/>
             <a:ext cx="4339732" cy="3615827"/>
           </a:xfrm>
           <a:prstGeom prst="rect">
@@ -21293,7 +21696,7 @@
           </a:lstStyle>
           <a:p>
             <a:r>
-              <a:rPr lang="es-ES" b="1" dirty="0" err="1">
+              <a:rPr lang="fr-FR" b="1" dirty="0">
                 <a:ln>
                   <a:solidFill>
                     <a:srgbClr val="7451EB"/>
@@ -21311,26 +21714,8 @@
                 </a:effectLst>
                 <a:latin typeface="Google Sans"/>
               </a:rPr>
-              <a:t>Dashboard</a:t>
-            </a:r>
-            <a:endParaRPr lang="fr-FR" b="1" dirty="0">
-              <a:ln>
-                <a:solidFill>
-                  <a:srgbClr val="7451EB"/>
-                </a:solidFill>
-              </a:ln>
-              <a:solidFill>
-                <a:srgbClr val="7451EB"/>
-              </a:solidFill>
-              <a:effectLst>
-                <a:outerShdw blurRad="38100" dist="38100" dir="2700000" algn="tl">
-                  <a:srgbClr val="000000">
-                    <a:alpha val="43137"/>
-                  </a:srgbClr>
-                </a:outerShdw>
-              </a:effectLst>
-              <a:latin typeface="Google Sans"/>
-            </a:endParaRPr>
+              <a:t>Tableau de bord</a:t>
+            </a:r>
           </a:p>
         </p:txBody>
       </p:sp>
@@ -23178,74 +23563,6 @@
       </p:grpSpPr>
       <p:sp>
         <p:nvSpPr>
-          <p:cNvPr id="12" name="ZoneTexte 11">
-            <a:extLst>
-              <a:ext uri="{FF2B5EF4-FFF2-40B4-BE49-F238E27FC236}">
-                <a16:creationId xmlns:a16="http://schemas.microsoft.com/office/drawing/2014/main" id="{D7C8F010-0264-41F8-A7F2-98F8DBFDEECA}"/>
-              </a:ext>
-            </a:extLst>
-          </p:cNvPr>
-          <p:cNvSpPr txBox="1"/>
-          <p:nvPr/>
-        </p:nvSpPr>
-        <p:spPr>
-          <a:xfrm>
-            <a:off x="8853544" y="1110241"/>
-            <a:ext cx="3338455" cy="400110"/>
-          </a:xfrm>
-          <a:prstGeom prst="rect">
-            <a:avLst/>
-          </a:prstGeom>
-          <a:solidFill>
-            <a:srgbClr val="00B050"/>
-          </a:solidFill>
-          <a:ln>
-            <a:solidFill>
-              <a:srgbClr val="00B050"/>
-            </a:solidFill>
-          </a:ln>
-        </p:spPr>
-        <p:txBody>
-          <a:bodyPr wrap="square">
-            <a:spAutoFit/>
-          </a:bodyPr>
-          <a:lstStyle/>
-          <a:p>
-            <a:pPr algn="r"/>
-            <a:r>
-              <a:rPr lang="fr-FR" sz="2000" b="1" i="1" dirty="0">
-                <a:ln>
-                  <a:solidFill>
-                    <a:schemeClr val="bg1"/>
-                  </a:solidFill>
-                </a:ln>
-                <a:solidFill>
-                  <a:schemeClr val="bg1"/>
-                </a:solidFill>
-                <a:latin typeface="docs-Roboto"/>
-              </a:rPr>
-              <a:t>Client avec crédit accepté</a:t>
-            </a:r>
-            <a:endParaRPr lang="fr-FR" sz="1200" b="1" i="1" dirty="0">
-              <a:ln>
-                <a:solidFill>
-                  <a:schemeClr val="bg1">
-                    <a:lumMod val="85000"/>
-                  </a:schemeClr>
-                </a:solidFill>
-              </a:ln>
-              <a:solidFill>
-                <a:schemeClr val="bg1">
-                  <a:lumMod val="85000"/>
-                </a:schemeClr>
-              </a:solidFill>
-              <a:latin typeface="Google Sans"/>
-            </a:endParaRPr>
-          </a:p>
-        </p:txBody>
-      </p:sp>
-      <p:sp>
-        <p:nvSpPr>
           <p:cNvPr id="5" name="Rectangle 4">
             <a:extLst>
               <a:ext uri="{FF2B5EF4-FFF2-40B4-BE49-F238E27FC236}">
@@ -23414,7 +23731,7 @@
                 </a:solidFill>
                 <a:latin typeface="Google Sans"/>
               </a:rPr>
-              <a:t>Dashboard</a:t>
+              <a:t>L'architecture</a:t>
             </a:r>
           </a:p>
         </p:txBody>
@@ -23566,128 +23883,12 @@
           </a:p>
         </p:txBody>
       </p:sp>
-      <p:pic>
-        <p:nvPicPr>
-          <p:cNvPr id="3" name="Image 2">
-            <a:extLst>
-              <a:ext uri="{FF2B5EF4-FFF2-40B4-BE49-F238E27FC236}">
-                <a16:creationId xmlns:a16="http://schemas.microsoft.com/office/drawing/2014/main" id="{DCBCDDA3-B501-4CB0-AAC8-4BA8B2D90722}"/>
-              </a:ext>
-            </a:extLst>
-          </p:cNvPr>
-          <p:cNvPicPr>
-            <a:picLocks noChangeAspect="1"/>
-          </p:cNvPicPr>
-          <p:nvPr/>
-        </p:nvPicPr>
-        <p:blipFill>
-          <a:blip r:embed="rId3"/>
-          <a:stretch>
-            <a:fillRect/>
-          </a:stretch>
-        </p:blipFill>
-        <p:spPr>
-          <a:xfrm>
-            <a:off x="669796" y="1204205"/>
-            <a:ext cx="5426203" cy="3102721"/>
-          </a:xfrm>
-          <a:prstGeom prst="rect">
-            <a:avLst/>
-          </a:prstGeom>
-          <a:ln>
-            <a:noFill/>
-          </a:ln>
-          <a:effectLst>
-            <a:outerShdw blurRad="292100" dist="139700" dir="2700000" algn="tl" rotWithShape="0">
-              <a:srgbClr val="333333">
-                <a:alpha val="65000"/>
-              </a:srgbClr>
-            </a:outerShdw>
-          </a:effectLst>
-        </p:spPr>
-      </p:pic>
-      <p:pic>
-        <p:nvPicPr>
-          <p:cNvPr id="7" name="Image 6">
-            <a:extLst>
-              <a:ext uri="{FF2B5EF4-FFF2-40B4-BE49-F238E27FC236}">
-                <a16:creationId xmlns:a16="http://schemas.microsoft.com/office/drawing/2014/main" id="{C9819D2C-220C-4CA5-A0D1-100BA0A7FDBF}"/>
-              </a:ext>
-            </a:extLst>
-          </p:cNvPr>
-          <p:cNvPicPr>
-            <a:picLocks noChangeAspect="1"/>
-          </p:cNvPicPr>
-          <p:nvPr/>
-        </p:nvPicPr>
-        <p:blipFill>
-          <a:blip r:embed="rId4"/>
-          <a:stretch>
-            <a:fillRect/>
-          </a:stretch>
-        </p:blipFill>
-        <p:spPr>
-          <a:xfrm>
-            <a:off x="6269533" y="2894532"/>
-            <a:ext cx="5426203" cy="3041857"/>
-          </a:xfrm>
-          <a:prstGeom prst="rect">
-            <a:avLst/>
-          </a:prstGeom>
-          <a:ln>
-            <a:noFill/>
-          </a:ln>
-          <a:effectLst>
-            <a:outerShdw blurRad="292100" dist="139700" dir="2700000" algn="tl" rotWithShape="0">
-              <a:srgbClr val="333333">
-                <a:alpha val="65000"/>
-              </a:srgbClr>
-            </a:outerShdw>
-          </a:effectLst>
-        </p:spPr>
-      </p:pic>
-      <p:pic>
-        <p:nvPicPr>
-          <p:cNvPr id="13" name="Image 12">
-            <a:extLst>
-              <a:ext uri="{FF2B5EF4-FFF2-40B4-BE49-F238E27FC236}">
-                <a16:creationId xmlns:a16="http://schemas.microsoft.com/office/drawing/2014/main" id="{F946367D-345D-475E-9DEF-C7E66DFBFB06}"/>
-              </a:ext>
-            </a:extLst>
-          </p:cNvPr>
-          <p:cNvPicPr>
-            <a:picLocks noChangeAspect="1"/>
-          </p:cNvPicPr>
-          <p:nvPr/>
-        </p:nvPicPr>
-        <p:blipFill>
-          <a:blip r:embed="rId5">
-            <a:extLst>
-              <a:ext uri="{28A0092B-C50C-407E-A947-70E740481C1C}">
-                <a14:useLocalDpi xmlns:a14="http://schemas.microsoft.com/office/drawing/2010/main" val="0"/>
-              </a:ext>
-            </a:extLst>
-          </a:blip>
-          <a:stretch>
-            <a:fillRect/>
-          </a:stretch>
-        </p:blipFill>
-        <p:spPr>
-          <a:xfrm>
-            <a:off x="279917" y="6042797"/>
-            <a:ext cx="288000" cy="288000"/>
-          </a:xfrm>
-          <a:prstGeom prst="rect">
-            <a:avLst/>
-          </a:prstGeom>
-        </p:spPr>
-      </p:pic>
-      <p:sp>
-        <p:nvSpPr>
-          <p:cNvPr id="14" name="ZoneTexte 13">
-            <a:extLst>
-              <a:ext uri="{FF2B5EF4-FFF2-40B4-BE49-F238E27FC236}">
-                <a16:creationId xmlns:a16="http://schemas.microsoft.com/office/drawing/2014/main" id="{832B6571-D09E-4355-9CF2-F1B0D52CC4B3}"/>
+      <p:sp>
+        <p:nvSpPr>
+          <p:cNvPr id="22" name="ZoneTexte 21">
+            <a:extLst>
+              <a:ext uri="{FF2B5EF4-FFF2-40B4-BE49-F238E27FC236}">
+                <a16:creationId xmlns:a16="http://schemas.microsoft.com/office/drawing/2014/main" id="{A0B3C950-BE53-47BE-AE89-F8CAB9578A0B}"/>
               </a:ext>
             </a:extLst>
           </p:cNvPr>
@@ -23695,48 +23896,48 @@
           <p:nvPr/>
         </p:nvSpPr>
         <p:spPr>
-          <a:xfrm>
-            <a:off x="561266" y="6032908"/>
-            <a:ext cx="3963521" cy="307777"/>
+          <a:xfrm rot="2853657">
+            <a:off x="7528034" y="1552903"/>
+            <a:ext cx="3237732" cy="1015663"/>
           </a:xfrm>
           <a:prstGeom prst="rect">
             <a:avLst/>
           </a:prstGeom>
           <a:noFill/>
+          <a:ln w="38100">
+            <a:solidFill>
+              <a:srgbClr val="FF0000"/>
+            </a:solidFill>
+            <a:prstDash val="lgDash"/>
+          </a:ln>
         </p:spPr>
         <p:txBody>
-          <a:bodyPr wrap="square">
+          <a:bodyPr wrap="square" rtlCol="0">
             <a:spAutoFit/>
           </a:bodyPr>
           <a:lstStyle/>
           <a:p>
-            <a:r>
-              <a:rPr lang="fr-FR" sz="1400" b="1" dirty="0">
-                <a:solidFill>
-                  <a:schemeClr val="bg1">
-                    <a:lumMod val="75000"/>
-                  </a:schemeClr>
-                </a:solidFill>
-              </a:rPr>
-              <a:t>Dashboard: </a:t>
-            </a:r>
-            <a:r>
-              <a:rPr lang="fr-FR" sz="1400" i="1" dirty="0">
-                <a:solidFill>
-                  <a:schemeClr val="bg1">
-                    <a:lumMod val="75000"/>
-                  </a:schemeClr>
-                </a:solidFill>
-              </a:rPr>
-              <a:t>http://home-credit.samirhinojosa.com</a:t>
-            </a:r>
+            <a:pPr algn="ctr"/>
+            <a:r>
+              <a:rPr lang="es-ES" sz="6000" b="1" dirty="0">
+                <a:solidFill>
+                  <a:srgbClr val="FF0000"/>
+                </a:solidFill>
+              </a:rPr>
+              <a:t>REVISAR</a:t>
+            </a:r>
+            <a:endParaRPr lang="fr-FR" sz="6000" b="1" dirty="0">
+              <a:solidFill>
+                <a:srgbClr val="FF0000"/>
+              </a:solidFill>
+            </a:endParaRPr>
           </a:p>
         </p:txBody>
       </p:sp>
     </p:spTree>
     <p:extLst>
       <p:ext uri="{BB962C8B-B14F-4D97-AF65-F5344CB8AC3E}">
-        <p14:creationId xmlns:p14="http://schemas.microsoft.com/office/powerpoint/2010/main" val="940881373"/>
+        <p14:creationId xmlns:p14="http://schemas.microsoft.com/office/powerpoint/2010/main" val="2593889019"/>
       </p:ext>
     </p:extLst>
   </p:cSld>
@@ -23763,46 +23964,74 @@
           <a:chExt cx="0" cy="0"/>
         </a:xfrm>
       </p:grpSpPr>
-      <p:pic>
-        <p:nvPicPr>
-          <p:cNvPr id="13" name="Image 12">
-            <a:extLst>
-              <a:ext uri="{FF2B5EF4-FFF2-40B4-BE49-F238E27FC236}">
-                <a16:creationId xmlns:a16="http://schemas.microsoft.com/office/drawing/2014/main" id="{18D337F2-6752-41B5-9F73-1C9BFE3529BC}"/>
-              </a:ext>
-            </a:extLst>
-          </p:cNvPr>
-          <p:cNvPicPr>
-            <a:picLocks noChangeAspect="1"/>
-          </p:cNvPicPr>
+      <p:sp>
+        <p:nvSpPr>
+          <p:cNvPr id="12" name="ZoneTexte 11">
+            <a:extLst>
+              <a:ext uri="{FF2B5EF4-FFF2-40B4-BE49-F238E27FC236}">
+                <a16:creationId xmlns:a16="http://schemas.microsoft.com/office/drawing/2014/main" id="{D7C8F010-0264-41F8-A7F2-98F8DBFDEECA}"/>
+              </a:ext>
+            </a:extLst>
+          </p:cNvPr>
+          <p:cNvSpPr txBox="1"/>
           <p:nvPr/>
-        </p:nvPicPr>
-        <p:blipFill>
-          <a:blip r:embed="rId3"/>
-          <a:stretch>
-            <a:fillRect/>
-          </a:stretch>
-        </p:blipFill>
+        </p:nvSpPr>
         <p:spPr>
           <a:xfrm>
-            <a:off x="669796" y="1185217"/>
-            <a:ext cx="5426203" cy="3154256"/>
+            <a:off x="8853544" y="1110241"/>
+            <a:ext cx="3338455" cy="400110"/>
           </a:xfrm>
           <a:prstGeom prst="rect">
             <a:avLst/>
           </a:prstGeom>
+          <a:solidFill>
+            <a:srgbClr val="00B050"/>
+          </a:solidFill>
           <a:ln>
-            <a:noFill/>
+            <a:solidFill>
+              <a:srgbClr val="00B050"/>
+            </a:solidFill>
           </a:ln>
-          <a:effectLst>
-            <a:outerShdw blurRad="292100" dist="139700" dir="2700000" algn="tl" rotWithShape="0">
-              <a:srgbClr val="333333">
-                <a:alpha val="65000"/>
-              </a:srgbClr>
-            </a:outerShdw>
-          </a:effectLst>
         </p:spPr>
-      </p:pic>
+        <p:txBody>
+          <a:bodyPr wrap="square">
+            <a:spAutoFit/>
+          </a:bodyPr>
+          <a:lstStyle/>
+          <a:p>
+            <a:pPr algn="r"/>
+            <a:r>
+              <a:rPr lang="fr-FR" sz="2000" b="1" i="1" dirty="0">
+                <a:ln>
+                  <a:solidFill>
+                    <a:schemeClr val="bg1"/>
+                  </a:solidFill>
+                </a:ln>
+                <a:solidFill>
+                  <a:schemeClr val="bg1"/>
+                </a:solidFill>
+                <a:latin typeface="docs-Roboto"/>
+              </a:rPr>
+              <a:t>Client avec crédit accepté</a:t>
+            </a:r>
+            <a:endParaRPr lang="fr-FR" sz="1200" b="1" i="1" dirty="0">
+              <a:ln>
+                <a:solidFill>
+                  <a:schemeClr val="bg1">
+                    <a:lumMod val="85000"/>
+                  </a:schemeClr>
+                </a:solidFill>
+              </a:ln>
+              <a:solidFill>
+                <a:schemeClr val="bg1">
+                  <a:lumMod val="85000"/>
+                </a:schemeClr>
+              </a:solidFill>
+              <a:latin typeface="Google Sans"/>
+            </a:endParaRPr>
+          </a:p>
+        </p:txBody>
+      </p:sp>
       <p:sp>
         <p:nvSpPr>
           <p:cNvPr id="5" name="Rectangle 4">
@@ -23973,7 +24202,7 @@
                 </a:solidFill>
                 <a:latin typeface="Google Sans"/>
               </a:rPr>
-              <a:t>Dashboard</a:t>
+              <a:t>Tableau de bord</a:t>
             </a:r>
           </a:p>
         </p:txBody>
@@ -24127,6 +24356,565 @@
       </p:sp>
       <p:pic>
         <p:nvPicPr>
+          <p:cNvPr id="3" name="Image 2">
+            <a:extLst>
+              <a:ext uri="{FF2B5EF4-FFF2-40B4-BE49-F238E27FC236}">
+                <a16:creationId xmlns:a16="http://schemas.microsoft.com/office/drawing/2014/main" id="{DCBCDDA3-B501-4CB0-AAC8-4BA8B2D90722}"/>
+              </a:ext>
+            </a:extLst>
+          </p:cNvPr>
+          <p:cNvPicPr>
+            <a:picLocks noChangeAspect="1"/>
+          </p:cNvPicPr>
+          <p:nvPr/>
+        </p:nvPicPr>
+        <p:blipFill>
+          <a:blip r:embed="rId3"/>
+          <a:stretch>
+            <a:fillRect/>
+          </a:stretch>
+        </p:blipFill>
+        <p:spPr>
+          <a:xfrm>
+            <a:off x="669796" y="1204205"/>
+            <a:ext cx="5426203" cy="3102721"/>
+          </a:xfrm>
+          <a:prstGeom prst="rect">
+            <a:avLst/>
+          </a:prstGeom>
+          <a:ln>
+            <a:noFill/>
+          </a:ln>
+          <a:effectLst>
+            <a:outerShdw blurRad="292100" dist="139700" dir="2700000" algn="tl" rotWithShape="0">
+              <a:srgbClr val="333333">
+                <a:alpha val="65000"/>
+              </a:srgbClr>
+            </a:outerShdw>
+          </a:effectLst>
+        </p:spPr>
+      </p:pic>
+      <p:pic>
+        <p:nvPicPr>
+          <p:cNvPr id="7" name="Image 6">
+            <a:extLst>
+              <a:ext uri="{FF2B5EF4-FFF2-40B4-BE49-F238E27FC236}">
+                <a16:creationId xmlns:a16="http://schemas.microsoft.com/office/drawing/2014/main" id="{C9819D2C-220C-4CA5-A0D1-100BA0A7FDBF}"/>
+              </a:ext>
+            </a:extLst>
+          </p:cNvPr>
+          <p:cNvPicPr>
+            <a:picLocks noChangeAspect="1"/>
+          </p:cNvPicPr>
+          <p:nvPr/>
+        </p:nvPicPr>
+        <p:blipFill>
+          <a:blip r:embed="rId4"/>
+          <a:stretch>
+            <a:fillRect/>
+          </a:stretch>
+        </p:blipFill>
+        <p:spPr>
+          <a:xfrm>
+            <a:off x="6269533" y="2894532"/>
+            <a:ext cx="5426203" cy="3041857"/>
+          </a:xfrm>
+          <a:prstGeom prst="rect">
+            <a:avLst/>
+          </a:prstGeom>
+          <a:ln>
+            <a:noFill/>
+          </a:ln>
+          <a:effectLst>
+            <a:outerShdw blurRad="292100" dist="139700" dir="2700000" algn="tl" rotWithShape="0">
+              <a:srgbClr val="333333">
+                <a:alpha val="65000"/>
+              </a:srgbClr>
+            </a:outerShdw>
+          </a:effectLst>
+        </p:spPr>
+      </p:pic>
+      <p:pic>
+        <p:nvPicPr>
+          <p:cNvPr id="13" name="Image 12">
+            <a:extLst>
+              <a:ext uri="{FF2B5EF4-FFF2-40B4-BE49-F238E27FC236}">
+                <a16:creationId xmlns:a16="http://schemas.microsoft.com/office/drawing/2014/main" id="{F946367D-345D-475E-9DEF-C7E66DFBFB06}"/>
+              </a:ext>
+            </a:extLst>
+          </p:cNvPr>
+          <p:cNvPicPr>
+            <a:picLocks noChangeAspect="1"/>
+          </p:cNvPicPr>
+          <p:nvPr/>
+        </p:nvPicPr>
+        <p:blipFill>
+          <a:blip r:embed="rId5">
+            <a:extLst>
+              <a:ext uri="{28A0092B-C50C-407E-A947-70E740481C1C}">
+                <a14:useLocalDpi xmlns:a14="http://schemas.microsoft.com/office/drawing/2010/main" val="0"/>
+              </a:ext>
+            </a:extLst>
+          </a:blip>
+          <a:stretch>
+            <a:fillRect/>
+          </a:stretch>
+        </p:blipFill>
+        <p:spPr>
+          <a:xfrm>
+            <a:off x="279917" y="6042797"/>
+            <a:ext cx="288000" cy="288000"/>
+          </a:xfrm>
+          <a:prstGeom prst="rect">
+            <a:avLst/>
+          </a:prstGeom>
+        </p:spPr>
+      </p:pic>
+      <p:sp>
+        <p:nvSpPr>
+          <p:cNvPr id="14" name="ZoneTexte 13">
+            <a:extLst>
+              <a:ext uri="{FF2B5EF4-FFF2-40B4-BE49-F238E27FC236}">
+                <a16:creationId xmlns:a16="http://schemas.microsoft.com/office/drawing/2014/main" id="{832B6571-D09E-4355-9CF2-F1B0D52CC4B3}"/>
+              </a:ext>
+            </a:extLst>
+          </p:cNvPr>
+          <p:cNvSpPr txBox="1"/>
+          <p:nvPr/>
+        </p:nvSpPr>
+        <p:spPr>
+          <a:xfrm>
+            <a:off x="561266" y="6032908"/>
+            <a:ext cx="3963521" cy="307777"/>
+          </a:xfrm>
+          <a:prstGeom prst="rect">
+            <a:avLst/>
+          </a:prstGeom>
+          <a:noFill/>
+        </p:spPr>
+        <p:txBody>
+          <a:bodyPr wrap="square">
+            <a:spAutoFit/>
+          </a:bodyPr>
+          <a:lstStyle/>
+          <a:p>
+            <a:r>
+              <a:rPr lang="fr-FR" sz="1400" b="1" dirty="0">
+                <a:solidFill>
+                  <a:schemeClr val="bg1">
+                    <a:lumMod val="75000"/>
+                  </a:schemeClr>
+                </a:solidFill>
+              </a:rPr>
+              <a:t>Dashboard: </a:t>
+            </a:r>
+            <a:r>
+              <a:rPr lang="fr-FR" sz="1400" i="1" dirty="0">
+                <a:solidFill>
+                  <a:schemeClr val="bg1">
+                    <a:lumMod val="75000"/>
+                  </a:schemeClr>
+                </a:solidFill>
+              </a:rPr>
+              <a:t>http://home-credit.samirhinojosa.com</a:t>
+            </a:r>
+          </a:p>
+        </p:txBody>
+      </p:sp>
+    </p:spTree>
+    <p:extLst>
+      <p:ext uri="{BB962C8B-B14F-4D97-AF65-F5344CB8AC3E}">
+        <p14:creationId xmlns:p14="http://schemas.microsoft.com/office/powerpoint/2010/main" val="940881373"/>
+      </p:ext>
+    </p:extLst>
+  </p:cSld>
+  <p:clrMapOvr>
+    <a:masterClrMapping/>
+  </p:clrMapOvr>
+</p:sld>
+</file>
+
+<file path=ppt/slides/slide24.xml><?xml version="1.0" encoding="utf-8"?>
+<p:sld xmlns:a="http://schemas.openxmlformats.org/drawingml/2006/main" xmlns:r="http://schemas.openxmlformats.org/officeDocument/2006/relationships" xmlns:p="http://schemas.openxmlformats.org/presentationml/2006/main">
+  <p:cSld>
+    <p:spTree>
+      <p:nvGrpSpPr>
+        <p:cNvPr id="1" name=""/>
+        <p:cNvGrpSpPr/>
+        <p:nvPr/>
+      </p:nvGrpSpPr>
+      <p:grpSpPr>
+        <a:xfrm>
+          <a:off x="0" y="0"/>
+          <a:ext cx="0" cy="0"/>
+          <a:chOff x="0" y="0"/>
+          <a:chExt cx="0" cy="0"/>
+        </a:xfrm>
+      </p:grpSpPr>
+      <p:pic>
+        <p:nvPicPr>
+          <p:cNvPr id="13" name="Image 12">
+            <a:extLst>
+              <a:ext uri="{FF2B5EF4-FFF2-40B4-BE49-F238E27FC236}">
+                <a16:creationId xmlns:a16="http://schemas.microsoft.com/office/drawing/2014/main" id="{18D337F2-6752-41B5-9F73-1C9BFE3529BC}"/>
+              </a:ext>
+            </a:extLst>
+          </p:cNvPr>
+          <p:cNvPicPr>
+            <a:picLocks noChangeAspect="1"/>
+          </p:cNvPicPr>
+          <p:nvPr/>
+        </p:nvPicPr>
+        <p:blipFill>
+          <a:blip r:embed="rId3"/>
+          <a:stretch>
+            <a:fillRect/>
+          </a:stretch>
+        </p:blipFill>
+        <p:spPr>
+          <a:xfrm>
+            <a:off x="669796" y="1185217"/>
+            <a:ext cx="5426203" cy="3154256"/>
+          </a:xfrm>
+          <a:prstGeom prst="rect">
+            <a:avLst/>
+          </a:prstGeom>
+          <a:ln>
+            <a:noFill/>
+          </a:ln>
+          <a:effectLst>
+            <a:outerShdw blurRad="292100" dist="139700" dir="2700000" algn="tl" rotWithShape="0">
+              <a:srgbClr val="333333">
+                <a:alpha val="65000"/>
+              </a:srgbClr>
+            </a:outerShdw>
+          </a:effectLst>
+        </p:spPr>
+      </p:pic>
+      <p:sp>
+        <p:nvSpPr>
+          <p:cNvPr id="5" name="Rectangle 4">
+            <a:extLst>
+              <a:ext uri="{FF2B5EF4-FFF2-40B4-BE49-F238E27FC236}">
+                <a16:creationId xmlns:a16="http://schemas.microsoft.com/office/drawing/2014/main" id="{A00233D2-38CE-441F-90C9-32F91999758A}"/>
+              </a:ext>
+            </a:extLst>
+          </p:cNvPr>
+          <p:cNvSpPr/>
+          <p:nvPr/>
+        </p:nvSpPr>
+        <p:spPr>
+          <a:xfrm>
+            <a:off x="0" y="6400273"/>
+            <a:ext cx="12192000" cy="457727"/>
+          </a:xfrm>
+          <a:prstGeom prst="rect">
+            <a:avLst/>
+          </a:prstGeom>
+          <a:solidFill>
+            <a:srgbClr val="7451EB"/>
+          </a:solidFill>
+          <a:ln>
+            <a:solidFill>
+              <a:srgbClr val="7451EB"/>
+            </a:solidFill>
+          </a:ln>
+        </p:spPr>
+        <p:style>
+          <a:lnRef idx="2">
+            <a:schemeClr val="accent1">
+              <a:shade val="50000"/>
+            </a:schemeClr>
+          </a:lnRef>
+          <a:fillRef idx="1">
+            <a:schemeClr val="accent1"/>
+          </a:fillRef>
+          <a:effectRef idx="0">
+            <a:schemeClr val="accent1"/>
+          </a:effectRef>
+          <a:fontRef idx="minor">
+            <a:schemeClr val="lt1"/>
+          </a:fontRef>
+        </p:style>
+        <p:txBody>
+          <a:bodyPr rtlCol="0" anchor="ctr"/>
+          <a:lstStyle/>
+          <a:p>
+            <a:pPr algn="ctr"/>
+            <a:endParaRPr lang="en-US" dirty="0"/>
+          </a:p>
+        </p:txBody>
+      </p:sp>
+      <p:sp>
+        <p:nvSpPr>
+          <p:cNvPr id="15" name="TextBox 3">
+            <a:extLst>
+              <a:ext uri="{FF2B5EF4-FFF2-40B4-BE49-F238E27FC236}">
+                <a16:creationId xmlns:a16="http://schemas.microsoft.com/office/drawing/2014/main" id="{47FC2DCC-BDE9-485D-AF79-4177B5479110}"/>
+              </a:ext>
+            </a:extLst>
+          </p:cNvPr>
+          <p:cNvSpPr txBox="1"/>
+          <p:nvPr/>
+        </p:nvSpPr>
+        <p:spPr>
+          <a:xfrm>
+            <a:off x="10543592" y="6475247"/>
+            <a:ext cx="1648408" cy="307777"/>
+          </a:xfrm>
+          <a:prstGeom prst="rect">
+            <a:avLst/>
+          </a:prstGeom>
+          <a:noFill/>
+        </p:spPr>
+        <p:txBody>
+          <a:bodyPr wrap="square" rtlCol="0">
+            <a:spAutoFit/>
+          </a:bodyPr>
+          <a:lstStyle/>
+          <a:p>
+            <a:pPr algn="r"/>
+            <a:r>
+              <a:rPr lang="es-CO" sz="1400" b="1" i="1" dirty="0" err="1">
+                <a:ln>
+                  <a:solidFill>
+                    <a:schemeClr val="bg1"/>
+                  </a:solidFill>
+                </a:ln>
+                <a:solidFill>
+                  <a:schemeClr val="bg1"/>
+                </a:solidFill>
+                <a:latin typeface="+mj-lt"/>
+              </a:rPr>
+              <a:t>OpenClassrooms</a:t>
+            </a:r>
+            <a:endParaRPr lang="en-US" sz="1400" b="1" i="1" dirty="0">
+              <a:ln>
+                <a:solidFill>
+                  <a:schemeClr val="bg1"/>
+                </a:solidFill>
+              </a:ln>
+              <a:solidFill>
+                <a:schemeClr val="bg1"/>
+              </a:solidFill>
+              <a:latin typeface="+mj-lt"/>
+            </a:endParaRPr>
+          </a:p>
+        </p:txBody>
+      </p:sp>
+      <p:sp>
+        <p:nvSpPr>
+          <p:cNvPr id="10" name="Titre 1">
+            <a:extLst>
+              <a:ext uri="{FF2B5EF4-FFF2-40B4-BE49-F238E27FC236}">
+                <a16:creationId xmlns:a16="http://schemas.microsoft.com/office/drawing/2014/main" id="{224E5C7D-3656-459F-9C01-61200508167F}"/>
+              </a:ext>
+            </a:extLst>
+          </p:cNvPr>
+          <p:cNvSpPr txBox="1">
+            <a:spLocks/>
+          </p:cNvSpPr>
+          <p:nvPr/>
+        </p:nvSpPr>
+        <p:spPr>
+          <a:xfrm>
+            <a:off x="279917" y="432794"/>
+            <a:ext cx="8573627" cy="696438"/>
+          </a:xfrm>
+          <a:prstGeom prst="rect">
+            <a:avLst/>
+          </a:prstGeom>
+        </p:spPr>
+        <p:txBody>
+          <a:bodyPr vert="horz" lIns="91440" tIns="45720" rIns="91440" bIns="45720" rtlCol="0" anchor="ctr">
+            <a:normAutofit/>
+          </a:bodyPr>
+          <a:lstStyle>
+            <a:lvl1pPr algn="l" defTabSz="914400" rtl="0" eaLnBrk="1" latinLnBrk="0" hangingPunct="1">
+              <a:lnSpc>
+                <a:spcPct val="90000"/>
+              </a:lnSpc>
+              <a:spcBef>
+                <a:spcPct val="0"/>
+              </a:spcBef>
+              <a:buNone/>
+              <a:defRPr sz="4400" kern="1200">
+                <a:solidFill>
+                  <a:schemeClr val="tx1"/>
+                </a:solidFill>
+                <a:latin typeface="+mj-lt"/>
+                <a:ea typeface="+mj-ea"/>
+                <a:cs typeface="+mj-cs"/>
+              </a:defRPr>
+            </a:lvl1pPr>
+          </a:lstStyle>
+          <a:p>
+            <a:r>
+              <a:rPr lang="fr-FR" sz="4000" b="1" dirty="0">
+                <a:ln>
+                  <a:solidFill>
+                    <a:srgbClr val="7451EB"/>
+                  </a:solidFill>
+                </a:ln>
+                <a:solidFill>
+                  <a:srgbClr val="7451EB"/>
+                </a:solidFill>
+                <a:latin typeface="Google Sans"/>
+              </a:rPr>
+              <a:t>Tableau de bord</a:t>
+            </a:r>
+          </a:p>
+        </p:txBody>
+      </p:sp>
+      <p:sp>
+        <p:nvSpPr>
+          <p:cNvPr id="11" name="Rectángulo 4">
+            <a:extLst>
+              <a:ext uri="{FF2B5EF4-FFF2-40B4-BE49-F238E27FC236}">
+                <a16:creationId xmlns:a16="http://schemas.microsoft.com/office/drawing/2014/main" id="{B84F0FDC-2C73-4C87-9CC7-F9F129B3A699}"/>
+              </a:ext>
+            </a:extLst>
+          </p:cNvPr>
+          <p:cNvSpPr/>
+          <p:nvPr/>
+        </p:nvSpPr>
+        <p:spPr>
+          <a:xfrm>
+            <a:off x="377906" y="378794"/>
+            <a:ext cx="366721" cy="54000"/>
+          </a:xfrm>
+          <a:prstGeom prst="rect">
+            <a:avLst/>
+          </a:prstGeom>
+          <a:solidFill>
+            <a:srgbClr val="7451EB"/>
+          </a:solidFill>
+          <a:ln>
+            <a:solidFill>
+              <a:srgbClr val="7451EB"/>
+            </a:solidFill>
+          </a:ln>
+        </p:spPr>
+        <p:style>
+          <a:lnRef idx="2">
+            <a:schemeClr val="accent1">
+              <a:shade val="50000"/>
+            </a:schemeClr>
+          </a:lnRef>
+          <a:fillRef idx="1">
+            <a:schemeClr val="accent1"/>
+          </a:fillRef>
+          <a:effectRef idx="0">
+            <a:schemeClr val="accent1"/>
+          </a:effectRef>
+          <a:fontRef idx="minor">
+            <a:schemeClr val="lt1"/>
+          </a:fontRef>
+        </p:style>
+        <p:txBody>
+          <a:bodyPr rtlCol="0" anchor="ctr"/>
+          <a:lstStyle/>
+          <a:p>
+            <a:pPr algn="ctr"/>
+            <a:endParaRPr lang="es-AR">
+              <a:ln>
+                <a:solidFill>
+                  <a:srgbClr val="7451EB"/>
+                </a:solidFill>
+              </a:ln>
+              <a:solidFill>
+                <a:srgbClr val="7451EB"/>
+              </a:solidFill>
+            </a:endParaRPr>
+          </a:p>
+        </p:txBody>
+      </p:sp>
+      <p:sp>
+        <p:nvSpPr>
+          <p:cNvPr id="21" name="TextBox 3">
+            <a:extLst>
+              <a:ext uri="{FF2B5EF4-FFF2-40B4-BE49-F238E27FC236}">
+                <a16:creationId xmlns:a16="http://schemas.microsoft.com/office/drawing/2014/main" id="{A5BD8A43-F558-4214-B2E7-69AB8718A791}"/>
+              </a:ext>
+            </a:extLst>
+          </p:cNvPr>
+          <p:cNvSpPr txBox="1"/>
+          <p:nvPr/>
+        </p:nvSpPr>
+        <p:spPr>
+          <a:xfrm>
+            <a:off x="0" y="6475247"/>
+            <a:ext cx="8982635" cy="307777"/>
+          </a:xfrm>
+          <a:prstGeom prst="rect">
+            <a:avLst/>
+          </a:prstGeom>
+          <a:noFill/>
+        </p:spPr>
+        <p:txBody>
+          <a:bodyPr wrap="square" rtlCol="0">
+            <a:spAutoFit/>
+          </a:bodyPr>
+          <a:lstStyle/>
+          <a:p>
+            <a:r>
+              <a:rPr lang="es-CO" sz="1400" dirty="0">
+                <a:ln>
+                  <a:solidFill>
+                    <a:schemeClr val="bg1"/>
+                  </a:solidFill>
+                </a:ln>
+                <a:solidFill>
+                  <a:schemeClr val="bg1"/>
+                </a:solidFill>
+                <a:latin typeface="+mj-lt"/>
+              </a:rPr>
+              <a:t>Project 7 – </a:t>
+            </a:r>
+            <a:r>
+              <a:rPr lang="fr-FR" sz="1400" dirty="0">
+                <a:ln>
+                  <a:solidFill>
+                    <a:schemeClr val="bg1"/>
+                  </a:solidFill>
+                </a:ln>
+                <a:solidFill>
+                  <a:schemeClr val="bg1"/>
+                </a:solidFill>
+                <a:latin typeface="+mj-lt"/>
+              </a:rPr>
+              <a:t>implémentation d’un modèle de </a:t>
+            </a:r>
+            <a:r>
+              <a:rPr lang="fr-FR" sz="1400" dirty="0" err="1">
+                <a:ln>
+                  <a:solidFill>
+                    <a:schemeClr val="bg1"/>
+                  </a:solidFill>
+                </a:ln>
+                <a:solidFill>
+                  <a:schemeClr val="bg1"/>
+                </a:solidFill>
+                <a:latin typeface="+mj-lt"/>
+              </a:rPr>
+              <a:t>scoring</a:t>
+            </a:r>
+            <a:endParaRPr lang="en-US" sz="1400" dirty="0">
+              <a:ln>
+                <a:solidFill>
+                  <a:schemeClr val="bg1"/>
+                </a:solidFill>
+              </a:ln>
+              <a:solidFill>
+                <a:schemeClr val="bg1"/>
+              </a:solidFill>
+              <a:latin typeface="+mj-lt"/>
+            </a:endParaRPr>
+          </a:p>
+        </p:txBody>
+      </p:sp>
+      <p:pic>
+        <p:nvPicPr>
           <p:cNvPr id="22" name="Image 21">
             <a:extLst>
               <a:ext uri="{FF2B5EF4-FFF2-40B4-BE49-F238E27FC236}">
@@ -24333,7 +25121,7 @@
 </p:sld>
 </file>
 
-<file path=ppt/slides/slide24.xml><?xml version="1.0" encoding="utf-8"?>
+<file path=ppt/slides/slide25.xml><?xml version="1.0" encoding="utf-8"?>
 <p:sld xmlns:a="http://schemas.openxmlformats.org/drawingml/2006/main" xmlns:r="http://schemas.openxmlformats.org/officeDocument/2006/relationships" xmlns:p="http://schemas.openxmlformats.org/presentationml/2006/main">
   <p:cSld>
     <p:bg>
@@ -25501,7 +26289,7 @@
 </p:sld>
 </file>
 
-<file path=ppt/slides/slide25.xml><?xml version="1.0" encoding="utf-8"?>
+<file path=ppt/slides/slide26.xml><?xml version="1.0" encoding="utf-8"?>
 <p:sld xmlns:a="http://schemas.openxmlformats.org/drawingml/2006/main" xmlns:r="http://schemas.openxmlformats.org/officeDocument/2006/relationships" xmlns:p="http://schemas.openxmlformats.org/presentationml/2006/main">
   <p:cSld>
     <p:spTree>
@@ -25631,6 +26419,70 @@
       </p:sp>
       <p:sp>
         <p:nvSpPr>
+          <p:cNvPr id="10" name="Titre 1">
+            <a:extLst>
+              <a:ext uri="{FF2B5EF4-FFF2-40B4-BE49-F238E27FC236}">
+                <a16:creationId xmlns:a16="http://schemas.microsoft.com/office/drawing/2014/main" id="{224E5C7D-3656-459F-9C01-61200508167F}"/>
+              </a:ext>
+            </a:extLst>
+          </p:cNvPr>
+          <p:cNvSpPr txBox="1">
+            <a:spLocks/>
+          </p:cNvSpPr>
+          <p:nvPr/>
+        </p:nvSpPr>
+        <p:spPr>
+          <a:xfrm>
+            <a:off x="279918" y="432794"/>
+            <a:ext cx="11001492" cy="820048"/>
+          </a:xfrm>
+          <a:prstGeom prst="rect">
+            <a:avLst/>
+          </a:prstGeom>
+        </p:spPr>
+        <p:txBody>
+          <a:bodyPr vert="horz" lIns="91440" tIns="45720" rIns="91440" bIns="45720" rtlCol="0" anchor="ctr">
+            <a:normAutofit/>
+          </a:bodyPr>
+          <a:lstStyle>
+            <a:lvl1pPr algn="l" defTabSz="914400" rtl="0" eaLnBrk="1" latinLnBrk="0" hangingPunct="1">
+              <a:lnSpc>
+                <a:spcPct val="90000"/>
+              </a:lnSpc>
+              <a:spcBef>
+                <a:spcPct val="0"/>
+              </a:spcBef>
+              <a:buNone/>
+              <a:defRPr sz="4400" kern="1200">
+                <a:solidFill>
+                  <a:schemeClr val="tx1"/>
+                </a:solidFill>
+                <a:latin typeface="+mj-lt"/>
+                <a:ea typeface="+mj-ea"/>
+                <a:cs typeface="+mj-cs"/>
+              </a:defRPr>
+            </a:lvl1pPr>
+          </a:lstStyle>
+          <a:p>
+            <a:r>
+              <a:rPr lang="fr-FR" sz="4000" b="1" dirty="0">
+                <a:ln>
+                  <a:solidFill>
+                    <a:srgbClr val="7451EB"/>
+                  </a:solidFill>
+                </a:ln>
+                <a:solidFill>
+                  <a:srgbClr val="7451EB"/>
+                </a:solidFill>
+                <a:latin typeface="Google Sans"/>
+              </a:rPr>
+              <a:t>Les conclusions de la mission</a:t>
+            </a:r>
+          </a:p>
+        </p:txBody>
+      </p:sp>
+      <p:sp>
+        <p:nvSpPr>
           <p:cNvPr id="11" name="Rectángulo 4">
             <a:extLst>
               <a:ext uri="{FF2B5EF4-FFF2-40B4-BE49-F238E27FC236}">
@@ -25694,819 +26546,10 @@
       </p:sp>
       <p:sp>
         <p:nvSpPr>
-          <p:cNvPr id="44" name="Titre 1">
-            <a:extLst>
-              <a:ext uri="{FF2B5EF4-FFF2-40B4-BE49-F238E27FC236}">
-                <a16:creationId xmlns:a16="http://schemas.microsoft.com/office/drawing/2014/main" id="{B9734C05-D195-437B-8AD5-CA5353F78FB4}"/>
-              </a:ext>
-            </a:extLst>
-          </p:cNvPr>
-          <p:cNvSpPr txBox="1">
-            <a:spLocks/>
-          </p:cNvSpPr>
-          <p:nvPr/>
-        </p:nvSpPr>
-        <p:spPr>
-          <a:xfrm>
-            <a:off x="279918" y="432794"/>
-            <a:ext cx="10470144" cy="820048"/>
-          </a:xfrm>
-          <a:prstGeom prst="rect">
-            <a:avLst/>
-          </a:prstGeom>
-        </p:spPr>
-        <p:txBody>
-          <a:bodyPr vert="horz" lIns="91440" tIns="45720" rIns="91440" bIns="45720" rtlCol="0" anchor="ctr">
-            <a:noAutofit/>
-          </a:bodyPr>
-          <a:lstStyle>
-            <a:lvl1pPr algn="l" defTabSz="914400" rtl="0" eaLnBrk="1" latinLnBrk="0" hangingPunct="1">
-              <a:lnSpc>
-                <a:spcPct val="90000"/>
-              </a:lnSpc>
-              <a:spcBef>
-                <a:spcPct val="0"/>
-              </a:spcBef>
-              <a:buNone/>
-              <a:defRPr sz="4400" kern="1200">
-                <a:solidFill>
-                  <a:schemeClr val="tx1"/>
-                </a:solidFill>
-                <a:latin typeface="+mj-lt"/>
-                <a:ea typeface="+mj-ea"/>
-                <a:cs typeface="+mj-cs"/>
-              </a:defRPr>
-            </a:lvl1pPr>
-          </a:lstStyle>
-          <a:p>
-            <a:r>
-              <a:rPr lang="fr-FR" sz="4000" b="1" dirty="0">
-                <a:ln>
-                  <a:solidFill>
-                    <a:srgbClr val="7451EB"/>
-                  </a:solidFill>
-                </a:ln>
-                <a:solidFill>
-                  <a:srgbClr val="7451EB"/>
-                </a:solidFill>
-                <a:latin typeface="Google Sans"/>
-              </a:rPr>
-              <a:t>Les conclusions de la mission</a:t>
-            </a:r>
-          </a:p>
-        </p:txBody>
-      </p:sp>
-      <p:pic>
-        <p:nvPicPr>
-          <p:cNvPr id="10" name="Image 9">
-            <a:extLst>
-              <a:ext uri="{FF2B5EF4-FFF2-40B4-BE49-F238E27FC236}">
-                <a16:creationId xmlns:a16="http://schemas.microsoft.com/office/drawing/2014/main" id="{E15B49B5-6196-4448-9E70-7E2664D9ACD7}"/>
-              </a:ext>
-            </a:extLst>
-          </p:cNvPr>
-          <p:cNvPicPr>
-            <a:picLocks noChangeAspect="1"/>
-          </p:cNvPicPr>
-          <p:nvPr/>
-        </p:nvPicPr>
-        <p:blipFill>
-          <a:blip r:embed="rId3">
-            <a:duotone>
-              <a:schemeClr val="accent6">
-                <a:shade val="45000"/>
-                <a:satMod val="135000"/>
-              </a:schemeClr>
-              <a:prstClr val="white"/>
-            </a:duotone>
-            <a:extLst>
-              <a:ext uri="{28A0092B-C50C-407E-A947-70E740481C1C}">
-                <a14:useLocalDpi xmlns:a14="http://schemas.microsoft.com/office/drawing/2010/main" val="0"/>
-              </a:ext>
-            </a:extLst>
-          </a:blip>
-          <a:stretch>
-            <a:fillRect/>
-          </a:stretch>
-        </p:blipFill>
-        <p:spPr>
-          <a:xfrm>
-            <a:off x="377906" y="4758517"/>
-            <a:ext cx="457727" cy="427272"/>
-          </a:xfrm>
-          <a:prstGeom prst="rect">
-            <a:avLst/>
-          </a:prstGeom>
-        </p:spPr>
-      </p:pic>
-      <p:sp>
-        <p:nvSpPr>
-          <p:cNvPr id="12" name="ZoneTexte 11">
-            <a:extLst>
-              <a:ext uri="{FF2B5EF4-FFF2-40B4-BE49-F238E27FC236}">
-                <a16:creationId xmlns:a16="http://schemas.microsoft.com/office/drawing/2014/main" id="{65FB4105-0128-4D6E-8B74-FA687B51CD43}"/>
-              </a:ext>
-            </a:extLst>
-          </p:cNvPr>
-          <p:cNvSpPr txBox="1"/>
-          <p:nvPr/>
-        </p:nvSpPr>
-        <p:spPr>
-          <a:xfrm>
-            <a:off x="844894" y="4753366"/>
-            <a:ext cx="4569783" cy="923330"/>
-          </a:xfrm>
-          <a:prstGeom prst="rect">
-            <a:avLst/>
-          </a:prstGeom>
-          <a:noFill/>
-        </p:spPr>
-        <p:txBody>
-          <a:bodyPr wrap="square">
-            <a:spAutoFit/>
-          </a:bodyPr>
-          <a:lstStyle/>
-          <a:p>
-            <a:r>
-              <a:rPr lang="fr-FR" sz="2000" dirty="0">
-                <a:latin typeface="Google Sans"/>
-              </a:rPr>
-              <a:t>Il faut approfondir sur la paramétrisation de SIFT et ORB. </a:t>
-            </a:r>
-            <a:br>
-              <a:rPr lang="fr-FR" sz="2000" dirty="0">
-                <a:latin typeface="Google Sans"/>
-              </a:rPr>
-            </a:br>
-            <a:r>
-              <a:rPr lang="fr-FR" sz="1400" i="1" dirty="0">
-                <a:solidFill>
-                  <a:schemeClr val="bg1">
-                    <a:lumMod val="50000"/>
-                  </a:schemeClr>
-                </a:solidFill>
-                <a:latin typeface="Google Sans"/>
-              </a:rPr>
-              <a:t>La mission a été abordée avec la paramétrisation par défaut.</a:t>
-            </a:r>
-          </a:p>
-        </p:txBody>
-      </p:sp>
-      <p:pic>
-        <p:nvPicPr>
-          <p:cNvPr id="21" name="Image 20">
-            <a:extLst>
-              <a:ext uri="{FF2B5EF4-FFF2-40B4-BE49-F238E27FC236}">
-                <a16:creationId xmlns:a16="http://schemas.microsoft.com/office/drawing/2014/main" id="{644B8680-F8D4-4B1D-804E-E21199BEAECD}"/>
-              </a:ext>
-            </a:extLst>
-          </p:cNvPr>
-          <p:cNvPicPr>
-            <a:picLocks noChangeAspect="1"/>
-          </p:cNvPicPr>
-          <p:nvPr/>
-        </p:nvPicPr>
-        <p:blipFill>
-          <a:blip r:embed="rId3">
-            <a:duotone>
-              <a:schemeClr val="accent6">
-                <a:shade val="45000"/>
-                <a:satMod val="135000"/>
-              </a:schemeClr>
-              <a:prstClr val="white"/>
-            </a:duotone>
-            <a:extLst>
-              <a:ext uri="{28A0092B-C50C-407E-A947-70E740481C1C}">
-                <a14:useLocalDpi xmlns:a14="http://schemas.microsoft.com/office/drawing/2010/main" val="0"/>
-              </a:ext>
-            </a:extLst>
-          </a:blip>
-          <a:stretch>
-            <a:fillRect/>
-          </a:stretch>
-        </p:blipFill>
-        <p:spPr>
-          <a:xfrm>
-            <a:off x="377906" y="3245872"/>
-            <a:ext cx="457727" cy="427272"/>
-          </a:xfrm>
-          <a:prstGeom prst="rect">
-            <a:avLst/>
-          </a:prstGeom>
-        </p:spPr>
-      </p:pic>
-      <p:sp>
-        <p:nvSpPr>
-          <p:cNvPr id="23" name="ZoneTexte 22">
-            <a:extLst>
-              <a:ext uri="{FF2B5EF4-FFF2-40B4-BE49-F238E27FC236}">
-                <a16:creationId xmlns:a16="http://schemas.microsoft.com/office/drawing/2014/main" id="{26D48014-9465-4063-81EC-00548098AF63}"/>
-              </a:ext>
-            </a:extLst>
-          </p:cNvPr>
-          <p:cNvSpPr txBox="1"/>
-          <p:nvPr/>
-        </p:nvSpPr>
-        <p:spPr>
-          <a:xfrm>
-            <a:off x="844895" y="3240721"/>
-            <a:ext cx="4049832" cy="1323439"/>
-          </a:xfrm>
-          <a:prstGeom prst="rect">
-            <a:avLst/>
-          </a:prstGeom>
-          <a:noFill/>
-        </p:spPr>
-        <p:txBody>
-          <a:bodyPr wrap="square">
-            <a:spAutoFit/>
-          </a:bodyPr>
-          <a:lstStyle/>
-          <a:p>
-            <a:r>
-              <a:rPr lang="fr-FR" sz="2000" dirty="0">
-                <a:latin typeface="Google Sans"/>
-              </a:rPr>
-              <a:t>Pour réduire le bruit au moment d’utiliser SIFT et ORB, un certain nombre d'échantillons plus élevés sont nécessaires</a:t>
-            </a:r>
-            <a:endParaRPr lang="fr-FR" sz="1400" i="1" dirty="0">
-              <a:solidFill>
-                <a:schemeClr val="bg1">
-                  <a:lumMod val="50000"/>
-                </a:schemeClr>
-              </a:solidFill>
-              <a:latin typeface="Google Sans"/>
-            </a:endParaRPr>
-          </a:p>
-        </p:txBody>
-      </p:sp>
-      <p:sp>
-        <p:nvSpPr>
-          <p:cNvPr id="28" name="ZoneTexte 27">
-            <a:extLst>
-              <a:ext uri="{FF2B5EF4-FFF2-40B4-BE49-F238E27FC236}">
-                <a16:creationId xmlns:a16="http://schemas.microsoft.com/office/drawing/2014/main" id="{1E221519-C0DA-4E45-9E72-5EA209473D72}"/>
-              </a:ext>
-            </a:extLst>
-          </p:cNvPr>
-          <p:cNvSpPr txBox="1"/>
-          <p:nvPr/>
-        </p:nvSpPr>
-        <p:spPr>
-          <a:xfrm>
-            <a:off x="1" y="1247168"/>
-            <a:ext cx="8679975" cy="400110"/>
-          </a:xfrm>
-          <a:prstGeom prst="rect">
-            <a:avLst/>
-          </a:prstGeom>
-          <a:solidFill>
-            <a:srgbClr val="5B9BD5"/>
-          </a:solidFill>
-          <a:ln>
-            <a:solidFill>
-              <a:srgbClr val="5B9BD5"/>
-            </a:solidFill>
-          </a:ln>
-        </p:spPr>
-        <p:txBody>
-          <a:bodyPr wrap="square">
-            <a:spAutoFit/>
-          </a:bodyPr>
-          <a:lstStyle/>
-          <a:p>
-            <a:r>
-              <a:rPr lang="fr-FR" sz="2000" u="none" strike="noStrike" dirty="0">
-                <a:ln>
-                  <a:solidFill>
-                    <a:schemeClr val="bg1"/>
-                  </a:solidFill>
-                </a:ln>
-                <a:solidFill>
-                  <a:schemeClr val="bg1"/>
-                </a:solidFill>
-                <a:effectLst/>
-                <a:latin typeface="docs-Roboto"/>
-              </a:rPr>
-              <a:t>Est-il possible de classifier automatiquement les produits de manière pertinente ?</a:t>
-            </a:r>
-          </a:p>
-        </p:txBody>
-      </p:sp>
-      <p:sp>
-        <p:nvSpPr>
-          <p:cNvPr id="29" name="ZoneTexte 28">
-            <a:extLst>
-              <a:ext uri="{FF2B5EF4-FFF2-40B4-BE49-F238E27FC236}">
-                <a16:creationId xmlns:a16="http://schemas.microsoft.com/office/drawing/2014/main" id="{0E0316CD-3643-4D39-8189-33A88398FFD3}"/>
-              </a:ext>
-            </a:extLst>
-          </p:cNvPr>
-          <p:cNvSpPr txBox="1"/>
-          <p:nvPr/>
-        </p:nvSpPr>
-        <p:spPr>
-          <a:xfrm>
-            <a:off x="1" y="1847766"/>
-            <a:ext cx="6619164" cy="400110"/>
-          </a:xfrm>
-          <a:prstGeom prst="rect">
-            <a:avLst/>
-          </a:prstGeom>
-          <a:solidFill>
-            <a:srgbClr val="00B050"/>
-          </a:solidFill>
-          <a:ln>
-            <a:solidFill>
-              <a:srgbClr val="00B050"/>
-            </a:solidFill>
-          </a:ln>
-        </p:spPr>
-        <p:txBody>
-          <a:bodyPr wrap="square">
-            <a:spAutoFit/>
-          </a:bodyPr>
-          <a:lstStyle/>
-          <a:p>
-            <a:r>
-              <a:rPr lang="fr-FR" sz="2000" b="1" i="1" dirty="0">
-                <a:ln>
-                  <a:solidFill>
-                    <a:schemeClr val="bg1"/>
-                  </a:solidFill>
-                </a:ln>
-                <a:solidFill>
-                  <a:schemeClr val="bg1"/>
-                </a:solidFill>
-                <a:latin typeface="docs-Roboto"/>
-              </a:rPr>
-              <a:t>Oui, c’est possible mais il faut prendre en compte ce qui suit :</a:t>
-            </a:r>
-            <a:endParaRPr lang="fr-FR" sz="1200" b="1" i="1" dirty="0">
-              <a:ln>
-                <a:solidFill>
-                  <a:schemeClr val="bg1">
-                    <a:lumMod val="85000"/>
-                  </a:schemeClr>
-                </a:solidFill>
-              </a:ln>
-              <a:solidFill>
-                <a:schemeClr val="bg1">
-                  <a:lumMod val="85000"/>
-                </a:schemeClr>
-              </a:solidFill>
-              <a:latin typeface="Google Sans"/>
-            </a:endParaRPr>
-          </a:p>
-        </p:txBody>
-      </p:sp>
-      <p:cxnSp>
-        <p:nvCxnSpPr>
-          <p:cNvPr id="17" name="Connecteur droit 16">
-            <a:extLst>
-              <a:ext uri="{FF2B5EF4-FFF2-40B4-BE49-F238E27FC236}">
-                <a16:creationId xmlns:a16="http://schemas.microsoft.com/office/drawing/2014/main" id="{C9C232C3-36A5-45AF-A211-4C8C7E5E7340}"/>
-              </a:ext>
-            </a:extLst>
-          </p:cNvPr>
-          <p:cNvCxnSpPr>
-            <a:cxnSpLocks/>
-          </p:cNvCxnSpPr>
-          <p:nvPr/>
-        </p:nvCxnSpPr>
-        <p:spPr>
-          <a:xfrm>
-            <a:off x="5598135" y="2988662"/>
-            <a:ext cx="0" cy="2949663"/>
-          </a:xfrm>
-          <a:prstGeom prst="line">
-            <a:avLst/>
-          </a:prstGeom>
-          <a:ln w="19050">
-            <a:solidFill>
-              <a:srgbClr val="7451EB">
-                <a:alpha val="25000"/>
-              </a:srgbClr>
-            </a:solidFill>
-          </a:ln>
-        </p:spPr>
-        <p:style>
-          <a:lnRef idx="1">
-            <a:schemeClr val="accent1"/>
-          </a:lnRef>
-          <a:fillRef idx="0">
-            <a:schemeClr val="accent1"/>
-          </a:fillRef>
-          <a:effectRef idx="0">
-            <a:schemeClr val="accent1"/>
-          </a:effectRef>
-          <a:fontRef idx="minor">
-            <a:schemeClr val="tx1"/>
-          </a:fontRef>
-        </p:style>
-      </p:cxnSp>
-      <p:pic>
-        <p:nvPicPr>
-          <p:cNvPr id="20" name="Image 19">
-            <a:extLst>
-              <a:ext uri="{FF2B5EF4-FFF2-40B4-BE49-F238E27FC236}">
-                <a16:creationId xmlns:a16="http://schemas.microsoft.com/office/drawing/2014/main" id="{C2ABECDA-1659-418C-B213-F6BB99670F5C}"/>
-              </a:ext>
-            </a:extLst>
-          </p:cNvPr>
-          <p:cNvPicPr>
-            <a:picLocks noChangeAspect="1"/>
-          </p:cNvPicPr>
-          <p:nvPr/>
-        </p:nvPicPr>
-        <p:blipFill>
-          <a:blip r:embed="rId3">
-            <a:duotone>
-              <a:schemeClr val="accent6">
-                <a:shade val="45000"/>
-                <a:satMod val="135000"/>
-              </a:schemeClr>
-              <a:prstClr val="white"/>
-            </a:duotone>
-            <a:extLst>
-              <a:ext uri="{28A0092B-C50C-407E-A947-70E740481C1C}">
-                <a14:useLocalDpi xmlns:a14="http://schemas.microsoft.com/office/drawing/2010/main" val="0"/>
-              </a:ext>
-            </a:extLst>
-          </a:blip>
-          <a:stretch>
-            <a:fillRect/>
-          </a:stretch>
-        </p:blipFill>
-        <p:spPr>
-          <a:xfrm>
-            <a:off x="5998979" y="3248724"/>
-            <a:ext cx="457727" cy="427272"/>
-          </a:xfrm>
-          <a:prstGeom prst="rect">
-            <a:avLst/>
-          </a:prstGeom>
-        </p:spPr>
-      </p:pic>
-      <p:sp>
-        <p:nvSpPr>
-          <p:cNvPr id="22" name="ZoneTexte 21">
-            <a:extLst>
-              <a:ext uri="{FF2B5EF4-FFF2-40B4-BE49-F238E27FC236}">
-                <a16:creationId xmlns:a16="http://schemas.microsoft.com/office/drawing/2014/main" id="{E860F2CD-834C-4EDE-A224-EE4485617FB8}"/>
-              </a:ext>
-            </a:extLst>
-          </p:cNvPr>
-          <p:cNvSpPr txBox="1"/>
-          <p:nvPr/>
-        </p:nvSpPr>
-        <p:spPr>
-          <a:xfrm>
-            <a:off x="6465968" y="3243573"/>
-            <a:ext cx="5299932" cy="1015663"/>
-          </a:xfrm>
-          <a:prstGeom prst="rect">
-            <a:avLst/>
-          </a:prstGeom>
-          <a:noFill/>
-        </p:spPr>
-        <p:txBody>
-          <a:bodyPr wrap="square">
-            <a:spAutoFit/>
-          </a:bodyPr>
-          <a:lstStyle/>
-          <a:p>
-            <a:r>
-              <a:rPr lang="fr-FR" sz="2000" dirty="0">
-                <a:latin typeface="Google Sans"/>
-              </a:rPr>
-              <a:t>Explorez d'autres types de Transfer Learning tels que VGG19, InceptionV3, ResNet50, pour identifier des variables</a:t>
-            </a:r>
-            <a:endParaRPr lang="fr-FR" sz="1400" i="1" dirty="0">
-              <a:solidFill>
-                <a:schemeClr val="bg1">
-                  <a:lumMod val="50000"/>
-                </a:schemeClr>
-              </a:solidFill>
-              <a:latin typeface="Google Sans"/>
-            </a:endParaRPr>
-          </a:p>
-        </p:txBody>
-      </p:sp>
-      <p:pic>
-        <p:nvPicPr>
-          <p:cNvPr id="24" name="Image 23">
-            <a:extLst>
-              <a:ext uri="{FF2B5EF4-FFF2-40B4-BE49-F238E27FC236}">
-                <a16:creationId xmlns:a16="http://schemas.microsoft.com/office/drawing/2014/main" id="{80E31707-6AC4-461E-86F4-9F01AE925F62}"/>
-              </a:ext>
-            </a:extLst>
-          </p:cNvPr>
-          <p:cNvPicPr>
-            <a:picLocks noChangeAspect="1"/>
-          </p:cNvPicPr>
-          <p:nvPr/>
-        </p:nvPicPr>
-        <p:blipFill>
-          <a:blip r:embed="rId3">
-            <a:duotone>
-              <a:schemeClr val="accent6">
-                <a:shade val="45000"/>
-                <a:satMod val="135000"/>
-              </a:schemeClr>
-              <a:prstClr val="white"/>
-            </a:duotone>
-            <a:extLst>
-              <a:ext uri="{28A0092B-C50C-407E-A947-70E740481C1C}">
-                <a14:useLocalDpi xmlns:a14="http://schemas.microsoft.com/office/drawing/2010/main" val="0"/>
-              </a:ext>
-            </a:extLst>
-          </a:blip>
-          <a:stretch>
-            <a:fillRect/>
-          </a:stretch>
-        </p:blipFill>
-        <p:spPr>
-          <a:xfrm>
-            <a:off x="5989717" y="4915310"/>
-            <a:ext cx="457727" cy="427272"/>
-          </a:xfrm>
-          <a:prstGeom prst="rect">
-            <a:avLst/>
-          </a:prstGeom>
-        </p:spPr>
-      </p:pic>
-      <p:sp>
-        <p:nvSpPr>
-          <p:cNvPr id="25" name="ZoneTexte 24">
-            <a:extLst>
-              <a:ext uri="{FF2B5EF4-FFF2-40B4-BE49-F238E27FC236}">
-                <a16:creationId xmlns:a16="http://schemas.microsoft.com/office/drawing/2014/main" id="{1ED7C7B2-5C72-4C43-9124-E7459F50B8DF}"/>
-              </a:ext>
-            </a:extLst>
-          </p:cNvPr>
-          <p:cNvSpPr txBox="1"/>
-          <p:nvPr/>
-        </p:nvSpPr>
-        <p:spPr>
-          <a:xfrm>
-            <a:off x="6456706" y="4910159"/>
-            <a:ext cx="5299931" cy="1015663"/>
-          </a:xfrm>
-          <a:prstGeom prst="rect">
-            <a:avLst/>
-          </a:prstGeom>
-          <a:noFill/>
-        </p:spPr>
-        <p:txBody>
-          <a:bodyPr wrap="square">
-            <a:spAutoFit/>
-          </a:bodyPr>
-          <a:lstStyle/>
-          <a:p>
-            <a:r>
-              <a:rPr lang="fr-FR" sz="2000" dirty="0">
-                <a:latin typeface="Google Sans"/>
-              </a:rPr>
-              <a:t>Explorez plusieurs combinaisons entre des variables textuelles et des variables visuelles basées sur des algorithmes de </a:t>
-            </a:r>
-            <a:r>
-              <a:rPr lang="fr-FR" sz="2000" dirty="0" err="1">
-                <a:latin typeface="Google Sans"/>
-              </a:rPr>
-              <a:t>Deep</a:t>
-            </a:r>
-            <a:r>
-              <a:rPr lang="fr-FR" sz="2000" dirty="0">
-                <a:latin typeface="Google Sans"/>
-              </a:rPr>
-              <a:t> Learning</a:t>
-            </a:r>
-            <a:endParaRPr lang="fr-FR" sz="1400" i="1" dirty="0">
-              <a:solidFill>
-                <a:schemeClr val="bg1">
-                  <a:lumMod val="50000"/>
-                </a:schemeClr>
-              </a:solidFill>
-              <a:latin typeface="Google Sans"/>
-            </a:endParaRPr>
-          </a:p>
-        </p:txBody>
-      </p:sp>
-      <p:sp>
-        <p:nvSpPr>
-          <p:cNvPr id="30" name="ZoneTexte 29">
-            <a:extLst>
-              <a:ext uri="{FF2B5EF4-FFF2-40B4-BE49-F238E27FC236}">
-                <a16:creationId xmlns:a16="http://schemas.microsoft.com/office/drawing/2014/main" id="{4043E7EF-4365-4F71-9990-90F2C53379C9}"/>
-              </a:ext>
-            </a:extLst>
-          </p:cNvPr>
-          <p:cNvSpPr txBox="1"/>
-          <p:nvPr/>
-        </p:nvSpPr>
-        <p:spPr>
-          <a:xfrm>
-            <a:off x="2468729" y="2661707"/>
-            <a:ext cx="1427252" cy="400110"/>
-          </a:xfrm>
-          <a:prstGeom prst="rect">
-            <a:avLst/>
-          </a:prstGeom>
-          <a:noFill/>
-        </p:spPr>
-        <p:txBody>
-          <a:bodyPr wrap="square">
-            <a:spAutoFit/>
-          </a:bodyPr>
-          <a:lstStyle/>
-          <a:p>
-            <a:r>
-              <a:rPr lang="es-ES" sz="2000" b="1" dirty="0">
-                <a:solidFill>
-                  <a:srgbClr val="000000"/>
-                </a:solidFill>
-                <a:effectLst>
-                  <a:outerShdw blurRad="38100" dist="38100" dir="2700000" algn="tl">
-                    <a:srgbClr val="000000">
-                      <a:alpha val="43137"/>
-                    </a:srgbClr>
-                  </a:outerShdw>
-                </a:effectLst>
-                <a:latin typeface="Google Sans"/>
-              </a:rPr>
-              <a:t>SIFT et ORB</a:t>
-            </a:r>
-            <a:endParaRPr lang="fr-FR" sz="2000" b="1" u="none" strike="noStrike" dirty="0">
-              <a:solidFill>
-                <a:srgbClr val="000000"/>
-              </a:solidFill>
-              <a:effectLst>
-                <a:outerShdw blurRad="38100" dist="38100" dir="2700000" algn="tl">
-                  <a:srgbClr val="000000">
-                    <a:alpha val="43137"/>
-                  </a:srgbClr>
-                </a:outerShdw>
-              </a:effectLst>
-              <a:latin typeface="Google Sans"/>
-            </a:endParaRPr>
-          </a:p>
-        </p:txBody>
-      </p:sp>
-      <p:sp>
-        <p:nvSpPr>
-          <p:cNvPr id="33" name="ZoneTexte 32">
-            <a:extLst>
-              <a:ext uri="{FF2B5EF4-FFF2-40B4-BE49-F238E27FC236}">
-                <a16:creationId xmlns:a16="http://schemas.microsoft.com/office/drawing/2014/main" id="{03180D36-ECAC-4FCA-AAC9-695E6F6CBB3E}"/>
-              </a:ext>
-            </a:extLst>
-          </p:cNvPr>
-          <p:cNvSpPr txBox="1"/>
-          <p:nvPr/>
-        </p:nvSpPr>
-        <p:spPr>
-          <a:xfrm>
-            <a:off x="7986673" y="2616100"/>
-            <a:ext cx="1991924" cy="400110"/>
-          </a:xfrm>
-          <a:prstGeom prst="rect">
-            <a:avLst/>
-          </a:prstGeom>
-          <a:noFill/>
-        </p:spPr>
-        <p:txBody>
-          <a:bodyPr wrap="square">
-            <a:spAutoFit/>
-          </a:bodyPr>
-          <a:lstStyle/>
-          <a:p>
-            <a:r>
-              <a:rPr lang="en-US" sz="2000" b="1" u="none" strike="noStrike" dirty="0">
-                <a:solidFill>
-                  <a:srgbClr val="000000"/>
-                </a:solidFill>
-                <a:effectLst>
-                  <a:outerShdw blurRad="38100" dist="38100" dir="2700000" algn="tl">
-                    <a:srgbClr val="000000">
-                      <a:alpha val="43137"/>
-                    </a:srgbClr>
-                  </a:outerShdw>
-                </a:effectLst>
-                <a:latin typeface="Google Sans"/>
-              </a:rPr>
-              <a:t>DEEP LEARNING</a:t>
-            </a:r>
-            <a:endParaRPr lang="fr-FR" sz="2000" b="1" u="none" strike="noStrike" dirty="0">
-              <a:solidFill>
-                <a:srgbClr val="000000"/>
-              </a:solidFill>
-              <a:effectLst>
-                <a:outerShdw blurRad="38100" dist="38100" dir="2700000" algn="tl">
-                  <a:srgbClr val="000000">
-                    <a:alpha val="43137"/>
-                  </a:srgbClr>
-                </a:outerShdw>
-              </a:effectLst>
-              <a:latin typeface="Google Sans"/>
-            </a:endParaRPr>
-          </a:p>
-        </p:txBody>
-      </p:sp>
-      <p:pic>
-        <p:nvPicPr>
-          <p:cNvPr id="34" name="Image 33">
-            <a:extLst>
-              <a:ext uri="{FF2B5EF4-FFF2-40B4-BE49-F238E27FC236}">
-                <a16:creationId xmlns:a16="http://schemas.microsoft.com/office/drawing/2014/main" id="{F4AE0670-CFFC-4FB1-9CEE-51C885B91FFD}"/>
-              </a:ext>
-            </a:extLst>
-          </p:cNvPr>
-          <p:cNvPicPr>
-            <a:picLocks noChangeAspect="1"/>
-          </p:cNvPicPr>
-          <p:nvPr/>
-        </p:nvPicPr>
-        <p:blipFill>
-          <a:blip r:embed="rId3">
-            <a:duotone>
-              <a:schemeClr val="accent6">
-                <a:shade val="45000"/>
-                <a:satMod val="135000"/>
-              </a:schemeClr>
-              <a:prstClr val="white"/>
-            </a:duotone>
-            <a:extLst>
-              <a:ext uri="{28A0092B-C50C-407E-A947-70E740481C1C}">
-                <a14:useLocalDpi xmlns:a14="http://schemas.microsoft.com/office/drawing/2010/main" val="0"/>
-              </a:ext>
-            </a:extLst>
-          </a:blip>
-          <a:stretch>
-            <a:fillRect/>
-          </a:stretch>
-        </p:blipFill>
-        <p:spPr>
-          <a:xfrm>
-            <a:off x="5994498" y="4322989"/>
-            <a:ext cx="457727" cy="427272"/>
-          </a:xfrm>
-          <a:prstGeom prst="rect">
-            <a:avLst/>
-          </a:prstGeom>
-        </p:spPr>
-      </p:pic>
-      <p:sp>
-        <p:nvSpPr>
-          <p:cNvPr id="35" name="ZoneTexte 34">
-            <a:extLst>
-              <a:ext uri="{FF2B5EF4-FFF2-40B4-BE49-F238E27FC236}">
-                <a16:creationId xmlns:a16="http://schemas.microsoft.com/office/drawing/2014/main" id="{4EA8E2F1-D3F6-46FC-85F7-560238579D84}"/>
-              </a:ext>
-            </a:extLst>
-          </p:cNvPr>
-          <p:cNvSpPr txBox="1"/>
-          <p:nvPr/>
-        </p:nvSpPr>
-        <p:spPr>
-          <a:xfrm>
-            <a:off x="6461487" y="4317838"/>
-            <a:ext cx="5299932" cy="400110"/>
-          </a:xfrm>
-          <a:prstGeom prst="rect">
-            <a:avLst/>
-          </a:prstGeom>
-          <a:noFill/>
-        </p:spPr>
-        <p:txBody>
-          <a:bodyPr wrap="square">
-            <a:spAutoFit/>
-          </a:bodyPr>
-          <a:lstStyle/>
-          <a:p>
-            <a:r>
-              <a:rPr lang="fr-FR" sz="2000" dirty="0">
-                <a:latin typeface="Google Sans"/>
-              </a:rPr>
-              <a:t>Explorez la classification des images directement</a:t>
-            </a:r>
-            <a:endParaRPr lang="fr-FR" sz="1400" i="1" dirty="0">
-              <a:solidFill>
-                <a:schemeClr val="bg1">
-                  <a:lumMod val="50000"/>
-                </a:schemeClr>
-              </a:solidFill>
-              <a:latin typeface="Google Sans"/>
-            </a:endParaRPr>
-          </a:p>
-        </p:txBody>
-      </p:sp>
-      <p:sp>
-        <p:nvSpPr>
-          <p:cNvPr id="26" name="TextBox 3">
-            <a:extLst>
-              <a:ext uri="{FF2B5EF4-FFF2-40B4-BE49-F238E27FC236}">
-                <a16:creationId xmlns:a16="http://schemas.microsoft.com/office/drawing/2014/main" id="{FBCFC82B-5357-4237-8D26-EB41B8D53055}"/>
+          <p:cNvPr id="25" name="TextBox 3">
+            <a:extLst>
+              <a:ext uri="{FF2B5EF4-FFF2-40B4-BE49-F238E27FC236}">
+                <a16:creationId xmlns:a16="http://schemas.microsoft.com/office/drawing/2014/main" id="{D5CCE677-FF61-4303-908E-AF3F3B52C6A2}"/>
               </a:ext>
             </a:extLst>
           </p:cNvPr>
@@ -26585,10 +26628,433 @@
           </a:p>
         </p:txBody>
       </p:sp>
+      <p:sp>
+        <p:nvSpPr>
+          <p:cNvPr id="26" name="ZoneTexte 25">
+            <a:extLst>
+              <a:ext uri="{FF2B5EF4-FFF2-40B4-BE49-F238E27FC236}">
+                <a16:creationId xmlns:a16="http://schemas.microsoft.com/office/drawing/2014/main" id="{8023906C-7BAA-436A-B071-F3FAC6023334}"/>
+              </a:ext>
+            </a:extLst>
+          </p:cNvPr>
+          <p:cNvSpPr txBox="1"/>
+          <p:nvPr/>
+        </p:nvSpPr>
+        <p:spPr>
+          <a:xfrm>
+            <a:off x="844895" y="1336608"/>
+            <a:ext cx="3685245" cy="400110"/>
+          </a:xfrm>
+          <a:prstGeom prst="rect">
+            <a:avLst/>
+          </a:prstGeom>
+          <a:noFill/>
+        </p:spPr>
+        <p:txBody>
+          <a:bodyPr wrap="square">
+            <a:spAutoFit/>
+          </a:bodyPr>
+          <a:lstStyle/>
+          <a:p>
+            <a:r>
+              <a:rPr lang="fr-FR" sz="2000" dirty="0"/>
+              <a:t>Le modèle</a:t>
+            </a:r>
+            <a:endParaRPr lang="fr-FR" sz="2000" baseline="30000" dirty="0"/>
+          </a:p>
+        </p:txBody>
+      </p:sp>
+      <p:pic>
+        <p:nvPicPr>
+          <p:cNvPr id="27" name="Image 26">
+            <a:extLst>
+              <a:ext uri="{FF2B5EF4-FFF2-40B4-BE49-F238E27FC236}">
+                <a16:creationId xmlns:a16="http://schemas.microsoft.com/office/drawing/2014/main" id="{B2C67758-17E9-42D1-B5F2-B3E671B2A821}"/>
+              </a:ext>
+            </a:extLst>
+          </p:cNvPr>
+          <p:cNvPicPr>
+            <a:picLocks noChangeAspect="1"/>
+          </p:cNvPicPr>
+          <p:nvPr/>
+        </p:nvPicPr>
+        <p:blipFill>
+          <a:blip r:embed="rId3">
+            <a:duotone>
+              <a:schemeClr val="accent6">
+                <a:shade val="45000"/>
+                <a:satMod val="135000"/>
+              </a:schemeClr>
+              <a:prstClr val="white"/>
+            </a:duotone>
+            <a:extLst>
+              <a:ext uri="{28A0092B-C50C-407E-A947-70E740481C1C}">
+                <a14:useLocalDpi xmlns:a14="http://schemas.microsoft.com/office/drawing/2010/main" val="0"/>
+              </a:ext>
+            </a:extLst>
+          </a:blip>
+          <a:stretch>
+            <a:fillRect/>
+          </a:stretch>
+        </p:blipFill>
+        <p:spPr>
+          <a:xfrm>
+            <a:off x="377906" y="1327816"/>
+            <a:ext cx="457727" cy="427272"/>
+          </a:xfrm>
+          <a:prstGeom prst="rect">
+            <a:avLst/>
+          </a:prstGeom>
+        </p:spPr>
+      </p:pic>
+      <p:sp>
+        <p:nvSpPr>
+          <p:cNvPr id="28" name="ZoneTexte 27">
+            <a:extLst>
+              <a:ext uri="{FF2B5EF4-FFF2-40B4-BE49-F238E27FC236}">
+                <a16:creationId xmlns:a16="http://schemas.microsoft.com/office/drawing/2014/main" id="{6F75D1CD-8F31-439B-A2B6-64DAC9178710}"/>
+              </a:ext>
+            </a:extLst>
+          </p:cNvPr>
+          <p:cNvSpPr txBox="1"/>
+          <p:nvPr/>
+        </p:nvSpPr>
+        <p:spPr>
+          <a:xfrm>
+            <a:off x="835632" y="1755088"/>
+            <a:ext cx="9486927" cy="1569660"/>
+          </a:xfrm>
+          <a:prstGeom prst="rect">
+            <a:avLst/>
+          </a:prstGeom>
+          <a:noFill/>
+        </p:spPr>
+        <p:txBody>
+          <a:bodyPr wrap="square">
+            <a:spAutoFit/>
+          </a:bodyPr>
+          <a:lstStyle/>
+          <a:p>
+            <a:pPr marL="285750" indent="-285750">
+              <a:buFont typeface="Wingdings" panose="05000000000000000000" pitchFamily="2" charset="2"/>
+              <a:buChar char="§"/>
+            </a:pPr>
+            <a:r>
+              <a:rPr lang="fr-FR" dirty="0">
+                <a:latin typeface="Google Sans"/>
+              </a:rPr>
+              <a:t>Il faut faire une analyse exploratoire au début pour bien comprendre les données.</a:t>
+            </a:r>
+          </a:p>
+          <a:p>
+            <a:pPr marL="285750" indent="-285750">
+              <a:buFont typeface="Wingdings" panose="05000000000000000000" pitchFamily="2" charset="2"/>
+              <a:buChar char="§"/>
+            </a:pPr>
+            <a:endParaRPr lang="fr-FR" sz="1800" dirty="0">
+              <a:latin typeface="docs-Roboto"/>
+            </a:endParaRPr>
+          </a:p>
+          <a:p>
+            <a:pPr marL="285750" indent="-285750">
+              <a:buFont typeface="Wingdings" panose="05000000000000000000" pitchFamily="2" charset="2"/>
+              <a:buChar char="§"/>
+            </a:pPr>
+            <a:r>
+              <a:rPr lang="fr-FR" sz="1800" dirty="0">
+                <a:latin typeface="Google Sans"/>
+              </a:rPr>
+              <a:t>Il est nécessaire de faire un réduction de données pour éviter le </a:t>
+            </a:r>
+            <a:r>
+              <a:rPr lang="fr-FR" sz="1800" i="1" dirty="0">
+                <a:latin typeface="Google Sans"/>
+              </a:rPr>
+              <a:t>« </a:t>
+            </a:r>
+            <a:r>
+              <a:rPr lang="fr-FR" sz="1800" i="1" dirty="0" err="1">
+                <a:latin typeface="Google Sans"/>
+              </a:rPr>
+              <a:t>Curse</a:t>
+            </a:r>
+            <a:r>
+              <a:rPr lang="fr-FR" sz="1800" i="1" dirty="0">
+                <a:latin typeface="Google Sans"/>
+              </a:rPr>
+              <a:t> of </a:t>
+            </a:r>
+            <a:r>
+              <a:rPr lang="fr-FR" sz="1800" i="1" dirty="0" err="1">
+                <a:latin typeface="Google Sans"/>
+              </a:rPr>
+              <a:t>Dimensionality</a:t>
+            </a:r>
+            <a:r>
+              <a:rPr lang="fr-FR" sz="1800" i="1" dirty="0">
+                <a:latin typeface="Google Sans"/>
+              </a:rPr>
+              <a:t> »</a:t>
+            </a:r>
+            <a:br>
+              <a:rPr lang="fr-FR" sz="1800" i="1" dirty="0">
+                <a:latin typeface="Google Sans"/>
+              </a:rPr>
+            </a:br>
+            <a:r>
+              <a:rPr lang="fr-FR" sz="1200" i="1" dirty="0">
+                <a:solidFill>
+                  <a:schemeClr val="bg1">
+                    <a:lumMod val="50000"/>
+                  </a:schemeClr>
+                </a:solidFill>
+                <a:latin typeface="Google Sans"/>
+              </a:rPr>
+              <a:t>Il faut prendre en compte une méthode comme </a:t>
+            </a:r>
+            <a:r>
+              <a:rPr lang="fr-FR" sz="1200" i="1" dirty="0" err="1">
+                <a:solidFill>
+                  <a:schemeClr val="bg1">
+                    <a:lumMod val="50000"/>
+                  </a:schemeClr>
+                </a:solidFill>
+                <a:latin typeface="Google Sans"/>
+              </a:rPr>
+              <a:t>Feature</a:t>
+            </a:r>
+            <a:r>
+              <a:rPr lang="fr-FR" sz="1200" i="1" dirty="0">
+                <a:solidFill>
+                  <a:schemeClr val="bg1">
+                    <a:lumMod val="50000"/>
+                  </a:schemeClr>
+                </a:solidFill>
+                <a:latin typeface="Google Sans"/>
+              </a:rPr>
+              <a:t> </a:t>
+            </a:r>
+            <a:r>
+              <a:rPr lang="fr-FR" sz="1200" i="1" dirty="0" err="1">
+                <a:solidFill>
+                  <a:schemeClr val="bg1">
+                    <a:lumMod val="50000"/>
+                  </a:schemeClr>
+                </a:solidFill>
+                <a:latin typeface="Google Sans"/>
+              </a:rPr>
+              <a:t>Selection</a:t>
+            </a:r>
+            <a:r>
+              <a:rPr lang="fr-FR" sz="1200" i="1" dirty="0">
+                <a:solidFill>
+                  <a:schemeClr val="bg1">
+                    <a:lumMod val="50000"/>
+                  </a:schemeClr>
+                </a:solidFill>
+                <a:latin typeface="Google Sans"/>
+              </a:rPr>
+              <a:t> par </a:t>
+            </a:r>
+            <a:r>
+              <a:rPr lang="fr-FR" sz="1200" i="1" dirty="0" err="1">
+                <a:solidFill>
+                  <a:schemeClr val="bg1">
+                    <a:lumMod val="50000"/>
+                  </a:schemeClr>
+                </a:solidFill>
+                <a:latin typeface="Google Sans"/>
+              </a:rPr>
+              <a:t>Scikit-Learn</a:t>
+            </a:r>
+            <a:endParaRPr lang="fr-FR" sz="1200" i="1" dirty="0">
+              <a:solidFill>
+                <a:schemeClr val="bg1">
+                  <a:lumMod val="50000"/>
+                </a:schemeClr>
+              </a:solidFill>
+              <a:latin typeface="Google Sans"/>
+            </a:endParaRPr>
+          </a:p>
+          <a:p>
+            <a:pPr marL="285750" indent="-285750">
+              <a:buFont typeface="Wingdings" panose="05000000000000000000" pitchFamily="2" charset="2"/>
+              <a:buChar char="§"/>
+            </a:pPr>
+            <a:endParaRPr lang="fr-FR" sz="1200" i="1" dirty="0">
+              <a:solidFill>
+                <a:schemeClr val="bg1">
+                  <a:lumMod val="50000"/>
+                </a:schemeClr>
+              </a:solidFill>
+              <a:latin typeface="Google Sans"/>
+            </a:endParaRPr>
+          </a:p>
+          <a:p>
+            <a:pPr marL="285750" indent="-285750">
+              <a:buFont typeface="Wingdings" panose="05000000000000000000" pitchFamily="2" charset="2"/>
+              <a:buChar char="§"/>
+            </a:pPr>
+            <a:r>
+              <a:rPr lang="fr-FR" dirty="0">
+                <a:latin typeface="Google Sans"/>
+              </a:rPr>
+              <a:t>Une analyse du composant principal « PCA » peut apporter des avantages</a:t>
+            </a:r>
+            <a:endParaRPr lang="fr-FR" dirty="0">
+              <a:latin typeface="docs-Roboto"/>
+            </a:endParaRPr>
+          </a:p>
+        </p:txBody>
+      </p:sp>
+      <p:sp>
+        <p:nvSpPr>
+          <p:cNvPr id="29" name="ZoneTexte 28">
+            <a:extLst>
+              <a:ext uri="{FF2B5EF4-FFF2-40B4-BE49-F238E27FC236}">
+                <a16:creationId xmlns:a16="http://schemas.microsoft.com/office/drawing/2014/main" id="{F4EC23D2-B979-4783-A9A2-6A42E6DAA21A}"/>
+              </a:ext>
+            </a:extLst>
+          </p:cNvPr>
+          <p:cNvSpPr txBox="1"/>
+          <p:nvPr/>
+        </p:nvSpPr>
+        <p:spPr>
+          <a:xfrm>
+            <a:off x="942884" y="3656543"/>
+            <a:ext cx="4039077" cy="400110"/>
+          </a:xfrm>
+          <a:prstGeom prst="rect">
+            <a:avLst/>
+          </a:prstGeom>
+          <a:noFill/>
+        </p:spPr>
+        <p:txBody>
+          <a:bodyPr wrap="square">
+            <a:spAutoFit/>
+          </a:bodyPr>
+          <a:lstStyle/>
+          <a:p>
+            <a:r>
+              <a:rPr lang="fr-FR" sz="2000" dirty="0"/>
+              <a:t>Tableau du bord</a:t>
+            </a:r>
+            <a:endParaRPr lang="fr-FR" sz="2000" baseline="30000" dirty="0"/>
+          </a:p>
+        </p:txBody>
+      </p:sp>
+      <p:pic>
+        <p:nvPicPr>
+          <p:cNvPr id="30" name="Image 29">
+            <a:extLst>
+              <a:ext uri="{FF2B5EF4-FFF2-40B4-BE49-F238E27FC236}">
+                <a16:creationId xmlns:a16="http://schemas.microsoft.com/office/drawing/2014/main" id="{C705B86E-2FAA-47D7-9118-657DD6B8D08C}"/>
+              </a:ext>
+            </a:extLst>
+          </p:cNvPr>
+          <p:cNvPicPr>
+            <a:picLocks noChangeAspect="1"/>
+          </p:cNvPicPr>
+          <p:nvPr/>
+        </p:nvPicPr>
+        <p:blipFill>
+          <a:blip r:embed="rId3">
+            <a:duotone>
+              <a:schemeClr val="accent6">
+                <a:shade val="45000"/>
+                <a:satMod val="135000"/>
+              </a:schemeClr>
+              <a:prstClr val="white"/>
+            </a:duotone>
+            <a:extLst>
+              <a:ext uri="{28A0092B-C50C-407E-A947-70E740481C1C}">
+                <a14:useLocalDpi xmlns:a14="http://schemas.microsoft.com/office/drawing/2010/main" val="0"/>
+              </a:ext>
+            </a:extLst>
+          </a:blip>
+          <a:stretch>
+            <a:fillRect/>
+          </a:stretch>
+        </p:blipFill>
+        <p:spPr>
+          <a:xfrm>
+            <a:off x="475895" y="3647751"/>
+            <a:ext cx="457727" cy="427272"/>
+          </a:xfrm>
+          <a:prstGeom prst="rect">
+            <a:avLst/>
+          </a:prstGeom>
+        </p:spPr>
+      </p:pic>
+      <p:sp>
+        <p:nvSpPr>
+          <p:cNvPr id="32" name="ZoneTexte 31">
+            <a:extLst>
+              <a:ext uri="{FF2B5EF4-FFF2-40B4-BE49-F238E27FC236}">
+                <a16:creationId xmlns:a16="http://schemas.microsoft.com/office/drawing/2014/main" id="{DABB0B8B-4F59-465B-9ABB-32A908EB2A19}"/>
+              </a:ext>
+            </a:extLst>
+          </p:cNvPr>
+          <p:cNvSpPr txBox="1"/>
+          <p:nvPr/>
+        </p:nvSpPr>
+        <p:spPr>
+          <a:xfrm>
+            <a:off x="844895" y="4223968"/>
+            <a:ext cx="9486927" cy="923330"/>
+          </a:xfrm>
+          <a:prstGeom prst="rect">
+            <a:avLst/>
+          </a:prstGeom>
+          <a:noFill/>
+        </p:spPr>
+        <p:txBody>
+          <a:bodyPr wrap="square">
+            <a:spAutoFit/>
+          </a:bodyPr>
+          <a:lstStyle/>
+          <a:p>
+            <a:pPr marL="285750" indent="-285750">
+              <a:buFont typeface="Wingdings" panose="05000000000000000000" pitchFamily="2" charset="2"/>
+              <a:buChar char="§"/>
+            </a:pPr>
+            <a:r>
+              <a:rPr lang="fr-FR" dirty="0">
+                <a:latin typeface="Google Sans"/>
+              </a:rPr>
+              <a:t>Permettre la sélection de diverses variables au moment de la réalisation du graphique</a:t>
+            </a:r>
+          </a:p>
+          <a:p>
+            <a:pPr marL="285750" indent="-285750">
+              <a:buFont typeface="Wingdings" panose="05000000000000000000" pitchFamily="2" charset="2"/>
+              <a:buChar char="§"/>
+            </a:pPr>
+            <a:endParaRPr lang="fr-FR" dirty="0">
+              <a:latin typeface="Google Sans"/>
+            </a:endParaRPr>
+          </a:p>
+          <a:p>
+            <a:pPr marL="285750" indent="-285750">
+              <a:buFont typeface="Wingdings" panose="05000000000000000000" pitchFamily="2" charset="2"/>
+              <a:buChar char="§"/>
+            </a:pPr>
+            <a:r>
+              <a:rPr lang="fr-FR" sz="1800" dirty="0">
+                <a:latin typeface="Google Sans"/>
+              </a:rPr>
+              <a:t>Ajouter des informations sur les variables sélectionnées</a:t>
+            </a:r>
+            <a:endParaRPr lang="fr-FR" dirty="0">
+              <a:latin typeface="docs-Roboto"/>
+            </a:endParaRPr>
+          </a:p>
+        </p:txBody>
+      </p:sp>
     </p:spTree>
     <p:extLst>
       <p:ext uri="{BB962C8B-B14F-4D97-AF65-F5344CB8AC3E}">
-        <p14:creationId xmlns:p14="http://schemas.microsoft.com/office/powerpoint/2010/main" val="3475974161"/>
+        <p14:creationId xmlns:p14="http://schemas.microsoft.com/office/powerpoint/2010/main" val="2703420726"/>
       </p:ext>
     </p:extLst>
   </p:cSld>
@@ -26598,7 +27064,7 @@
 </p:sld>
 </file>
 
-<file path=ppt/slides/slide26.xml><?xml version="1.0" encoding="utf-8"?>
+<file path=ppt/slides/slide27.xml><?xml version="1.0" encoding="utf-8"?>
 <p:sld xmlns:a="http://schemas.openxmlformats.org/drawingml/2006/main" xmlns:r="http://schemas.openxmlformats.org/officeDocument/2006/relationships" xmlns:p="http://schemas.openxmlformats.org/presentationml/2006/main">
   <p:cSld>
     <p:spTree>
@@ -27003,7 +27469,7 @@
 </p:sld>
 </file>
 
-<file path=ppt/slides/slide27.xml><?xml version="1.0" encoding="utf-8"?>
+<file path=ppt/slides/slide28.xml><?xml version="1.0" encoding="utf-8"?>
 <p:sld xmlns:a="http://schemas.openxmlformats.org/drawingml/2006/main" xmlns:r="http://schemas.openxmlformats.org/officeDocument/2006/relationships" xmlns:p="http://schemas.openxmlformats.org/presentationml/2006/main">
   <p:cSld>
     <p:spTree>
@@ -27494,7 +27960,7 @@
 </p:sld>
 </file>
 
-<file path=ppt/slides/slide28.xml><?xml version="1.0" encoding="utf-8"?>
+<file path=ppt/slides/slide29.xml><?xml version="1.0" encoding="utf-8"?>
 <p:sld xmlns:a="http://schemas.openxmlformats.org/drawingml/2006/main" xmlns:r="http://schemas.openxmlformats.org/officeDocument/2006/relationships" xmlns:p="http://schemas.openxmlformats.org/presentationml/2006/main">
   <p:cSld>
     <p:bg>
@@ -29372,7 +29838,7 @@
                 </a:ln>
                 <a:latin typeface="Google Sans"/>
               </a:rPr>
-              <a:t> son crédit selon de données variées</a:t>
+              <a:t> son crédit d’après diverses données</a:t>
             </a:r>
             <a:endParaRPr lang="fr-FR" sz="2400" b="1" dirty="0">
               <a:ln>
@@ -29558,25 +30024,7 @@
                 </a:solidFill>
                 <a:latin typeface="Google Sans"/>
               </a:rPr>
-              <a:t>Construire un </a:t>
-            </a:r>
-            <a:r>
-              <a:rPr lang="fr-FR" dirty="0" err="1">
-                <a:solidFill>
-                  <a:srgbClr val="202124"/>
-                </a:solidFill>
-                <a:latin typeface="Google Sans"/>
-              </a:rPr>
-              <a:t>dashboard</a:t>
-            </a:r>
-            <a:r>
-              <a:rPr lang="fr-FR" dirty="0">
-                <a:solidFill>
-                  <a:srgbClr val="202124"/>
-                </a:solidFill>
-                <a:latin typeface="Google Sans"/>
-              </a:rPr>
-              <a:t> interactif à destination des gestionnaires de la relation client permettant d'interpréter les prédictions faites par le modèle de </a:t>
+              <a:t>Construire un tableau de bord interactif à destination des gestionnaires de la relation client permettant d'interpréter les prédictions faites par le modèle de </a:t>
             </a:r>
             <a:r>
               <a:rPr lang="fr-FR" dirty="0" err="1">
@@ -29625,7 +30073,7 @@
           <a:lstStyle/>
           <a:p>
             <a:r>
-              <a:rPr lang="fr-FR" sz="2000" b="1">
+              <a:rPr lang="fr-FR" sz="2000" b="1" dirty="0">
                 <a:ln>
                   <a:solidFill>
                     <a:srgbClr val="7451EB"/>
@@ -31790,7 +32238,7 @@
               <a:rPr lang="fr-FR" dirty="0">
                 <a:latin typeface="docs-Roboto"/>
               </a:rPr>
-              <a:t>âge, sexe, emploi, revenus, crédit précédents, etc. </a:t>
+              <a:t>âge, sexe, emplois, revenus, crédits précédents, etc. </a:t>
             </a:r>
           </a:p>
           <a:p>
@@ -33581,8 +34029,8 @@
         </p:nvSpPr>
         <p:spPr>
           <a:xfrm>
-            <a:off x="835632" y="2670067"/>
-            <a:ext cx="4907443" cy="1477328"/>
+            <a:off x="835633" y="2670067"/>
+            <a:ext cx="4635002" cy="1477328"/>
           </a:xfrm>
           <a:prstGeom prst="rect">
             <a:avLst/>
@@ -33606,7 +34054,7 @@
                 </a:solidFill>
                 <a:latin typeface="docs-Roboto"/>
               </a:rPr>
-              <a:t>Bon score dans la compétition</a:t>
+              <a:t>Un bon score dans la compétition</a:t>
             </a:r>
             <a:endParaRPr lang="en-US" dirty="0">
               <a:solidFill>
@@ -33627,7 +34075,7 @@
                 </a:solidFill>
                 <a:latin typeface="docs-Roboto"/>
               </a:rPr>
-              <a:t>Propose un Feature Engineering performant</a:t>
+              <a:t>Un Feature Engineering performant</a:t>
             </a:r>
           </a:p>
           <a:p>
@@ -33642,7 +34090,7 @@
                 </a:solidFill>
                 <a:latin typeface="docs-Roboto"/>
               </a:rPr>
-              <a:t>Opportunité d'utiliser un Framework base sur Gradient </a:t>
+              <a:t>L’opportunité d'utiliser un Framework basé sur le Gradient </a:t>
             </a:r>
             <a:r>
               <a:rPr lang="fr-FR" dirty="0" err="1">
@@ -33673,7 +34121,7 @@
                 <a:effectLst/>
                 <a:latin typeface="docs-Roboto"/>
               </a:rPr>
-              <a:t>Kernel </a:t>
+              <a:t>Le kernel </a:t>
             </a:r>
             <a:r>
               <a:rPr lang="fr-FR" u="none" strike="noStrike" dirty="0">
@@ -34427,7 +34875,7 @@
               <a:rPr lang="fr-FR" dirty="0">
                 <a:latin typeface="docs-Roboto"/>
               </a:rPr>
-              <a:t>Identification et traitement des variables catégoriques</a:t>
+              <a:t>Identification et traitement des variables catégorielles  </a:t>
             </a:r>
           </a:p>
           <a:p>
@@ -34444,7 +34892,7 @@
               <a:rPr lang="fr-FR" dirty="0">
                 <a:latin typeface="docs-Roboto"/>
               </a:rPr>
-              <a:t>Création des nouvelles variables</a:t>
+              <a:t>Création de nouvelles variables</a:t>
             </a:r>
           </a:p>
           <a:p>
@@ -34510,16 +34958,10 @@
               <a:buChar char="§"/>
             </a:pPr>
             <a:r>
-              <a:rPr lang="fr-FR" dirty="0" err="1">
-                <a:latin typeface="docs-Roboto"/>
-              </a:rPr>
-              <a:t>Join</a:t>
-            </a:r>
-            <a:r>
               <a:rPr lang="fr-FR" dirty="0">
                 <a:latin typeface="docs-Roboto"/>
               </a:rPr>
-              <a:t> des jeux de données</a:t>
+              <a:t>Unification de jeux des données</a:t>
             </a:r>
           </a:p>
           <a:p>
@@ -34531,19 +34973,7 @@
               <a:rPr lang="fr-FR" sz="1400" dirty="0">
                 <a:latin typeface="docs-Roboto"/>
               </a:rPr>
-              <a:t>+700 </a:t>
-            </a:r>
-            <a:r>
-              <a:rPr lang="fr-FR" sz="1400" dirty="0" err="1">
-                <a:latin typeface="docs-Roboto"/>
-              </a:rPr>
-              <a:t>features</a:t>
-            </a:r>
-            <a:r>
-              <a:rPr lang="fr-FR" sz="1400" dirty="0">
-                <a:latin typeface="docs-Roboto"/>
-              </a:rPr>
-              <a:t> en total</a:t>
+              <a:t>+700 variables en total</a:t>
             </a:r>
           </a:p>
           <a:p>
@@ -34592,8 +35022,8 @@
         </p:nvSpPr>
         <p:spPr>
           <a:xfrm>
-            <a:off x="7066141" y="1010638"/>
-            <a:ext cx="5125860" cy="707886"/>
+            <a:off x="7260021" y="1010638"/>
+            <a:ext cx="4931980" cy="707886"/>
           </a:xfrm>
           <a:prstGeom prst="rect">
             <a:avLst/>
@@ -34627,22 +35057,7 @@
                 <a:effectLst/>
                 <a:latin typeface="docs-Roboto"/>
               </a:rPr>
-              <a:t>Tout à long la notebook, des traitements sont faits pour obtenir des nouvelles </a:t>
-            </a:r>
-            <a:r>
-              <a:rPr lang="fr-FR" sz="2000" u="none" strike="noStrike" dirty="0" err="1">
-                <a:ln>
-                  <a:solidFill>
-                    <a:schemeClr val="bg1"/>
-                  </a:solidFill>
-                </a:ln>
-                <a:solidFill>
-                  <a:schemeClr val="bg1"/>
-                </a:solidFill>
-                <a:effectLst/>
-                <a:latin typeface="docs-Roboto"/>
-              </a:rPr>
-              <a:t>features</a:t>
+              <a:t>Tout au long du kernel, des traitements sont faits pour obtenir des nouvelles données</a:t>
             </a:r>
             <a:endParaRPr lang="fr-FR" sz="2000" b="1" u="sng" strike="noStrike" dirty="0">
               <a:ln>

--- a/supports/P7_presentation_final.pptx
+++ b/supports/P7_presentation_final.pptx
@@ -5,10 +5,10 @@
     <p:sldMasterId id="2147483648" r:id="rId1"/>
   </p:sldMasterIdLst>
   <p:notesMasterIdLst>
-    <p:notesMasterId r:id="rId31"/>
+    <p:notesMasterId r:id="rId32"/>
   </p:notesMasterIdLst>
   <p:handoutMasterIdLst>
-    <p:handoutMasterId r:id="rId32"/>
+    <p:handoutMasterId r:id="rId33"/>
   </p:handoutMasterIdLst>
   <p:sldIdLst>
     <p:sldId id="368" r:id="rId2"/>
@@ -33,13 +33,14 @@
     <p:sldId id="679" r:id="rId21"/>
     <p:sldId id="709" r:id="rId22"/>
     <p:sldId id="717" r:id="rId23"/>
-    <p:sldId id="714" r:id="rId24"/>
-    <p:sldId id="710" r:id="rId25"/>
-    <p:sldId id="610" r:id="rId26"/>
-    <p:sldId id="716" r:id="rId27"/>
-    <p:sldId id="534" r:id="rId28"/>
-    <p:sldId id="535" r:id="rId29"/>
-    <p:sldId id="633" r:id="rId30"/>
+    <p:sldId id="718" r:id="rId24"/>
+    <p:sldId id="714" r:id="rId25"/>
+    <p:sldId id="710" r:id="rId26"/>
+    <p:sldId id="610" r:id="rId27"/>
+    <p:sldId id="716" r:id="rId28"/>
+    <p:sldId id="534" r:id="rId29"/>
+    <p:sldId id="535" r:id="rId30"/>
+    <p:sldId id="633" r:id="rId31"/>
   </p:sldIdLst>
   <p:sldSz cx="12192000" cy="6858000"/>
   <p:notesSz cx="6858000" cy="9144000"/>
@@ -240,7 +241,7 @@
           <a:p>
             <a:fld id="{081908C2-F1FA-4AA1-810C-31F86594FA86}" type="datetimeFigureOut">
               <a:rPr lang="en-US" smtClean="0"/>
-              <a:t>2/4/2022</a:t>
+              <a:t>2/5/2022</a:t>
             </a:fld>
             <a:endParaRPr lang="en-US"/>
           </a:p>
@@ -405,7 +406,7 @@
           <a:p>
             <a:fld id="{56E8D31E-EEDD-42CA-A79A-B9539977145E}" type="datetimeFigureOut">
               <a:rPr lang="en-US" smtClean="0"/>
-              <a:t>2/3/2022</a:t>
+              <a:t>2/5/2022</a:t>
             </a:fld>
             <a:endParaRPr lang="en-US"/>
           </a:p>
@@ -2521,10 +2522,39 @@
           <a:bodyPr/>
           <a:lstStyle/>
           <a:p>
-            <a:pPr algn="l">
-              <a:buFont typeface="Arial" panose="020B0604020202020204" pitchFamily="34" charset="0"/>
-              <a:buChar char="•"/>
+            <a:pPr marL="171450" indent="-171450" algn="l">
+              <a:buFont typeface="Wingdings" panose="05000000000000000000" pitchFamily="2" charset="2"/>
+              <a:buChar char="§"/>
             </a:pPr>
+            <a:r>
+              <a:rPr lang="es-ES" b="0" i="0" dirty="0" err="1">
+                <a:solidFill>
+                  <a:srgbClr val="404040"/>
+                </a:solidFill>
+                <a:effectLst/>
+                <a:latin typeface="Lato" panose="020F0502020204030203" pitchFamily="34" charset="0"/>
+              </a:rPr>
+              <a:t>Ext_source</a:t>
+            </a:r>
+            <a:r>
+              <a:rPr lang="es-ES" b="0" i="0" dirty="0">
+                <a:solidFill>
+                  <a:srgbClr val="404040"/>
+                </a:solidFill>
+                <a:effectLst/>
+                <a:latin typeface="Lato" panose="020F0502020204030203" pitchFamily="34" charset="0"/>
+              </a:rPr>
+              <a:t> : </a:t>
+            </a:r>
+            <a:r>
+              <a:rPr lang="fr-FR" sz="1800" b="0" i="0" u="none" strike="noStrike" baseline="0" dirty="0">
+                <a:solidFill>
+                  <a:srgbClr val="1C3C70"/>
+                </a:solidFill>
+                <a:latin typeface="CIDFont+F2"/>
+              </a:rPr>
+              <a:t>Score normalisé provenant d'une source de données externe</a:t>
+            </a:r>
             <a:endParaRPr lang="fr-FR" b="0" i="0" dirty="0">
               <a:solidFill>
                 <a:srgbClr val="404040"/>
@@ -3011,7 +3041,7 @@
     </p:spTree>
     <p:extLst>
       <p:ext uri="{BB962C8B-B14F-4D97-AF65-F5344CB8AC3E}">
-        <p14:creationId xmlns:p14="http://schemas.microsoft.com/office/powerpoint/2010/main" val="3883169578"/>
+        <p14:creationId xmlns:p14="http://schemas.microsoft.com/office/powerpoint/2010/main" val="3399208670"/>
       </p:ext>
     </p:extLst>
   </p:cSld>
@@ -3105,7 +3135,7 @@
     </p:spTree>
     <p:extLst>
       <p:ext uri="{BB962C8B-B14F-4D97-AF65-F5344CB8AC3E}">
-        <p14:creationId xmlns:p14="http://schemas.microsoft.com/office/powerpoint/2010/main" val="840419749"/>
+        <p14:creationId xmlns:p14="http://schemas.microsoft.com/office/powerpoint/2010/main" val="3883169578"/>
       </p:ext>
     </p:extLst>
   </p:cSld>
@@ -3159,7 +3189,17 @@
           <a:bodyPr/>
           <a:lstStyle/>
           <a:p>
-            <a:endParaRPr lang="fr-FR" dirty="0"/>
+            <a:pPr algn="l">
+              <a:buFont typeface="Arial" panose="020B0604020202020204" pitchFamily="34" charset="0"/>
+              <a:buNone/>
+            </a:pPr>
+            <a:endParaRPr lang="fr-FR" b="0" i="0" dirty="0">
+              <a:solidFill>
+                <a:srgbClr val="404040"/>
+              </a:solidFill>
+              <a:effectLst/>
+              <a:latin typeface="Lato" panose="020F0502020204030203" pitchFamily="34" charset="0"/>
+            </a:endParaRPr>
           </a:p>
         </p:txBody>
       </p:sp>
@@ -3189,7 +3229,7 @@
     </p:spTree>
     <p:extLst>
       <p:ext uri="{BB962C8B-B14F-4D97-AF65-F5344CB8AC3E}">
-        <p14:creationId xmlns:p14="http://schemas.microsoft.com/office/powerpoint/2010/main" val="2672249202"/>
+        <p14:creationId xmlns:p14="http://schemas.microsoft.com/office/powerpoint/2010/main" val="840419749"/>
       </p:ext>
     </p:extLst>
   </p:cSld>
@@ -3243,10 +3283,6 @@
           <a:bodyPr/>
           <a:lstStyle/>
           <a:p>
-            <a:pPr marL="171450" indent="-171450">
-              <a:buFont typeface="Wingdings" panose="05000000000000000000" pitchFamily="2" charset="2"/>
-              <a:buChar char="§"/>
-            </a:pPr>
             <a:endParaRPr lang="fr-FR" dirty="0"/>
           </a:p>
         </p:txBody>
@@ -3277,7 +3313,7 @@
     </p:spTree>
     <p:extLst>
       <p:ext uri="{BB962C8B-B14F-4D97-AF65-F5344CB8AC3E}">
-        <p14:creationId xmlns:p14="http://schemas.microsoft.com/office/powerpoint/2010/main" val="1372545783"/>
+        <p14:creationId xmlns:p14="http://schemas.microsoft.com/office/powerpoint/2010/main" val="2672249202"/>
       </p:ext>
     </p:extLst>
   </p:cSld>
@@ -3365,7 +3401,7 @@
     </p:spTree>
     <p:extLst>
       <p:ext uri="{BB962C8B-B14F-4D97-AF65-F5344CB8AC3E}">
-        <p14:creationId xmlns:p14="http://schemas.microsoft.com/office/powerpoint/2010/main" val="3436986321"/>
+        <p14:creationId xmlns:p14="http://schemas.microsoft.com/office/powerpoint/2010/main" val="1372545783"/>
       </p:ext>
     </p:extLst>
   </p:cSld>
@@ -3419,6 +3455,94 @@
           <a:bodyPr/>
           <a:lstStyle/>
           <a:p>
+            <a:pPr marL="171450" indent="-171450">
+              <a:buFont typeface="Wingdings" panose="05000000000000000000" pitchFamily="2" charset="2"/>
+              <a:buChar char="§"/>
+            </a:pPr>
+            <a:endParaRPr lang="fr-FR" dirty="0"/>
+          </a:p>
+        </p:txBody>
+      </p:sp>
+      <p:sp>
+        <p:nvSpPr>
+          <p:cNvPr id="4" name="Espace réservé du numéro de diapositive 3"/>
+          <p:cNvSpPr>
+            <a:spLocks noGrp="1"/>
+          </p:cNvSpPr>
+          <p:nvPr>
+            <p:ph type="sldNum" sz="quarter" idx="5"/>
+          </p:nvPr>
+        </p:nvSpPr>
+        <p:spPr/>
+        <p:txBody>
+          <a:bodyPr/>
+          <a:lstStyle/>
+          <a:p>
+            <a:fld id="{B2BE2823-3393-479C-B299-87C7B63AEB2B}" type="slidenum">
+              <a:rPr lang="en-US" smtClean="0"/>
+              <a:t>28</a:t>
+            </a:fld>
+            <a:endParaRPr lang="en-US"/>
+          </a:p>
+        </p:txBody>
+      </p:sp>
+    </p:spTree>
+    <p:extLst>
+      <p:ext uri="{BB962C8B-B14F-4D97-AF65-F5344CB8AC3E}">
+        <p14:creationId xmlns:p14="http://schemas.microsoft.com/office/powerpoint/2010/main" val="3436986321"/>
+      </p:ext>
+    </p:extLst>
+  </p:cSld>
+  <p:clrMapOvr>
+    <a:masterClrMapping/>
+  </p:clrMapOvr>
+</p:notes>
+</file>
+
+<file path=ppt/notesSlides/notesSlide28.xml><?xml version="1.0" encoding="utf-8"?>
+<p:notes xmlns:a="http://schemas.openxmlformats.org/drawingml/2006/main" xmlns:r="http://schemas.openxmlformats.org/officeDocument/2006/relationships" xmlns:p="http://schemas.openxmlformats.org/presentationml/2006/main">
+  <p:cSld>
+    <p:spTree>
+      <p:nvGrpSpPr>
+        <p:cNvPr id="1" name=""/>
+        <p:cNvGrpSpPr/>
+        <p:nvPr/>
+      </p:nvGrpSpPr>
+      <p:grpSpPr>
+        <a:xfrm>
+          <a:off x="0" y="0"/>
+          <a:ext cx="0" cy="0"/>
+          <a:chOff x="0" y="0"/>
+          <a:chExt cx="0" cy="0"/>
+        </a:xfrm>
+      </p:grpSpPr>
+      <p:sp>
+        <p:nvSpPr>
+          <p:cNvPr id="2" name="Espace réservé de l'image des diapositives 1"/>
+          <p:cNvSpPr>
+            <a:spLocks noGrp="1" noRot="1" noChangeAspect="1"/>
+          </p:cNvSpPr>
+          <p:nvPr>
+            <p:ph type="sldImg"/>
+          </p:nvPr>
+        </p:nvSpPr>
+        <p:spPr/>
+      </p:sp>
+      <p:sp>
+        <p:nvSpPr>
+          <p:cNvPr id="3" name="Espace réservé des notes 2"/>
+          <p:cNvSpPr>
+            <a:spLocks noGrp="1"/>
+          </p:cNvSpPr>
+          <p:nvPr>
+            <p:ph type="body" idx="1"/>
+          </p:nvPr>
+        </p:nvSpPr>
+        <p:spPr/>
+        <p:txBody>
+          <a:bodyPr/>
+          <a:lstStyle/>
+          <a:p>
             <a:pPr marL="0" marR="0" lvl="0" indent="0" algn="l" defTabSz="914400" rtl="0" eaLnBrk="1" fontAlgn="auto" latinLnBrk="0" hangingPunct="1">
               <a:lnSpc>
                 <a:spcPct val="100000"/>
@@ -3463,7 +3587,7 @@
           <a:p>
             <a:fld id="{B2BE2823-3393-479C-B299-87C7B63AEB2B}" type="slidenum">
               <a:rPr lang="en-US" smtClean="0"/>
-              <a:t>29</a:t>
+              <a:t>30</a:t>
             </a:fld>
             <a:endParaRPr lang="en-US"/>
           </a:p>
@@ -4673,7 +4797,7 @@
           <a:p>
             <a:fld id="{E1DCD729-31D5-4480-98D7-69012EF3B7DD}" type="datetimeFigureOut">
               <a:rPr lang="en-US" smtClean="0"/>
-              <a:t>2/3/2022</a:t>
+              <a:t>2/5/2022</a:t>
             </a:fld>
             <a:endParaRPr lang="en-US"/>
           </a:p>
@@ -4871,7 +4995,7 @@
           <a:p>
             <a:fld id="{E1DCD729-31D5-4480-98D7-69012EF3B7DD}" type="datetimeFigureOut">
               <a:rPr lang="en-US" smtClean="0"/>
-              <a:t>2/3/2022</a:t>
+              <a:t>2/5/2022</a:t>
             </a:fld>
             <a:endParaRPr lang="en-US"/>
           </a:p>
@@ -5079,7 +5203,7 @@
           <a:p>
             <a:fld id="{E1DCD729-31D5-4480-98D7-69012EF3B7DD}" type="datetimeFigureOut">
               <a:rPr lang="en-US" smtClean="0"/>
-              <a:t>2/3/2022</a:t>
+              <a:t>2/5/2022</a:t>
             </a:fld>
             <a:endParaRPr lang="en-US"/>
           </a:p>
@@ -5277,7 +5401,7 @@
           <a:p>
             <a:fld id="{E1DCD729-31D5-4480-98D7-69012EF3B7DD}" type="datetimeFigureOut">
               <a:rPr lang="en-US" smtClean="0"/>
-              <a:t>2/3/2022</a:t>
+              <a:t>2/5/2022</a:t>
             </a:fld>
             <a:endParaRPr lang="en-US"/>
           </a:p>
@@ -5552,7 +5676,7 @@
           <a:p>
             <a:fld id="{E1DCD729-31D5-4480-98D7-69012EF3B7DD}" type="datetimeFigureOut">
               <a:rPr lang="en-US" smtClean="0"/>
-              <a:t>2/3/2022</a:t>
+              <a:t>2/5/2022</a:t>
             </a:fld>
             <a:endParaRPr lang="en-US"/>
           </a:p>
@@ -5817,7 +5941,7 @@
           <a:p>
             <a:fld id="{E1DCD729-31D5-4480-98D7-69012EF3B7DD}" type="datetimeFigureOut">
               <a:rPr lang="en-US" smtClean="0"/>
-              <a:t>2/3/2022</a:t>
+              <a:t>2/5/2022</a:t>
             </a:fld>
             <a:endParaRPr lang="en-US"/>
           </a:p>
@@ -6229,7 +6353,7 @@
           <a:p>
             <a:fld id="{E1DCD729-31D5-4480-98D7-69012EF3B7DD}" type="datetimeFigureOut">
               <a:rPr lang="en-US" smtClean="0"/>
-              <a:t>2/3/2022</a:t>
+              <a:t>2/5/2022</a:t>
             </a:fld>
             <a:endParaRPr lang="en-US"/>
           </a:p>
@@ -6370,7 +6494,7 @@
           <a:p>
             <a:fld id="{E1DCD729-31D5-4480-98D7-69012EF3B7DD}" type="datetimeFigureOut">
               <a:rPr lang="en-US" smtClean="0"/>
-              <a:t>2/3/2022</a:t>
+              <a:t>2/5/2022</a:t>
             </a:fld>
             <a:endParaRPr lang="en-US"/>
           </a:p>
@@ -6483,7 +6607,7 @@
           <a:p>
             <a:fld id="{E1DCD729-31D5-4480-98D7-69012EF3B7DD}" type="datetimeFigureOut">
               <a:rPr lang="en-US" smtClean="0"/>
-              <a:t>2/3/2022</a:t>
+              <a:t>2/5/2022</a:t>
             </a:fld>
             <a:endParaRPr lang="en-US"/>
           </a:p>
@@ -6794,7 +6918,7 @@
           <a:p>
             <a:fld id="{E1DCD729-31D5-4480-98D7-69012EF3B7DD}" type="datetimeFigureOut">
               <a:rPr lang="en-US" smtClean="0"/>
-              <a:t>2/3/2022</a:t>
+              <a:t>2/5/2022</a:t>
             </a:fld>
             <a:endParaRPr lang="en-US"/>
           </a:p>
@@ -7082,7 +7206,7 @@
           <a:p>
             <a:fld id="{E1DCD729-31D5-4480-98D7-69012EF3B7DD}" type="datetimeFigureOut">
               <a:rPr lang="en-US" smtClean="0"/>
-              <a:t>2/3/2022</a:t>
+              <a:t>2/5/2022</a:t>
             </a:fld>
             <a:endParaRPr lang="en-US"/>
           </a:p>
@@ -7332,7 +7456,7 @@
           <a:p>
             <a:fld id="{E1DCD729-31D5-4480-98D7-69012EF3B7DD}" type="datetimeFigureOut">
               <a:rPr lang="en-US" smtClean="0"/>
-              <a:t>2/3/2022</a:t>
+              <a:t>2/5/2022</a:t>
             </a:fld>
             <a:endParaRPr lang="en-US"/>
           </a:p>
@@ -8401,10 +8525,10 @@
                 </a:solidFill>
                 <a:latin typeface="Google Sans"/>
               </a:rPr>
-              <a:t>06 </a:t>
-            </a:r>
-            <a:r>
-              <a:rPr lang="es-ES" sz="1400" dirty="0" err="1">
+              <a:t>10 </a:t>
+            </a:r>
+            <a:r>
+              <a:rPr lang="fr-FR" sz="1400" dirty="0">
                 <a:ln>
                   <a:solidFill>
                     <a:schemeClr val="bg1"/>
@@ -8415,7 +8539,7 @@
                 </a:solidFill>
                 <a:latin typeface="Google Sans"/>
               </a:rPr>
-              <a:t>décembre</a:t>
+              <a:t>février</a:t>
             </a:r>
             <a:r>
               <a:rPr lang="es-ES" sz="1400" dirty="0">
@@ -8448,12 +8572,56 @@
           </a:p>
         </p:txBody>
       </p:sp>
+      <p:sp>
+        <p:nvSpPr>
+          <p:cNvPr id="18" name="ZoneTexte 17">
+            <a:extLst>
+              <a:ext uri="{FF2B5EF4-FFF2-40B4-BE49-F238E27FC236}">
+                <a16:creationId xmlns:a16="http://schemas.microsoft.com/office/drawing/2014/main" id="{0FBF008E-6BA5-44EC-B716-3D10E98470B5}"/>
+              </a:ext>
+            </a:extLst>
+          </p:cNvPr>
+          <p:cNvSpPr txBox="1"/>
+          <p:nvPr/>
+        </p:nvSpPr>
+        <p:spPr>
+          <a:xfrm>
+            <a:off x="2990626" y="3279296"/>
+            <a:ext cx="6131858" cy="369332"/>
+          </a:xfrm>
+          <a:prstGeom prst="rect">
+            <a:avLst/>
+          </a:prstGeom>
+          <a:noFill/>
+        </p:spPr>
+        <p:txBody>
+          <a:bodyPr wrap="square">
+            <a:spAutoFit/>
+          </a:bodyPr>
+          <a:lstStyle/>
+          <a:p>
+            <a:pPr algn="r"/>
+            <a:r>
+              <a:rPr lang="fr-FR" sz="1800" dirty="0">
+                <a:solidFill>
+                  <a:schemeClr val="lt1"/>
+                </a:solidFill>
+                <a:latin typeface="Google Sans"/>
+                <a:ea typeface="Fira Sans Condensed Medium"/>
+                <a:cs typeface="Fira Sans Condensed Medium"/>
+                <a:sym typeface="Fira Sans Condensed Medium"/>
+              </a:rPr>
+              <a:t>Traitements initiaux</a:t>
+            </a:r>
+          </a:p>
+        </p:txBody>
+      </p:sp>
       <p:pic>
         <p:nvPicPr>
-          <p:cNvPr id="6" name="Image 5">
-            <a:extLst>
-              <a:ext uri="{FF2B5EF4-FFF2-40B4-BE49-F238E27FC236}">
-                <a16:creationId xmlns:a16="http://schemas.microsoft.com/office/drawing/2014/main" id="{53F004B6-5BB4-426D-84EB-20C887456124}"/>
+          <p:cNvPr id="7" name="Image 6">
+            <a:extLst>
+              <a:ext uri="{FF2B5EF4-FFF2-40B4-BE49-F238E27FC236}">
+                <a16:creationId xmlns:a16="http://schemas.microsoft.com/office/drawing/2014/main" id="{66E1B1E7-2331-4B62-B9B0-378AD2562A2E}"/>
               </a:ext>
             </a:extLst>
           </p:cNvPr>
@@ -8462,7 +8630,7 @@
           </p:cNvPicPr>
           <p:nvPr/>
         </p:nvPicPr>
-        <p:blipFill rotWithShape="1">
+        <p:blipFill>
           <a:blip r:embed="rId4">
             <a:extLst>
               <a:ext uri="{28A0092B-C50C-407E-A947-70E740481C1C}">
@@ -8470,13 +8638,14 @@
               </a:ext>
             </a:extLst>
           </a:blip>
-          <a:srcRect l="10468" t="4156" r="8695" b="7052"/>
-          <a:stretch/>
+          <a:stretch>
+            <a:fillRect/>
+          </a:stretch>
         </p:blipFill>
         <p:spPr>
           <a:xfrm>
-            <a:off x="8035962" y="527181"/>
-            <a:ext cx="3216538" cy="2248348"/>
+            <a:off x="8129116" y="405794"/>
+            <a:ext cx="3215240" cy="3202170"/>
           </a:xfrm>
           <a:prstGeom prst="rect">
             <a:avLst/>
@@ -8493,104 +8662,6 @@
           </a:effectLst>
         </p:spPr>
       </p:pic>
-      <p:sp>
-        <p:nvSpPr>
-          <p:cNvPr id="3" name="Rectangle 2">
-            <a:extLst>
-              <a:ext uri="{FF2B5EF4-FFF2-40B4-BE49-F238E27FC236}">
-                <a16:creationId xmlns:a16="http://schemas.microsoft.com/office/drawing/2014/main" id="{2786A8BC-A4A7-4003-AA8A-55B290A9EDEE}"/>
-              </a:ext>
-            </a:extLst>
-          </p:cNvPr>
-          <p:cNvSpPr/>
-          <p:nvPr/>
-        </p:nvSpPr>
-        <p:spPr>
-          <a:xfrm>
-            <a:off x="112143" y="5905597"/>
-            <a:ext cx="3321170" cy="774468"/>
-          </a:xfrm>
-          <a:prstGeom prst="rect">
-            <a:avLst/>
-          </a:prstGeom>
-          <a:solidFill>
-            <a:srgbClr val="FF0000"/>
-          </a:solidFill>
-          <a:ln>
-            <a:solidFill>
-              <a:srgbClr val="FF0000"/>
-            </a:solidFill>
-          </a:ln>
-        </p:spPr>
-        <p:style>
-          <a:lnRef idx="2">
-            <a:schemeClr val="accent1">
-              <a:shade val="50000"/>
-            </a:schemeClr>
-          </a:lnRef>
-          <a:fillRef idx="1">
-            <a:schemeClr val="accent1"/>
-          </a:fillRef>
-          <a:effectRef idx="0">
-            <a:schemeClr val="accent1"/>
-          </a:effectRef>
-          <a:fontRef idx="minor">
-            <a:schemeClr val="lt1"/>
-          </a:fontRef>
-        </p:style>
-        <p:txBody>
-          <a:bodyPr rtlCol="0" anchor="ctr"/>
-          <a:lstStyle/>
-          <a:p>
-            <a:pPr algn="ctr"/>
-            <a:endParaRPr lang="fr-FR"/>
-          </a:p>
-        </p:txBody>
-      </p:sp>
-      <p:sp>
-        <p:nvSpPr>
-          <p:cNvPr id="18" name="ZoneTexte 17">
-            <a:extLst>
-              <a:ext uri="{FF2B5EF4-FFF2-40B4-BE49-F238E27FC236}">
-                <a16:creationId xmlns:a16="http://schemas.microsoft.com/office/drawing/2014/main" id="{0FBF008E-6BA5-44EC-B716-3D10E98470B5}"/>
-              </a:ext>
-            </a:extLst>
-          </p:cNvPr>
-          <p:cNvSpPr txBox="1"/>
-          <p:nvPr/>
-        </p:nvSpPr>
-        <p:spPr>
-          <a:xfrm>
-            <a:off x="2990626" y="3279296"/>
-            <a:ext cx="6131858" cy="369332"/>
-          </a:xfrm>
-          <a:prstGeom prst="rect">
-            <a:avLst/>
-          </a:prstGeom>
-          <a:noFill/>
-        </p:spPr>
-        <p:txBody>
-          <a:bodyPr wrap="square">
-            <a:spAutoFit/>
-          </a:bodyPr>
-          <a:lstStyle/>
-          <a:p>
-            <a:pPr algn="r"/>
-            <a:r>
-              <a:rPr lang="fr-FR" sz="1800" dirty="0">
-                <a:solidFill>
-                  <a:schemeClr val="lt1"/>
-                </a:solidFill>
-                <a:latin typeface="Google Sans"/>
-                <a:ea typeface="Fira Sans Condensed Medium"/>
-                <a:cs typeface="Fira Sans Condensed Medium"/>
-                <a:sym typeface="Fira Sans Condensed Medium"/>
-              </a:rPr>
-              <a:t>Traitements initiaux</a:t>
-            </a:r>
-          </a:p>
-        </p:txBody>
-      </p:sp>
     </p:spTree>
     <p:extLst>
       <p:ext uri="{BB962C8B-B14F-4D97-AF65-F5344CB8AC3E}">
@@ -8908,12 +8979,82 @@
           </a:p>
         </p:txBody>
       </p:sp>
+      <p:sp>
+        <p:nvSpPr>
+          <p:cNvPr id="24" name="TextBox 3">
+            <a:extLst>
+              <a:ext uri="{FF2B5EF4-FFF2-40B4-BE49-F238E27FC236}">
+                <a16:creationId xmlns:a16="http://schemas.microsoft.com/office/drawing/2014/main" id="{309681D6-5FD6-4122-B91E-89A6BBE15AB2}"/>
+              </a:ext>
+            </a:extLst>
+          </p:cNvPr>
+          <p:cNvSpPr txBox="1"/>
+          <p:nvPr/>
+        </p:nvSpPr>
+        <p:spPr>
+          <a:xfrm>
+            <a:off x="0" y="6475247"/>
+            <a:ext cx="6096000" cy="307777"/>
+          </a:xfrm>
+          <a:prstGeom prst="rect">
+            <a:avLst/>
+          </a:prstGeom>
+          <a:noFill/>
+        </p:spPr>
+        <p:txBody>
+          <a:bodyPr wrap="square" rtlCol="0">
+            <a:spAutoFit/>
+          </a:bodyPr>
+          <a:lstStyle/>
+          <a:p>
+            <a:r>
+              <a:rPr lang="fr-FR" sz="1400" dirty="0">
+                <a:ln>
+                  <a:solidFill>
+                    <a:srgbClr val="7451EB"/>
+                  </a:solidFill>
+                </a:ln>
+                <a:solidFill>
+                  <a:srgbClr val="7451EB"/>
+                </a:solidFill>
+                <a:latin typeface="Calibri Light (En-têtes)"/>
+              </a:rPr>
+              <a:t>Project 7 – implémentation d’un modèle de </a:t>
+            </a:r>
+            <a:r>
+              <a:rPr lang="fr-FR" sz="1400" dirty="0" err="1">
+                <a:ln>
+                  <a:solidFill>
+                    <a:srgbClr val="7451EB"/>
+                  </a:solidFill>
+                </a:ln>
+                <a:solidFill>
+                  <a:srgbClr val="7451EB"/>
+                </a:solidFill>
+                <a:latin typeface="Calibri Light (En-têtes)"/>
+              </a:rPr>
+              <a:t>scoring</a:t>
+            </a:r>
+            <a:endParaRPr lang="fr-FR" sz="1400" dirty="0">
+              <a:ln>
+                <a:solidFill>
+                  <a:srgbClr val="7451EB"/>
+                </a:solidFill>
+              </a:ln>
+              <a:solidFill>
+                <a:srgbClr val="7451EB"/>
+              </a:solidFill>
+              <a:latin typeface="Calibri Light (En-têtes)"/>
+            </a:endParaRPr>
+          </a:p>
+        </p:txBody>
+      </p:sp>
       <p:grpSp>
         <p:nvGrpSpPr>
-          <p:cNvPr id="19" name="Groupe 18">
-            <a:extLst>
-              <a:ext uri="{FF2B5EF4-FFF2-40B4-BE49-F238E27FC236}">
-                <a16:creationId xmlns:a16="http://schemas.microsoft.com/office/drawing/2014/main" id="{C9BB8AC8-1ACE-49FD-86AD-CD4F76257EA6}"/>
+          <p:cNvPr id="23" name="Groupe 22">
+            <a:extLst>
+              <a:ext uri="{FF2B5EF4-FFF2-40B4-BE49-F238E27FC236}">
+                <a16:creationId xmlns:a16="http://schemas.microsoft.com/office/drawing/2014/main" id="{00EC9EDF-00F3-4714-8FF5-5D2E6A192B7C}"/>
               </a:ext>
             </a:extLst>
           </p:cNvPr>
@@ -8922,18 +9063,18 @@
         </p:nvGrpSpPr>
         <p:grpSpPr>
           <a:xfrm>
-            <a:off x="3951668" y="5975261"/>
-            <a:ext cx="4288665" cy="425012"/>
-            <a:chOff x="3617890" y="5975261"/>
-            <a:chExt cx="4288665" cy="425012"/>
+            <a:off x="4285445" y="5975261"/>
+            <a:ext cx="3621110" cy="425012"/>
+            <a:chOff x="3951668" y="5975261"/>
+            <a:chExt cx="3621110" cy="425012"/>
           </a:xfrm>
         </p:grpSpPr>
         <p:cxnSp>
           <p:nvCxnSpPr>
-            <p:cNvPr id="20" name="Straight Connector 21">
+            <p:cNvPr id="25" name="Straight Connector 21">
               <a:extLst>
                 <a:ext uri="{FF2B5EF4-FFF2-40B4-BE49-F238E27FC236}">
-                  <a16:creationId xmlns:a16="http://schemas.microsoft.com/office/drawing/2014/main" id="{400E4523-580F-4899-BED0-42D7A0AF2D77}"/>
+                  <a16:creationId xmlns:a16="http://schemas.microsoft.com/office/drawing/2014/main" id="{D2A986E9-58E6-40F8-A448-EDBC308708E2}"/>
                 </a:ext>
               </a:extLst>
             </p:cNvPr>
@@ -8942,7 +9083,7 @@
           </p:nvCxnSpPr>
           <p:spPr>
             <a:xfrm>
-              <a:off x="5173057" y="6400273"/>
+              <a:off x="5506835" y="6400273"/>
               <a:ext cx="0" cy="0"/>
             </a:xfrm>
             <a:prstGeom prst="line">
@@ -8966,10 +9107,10 @@
         </p:cxnSp>
         <p:sp>
           <p:nvSpPr>
-            <p:cNvPr id="34" name="Oval 19">
+            <p:cNvPr id="26" name="Oval 19">
               <a:extLst>
                 <a:ext uri="{FF2B5EF4-FFF2-40B4-BE49-F238E27FC236}">
-                  <a16:creationId xmlns:a16="http://schemas.microsoft.com/office/drawing/2014/main" id="{F20B039F-8F5A-4C1D-871B-3315A96C9FB4}"/>
+                  <a16:creationId xmlns:a16="http://schemas.microsoft.com/office/drawing/2014/main" id="{24A3F532-E278-405F-B7B4-7C22A6AEB1EC}"/>
                 </a:ext>
               </a:extLst>
             </p:cNvPr>
@@ -8978,7 +9119,7 @@
           </p:nvSpPr>
           <p:spPr>
             <a:xfrm>
-              <a:off x="4953000" y="5975263"/>
+              <a:off x="5286778" y="5975263"/>
               <a:ext cx="283335" cy="283335"/>
             </a:xfrm>
             <a:prstGeom prst="ellipse">
@@ -9025,10 +9166,10 @@
         </p:sp>
         <p:sp>
           <p:nvSpPr>
-            <p:cNvPr id="35" name="Oval 20">
+            <p:cNvPr id="27" name="Oval 20">
               <a:extLst>
                 <a:ext uri="{FF2B5EF4-FFF2-40B4-BE49-F238E27FC236}">
-                  <a16:creationId xmlns:a16="http://schemas.microsoft.com/office/drawing/2014/main" id="{C77AEED6-ECA5-4AC4-B32E-8D528FCF381E}"/>
+                  <a16:creationId xmlns:a16="http://schemas.microsoft.com/office/drawing/2014/main" id="{F113119D-787F-419D-988B-5F2C6F33E4C9}"/>
                 </a:ext>
               </a:extLst>
             </p:cNvPr>
@@ -9037,7 +9178,7 @@
           </p:nvSpPr>
           <p:spPr>
             <a:xfrm>
-              <a:off x="5620555" y="5975262"/>
+              <a:off x="5954333" y="5975262"/>
               <a:ext cx="283335" cy="283335"/>
             </a:xfrm>
             <a:prstGeom prst="ellipse">
@@ -9080,28 +9221,28 @@
             <a:lstStyle/>
             <a:p>
               <a:pPr algn="ctr"/>
-              <a:endParaRPr lang="en-US" dirty="0"/>
+              <a:endParaRPr lang="en-US"/>
             </a:p>
           </p:txBody>
         </p:sp>
         <p:cxnSp>
           <p:nvCxnSpPr>
-            <p:cNvPr id="36" name="Straight Connector 22">
+            <p:cNvPr id="28" name="Straight Connector 22">
               <a:extLst>
                 <a:ext uri="{FF2B5EF4-FFF2-40B4-BE49-F238E27FC236}">
-                  <a16:creationId xmlns:a16="http://schemas.microsoft.com/office/drawing/2014/main" id="{942DDD12-CE55-4AE7-95DF-FB4C65302FB0}"/>
+                  <a16:creationId xmlns:a16="http://schemas.microsoft.com/office/drawing/2014/main" id="{AF50B615-6C52-4B47-86F0-1D3DE841E824}"/>
                 </a:ext>
               </a:extLst>
             </p:cNvPr>
             <p:cNvCxnSpPr>
-              <a:stCxn id="34" idx="6"/>
-              <a:endCxn id="35" idx="2"/>
+              <a:stCxn id="26" idx="6"/>
+              <a:endCxn id="27" idx="2"/>
             </p:cNvCxnSpPr>
             <p:nvPr/>
           </p:nvCxnSpPr>
           <p:spPr>
             <a:xfrm flipV="1">
-              <a:off x="5236335" y="6116929"/>
+              <a:off x="5570113" y="6116929"/>
               <a:ext cx="384220" cy="0"/>
             </a:xfrm>
             <a:prstGeom prst="line">
@@ -9130,10 +9271,10 @@
         </p:cxnSp>
         <p:sp>
           <p:nvSpPr>
-            <p:cNvPr id="37" name="Oval 23">
+            <p:cNvPr id="29" name="Oval 23">
               <a:extLst>
                 <a:ext uri="{FF2B5EF4-FFF2-40B4-BE49-F238E27FC236}">
-                  <a16:creationId xmlns:a16="http://schemas.microsoft.com/office/drawing/2014/main" id="{62767745-BF55-4FE8-AC47-148E997E4809}"/>
+                  <a16:creationId xmlns:a16="http://schemas.microsoft.com/office/drawing/2014/main" id="{E4119E3D-2E2C-4939-9702-43F6FCF9D08D}"/>
                 </a:ext>
               </a:extLst>
             </p:cNvPr>
@@ -9142,7 +9283,7 @@
           </p:nvSpPr>
           <p:spPr>
             <a:xfrm>
-              <a:off x="6288110" y="5975261"/>
+              <a:off x="6621888" y="5975261"/>
               <a:ext cx="283335" cy="283335"/>
             </a:xfrm>
             <a:prstGeom prst="ellipse">
@@ -9189,21 +9330,21 @@
         </p:sp>
         <p:cxnSp>
           <p:nvCxnSpPr>
-            <p:cNvPr id="38" name="Straight Connector 24">
+            <p:cNvPr id="30" name="Straight Connector 24">
               <a:extLst>
                 <a:ext uri="{FF2B5EF4-FFF2-40B4-BE49-F238E27FC236}">
-                  <a16:creationId xmlns:a16="http://schemas.microsoft.com/office/drawing/2014/main" id="{82847262-7BB2-4FC0-8B01-87736809AB3F}"/>
+                  <a16:creationId xmlns:a16="http://schemas.microsoft.com/office/drawing/2014/main" id="{233E4A64-59DF-4B06-822A-740E48D433E3}"/>
                 </a:ext>
               </a:extLst>
             </p:cNvPr>
             <p:cNvCxnSpPr>
-              <a:endCxn id="37" idx="2"/>
+              <a:endCxn id="29" idx="2"/>
             </p:cNvCxnSpPr>
             <p:nvPr/>
           </p:nvCxnSpPr>
           <p:spPr>
             <a:xfrm flipV="1">
-              <a:off x="5903890" y="6116928"/>
+              <a:off x="6237668" y="6116928"/>
               <a:ext cx="384220" cy="0"/>
             </a:xfrm>
             <a:prstGeom prst="line">
@@ -9232,10 +9373,10 @@
         </p:cxnSp>
         <p:sp>
           <p:nvSpPr>
-            <p:cNvPr id="39" name="Oval 11">
+            <p:cNvPr id="31" name="Oval 11">
               <a:extLst>
                 <a:ext uri="{FF2B5EF4-FFF2-40B4-BE49-F238E27FC236}">
-                  <a16:creationId xmlns:a16="http://schemas.microsoft.com/office/drawing/2014/main" id="{C61B6D0E-800A-45FE-BCB1-754DB4145D0E}"/>
+                  <a16:creationId xmlns:a16="http://schemas.microsoft.com/office/drawing/2014/main" id="{27348ABB-B83B-422A-85C1-1C4A78F57F2A}"/>
                 </a:ext>
               </a:extLst>
             </p:cNvPr>
@@ -9244,7 +9385,7 @@
           </p:nvSpPr>
           <p:spPr>
             <a:xfrm>
-              <a:off x="4285445" y="5985995"/>
+              <a:off x="4619223" y="5985995"/>
               <a:ext cx="283335" cy="283335"/>
             </a:xfrm>
             <a:prstGeom prst="ellipse">
@@ -9291,10 +9432,10 @@
         </p:sp>
         <p:cxnSp>
           <p:nvCxnSpPr>
-            <p:cNvPr id="40" name="Straight Connector 16">
+            <p:cNvPr id="32" name="Straight Connector 16">
               <a:extLst>
                 <a:ext uri="{FF2B5EF4-FFF2-40B4-BE49-F238E27FC236}">
-                  <a16:creationId xmlns:a16="http://schemas.microsoft.com/office/drawing/2014/main" id="{FDCE5AB2-04FC-44BD-BF3B-89BB5690FF46}"/>
+                  <a16:creationId xmlns:a16="http://schemas.microsoft.com/office/drawing/2014/main" id="{0C6D4948-DEA0-407E-A5DB-62AFFEC8B715}"/>
                 </a:ext>
               </a:extLst>
             </p:cNvPr>
@@ -9303,7 +9444,7 @@
           </p:nvCxnSpPr>
           <p:spPr>
             <a:xfrm flipV="1">
-              <a:off x="4568780" y="6127662"/>
+              <a:off x="4902558" y="6127662"/>
               <a:ext cx="384220" cy="0"/>
             </a:xfrm>
             <a:prstGeom prst="line">
@@ -9332,10 +9473,10 @@
         </p:cxnSp>
         <p:sp>
           <p:nvSpPr>
-            <p:cNvPr id="41" name="Oval 23">
+            <p:cNvPr id="33" name="Oval 23">
               <a:extLst>
                 <a:ext uri="{FF2B5EF4-FFF2-40B4-BE49-F238E27FC236}">
-                  <a16:creationId xmlns:a16="http://schemas.microsoft.com/office/drawing/2014/main" id="{BB152C68-3D07-4F29-8EAC-3E7B34FF3A64}"/>
+                  <a16:creationId xmlns:a16="http://schemas.microsoft.com/office/drawing/2014/main" id="{20E980FE-D31B-4F72-8739-12C0D6AF0FCA}"/>
                 </a:ext>
               </a:extLst>
             </p:cNvPr>
@@ -9344,7 +9485,7 @@
           </p:nvSpPr>
           <p:spPr>
             <a:xfrm>
-              <a:off x="6955665" y="5994398"/>
+              <a:off x="7289443" y="5994398"/>
               <a:ext cx="283335" cy="283335"/>
             </a:xfrm>
             <a:prstGeom prst="ellipse">
@@ -9391,21 +9532,21 @@
         </p:sp>
         <p:cxnSp>
           <p:nvCxnSpPr>
-            <p:cNvPr id="42" name="Straight Connector 24">
+            <p:cNvPr id="47" name="Straight Connector 24">
               <a:extLst>
                 <a:ext uri="{FF2B5EF4-FFF2-40B4-BE49-F238E27FC236}">
-                  <a16:creationId xmlns:a16="http://schemas.microsoft.com/office/drawing/2014/main" id="{3C1A9256-64EA-4577-9C2F-C294EEBFFEA9}"/>
+                  <a16:creationId xmlns:a16="http://schemas.microsoft.com/office/drawing/2014/main" id="{80BE7D2A-78C3-4C79-AFAB-8B8D92098CF1}"/>
                 </a:ext>
               </a:extLst>
             </p:cNvPr>
             <p:cNvCxnSpPr>
-              <a:endCxn id="41" idx="2"/>
+              <a:endCxn id="33" idx="2"/>
             </p:cNvCxnSpPr>
             <p:nvPr/>
           </p:nvCxnSpPr>
           <p:spPr>
             <a:xfrm flipV="1">
-              <a:off x="6571445" y="6136065"/>
+              <a:off x="6905223" y="6136065"/>
               <a:ext cx="384220" cy="0"/>
             </a:xfrm>
             <a:prstGeom prst="line">
@@ -9434,10 +9575,10 @@
         </p:cxnSp>
         <p:sp>
           <p:nvSpPr>
-            <p:cNvPr id="43" name="Oval 23">
+            <p:cNvPr id="48" name="Oval 11">
               <a:extLst>
                 <a:ext uri="{FF2B5EF4-FFF2-40B4-BE49-F238E27FC236}">
-                  <a16:creationId xmlns:a16="http://schemas.microsoft.com/office/drawing/2014/main" id="{C8CDA1B1-29B7-4DE1-9651-1FB5CC0E187A}"/>
+                  <a16:creationId xmlns:a16="http://schemas.microsoft.com/office/drawing/2014/main" id="{4E97DF68-B68C-4648-A702-9D456A8DCC2E}"/>
                 </a:ext>
               </a:extLst>
             </p:cNvPr>
@@ -9446,7 +9587,7 @@
           </p:nvSpPr>
           <p:spPr>
             <a:xfrm>
-              <a:off x="7623220" y="5989665"/>
+              <a:off x="3951668" y="5985995"/>
               <a:ext cx="283335" cy="283335"/>
             </a:xfrm>
             <a:prstGeom prst="ellipse">
@@ -9487,118 +9628,16 @@
             <a:lstStyle/>
             <a:p>
               <a:pPr algn="ctr"/>
-              <a:endParaRPr lang="en-US"/>
+              <a:endParaRPr lang="en-US" dirty="0"/>
             </a:p>
           </p:txBody>
         </p:sp>
         <p:cxnSp>
           <p:nvCxnSpPr>
-            <p:cNvPr id="44" name="Straight Connector 24">
+            <p:cNvPr id="49" name="Straight Connector 16">
               <a:extLst>
                 <a:ext uri="{FF2B5EF4-FFF2-40B4-BE49-F238E27FC236}">
-                  <a16:creationId xmlns:a16="http://schemas.microsoft.com/office/drawing/2014/main" id="{84EF3FF2-AA93-449C-94D2-0234D0D56060}"/>
-                </a:ext>
-              </a:extLst>
-            </p:cNvPr>
-            <p:cNvCxnSpPr>
-              <a:endCxn id="43" idx="2"/>
-            </p:cNvCxnSpPr>
-            <p:nvPr/>
-          </p:nvCxnSpPr>
-          <p:spPr>
-            <a:xfrm flipV="1">
-              <a:off x="7239000" y="6131332"/>
-              <a:ext cx="384220" cy="0"/>
-            </a:xfrm>
-            <a:prstGeom prst="line">
-              <a:avLst/>
-            </a:prstGeom>
-            <a:ln>
-              <a:solidFill>
-                <a:schemeClr val="bg1"/>
-              </a:solidFill>
-            </a:ln>
-          </p:spPr>
-          <p:style>
-            <a:lnRef idx="2">
-              <a:schemeClr val="dk1"/>
-            </a:lnRef>
-            <a:fillRef idx="0">
-              <a:schemeClr val="dk1"/>
-            </a:fillRef>
-            <a:effectRef idx="1">
-              <a:schemeClr val="dk1"/>
-            </a:effectRef>
-            <a:fontRef idx="minor">
-              <a:schemeClr val="tx1"/>
-            </a:fontRef>
-          </p:style>
-        </p:cxnSp>
-        <p:sp>
-          <p:nvSpPr>
-            <p:cNvPr id="45" name="Oval 11">
-              <a:extLst>
-                <a:ext uri="{FF2B5EF4-FFF2-40B4-BE49-F238E27FC236}">
-                  <a16:creationId xmlns:a16="http://schemas.microsoft.com/office/drawing/2014/main" id="{4E1B6EF7-15AE-4FD1-8C2A-CA418E100D83}"/>
-                </a:ext>
-              </a:extLst>
-            </p:cNvPr>
-            <p:cNvSpPr/>
-            <p:nvPr/>
-          </p:nvSpPr>
-          <p:spPr>
-            <a:xfrm>
-              <a:off x="3617890" y="5985995"/>
-              <a:ext cx="283335" cy="283335"/>
-            </a:xfrm>
-            <a:prstGeom prst="ellipse">
-              <a:avLst/>
-            </a:prstGeom>
-            <a:noFill/>
-            <a:ln>
-              <a:solidFill>
-                <a:schemeClr val="bg1"/>
-              </a:solidFill>
-            </a:ln>
-            <a:effectLst>
-              <a:outerShdw blurRad="50800" dist="38100" dir="2700000" algn="tl" rotWithShape="0">
-                <a:prstClr val="black">
-                  <a:alpha val="40000"/>
-                </a:prstClr>
-              </a:outerShdw>
-            </a:effectLst>
-          </p:spPr>
-          <p:style>
-            <a:lnRef idx="2">
-              <a:schemeClr val="accent1">
-                <a:shade val="50000"/>
-              </a:schemeClr>
-            </a:lnRef>
-            <a:fillRef idx="1">
-              <a:schemeClr val="accent1"/>
-            </a:fillRef>
-            <a:effectRef idx="0">
-              <a:schemeClr val="accent1"/>
-            </a:effectRef>
-            <a:fontRef idx="minor">
-              <a:schemeClr val="lt1"/>
-            </a:fontRef>
-          </p:style>
-          <p:txBody>
-            <a:bodyPr rtlCol="0" anchor="ctr"/>
-            <a:lstStyle/>
-            <a:p>
-              <a:pPr algn="ctr"/>
-              <a:endParaRPr lang="en-US"/>
-            </a:p>
-          </p:txBody>
-        </p:sp>
-        <p:cxnSp>
-          <p:nvCxnSpPr>
-            <p:cNvPr id="46" name="Straight Connector 16">
-              <a:extLst>
-                <a:ext uri="{FF2B5EF4-FFF2-40B4-BE49-F238E27FC236}">
-                  <a16:creationId xmlns:a16="http://schemas.microsoft.com/office/drawing/2014/main" id="{0B1E9A3B-1DC5-4E6E-9342-910B511D4C4A}"/>
+                  <a16:creationId xmlns:a16="http://schemas.microsoft.com/office/drawing/2014/main" id="{D43B2E29-D0CC-4D03-B846-4EFDC804607A}"/>
                 </a:ext>
               </a:extLst>
             </p:cNvPr>
@@ -9607,7 +9646,7 @@
           </p:nvCxnSpPr>
           <p:spPr>
             <a:xfrm flipV="1">
-              <a:off x="3901225" y="6127662"/>
+              <a:off x="4235003" y="6127662"/>
               <a:ext cx="384220" cy="0"/>
             </a:xfrm>
             <a:prstGeom prst="line">
@@ -9635,130 +9674,6 @@
           </p:style>
         </p:cxnSp>
       </p:grpSp>
-      <p:sp>
-        <p:nvSpPr>
-          <p:cNvPr id="22" name="Rectangle 21">
-            <a:extLst>
-              <a:ext uri="{FF2B5EF4-FFF2-40B4-BE49-F238E27FC236}">
-                <a16:creationId xmlns:a16="http://schemas.microsoft.com/office/drawing/2014/main" id="{1CCB42C0-4FBA-41AA-9C8F-75D335B330C0}"/>
-              </a:ext>
-            </a:extLst>
-          </p:cNvPr>
-          <p:cNvSpPr/>
-          <p:nvPr/>
-        </p:nvSpPr>
-        <p:spPr>
-          <a:xfrm>
-            <a:off x="3300718" y="5954431"/>
-            <a:ext cx="5084746" cy="307777"/>
-          </a:xfrm>
-          <a:prstGeom prst="rect">
-            <a:avLst/>
-          </a:prstGeom>
-          <a:solidFill>
-            <a:srgbClr val="FF0000"/>
-          </a:solidFill>
-          <a:ln>
-            <a:solidFill>
-              <a:srgbClr val="FF0000"/>
-            </a:solidFill>
-          </a:ln>
-        </p:spPr>
-        <p:style>
-          <a:lnRef idx="2">
-            <a:schemeClr val="accent1">
-              <a:shade val="50000"/>
-            </a:schemeClr>
-          </a:lnRef>
-          <a:fillRef idx="1">
-            <a:schemeClr val="accent1"/>
-          </a:fillRef>
-          <a:effectRef idx="0">
-            <a:schemeClr val="accent1"/>
-          </a:effectRef>
-          <a:fontRef idx="minor">
-            <a:schemeClr val="lt1"/>
-          </a:fontRef>
-        </p:style>
-        <p:txBody>
-          <a:bodyPr rtlCol="0" anchor="ctr"/>
-          <a:lstStyle/>
-          <a:p>
-            <a:pPr algn="ctr"/>
-            <a:endParaRPr lang="fr-FR"/>
-          </a:p>
-        </p:txBody>
-      </p:sp>
-      <p:sp>
-        <p:nvSpPr>
-          <p:cNvPr id="24" name="TextBox 3">
-            <a:extLst>
-              <a:ext uri="{FF2B5EF4-FFF2-40B4-BE49-F238E27FC236}">
-                <a16:creationId xmlns:a16="http://schemas.microsoft.com/office/drawing/2014/main" id="{309681D6-5FD6-4122-B91E-89A6BBE15AB2}"/>
-              </a:ext>
-            </a:extLst>
-          </p:cNvPr>
-          <p:cNvSpPr txBox="1"/>
-          <p:nvPr/>
-        </p:nvSpPr>
-        <p:spPr>
-          <a:xfrm>
-            <a:off x="0" y="6475247"/>
-            <a:ext cx="6096000" cy="307777"/>
-          </a:xfrm>
-          <a:prstGeom prst="rect">
-            <a:avLst/>
-          </a:prstGeom>
-          <a:noFill/>
-        </p:spPr>
-        <p:txBody>
-          <a:bodyPr wrap="square" rtlCol="0">
-            <a:spAutoFit/>
-          </a:bodyPr>
-          <a:lstStyle/>
-          <a:p>
-            <a:r>
-              <a:rPr lang="fr-FR" sz="1400" dirty="0">
-                <a:ln>
-                  <a:solidFill>
-                    <a:srgbClr val="7451EB"/>
-                  </a:solidFill>
-                </a:ln>
-                <a:solidFill>
-                  <a:srgbClr val="7451EB"/>
-                </a:solidFill>
-                <a:latin typeface="Calibri Light (En-têtes)"/>
-              </a:rPr>
-              <a:t>Project 7 – implémentation d’un modèle de </a:t>
-            </a:r>
-            <a:r>
-              <a:rPr lang="fr-FR" sz="1400" dirty="0" err="1">
-                <a:ln>
-                  <a:solidFill>
-                    <a:srgbClr val="7451EB"/>
-                  </a:solidFill>
-                </a:ln>
-                <a:solidFill>
-                  <a:srgbClr val="7451EB"/>
-                </a:solidFill>
-                <a:latin typeface="Calibri Light (En-têtes)"/>
-              </a:rPr>
-              <a:t>scoring</a:t>
-            </a:r>
-            <a:endParaRPr lang="fr-FR" sz="1400" dirty="0">
-              <a:ln>
-                <a:solidFill>
-                  <a:srgbClr val="7451EB"/>
-                </a:solidFill>
-              </a:ln>
-              <a:solidFill>
-                <a:srgbClr val="7451EB"/>
-              </a:solidFill>
-              <a:latin typeface="Calibri Light (En-têtes)"/>
-            </a:endParaRPr>
-          </a:p>
-        </p:txBody>
-      </p:sp>
     </p:spTree>
     <p:extLst>
       <p:ext uri="{BB962C8B-B14F-4D97-AF65-F5344CB8AC3E}">
@@ -17358,12 +17273,82 @@
           </a:p>
         </p:txBody>
       </p:sp>
+      <p:sp>
+        <p:nvSpPr>
+          <p:cNvPr id="23" name="TextBox 3">
+            <a:extLst>
+              <a:ext uri="{FF2B5EF4-FFF2-40B4-BE49-F238E27FC236}">
+                <a16:creationId xmlns:a16="http://schemas.microsoft.com/office/drawing/2014/main" id="{427DB4C0-EB30-4B50-A325-827DD137CA39}"/>
+              </a:ext>
+            </a:extLst>
+          </p:cNvPr>
+          <p:cNvSpPr txBox="1"/>
+          <p:nvPr/>
+        </p:nvSpPr>
+        <p:spPr>
+          <a:xfrm>
+            <a:off x="0" y="6475247"/>
+            <a:ext cx="6096000" cy="307777"/>
+          </a:xfrm>
+          <a:prstGeom prst="rect">
+            <a:avLst/>
+          </a:prstGeom>
+          <a:noFill/>
+        </p:spPr>
+        <p:txBody>
+          <a:bodyPr wrap="square" rtlCol="0">
+            <a:spAutoFit/>
+          </a:bodyPr>
+          <a:lstStyle/>
+          <a:p>
+            <a:r>
+              <a:rPr lang="fr-FR" sz="1400" dirty="0">
+                <a:ln>
+                  <a:solidFill>
+                    <a:srgbClr val="7451EB"/>
+                  </a:solidFill>
+                </a:ln>
+                <a:solidFill>
+                  <a:srgbClr val="7451EB"/>
+                </a:solidFill>
+                <a:latin typeface="Calibri Light (En-têtes)"/>
+              </a:rPr>
+              <a:t>Project 7 – implémentation d’un modèle de </a:t>
+            </a:r>
+            <a:r>
+              <a:rPr lang="fr-FR" sz="1400" dirty="0" err="1">
+                <a:ln>
+                  <a:solidFill>
+                    <a:srgbClr val="7451EB"/>
+                  </a:solidFill>
+                </a:ln>
+                <a:solidFill>
+                  <a:srgbClr val="7451EB"/>
+                </a:solidFill>
+                <a:latin typeface="Calibri Light (En-têtes)"/>
+              </a:rPr>
+              <a:t>scoring</a:t>
+            </a:r>
+            <a:endParaRPr lang="fr-FR" sz="1400" dirty="0">
+              <a:ln>
+                <a:solidFill>
+                  <a:srgbClr val="7451EB"/>
+                </a:solidFill>
+              </a:ln>
+              <a:solidFill>
+                <a:srgbClr val="7451EB"/>
+              </a:solidFill>
+              <a:latin typeface="Calibri Light (En-têtes)"/>
+            </a:endParaRPr>
+          </a:p>
+        </p:txBody>
+      </p:sp>
       <p:grpSp>
         <p:nvGrpSpPr>
-          <p:cNvPr id="19" name="Groupe 18">
-            <a:extLst>
-              <a:ext uri="{FF2B5EF4-FFF2-40B4-BE49-F238E27FC236}">
-                <a16:creationId xmlns:a16="http://schemas.microsoft.com/office/drawing/2014/main" id="{23E4350A-608A-4FEA-B656-0C624C945CDF}"/>
+          <p:cNvPr id="24" name="Groupe 23">
+            <a:extLst>
+              <a:ext uri="{FF2B5EF4-FFF2-40B4-BE49-F238E27FC236}">
+                <a16:creationId xmlns:a16="http://schemas.microsoft.com/office/drawing/2014/main" id="{74B384DE-DEC6-41ED-9E6D-0C3C70043E5E}"/>
               </a:ext>
             </a:extLst>
           </p:cNvPr>
@@ -17372,18 +17357,18 @@
         </p:nvGrpSpPr>
         <p:grpSpPr>
           <a:xfrm>
-            <a:off x="3951668" y="5975261"/>
-            <a:ext cx="4288665" cy="425012"/>
-            <a:chOff x="3617890" y="5975261"/>
-            <a:chExt cx="4288665" cy="425012"/>
+            <a:off x="4285445" y="5975261"/>
+            <a:ext cx="3621110" cy="425012"/>
+            <a:chOff x="3951668" y="5975261"/>
+            <a:chExt cx="3621110" cy="425012"/>
           </a:xfrm>
         </p:grpSpPr>
         <p:cxnSp>
           <p:nvCxnSpPr>
-            <p:cNvPr id="20" name="Straight Connector 21">
+            <p:cNvPr id="25" name="Straight Connector 21">
               <a:extLst>
                 <a:ext uri="{FF2B5EF4-FFF2-40B4-BE49-F238E27FC236}">
-                  <a16:creationId xmlns:a16="http://schemas.microsoft.com/office/drawing/2014/main" id="{A5F77C29-E723-4284-AB58-B4D5D0A8D9EC}"/>
+                  <a16:creationId xmlns:a16="http://schemas.microsoft.com/office/drawing/2014/main" id="{6964813B-2FDA-4550-88B0-D768CEDBA24D}"/>
                 </a:ext>
               </a:extLst>
             </p:cNvPr>
@@ -17392,7 +17377,7 @@
           </p:nvCxnSpPr>
           <p:spPr>
             <a:xfrm>
-              <a:off x="5173057" y="6400273"/>
+              <a:off x="5506835" y="6400273"/>
               <a:ext cx="0" cy="0"/>
             </a:xfrm>
             <a:prstGeom prst="line">
@@ -17416,10 +17401,10 @@
         </p:cxnSp>
         <p:sp>
           <p:nvSpPr>
-            <p:cNvPr id="34" name="Oval 19">
+            <p:cNvPr id="26" name="Oval 19">
               <a:extLst>
                 <a:ext uri="{FF2B5EF4-FFF2-40B4-BE49-F238E27FC236}">
-                  <a16:creationId xmlns:a16="http://schemas.microsoft.com/office/drawing/2014/main" id="{97629669-9EA0-4329-9B52-B7F33C3FD7BB}"/>
+                  <a16:creationId xmlns:a16="http://schemas.microsoft.com/office/drawing/2014/main" id="{C7FF309E-9D22-4DA7-A33A-FA708C6BEC41}"/>
                 </a:ext>
               </a:extLst>
             </p:cNvPr>
@@ -17428,7 +17413,7 @@
           </p:nvSpPr>
           <p:spPr>
             <a:xfrm>
-              <a:off x="4953000" y="5975263"/>
+              <a:off x="5286778" y="5975263"/>
               <a:ext cx="283335" cy="283335"/>
             </a:xfrm>
             <a:prstGeom prst="ellipse">
@@ -17475,10 +17460,10 @@
         </p:sp>
         <p:sp>
           <p:nvSpPr>
-            <p:cNvPr id="35" name="Oval 20">
+            <p:cNvPr id="27" name="Oval 20">
               <a:extLst>
                 <a:ext uri="{FF2B5EF4-FFF2-40B4-BE49-F238E27FC236}">
-                  <a16:creationId xmlns:a16="http://schemas.microsoft.com/office/drawing/2014/main" id="{C9707E70-7088-4878-8244-27639E1B4A13}"/>
+                  <a16:creationId xmlns:a16="http://schemas.microsoft.com/office/drawing/2014/main" id="{D3E65CF5-FB64-450F-9E08-A01E412F5459}"/>
                 </a:ext>
               </a:extLst>
             </p:cNvPr>
@@ -17487,7 +17472,7 @@
           </p:nvSpPr>
           <p:spPr>
             <a:xfrm>
-              <a:off x="5620555" y="5975262"/>
+              <a:off x="5954333" y="5975262"/>
               <a:ext cx="283335" cy="283335"/>
             </a:xfrm>
             <a:prstGeom prst="ellipse">
@@ -17536,22 +17521,22 @@
         </p:sp>
         <p:cxnSp>
           <p:nvCxnSpPr>
-            <p:cNvPr id="36" name="Straight Connector 22">
+            <p:cNvPr id="28" name="Straight Connector 22">
               <a:extLst>
                 <a:ext uri="{FF2B5EF4-FFF2-40B4-BE49-F238E27FC236}">
-                  <a16:creationId xmlns:a16="http://schemas.microsoft.com/office/drawing/2014/main" id="{84426A68-72BA-4C74-AFB6-2AEA67FAF223}"/>
+                  <a16:creationId xmlns:a16="http://schemas.microsoft.com/office/drawing/2014/main" id="{F9D57FE2-3CA1-4D98-83D1-A2A998169EFB}"/>
                 </a:ext>
               </a:extLst>
             </p:cNvPr>
             <p:cNvCxnSpPr>
-              <a:stCxn id="34" idx="6"/>
-              <a:endCxn id="35" idx="2"/>
+              <a:stCxn id="26" idx="6"/>
+              <a:endCxn id="27" idx="2"/>
             </p:cNvCxnSpPr>
             <p:nvPr/>
           </p:nvCxnSpPr>
           <p:spPr>
             <a:xfrm flipV="1">
-              <a:off x="5236335" y="6116929"/>
+              <a:off x="5570113" y="6116929"/>
               <a:ext cx="384220" cy="0"/>
             </a:xfrm>
             <a:prstGeom prst="line">
@@ -17580,10 +17565,10 @@
         </p:cxnSp>
         <p:sp>
           <p:nvSpPr>
-            <p:cNvPr id="37" name="Oval 23">
+            <p:cNvPr id="29" name="Oval 23">
               <a:extLst>
                 <a:ext uri="{FF2B5EF4-FFF2-40B4-BE49-F238E27FC236}">
-                  <a16:creationId xmlns:a16="http://schemas.microsoft.com/office/drawing/2014/main" id="{0B4135A3-32E6-4584-B68B-A3DE906971EF}"/>
+                  <a16:creationId xmlns:a16="http://schemas.microsoft.com/office/drawing/2014/main" id="{C3ED0228-C11C-4B4F-A413-A4BD954859A3}"/>
                 </a:ext>
               </a:extLst>
             </p:cNvPr>
@@ -17592,7 +17577,7 @@
           </p:nvSpPr>
           <p:spPr>
             <a:xfrm>
-              <a:off x="6288110" y="5975261"/>
+              <a:off x="6621888" y="5975261"/>
               <a:ext cx="283335" cy="283335"/>
             </a:xfrm>
             <a:prstGeom prst="ellipse">
@@ -17639,21 +17624,21 @@
         </p:sp>
         <p:cxnSp>
           <p:nvCxnSpPr>
-            <p:cNvPr id="38" name="Straight Connector 24">
+            <p:cNvPr id="30" name="Straight Connector 24">
               <a:extLst>
                 <a:ext uri="{FF2B5EF4-FFF2-40B4-BE49-F238E27FC236}">
-                  <a16:creationId xmlns:a16="http://schemas.microsoft.com/office/drawing/2014/main" id="{688647BC-0DAB-4F46-BA10-F4DC65C9A571}"/>
+                  <a16:creationId xmlns:a16="http://schemas.microsoft.com/office/drawing/2014/main" id="{781F235E-8471-4980-92F5-3945D4D4FAE6}"/>
                 </a:ext>
               </a:extLst>
             </p:cNvPr>
             <p:cNvCxnSpPr>
-              <a:endCxn id="37" idx="2"/>
+              <a:endCxn id="29" idx="2"/>
             </p:cNvCxnSpPr>
             <p:nvPr/>
           </p:nvCxnSpPr>
           <p:spPr>
             <a:xfrm flipV="1">
-              <a:off x="5903890" y="6116928"/>
+              <a:off x="6237668" y="6116928"/>
               <a:ext cx="384220" cy="0"/>
             </a:xfrm>
             <a:prstGeom prst="line">
@@ -17682,10 +17667,10 @@
         </p:cxnSp>
         <p:sp>
           <p:nvSpPr>
-            <p:cNvPr id="39" name="Oval 11">
+            <p:cNvPr id="31" name="Oval 11">
               <a:extLst>
                 <a:ext uri="{FF2B5EF4-FFF2-40B4-BE49-F238E27FC236}">
-                  <a16:creationId xmlns:a16="http://schemas.microsoft.com/office/drawing/2014/main" id="{BEDEA289-6E6F-4E5D-A412-BB80842C723D}"/>
+                  <a16:creationId xmlns:a16="http://schemas.microsoft.com/office/drawing/2014/main" id="{FF4B603C-57B3-4AF6-A592-2E2F6AFCF4E8}"/>
                 </a:ext>
               </a:extLst>
             </p:cNvPr>
@@ -17694,7 +17679,7 @@
           </p:nvSpPr>
           <p:spPr>
             <a:xfrm>
-              <a:off x="4285445" y="5985995"/>
+              <a:off x="4619223" y="5985995"/>
               <a:ext cx="283335" cy="283335"/>
             </a:xfrm>
             <a:prstGeom prst="ellipse">
@@ -17741,10 +17726,10 @@
         </p:sp>
         <p:cxnSp>
           <p:nvCxnSpPr>
-            <p:cNvPr id="40" name="Straight Connector 16">
+            <p:cNvPr id="32" name="Straight Connector 16">
               <a:extLst>
                 <a:ext uri="{FF2B5EF4-FFF2-40B4-BE49-F238E27FC236}">
-                  <a16:creationId xmlns:a16="http://schemas.microsoft.com/office/drawing/2014/main" id="{6905C57E-3E21-43F2-A9D9-CB4CBFA02DA8}"/>
+                  <a16:creationId xmlns:a16="http://schemas.microsoft.com/office/drawing/2014/main" id="{F4C74A09-C481-41F2-A14B-7B810C2C3457}"/>
                 </a:ext>
               </a:extLst>
             </p:cNvPr>
@@ -17753,7 +17738,7 @@
           </p:nvCxnSpPr>
           <p:spPr>
             <a:xfrm flipV="1">
-              <a:off x="4568780" y="6127662"/>
+              <a:off x="4902558" y="6127662"/>
               <a:ext cx="384220" cy="0"/>
             </a:xfrm>
             <a:prstGeom prst="line">
@@ -17782,10 +17767,10 @@
         </p:cxnSp>
         <p:sp>
           <p:nvSpPr>
-            <p:cNvPr id="41" name="Oval 23">
+            <p:cNvPr id="33" name="Oval 23">
               <a:extLst>
                 <a:ext uri="{FF2B5EF4-FFF2-40B4-BE49-F238E27FC236}">
-                  <a16:creationId xmlns:a16="http://schemas.microsoft.com/office/drawing/2014/main" id="{BD815073-9536-4798-A658-4FF7F6E12182}"/>
+                  <a16:creationId xmlns:a16="http://schemas.microsoft.com/office/drawing/2014/main" id="{2CA440EA-ABA4-4BBC-A988-BEED7236526B}"/>
                 </a:ext>
               </a:extLst>
             </p:cNvPr>
@@ -17794,7 +17779,7 @@
           </p:nvSpPr>
           <p:spPr>
             <a:xfrm>
-              <a:off x="6955665" y="5994398"/>
+              <a:off x="7289443" y="5994398"/>
               <a:ext cx="283335" cy="283335"/>
             </a:xfrm>
             <a:prstGeom prst="ellipse">
@@ -17841,21 +17826,21 @@
         </p:sp>
         <p:cxnSp>
           <p:nvCxnSpPr>
-            <p:cNvPr id="42" name="Straight Connector 24">
+            <p:cNvPr id="47" name="Straight Connector 24">
               <a:extLst>
                 <a:ext uri="{FF2B5EF4-FFF2-40B4-BE49-F238E27FC236}">
-                  <a16:creationId xmlns:a16="http://schemas.microsoft.com/office/drawing/2014/main" id="{73DA70F7-B596-4C7F-89D5-B3BE5FD02FD1}"/>
+                  <a16:creationId xmlns:a16="http://schemas.microsoft.com/office/drawing/2014/main" id="{8660AEE7-6620-4111-B540-D4D66FD0CD17}"/>
                 </a:ext>
               </a:extLst>
             </p:cNvPr>
             <p:cNvCxnSpPr>
-              <a:endCxn id="41" idx="2"/>
+              <a:endCxn id="33" idx="2"/>
             </p:cNvCxnSpPr>
             <p:nvPr/>
           </p:nvCxnSpPr>
           <p:spPr>
             <a:xfrm flipV="1">
-              <a:off x="6571445" y="6136065"/>
+              <a:off x="6905223" y="6136065"/>
               <a:ext cx="384220" cy="0"/>
             </a:xfrm>
             <a:prstGeom prst="line">
@@ -17884,10 +17869,10 @@
         </p:cxnSp>
         <p:sp>
           <p:nvSpPr>
-            <p:cNvPr id="43" name="Oval 23">
+            <p:cNvPr id="48" name="Oval 11">
               <a:extLst>
                 <a:ext uri="{FF2B5EF4-FFF2-40B4-BE49-F238E27FC236}">
-                  <a16:creationId xmlns:a16="http://schemas.microsoft.com/office/drawing/2014/main" id="{708A433E-F66C-42FC-A0CF-DFBDC78883E0}"/>
+                  <a16:creationId xmlns:a16="http://schemas.microsoft.com/office/drawing/2014/main" id="{740BCEB2-202E-4956-BF3C-DB52D4F7AA87}"/>
                 </a:ext>
               </a:extLst>
             </p:cNvPr>
@@ -17896,7 +17881,7 @@
           </p:nvSpPr>
           <p:spPr>
             <a:xfrm>
-              <a:off x="7623220" y="5989665"/>
+              <a:off x="3951668" y="5985995"/>
               <a:ext cx="283335" cy="283335"/>
             </a:xfrm>
             <a:prstGeom prst="ellipse">
@@ -17937,118 +17922,16 @@
             <a:lstStyle/>
             <a:p>
               <a:pPr algn="ctr"/>
-              <a:endParaRPr lang="en-US"/>
+              <a:endParaRPr lang="en-US" dirty="0"/>
             </a:p>
           </p:txBody>
         </p:sp>
         <p:cxnSp>
           <p:nvCxnSpPr>
-            <p:cNvPr id="44" name="Straight Connector 24">
+            <p:cNvPr id="49" name="Straight Connector 16">
               <a:extLst>
                 <a:ext uri="{FF2B5EF4-FFF2-40B4-BE49-F238E27FC236}">
-                  <a16:creationId xmlns:a16="http://schemas.microsoft.com/office/drawing/2014/main" id="{123EC7C3-5778-4458-9622-A81501648CAD}"/>
-                </a:ext>
-              </a:extLst>
-            </p:cNvPr>
-            <p:cNvCxnSpPr>
-              <a:endCxn id="43" idx="2"/>
-            </p:cNvCxnSpPr>
-            <p:nvPr/>
-          </p:nvCxnSpPr>
-          <p:spPr>
-            <a:xfrm flipV="1">
-              <a:off x="7239000" y="6131332"/>
-              <a:ext cx="384220" cy="0"/>
-            </a:xfrm>
-            <a:prstGeom prst="line">
-              <a:avLst/>
-            </a:prstGeom>
-            <a:ln>
-              <a:solidFill>
-                <a:schemeClr val="bg1"/>
-              </a:solidFill>
-            </a:ln>
-          </p:spPr>
-          <p:style>
-            <a:lnRef idx="2">
-              <a:schemeClr val="dk1"/>
-            </a:lnRef>
-            <a:fillRef idx="0">
-              <a:schemeClr val="dk1"/>
-            </a:fillRef>
-            <a:effectRef idx="1">
-              <a:schemeClr val="dk1"/>
-            </a:effectRef>
-            <a:fontRef idx="minor">
-              <a:schemeClr val="tx1"/>
-            </a:fontRef>
-          </p:style>
-        </p:cxnSp>
-        <p:sp>
-          <p:nvSpPr>
-            <p:cNvPr id="45" name="Oval 11">
-              <a:extLst>
-                <a:ext uri="{FF2B5EF4-FFF2-40B4-BE49-F238E27FC236}">
-                  <a16:creationId xmlns:a16="http://schemas.microsoft.com/office/drawing/2014/main" id="{3194D77B-7778-4573-AE9F-048007A02CDE}"/>
-                </a:ext>
-              </a:extLst>
-            </p:cNvPr>
-            <p:cNvSpPr/>
-            <p:nvPr/>
-          </p:nvSpPr>
-          <p:spPr>
-            <a:xfrm>
-              <a:off x="3617890" y="5985995"/>
-              <a:ext cx="283335" cy="283335"/>
-            </a:xfrm>
-            <a:prstGeom prst="ellipse">
-              <a:avLst/>
-            </a:prstGeom>
-            <a:noFill/>
-            <a:ln>
-              <a:solidFill>
-                <a:schemeClr val="bg1"/>
-              </a:solidFill>
-            </a:ln>
-            <a:effectLst>
-              <a:outerShdw blurRad="50800" dist="38100" dir="2700000" algn="tl" rotWithShape="0">
-                <a:prstClr val="black">
-                  <a:alpha val="40000"/>
-                </a:prstClr>
-              </a:outerShdw>
-            </a:effectLst>
-          </p:spPr>
-          <p:style>
-            <a:lnRef idx="2">
-              <a:schemeClr val="accent1">
-                <a:shade val="50000"/>
-              </a:schemeClr>
-            </a:lnRef>
-            <a:fillRef idx="1">
-              <a:schemeClr val="accent1"/>
-            </a:fillRef>
-            <a:effectRef idx="0">
-              <a:schemeClr val="accent1"/>
-            </a:effectRef>
-            <a:fontRef idx="minor">
-              <a:schemeClr val="lt1"/>
-            </a:fontRef>
-          </p:style>
-          <p:txBody>
-            <a:bodyPr rtlCol="0" anchor="ctr"/>
-            <a:lstStyle/>
-            <a:p>
-              <a:pPr algn="ctr"/>
-              <a:endParaRPr lang="en-US"/>
-            </a:p>
-          </p:txBody>
-        </p:sp>
-        <p:cxnSp>
-          <p:nvCxnSpPr>
-            <p:cNvPr id="46" name="Straight Connector 16">
-              <a:extLst>
-                <a:ext uri="{FF2B5EF4-FFF2-40B4-BE49-F238E27FC236}">
-                  <a16:creationId xmlns:a16="http://schemas.microsoft.com/office/drawing/2014/main" id="{60C62C32-3898-4BB6-9A61-5D49D347A2B1}"/>
+                  <a16:creationId xmlns:a16="http://schemas.microsoft.com/office/drawing/2014/main" id="{2E3C0C53-DF11-4C4C-BF26-61B5902016CB}"/>
                 </a:ext>
               </a:extLst>
             </p:cNvPr>
@@ -18057,7 +17940,7 @@
           </p:nvCxnSpPr>
           <p:spPr>
             <a:xfrm flipV="1">
-              <a:off x="3901225" y="6127662"/>
+              <a:off x="4235003" y="6127662"/>
               <a:ext cx="384220" cy="0"/>
             </a:xfrm>
             <a:prstGeom prst="line">
@@ -18085,130 +17968,6 @@
           </p:style>
         </p:cxnSp>
       </p:grpSp>
-      <p:sp>
-        <p:nvSpPr>
-          <p:cNvPr id="22" name="Rectangle 21">
-            <a:extLst>
-              <a:ext uri="{FF2B5EF4-FFF2-40B4-BE49-F238E27FC236}">
-                <a16:creationId xmlns:a16="http://schemas.microsoft.com/office/drawing/2014/main" id="{E3453B5F-1BE5-4921-8F45-E550D76940C0}"/>
-              </a:ext>
-            </a:extLst>
-          </p:cNvPr>
-          <p:cNvSpPr/>
-          <p:nvPr/>
-        </p:nvSpPr>
-        <p:spPr>
-          <a:xfrm>
-            <a:off x="3300718" y="5954431"/>
-            <a:ext cx="5084746" cy="307777"/>
-          </a:xfrm>
-          <a:prstGeom prst="rect">
-            <a:avLst/>
-          </a:prstGeom>
-          <a:solidFill>
-            <a:srgbClr val="FF0000"/>
-          </a:solidFill>
-          <a:ln>
-            <a:solidFill>
-              <a:srgbClr val="FF0000"/>
-            </a:solidFill>
-          </a:ln>
-        </p:spPr>
-        <p:style>
-          <a:lnRef idx="2">
-            <a:schemeClr val="accent1">
-              <a:shade val="50000"/>
-            </a:schemeClr>
-          </a:lnRef>
-          <a:fillRef idx="1">
-            <a:schemeClr val="accent1"/>
-          </a:fillRef>
-          <a:effectRef idx="0">
-            <a:schemeClr val="accent1"/>
-          </a:effectRef>
-          <a:fontRef idx="minor">
-            <a:schemeClr val="lt1"/>
-          </a:fontRef>
-        </p:style>
-        <p:txBody>
-          <a:bodyPr rtlCol="0" anchor="ctr"/>
-          <a:lstStyle/>
-          <a:p>
-            <a:pPr algn="ctr"/>
-            <a:endParaRPr lang="fr-FR"/>
-          </a:p>
-        </p:txBody>
-      </p:sp>
-      <p:sp>
-        <p:nvSpPr>
-          <p:cNvPr id="23" name="TextBox 3">
-            <a:extLst>
-              <a:ext uri="{FF2B5EF4-FFF2-40B4-BE49-F238E27FC236}">
-                <a16:creationId xmlns:a16="http://schemas.microsoft.com/office/drawing/2014/main" id="{427DB4C0-EB30-4B50-A325-827DD137CA39}"/>
-              </a:ext>
-            </a:extLst>
-          </p:cNvPr>
-          <p:cNvSpPr txBox="1"/>
-          <p:nvPr/>
-        </p:nvSpPr>
-        <p:spPr>
-          <a:xfrm>
-            <a:off x="0" y="6475247"/>
-            <a:ext cx="6096000" cy="307777"/>
-          </a:xfrm>
-          <a:prstGeom prst="rect">
-            <a:avLst/>
-          </a:prstGeom>
-          <a:noFill/>
-        </p:spPr>
-        <p:txBody>
-          <a:bodyPr wrap="square" rtlCol="0">
-            <a:spAutoFit/>
-          </a:bodyPr>
-          <a:lstStyle/>
-          <a:p>
-            <a:r>
-              <a:rPr lang="fr-FR" sz="1400" dirty="0">
-                <a:ln>
-                  <a:solidFill>
-                    <a:srgbClr val="7451EB"/>
-                  </a:solidFill>
-                </a:ln>
-                <a:solidFill>
-                  <a:srgbClr val="7451EB"/>
-                </a:solidFill>
-                <a:latin typeface="Calibri Light (En-têtes)"/>
-              </a:rPr>
-              <a:t>Project 7 – implémentation d’un modèle de </a:t>
-            </a:r>
-            <a:r>
-              <a:rPr lang="fr-FR" sz="1400" dirty="0" err="1">
-                <a:ln>
-                  <a:solidFill>
-                    <a:srgbClr val="7451EB"/>
-                  </a:solidFill>
-                </a:ln>
-                <a:solidFill>
-                  <a:srgbClr val="7451EB"/>
-                </a:solidFill>
-                <a:latin typeface="Calibri Light (En-têtes)"/>
-              </a:rPr>
-              <a:t>scoring</a:t>
-            </a:r>
-            <a:endParaRPr lang="fr-FR" sz="1400" dirty="0">
-              <a:ln>
-                <a:solidFill>
-                  <a:srgbClr val="7451EB"/>
-                </a:solidFill>
-              </a:ln>
-              <a:solidFill>
-                <a:srgbClr val="7451EB"/>
-              </a:solidFill>
-              <a:latin typeface="Calibri Light (En-têtes)"/>
-            </a:endParaRPr>
-          </a:p>
-        </p:txBody>
-      </p:sp>
     </p:spTree>
     <p:extLst>
       <p:ext uri="{BB962C8B-B14F-4D97-AF65-F5344CB8AC3E}">
@@ -20825,7 +20584,7 @@
         </p:blipFill>
         <p:spPr>
           <a:xfrm>
-            <a:off x="279917" y="1074282"/>
+            <a:off x="369090" y="1046508"/>
             <a:ext cx="6405585" cy="5216842"/>
           </a:xfrm>
           <a:prstGeom prst="rect">
@@ -20835,10 +20594,10 @@
       </p:pic>
       <p:sp>
         <p:nvSpPr>
-          <p:cNvPr id="17" name="ZoneTexte 16">
-            <a:extLst>
-              <a:ext uri="{FF2B5EF4-FFF2-40B4-BE49-F238E27FC236}">
-                <a16:creationId xmlns:a16="http://schemas.microsoft.com/office/drawing/2014/main" id="{CCABFC9C-AEFF-46F4-A0B1-B9033481D21B}"/>
+          <p:cNvPr id="16" name="ZoneTexte 15">
+            <a:extLst>
+              <a:ext uri="{FF2B5EF4-FFF2-40B4-BE49-F238E27FC236}">
+                <a16:creationId xmlns:a16="http://schemas.microsoft.com/office/drawing/2014/main" id="{E8E5794E-4F67-41CF-83BA-7E2DC0C7743F}"/>
               </a:ext>
             </a:extLst>
           </p:cNvPr>
@@ -20846,44 +20605,267 @@
           <p:nvPr/>
         </p:nvSpPr>
         <p:spPr>
-          <a:xfrm rot="2853657">
-            <a:off x="7528034" y="1552903"/>
-            <a:ext cx="3237732" cy="1015663"/>
+          <a:xfrm>
+            <a:off x="7625780" y="1467074"/>
+            <a:ext cx="3736319" cy="707886"/>
           </a:xfrm>
           <a:prstGeom prst="rect">
             <a:avLst/>
           </a:prstGeom>
           <a:noFill/>
-          <a:ln w="38100">
-            <a:solidFill>
-              <a:srgbClr val="FF0000"/>
-            </a:solidFill>
-            <a:prstDash val="lgDash"/>
-          </a:ln>
         </p:spPr>
         <p:txBody>
-          <a:bodyPr wrap="square" rtlCol="0">
+          <a:bodyPr wrap="square">
             <a:spAutoFit/>
           </a:bodyPr>
           <a:lstStyle/>
           <a:p>
-            <a:pPr algn="ctr"/>
-            <a:r>
-              <a:rPr lang="es-ES" sz="6000" b="1" dirty="0">
-                <a:solidFill>
-                  <a:srgbClr val="FF0000"/>
-                </a:solidFill>
-              </a:rPr>
-              <a:t>REVISAR</a:t>
-            </a:r>
-            <a:endParaRPr lang="fr-FR" sz="6000" b="1" dirty="0">
-              <a:solidFill>
-                <a:srgbClr val="FF0000"/>
-              </a:solidFill>
-            </a:endParaRPr>
+            <a:r>
+              <a:rPr lang="fr-FR" sz="2000" dirty="0"/>
+              <a:t>Les variables le plus important provient d'une source externe</a:t>
+            </a:r>
           </a:p>
         </p:txBody>
       </p:sp>
+      <p:pic>
+        <p:nvPicPr>
+          <p:cNvPr id="20" name="Image 19">
+            <a:extLst>
+              <a:ext uri="{FF2B5EF4-FFF2-40B4-BE49-F238E27FC236}">
+                <a16:creationId xmlns:a16="http://schemas.microsoft.com/office/drawing/2014/main" id="{23C32976-815B-41D3-80CC-40205E3C76E1}"/>
+              </a:ext>
+            </a:extLst>
+          </p:cNvPr>
+          <p:cNvPicPr>
+            <a:picLocks noChangeAspect="1"/>
+          </p:cNvPicPr>
+          <p:nvPr/>
+        </p:nvPicPr>
+        <p:blipFill>
+          <a:blip r:embed="rId5">
+            <a:duotone>
+              <a:schemeClr val="accent6">
+                <a:shade val="45000"/>
+                <a:satMod val="135000"/>
+              </a:schemeClr>
+              <a:prstClr val="white"/>
+            </a:duotone>
+            <a:extLst>
+              <a:ext uri="{28A0092B-C50C-407E-A947-70E740481C1C}">
+                <a14:useLocalDpi xmlns:a14="http://schemas.microsoft.com/office/drawing/2010/main" val="0"/>
+              </a:ext>
+            </a:extLst>
+          </a:blip>
+          <a:stretch>
+            <a:fillRect/>
+          </a:stretch>
+        </p:blipFill>
+        <p:spPr>
+          <a:xfrm>
+            <a:off x="7158790" y="1458282"/>
+            <a:ext cx="457727" cy="427272"/>
+          </a:xfrm>
+          <a:prstGeom prst="rect">
+            <a:avLst/>
+          </a:prstGeom>
+        </p:spPr>
+      </p:pic>
+      <p:sp>
+        <p:nvSpPr>
+          <p:cNvPr id="22" name="ZoneTexte 21">
+            <a:extLst>
+              <a:ext uri="{FF2B5EF4-FFF2-40B4-BE49-F238E27FC236}">
+                <a16:creationId xmlns:a16="http://schemas.microsoft.com/office/drawing/2014/main" id="{C8B062FB-028E-4012-96A7-48E8D5E0BA9E}"/>
+              </a:ext>
+            </a:extLst>
+          </p:cNvPr>
+          <p:cNvSpPr txBox="1"/>
+          <p:nvPr/>
+        </p:nvSpPr>
+        <p:spPr>
+          <a:xfrm>
+            <a:off x="7635043" y="2589003"/>
+            <a:ext cx="3822763" cy="1015663"/>
+          </a:xfrm>
+          <a:prstGeom prst="rect">
+            <a:avLst/>
+          </a:prstGeom>
+          <a:noFill/>
+        </p:spPr>
+        <p:txBody>
+          <a:bodyPr wrap="square">
+            <a:spAutoFit/>
+          </a:bodyPr>
+          <a:lstStyle/>
+          <a:p>
+            <a:r>
+              <a:rPr lang="en-US" sz="2000" dirty="0">
+                <a:solidFill>
+                  <a:srgbClr val="000000"/>
+                </a:solidFill>
+                <a:latin typeface="docs-Roboto"/>
+              </a:rPr>
+              <a:t>Le Feature Engineering </a:t>
+            </a:r>
+            <a:r>
+              <a:rPr lang="fr-FR" sz="2000" dirty="0">
+                <a:solidFill>
+                  <a:srgbClr val="000000"/>
+                </a:solidFill>
+                <a:latin typeface="docs-Roboto"/>
+              </a:rPr>
+              <a:t>a ajouté la valeur au moment de la modélisation</a:t>
+            </a:r>
+            <a:endParaRPr lang="fr-FR" sz="2000" dirty="0"/>
+          </a:p>
+        </p:txBody>
+      </p:sp>
+      <p:pic>
+        <p:nvPicPr>
+          <p:cNvPr id="23" name="Image 22">
+            <a:extLst>
+              <a:ext uri="{FF2B5EF4-FFF2-40B4-BE49-F238E27FC236}">
+                <a16:creationId xmlns:a16="http://schemas.microsoft.com/office/drawing/2014/main" id="{725A1231-502C-423E-B47A-F5AE8330B537}"/>
+              </a:ext>
+            </a:extLst>
+          </p:cNvPr>
+          <p:cNvPicPr>
+            <a:picLocks noChangeAspect="1"/>
+          </p:cNvPicPr>
+          <p:nvPr/>
+        </p:nvPicPr>
+        <p:blipFill>
+          <a:blip r:embed="rId5">
+            <a:duotone>
+              <a:schemeClr val="accent6">
+                <a:shade val="45000"/>
+                <a:satMod val="135000"/>
+              </a:schemeClr>
+              <a:prstClr val="white"/>
+            </a:duotone>
+            <a:extLst>
+              <a:ext uri="{28A0092B-C50C-407E-A947-70E740481C1C}">
+                <a14:useLocalDpi xmlns:a14="http://schemas.microsoft.com/office/drawing/2010/main" val="0"/>
+              </a:ext>
+            </a:extLst>
+          </a:blip>
+          <a:stretch>
+            <a:fillRect/>
+          </a:stretch>
+        </p:blipFill>
+        <p:spPr>
+          <a:xfrm>
+            <a:off x="7168053" y="2580211"/>
+            <a:ext cx="457727" cy="427272"/>
+          </a:xfrm>
+          <a:prstGeom prst="rect">
+            <a:avLst/>
+          </a:prstGeom>
+        </p:spPr>
+      </p:pic>
+      <p:sp>
+        <p:nvSpPr>
+          <p:cNvPr id="24" name="ZoneTexte 23">
+            <a:extLst>
+              <a:ext uri="{FF2B5EF4-FFF2-40B4-BE49-F238E27FC236}">
+                <a16:creationId xmlns:a16="http://schemas.microsoft.com/office/drawing/2014/main" id="{6CAA2EFD-403F-4020-98F5-21A1BAA4CD4F}"/>
+              </a:ext>
+            </a:extLst>
+          </p:cNvPr>
+          <p:cNvSpPr txBox="1"/>
+          <p:nvPr/>
+        </p:nvSpPr>
+        <p:spPr>
+          <a:xfrm>
+            <a:off x="7625780" y="3941222"/>
+            <a:ext cx="3832026" cy="1138773"/>
+          </a:xfrm>
+          <a:prstGeom prst="rect">
+            <a:avLst/>
+          </a:prstGeom>
+          <a:noFill/>
+        </p:spPr>
+        <p:txBody>
+          <a:bodyPr wrap="square">
+            <a:spAutoFit/>
+          </a:bodyPr>
+          <a:lstStyle/>
+          <a:p>
+            <a:r>
+              <a:rPr lang="fr-FR" sz="2000" dirty="0">
+                <a:solidFill>
+                  <a:srgbClr val="000000"/>
+                </a:solidFill>
+                <a:latin typeface="docs-Roboto"/>
+              </a:rPr>
+              <a:t>Pris en compte les différentes variables.</a:t>
+            </a:r>
+            <a:br>
+              <a:rPr lang="fr-FR" sz="2000" dirty="0">
+                <a:solidFill>
+                  <a:srgbClr val="000000"/>
+                </a:solidFill>
+                <a:latin typeface="docs-Roboto"/>
+              </a:rPr>
+            </a:br>
+            <a:r>
+              <a:rPr lang="fr-FR" sz="1400" i="1" dirty="0">
+                <a:solidFill>
+                  <a:schemeClr val="bg1">
+                    <a:lumMod val="50000"/>
+                  </a:schemeClr>
+                </a:solidFill>
+                <a:latin typeface="Google Sans"/>
+              </a:rPr>
+              <a:t>Variables personnelles, Variables bancaires, Variables externes</a:t>
+            </a:r>
+            <a:endParaRPr lang="fr-FR" sz="2000" dirty="0"/>
+          </a:p>
+        </p:txBody>
+      </p:sp>
+      <p:pic>
+        <p:nvPicPr>
+          <p:cNvPr id="27" name="Image 26">
+            <a:extLst>
+              <a:ext uri="{FF2B5EF4-FFF2-40B4-BE49-F238E27FC236}">
+                <a16:creationId xmlns:a16="http://schemas.microsoft.com/office/drawing/2014/main" id="{6A70C77B-7AF8-4DA5-A5C6-3D2168B63E62}"/>
+              </a:ext>
+            </a:extLst>
+          </p:cNvPr>
+          <p:cNvPicPr>
+            <a:picLocks noChangeAspect="1"/>
+          </p:cNvPicPr>
+          <p:nvPr/>
+        </p:nvPicPr>
+        <p:blipFill>
+          <a:blip r:embed="rId5">
+            <a:duotone>
+              <a:schemeClr val="accent6">
+                <a:shade val="45000"/>
+                <a:satMod val="135000"/>
+              </a:schemeClr>
+              <a:prstClr val="white"/>
+            </a:duotone>
+            <a:extLst>
+              <a:ext uri="{28A0092B-C50C-407E-A947-70E740481C1C}">
+                <a14:useLocalDpi xmlns:a14="http://schemas.microsoft.com/office/drawing/2010/main" val="0"/>
+              </a:ext>
+            </a:extLst>
+          </a:blip>
+          <a:stretch>
+            <a:fillRect/>
+          </a:stretch>
+        </p:blipFill>
+        <p:spPr>
+          <a:xfrm>
+            <a:off x="7158790" y="3932430"/>
+            <a:ext cx="457727" cy="427272"/>
+          </a:xfrm>
+          <a:prstGeom prst="rect">
+            <a:avLst/>
+          </a:prstGeom>
+        </p:spPr>
+      </p:pic>
     </p:spTree>
     <p:extLst>
       <p:ext uri="{BB962C8B-B14F-4D97-AF65-F5344CB8AC3E}">
@@ -21808,12 +21790,82 @@
           </a:p>
         </p:txBody>
       </p:sp>
+      <p:sp>
+        <p:nvSpPr>
+          <p:cNvPr id="23" name="TextBox 3">
+            <a:extLst>
+              <a:ext uri="{FF2B5EF4-FFF2-40B4-BE49-F238E27FC236}">
+                <a16:creationId xmlns:a16="http://schemas.microsoft.com/office/drawing/2014/main" id="{9D6566FE-F4A7-4785-9006-5D78EE95B2B2}"/>
+              </a:ext>
+            </a:extLst>
+          </p:cNvPr>
+          <p:cNvSpPr txBox="1"/>
+          <p:nvPr/>
+        </p:nvSpPr>
+        <p:spPr>
+          <a:xfrm>
+            <a:off x="0" y="6475247"/>
+            <a:ext cx="6096000" cy="307777"/>
+          </a:xfrm>
+          <a:prstGeom prst="rect">
+            <a:avLst/>
+          </a:prstGeom>
+          <a:noFill/>
+        </p:spPr>
+        <p:txBody>
+          <a:bodyPr wrap="square" rtlCol="0">
+            <a:spAutoFit/>
+          </a:bodyPr>
+          <a:lstStyle/>
+          <a:p>
+            <a:r>
+              <a:rPr lang="fr-FR" sz="1400" dirty="0">
+                <a:ln>
+                  <a:solidFill>
+                    <a:srgbClr val="7451EB"/>
+                  </a:solidFill>
+                </a:ln>
+                <a:solidFill>
+                  <a:srgbClr val="7451EB"/>
+                </a:solidFill>
+                <a:latin typeface="Calibri Light (En-têtes)"/>
+              </a:rPr>
+              <a:t>Project 7 – implémentation d’un modèle de </a:t>
+            </a:r>
+            <a:r>
+              <a:rPr lang="fr-FR" sz="1400" dirty="0" err="1">
+                <a:ln>
+                  <a:solidFill>
+                    <a:srgbClr val="7451EB"/>
+                  </a:solidFill>
+                </a:ln>
+                <a:solidFill>
+                  <a:srgbClr val="7451EB"/>
+                </a:solidFill>
+                <a:latin typeface="Calibri Light (En-têtes)"/>
+              </a:rPr>
+              <a:t>scoring</a:t>
+            </a:r>
+            <a:endParaRPr lang="fr-FR" sz="1400" dirty="0">
+              <a:ln>
+                <a:solidFill>
+                  <a:srgbClr val="7451EB"/>
+                </a:solidFill>
+              </a:ln>
+              <a:solidFill>
+                <a:srgbClr val="7451EB"/>
+              </a:solidFill>
+              <a:latin typeface="Calibri Light (En-têtes)"/>
+            </a:endParaRPr>
+          </a:p>
+        </p:txBody>
+      </p:sp>
       <p:grpSp>
         <p:nvGrpSpPr>
-          <p:cNvPr id="19" name="Groupe 18">
-            <a:extLst>
-              <a:ext uri="{FF2B5EF4-FFF2-40B4-BE49-F238E27FC236}">
-                <a16:creationId xmlns:a16="http://schemas.microsoft.com/office/drawing/2014/main" id="{4DC0B7BB-FD71-46DC-8DF4-45D685CF70D9}"/>
+          <p:cNvPr id="24" name="Groupe 23">
+            <a:extLst>
+              <a:ext uri="{FF2B5EF4-FFF2-40B4-BE49-F238E27FC236}">
+                <a16:creationId xmlns:a16="http://schemas.microsoft.com/office/drawing/2014/main" id="{7A8BBC64-157D-4B87-88D3-DA5D059FB296}"/>
               </a:ext>
             </a:extLst>
           </p:cNvPr>
@@ -21822,18 +21874,18 @@
         </p:nvGrpSpPr>
         <p:grpSpPr>
           <a:xfrm>
-            <a:off x="3951668" y="5975261"/>
-            <a:ext cx="4288665" cy="425012"/>
-            <a:chOff x="3617890" y="5975261"/>
-            <a:chExt cx="4288665" cy="425012"/>
+            <a:off x="4285445" y="5975261"/>
+            <a:ext cx="3621110" cy="425012"/>
+            <a:chOff x="3951668" y="5975261"/>
+            <a:chExt cx="3621110" cy="425012"/>
           </a:xfrm>
         </p:grpSpPr>
         <p:cxnSp>
           <p:nvCxnSpPr>
-            <p:cNvPr id="20" name="Straight Connector 21">
+            <p:cNvPr id="25" name="Straight Connector 21">
               <a:extLst>
                 <a:ext uri="{FF2B5EF4-FFF2-40B4-BE49-F238E27FC236}">
-                  <a16:creationId xmlns:a16="http://schemas.microsoft.com/office/drawing/2014/main" id="{9A268089-AD07-4379-932B-5FC3752A3819}"/>
+                  <a16:creationId xmlns:a16="http://schemas.microsoft.com/office/drawing/2014/main" id="{D6B9D625-265D-447D-A204-4AEBFB643687}"/>
                 </a:ext>
               </a:extLst>
             </p:cNvPr>
@@ -21842,7 +21894,7 @@
           </p:nvCxnSpPr>
           <p:spPr>
             <a:xfrm>
-              <a:off x="5173057" y="6400273"/>
+              <a:off x="5506835" y="6400273"/>
               <a:ext cx="0" cy="0"/>
             </a:xfrm>
             <a:prstGeom prst="line">
@@ -21866,10 +21918,10 @@
         </p:cxnSp>
         <p:sp>
           <p:nvSpPr>
-            <p:cNvPr id="34" name="Oval 19">
+            <p:cNvPr id="26" name="Oval 19">
               <a:extLst>
                 <a:ext uri="{FF2B5EF4-FFF2-40B4-BE49-F238E27FC236}">
-                  <a16:creationId xmlns:a16="http://schemas.microsoft.com/office/drawing/2014/main" id="{30A3C9E9-2E6D-4A48-AE34-9707169A93EE}"/>
+                  <a16:creationId xmlns:a16="http://schemas.microsoft.com/office/drawing/2014/main" id="{6CC8D051-7AF7-4F09-8D13-9A15CB08E9B7}"/>
                 </a:ext>
               </a:extLst>
             </p:cNvPr>
@@ -21878,7 +21930,7 @@
           </p:nvSpPr>
           <p:spPr>
             <a:xfrm>
-              <a:off x="4953000" y="5975263"/>
+              <a:off x="5286778" y="5975263"/>
               <a:ext cx="283335" cy="283335"/>
             </a:xfrm>
             <a:prstGeom prst="ellipse">
@@ -21925,10 +21977,10 @@
         </p:sp>
         <p:sp>
           <p:nvSpPr>
-            <p:cNvPr id="35" name="Oval 20">
+            <p:cNvPr id="27" name="Oval 20">
               <a:extLst>
                 <a:ext uri="{FF2B5EF4-FFF2-40B4-BE49-F238E27FC236}">
-                  <a16:creationId xmlns:a16="http://schemas.microsoft.com/office/drawing/2014/main" id="{4D4E5CF4-FE60-4FFE-8026-1A7442B0D0FA}"/>
+                  <a16:creationId xmlns:a16="http://schemas.microsoft.com/office/drawing/2014/main" id="{1627195C-7D84-4E5A-AA7F-FD99BE5381AC}"/>
                 </a:ext>
               </a:extLst>
             </p:cNvPr>
@@ -21937,7 +21989,7 @@
           </p:nvSpPr>
           <p:spPr>
             <a:xfrm>
-              <a:off x="5620555" y="5975262"/>
+              <a:off x="5954333" y="5975262"/>
               <a:ext cx="283335" cy="283335"/>
             </a:xfrm>
             <a:prstGeom prst="ellipse">
@@ -21984,22 +22036,22 @@
         </p:sp>
         <p:cxnSp>
           <p:nvCxnSpPr>
-            <p:cNvPr id="36" name="Straight Connector 22">
+            <p:cNvPr id="28" name="Straight Connector 22">
               <a:extLst>
                 <a:ext uri="{FF2B5EF4-FFF2-40B4-BE49-F238E27FC236}">
-                  <a16:creationId xmlns:a16="http://schemas.microsoft.com/office/drawing/2014/main" id="{1675108B-920E-4FF6-9471-92EBE054A944}"/>
+                  <a16:creationId xmlns:a16="http://schemas.microsoft.com/office/drawing/2014/main" id="{CB5AA29E-BE00-4FBF-A742-5AE068C28C9B}"/>
                 </a:ext>
               </a:extLst>
             </p:cNvPr>
             <p:cNvCxnSpPr>
-              <a:stCxn id="34" idx="6"/>
-              <a:endCxn id="35" idx="2"/>
+              <a:stCxn id="26" idx="6"/>
+              <a:endCxn id="27" idx="2"/>
             </p:cNvCxnSpPr>
             <p:nvPr/>
           </p:nvCxnSpPr>
           <p:spPr>
             <a:xfrm flipV="1">
-              <a:off x="5236335" y="6116929"/>
+              <a:off x="5570113" y="6116929"/>
               <a:ext cx="384220" cy="0"/>
             </a:xfrm>
             <a:prstGeom prst="line">
@@ -22028,10 +22080,10 @@
         </p:cxnSp>
         <p:sp>
           <p:nvSpPr>
-            <p:cNvPr id="37" name="Oval 23">
+            <p:cNvPr id="29" name="Oval 23">
               <a:extLst>
                 <a:ext uri="{FF2B5EF4-FFF2-40B4-BE49-F238E27FC236}">
-                  <a16:creationId xmlns:a16="http://schemas.microsoft.com/office/drawing/2014/main" id="{922573A0-CB94-4648-A6FD-8004ACDBB52C}"/>
+                  <a16:creationId xmlns:a16="http://schemas.microsoft.com/office/drawing/2014/main" id="{FA624243-E0D6-48D0-8BC8-0A6D5E57618B}"/>
                 </a:ext>
               </a:extLst>
             </p:cNvPr>
@@ -22040,7 +22092,7 @@
           </p:nvSpPr>
           <p:spPr>
             <a:xfrm>
-              <a:off x="6288110" y="5975261"/>
+              <a:off x="6621888" y="5975261"/>
               <a:ext cx="283335" cy="283335"/>
             </a:xfrm>
             <a:prstGeom prst="ellipse">
@@ -22089,21 +22141,21 @@
         </p:sp>
         <p:cxnSp>
           <p:nvCxnSpPr>
-            <p:cNvPr id="38" name="Straight Connector 24">
+            <p:cNvPr id="30" name="Straight Connector 24">
               <a:extLst>
                 <a:ext uri="{FF2B5EF4-FFF2-40B4-BE49-F238E27FC236}">
-                  <a16:creationId xmlns:a16="http://schemas.microsoft.com/office/drawing/2014/main" id="{CF9AE013-E74F-407B-BB6D-560422AF530E}"/>
+                  <a16:creationId xmlns:a16="http://schemas.microsoft.com/office/drawing/2014/main" id="{F011EF16-95DA-4831-8EE7-2838BFFDCBF6}"/>
                 </a:ext>
               </a:extLst>
             </p:cNvPr>
             <p:cNvCxnSpPr>
-              <a:endCxn id="37" idx="2"/>
+              <a:endCxn id="29" idx="2"/>
             </p:cNvCxnSpPr>
             <p:nvPr/>
           </p:nvCxnSpPr>
           <p:spPr>
             <a:xfrm flipV="1">
-              <a:off x="5903890" y="6116928"/>
+              <a:off x="6237668" y="6116928"/>
               <a:ext cx="384220" cy="0"/>
             </a:xfrm>
             <a:prstGeom prst="line">
@@ -22132,10 +22184,10 @@
         </p:cxnSp>
         <p:sp>
           <p:nvSpPr>
-            <p:cNvPr id="39" name="Oval 11">
+            <p:cNvPr id="31" name="Oval 11">
               <a:extLst>
                 <a:ext uri="{FF2B5EF4-FFF2-40B4-BE49-F238E27FC236}">
-                  <a16:creationId xmlns:a16="http://schemas.microsoft.com/office/drawing/2014/main" id="{38D8AECA-8E31-49DD-B350-BAFECAD5EF52}"/>
+                  <a16:creationId xmlns:a16="http://schemas.microsoft.com/office/drawing/2014/main" id="{92E8CCDA-15D2-46B3-B694-3DF89C52A1A4}"/>
                 </a:ext>
               </a:extLst>
             </p:cNvPr>
@@ -22144,7 +22196,7 @@
           </p:nvSpPr>
           <p:spPr>
             <a:xfrm>
-              <a:off x="4285445" y="5985995"/>
+              <a:off x="4619223" y="5985995"/>
               <a:ext cx="283335" cy="283335"/>
             </a:xfrm>
             <a:prstGeom prst="ellipse">
@@ -22191,10 +22243,10 @@
         </p:sp>
         <p:cxnSp>
           <p:nvCxnSpPr>
-            <p:cNvPr id="40" name="Straight Connector 16">
+            <p:cNvPr id="32" name="Straight Connector 16">
               <a:extLst>
                 <a:ext uri="{FF2B5EF4-FFF2-40B4-BE49-F238E27FC236}">
-                  <a16:creationId xmlns:a16="http://schemas.microsoft.com/office/drawing/2014/main" id="{B5FDE960-82B4-4B7F-B835-08F906D5B775}"/>
+                  <a16:creationId xmlns:a16="http://schemas.microsoft.com/office/drawing/2014/main" id="{F5B11283-605B-4752-85F1-DCDBB4DEC01B}"/>
                 </a:ext>
               </a:extLst>
             </p:cNvPr>
@@ -22203,7 +22255,7 @@
           </p:nvCxnSpPr>
           <p:spPr>
             <a:xfrm flipV="1">
-              <a:off x="4568780" y="6127662"/>
+              <a:off x="4902558" y="6127662"/>
               <a:ext cx="384220" cy="0"/>
             </a:xfrm>
             <a:prstGeom prst="line">
@@ -22232,10 +22284,10 @@
         </p:cxnSp>
         <p:sp>
           <p:nvSpPr>
-            <p:cNvPr id="41" name="Oval 23">
+            <p:cNvPr id="33" name="Oval 23">
               <a:extLst>
                 <a:ext uri="{FF2B5EF4-FFF2-40B4-BE49-F238E27FC236}">
-                  <a16:creationId xmlns:a16="http://schemas.microsoft.com/office/drawing/2014/main" id="{DDB72627-E394-47C7-A0CE-B954DD6BFAA6}"/>
+                  <a16:creationId xmlns:a16="http://schemas.microsoft.com/office/drawing/2014/main" id="{C64F24F2-A547-43A6-BB70-19AD8995C006}"/>
                 </a:ext>
               </a:extLst>
             </p:cNvPr>
@@ -22244,7 +22296,7 @@
           </p:nvSpPr>
           <p:spPr>
             <a:xfrm>
-              <a:off x="6955665" y="5994398"/>
+              <a:off x="7289443" y="5994398"/>
               <a:ext cx="283335" cy="283335"/>
             </a:xfrm>
             <a:prstGeom prst="ellipse">
@@ -22291,21 +22343,21 @@
         </p:sp>
         <p:cxnSp>
           <p:nvCxnSpPr>
-            <p:cNvPr id="42" name="Straight Connector 24">
+            <p:cNvPr id="47" name="Straight Connector 24">
               <a:extLst>
                 <a:ext uri="{FF2B5EF4-FFF2-40B4-BE49-F238E27FC236}">
-                  <a16:creationId xmlns:a16="http://schemas.microsoft.com/office/drawing/2014/main" id="{E06BD222-1EDB-4BEC-B906-538EA483DD94}"/>
+                  <a16:creationId xmlns:a16="http://schemas.microsoft.com/office/drawing/2014/main" id="{32C35C70-05F8-40F6-AD06-BD9278B2E8B0}"/>
                 </a:ext>
               </a:extLst>
             </p:cNvPr>
             <p:cNvCxnSpPr>
-              <a:endCxn id="41" idx="2"/>
+              <a:endCxn id="33" idx="2"/>
             </p:cNvCxnSpPr>
             <p:nvPr/>
           </p:nvCxnSpPr>
           <p:spPr>
             <a:xfrm flipV="1">
-              <a:off x="6571445" y="6136065"/>
+              <a:off x="6905223" y="6136065"/>
               <a:ext cx="384220" cy="0"/>
             </a:xfrm>
             <a:prstGeom prst="line">
@@ -22334,10 +22386,10 @@
         </p:cxnSp>
         <p:sp>
           <p:nvSpPr>
-            <p:cNvPr id="43" name="Oval 23">
+            <p:cNvPr id="48" name="Oval 11">
               <a:extLst>
                 <a:ext uri="{FF2B5EF4-FFF2-40B4-BE49-F238E27FC236}">
-                  <a16:creationId xmlns:a16="http://schemas.microsoft.com/office/drawing/2014/main" id="{3D35AA4A-31B8-4867-B4FB-E4B36C340C9D}"/>
+                  <a16:creationId xmlns:a16="http://schemas.microsoft.com/office/drawing/2014/main" id="{90CB2902-F669-41F0-B2CE-244C69EADBC6}"/>
                 </a:ext>
               </a:extLst>
             </p:cNvPr>
@@ -22346,7 +22398,7 @@
           </p:nvSpPr>
           <p:spPr>
             <a:xfrm>
-              <a:off x="7623220" y="5989665"/>
+              <a:off x="3951668" y="5985995"/>
               <a:ext cx="283335" cy="283335"/>
             </a:xfrm>
             <a:prstGeom prst="ellipse">
@@ -22387,118 +22439,16 @@
             <a:lstStyle/>
             <a:p>
               <a:pPr algn="ctr"/>
-              <a:endParaRPr lang="en-US"/>
+              <a:endParaRPr lang="en-US" dirty="0"/>
             </a:p>
           </p:txBody>
         </p:sp>
         <p:cxnSp>
           <p:nvCxnSpPr>
-            <p:cNvPr id="44" name="Straight Connector 24">
+            <p:cNvPr id="49" name="Straight Connector 16">
               <a:extLst>
                 <a:ext uri="{FF2B5EF4-FFF2-40B4-BE49-F238E27FC236}">
-                  <a16:creationId xmlns:a16="http://schemas.microsoft.com/office/drawing/2014/main" id="{905E914A-1E0C-4E00-B20A-4853D9ECC31E}"/>
-                </a:ext>
-              </a:extLst>
-            </p:cNvPr>
-            <p:cNvCxnSpPr>
-              <a:endCxn id="43" idx="2"/>
-            </p:cNvCxnSpPr>
-            <p:nvPr/>
-          </p:nvCxnSpPr>
-          <p:spPr>
-            <a:xfrm flipV="1">
-              <a:off x="7239000" y="6131332"/>
-              <a:ext cx="384220" cy="0"/>
-            </a:xfrm>
-            <a:prstGeom prst="line">
-              <a:avLst/>
-            </a:prstGeom>
-            <a:ln>
-              <a:solidFill>
-                <a:schemeClr val="bg1"/>
-              </a:solidFill>
-            </a:ln>
-          </p:spPr>
-          <p:style>
-            <a:lnRef idx="2">
-              <a:schemeClr val="dk1"/>
-            </a:lnRef>
-            <a:fillRef idx="0">
-              <a:schemeClr val="dk1"/>
-            </a:fillRef>
-            <a:effectRef idx="1">
-              <a:schemeClr val="dk1"/>
-            </a:effectRef>
-            <a:fontRef idx="minor">
-              <a:schemeClr val="tx1"/>
-            </a:fontRef>
-          </p:style>
-        </p:cxnSp>
-        <p:sp>
-          <p:nvSpPr>
-            <p:cNvPr id="45" name="Oval 11">
-              <a:extLst>
-                <a:ext uri="{FF2B5EF4-FFF2-40B4-BE49-F238E27FC236}">
-                  <a16:creationId xmlns:a16="http://schemas.microsoft.com/office/drawing/2014/main" id="{930EE498-EEE4-4591-B40E-D0CFFBB5F4FB}"/>
-                </a:ext>
-              </a:extLst>
-            </p:cNvPr>
-            <p:cNvSpPr/>
-            <p:nvPr/>
-          </p:nvSpPr>
-          <p:spPr>
-            <a:xfrm>
-              <a:off x="3617890" y="5985995"/>
-              <a:ext cx="283335" cy="283335"/>
-            </a:xfrm>
-            <a:prstGeom prst="ellipse">
-              <a:avLst/>
-            </a:prstGeom>
-            <a:noFill/>
-            <a:ln>
-              <a:solidFill>
-                <a:schemeClr val="bg1"/>
-              </a:solidFill>
-            </a:ln>
-            <a:effectLst>
-              <a:outerShdw blurRad="50800" dist="38100" dir="2700000" algn="tl" rotWithShape="0">
-                <a:prstClr val="black">
-                  <a:alpha val="40000"/>
-                </a:prstClr>
-              </a:outerShdw>
-            </a:effectLst>
-          </p:spPr>
-          <p:style>
-            <a:lnRef idx="2">
-              <a:schemeClr val="accent1">
-                <a:shade val="50000"/>
-              </a:schemeClr>
-            </a:lnRef>
-            <a:fillRef idx="1">
-              <a:schemeClr val="accent1"/>
-            </a:fillRef>
-            <a:effectRef idx="0">
-              <a:schemeClr val="accent1"/>
-            </a:effectRef>
-            <a:fontRef idx="minor">
-              <a:schemeClr val="lt1"/>
-            </a:fontRef>
-          </p:style>
-          <p:txBody>
-            <a:bodyPr rtlCol="0" anchor="ctr"/>
-            <a:lstStyle/>
-            <a:p>
-              <a:pPr algn="ctr"/>
-              <a:endParaRPr lang="en-US"/>
-            </a:p>
-          </p:txBody>
-        </p:sp>
-        <p:cxnSp>
-          <p:nvCxnSpPr>
-            <p:cNvPr id="46" name="Straight Connector 16">
-              <a:extLst>
-                <a:ext uri="{FF2B5EF4-FFF2-40B4-BE49-F238E27FC236}">
-                  <a16:creationId xmlns:a16="http://schemas.microsoft.com/office/drawing/2014/main" id="{87C39E9D-DD05-453C-9C8C-3BC07E9EE306}"/>
+                  <a16:creationId xmlns:a16="http://schemas.microsoft.com/office/drawing/2014/main" id="{A5460D45-4FA1-4115-A19C-365D8713F38E}"/>
                 </a:ext>
               </a:extLst>
             </p:cNvPr>
@@ -22507,7 +22457,7 @@
           </p:nvCxnSpPr>
           <p:spPr>
             <a:xfrm flipV="1">
-              <a:off x="3901225" y="6127662"/>
+              <a:off x="4235003" y="6127662"/>
               <a:ext cx="384220" cy="0"/>
             </a:xfrm>
             <a:prstGeom prst="line">
@@ -22535,130 +22485,6 @@
           </p:style>
         </p:cxnSp>
       </p:grpSp>
-      <p:sp>
-        <p:nvSpPr>
-          <p:cNvPr id="22" name="Rectangle 21">
-            <a:extLst>
-              <a:ext uri="{FF2B5EF4-FFF2-40B4-BE49-F238E27FC236}">
-                <a16:creationId xmlns:a16="http://schemas.microsoft.com/office/drawing/2014/main" id="{E52A0C63-8F69-485B-877A-076BD389DFBF}"/>
-              </a:ext>
-            </a:extLst>
-          </p:cNvPr>
-          <p:cNvSpPr/>
-          <p:nvPr/>
-        </p:nvSpPr>
-        <p:spPr>
-          <a:xfrm>
-            <a:off x="3300718" y="5954431"/>
-            <a:ext cx="5084746" cy="307777"/>
-          </a:xfrm>
-          <a:prstGeom prst="rect">
-            <a:avLst/>
-          </a:prstGeom>
-          <a:solidFill>
-            <a:srgbClr val="FF0000"/>
-          </a:solidFill>
-          <a:ln>
-            <a:solidFill>
-              <a:srgbClr val="FF0000"/>
-            </a:solidFill>
-          </a:ln>
-        </p:spPr>
-        <p:style>
-          <a:lnRef idx="2">
-            <a:schemeClr val="accent1">
-              <a:shade val="50000"/>
-            </a:schemeClr>
-          </a:lnRef>
-          <a:fillRef idx="1">
-            <a:schemeClr val="accent1"/>
-          </a:fillRef>
-          <a:effectRef idx="0">
-            <a:schemeClr val="accent1"/>
-          </a:effectRef>
-          <a:fontRef idx="minor">
-            <a:schemeClr val="lt1"/>
-          </a:fontRef>
-        </p:style>
-        <p:txBody>
-          <a:bodyPr rtlCol="0" anchor="ctr"/>
-          <a:lstStyle/>
-          <a:p>
-            <a:pPr algn="ctr"/>
-            <a:endParaRPr lang="fr-FR"/>
-          </a:p>
-        </p:txBody>
-      </p:sp>
-      <p:sp>
-        <p:nvSpPr>
-          <p:cNvPr id="23" name="TextBox 3">
-            <a:extLst>
-              <a:ext uri="{FF2B5EF4-FFF2-40B4-BE49-F238E27FC236}">
-                <a16:creationId xmlns:a16="http://schemas.microsoft.com/office/drawing/2014/main" id="{9D6566FE-F4A7-4785-9006-5D78EE95B2B2}"/>
-              </a:ext>
-            </a:extLst>
-          </p:cNvPr>
-          <p:cNvSpPr txBox="1"/>
-          <p:nvPr/>
-        </p:nvSpPr>
-        <p:spPr>
-          <a:xfrm>
-            <a:off x="0" y="6475247"/>
-            <a:ext cx="6096000" cy="307777"/>
-          </a:xfrm>
-          <a:prstGeom prst="rect">
-            <a:avLst/>
-          </a:prstGeom>
-          <a:noFill/>
-        </p:spPr>
-        <p:txBody>
-          <a:bodyPr wrap="square" rtlCol="0">
-            <a:spAutoFit/>
-          </a:bodyPr>
-          <a:lstStyle/>
-          <a:p>
-            <a:r>
-              <a:rPr lang="fr-FR" sz="1400" dirty="0">
-                <a:ln>
-                  <a:solidFill>
-                    <a:srgbClr val="7451EB"/>
-                  </a:solidFill>
-                </a:ln>
-                <a:solidFill>
-                  <a:srgbClr val="7451EB"/>
-                </a:solidFill>
-                <a:latin typeface="Calibri Light (En-têtes)"/>
-              </a:rPr>
-              <a:t>Project 7 – implémentation d’un modèle de </a:t>
-            </a:r>
-            <a:r>
-              <a:rPr lang="fr-FR" sz="1400" dirty="0" err="1">
-                <a:ln>
-                  <a:solidFill>
-                    <a:srgbClr val="7451EB"/>
-                  </a:solidFill>
-                </a:ln>
-                <a:solidFill>
-                  <a:srgbClr val="7451EB"/>
-                </a:solidFill>
-                <a:latin typeface="Calibri Light (En-têtes)"/>
-              </a:rPr>
-              <a:t>scoring</a:t>
-            </a:r>
-            <a:endParaRPr lang="fr-FR" sz="1400" dirty="0">
-              <a:ln>
-                <a:solidFill>
-                  <a:srgbClr val="7451EB"/>
-                </a:solidFill>
-              </a:ln>
-              <a:solidFill>
-                <a:srgbClr val="7451EB"/>
-              </a:solidFill>
-              <a:latin typeface="Calibri Light (En-têtes)"/>
-            </a:endParaRPr>
-          </a:p>
-        </p:txBody>
-      </p:sp>
     </p:spTree>
     <p:extLst>
       <p:ext uri="{BB962C8B-B14F-4D97-AF65-F5344CB8AC3E}">
@@ -23883,12 +23709,1139 @@
           </a:p>
         </p:txBody>
       </p:sp>
-      <p:sp>
-        <p:nvSpPr>
-          <p:cNvPr id="22" name="ZoneTexte 21">
-            <a:extLst>
-              <a:ext uri="{FF2B5EF4-FFF2-40B4-BE49-F238E27FC236}">
-                <a16:creationId xmlns:a16="http://schemas.microsoft.com/office/drawing/2014/main" id="{A0B3C950-BE53-47BE-AE89-F8CAB9578A0B}"/>
+      <p:pic>
+        <p:nvPicPr>
+          <p:cNvPr id="12" name="Image 11">
+            <a:extLst>
+              <a:ext uri="{FF2B5EF4-FFF2-40B4-BE49-F238E27FC236}">
+                <a16:creationId xmlns:a16="http://schemas.microsoft.com/office/drawing/2014/main" id="{EF899E41-6FE8-4B64-B8B1-B0A9BD1885C6}"/>
+              </a:ext>
+            </a:extLst>
+          </p:cNvPr>
+          <p:cNvPicPr>
+            <a:picLocks noChangeAspect="1"/>
+          </p:cNvPicPr>
+          <p:nvPr/>
+        </p:nvPicPr>
+        <p:blipFill>
+          <a:blip r:embed="rId3">
+            <a:extLst>
+              <a:ext uri="{28A0092B-C50C-407E-A947-70E740481C1C}">
+                <a14:useLocalDpi xmlns:a14="http://schemas.microsoft.com/office/drawing/2010/main" val="0"/>
+              </a:ext>
+            </a:extLst>
+          </a:blip>
+          <a:stretch>
+            <a:fillRect/>
+          </a:stretch>
+        </p:blipFill>
+        <p:spPr>
+          <a:xfrm>
+            <a:off x="6308511" y="561429"/>
+            <a:ext cx="1216579" cy="729948"/>
+          </a:xfrm>
+          <a:prstGeom prst="rect">
+            <a:avLst/>
+          </a:prstGeom>
+        </p:spPr>
+      </p:pic>
+      <p:grpSp>
+        <p:nvGrpSpPr>
+          <p:cNvPr id="66" name="Groupe 65">
+            <a:extLst>
+              <a:ext uri="{FF2B5EF4-FFF2-40B4-BE49-F238E27FC236}">
+                <a16:creationId xmlns:a16="http://schemas.microsoft.com/office/drawing/2014/main" id="{16677A3A-8795-40DF-A1D5-AD6E7427F539}"/>
+              </a:ext>
+            </a:extLst>
+          </p:cNvPr>
+          <p:cNvGrpSpPr/>
+          <p:nvPr/>
+        </p:nvGrpSpPr>
+        <p:grpSpPr>
+          <a:xfrm>
+            <a:off x="8033031" y="2676293"/>
+            <a:ext cx="2236206" cy="3204926"/>
+            <a:chOff x="5948127" y="2691478"/>
+            <a:chExt cx="2236206" cy="3204926"/>
+          </a:xfrm>
+        </p:grpSpPr>
+        <p:pic>
+          <p:nvPicPr>
+            <p:cNvPr id="13" name="Image 12">
+              <a:extLst>
+                <a:ext uri="{FF2B5EF4-FFF2-40B4-BE49-F238E27FC236}">
+                  <a16:creationId xmlns:a16="http://schemas.microsoft.com/office/drawing/2014/main" id="{2DAD6811-C785-4B10-8D64-5092F835F753}"/>
+                </a:ext>
+              </a:extLst>
+            </p:cNvPr>
+            <p:cNvPicPr>
+              <a:picLocks noChangeAspect="1"/>
+            </p:cNvPicPr>
+            <p:nvPr/>
+          </p:nvPicPr>
+          <p:blipFill rotWithShape="1">
+            <a:blip r:embed="rId4">
+              <a:extLst>
+                <a:ext uri="{28A0092B-C50C-407E-A947-70E740481C1C}">
+                  <a14:useLocalDpi xmlns:a14="http://schemas.microsoft.com/office/drawing/2010/main" val="0"/>
+                </a:ext>
+              </a:extLst>
+            </a:blip>
+            <a:srcRect l="25802" t="61303" r="26581" b="7712"/>
+            <a:stretch/>
+          </p:blipFill>
+          <p:spPr>
+            <a:xfrm>
+              <a:off x="6795719" y="2848308"/>
+              <a:ext cx="1031117" cy="315022"/>
+            </a:xfrm>
+            <a:prstGeom prst="rect">
+              <a:avLst/>
+            </a:prstGeom>
+          </p:spPr>
+        </p:pic>
+        <p:grpSp>
+          <p:nvGrpSpPr>
+            <p:cNvPr id="28" name="Groupe 27">
+              <a:extLst>
+                <a:ext uri="{FF2B5EF4-FFF2-40B4-BE49-F238E27FC236}">
+                  <a16:creationId xmlns:a16="http://schemas.microsoft.com/office/drawing/2014/main" id="{0FFF398F-6F35-4E42-8B20-5A8B8C4A6CB1}"/>
+                </a:ext>
+              </a:extLst>
+            </p:cNvPr>
+            <p:cNvGrpSpPr/>
+            <p:nvPr/>
+          </p:nvGrpSpPr>
+          <p:grpSpPr>
+            <a:xfrm>
+              <a:off x="6096000" y="3632242"/>
+              <a:ext cx="1943477" cy="2109132"/>
+              <a:chOff x="6096000" y="3638698"/>
+              <a:chExt cx="1943477" cy="2109132"/>
+            </a:xfrm>
+          </p:grpSpPr>
+          <p:sp>
+            <p:nvSpPr>
+              <p:cNvPr id="2" name="Rectangle : coins arrondis 1">
+                <a:extLst>
+                  <a:ext uri="{FF2B5EF4-FFF2-40B4-BE49-F238E27FC236}">
+                    <a16:creationId xmlns:a16="http://schemas.microsoft.com/office/drawing/2014/main" id="{3639BE1C-05EF-471E-9943-DE8DE8240B04}"/>
+                  </a:ext>
+                </a:extLst>
+              </p:cNvPr>
+              <p:cNvSpPr/>
+              <p:nvPr/>
+            </p:nvSpPr>
+            <p:spPr>
+              <a:xfrm>
+                <a:off x="6096000" y="3638698"/>
+                <a:ext cx="1943477" cy="2109132"/>
+              </a:xfrm>
+              <a:prstGeom prst="roundRect">
+                <a:avLst>
+                  <a:gd name="adj" fmla="val 12531"/>
+                </a:avLst>
+              </a:prstGeom>
+              <a:noFill/>
+              <a:ln w="38100">
+                <a:solidFill>
+                  <a:srgbClr val="47B3AA"/>
+                </a:solidFill>
+              </a:ln>
+            </p:spPr>
+            <p:style>
+              <a:lnRef idx="2">
+                <a:schemeClr val="accent1">
+                  <a:shade val="50000"/>
+                </a:schemeClr>
+              </a:lnRef>
+              <a:fillRef idx="1">
+                <a:schemeClr val="accent1"/>
+              </a:fillRef>
+              <a:effectRef idx="0">
+                <a:schemeClr val="accent1"/>
+              </a:effectRef>
+              <a:fontRef idx="minor">
+                <a:schemeClr val="lt1"/>
+              </a:fontRef>
+            </p:style>
+            <p:txBody>
+              <a:bodyPr rtlCol="0" anchor="ctr"/>
+              <a:lstStyle/>
+              <a:p>
+                <a:pPr algn="ctr"/>
+                <a:endParaRPr lang="fr-FR"/>
+              </a:p>
+            </p:txBody>
+          </p:sp>
+          <p:sp>
+            <p:nvSpPr>
+              <p:cNvPr id="3" name="ZoneTexte 2">
+                <a:extLst>
+                  <a:ext uri="{FF2B5EF4-FFF2-40B4-BE49-F238E27FC236}">
+                    <a16:creationId xmlns:a16="http://schemas.microsoft.com/office/drawing/2014/main" id="{A9A6C6D4-9BEA-489F-AFDF-120B52EC36E5}"/>
+                  </a:ext>
+                </a:extLst>
+              </p:cNvPr>
+              <p:cNvSpPr txBox="1"/>
+              <p:nvPr/>
+            </p:nvSpPr>
+            <p:spPr>
+              <a:xfrm>
+                <a:off x="6513804" y="3677780"/>
+                <a:ext cx="1107867" cy="369332"/>
+              </a:xfrm>
+              <a:prstGeom prst="rect">
+                <a:avLst/>
+              </a:prstGeom>
+              <a:noFill/>
+            </p:spPr>
+            <p:txBody>
+              <a:bodyPr wrap="none" rtlCol="0">
+                <a:spAutoFit/>
+              </a:bodyPr>
+              <a:lstStyle/>
+              <a:p>
+                <a:r>
+                  <a:rPr lang="es-ES" b="1" dirty="0">
+                    <a:solidFill>
+                      <a:srgbClr val="009789"/>
+                    </a:solidFill>
+                  </a:rPr>
+                  <a:t>BACKEND</a:t>
+                </a:r>
+                <a:endParaRPr lang="fr-FR" b="1" dirty="0">
+                  <a:solidFill>
+                    <a:srgbClr val="009789"/>
+                  </a:solidFill>
+                </a:endParaRPr>
+              </a:p>
+            </p:txBody>
+          </p:sp>
+          <p:grpSp>
+            <p:nvGrpSpPr>
+              <p:cNvPr id="4" name="Groupe 3">
+                <a:extLst>
+                  <a:ext uri="{FF2B5EF4-FFF2-40B4-BE49-F238E27FC236}">
+                    <a16:creationId xmlns:a16="http://schemas.microsoft.com/office/drawing/2014/main" id="{36CFC448-77CB-4EA2-BFAB-649626B7E0E7}"/>
+                  </a:ext>
+                </a:extLst>
+              </p:cNvPr>
+              <p:cNvGrpSpPr/>
+              <p:nvPr/>
+            </p:nvGrpSpPr>
+            <p:grpSpPr>
+              <a:xfrm>
+                <a:off x="6267221" y="4369648"/>
+                <a:ext cx="1601031" cy="847888"/>
+                <a:chOff x="6267221" y="4369648"/>
+                <a:chExt cx="1601031" cy="847888"/>
+              </a:xfrm>
+            </p:grpSpPr>
+            <p:pic>
+              <p:nvPicPr>
+                <p:cNvPr id="9" name="Image 8">
+                  <a:extLst>
+                    <a:ext uri="{FF2B5EF4-FFF2-40B4-BE49-F238E27FC236}">
+                      <a16:creationId xmlns:a16="http://schemas.microsoft.com/office/drawing/2014/main" id="{EC5A623F-BF98-4AD0-8039-589571F43EFA}"/>
+                    </a:ext>
+                  </a:extLst>
+                </p:cNvPr>
+                <p:cNvPicPr>
+                  <a:picLocks noChangeAspect="1"/>
+                </p:cNvPicPr>
+                <p:nvPr/>
+              </p:nvPicPr>
+              <p:blipFill rotWithShape="1">
+                <a:blip r:embed="rId5">
+                  <a:extLst>
+                    <a:ext uri="{28A0092B-C50C-407E-A947-70E740481C1C}">
+                      <a14:useLocalDpi xmlns:a14="http://schemas.microsoft.com/office/drawing/2010/main" val="0"/>
+                    </a:ext>
+                  </a:extLst>
+                </a:blip>
+                <a:srcRect l="29606" t="24198" r="7764" b="24349"/>
+                <a:stretch/>
+              </p:blipFill>
+              <p:spPr>
+                <a:xfrm>
+                  <a:off x="6267221" y="4369648"/>
+                  <a:ext cx="1601031" cy="474433"/>
+                </a:xfrm>
+                <a:prstGeom prst="rect">
+                  <a:avLst/>
+                </a:prstGeom>
+              </p:spPr>
+            </p:pic>
+            <p:pic>
+              <p:nvPicPr>
+                <p:cNvPr id="26" name="Image 25">
+                  <a:extLst>
+                    <a:ext uri="{FF2B5EF4-FFF2-40B4-BE49-F238E27FC236}">
+                      <a16:creationId xmlns:a16="http://schemas.microsoft.com/office/drawing/2014/main" id="{4830F035-485D-47D6-BA28-BF06E2A884F1}"/>
+                    </a:ext>
+                  </a:extLst>
+                </p:cNvPr>
+                <p:cNvPicPr>
+                  <a:picLocks noChangeAspect="1"/>
+                </p:cNvPicPr>
+                <p:nvPr/>
+              </p:nvPicPr>
+              <p:blipFill rotWithShape="1">
+                <a:blip r:embed="rId5">
+                  <a:extLst>
+                    <a:ext uri="{28A0092B-C50C-407E-A947-70E740481C1C}">
+                      <a14:useLocalDpi xmlns:a14="http://schemas.microsoft.com/office/drawing/2010/main" val="0"/>
+                    </a:ext>
+                  </a:extLst>
+                </a:blip>
+                <a:srcRect l="10340" t="22451" r="71904" b="25522"/>
+                <a:stretch/>
+              </p:blipFill>
+              <p:spPr>
+                <a:xfrm>
+                  <a:off x="6891061" y="4844081"/>
+                  <a:ext cx="353352" cy="373455"/>
+                </a:xfrm>
+                <a:prstGeom prst="rect">
+                  <a:avLst/>
+                </a:prstGeom>
+              </p:spPr>
+            </p:pic>
+          </p:grpSp>
+        </p:grpSp>
+        <p:sp>
+          <p:nvSpPr>
+            <p:cNvPr id="30" name="Rectangle : coins arrondis 29">
+              <a:extLst>
+                <a:ext uri="{FF2B5EF4-FFF2-40B4-BE49-F238E27FC236}">
+                  <a16:creationId xmlns:a16="http://schemas.microsoft.com/office/drawing/2014/main" id="{C08300F5-EBB5-414E-A142-76DFE7A9BA46}"/>
+                </a:ext>
+              </a:extLst>
+            </p:cNvPr>
+            <p:cNvSpPr/>
+            <p:nvPr/>
+          </p:nvSpPr>
+          <p:spPr>
+            <a:xfrm>
+              <a:off x="5948127" y="2691478"/>
+              <a:ext cx="2236206" cy="3204926"/>
+            </a:xfrm>
+            <a:prstGeom prst="roundRect">
+              <a:avLst>
+                <a:gd name="adj" fmla="val 12623"/>
+              </a:avLst>
+            </a:prstGeom>
+            <a:noFill/>
+            <a:ln w="38100">
+              <a:solidFill>
+                <a:srgbClr val="129FDB"/>
+              </a:solidFill>
+            </a:ln>
+          </p:spPr>
+          <p:style>
+            <a:lnRef idx="2">
+              <a:schemeClr val="accent1">
+                <a:shade val="50000"/>
+              </a:schemeClr>
+            </a:lnRef>
+            <a:fillRef idx="1">
+              <a:schemeClr val="accent1"/>
+            </a:fillRef>
+            <a:effectRef idx="0">
+              <a:schemeClr val="accent1"/>
+            </a:effectRef>
+            <a:fontRef idx="minor">
+              <a:schemeClr val="lt1"/>
+            </a:fontRef>
+          </p:style>
+          <p:txBody>
+            <a:bodyPr rtlCol="0" anchor="ctr"/>
+            <a:lstStyle/>
+            <a:p>
+              <a:pPr algn="ctr"/>
+              <a:endParaRPr lang="fr-FR"/>
+            </a:p>
+          </p:txBody>
+        </p:sp>
+        <p:pic>
+          <p:nvPicPr>
+            <p:cNvPr id="41" name="Image 40">
+              <a:extLst>
+                <a:ext uri="{FF2B5EF4-FFF2-40B4-BE49-F238E27FC236}">
+                  <a16:creationId xmlns:a16="http://schemas.microsoft.com/office/drawing/2014/main" id="{618988E2-2E49-40DE-8803-DFDEF8AE997A}"/>
+                </a:ext>
+              </a:extLst>
+            </p:cNvPr>
+            <p:cNvPicPr>
+              <a:picLocks noChangeAspect="1"/>
+            </p:cNvPicPr>
+            <p:nvPr/>
+          </p:nvPicPr>
+          <p:blipFill rotWithShape="1">
+            <a:blip r:embed="rId4">
+              <a:extLst>
+                <a:ext uri="{28A0092B-C50C-407E-A947-70E740481C1C}">
+                  <a14:useLocalDpi xmlns:a14="http://schemas.microsoft.com/office/drawing/2010/main" val="0"/>
+                </a:ext>
+              </a:extLst>
+            </a:blip>
+            <a:srcRect l="33339" t="8014" r="29529" b="38864"/>
+            <a:stretch/>
+          </p:blipFill>
+          <p:spPr>
+            <a:xfrm>
+              <a:off x="6231888" y="2816453"/>
+              <a:ext cx="563831" cy="378731"/>
+            </a:xfrm>
+            <a:prstGeom prst="rect">
+              <a:avLst/>
+            </a:prstGeom>
+          </p:spPr>
+        </p:pic>
+        <p:sp>
+          <p:nvSpPr>
+            <p:cNvPr id="43" name="ZoneTexte 42">
+              <a:extLst>
+                <a:ext uri="{FF2B5EF4-FFF2-40B4-BE49-F238E27FC236}">
+                  <a16:creationId xmlns:a16="http://schemas.microsoft.com/office/drawing/2014/main" id="{ED17BD6C-B0CA-48DB-9BC6-E9D5859E72ED}"/>
+                </a:ext>
+              </a:extLst>
+            </p:cNvPr>
+            <p:cNvSpPr txBox="1"/>
+            <p:nvPr/>
+          </p:nvSpPr>
+          <p:spPr>
+            <a:xfrm>
+              <a:off x="6454956" y="3299277"/>
+              <a:ext cx="1109599" cy="307777"/>
+            </a:xfrm>
+            <a:prstGeom prst="rect">
+              <a:avLst/>
+            </a:prstGeom>
+            <a:noFill/>
+          </p:spPr>
+          <p:txBody>
+            <a:bodyPr wrap="none" rtlCol="0">
+              <a:spAutoFit/>
+            </a:bodyPr>
+            <a:lstStyle/>
+            <a:p>
+              <a:r>
+                <a:rPr lang="es-ES" sz="1400" b="1" dirty="0">
+                  <a:solidFill>
+                    <a:srgbClr val="009789"/>
+                  </a:solidFill>
+                </a:rPr>
+                <a:t>0.0.0.0:8008</a:t>
+              </a:r>
+              <a:endParaRPr lang="fr-FR" sz="1400" b="1" dirty="0">
+                <a:solidFill>
+                  <a:srgbClr val="009789"/>
+                </a:solidFill>
+              </a:endParaRPr>
+            </a:p>
+          </p:txBody>
+        </p:sp>
+      </p:grpSp>
+      <p:grpSp>
+        <p:nvGrpSpPr>
+          <p:cNvPr id="67" name="Groupe 66">
+            <a:extLst>
+              <a:ext uri="{FF2B5EF4-FFF2-40B4-BE49-F238E27FC236}">
+                <a16:creationId xmlns:a16="http://schemas.microsoft.com/office/drawing/2014/main" id="{BA1497E3-D1CA-41BE-8097-093B0AD4D8A6}"/>
+              </a:ext>
+            </a:extLst>
+          </p:cNvPr>
+          <p:cNvGrpSpPr/>
+          <p:nvPr/>
+        </p:nvGrpSpPr>
+        <p:grpSpPr>
+          <a:xfrm>
+            <a:off x="4609514" y="2676293"/>
+            <a:ext cx="2236206" cy="3204926"/>
+            <a:chOff x="8449987" y="2676293"/>
+            <a:chExt cx="2236206" cy="3204926"/>
+          </a:xfrm>
+        </p:grpSpPr>
+        <p:grpSp>
+          <p:nvGrpSpPr>
+            <p:cNvPr id="7" name="Groupe 6">
+              <a:extLst>
+                <a:ext uri="{FF2B5EF4-FFF2-40B4-BE49-F238E27FC236}">
+                  <a16:creationId xmlns:a16="http://schemas.microsoft.com/office/drawing/2014/main" id="{3B790C2C-729B-4660-8155-A1EAD9FEDCB9}"/>
+                </a:ext>
+              </a:extLst>
+            </p:cNvPr>
+            <p:cNvGrpSpPr/>
+            <p:nvPr/>
+          </p:nvGrpSpPr>
+          <p:grpSpPr>
+            <a:xfrm>
+              <a:off x="8600115" y="3632242"/>
+              <a:ext cx="1943477" cy="2109132"/>
+              <a:chOff x="8600115" y="3638698"/>
+              <a:chExt cx="1943477" cy="2109132"/>
+            </a:xfrm>
+          </p:grpSpPr>
+          <p:sp>
+            <p:nvSpPr>
+              <p:cNvPr id="24" name="Rectangle : coins arrondis 23">
+                <a:extLst>
+                  <a:ext uri="{FF2B5EF4-FFF2-40B4-BE49-F238E27FC236}">
+                    <a16:creationId xmlns:a16="http://schemas.microsoft.com/office/drawing/2014/main" id="{33D4D668-7D69-4827-B7C9-DFCC4566A5E6}"/>
+                  </a:ext>
+                </a:extLst>
+              </p:cNvPr>
+              <p:cNvSpPr/>
+              <p:nvPr/>
+            </p:nvSpPr>
+            <p:spPr>
+              <a:xfrm>
+                <a:off x="8600115" y="3638698"/>
+                <a:ext cx="1943477" cy="2109132"/>
+              </a:xfrm>
+              <a:prstGeom prst="roundRect">
+                <a:avLst>
+                  <a:gd name="adj" fmla="val 11497"/>
+                </a:avLst>
+              </a:prstGeom>
+              <a:noFill/>
+              <a:ln w="38100">
+                <a:solidFill>
+                  <a:srgbClr val="FF8C8C"/>
+                </a:solidFill>
+              </a:ln>
+            </p:spPr>
+            <p:style>
+              <a:lnRef idx="2">
+                <a:schemeClr val="accent1">
+                  <a:shade val="50000"/>
+                </a:schemeClr>
+              </a:lnRef>
+              <a:fillRef idx="1">
+                <a:schemeClr val="accent1"/>
+              </a:fillRef>
+              <a:effectRef idx="0">
+                <a:schemeClr val="accent1"/>
+              </a:effectRef>
+              <a:fontRef idx="minor">
+                <a:schemeClr val="lt1"/>
+              </a:fontRef>
+            </p:style>
+            <p:txBody>
+              <a:bodyPr rtlCol="0" anchor="ctr"/>
+              <a:lstStyle/>
+              <a:p>
+                <a:pPr algn="ctr"/>
+                <a:endParaRPr lang="fr-FR"/>
+              </a:p>
+            </p:txBody>
+          </p:sp>
+          <p:sp>
+            <p:nvSpPr>
+              <p:cNvPr id="25" name="ZoneTexte 24">
+                <a:extLst>
+                  <a:ext uri="{FF2B5EF4-FFF2-40B4-BE49-F238E27FC236}">
+                    <a16:creationId xmlns:a16="http://schemas.microsoft.com/office/drawing/2014/main" id="{48EE8F25-256D-4EE1-BEB6-52ABDFF4989C}"/>
+                  </a:ext>
+                </a:extLst>
+              </p:cNvPr>
+              <p:cNvSpPr txBox="1"/>
+              <p:nvPr/>
+            </p:nvSpPr>
+            <p:spPr>
+              <a:xfrm>
+                <a:off x="8946842" y="3677780"/>
+                <a:ext cx="1250022" cy="369332"/>
+              </a:xfrm>
+              <a:prstGeom prst="rect">
+                <a:avLst/>
+              </a:prstGeom>
+              <a:noFill/>
+            </p:spPr>
+            <p:txBody>
+              <a:bodyPr wrap="none" rtlCol="0">
+                <a:spAutoFit/>
+              </a:bodyPr>
+              <a:lstStyle/>
+              <a:p>
+                <a:r>
+                  <a:rPr lang="es-ES" b="1" dirty="0">
+                    <a:solidFill>
+                      <a:srgbClr val="FF8C8C"/>
+                    </a:solidFill>
+                  </a:rPr>
+                  <a:t>FRONTEND</a:t>
+                </a:r>
+                <a:endParaRPr lang="fr-FR" b="1" dirty="0">
+                  <a:solidFill>
+                    <a:srgbClr val="FF8C8C"/>
+                  </a:solidFill>
+                </a:endParaRPr>
+              </a:p>
+            </p:txBody>
+          </p:sp>
+          <p:grpSp>
+            <p:nvGrpSpPr>
+              <p:cNvPr id="6" name="Groupe 5">
+                <a:extLst>
+                  <a:ext uri="{FF2B5EF4-FFF2-40B4-BE49-F238E27FC236}">
+                    <a16:creationId xmlns:a16="http://schemas.microsoft.com/office/drawing/2014/main" id="{A1ED28B3-C366-4E89-9E42-33F96813AD52}"/>
+                  </a:ext>
+                </a:extLst>
+              </p:cNvPr>
+              <p:cNvGrpSpPr/>
+              <p:nvPr/>
+            </p:nvGrpSpPr>
+            <p:grpSpPr>
+              <a:xfrm>
+                <a:off x="8704196" y="4416795"/>
+                <a:ext cx="1735313" cy="834226"/>
+                <a:chOff x="8704196" y="4416795"/>
+                <a:chExt cx="1735313" cy="834226"/>
+              </a:xfrm>
+            </p:grpSpPr>
+            <p:pic>
+              <p:nvPicPr>
+                <p:cNvPr id="16" name="Image 15">
+                  <a:extLst>
+                    <a:ext uri="{FF2B5EF4-FFF2-40B4-BE49-F238E27FC236}">
+                      <a16:creationId xmlns:a16="http://schemas.microsoft.com/office/drawing/2014/main" id="{6A2BE277-E2C4-48BE-B13B-F4D687F4F483}"/>
+                    </a:ext>
+                  </a:extLst>
+                </p:cNvPr>
+                <p:cNvPicPr>
+                  <a:picLocks noChangeAspect="1"/>
+                </p:cNvPicPr>
+                <p:nvPr/>
+              </p:nvPicPr>
+              <p:blipFill rotWithShape="1">
+                <a:blip r:embed="rId6">
+                  <a:extLst>
+                    <a:ext uri="{28A0092B-C50C-407E-A947-70E740481C1C}">
+                      <a14:useLocalDpi xmlns:a14="http://schemas.microsoft.com/office/drawing/2010/main" val="0"/>
+                    </a:ext>
+                  </a:extLst>
+                </a:blip>
+                <a:srcRect l="34337" t="23233" r="34678" b="47269"/>
+                <a:stretch/>
+              </p:blipFill>
+              <p:spPr>
+                <a:xfrm>
+                  <a:off x="9216427" y="4844081"/>
+                  <a:ext cx="715225" cy="406940"/>
+                </a:xfrm>
+                <a:prstGeom prst="rect">
+                  <a:avLst/>
+                </a:prstGeom>
+              </p:spPr>
+            </p:pic>
+            <p:pic>
+              <p:nvPicPr>
+                <p:cNvPr id="27" name="Image 26">
+                  <a:extLst>
+                    <a:ext uri="{FF2B5EF4-FFF2-40B4-BE49-F238E27FC236}">
+                      <a16:creationId xmlns:a16="http://schemas.microsoft.com/office/drawing/2014/main" id="{FF889F73-1041-47D7-919F-733453602D00}"/>
+                    </a:ext>
+                  </a:extLst>
+                </p:cNvPr>
+                <p:cNvPicPr>
+                  <a:picLocks noChangeAspect="1"/>
+                </p:cNvPicPr>
+                <p:nvPr/>
+              </p:nvPicPr>
+              <p:blipFill rotWithShape="1">
+                <a:blip r:embed="rId6">
+                  <a:extLst>
+                    <a:ext uri="{28A0092B-C50C-407E-A947-70E740481C1C}">
+                      <a14:useLocalDpi xmlns:a14="http://schemas.microsoft.com/office/drawing/2010/main" val="0"/>
+                    </a:ext>
+                  </a:extLst>
+                </a:blip>
+                <a:srcRect l="13125" t="53779" r="11697" b="18191"/>
+                <a:stretch/>
+              </p:blipFill>
+              <p:spPr>
+                <a:xfrm>
+                  <a:off x="8704196" y="4416795"/>
+                  <a:ext cx="1735313" cy="386672"/>
+                </a:xfrm>
+                <a:prstGeom prst="rect">
+                  <a:avLst/>
+                </a:prstGeom>
+              </p:spPr>
+            </p:pic>
+          </p:grpSp>
+        </p:grpSp>
+        <p:pic>
+          <p:nvPicPr>
+            <p:cNvPr id="44" name="Image 43">
+              <a:extLst>
+                <a:ext uri="{FF2B5EF4-FFF2-40B4-BE49-F238E27FC236}">
+                  <a16:creationId xmlns:a16="http://schemas.microsoft.com/office/drawing/2014/main" id="{F9A50989-4989-4893-8EA0-0C3C4244ECDC}"/>
+                </a:ext>
+              </a:extLst>
+            </p:cNvPr>
+            <p:cNvPicPr>
+              <a:picLocks noChangeAspect="1"/>
+            </p:cNvPicPr>
+            <p:nvPr/>
+          </p:nvPicPr>
+          <p:blipFill rotWithShape="1">
+            <a:blip r:embed="rId4">
+              <a:extLst>
+                <a:ext uri="{28A0092B-C50C-407E-A947-70E740481C1C}">
+                  <a14:useLocalDpi xmlns:a14="http://schemas.microsoft.com/office/drawing/2010/main" val="0"/>
+                </a:ext>
+              </a:extLst>
+            </a:blip>
+            <a:srcRect l="25802" t="61303" r="26581" b="7712"/>
+            <a:stretch/>
+          </p:blipFill>
+          <p:spPr>
+            <a:xfrm>
+              <a:off x="9297579" y="2833123"/>
+              <a:ext cx="1031117" cy="315022"/>
+            </a:xfrm>
+            <a:prstGeom prst="rect">
+              <a:avLst/>
+            </a:prstGeom>
+          </p:spPr>
+        </p:pic>
+        <p:sp>
+          <p:nvSpPr>
+            <p:cNvPr id="45" name="Rectangle : coins arrondis 44">
+              <a:extLst>
+                <a:ext uri="{FF2B5EF4-FFF2-40B4-BE49-F238E27FC236}">
+                  <a16:creationId xmlns:a16="http://schemas.microsoft.com/office/drawing/2014/main" id="{411931B2-DB69-46E4-8B1A-B427DF7F7C41}"/>
+                </a:ext>
+              </a:extLst>
+            </p:cNvPr>
+            <p:cNvSpPr/>
+            <p:nvPr/>
+          </p:nvSpPr>
+          <p:spPr>
+            <a:xfrm>
+              <a:off x="8449987" y="2676293"/>
+              <a:ext cx="2236206" cy="3204926"/>
+            </a:xfrm>
+            <a:prstGeom prst="roundRect">
+              <a:avLst>
+                <a:gd name="adj" fmla="val 12623"/>
+              </a:avLst>
+            </a:prstGeom>
+            <a:noFill/>
+            <a:ln w="38100">
+              <a:solidFill>
+                <a:srgbClr val="129FDB"/>
+              </a:solidFill>
+            </a:ln>
+          </p:spPr>
+          <p:style>
+            <a:lnRef idx="2">
+              <a:schemeClr val="accent1">
+                <a:shade val="50000"/>
+              </a:schemeClr>
+            </a:lnRef>
+            <a:fillRef idx="1">
+              <a:schemeClr val="accent1"/>
+            </a:fillRef>
+            <a:effectRef idx="0">
+              <a:schemeClr val="accent1"/>
+            </a:effectRef>
+            <a:fontRef idx="minor">
+              <a:schemeClr val="lt1"/>
+            </a:fontRef>
+          </p:style>
+          <p:txBody>
+            <a:bodyPr rtlCol="0" anchor="ctr"/>
+            <a:lstStyle/>
+            <a:p>
+              <a:pPr algn="ctr"/>
+              <a:endParaRPr lang="fr-FR"/>
+            </a:p>
+          </p:txBody>
+        </p:sp>
+        <p:pic>
+          <p:nvPicPr>
+            <p:cNvPr id="46" name="Image 45">
+              <a:extLst>
+                <a:ext uri="{FF2B5EF4-FFF2-40B4-BE49-F238E27FC236}">
+                  <a16:creationId xmlns:a16="http://schemas.microsoft.com/office/drawing/2014/main" id="{D94E218B-36DB-4938-AF16-4FC23BFA0325}"/>
+                </a:ext>
+              </a:extLst>
+            </p:cNvPr>
+            <p:cNvPicPr>
+              <a:picLocks noChangeAspect="1"/>
+            </p:cNvPicPr>
+            <p:nvPr/>
+          </p:nvPicPr>
+          <p:blipFill rotWithShape="1">
+            <a:blip r:embed="rId4">
+              <a:extLst>
+                <a:ext uri="{28A0092B-C50C-407E-A947-70E740481C1C}">
+                  <a14:useLocalDpi xmlns:a14="http://schemas.microsoft.com/office/drawing/2010/main" val="0"/>
+                </a:ext>
+              </a:extLst>
+            </a:blip>
+            <a:srcRect l="33339" t="8014" r="29529" b="38864"/>
+            <a:stretch/>
+          </p:blipFill>
+          <p:spPr>
+            <a:xfrm>
+              <a:off x="8733748" y="2801268"/>
+              <a:ext cx="563831" cy="378731"/>
+            </a:xfrm>
+            <a:prstGeom prst="rect">
+              <a:avLst/>
+            </a:prstGeom>
+          </p:spPr>
+        </p:pic>
+        <p:sp>
+          <p:nvSpPr>
+            <p:cNvPr id="47" name="ZoneTexte 46">
+              <a:extLst>
+                <a:ext uri="{FF2B5EF4-FFF2-40B4-BE49-F238E27FC236}">
+                  <a16:creationId xmlns:a16="http://schemas.microsoft.com/office/drawing/2014/main" id="{1799AB30-6E38-4AD5-BBBE-1D120E0A6894}"/>
+                </a:ext>
+              </a:extLst>
+            </p:cNvPr>
+            <p:cNvSpPr txBox="1"/>
+            <p:nvPr/>
+          </p:nvSpPr>
+          <p:spPr>
+            <a:xfrm>
+              <a:off x="9104661" y="3284092"/>
+              <a:ext cx="926857" cy="307777"/>
+            </a:xfrm>
+            <a:prstGeom prst="rect">
+              <a:avLst/>
+            </a:prstGeom>
+            <a:noFill/>
+          </p:spPr>
+          <p:txBody>
+            <a:bodyPr wrap="none" rtlCol="0">
+              <a:spAutoFit/>
+            </a:bodyPr>
+            <a:lstStyle/>
+            <a:p>
+              <a:r>
+                <a:rPr lang="es-ES" sz="1400" b="1" dirty="0">
+                  <a:solidFill>
+                    <a:srgbClr val="FF8C8C"/>
+                  </a:solidFill>
+                </a:rPr>
+                <a:t>0.0.0.0:80</a:t>
+              </a:r>
+              <a:endParaRPr lang="fr-FR" sz="1400" b="1" dirty="0">
+                <a:solidFill>
+                  <a:srgbClr val="FF8C8C"/>
+                </a:solidFill>
+              </a:endParaRPr>
+            </a:p>
+          </p:txBody>
+        </p:sp>
+      </p:grpSp>
+      <p:sp>
+        <p:nvSpPr>
+          <p:cNvPr id="48" name="Rectangle : coins arrondis 47">
+            <a:extLst>
+              <a:ext uri="{FF2B5EF4-FFF2-40B4-BE49-F238E27FC236}">
+                <a16:creationId xmlns:a16="http://schemas.microsoft.com/office/drawing/2014/main" id="{45B568C6-BC9B-4283-BDE7-E448A6371701}"/>
+              </a:ext>
+            </a:extLst>
+          </p:cNvPr>
+          <p:cNvSpPr/>
+          <p:nvPr/>
+        </p:nvSpPr>
+        <p:spPr>
+          <a:xfrm>
+            <a:off x="4371032" y="1480700"/>
+            <a:ext cx="6172560" cy="4568104"/>
+          </a:xfrm>
+          <a:prstGeom prst="roundRect">
+            <a:avLst>
+              <a:gd name="adj" fmla="val 9628"/>
+            </a:avLst>
+          </a:prstGeom>
+          <a:noFill/>
+          <a:ln w="38100">
+            <a:solidFill>
+              <a:schemeClr val="bg1">
+                <a:lumMod val="50000"/>
+              </a:schemeClr>
+            </a:solidFill>
+          </a:ln>
+        </p:spPr>
+        <p:style>
+          <a:lnRef idx="2">
+            <a:schemeClr val="accent1">
+              <a:shade val="50000"/>
+            </a:schemeClr>
+          </a:lnRef>
+          <a:fillRef idx="1">
+            <a:schemeClr val="accent1"/>
+          </a:fillRef>
+          <a:effectRef idx="0">
+            <a:schemeClr val="accent1"/>
+          </a:effectRef>
+          <a:fontRef idx="minor">
+            <a:schemeClr val="lt1"/>
+          </a:fontRef>
+        </p:style>
+        <p:txBody>
+          <a:bodyPr rtlCol="0" anchor="ctr"/>
+          <a:lstStyle/>
+          <a:p>
+            <a:pPr algn="ctr"/>
+            <a:endParaRPr lang="fr-FR" dirty="0"/>
+          </a:p>
+        </p:txBody>
+      </p:sp>
+      <p:grpSp>
+        <p:nvGrpSpPr>
+          <p:cNvPr id="82" name="Groupe 81">
+            <a:extLst>
+              <a:ext uri="{FF2B5EF4-FFF2-40B4-BE49-F238E27FC236}">
+                <a16:creationId xmlns:a16="http://schemas.microsoft.com/office/drawing/2014/main" id="{2F63D592-F913-4080-A804-F4577AB5F519}"/>
+              </a:ext>
+            </a:extLst>
+          </p:cNvPr>
+          <p:cNvGrpSpPr/>
+          <p:nvPr/>
+        </p:nvGrpSpPr>
+        <p:grpSpPr>
+          <a:xfrm>
+            <a:off x="5818341" y="1644041"/>
+            <a:ext cx="2721519" cy="875365"/>
+            <a:chOff x="5775417" y="1644041"/>
+            <a:chExt cx="2721519" cy="875365"/>
+          </a:xfrm>
+        </p:grpSpPr>
+        <p:pic>
+          <p:nvPicPr>
+            <p:cNvPr id="50" name="Image 49">
+              <a:extLst>
+                <a:ext uri="{FF2B5EF4-FFF2-40B4-BE49-F238E27FC236}">
+                  <a16:creationId xmlns:a16="http://schemas.microsoft.com/office/drawing/2014/main" id="{5B8EFE3E-DA39-4BC4-872E-053332E12610}"/>
+                </a:ext>
+              </a:extLst>
+            </p:cNvPr>
+            <p:cNvPicPr>
+              <a:picLocks noChangeAspect="1"/>
+            </p:cNvPicPr>
+            <p:nvPr/>
+          </p:nvPicPr>
+          <p:blipFill rotWithShape="1">
+            <a:blip r:embed="rId7">
+              <a:extLst>
+                <a:ext uri="{28A0092B-C50C-407E-A947-70E740481C1C}">
+                  <a14:useLocalDpi xmlns:a14="http://schemas.microsoft.com/office/drawing/2010/main" val="0"/>
+                </a:ext>
+              </a:extLst>
+            </a:blip>
+            <a:srcRect l="8488" t="8764" r="7705" b="8295"/>
+            <a:stretch/>
+          </p:blipFill>
+          <p:spPr>
+            <a:xfrm>
+              <a:off x="5775417" y="1650582"/>
+              <a:ext cx="1815564" cy="862282"/>
+            </a:xfrm>
+            <a:prstGeom prst="rect">
+              <a:avLst/>
+            </a:prstGeom>
+          </p:spPr>
+        </p:pic>
+        <p:pic>
+          <p:nvPicPr>
+            <p:cNvPr id="54" name="Image 53">
+              <a:extLst>
+                <a:ext uri="{FF2B5EF4-FFF2-40B4-BE49-F238E27FC236}">
+                  <a16:creationId xmlns:a16="http://schemas.microsoft.com/office/drawing/2014/main" id="{694FB1B5-216D-4407-8613-3C47236CE3F5}"/>
+                </a:ext>
+              </a:extLst>
+            </p:cNvPr>
+            <p:cNvPicPr>
+              <a:picLocks noChangeAspect="1"/>
+            </p:cNvPicPr>
+            <p:nvPr/>
+          </p:nvPicPr>
+          <p:blipFill rotWithShape="1">
+            <a:blip r:embed="rId8">
+              <a:extLst>
+                <a:ext uri="{28A0092B-C50C-407E-A947-70E740481C1C}">
+                  <a14:useLocalDpi xmlns:a14="http://schemas.microsoft.com/office/drawing/2010/main" val="0"/>
+                </a:ext>
+              </a:extLst>
+            </a:blip>
+            <a:srcRect l="57808" t="6045" r="5642" b="8588"/>
+            <a:stretch/>
+          </p:blipFill>
+          <p:spPr>
+            <a:xfrm>
+              <a:off x="7694118" y="1644041"/>
+              <a:ext cx="802818" cy="875365"/>
+            </a:xfrm>
+            <a:prstGeom prst="rect">
+              <a:avLst/>
+            </a:prstGeom>
+          </p:spPr>
+        </p:pic>
+      </p:grpSp>
+      <p:sp>
+        <p:nvSpPr>
+          <p:cNvPr id="55" name="Rectangle : coins arrondis 54">
+            <a:extLst>
+              <a:ext uri="{FF2B5EF4-FFF2-40B4-BE49-F238E27FC236}">
+                <a16:creationId xmlns:a16="http://schemas.microsoft.com/office/drawing/2014/main" id="{35FD3BF5-F2E5-4BEA-A8A5-0834B29D0EE3}"/>
+              </a:ext>
+            </a:extLst>
+          </p:cNvPr>
+          <p:cNvSpPr/>
+          <p:nvPr/>
+        </p:nvSpPr>
+        <p:spPr>
+          <a:xfrm>
+            <a:off x="4230355" y="432794"/>
+            <a:ext cx="6629119" cy="5768410"/>
+          </a:xfrm>
+          <a:prstGeom prst="roundRect">
+            <a:avLst>
+              <a:gd name="adj" fmla="val 9381"/>
+            </a:avLst>
+          </a:prstGeom>
+          <a:noFill/>
+          <a:ln w="38100">
+            <a:solidFill>
+              <a:srgbClr val="7F7F7F"/>
+            </a:solidFill>
+          </a:ln>
+        </p:spPr>
+        <p:style>
+          <a:lnRef idx="2">
+            <a:schemeClr val="accent1">
+              <a:shade val="50000"/>
+            </a:schemeClr>
+          </a:lnRef>
+          <a:fillRef idx="1">
+            <a:schemeClr val="accent1"/>
+          </a:fillRef>
+          <a:effectRef idx="0">
+            <a:schemeClr val="accent1"/>
+          </a:effectRef>
+          <a:fontRef idx="minor">
+            <a:schemeClr val="lt1"/>
+          </a:fontRef>
+        </p:style>
+        <p:txBody>
+          <a:bodyPr rtlCol="0" anchor="ctr"/>
+          <a:lstStyle/>
+          <a:p>
+            <a:pPr algn="ctr"/>
+            <a:endParaRPr lang="fr-FR" dirty="0"/>
+          </a:p>
+        </p:txBody>
+      </p:sp>
+      <p:pic>
+        <p:nvPicPr>
+          <p:cNvPr id="59" name="Image 58">
+            <a:extLst>
+              <a:ext uri="{FF2B5EF4-FFF2-40B4-BE49-F238E27FC236}">
+                <a16:creationId xmlns:a16="http://schemas.microsoft.com/office/drawing/2014/main" id="{86A6FCC0-A301-45B0-963C-3A0F2CCAD834}"/>
+              </a:ext>
+            </a:extLst>
+          </p:cNvPr>
+          <p:cNvPicPr>
+            <a:picLocks noChangeAspect="1"/>
+          </p:cNvPicPr>
+          <p:nvPr/>
+        </p:nvPicPr>
+        <p:blipFill>
+          <a:blip r:embed="rId9">
+            <a:extLst>
+              <a:ext uri="{28A0092B-C50C-407E-A947-70E740481C1C}">
+                <a14:useLocalDpi xmlns:a14="http://schemas.microsoft.com/office/drawing/2010/main" val="0"/>
+              </a:ext>
+            </a:extLst>
+          </a:blip>
+          <a:stretch>
+            <a:fillRect/>
+          </a:stretch>
+        </p:blipFill>
+        <p:spPr>
+          <a:xfrm>
+            <a:off x="7732471" y="522709"/>
+            <a:ext cx="807389" cy="807389"/>
+          </a:xfrm>
+          <a:prstGeom prst="rect">
+            <a:avLst/>
+          </a:prstGeom>
+        </p:spPr>
+      </p:pic>
+      <p:sp>
+        <p:nvSpPr>
+          <p:cNvPr id="60" name="Rectangle : coins arrondis 59">
+            <a:extLst>
+              <a:ext uri="{FF2B5EF4-FFF2-40B4-BE49-F238E27FC236}">
+                <a16:creationId xmlns:a16="http://schemas.microsoft.com/office/drawing/2014/main" id="{53E00B5E-BF72-4D95-90D1-0AB71E12494D}"/>
+              </a:ext>
+            </a:extLst>
+          </p:cNvPr>
+          <p:cNvSpPr/>
+          <p:nvPr/>
+        </p:nvSpPr>
+        <p:spPr>
+          <a:xfrm>
+            <a:off x="959988" y="3671324"/>
+            <a:ext cx="1702882" cy="1617925"/>
+          </a:xfrm>
+          <a:prstGeom prst="roundRect">
+            <a:avLst>
+              <a:gd name="adj" fmla="val 9628"/>
+            </a:avLst>
+          </a:prstGeom>
+          <a:noFill/>
+          <a:ln w="38100">
+            <a:solidFill>
+              <a:schemeClr val="bg1">
+                <a:lumMod val="50000"/>
+              </a:schemeClr>
+            </a:solidFill>
+          </a:ln>
+        </p:spPr>
+        <p:style>
+          <a:lnRef idx="2">
+            <a:schemeClr val="accent1">
+              <a:shade val="50000"/>
+            </a:schemeClr>
+          </a:lnRef>
+          <a:fillRef idx="1">
+            <a:schemeClr val="accent1"/>
+          </a:fillRef>
+          <a:effectRef idx="0">
+            <a:schemeClr val="accent1"/>
+          </a:effectRef>
+          <a:fontRef idx="minor">
+            <a:schemeClr val="lt1"/>
+          </a:fontRef>
+        </p:style>
+        <p:txBody>
+          <a:bodyPr rtlCol="0" anchor="ctr"/>
+          <a:lstStyle/>
+          <a:p>
+            <a:pPr algn="ctr"/>
+            <a:endParaRPr lang="fr-FR" dirty="0"/>
+          </a:p>
+        </p:txBody>
+      </p:sp>
+      <p:sp>
+        <p:nvSpPr>
+          <p:cNvPr id="61" name="ZoneTexte 60">
+            <a:extLst>
+              <a:ext uri="{FF2B5EF4-FFF2-40B4-BE49-F238E27FC236}">
+                <a16:creationId xmlns:a16="http://schemas.microsoft.com/office/drawing/2014/main" id="{6758A5BF-AD4B-400F-A24B-B16F43C11E05}"/>
               </a:ext>
             </a:extLst>
           </p:cNvPr>
@@ -23896,39 +24849,418 @@
           <p:nvPr/>
         </p:nvSpPr>
         <p:spPr>
-          <a:xfrm rot="2853657">
-            <a:off x="7528034" y="1552903"/>
-            <a:ext cx="3237732" cy="1015663"/>
+          <a:xfrm>
+            <a:off x="1389679" y="3690730"/>
+            <a:ext cx="843501" cy="369332"/>
           </a:xfrm>
           <a:prstGeom prst="rect">
             <a:avLst/>
           </a:prstGeom>
           <a:noFill/>
-          <a:ln w="38100">
-            <a:solidFill>
-              <a:srgbClr val="FF0000"/>
-            </a:solidFill>
-            <a:prstDash val="lgDash"/>
-          </a:ln>
         </p:spPr>
         <p:txBody>
-          <a:bodyPr wrap="square" rtlCol="0">
+          <a:bodyPr wrap="none" rtlCol="0">
             <a:spAutoFit/>
           </a:bodyPr>
           <a:lstStyle/>
           <a:p>
-            <a:pPr algn="ctr"/>
-            <a:r>
-              <a:rPr lang="es-ES" sz="6000" b="1" dirty="0">
-                <a:solidFill>
-                  <a:srgbClr val="FF0000"/>
-                </a:solidFill>
-              </a:rPr>
-              <a:t>REVISAR</a:t>
-            </a:r>
-            <a:endParaRPr lang="fr-FR" sz="6000" b="1" dirty="0">
+            <a:r>
+              <a:rPr lang="es-ES" b="1" dirty="0">
+                <a:solidFill>
+                  <a:srgbClr val="7F7F7F"/>
+                </a:solidFill>
+              </a:rPr>
+              <a:t>CLIENT</a:t>
+            </a:r>
+            <a:endParaRPr lang="fr-FR" b="1" dirty="0">
               <a:solidFill>
-                <a:srgbClr val="FF0000"/>
+                <a:srgbClr val="7F7F7F"/>
+              </a:solidFill>
+            </a:endParaRPr>
+          </a:p>
+        </p:txBody>
+      </p:sp>
+      <p:pic>
+        <p:nvPicPr>
+          <p:cNvPr id="63" name="Image 62">
+            <a:extLst>
+              <a:ext uri="{FF2B5EF4-FFF2-40B4-BE49-F238E27FC236}">
+                <a16:creationId xmlns:a16="http://schemas.microsoft.com/office/drawing/2014/main" id="{D259D461-B1AA-4FC5-AE43-B496C218382E}"/>
+              </a:ext>
+            </a:extLst>
+          </p:cNvPr>
+          <p:cNvPicPr>
+            <a:picLocks noChangeAspect="1"/>
+          </p:cNvPicPr>
+          <p:nvPr/>
+        </p:nvPicPr>
+        <p:blipFill>
+          <a:blip r:embed="rId10">
+            <a:extLst>
+              <a:ext uri="{28A0092B-C50C-407E-A947-70E740481C1C}">
+                <a14:useLocalDpi xmlns:a14="http://schemas.microsoft.com/office/drawing/2010/main" val="0"/>
+              </a:ext>
+            </a:extLst>
+          </a:blip>
+          <a:stretch>
+            <a:fillRect/>
+          </a:stretch>
+        </p:blipFill>
+        <p:spPr>
+          <a:xfrm>
+            <a:off x="1332525" y="4142862"/>
+            <a:ext cx="957809" cy="957809"/>
+          </a:xfrm>
+          <a:prstGeom prst="rect">
+            <a:avLst/>
+          </a:prstGeom>
+        </p:spPr>
+      </p:pic>
+      <p:cxnSp>
+        <p:nvCxnSpPr>
+          <p:cNvPr id="65" name="Connecteur droit avec flèche 64">
+            <a:extLst>
+              <a:ext uri="{FF2B5EF4-FFF2-40B4-BE49-F238E27FC236}">
+                <a16:creationId xmlns:a16="http://schemas.microsoft.com/office/drawing/2014/main" id="{C7BC5982-110F-4C8E-B45B-1513EC557107}"/>
+              </a:ext>
+            </a:extLst>
+          </p:cNvPr>
+          <p:cNvCxnSpPr/>
+          <p:nvPr/>
+        </p:nvCxnSpPr>
+        <p:spPr>
+          <a:xfrm>
+            <a:off x="2678172" y="4326144"/>
+            <a:ext cx="1552184" cy="0"/>
+          </a:xfrm>
+          <a:prstGeom prst="straightConnector1">
+            <a:avLst/>
+          </a:prstGeom>
+          <a:ln w="28575">
+            <a:solidFill>
+              <a:srgbClr val="FF8C8C"/>
+            </a:solidFill>
+            <a:tailEnd type="triangle"/>
+          </a:ln>
+        </p:spPr>
+        <p:style>
+          <a:lnRef idx="1">
+            <a:schemeClr val="accent1"/>
+          </a:lnRef>
+          <a:fillRef idx="0">
+            <a:schemeClr val="accent1"/>
+          </a:fillRef>
+          <a:effectRef idx="0">
+            <a:schemeClr val="accent1"/>
+          </a:effectRef>
+          <a:fontRef idx="minor">
+            <a:schemeClr val="tx1"/>
+          </a:fontRef>
+        </p:style>
+      </p:cxnSp>
+      <p:cxnSp>
+        <p:nvCxnSpPr>
+          <p:cNvPr id="68" name="Connecteur droit avec flèche 67">
+            <a:extLst>
+              <a:ext uri="{FF2B5EF4-FFF2-40B4-BE49-F238E27FC236}">
+                <a16:creationId xmlns:a16="http://schemas.microsoft.com/office/drawing/2014/main" id="{DA75B7C4-5978-4C8A-B1A7-C36ECC7ABE53}"/>
+              </a:ext>
+            </a:extLst>
+          </p:cNvPr>
+          <p:cNvCxnSpPr>
+            <a:cxnSpLocks/>
+          </p:cNvCxnSpPr>
+          <p:nvPr/>
+        </p:nvCxnSpPr>
+        <p:spPr>
+          <a:xfrm flipH="1">
+            <a:off x="2662870" y="4777016"/>
+            <a:ext cx="1536937" cy="0"/>
+          </a:xfrm>
+          <a:prstGeom prst="straightConnector1">
+            <a:avLst/>
+          </a:prstGeom>
+          <a:ln w="28575">
+            <a:solidFill>
+              <a:srgbClr val="FF8C8C"/>
+            </a:solidFill>
+            <a:tailEnd type="triangle"/>
+          </a:ln>
+        </p:spPr>
+        <p:style>
+          <a:lnRef idx="1">
+            <a:schemeClr val="accent1"/>
+          </a:lnRef>
+          <a:fillRef idx="0">
+            <a:schemeClr val="accent1"/>
+          </a:fillRef>
+          <a:effectRef idx="0">
+            <a:schemeClr val="accent1"/>
+          </a:effectRef>
+          <a:fontRef idx="minor">
+            <a:schemeClr val="tx1"/>
+          </a:fontRef>
+        </p:style>
+      </p:cxnSp>
+      <p:sp>
+        <p:nvSpPr>
+          <p:cNvPr id="69" name="ZoneTexte 68">
+            <a:extLst>
+              <a:ext uri="{FF2B5EF4-FFF2-40B4-BE49-F238E27FC236}">
+                <a16:creationId xmlns:a16="http://schemas.microsoft.com/office/drawing/2014/main" id="{46B5C098-02C1-4B96-BD36-8266B822A0E6}"/>
+              </a:ext>
+            </a:extLst>
+          </p:cNvPr>
+          <p:cNvSpPr txBox="1"/>
+          <p:nvPr/>
+        </p:nvSpPr>
+        <p:spPr>
+          <a:xfrm>
+            <a:off x="2983184" y="4033549"/>
+            <a:ext cx="926857" cy="307777"/>
+          </a:xfrm>
+          <a:prstGeom prst="rect">
+            <a:avLst/>
+          </a:prstGeom>
+          <a:noFill/>
+        </p:spPr>
+        <p:txBody>
+          <a:bodyPr wrap="none" rtlCol="0">
+            <a:spAutoFit/>
+          </a:bodyPr>
+          <a:lstStyle/>
+          <a:p>
+            <a:r>
+              <a:rPr lang="es-ES" sz="1400" b="1" dirty="0">
+                <a:solidFill>
+                  <a:srgbClr val="FF8C8C"/>
+                </a:solidFill>
+              </a:rPr>
+              <a:t>0.0.0.0:80</a:t>
+            </a:r>
+            <a:endParaRPr lang="fr-FR" sz="1400" b="1" dirty="0">
+              <a:solidFill>
+                <a:srgbClr val="FF8C8C"/>
+              </a:solidFill>
+            </a:endParaRPr>
+          </a:p>
+        </p:txBody>
+      </p:sp>
+      <p:sp>
+        <p:nvSpPr>
+          <p:cNvPr id="70" name="ZoneTexte 69">
+            <a:extLst>
+              <a:ext uri="{FF2B5EF4-FFF2-40B4-BE49-F238E27FC236}">
+                <a16:creationId xmlns:a16="http://schemas.microsoft.com/office/drawing/2014/main" id="{F5AB2BE8-197E-4D0C-BBF1-49048DE1F7C5}"/>
+              </a:ext>
+            </a:extLst>
+          </p:cNvPr>
+          <p:cNvSpPr txBox="1"/>
+          <p:nvPr/>
+        </p:nvSpPr>
+        <p:spPr>
+          <a:xfrm>
+            <a:off x="2990836" y="4491746"/>
+            <a:ext cx="926857" cy="307777"/>
+          </a:xfrm>
+          <a:prstGeom prst="rect">
+            <a:avLst/>
+          </a:prstGeom>
+          <a:noFill/>
+        </p:spPr>
+        <p:txBody>
+          <a:bodyPr wrap="none" rtlCol="0">
+            <a:spAutoFit/>
+          </a:bodyPr>
+          <a:lstStyle/>
+          <a:p>
+            <a:r>
+              <a:rPr lang="es-ES" sz="1400" b="1" dirty="0">
+                <a:solidFill>
+                  <a:srgbClr val="FF8C8C"/>
+                </a:solidFill>
+              </a:rPr>
+              <a:t>0.0.0.0:80</a:t>
+            </a:r>
+            <a:endParaRPr lang="fr-FR" sz="1400" b="1" dirty="0">
+              <a:solidFill>
+                <a:srgbClr val="FF8C8C"/>
+              </a:solidFill>
+            </a:endParaRPr>
+          </a:p>
+        </p:txBody>
+      </p:sp>
+      <p:sp>
+        <p:nvSpPr>
+          <p:cNvPr id="76" name="ZoneTexte 75">
+            <a:extLst>
+              <a:ext uri="{FF2B5EF4-FFF2-40B4-BE49-F238E27FC236}">
+                <a16:creationId xmlns:a16="http://schemas.microsoft.com/office/drawing/2014/main" id="{4449935E-0D71-4B59-848F-AECE4BAE5318}"/>
+              </a:ext>
+            </a:extLst>
+          </p:cNvPr>
+          <p:cNvSpPr txBox="1"/>
+          <p:nvPr/>
+        </p:nvSpPr>
+        <p:spPr>
+          <a:xfrm>
+            <a:off x="6884576" y="4044348"/>
+            <a:ext cx="1109599" cy="307777"/>
+          </a:xfrm>
+          <a:prstGeom prst="rect">
+            <a:avLst/>
+          </a:prstGeom>
+          <a:noFill/>
+        </p:spPr>
+        <p:txBody>
+          <a:bodyPr wrap="none" rtlCol="0">
+            <a:spAutoFit/>
+          </a:bodyPr>
+          <a:lstStyle/>
+          <a:p>
+            <a:r>
+              <a:rPr lang="es-ES" sz="1400" b="1" dirty="0">
+                <a:solidFill>
+                  <a:srgbClr val="009789"/>
+                </a:solidFill>
+              </a:rPr>
+              <a:t>0.0.0.0:8008</a:t>
+            </a:r>
+            <a:endParaRPr lang="fr-FR" sz="1400" b="1" dirty="0">
+              <a:solidFill>
+                <a:srgbClr val="009789"/>
+              </a:solidFill>
+            </a:endParaRPr>
+          </a:p>
+        </p:txBody>
+      </p:sp>
+      <p:cxnSp>
+        <p:nvCxnSpPr>
+          <p:cNvPr id="77" name="Connecteur droit avec flèche 76">
+            <a:extLst>
+              <a:ext uri="{FF2B5EF4-FFF2-40B4-BE49-F238E27FC236}">
+                <a16:creationId xmlns:a16="http://schemas.microsoft.com/office/drawing/2014/main" id="{2F422471-803F-4A43-874F-4E0AB871C87F}"/>
+              </a:ext>
+            </a:extLst>
+          </p:cNvPr>
+          <p:cNvCxnSpPr>
+            <a:cxnSpLocks/>
+          </p:cNvCxnSpPr>
+          <p:nvPr/>
+        </p:nvCxnSpPr>
+        <p:spPr>
+          <a:xfrm>
+            <a:off x="6857855" y="4331278"/>
+            <a:ext cx="1166178" cy="0"/>
+          </a:xfrm>
+          <a:prstGeom prst="straightConnector1">
+            <a:avLst/>
+          </a:prstGeom>
+          <a:ln w="28575">
+            <a:solidFill>
+              <a:srgbClr val="47B3AA"/>
+            </a:solidFill>
+            <a:tailEnd type="triangle"/>
+          </a:ln>
+        </p:spPr>
+        <p:style>
+          <a:lnRef idx="1">
+            <a:schemeClr val="accent1"/>
+          </a:lnRef>
+          <a:fillRef idx="0">
+            <a:schemeClr val="accent1"/>
+          </a:fillRef>
+          <a:effectRef idx="0">
+            <a:schemeClr val="accent1"/>
+          </a:effectRef>
+          <a:fontRef idx="minor">
+            <a:schemeClr val="tx1"/>
+          </a:fontRef>
+        </p:style>
+      </p:cxnSp>
+      <p:cxnSp>
+        <p:nvCxnSpPr>
+          <p:cNvPr id="78" name="Connecteur droit avec flèche 77">
+            <a:extLst>
+              <a:ext uri="{FF2B5EF4-FFF2-40B4-BE49-F238E27FC236}">
+                <a16:creationId xmlns:a16="http://schemas.microsoft.com/office/drawing/2014/main" id="{296D69D8-A557-4949-A047-32936419890A}"/>
+              </a:ext>
+            </a:extLst>
+          </p:cNvPr>
+          <p:cNvCxnSpPr>
+            <a:cxnSpLocks/>
+          </p:cNvCxnSpPr>
+          <p:nvPr/>
+        </p:nvCxnSpPr>
+        <p:spPr>
+          <a:xfrm flipH="1">
+            <a:off x="6855573" y="4777016"/>
+            <a:ext cx="1154723" cy="0"/>
+          </a:xfrm>
+          <a:prstGeom prst="straightConnector1">
+            <a:avLst/>
+          </a:prstGeom>
+          <a:ln w="28575">
+            <a:solidFill>
+              <a:srgbClr val="47B3AA"/>
+            </a:solidFill>
+            <a:tailEnd type="triangle"/>
+          </a:ln>
+        </p:spPr>
+        <p:style>
+          <a:lnRef idx="1">
+            <a:schemeClr val="accent1"/>
+          </a:lnRef>
+          <a:fillRef idx="0">
+            <a:schemeClr val="accent1"/>
+          </a:fillRef>
+          <a:effectRef idx="0">
+            <a:schemeClr val="accent1"/>
+          </a:effectRef>
+          <a:fontRef idx="minor">
+            <a:schemeClr val="tx1"/>
+          </a:fontRef>
+        </p:style>
+      </p:cxnSp>
+      <p:sp>
+        <p:nvSpPr>
+          <p:cNvPr id="81" name="ZoneTexte 80">
+            <a:extLst>
+              <a:ext uri="{FF2B5EF4-FFF2-40B4-BE49-F238E27FC236}">
+                <a16:creationId xmlns:a16="http://schemas.microsoft.com/office/drawing/2014/main" id="{D12D7E22-B087-4A60-BB6E-D4E15AC0256D}"/>
+              </a:ext>
+            </a:extLst>
+          </p:cNvPr>
+          <p:cNvSpPr txBox="1"/>
+          <p:nvPr/>
+        </p:nvSpPr>
+        <p:spPr>
+          <a:xfrm>
+            <a:off x="6907341" y="4480116"/>
+            <a:ext cx="1109599" cy="307777"/>
+          </a:xfrm>
+          <a:prstGeom prst="rect">
+            <a:avLst/>
+          </a:prstGeom>
+          <a:noFill/>
+        </p:spPr>
+        <p:txBody>
+          <a:bodyPr wrap="none" rtlCol="0">
+            <a:spAutoFit/>
+          </a:bodyPr>
+          <a:lstStyle/>
+          <a:p>
+            <a:r>
+              <a:rPr lang="es-ES" sz="1400" b="1" dirty="0">
+                <a:solidFill>
+                  <a:srgbClr val="009789"/>
+                </a:solidFill>
+              </a:rPr>
+              <a:t>0.0.0.0:8008</a:t>
+            </a:r>
+            <a:endParaRPr lang="fr-FR" sz="1400" b="1" dirty="0">
+              <a:solidFill>
+                <a:srgbClr val="009789"/>
               </a:solidFill>
             </a:endParaRPr>
           </a:p>
@@ -23964,74 +25296,6 @@
           <a:chExt cx="0" cy="0"/>
         </a:xfrm>
       </p:grpSpPr>
-      <p:sp>
-        <p:nvSpPr>
-          <p:cNvPr id="12" name="ZoneTexte 11">
-            <a:extLst>
-              <a:ext uri="{FF2B5EF4-FFF2-40B4-BE49-F238E27FC236}">
-                <a16:creationId xmlns:a16="http://schemas.microsoft.com/office/drawing/2014/main" id="{D7C8F010-0264-41F8-A7F2-98F8DBFDEECA}"/>
-              </a:ext>
-            </a:extLst>
-          </p:cNvPr>
-          <p:cNvSpPr txBox="1"/>
-          <p:nvPr/>
-        </p:nvSpPr>
-        <p:spPr>
-          <a:xfrm>
-            <a:off x="8853544" y="1110241"/>
-            <a:ext cx="3338455" cy="400110"/>
-          </a:xfrm>
-          <a:prstGeom prst="rect">
-            <a:avLst/>
-          </a:prstGeom>
-          <a:solidFill>
-            <a:srgbClr val="00B050"/>
-          </a:solidFill>
-          <a:ln>
-            <a:solidFill>
-              <a:srgbClr val="00B050"/>
-            </a:solidFill>
-          </a:ln>
-        </p:spPr>
-        <p:txBody>
-          <a:bodyPr wrap="square">
-            <a:spAutoFit/>
-          </a:bodyPr>
-          <a:lstStyle/>
-          <a:p>
-            <a:pPr algn="r"/>
-            <a:r>
-              <a:rPr lang="fr-FR" sz="2000" b="1" i="1" dirty="0">
-                <a:ln>
-                  <a:solidFill>
-                    <a:schemeClr val="bg1"/>
-                  </a:solidFill>
-                </a:ln>
-                <a:solidFill>
-                  <a:schemeClr val="bg1"/>
-                </a:solidFill>
-                <a:latin typeface="docs-Roboto"/>
-              </a:rPr>
-              <a:t>Client avec crédit accepté</a:t>
-            </a:r>
-            <a:endParaRPr lang="fr-FR" sz="1200" b="1" i="1" dirty="0">
-              <a:ln>
-                <a:solidFill>
-                  <a:schemeClr val="bg1">
-                    <a:lumMod val="85000"/>
-                  </a:schemeClr>
-                </a:solidFill>
-              </a:ln>
-              <a:solidFill>
-                <a:schemeClr val="bg1">
-                  <a:lumMod val="85000"/>
-                </a:schemeClr>
-              </a:solidFill>
-              <a:latin typeface="Google Sans"/>
-            </a:endParaRPr>
-          </a:p>
-        </p:txBody>
-      </p:sp>
       <p:sp>
         <p:nvSpPr>
           <p:cNvPr id="5" name="Rectangle 4">
@@ -24191,6 +25455,20 @@
           </a:lstStyle>
           <a:p>
             <a:r>
+              <a:rPr lang="fr-FR" sz="4000" b="1" dirty="0" err="1">
+                <a:ln>
+                  <a:solidFill>
+                    <a:srgbClr val="7451EB"/>
+                  </a:solidFill>
+                </a:ln>
+                <a:solidFill>
+                  <a:srgbClr val="7451EB"/>
+                </a:solidFill>
+                <a:latin typeface="Google Sans"/>
+              </a:rPr>
+              <a:t>EndPoints</a:t>
+            </a:r>
+            <a:r>
               <a:rPr lang="fr-FR" sz="4000" b="1" dirty="0">
                 <a:ln>
                   <a:solidFill>
@@ -24202,7 +25480,7 @@
                 </a:solidFill>
                 <a:latin typeface="Google Sans"/>
               </a:rPr>
-              <a:t>Tableau de bord</a:t>
+              <a:t> - API</a:t>
             </a:r>
           </a:p>
         </p:txBody>
@@ -24356,10 +25634,10 @@
       </p:sp>
       <p:pic>
         <p:nvPicPr>
-          <p:cNvPr id="3" name="Image 2">
-            <a:extLst>
-              <a:ext uri="{FF2B5EF4-FFF2-40B4-BE49-F238E27FC236}">
-                <a16:creationId xmlns:a16="http://schemas.microsoft.com/office/drawing/2014/main" id="{DCBCDDA3-B501-4CB0-AAC8-4BA8B2D90722}"/>
+          <p:cNvPr id="14" name="Image 13">
+            <a:extLst>
+              <a:ext uri="{FF2B5EF4-FFF2-40B4-BE49-F238E27FC236}">
+                <a16:creationId xmlns:a16="http://schemas.microsoft.com/office/drawing/2014/main" id="{6BD876D7-51F5-46BE-AC29-C9B825092F61}"/>
               </a:ext>
             </a:extLst>
           </p:cNvPr>
@@ -24368,16 +25646,21 @@
           </p:cNvPicPr>
           <p:nvPr/>
         </p:nvPicPr>
-        <p:blipFill>
-          <a:blip r:embed="rId3"/>
-          <a:stretch>
-            <a:fillRect/>
-          </a:stretch>
+        <p:blipFill rotWithShape="1">
+          <a:blip r:embed="rId3">
+            <a:extLst>
+              <a:ext uri="{28A0092B-C50C-407E-A947-70E740481C1C}">
+                <a14:useLocalDpi xmlns:a14="http://schemas.microsoft.com/office/drawing/2010/main" val="0"/>
+              </a:ext>
+            </a:extLst>
+          </a:blip>
+          <a:srcRect l="11291" t="3910" r="11814" b="1935"/>
+          <a:stretch/>
         </p:blipFill>
         <p:spPr>
           <a:xfrm>
-            <a:off x="669796" y="1204205"/>
-            <a:ext cx="5426203" cy="3102721"/>
+            <a:off x="377906" y="1262464"/>
+            <a:ext cx="7561677" cy="4441371"/>
           </a:xfrm>
           <a:prstGeom prst="rect">
             <a:avLst/>
@@ -24396,10 +25679,10 @@
       </p:pic>
       <p:pic>
         <p:nvPicPr>
-          <p:cNvPr id="7" name="Image 6">
-            <a:extLst>
-              <a:ext uri="{FF2B5EF4-FFF2-40B4-BE49-F238E27FC236}">
-                <a16:creationId xmlns:a16="http://schemas.microsoft.com/office/drawing/2014/main" id="{C9819D2C-220C-4CA5-A0D1-100BA0A7FDBF}"/>
+          <p:cNvPr id="18" name="Image 17">
+            <a:extLst>
+              <a:ext uri="{FF2B5EF4-FFF2-40B4-BE49-F238E27FC236}">
+                <a16:creationId xmlns:a16="http://schemas.microsoft.com/office/drawing/2014/main" id="{B9472AE5-A3E8-4949-86F3-49ED55A6741F}"/>
               </a:ext>
             </a:extLst>
           </p:cNvPr>
@@ -24409,47 +25692,7 @@
           <p:nvPr/>
         </p:nvPicPr>
         <p:blipFill>
-          <a:blip r:embed="rId4"/>
-          <a:stretch>
-            <a:fillRect/>
-          </a:stretch>
-        </p:blipFill>
-        <p:spPr>
-          <a:xfrm>
-            <a:off x="6269533" y="2894532"/>
-            <a:ext cx="5426203" cy="3041857"/>
-          </a:xfrm>
-          <a:prstGeom prst="rect">
-            <a:avLst/>
-          </a:prstGeom>
-          <a:ln>
-            <a:noFill/>
-          </a:ln>
-          <a:effectLst>
-            <a:outerShdw blurRad="292100" dist="139700" dir="2700000" algn="tl" rotWithShape="0">
-              <a:srgbClr val="333333">
-                <a:alpha val="65000"/>
-              </a:srgbClr>
-            </a:outerShdw>
-          </a:effectLst>
-        </p:spPr>
-      </p:pic>
-      <p:pic>
-        <p:nvPicPr>
-          <p:cNvPr id="13" name="Image 12">
-            <a:extLst>
-              <a:ext uri="{FF2B5EF4-FFF2-40B4-BE49-F238E27FC236}">
-                <a16:creationId xmlns:a16="http://schemas.microsoft.com/office/drawing/2014/main" id="{F946367D-345D-475E-9DEF-C7E66DFBFB06}"/>
-              </a:ext>
-            </a:extLst>
-          </p:cNvPr>
-          <p:cNvPicPr>
-            <a:picLocks noChangeAspect="1"/>
-          </p:cNvPicPr>
-          <p:nvPr/>
-        </p:nvPicPr>
-        <p:blipFill>
-          <a:blip r:embed="rId5">
+          <a:blip r:embed="rId4">
             <a:extLst>
               <a:ext uri="{28A0092B-C50C-407E-A947-70E740481C1C}">
                 <a14:useLocalDpi xmlns:a14="http://schemas.microsoft.com/office/drawing/2010/main" val="0"/>
@@ -24462,7 +25705,7 @@
         </p:blipFill>
         <p:spPr>
           <a:xfrm>
-            <a:off x="279917" y="6042797"/>
+            <a:off x="11670094" y="6015804"/>
             <a:ext cx="288000" cy="288000"/>
           </a:xfrm>
           <a:prstGeom prst="rect">
@@ -24472,10 +25715,10 @@
       </p:pic>
       <p:sp>
         <p:nvSpPr>
-          <p:cNvPr id="14" name="ZoneTexte 13">
-            <a:extLst>
-              <a:ext uri="{FF2B5EF4-FFF2-40B4-BE49-F238E27FC236}">
-                <a16:creationId xmlns:a16="http://schemas.microsoft.com/office/drawing/2014/main" id="{832B6571-D09E-4355-9CF2-F1B0D52CC4B3}"/>
+          <p:cNvPr id="52" name="ZoneTexte 51">
+            <a:extLst>
+              <a:ext uri="{FF2B5EF4-FFF2-40B4-BE49-F238E27FC236}">
+                <a16:creationId xmlns:a16="http://schemas.microsoft.com/office/drawing/2014/main" id="{54B6CE23-020D-46C0-9F9A-DA41210608F4}"/>
               </a:ext>
             </a:extLst>
           </p:cNvPr>
@@ -24484,8 +25727,8 @@
         </p:nvSpPr>
         <p:spPr>
           <a:xfrm>
-            <a:off x="561266" y="6032908"/>
-            <a:ext cx="3963521" cy="307777"/>
+            <a:off x="6742444" y="5993277"/>
+            <a:ext cx="4933091" cy="307777"/>
           </a:xfrm>
           <a:prstGeom prst="rect">
             <a:avLst/>
@@ -24498,25 +25741,36 @@
           </a:bodyPr>
           <a:lstStyle/>
           <a:p>
-            <a:r>
-              <a:rPr lang="fr-FR" sz="1400" b="1" dirty="0">
+            <a:pPr algn="r"/>
+            <a:r>
+              <a:rPr lang="fr-FR" sz="1400" b="1" dirty="0" err="1">
                 <a:solidFill>
                   <a:schemeClr val="bg1">
                     <a:lumMod val="75000"/>
                   </a:schemeClr>
                 </a:solidFill>
               </a:rPr>
-              <a:t>Dashboard: </a:t>
-            </a:r>
-            <a:r>
-              <a:rPr lang="fr-FR" sz="1400" i="1" dirty="0">
+              <a:t>Swagger</a:t>
+            </a:r>
+            <a:r>
+              <a:rPr lang="fr-FR" sz="1400" b="1" dirty="0">
                 <a:solidFill>
                   <a:schemeClr val="bg1">
                     <a:lumMod val="75000"/>
                   </a:schemeClr>
                 </a:solidFill>
               </a:rPr>
-              <a:t>http://home-credit.samirhinojosa.com</a:t>
+              <a:t> : </a:t>
+            </a:r>
+            <a:r>
+              <a:rPr lang="fr-FR" sz="1400" i="1" dirty="0">
+                <a:solidFill>
+                  <a:schemeClr val="bg1">
+                    <a:lumMod val="75000"/>
+                  </a:schemeClr>
+                </a:solidFill>
+              </a:rPr>
+              <a:t>http://home-credit.samirhinojosa.com:8008/docs</a:t>
             </a:r>
           </a:p>
         </p:txBody>
@@ -24524,7 +25778,7 @@
     </p:spTree>
     <p:extLst>
       <p:ext uri="{BB962C8B-B14F-4D97-AF65-F5344CB8AC3E}">
-        <p14:creationId xmlns:p14="http://schemas.microsoft.com/office/powerpoint/2010/main" val="940881373"/>
+        <p14:creationId xmlns:p14="http://schemas.microsoft.com/office/powerpoint/2010/main" val="772322154"/>
       </p:ext>
     </p:extLst>
   </p:cSld>
@@ -24551,46 +25805,74 @@
           <a:chExt cx="0" cy="0"/>
         </a:xfrm>
       </p:grpSpPr>
-      <p:pic>
-        <p:nvPicPr>
-          <p:cNvPr id="13" name="Image 12">
-            <a:extLst>
-              <a:ext uri="{FF2B5EF4-FFF2-40B4-BE49-F238E27FC236}">
-                <a16:creationId xmlns:a16="http://schemas.microsoft.com/office/drawing/2014/main" id="{18D337F2-6752-41B5-9F73-1C9BFE3529BC}"/>
-              </a:ext>
-            </a:extLst>
-          </p:cNvPr>
-          <p:cNvPicPr>
-            <a:picLocks noChangeAspect="1"/>
-          </p:cNvPicPr>
+      <p:sp>
+        <p:nvSpPr>
+          <p:cNvPr id="12" name="ZoneTexte 11">
+            <a:extLst>
+              <a:ext uri="{FF2B5EF4-FFF2-40B4-BE49-F238E27FC236}">
+                <a16:creationId xmlns:a16="http://schemas.microsoft.com/office/drawing/2014/main" id="{D7C8F010-0264-41F8-A7F2-98F8DBFDEECA}"/>
+              </a:ext>
+            </a:extLst>
+          </p:cNvPr>
+          <p:cNvSpPr txBox="1"/>
           <p:nvPr/>
-        </p:nvPicPr>
-        <p:blipFill>
-          <a:blip r:embed="rId3"/>
-          <a:stretch>
-            <a:fillRect/>
-          </a:stretch>
-        </p:blipFill>
+        </p:nvSpPr>
         <p:spPr>
           <a:xfrm>
-            <a:off x="669796" y="1185217"/>
-            <a:ext cx="5426203" cy="3154256"/>
+            <a:off x="8853544" y="1110241"/>
+            <a:ext cx="3338455" cy="400110"/>
           </a:xfrm>
           <a:prstGeom prst="rect">
             <a:avLst/>
           </a:prstGeom>
+          <a:solidFill>
+            <a:srgbClr val="00B050"/>
+          </a:solidFill>
           <a:ln>
-            <a:noFill/>
+            <a:solidFill>
+              <a:srgbClr val="00B050"/>
+            </a:solidFill>
           </a:ln>
-          <a:effectLst>
-            <a:outerShdw blurRad="292100" dist="139700" dir="2700000" algn="tl" rotWithShape="0">
-              <a:srgbClr val="333333">
-                <a:alpha val="65000"/>
-              </a:srgbClr>
-            </a:outerShdw>
-          </a:effectLst>
         </p:spPr>
-      </p:pic>
+        <p:txBody>
+          <a:bodyPr wrap="square">
+            <a:spAutoFit/>
+          </a:bodyPr>
+          <a:lstStyle/>
+          <a:p>
+            <a:pPr algn="r"/>
+            <a:r>
+              <a:rPr lang="fr-FR" sz="2000" b="1" i="1" dirty="0">
+                <a:ln>
+                  <a:solidFill>
+                    <a:schemeClr val="bg1"/>
+                  </a:solidFill>
+                </a:ln>
+                <a:solidFill>
+                  <a:schemeClr val="bg1"/>
+                </a:solidFill>
+                <a:latin typeface="docs-Roboto"/>
+              </a:rPr>
+              <a:t>Client avec crédit accepté</a:t>
+            </a:r>
+            <a:endParaRPr lang="fr-FR" sz="1200" b="1" i="1" dirty="0">
+              <a:ln>
+                <a:solidFill>
+                  <a:schemeClr val="bg1">
+                    <a:lumMod val="85000"/>
+                  </a:schemeClr>
+                </a:solidFill>
+              </a:ln>
+              <a:solidFill>
+                <a:schemeClr val="bg1">
+                  <a:lumMod val="85000"/>
+                </a:schemeClr>
+              </a:solidFill>
+              <a:latin typeface="Google Sans"/>
+            </a:endParaRPr>
+          </a:p>
+        </p:txBody>
+      </p:sp>
       <p:sp>
         <p:nvSpPr>
           <p:cNvPr id="5" name="Rectangle 4">
@@ -24915,6 +26197,565 @@
       </p:sp>
       <p:pic>
         <p:nvPicPr>
+          <p:cNvPr id="3" name="Image 2">
+            <a:extLst>
+              <a:ext uri="{FF2B5EF4-FFF2-40B4-BE49-F238E27FC236}">
+                <a16:creationId xmlns:a16="http://schemas.microsoft.com/office/drawing/2014/main" id="{DCBCDDA3-B501-4CB0-AAC8-4BA8B2D90722}"/>
+              </a:ext>
+            </a:extLst>
+          </p:cNvPr>
+          <p:cNvPicPr>
+            <a:picLocks noChangeAspect="1"/>
+          </p:cNvPicPr>
+          <p:nvPr/>
+        </p:nvPicPr>
+        <p:blipFill>
+          <a:blip r:embed="rId3"/>
+          <a:stretch>
+            <a:fillRect/>
+          </a:stretch>
+        </p:blipFill>
+        <p:spPr>
+          <a:xfrm>
+            <a:off x="669796" y="1204205"/>
+            <a:ext cx="5426203" cy="3102721"/>
+          </a:xfrm>
+          <a:prstGeom prst="rect">
+            <a:avLst/>
+          </a:prstGeom>
+          <a:ln>
+            <a:noFill/>
+          </a:ln>
+          <a:effectLst>
+            <a:outerShdw blurRad="292100" dist="139700" dir="2700000" algn="tl" rotWithShape="0">
+              <a:srgbClr val="333333">
+                <a:alpha val="65000"/>
+              </a:srgbClr>
+            </a:outerShdw>
+          </a:effectLst>
+        </p:spPr>
+      </p:pic>
+      <p:pic>
+        <p:nvPicPr>
+          <p:cNvPr id="7" name="Image 6">
+            <a:extLst>
+              <a:ext uri="{FF2B5EF4-FFF2-40B4-BE49-F238E27FC236}">
+                <a16:creationId xmlns:a16="http://schemas.microsoft.com/office/drawing/2014/main" id="{C9819D2C-220C-4CA5-A0D1-100BA0A7FDBF}"/>
+              </a:ext>
+            </a:extLst>
+          </p:cNvPr>
+          <p:cNvPicPr>
+            <a:picLocks noChangeAspect="1"/>
+          </p:cNvPicPr>
+          <p:nvPr/>
+        </p:nvPicPr>
+        <p:blipFill>
+          <a:blip r:embed="rId4"/>
+          <a:stretch>
+            <a:fillRect/>
+          </a:stretch>
+        </p:blipFill>
+        <p:spPr>
+          <a:xfrm>
+            <a:off x="6269533" y="2894532"/>
+            <a:ext cx="5426203" cy="3041857"/>
+          </a:xfrm>
+          <a:prstGeom prst="rect">
+            <a:avLst/>
+          </a:prstGeom>
+          <a:ln>
+            <a:noFill/>
+          </a:ln>
+          <a:effectLst>
+            <a:outerShdw blurRad="292100" dist="139700" dir="2700000" algn="tl" rotWithShape="0">
+              <a:srgbClr val="333333">
+                <a:alpha val="65000"/>
+              </a:srgbClr>
+            </a:outerShdw>
+          </a:effectLst>
+        </p:spPr>
+      </p:pic>
+      <p:pic>
+        <p:nvPicPr>
+          <p:cNvPr id="13" name="Image 12">
+            <a:extLst>
+              <a:ext uri="{FF2B5EF4-FFF2-40B4-BE49-F238E27FC236}">
+                <a16:creationId xmlns:a16="http://schemas.microsoft.com/office/drawing/2014/main" id="{F946367D-345D-475E-9DEF-C7E66DFBFB06}"/>
+              </a:ext>
+            </a:extLst>
+          </p:cNvPr>
+          <p:cNvPicPr>
+            <a:picLocks noChangeAspect="1"/>
+          </p:cNvPicPr>
+          <p:nvPr/>
+        </p:nvPicPr>
+        <p:blipFill>
+          <a:blip r:embed="rId5">
+            <a:extLst>
+              <a:ext uri="{28A0092B-C50C-407E-A947-70E740481C1C}">
+                <a14:useLocalDpi xmlns:a14="http://schemas.microsoft.com/office/drawing/2010/main" val="0"/>
+              </a:ext>
+            </a:extLst>
+          </a:blip>
+          <a:stretch>
+            <a:fillRect/>
+          </a:stretch>
+        </p:blipFill>
+        <p:spPr>
+          <a:xfrm>
+            <a:off x="279917" y="6042797"/>
+            <a:ext cx="288000" cy="288000"/>
+          </a:xfrm>
+          <a:prstGeom prst="rect">
+            <a:avLst/>
+          </a:prstGeom>
+        </p:spPr>
+      </p:pic>
+      <p:sp>
+        <p:nvSpPr>
+          <p:cNvPr id="14" name="ZoneTexte 13">
+            <a:extLst>
+              <a:ext uri="{FF2B5EF4-FFF2-40B4-BE49-F238E27FC236}">
+                <a16:creationId xmlns:a16="http://schemas.microsoft.com/office/drawing/2014/main" id="{832B6571-D09E-4355-9CF2-F1B0D52CC4B3}"/>
+              </a:ext>
+            </a:extLst>
+          </p:cNvPr>
+          <p:cNvSpPr txBox="1"/>
+          <p:nvPr/>
+        </p:nvSpPr>
+        <p:spPr>
+          <a:xfrm>
+            <a:off x="561266" y="6032908"/>
+            <a:ext cx="3963521" cy="307777"/>
+          </a:xfrm>
+          <a:prstGeom prst="rect">
+            <a:avLst/>
+          </a:prstGeom>
+          <a:noFill/>
+        </p:spPr>
+        <p:txBody>
+          <a:bodyPr wrap="square">
+            <a:spAutoFit/>
+          </a:bodyPr>
+          <a:lstStyle/>
+          <a:p>
+            <a:r>
+              <a:rPr lang="fr-FR" sz="1400" b="1" dirty="0">
+                <a:solidFill>
+                  <a:schemeClr val="bg1">
+                    <a:lumMod val="75000"/>
+                  </a:schemeClr>
+                </a:solidFill>
+              </a:rPr>
+              <a:t>Dashboard: </a:t>
+            </a:r>
+            <a:r>
+              <a:rPr lang="fr-FR" sz="1400" i="1" dirty="0">
+                <a:solidFill>
+                  <a:schemeClr val="bg1">
+                    <a:lumMod val="75000"/>
+                  </a:schemeClr>
+                </a:solidFill>
+              </a:rPr>
+              <a:t>http://home-credit.samirhinojosa.com</a:t>
+            </a:r>
+          </a:p>
+        </p:txBody>
+      </p:sp>
+    </p:spTree>
+    <p:extLst>
+      <p:ext uri="{BB962C8B-B14F-4D97-AF65-F5344CB8AC3E}">
+        <p14:creationId xmlns:p14="http://schemas.microsoft.com/office/powerpoint/2010/main" val="940881373"/>
+      </p:ext>
+    </p:extLst>
+  </p:cSld>
+  <p:clrMapOvr>
+    <a:masterClrMapping/>
+  </p:clrMapOvr>
+</p:sld>
+</file>
+
+<file path=ppt/slides/slide25.xml><?xml version="1.0" encoding="utf-8"?>
+<p:sld xmlns:a="http://schemas.openxmlformats.org/drawingml/2006/main" xmlns:r="http://schemas.openxmlformats.org/officeDocument/2006/relationships" xmlns:p="http://schemas.openxmlformats.org/presentationml/2006/main">
+  <p:cSld>
+    <p:spTree>
+      <p:nvGrpSpPr>
+        <p:cNvPr id="1" name=""/>
+        <p:cNvGrpSpPr/>
+        <p:nvPr/>
+      </p:nvGrpSpPr>
+      <p:grpSpPr>
+        <a:xfrm>
+          <a:off x="0" y="0"/>
+          <a:ext cx="0" cy="0"/>
+          <a:chOff x="0" y="0"/>
+          <a:chExt cx="0" cy="0"/>
+        </a:xfrm>
+      </p:grpSpPr>
+      <p:pic>
+        <p:nvPicPr>
+          <p:cNvPr id="13" name="Image 12">
+            <a:extLst>
+              <a:ext uri="{FF2B5EF4-FFF2-40B4-BE49-F238E27FC236}">
+                <a16:creationId xmlns:a16="http://schemas.microsoft.com/office/drawing/2014/main" id="{18D337F2-6752-41B5-9F73-1C9BFE3529BC}"/>
+              </a:ext>
+            </a:extLst>
+          </p:cNvPr>
+          <p:cNvPicPr>
+            <a:picLocks noChangeAspect="1"/>
+          </p:cNvPicPr>
+          <p:nvPr/>
+        </p:nvPicPr>
+        <p:blipFill>
+          <a:blip r:embed="rId3"/>
+          <a:stretch>
+            <a:fillRect/>
+          </a:stretch>
+        </p:blipFill>
+        <p:spPr>
+          <a:xfrm>
+            <a:off x="669796" y="1185217"/>
+            <a:ext cx="5426203" cy="3154256"/>
+          </a:xfrm>
+          <a:prstGeom prst="rect">
+            <a:avLst/>
+          </a:prstGeom>
+          <a:ln>
+            <a:noFill/>
+          </a:ln>
+          <a:effectLst>
+            <a:outerShdw blurRad="292100" dist="139700" dir="2700000" algn="tl" rotWithShape="0">
+              <a:srgbClr val="333333">
+                <a:alpha val="65000"/>
+              </a:srgbClr>
+            </a:outerShdw>
+          </a:effectLst>
+        </p:spPr>
+      </p:pic>
+      <p:sp>
+        <p:nvSpPr>
+          <p:cNvPr id="5" name="Rectangle 4">
+            <a:extLst>
+              <a:ext uri="{FF2B5EF4-FFF2-40B4-BE49-F238E27FC236}">
+                <a16:creationId xmlns:a16="http://schemas.microsoft.com/office/drawing/2014/main" id="{A00233D2-38CE-441F-90C9-32F91999758A}"/>
+              </a:ext>
+            </a:extLst>
+          </p:cNvPr>
+          <p:cNvSpPr/>
+          <p:nvPr/>
+        </p:nvSpPr>
+        <p:spPr>
+          <a:xfrm>
+            <a:off x="0" y="6400273"/>
+            <a:ext cx="12192000" cy="457727"/>
+          </a:xfrm>
+          <a:prstGeom prst="rect">
+            <a:avLst/>
+          </a:prstGeom>
+          <a:solidFill>
+            <a:srgbClr val="7451EB"/>
+          </a:solidFill>
+          <a:ln>
+            <a:solidFill>
+              <a:srgbClr val="7451EB"/>
+            </a:solidFill>
+          </a:ln>
+        </p:spPr>
+        <p:style>
+          <a:lnRef idx="2">
+            <a:schemeClr val="accent1">
+              <a:shade val="50000"/>
+            </a:schemeClr>
+          </a:lnRef>
+          <a:fillRef idx="1">
+            <a:schemeClr val="accent1"/>
+          </a:fillRef>
+          <a:effectRef idx="0">
+            <a:schemeClr val="accent1"/>
+          </a:effectRef>
+          <a:fontRef idx="minor">
+            <a:schemeClr val="lt1"/>
+          </a:fontRef>
+        </p:style>
+        <p:txBody>
+          <a:bodyPr rtlCol="0" anchor="ctr"/>
+          <a:lstStyle/>
+          <a:p>
+            <a:pPr algn="ctr"/>
+            <a:endParaRPr lang="en-US" dirty="0"/>
+          </a:p>
+        </p:txBody>
+      </p:sp>
+      <p:sp>
+        <p:nvSpPr>
+          <p:cNvPr id="15" name="TextBox 3">
+            <a:extLst>
+              <a:ext uri="{FF2B5EF4-FFF2-40B4-BE49-F238E27FC236}">
+                <a16:creationId xmlns:a16="http://schemas.microsoft.com/office/drawing/2014/main" id="{47FC2DCC-BDE9-485D-AF79-4177B5479110}"/>
+              </a:ext>
+            </a:extLst>
+          </p:cNvPr>
+          <p:cNvSpPr txBox="1"/>
+          <p:nvPr/>
+        </p:nvSpPr>
+        <p:spPr>
+          <a:xfrm>
+            <a:off x="10543592" y="6475247"/>
+            <a:ext cx="1648408" cy="307777"/>
+          </a:xfrm>
+          <a:prstGeom prst="rect">
+            <a:avLst/>
+          </a:prstGeom>
+          <a:noFill/>
+        </p:spPr>
+        <p:txBody>
+          <a:bodyPr wrap="square" rtlCol="0">
+            <a:spAutoFit/>
+          </a:bodyPr>
+          <a:lstStyle/>
+          <a:p>
+            <a:pPr algn="r"/>
+            <a:r>
+              <a:rPr lang="es-CO" sz="1400" b="1" i="1" dirty="0" err="1">
+                <a:ln>
+                  <a:solidFill>
+                    <a:schemeClr val="bg1"/>
+                  </a:solidFill>
+                </a:ln>
+                <a:solidFill>
+                  <a:schemeClr val="bg1"/>
+                </a:solidFill>
+                <a:latin typeface="+mj-lt"/>
+              </a:rPr>
+              <a:t>OpenClassrooms</a:t>
+            </a:r>
+            <a:endParaRPr lang="en-US" sz="1400" b="1" i="1" dirty="0">
+              <a:ln>
+                <a:solidFill>
+                  <a:schemeClr val="bg1"/>
+                </a:solidFill>
+              </a:ln>
+              <a:solidFill>
+                <a:schemeClr val="bg1"/>
+              </a:solidFill>
+              <a:latin typeface="+mj-lt"/>
+            </a:endParaRPr>
+          </a:p>
+        </p:txBody>
+      </p:sp>
+      <p:sp>
+        <p:nvSpPr>
+          <p:cNvPr id="10" name="Titre 1">
+            <a:extLst>
+              <a:ext uri="{FF2B5EF4-FFF2-40B4-BE49-F238E27FC236}">
+                <a16:creationId xmlns:a16="http://schemas.microsoft.com/office/drawing/2014/main" id="{224E5C7D-3656-459F-9C01-61200508167F}"/>
+              </a:ext>
+            </a:extLst>
+          </p:cNvPr>
+          <p:cNvSpPr txBox="1">
+            <a:spLocks/>
+          </p:cNvSpPr>
+          <p:nvPr/>
+        </p:nvSpPr>
+        <p:spPr>
+          <a:xfrm>
+            <a:off x="279917" y="432794"/>
+            <a:ext cx="8573627" cy="696438"/>
+          </a:xfrm>
+          <a:prstGeom prst="rect">
+            <a:avLst/>
+          </a:prstGeom>
+        </p:spPr>
+        <p:txBody>
+          <a:bodyPr vert="horz" lIns="91440" tIns="45720" rIns="91440" bIns="45720" rtlCol="0" anchor="ctr">
+            <a:normAutofit/>
+          </a:bodyPr>
+          <a:lstStyle>
+            <a:lvl1pPr algn="l" defTabSz="914400" rtl="0" eaLnBrk="1" latinLnBrk="0" hangingPunct="1">
+              <a:lnSpc>
+                <a:spcPct val="90000"/>
+              </a:lnSpc>
+              <a:spcBef>
+                <a:spcPct val="0"/>
+              </a:spcBef>
+              <a:buNone/>
+              <a:defRPr sz="4400" kern="1200">
+                <a:solidFill>
+                  <a:schemeClr val="tx1"/>
+                </a:solidFill>
+                <a:latin typeface="+mj-lt"/>
+                <a:ea typeface="+mj-ea"/>
+                <a:cs typeface="+mj-cs"/>
+              </a:defRPr>
+            </a:lvl1pPr>
+          </a:lstStyle>
+          <a:p>
+            <a:r>
+              <a:rPr lang="fr-FR" sz="4000" b="1" dirty="0">
+                <a:ln>
+                  <a:solidFill>
+                    <a:srgbClr val="7451EB"/>
+                  </a:solidFill>
+                </a:ln>
+                <a:solidFill>
+                  <a:srgbClr val="7451EB"/>
+                </a:solidFill>
+                <a:latin typeface="Google Sans"/>
+              </a:rPr>
+              <a:t>Tableau de bord</a:t>
+            </a:r>
+          </a:p>
+        </p:txBody>
+      </p:sp>
+      <p:sp>
+        <p:nvSpPr>
+          <p:cNvPr id="11" name="Rectángulo 4">
+            <a:extLst>
+              <a:ext uri="{FF2B5EF4-FFF2-40B4-BE49-F238E27FC236}">
+                <a16:creationId xmlns:a16="http://schemas.microsoft.com/office/drawing/2014/main" id="{B84F0FDC-2C73-4C87-9CC7-F9F129B3A699}"/>
+              </a:ext>
+            </a:extLst>
+          </p:cNvPr>
+          <p:cNvSpPr/>
+          <p:nvPr/>
+        </p:nvSpPr>
+        <p:spPr>
+          <a:xfrm>
+            <a:off x="377906" y="378794"/>
+            <a:ext cx="366721" cy="54000"/>
+          </a:xfrm>
+          <a:prstGeom prst="rect">
+            <a:avLst/>
+          </a:prstGeom>
+          <a:solidFill>
+            <a:srgbClr val="7451EB"/>
+          </a:solidFill>
+          <a:ln>
+            <a:solidFill>
+              <a:srgbClr val="7451EB"/>
+            </a:solidFill>
+          </a:ln>
+        </p:spPr>
+        <p:style>
+          <a:lnRef idx="2">
+            <a:schemeClr val="accent1">
+              <a:shade val="50000"/>
+            </a:schemeClr>
+          </a:lnRef>
+          <a:fillRef idx="1">
+            <a:schemeClr val="accent1"/>
+          </a:fillRef>
+          <a:effectRef idx="0">
+            <a:schemeClr val="accent1"/>
+          </a:effectRef>
+          <a:fontRef idx="minor">
+            <a:schemeClr val="lt1"/>
+          </a:fontRef>
+        </p:style>
+        <p:txBody>
+          <a:bodyPr rtlCol="0" anchor="ctr"/>
+          <a:lstStyle/>
+          <a:p>
+            <a:pPr algn="ctr"/>
+            <a:endParaRPr lang="es-AR">
+              <a:ln>
+                <a:solidFill>
+                  <a:srgbClr val="7451EB"/>
+                </a:solidFill>
+              </a:ln>
+              <a:solidFill>
+                <a:srgbClr val="7451EB"/>
+              </a:solidFill>
+            </a:endParaRPr>
+          </a:p>
+        </p:txBody>
+      </p:sp>
+      <p:sp>
+        <p:nvSpPr>
+          <p:cNvPr id="21" name="TextBox 3">
+            <a:extLst>
+              <a:ext uri="{FF2B5EF4-FFF2-40B4-BE49-F238E27FC236}">
+                <a16:creationId xmlns:a16="http://schemas.microsoft.com/office/drawing/2014/main" id="{A5BD8A43-F558-4214-B2E7-69AB8718A791}"/>
+              </a:ext>
+            </a:extLst>
+          </p:cNvPr>
+          <p:cNvSpPr txBox="1"/>
+          <p:nvPr/>
+        </p:nvSpPr>
+        <p:spPr>
+          <a:xfrm>
+            <a:off x="0" y="6475247"/>
+            <a:ext cx="8982635" cy="307777"/>
+          </a:xfrm>
+          <a:prstGeom prst="rect">
+            <a:avLst/>
+          </a:prstGeom>
+          <a:noFill/>
+        </p:spPr>
+        <p:txBody>
+          <a:bodyPr wrap="square" rtlCol="0">
+            <a:spAutoFit/>
+          </a:bodyPr>
+          <a:lstStyle/>
+          <a:p>
+            <a:r>
+              <a:rPr lang="es-CO" sz="1400" dirty="0">
+                <a:ln>
+                  <a:solidFill>
+                    <a:schemeClr val="bg1"/>
+                  </a:solidFill>
+                </a:ln>
+                <a:solidFill>
+                  <a:schemeClr val="bg1"/>
+                </a:solidFill>
+                <a:latin typeface="+mj-lt"/>
+              </a:rPr>
+              <a:t>Project 7 – </a:t>
+            </a:r>
+            <a:r>
+              <a:rPr lang="fr-FR" sz="1400" dirty="0">
+                <a:ln>
+                  <a:solidFill>
+                    <a:schemeClr val="bg1"/>
+                  </a:solidFill>
+                </a:ln>
+                <a:solidFill>
+                  <a:schemeClr val="bg1"/>
+                </a:solidFill>
+                <a:latin typeface="+mj-lt"/>
+              </a:rPr>
+              <a:t>implémentation d’un modèle de </a:t>
+            </a:r>
+            <a:r>
+              <a:rPr lang="fr-FR" sz="1400" dirty="0" err="1">
+                <a:ln>
+                  <a:solidFill>
+                    <a:schemeClr val="bg1"/>
+                  </a:solidFill>
+                </a:ln>
+                <a:solidFill>
+                  <a:schemeClr val="bg1"/>
+                </a:solidFill>
+                <a:latin typeface="+mj-lt"/>
+              </a:rPr>
+              <a:t>scoring</a:t>
+            </a:r>
+            <a:endParaRPr lang="en-US" sz="1400" dirty="0">
+              <a:ln>
+                <a:solidFill>
+                  <a:schemeClr val="bg1"/>
+                </a:solidFill>
+              </a:ln>
+              <a:solidFill>
+                <a:schemeClr val="bg1"/>
+              </a:solidFill>
+              <a:latin typeface="+mj-lt"/>
+            </a:endParaRPr>
+          </a:p>
+        </p:txBody>
+      </p:sp>
+      <p:pic>
+        <p:nvPicPr>
           <p:cNvPr id="22" name="Image 21">
             <a:extLst>
               <a:ext uri="{FF2B5EF4-FFF2-40B4-BE49-F238E27FC236}">
@@ -25121,7 +26962,7 @@
 </p:sld>
 </file>
 
-<file path=ppt/slides/slide25.xml><?xml version="1.0" encoding="utf-8"?>
+<file path=ppt/slides/slide26.xml><?xml version="1.0" encoding="utf-8"?>
 <p:sld xmlns:a="http://schemas.openxmlformats.org/drawingml/2006/main" xmlns:r="http://schemas.openxmlformats.org/officeDocument/2006/relationships" xmlns:p="http://schemas.openxmlformats.org/presentationml/2006/main">
   <p:cSld>
     <p:bg>
@@ -25425,12 +27266,82 @@
           </a:p>
         </p:txBody>
       </p:sp>
+      <p:sp>
+        <p:nvSpPr>
+          <p:cNvPr id="23" name="TextBox 3">
+            <a:extLst>
+              <a:ext uri="{FF2B5EF4-FFF2-40B4-BE49-F238E27FC236}">
+                <a16:creationId xmlns:a16="http://schemas.microsoft.com/office/drawing/2014/main" id="{1E82C570-6898-4C1A-A1F2-CEDFC2D74A48}"/>
+              </a:ext>
+            </a:extLst>
+          </p:cNvPr>
+          <p:cNvSpPr txBox="1"/>
+          <p:nvPr/>
+        </p:nvSpPr>
+        <p:spPr>
+          <a:xfrm>
+            <a:off x="0" y="6475247"/>
+            <a:ext cx="6096000" cy="307777"/>
+          </a:xfrm>
+          <a:prstGeom prst="rect">
+            <a:avLst/>
+          </a:prstGeom>
+          <a:noFill/>
+        </p:spPr>
+        <p:txBody>
+          <a:bodyPr wrap="square" rtlCol="0">
+            <a:spAutoFit/>
+          </a:bodyPr>
+          <a:lstStyle/>
+          <a:p>
+            <a:r>
+              <a:rPr lang="fr-FR" sz="1400" dirty="0">
+                <a:ln>
+                  <a:solidFill>
+                    <a:srgbClr val="7451EB"/>
+                  </a:solidFill>
+                </a:ln>
+                <a:solidFill>
+                  <a:srgbClr val="7451EB"/>
+                </a:solidFill>
+                <a:latin typeface="Calibri Light (En-têtes)"/>
+              </a:rPr>
+              <a:t>Project 7 – implémentation d’un modèle de </a:t>
+            </a:r>
+            <a:r>
+              <a:rPr lang="fr-FR" sz="1400" dirty="0" err="1">
+                <a:ln>
+                  <a:solidFill>
+                    <a:srgbClr val="7451EB"/>
+                  </a:solidFill>
+                </a:ln>
+                <a:solidFill>
+                  <a:srgbClr val="7451EB"/>
+                </a:solidFill>
+                <a:latin typeface="Calibri Light (En-têtes)"/>
+              </a:rPr>
+              <a:t>scoring</a:t>
+            </a:r>
+            <a:endParaRPr lang="fr-FR" sz="1400" dirty="0">
+              <a:ln>
+                <a:solidFill>
+                  <a:srgbClr val="7451EB"/>
+                </a:solidFill>
+              </a:ln>
+              <a:solidFill>
+                <a:srgbClr val="7451EB"/>
+              </a:solidFill>
+              <a:latin typeface="Calibri Light (En-têtes)"/>
+            </a:endParaRPr>
+          </a:p>
+        </p:txBody>
+      </p:sp>
       <p:grpSp>
         <p:nvGrpSpPr>
-          <p:cNvPr id="44" name="Groupe 43">
-            <a:extLst>
-              <a:ext uri="{FF2B5EF4-FFF2-40B4-BE49-F238E27FC236}">
-                <a16:creationId xmlns:a16="http://schemas.microsoft.com/office/drawing/2014/main" id="{EE828A7C-3AA9-462B-AD48-6EF48D50187B}"/>
+          <p:cNvPr id="24" name="Groupe 23">
+            <a:extLst>
+              <a:ext uri="{FF2B5EF4-FFF2-40B4-BE49-F238E27FC236}">
+                <a16:creationId xmlns:a16="http://schemas.microsoft.com/office/drawing/2014/main" id="{2D1CD3A6-2D46-4257-8B4B-5540748EF9D2}"/>
               </a:ext>
             </a:extLst>
           </p:cNvPr>
@@ -25439,18 +27350,18 @@
         </p:nvGrpSpPr>
         <p:grpSpPr>
           <a:xfrm>
-            <a:off x="3951668" y="5975261"/>
-            <a:ext cx="4288665" cy="425012"/>
-            <a:chOff x="3617890" y="5975261"/>
-            <a:chExt cx="4288665" cy="425012"/>
+            <a:off x="4285445" y="5975261"/>
+            <a:ext cx="3621110" cy="425012"/>
+            <a:chOff x="3951668" y="5975261"/>
+            <a:chExt cx="3621110" cy="425012"/>
           </a:xfrm>
         </p:grpSpPr>
         <p:cxnSp>
           <p:nvCxnSpPr>
-            <p:cNvPr id="45" name="Straight Connector 21">
+            <p:cNvPr id="25" name="Straight Connector 21">
               <a:extLst>
                 <a:ext uri="{FF2B5EF4-FFF2-40B4-BE49-F238E27FC236}">
-                  <a16:creationId xmlns:a16="http://schemas.microsoft.com/office/drawing/2014/main" id="{BA45AB52-43CC-4EB8-A11A-8A8347858352}"/>
+                  <a16:creationId xmlns:a16="http://schemas.microsoft.com/office/drawing/2014/main" id="{226EB1A3-410E-41E3-9AF7-9896CD27A0A0}"/>
                 </a:ext>
               </a:extLst>
             </p:cNvPr>
@@ -25459,7 +27370,7 @@
           </p:nvCxnSpPr>
           <p:spPr>
             <a:xfrm>
-              <a:off x="5173057" y="6400273"/>
+              <a:off x="5506835" y="6400273"/>
               <a:ext cx="0" cy="0"/>
             </a:xfrm>
             <a:prstGeom prst="line">
@@ -25483,10 +27394,10 @@
         </p:cxnSp>
         <p:sp>
           <p:nvSpPr>
-            <p:cNvPr id="46" name="Oval 19">
+            <p:cNvPr id="26" name="Oval 19">
               <a:extLst>
                 <a:ext uri="{FF2B5EF4-FFF2-40B4-BE49-F238E27FC236}">
-                  <a16:creationId xmlns:a16="http://schemas.microsoft.com/office/drawing/2014/main" id="{9EFF730C-C9D4-4FCB-8D6D-DD4F8C18D763}"/>
+                  <a16:creationId xmlns:a16="http://schemas.microsoft.com/office/drawing/2014/main" id="{2A1A2BC8-2125-469A-94BE-B7553E3787B6}"/>
                 </a:ext>
               </a:extLst>
             </p:cNvPr>
@@ -25495,7 +27406,7 @@
           </p:nvSpPr>
           <p:spPr>
             <a:xfrm>
-              <a:off x="4953000" y="5975263"/>
+              <a:off x="5286778" y="5975263"/>
               <a:ext cx="283335" cy="283335"/>
             </a:xfrm>
             <a:prstGeom prst="ellipse">
@@ -25542,10 +27453,10 @@
         </p:sp>
         <p:sp>
           <p:nvSpPr>
-            <p:cNvPr id="47" name="Oval 20">
+            <p:cNvPr id="27" name="Oval 20">
               <a:extLst>
                 <a:ext uri="{FF2B5EF4-FFF2-40B4-BE49-F238E27FC236}">
-                  <a16:creationId xmlns:a16="http://schemas.microsoft.com/office/drawing/2014/main" id="{817B316E-9D9B-48FA-A6FD-B8BC305983FB}"/>
+                  <a16:creationId xmlns:a16="http://schemas.microsoft.com/office/drawing/2014/main" id="{99B22367-2CF3-43BE-BDBD-36A164C0EDE6}"/>
                 </a:ext>
               </a:extLst>
             </p:cNvPr>
@@ -25554,7 +27465,7 @@
           </p:nvSpPr>
           <p:spPr>
             <a:xfrm>
-              <a:off x="5620555" y="5975262"/>
+              <a:off x="5954333" y="5975262"/>
               <a:ext cx="283335" cy="283335"/>
             </a:xfrm>
             <a:prstGeom prst="ellipse">
@@ -25601,22 +27512,22 @@
         </p:sp>
         <p:cxnSp>
           <p:nvCxnSpPr>
-            <p:cNvPr id="48" name="Straight Connector 22">
+            <p:cNvPr id="28" name="Straight Connector 22">
               <a:extLst>
                 <a:ext uri="{FF2B5EF4-FFF2-40B4-BE49-F238E27FC236}">
-                  <a16:creationId xmlns:a16="http://schemas.microsoft.com/office/drawing/2014/main" id="{65E60F72-92D2-45DE-A2B0-C57466C641FD}"/>
+                  <a16:creationId xmlns:a16="http://schemas.microsoft.com/office/drawing/2014/main" id="{CA5CBA53-1C74-4D54-9379-5417B3ED47DB}"/>
                 </a:ext>
               </a:extLst>
             </p:cNvPr>
             <p:cNvCxnSpPr>
-              <a:stCxn id="46" idx="6"/>
-              <a:endCxn id="47" idx="2"/>
+              <a:stCxn id="26" idx="6"/>
+              <a:endCxn id="27" idx="2"/>
             </p:cNvCxnSpPr>
             <p:nvPr/>
           </p:nvCxnSpPr>
           <p:spPr>
             <a:xfrm flipV="1">
-              <a:off x="5236335" y="6116929"/>
+              <a:off x="5570113" y="6116929"/>
               <a:ext cx="384220" cy="0"/>
             </a:xfrm>
             <a:prstGeom prst="line">
@@ -25645,10 +27556,10 @@
         </p:cxnSp>
         <p:sp>
           <p:nvSpPr>
-            <p:cNvPr id="49" name="Oval 23">
+            <p:cNvPr id="29" name="Oval 23">
               <a:extLst>
                 <a:ext uri="{FF2B5EF4-FFF2-40B4-BE49-F238E27FC236}">
-                  <a16:creationId xmlns:a16="http://schemas.microsoft.com/office/drawing/2014/main" id="{44842972-6F86-4DE4-8865-BFDDDE4968E3}"/>
+                  <a16:creationId xmlns:a16="http://schemas.microsoft.com/office/drawing/2014/main" id="{44D14F74-F687-4E45-9B90-40A334ABA470}"/>
                 </a:ext>
               </a:extLst>
             </p:cNvPr>
@@ -25657,7 +27568,7 @@
           </p:nvSpPr>
           <p:spPr>
             <a:xfrm>
-              <a:off x="6288110" y="5975261"/>
+              <a:off x="6621888" y="5975261"/>
               <a:ext cx="283335" cy="283335"/>
             </a:xfrm>
             <a:prstGeom prst="ellipse">
@@ -25704,21 +27615,21 @@
         </p:sp>
         <p:cxnSp>
           <p:nvCxnSpPr>
-            <p:cNvPr id="50" name="Straight Connector 24">
+            <p:cNvPr id="30" name="Straight Connector 24">
               <a:extLst>
                 <a:ext uri="{FF2B5EF4-FFF2-40B4-BE49-F238E27FC236}">
-                  <a16:creationId xmlns:a16="http://schemas.microsoft.com/office/drawing/2014/main" id="{374D66FB-6168-4102-A710-4D6D585D082B}"/>
+                  <a16:creationId xmlns:a16="http://schemas.microsoft.com/office/drawing/2014/main" id="{B58CC7A8-1DB9-45E4-A307-5B645BA23B63}"/>
                 </a:ext>
               </a:extLst>
             </p:cNvPr>
             <p:cNvCxnSpPr>
-              <a:endCxn id="49" idx="2"/>
+              <a:endCxn id="29" idx="2"/>
             </p:cNvCxnSpPr>
             <p:nvPr/>
           </p:nvCxnSpPr>
           <p:spPr>
             <a:xfrm flipV="1">
-              <a:off x="5903890" y="6116928"/>
+              <a:off x="6237668" y="6116928"/>
               <a:ext cx="384220" cy="0"/>
             </a:xfrm>
             <a:prstGeom prst="line">
@@ -25747,10 +27658,10 @@
         </p:cxnSp>
         <p:sp>
           <p:nvSpPr>
-            <p:cNvPr id="51" name="Oval 11">
+            <p:cNvPr id="31" name="Oval 11">
               <a:extLst>
                 <a:ext uri="{FF2B5EF4-FFF2-40B4-BE49-F238E27FC236}">
-                  <a16:creationId xmlns:a16="http://schemas.microsoft.com/office/drawing/2014/main" id="{07D30565-82FB-4388-97C3-8E8EFC8EECFA}"/>
+                  <a16:creationId xmlns:a16="http://schemas.microsoft.com/office/drawing/2014/main" id="{B9DF6FE0-CC80-4D55-BACA-FD1BDDAE3D76}"/>
                 </a:ext>
               </a:extLst>
             </p:cNvPr>
@@ -25759,7 +27670,7 @@
           </p:nvSpPr>
           <p:spPr>
             <a:xfrm>
-              <a:off x="4285445" y="5985995"/>
+              <a:off x="4619223" y="5985995"/>
               <a:ext cx="283335" cy="283335"/>
             </a:xfrm>
             <a:prstGeom prst="ellipse">
@@ -25806,10 +27717,10 @@
         </p:sp>
         <p:cxnSp>
           <p:nvCxnSpPr>
-            <p:cNvPr id="52" name="Straight Connector 16">
+            <p:cNvPr id="32" name="Straight Connector 16">
               <a:extLst>
                 <a:ext uri="{FF2B5EF4-FFF2-40B4-BE49-F238E27FC236}">
-                  <a16:creationId xmlns:a16="http://schemas.microsoft.com/office/drawing/2014/main" id="{292827FC-7559-45CF-A7C1-140CBCB50B06}"/>
+                  <a16:creationId xmlns:a16="http://schemas.microsoft.com/office/drawing/2014/main" id="{3186C0E4-2171-497F-B117-24A51FB02EB7}"/>
                 </a:ext>
               </a:extLst>
             </p:cNvPr>
@@ -25818,7 +27729,7 @@
           </p:nvCxnSpPr>
           <p:spPr>
             <a:xfrm flipV="1">
-              <a:off x="4568780" y="6127662"/>
+              <a:off x="4902558" y="6127662"/>
               <a:ext cx="384220" cy="0"/>
             </a:xfrm>
             <a:prstGeom prst="line">
@@ -25847,10 +27758,10 @@
         </p:cxnSp>
         <p:sp>
           <p:nvSpPr>
-            <p:cNvPr id="53" name="Oval 23">
+            <p:cNvPr id="33" name="Oval 23">
               <a:extLst>
                 <a:ext uri="{FF2B5EF4-FFF2-40B4-BE49-F238E27FC236}">
-                  <a16:creationId xmlns:a16="http://schemas.microsoft.com/office/drawing/2014/main" id="{09247FA8-3BB1-41CA-854B-17022D29CEDB}"/>
+                  <a16:creationId xmlns:a16="http://schemas.microsoft.com/office/drawing/2014/main" id="{78AD7FDA-01C9-4C4E-865B-491B45E86785}"/>
                 </a:ext>
               </a:extLst>
             </p:cNvPr>
@@ -25859,109 +27770,7 @@
           </p:nvSpPr>
           <p:spPr>
             <a:xfrm>
-              <a:off x="6955665" y="5994398"/>
-              <a:ext cx="283335" cy="283335"/>
-            </a:xfrm>
-            <a:prstGeom prst="ellipse">
-              <a:avLst/>
-            </a:prstGeom>
-            <a:noFill/>
-            <a:ln>
-              <a:solidFill>
-                <a:schemeClr val="bg1"/>
-              </a:solidFill>
-            </a:ln>
-            <a:effectLst>
-              <a:outerShdw blurRad="50800" dist="38100" dir="2700000" algn="tl" rotWithShape="0">
-                <a:prstClr val="black">
-                  <a:alpha val="40000"/>
-                </a:prstClr>
-              </a:outerShdw>
-            </a:effectLst>
-          </p:spPr>
-          <p:style>
-            <a:lnRef idx="2">
-              <a:schemeClr val="accent1">
-                <a:shade val="50000"/>
-              </a:schemeClr>
-            </a:lnRef>
-            <a:fillRef idx="1">
-              <a:schemeClr val="accent1"/>
-            </a:fillRef>
-            <a:effectRef idx="0">
-              <a:schemeClr val="accent1"/>
-            </a:effectRef>
-            <a:fontRef idx="minor">
-              <a:schemeClr val="lt1"/>
-            </a:fontRef>
-          </p:style>
-          <p:txBody>
-            <a:bodyPr rtlCol="0" anchor="ctr"/>
-            <a:lstStyle/>
-            <a:p>
-              <a:pPr algn="ctr"/>
-              <a:endParaRPr lang="en-US"/>
-            </a:p>
-          </p:txBody>
-        </p:sp>
-        <p:cxnSp>
-          <p:nvCxnSpPr>
-            <p:cNvPr id="54" name="Straight Connector 24">
-              <a:extLst>
-                <a:ext uri="{FF2B5EF4-FFF2-40B4-BE49-F238E27FC236}">
-                  <a16:creationId xmlns:a16="http://schemas.microsoft.com/office/drawing/2014/main" id="{75F72FA9-1F1C-4FCD-ACBE-9CBB8E6BBEF0}"/>
-                </a:ext>
-              </a:extLst>
-            </p:cNvPr>
-            <p:cNvCxnSpPr>
-              <a:endCxn id="53" idx="2"/>
-            </p:cNvCxnSpPr>
-            <p:nvPr/>
-          </p:nvCxnSpPr>
-          <p:spPr>
-            <a:xfrm flipV="1">
-              <a:off x="6571445" y="6136065"/>
-              <a:ext cx="384220" cy="0"/>
-            </a:xfrm>
-            <a:prstGeom prst="line">
-              <a:avLst/>
-            </a:prstGeom>
-            <a:ln>
-              <a:solidFill>
-                <a:schemeClr val="bg1"/>
-              </a:solidFill>
-            </a:ln>
-          </p:spPr>
-          <p:style>
-            <a:lnRef idx="2">
-              <a:schemeClr val="dk1"/>
-            </a:lnRef>
-            <a:fillRef idx="0">
-              <a:schemeClr val="dk1"/>
-            </a:fillRef>
-            <a:effectRef idx="1">
-              <a:schemeClr val="dk1"/>
-            </a:effectRef>
-            <a:fontRef idx="minor">
-              <a:schemeClr val="tx1"/>
-            </a:fontRef>
-          </p:style>
-        </p:cxnSp>
-        <p:sp>
-          <p:nvSpPr>
-            <p:cNvPr id="55" name="Oval 23">
-              <a:extLst>
-                <a:ext uri="{FF2B5EF4-FFF2-40B4-BE49-F238E27FC236}">
-                  <a16:creationId xmlns:a16="http://schemas.microsoft.com/office/drawing/2014/main" id="{40776931-78FF-48DA-94AA-DE882027802B}"/>
-                </a:ext>
-              </a:extLst>
-            </p:cNvPr>
-            <p:cNvSpPr/>
-            <p:nvPr/>
-          </p:nvSpPr>
-          <p:spPr>
-            <a:xfrm>
-              <a:off x="7623220" y="5989665"/>
+              <a:off x="7289443" y="5994398"/>
               <a:ext cx="283335" cy="283335"/>
             </a:xfrm>
             <a:prstGeom prst="ellipse">
@@ -26010,21 +27819,21 @@
         </p:sp>
         <p:cxnSp>
           <p:nvCxnSpPr>
-            <p:cNvPr id="56" name="Straight Connector 24">
+            <p:cNvPr id="34" name="Straight Connector 24">
               <a:extLst>
                 <a:ext uri="{FF2B5EF4-FFF2-40B4-BE49-F238E27FC236}">
-                  <a16:creationId xmlns:a16="http://schemas.microsoft.com/office/drawing/2014/main" id="{4561559A-B545-4C75-B207-8C7499094A60}"/>
+                  <a16:creationId xmlns:a16="http://schemas.microsoft.com/office/drawing/2014/main" id="{DDBAADF8-3B45-437B-9E91-01C40FF7D37C}"/>
                 </a:ext>
               </a:extLst>
             </p:cNvPr>
             <p:cNvCxnSpPr>
-              <a:endCxn id="55" idx="2"/>
+              <a:endCxn id="33" idx="2"/>
             </p:cNvCxnSpPr>
             <p:nvPr/>
           </p:nvCxnSpPr>
           <p:spPr>
             <a:xfrm flipV="1">
-              <a:off x="7239000" y="6131332"/>
+              <a:off x="6905223" y="6136065"/>
               <a:ext cx="384220" cy="0"/>
             </a:xfrm>
             <a:prstGeom prst="line">
@@ -26053,10 +27862,10 @@
         </p:cxnSp>
         <p:sp>
           <p:nvSpPr>
-            <p:cNvPr id="57" name="Oval 11">
+            <p:cNvPr id="35" name="Oval 11">
               <a:extLst>
                 <a:ext uri="{FF2B5EF4-FFF2-40B4-BE49-F238E27FC236}">
-                  <a16:creationId xmlns:a16="http://schemas.microsoft.com/office/drawing/2014/main" id="{248024A0-551B-4888-B370-86F1B8161D6D}"/>
+                  <a16:creationId xmlns:a16="http://schemas.microsoft.com/office/drawing/2014/main" id="{2ED86098-4EDC-4DCF-8086-0074DBC2A42E}"/>
                 </a:ext>
               </a:extLst>
             </p:cNvPr>
@@ -26065,7 +27874,7 @@
           </p:nvSpPr>
           <p:spPr>
             <a:xfrm>
-              <a:off x="3617890" y="5985995"/>
+              <a:off x="3951668" y="5985995"/>
               <a:ext cx="283335" cy="283335"/>
             </a:xfrm>
             <a:prstGeom prst="ellipse">
@@ -26106,16 +27915,16 @@
             <a:lstStyle/>
             <a:p>
               <a:pPr algn="ctr"/>
-              <a:endParaRPr lang="en-US"/>
+              <a:endParaRPr lang="en-US" dirty="0"/>
             </a:p>
           </p:txBody>
         </p:sp>
         <p:cxnSp>
           <p:nvCxnSpPr>
-            <p:cNvPr id="58" name="Straight Connector 16">
+            <p:cNvPr id="36" name="Straight Connector 16">
               <a:extLst>
                 <a:ext uri="{FF2B5EF4-FFF2-40B4-BE49-F238E27FC236}">
-                  <a16:creationId xmlns:a16="http://schemas.microsoft.com/office/drawing/2014/main" id="{91E67F02-5515-4D2B-B72F-F2CC0A1FB450}"/>
+                  <a16:creationId xmlns:a16="http://schemas.microsoft.com/office/drawing/2014/main" id="{0CED7144-5EC6-49CA-9286-81E9CA745A3F}"/>
                 </a:ext>
               </a:extLst>
             </p:cNvPr>
@@ -26124,7 +27933,7 @@
           </p:nvCxnSpPr>
           <p:spPr>
             <a:xfrm flipV="1">
-              <a:off x="3901225" y="6127662"/>
+              <a:off x="4235003" y="6127662"/>
               <a:ext cx="384220" cy="0"/>
             </a:xfrm>
             <a:prstGeom prst="line">
@@ -26152,130 +27961,6 @@
           </p:style>
         </p:cxnSp>
       </p:grpSp>
-      <p:sp>
-        <p:nvSpPr>
-          <p:cNvPr id="22" name="Rectangle 21">
-            <a:extLst>
-              <a:ext uri="{FF2B5EF4-FFF2-40B4-BE49-F238E27FC236}">
-                <a16:creationId xmlns:a16="http://schemas.microsoft.com/office/drawing/2014/main" id="{9894C0F2-7430-4F7C-9FA6-E705E9696AC8}"/>
-              </a:ext>
-            </a:extLst>
-          </p:cNvPr>
-          <p:cNvSpPr/>
-          <p:nvPr/>
-        </p:nvSpPr>
-        <p:spPr>
-          <a:xfrm>
-            <a:off x="3300718" y="5954431"/>
-            <a:ext cx="5084746" cy="307777"/>
-          </a:xfrm>
-          <a:prstGeom prst="rect">
-            <a:avLst/>
-          </a:prstGeom>
-          <a:solidFill>
-            <a:srgbClr val="FF0000"/>
-          </a:solidFill>
-          <a:ln>
-            <a:solidFill>
-              <a:srgbClr val="FF0000"/>
-            </a:solidFill>
-          </a:ln>
-        </p:spPr>
-        <p:style>
-          <a:lnRef idx="2">
-            <a:schemeClr val="accent1">
-              <a:shade val="50000"/>
-            </a:schemeClr>
-          </a:lnRef>
-          <a:fillRef idx="1">
-            <a:schemeClr val="accent1"/>
-          </a:fillRef>
-          <a:effectRef idx="0">
-            <a:schemeClr val="accent1"/>
-          </a:effectRef>
-          <a:fontRef idx="minor">
-            <a:schemeClr val="lt1"/>
-          </a:fontRef>
-        </p:style>
-        <p:txBody>
-          <a:bodyPr rtlCol="0" anchor="ctr"/>
-          <a:lstStyle/>
-          <a:p>
-            <a:pPr algn="ctr"/>
-            <a:endParaRPr lang="fr-FR"/>
-          </a:p>
-        </p:txBody>
-      </p:sp>
-      <p:sp>
-        <p:nvSpPr>
-          <p:cNvPr id="23" name="TextBox 3">
-            <a:extLst>
-              <a:ext uri="{FF2B5EF4-FFF2-40B4-BE49-F238E27FC236}">
-                <a16:creationId xmlns:a16="http://schemas.microsoft.com/office/drawing/2014/main" id="{1E82C570-6898-4C1A-A1F2-CEDFC2D74A48}"/>
-              </a:ext>
-            </a:extLst>
-          </p:cNvPr>
-          <p:cNvSpPr txBox="1"/>
-          <p:nvPr/>
-        </p:nvSpPr>
-        <p:spPr>
-          <a:xfrm>
-            <a:off x="0" y="6475247"/>
-            <a:ext cx="6096000" cy="307777"/>
-          </a:xfrm>
-          <a:prstGeom prst="rect">
-            <a:avLst/>
-          </a:prstGeom>
-          <a:noFill/>
-        </p:spPr>
-        <p:txBody>
-          <a:bodyPr wrap="square" rtlCol="0">
-            <a:spAutoFit/>
-          </a:bodyPr>
-          <a:lstStyle/>
-          <a:p>
-            <a:r>
-              <a:rPr lang="fr-FR" sz="1400" dirty="0">
-                <a:ln>
-                  <a:solidFill>
-                    <a:srgbClr val="7451EB"/>
-                  </a:solidFill>
-                </a:ln>
-                <a:solidFill>
-                  <a:srgbClr val="7451EB"/>
-                </a:solidFill>
-                <a:latin typeface="Calibri Light (En-têtes)"/>
-              </a:rPr>
-              <a:t>Project 7 – implémentation d’un modèle de </a:t>
-            </a:r>
-            <a:r>
-              <a:rPr lang="fr-FR" sz="1400" dirty="0" err="1">
-                <a:ln>
-                  <a:solidFill>
-                    <a:srgbClr val="7451EB"/>
-                  </a:solidFill>
-                </a:ln>
-                <a:solidFill>
-                  <a:srgbClr val="7451EB"/>
-                </a:solidFill>
-                <a:latin typeface="Calibri Light (En-têtes)"/>
-              </a:rPr>
-              <a:t>scoring</a:t>
-            </a:r>
-            <a:endParaRPr lang="fr-FR" sz="1400" dirty="0">
-              <a:ln>
-                <a:solidFill>
-                  <a:srgbClr val="7451EB"/>
-                </a:solidFill>
-              </a:ln>
-              <a:solidFill>
-                <a:srgbClr val="7451EB"/>
-              </a:solidFill>
-              <a:latin typeface="Calibri Light (En-têtes)"/>
-            </a:endParaRPr>
-          </a:p>
-        </p:txBody>
-      </p:sp>
     </p:spTree>
     <p:extLst>
       <p:ext uri="{BB962C8B-B14F-4D97-AF65-F5344CB8AC3E}">
@@ -26289,7 +27974,7 @@
 </p:sld>
 </file>
 
-<file path=ppt/slides/slide26.xml><?xml version="1.0" encoding="utf-8"?>
+<file path=ppt/slides/slide27.xml><?xml version="1.0" encoding="utf-8"?>
 <p:sld xmlns:a="http://schemas.openxmlformats.org/drawingml/2006/main" xmlns:r="http://schemas.openxmlformats.org/officeDocument/2006/relationships" xmlns:p="http://schemas.openxmlformats.org/presentationml/2006/main">
   <p:cSld>
     <p:spTree>
@@ -26722,7 +28407,7 @@
         <p:spPr>
           <a:xfrm>
             <a:off x="835632" y="1755088"/>
-            <a:ext cx="9486927" cy="1569660"/>
+            <a:ext cx="9486927" cy="2123658"/>
           </a:xfrm>
           <a:prstGeom prst="rect">
             <a:avLst/>
@@ -26901,6 +28586,39 @@
               </a:rPr>
               <a:t>Une analyse du composant principal « PCA » peut apporter des avantages</a:t>
             </a:r>
+          </a:p>
+          <a:p>
+            <a:pPr marL="285750" indent="-285750">
+              <a:buFont typeface="Wingdings" panose="05000000000000000000" pitchFamily="2" charset="2"/>
+              <a:buChar char="§"/>
+            </a:pPr>
+            <a:endParaRPr lang="fr-FR" dirty="0">
+              <a:latin typeface="Google Sans"/>
+            </a:endParaRPr>
+          </a:p>
+          <a:p>
+            <a:pPr marL="285750" indent="-285750">
+              <a:buFont typeface="Wingdings" panose="05000000000000000000" pitchFamily="2" charset="2"/>
+              <a:buChar char="§"/>
+            </a:pPr>
+            <a:r>
+              <a:rPr lang="fr-FR" dirty="0">
+                <a:latin typeface="Google Sans"/>
+              </a:rPr>
+              <a:t>Aller plus loin dans l'</a:t>
+            </a:r>
+            <a:r>
+              <a:rPr lang="fr-FR" dirty="0" err="1">
+                <a:latin typeface="Google Sans"/>
+              </a:rPr>
+              <a:t>hyperpamaretrisation</a:t>
+            </a:r>
+            <a:r>
+              <a:rPr lang="fr-FR" dirty="0">
+                <a:latin typeface="Google Sans"/>
+              </a:rPr>
+              <a:t> du modèle </a:t>
+            </a:r>
             <a:endParaRPr lang="fr-FR" dirty="0">
               <a:latin typeface="docs-Roboto"/>
             </a:endParaRPr>
@@ -26921,7 +28639,7 @@
         </p:nvSpPr>
         <p:spPr>
           <a:xfrm>
-            <a:off x="942884" y="3656543"/>
+            <a:off x="942884" y="4197232"/>
             <a:ext cx="4039077" cy="400110"/>
           </a:xfrm>
           <a:prstGeom prst="rect">
@@ -26978,7 +28696,7 @@
         </p:blipFill>
         <p:spPr>
           <a:xfrm>
-            <a:off x="475895" y="3647751"/>
+            <a:off x="475895" y="4188440"/>
             <a:ext cx="457727" cy="427272"/>
           </a:xfrm>
           <a:prstGeom prst="rect">
@@ -27000,7 +28718,7 @@
         </p:nvSpPr>
         <p:spPr>
           <a:xfrm>
-            <a:off x="844895" y="4223968"/>
+            <a:off x="844895" y="4764657"/>
             <a:ext cx="9486927" cy="923330"/>
           </a:xfrm>
           <a:prstGeom prst="rect">
@@ -27064,7 +28782,7 @@
 </p:sld>
 </file>
 
-<file path=ppt/slides/slide27.xml><?xml version="1.0" encoding="utf-8"?>
+<file path=ppt/slides/slide28.xml><?xml version="1.0" encoding="utf-8"?>
 <p:sld xmlns:a="http://schemas.openxmlformats.org/drawingml/2006/main" xmlns:r="http://schemas.openxmlformats.org/officeDocument/2006/relationships" xmlns:p="http://schemas.openxmlformats.org/presentationml/2006/main">
   <p:cSld>
     <p:spTree>
@@ -27081,6 +28799,42 @@
           <a:chExt cx="0" cy="0"/>
         </a:xfrm>
       </p:grpSpPr>
+      <p:pic>
+        <p:nvPicPr>
+          <p:cNvPr id="3" name="Image 2">
+            <a:extLst>
+              <a:ext uri="{FF2B5EF4-FFF2-40B4-BE49-F238E27FC236}">
+                <a16:creationId xmlns:a16="http://schemas.microsoft.com/office/drawing/2014/main" id="{C88CAABC-021A-43A2-892C-883492DFF4BF}"/>
+              </a:ext>
+            </a:extLst>
+          </p:cNvPr>
+          <p:cNvPicPr>
+            <a:picLocks noChangeAspect="1"/>
+          </p:cNvPicPr>
+          <p:nvPr/>
+        </p:nvPicPr>
+        <p:blipFill>
+          <a:blip r:embed="rId3">
+            <a:extLst>
+              <a:ext uri="{28A0092B-C50C-407E-A947-70E740481C1C}">
+                <a14:useLocalDpi xmlns:a14="http://schemas.microsoft.com/office/drawing/2010/main" val="0"/>
+              </a:ext>
+            </a:extLst>
+          </a:blip>
+          <a:stretch>
+            <a:fillRect/>
+          </a:stretch>
+        </p:blipFill>
+        <p:spPr>
+          <a:xfrm>
+            <a:off x="2884984" y="1211743"/>
+            <a:ext cx="6422032" cy="4434515"/>
+          </a:xfrm>
+          <a:prstGeom prst="rect">
+            <a:avLst/>
+          </a:prstGeom>
+        </p:spPr>
+      </p:pic>
       <p:sp>
         <p:nvSpPr>
           <p:cNvPr id="5" name="Rectangle 4">
@@ -27336,42 +29090,6 @@
           </a:p>
         </p:txBody>
       </p:sp>
-      <p:pic>
-        <p:nvPicPr>
-          <p:cNvPr id="17" name="Image 16">
-            <a:extLst>
-              <a:ext uri="{FF2B5EF4-FFF2-40B4-BE49-F238E27FC236}">
-                <a16:creationId xmlns:a16="http://schemas.microsoft.com/office/drawing/2014/main" id="{0C190DD1-771B-47D2-995B-97EE291D94F0}"/>
-              </a:ext>
-            </a:extLst>
-          </p:cNvPr>
-          <p:cNvPicPr>
-            <a:picLocks noChangeAspect="1"/>
-          </p:cNvPicPr>
-          <p:nvPr/>
-        </p:nvPicPr>
-        <p:blipFill>
-          <a:blip r:embed="rId3">
-            <a:extLst>
-              <a:ext uri="{28A0092B-C50C-407E-A947-70E740481C1C}">
-                <a14:useLocalDpi xmlns:a14="http://schemas.microsoft.com/office/drawing/2010/main" val="0"/>
-              </a:ext>
-            </a:extLst>
-          </a:blip>
-          <a:stretch>
-            <a:fillRect/>
-          </a:stretch>
-        </p:blipFill>
-        <p:spPr>
-          <a:xfrm>
-            <a:off x="2909481" y="1447892"/>
-            <a:ext cx="6373038" cy="4412022"/>
-          </a:xfrm>
-          <a:prstGeom prst="rect">
-            <a:avLst/>
-          </a:prstGeom>
-        </p:spPr>
-      </p:pic>
       <p:sp>
         <p:nvSpPr>
           <p:cNvPr id="9" name="TextBox 3">
@@ -27469,7 +29187,7 @@
 </p:sld>
 </file>
 
-<file path=ppt/slides/slide28.xml><?xml version="1.0" encoding="utf-8"?>
+<file path=ppt/slides/slide29.xml><?xml version="1.0" encoding="utf-8"?>
 <p:sld xmlns:a="http://schemas.openxmlformats.org/drawingml/2006/main" xmlns:r="http://schemas.openxmlformats.org/officeDocument/2006/relationships" xmlns:p="http://schemas.openxmlformats.org/presentationml/2006/main">
   <p:cSld>
     <p:spTree>
@@ -27734,10 +29452,10 @@
                 </a:solidFill>
                 <a:latin typeface="Google Sans"/>
               </a:rPr>
-              <a:t>06 </a:t>
-            </a:r>
-            <a:r>
-              <a:rPr lang="es-ES" sz="1400" dirty="0" err="1">
+              <a:t>10 </a:t>
+            </a:r>
+            <a:r>
+              <a:rPr lang="fr-FR" sz="1400" dirty="0">
                 <a:ln>
                   <a:solidFill>
                     <a:schemeClr val="bg1"/>
@@ -27748,7 +29466,7 @@
                 </a:solidFill>
                 <a:latin typeface="Google Sans"/>
               </a:rPr>
-              <a:t>décembre</a:t>
+              <a:t>février</a:t>
             </a:r>
             <a:r>
               <a:rPr lang="es-ES" sz="1400" dirty="0">
@@ -27776,7 +29494,7 @@
                 </a:solidFill>
                 <a:latin typeface="Google Sans"/>
               </a:rPr>
-              <a:t>2021</a:t>
+              <a:t>2022</a:t>
             </a:r>
           </a:p>
         </p:txBody>
@@ -27893,60 +29611,6 @@
           </a:extLst>
         </p:spPr>
       </p:pic>
-      <p:sp>
-        <p:nvSpPr>
-          <p:cNvPr id="7" name="Rectangle 6">
-            <a:extLst>
-              <a:ext uri="{FF2B5EF4-FFF2-40B4-BE49-F238E27FC236}">
-                <a16:creationId xmlns:a16="http://schemas.microsoft.com/office/drawing/2014/main" id="{CABA283B-006C-455D-B461-BC7D4FC2ABEE}"/>
-              </a:ext>
-            </a:extLst>
-          </p:cNvPr>
-          <p:cNvSpPr/>
-          <p:nvPr/>
-        </p:nvSpPr>
-        <p:spPr>
-          <a:xfrm>
-            <a:off x="279917" y="5315178"/>
-            <a:ext cx="1701283" cy="307777"/>
-          </a:xfrm>
-          <a:prstGeom prst="rect">
-            <a:avLst/>
-          </a:prstGeom>
-          <a:solidFill>
-            <a:srgbClr val="FF0000"/>
-          </a:solidFill>
-          <a:ln>
-            <a:solidFill>
-              <a:srgbClr val="FF0000"/>
-            </a:solidFill>
-          </a:ln>
-        </p:spPr>
-        <p:style>
-          <a:lnRef idx="2">
-            <a:schemeClr val="accent1">
-              <a:shade val="50000"/>
-            </a:schemeClr>
-          </a:lnRef>
-          <a:fillRef idx="1">
-            <a:schemeClr val="accent1"/>
-          </a:fillRef>
-          <a:effectRef idx="0">
-            <a:schemeClr val="accent1"/>
-          </a:effectRef>
-          <a:fontRef idx="minor">
-            <a:schemeClr val="lt1"/>
-          </a:fontRef>
-        </p:style>
-        <p:txBody>
-          <a:bodyPr rtlCol="0" anchor="ctr"/>
-          <a:lstStyle/>
-          <a:p>
-            <a:pPr algn="ctr"/>
-            <a:endParaRPr lang="fr-FR"/>
-          </a:p>
-        </p:txBody>
-      </p:sp>
     </p:spTree>
     <p:extLst>
       <p:ext uri="{BB962C8B-B14F-4D97-AF65-F5344CB8AC3E}">
@@ -27960,7 +29624,7 @@
 </p:sld>
 </file>
 
-<file path=ppt/slides/slide29.xml><?xml version="1.0" encoding="utf-8"?>
+<file path=ppt/slides/slide3.xml><?xml version="1.0" encoding="utf-8"?>
 <p:sld xmlns:a="http://schemas.openxmlformats.org/drawingml/2006/main" xmlns:r="http://schemas.openxmlformats.org/officeDocument/2006/relationships" xmlns:p="http://schemas.openxmlformats.org/presentationml/2006/main">
   <p:cSld>
     <p:bg>
@@ -28152,304 +29816,6 @@
           </a:lstStyle>
           <a:p>
             <a:r>
-              <a:rPr lang="fr-FR" b="1" dirty="0">
-                <a:ln>
-                  <a:solidFill>
-                    <a:srgbClr val="7451EB"/>
-                  </a:solidFill>
-                </a:ln>
-                <a:solidFill>
-                  <a:srgbClr val="7451EB"/>
-                </a:solidFill>
-                <a:effectLst>
-                  <a:outerShdw blurRad="38100" dist="38100" dir="2700000" algn="tl">
-                    <a:srgbClr val="000000">
-                      <a:alpha val="43137"/>
-                    </a:srgbClr>
-                  </a:outerShdw>
-                </a:effectLst>
-                <a:latin typeface="Google Sans"/>
-              </a:rPr>
-              <a:t>Annexes</a:t>
-            </a:r>
-          </a:p>
-        </p:txBody>
-      </p:sp>
-      <p:sp>
-        <p:nvSpPr>
-          <p:cNvPr id="9" name="TextBox 3">
-            <a:extLst>
-              <a:ext uri="{FF2B5EF4-FFF2-40B4-BE49-F238E27FC236}">
-                <a16:creationId xmlns:a16="http://schemas.microsoft.com/office/drawing/2014/main" id="{C6D4FECF-D4BE-49FA-9B16-246DE19332C2}"/>
-              </a:ext>
-            </a:extLst>
-          </p:cNvPr>
-          <p:cNvSpPr txBox="1"/>
-          <p:nvPr/>
-        </p:nvSpPr>
-        <p:spPr>
-          <a:xfrm>
-            <a:off x="0" y="6475247"/>
-            <a:ext cx="6096000" cy="307777"/>
-          </a:xfrm>
-          <a:prstGeom prst="rect">
-            <a:avLst/>
-          </a:prstGeom>
-          <a:noFill/>
-        </p:spPr>
-        <p:txBody>
-          <a:bodyPr wrap="square" rtlCol="0">
-            <a:spAutoFit/>
-          </a:bodyPr>
-          <a:lstStyle/>
-          <a:p>
-            <a:r>
-              <a:rPr lang="fr-FR" sz="1400" dirty="0">
-                <a:ln>
-                  <a:solidFill>
-                    <a:srgbClr val="7451EB"/>
-                  </a:solidFill>
-                </a:ln>
-                <a:solidFill>
-                  <a:srgbClr val="7451EB"/>
-                </a:solidFill>
-                <a:latin typeface="Calibri Light (En-têtes)"/>
-              </a:rPr>
-              <a:t>Project 7 – implémentation d’un modèle de </a:t>
-            </a:r>
-            <a:r>
-              <a:rPr lang="fr-FR" sz="1400" dirty="0" err="1">
-                <a:ln>
-                  <a:solidFill>
-                    <a:srgbClr val="7451EB"/>
-                  </a:solidFill>
-                </a:ln>
-                <a:solidFill>
-                  <a:srgbClr val="7451EB"/>
-                </a:solidFill>
-                <a:latin typeface="Calibri Light (En-têtes)"/>
-              </a:rPr>
-              <a:t>scoring</a:t>
-            </a:r>
-            <a:endParaRPr lang="fr-FR" sz="1400" dirty="0">
-              <a:ln>
-                <a:solidFill>
-                  <a:srgbClr val="7451EB"/>
-                </a:solidFill>
-              </a:ln>
-              <a:solidFill>
-                <a:srgbClr val="7451EB"/>
-              </a:solidFill>
-              <a:latin typeface="Calibri Light (En-têtes)"/>
-            </a:endParaRPr>
-          </a:p>
-        </p:txBody>
-      </p:sp>
-    </p:spTree>
-    <p:extLst>
-      <p:ext uri="{BB962C8B-B14F-4D97-AF65-F5344CB8AC3E}">
-        <p14:creationId xmlns:p14="http://schemas.microsoft.com/office/powerpoint/2010/main" val="273381828"/>
-      </p:ext>
-    </p:extLst>
-  </p:cSld>
-  <p:clrMapOvr>
-    <a:masterClrMapping/>
-  </p:clrMapOvr>
-</p:sld>
-</file>
-
-<file path=ppt/slides/slide3.xml><?xml version="1.0" encoding="utf-8"?>
-<p:sld xmlns:a="http://schemas.openxmlformats.org/drawingml/2006/main" xmlns:r="http://schemas.openxmlformats.org/officeDocument/2006/relationships" xmlns:p="http://schemas.openxmlformats.org/presentationml/2006/main">
-  <p:cSld>
-    <p:bg>
-      <p:bgPr>
-        <a:solidFill>
-          <a:srgbClr val="7451EB"/>
-        </a:solidFill>
-        <a:effectLst/>
-      </p:bgPr>
-    </p:bg>
-    <p:spTree>
-      <p:nvGrpSpPr>
-        <p:cNvPr id="1" name=""/>
-        <p:cNvGrpSpPr/>
-        <p:nvPr/>
-      </p:nvGrpSpPr>
-      <p:grpSpPr>
-        <a:xfrm>
-          <a:off x="0" y="0"/>
-          <a:ext cx="0" cy="0"/>
-          <a:chOff x="0" y="0"/>
-          <a:chExt cx="0" cy="0"/>
-        </a:xfrm>
-      </p:grpSpPr>
-      <p:sp>
-        <p:nvSpPr>
-          <p:cNvPr id="5" name="Rectangle 4">
-            <a:extLst>
-              <a:ext uri="{FF2B5EF4-FFF2-40B4-BE49-F238E27FC236}">
-                <a16:creationId xmlns:a16="http://schemas.microsoft.com/office/drawing/2014/main" id="{A00233D2-38CE-441F-90C9-32F91999758A}"/>
-              </a:ext>
-            </a:extLst>
-          </p:cNvPr>
-          <p:cNvSpPr/>
-          <p:nvPr/>
-        </p:nvSpPr>
-        <p:spPr>
-          <a:xfrm>
-            <a:off x="0" y="6400273"/>
-            <a:ext cx="12192000" cy="457727"/>
-          </a:xfrm>
-          <a:prstGeom prst="rect">
-            <a:avLst/>
-          </a:prstGeom>
-          <a:solidFill>
-            <a:schemeClr val="bg1"/>
-          </a:solidFill>
-          <a:ln>
-            <a:solidFill>
-              <a:schemeClr val="bg1"/>
-            </a:solidFill>
-          </a:ln>
-        </p:spPr>
-        <p:style>
-          <a:lnRef idx="2">
-            <a:schemeClr val="accent1">
-              <a:shade val="50000"/>
-            </a:schemeClr>
-          </a:lnRef>
-          <a:fillRef idx="1">
-            <a:schemeClr val="accent1"/>
-          </a:fillRef>
-          <a:effectRef idx="0">
-            <a:schemeClr val="accent1"/>
-          </a:effectRef>
-          <a:fontRef idx="minor">
-            <a:schemeClr val="lt1"/>
-          </a:fontRef>
-        </p:style>
-        <p:txBody>
-          <a:bodyPr rtlCol="0" anchor="ctr"/>
-          <a:lstStyle/>
-          <a:p>
-            <a:pPr algn="ctr"/>
-            <a:endParaRPr lang="en-US" dirty="0"/>
-          </a:p>
-        </p:txBody>
-      </p:sp>
-      <p:sp>
-        <p:nvSpPr>
-          <p:cNvPr id="15" name="TextBox 3">
-            <a:extLst>
-              <a:ext uri="{FF2B5EF4-FFF2-40B4-BE49-F238E27FC236}">
-                <a16:creationId xmlns:a16="http://schemas.microsoft.com/office/drawing/2014/main" id="{47FC2DCC-BDE9-485D-AF79-4177B5479110}"/>
-              </a:ext>
-            </a:extLst>
-          </p:cNvPr>
-          <p:cNvSpPr txBox="1"/>
-          <p:nvPr/>
-        </p:nvSpPr>
-        <p:spPr>
-          <a:xfrm>
-            <a:off x="10543592" y="6475247"/>
-            <a:ext cx="1648408" cy="307777"/>
-          </a:xfrm>
-          <a:prstGeom prst="rect">
-            <a:avLst/>
-          </a:prstGeom>
-          <a:noFill/>
-        </p:spPr>
-        <p:txBody>
-          <a:bodyPr wrap="square" rtlCol="0">
-            <a:spAutoFit/>
-          </a:bodyPr>
-          <a:lstStyle/>
-          <a:p>
-            <a:pPr algn="r"/>
-            <a:r>
-              <a:rPr lang="es-CO" sz="1400" b="1" i="1" dirty="0" err="1">
-                <a:ln>
-                  <a:solidFill>
-                    <a:srgbClr val="7451EB"/>
-                  </a:solidFill>
-                </a:ln>
-                <a:solidFill>
-                  <a:srgbClr val="7451EB"/>
-                </a:solidFill>
-                <a:latin typeface="+mj-lt"/>
-              </a:rPr>
-              <a:t>OpenClassrooms</a:t>
-            </a:r>
-            <a:endParaRPr lang="en-US" sz="1400" b="1" i="1" dirty="0">
-              <a:ln>
-                <a:solidFill>
-                  <a:srgbClr val="7451EB"/>
-                </a:solidFill>
-              </a:ln>
-              <a:solidFill>
-                <a:srgbClr val="7451EB"/>
-              </a:solidFill>
-              <a:latin typeface="+mj-lt"/>
-            </a:endParaRPr>
-          </a:p>
-        </p:txBody>
-      </p:sp>
-      <p:sp>
-        <p:nvSpPr>
-          <p:cNvPr id="10" name="Titre 1">
-            <a:extLst>
-              <a:ext uri="{FF2B5EF4-FFF2-40B4-BE49-F238E27FC236}">
-                <a16:creationId xmlns:a16="http://schemas.microsoft.com/office/drawing/2014/main" id="{56659258-1A46-4A0F-B0E4-1AF391BF8DF3}"/>
-              </a:ext>
-            </a:extLst>
-          </p:cNvPr>
-          <p:cNvSpPr txBox="1">
-            <a:spLocks/>
-          </p:cNvSpPr>
-          <p:nvPr/>
-        </p:nvSpPr>
-        <p:spPr>
-          <a:xfrm>
-            <a:off x="279917" y="3128369"/>
-            <a:ext cx="9559407" cy="820048"/>
-          </a:xfrm>
-          <a:prstGeom prst="rect">
-            <a:avLst/>
-          </a:prstGeom>
-          <a:solidFill>
-            <a:schemeClr val="bg1"/>
-          </a:solidFill>
-          <a:ln>
-            <a:solidFill>
-              <a:schemeClr val="bg1"/>
-            </a:solidFill>
-          </a:ln>
-        </p:spPr>
-        <p:txBody>
-          <a:bodyPr vert="horz" lIns="91440" tIns="45720" rIns="91440" bIns="45720" rtlCol="0" anchor="ctr">
-            <a:normAutofit/>
-          </a:bodyPr>
-          <a:lstStyle>
-            <a:lvl1pPr algn="l" defTabSz="914400" rtl="0" eaLnBrk="1" latinLnBrk="0" hangingPunct="1">
-              <a:lnSpc>
-                <a:spcPct val="90000"/>
-              </a:lnSpc>
-              <a:spcBef>
-                <a:spcPct val="0"/>
-              </a:spcBef>
-              <a:buNone/>
-              <a:defRPr sz="4400" kern="1200">
-                <a:solidFill>
-                  <a:schemeClr val="tx1"/>
-                </a:solidFill>
-                <a:latin typeface="+mj-lt"/>
-                <a:ea typeface="+mj-ea"/>
-                <a:cs typeface="+mj-cs"/>
-              </a:defRPr>
-            </a:lvl1pPr>
-          </a:lstStyle>
-          <a:p>
-            <a:r>
               <a:rPr lang="es-ES" b="1" dirty="0" err="1">
                 <a:ln>
                   <a:solidFill>
@@ -28652,10 +30018,10 @@
       </p:sp>
       <p:grpSp>
         <p:nvGrpSpPr>
-          <p:cNvPr id="22" name="Groupe 21">
-            <a:extLst>
-              <a:ext uri="{FF2B5EF4-FFF2-40B4-BE49-F238E27FC236}">
-                <a16:creationId xmlns:a16="http://schemas.microsoft.com/office/drawing/2014/main" id="{40CE7445-9B03-4C52-B22A-5249782BD092}"/>
+          <p:cNvPr id="2" name="Groupe 1">
+            <a:extLst>
+              <a:ext uri="{FF2B5EF4-FFF2-40B4-BE49-F238E27FC236}">
+                <a16:creationId xmlns:a16="http://schemas.microsoft.com/office/drawing/2014/main" id="{F4D9F01A-EFF0-47A5-8946-69860A0CECFD}"/>
               </a:ext>
             </a:extLst>
           </p:cNvPr>
@@ -28664,10 +30030,10 @@
         </p:nvGrpSpPr>
         <p:grpSpPr>
           <a:xfrm>
-            <a:off x="3951668" y="5975261"/>
-            <a:ext cx="4288665" cy="425012"/>
-            <a:chOff x="3617890" y="5975261"/>
-            <a:chExt cx="4288665" cy="425012"/>
+            <a:off x="4285445" y="5975261"/>
+            <a:ext cx="3621110" cy="425012"/>
+            <a:chOff x="3951668" y="5975261"/>
+            <a:chExt cx="3621110" cy="425012"/>
           </a:xfrm>
         </p:grpSpPr>
         <p:cxnSp>
@@ -28684,7 +30050,7 @@
           </p:nvCxnSpPr>
           <p:spPr>
             <a:xfrm>
-              <a:off x="5173057" y="6400273"/>
+              <a:off x="5506835" y="6400273"/>
               <a:ext cx="0" cy="0"/>
             </a:xfrm>
             <a:prstGeom prst="line">
@@ -28720,7 +30086,7 @@
           </p:nvSpPr>
           <p:spPr>
             <a:xfrm>
-              <a:off x="4953000" y="5975263"/>
+              <a:off x="5286778" y="5975263"/>
               <a:ext cx="283335" cy="283335"/>
             </a:xfrm>
             <a:prstGeom prst="ellipse">
@@ -28779,7 +30145,7 @@
           </p:nvSpPr>
           <p:spPr>
             <a:xfrm>
-              <a:off x="5620555" y="5975262"/>
+              <a:off x="5954333" y="5975262"/>
               <a:ext cx="283335" cy="283335"/>
             </a:xfrm>
             <a:prstGeom prst="ellipse">
@@ -28841,7 +30207,7 @@
           </p:nvCxnSpPr>
           <p:spPr>
             <a:xfrm flipV="1">
-              <a:off x="5236335" y="6116929"/>
+              <a:off x="5570113" y="6116929"/>
               <a:ext cx="384220" cy="0"/>
             </a:xfrm>
             <a:prstGeom prst="line">
@@ -28882,7 +30248,7 @@
           </p:nvSpPr>
           <p:spPr>
             <a:xfrm>
-              <a:off x="6288110" y="5975261"/>
+              <a:off x="6621888" y="5975261"/>
               <a:ext cx="283335" cy="283335"/>
             </a:xfrm>
             <a:prstGeom prst="ellipse">
@@ -28943,7 +30309,7 @@
           </p:nvCxnSpPr>
           <p:spPr>
             <a:xfrm flipV="1">
-              <a:off x="5903890" y="6116928"/>
+              <a:off x="6237668" y="6116928"/>
               <a:ext cx="384220" cy="0"/>
             </a:xfrm>
             <a:prstGeom prst="line">
@@ -28984,7 +30350,7 @@
           </p:nvSpPr>
           <p:spPr>
             <a:xfrm>
-              <a:off x="4285445" y="5985995"/>
+              <a:off x="4619223" y="5985995"/>
               <a:ext cx="283335" cy="283335"/>
             </a:xfrm>
             <a:prstGeom prst="ellipse">
@@ -29043,7 +30409,7 @@
           </p:nvCxnSpPr>
           <p:spPr>
             <a:xfrm flipV="1">
-              <a:off x="4568780" y="6127662"/>
+              <a:off x="4902558" y="6127662"/>
               <a:ext cx="384220" cy="0"/>
             </a:xfrm>
             <a:prstGeom prst="line">
@@ -29084,7 +30450,7 @@
           </p:nvSpPr>
           <p:spPr>
             <a:xfrm>
-              <a:off x="6955665" y="5994398"/>
+              <a:off x="7289443" y="5994398"/>
               <a:ext cx="283335" cy="283335"/>
             </a:xfrm>
             <a:prstGeom prst="ellipse">
@@ -29145,109 +30511,7 @@
           </p:nvCxnSpPr>
           <p:spPr>
             <a:xfrm flipV="1">
-              <a:off x="6571445" y="6136065"/>
-              <a:ext cx="384220" cy="0"/>
-            </a:xfrm>
-            <a:prstGeom prst="line">
-              <a:avLst/>
-            </a:prstGeom>
-            <a:ln>
-              <a:solidFill>
-                <a:schemeClr val="bg1"/>
-              </a:solidFill>
-            </a:ln>
-          </p:spPr>
-          <p:style>
-            <a:lnRef idx="2">
-              <a:schemeClr val="dk1"/>
-            </a:lnRef>
-            <a:fillRef idx="0">
-              <a:schemeClr val="dk1"/>
-            </a:fillRef>
-            <a:effectRef idx="1">
-              <a:schemeClr val="dk1"/>
-            </a:effectRef>
-            <a:fontRef idx="minor">
-              <a:schemeClr val="tx1"/>
-            </a:fontRef>
-          </p:style>
-        </p:cxnSp>
-        <p:sp>
-          <p:nvSpPr>
-            <p:cNvPr id="41" name="Oval 23">
-              <a:extLst>
-                <a:ext uri="{FF2B5EF4-FFF2-40B4-BE49-F238E27FC236}">
-                  <a16:creationId xmlns:a16="http://schemas.microsoft.com/office/drawing/2014/main" id="{648EE423-00BD-4DB4-A96D-F67A0934474F}"/>
-                </a:ext>
-              </a:extLst>
-            </p:cNvPr>
-            <p:cNvSpPr/>
-            <p:nvPr/>
-          </p:nvSpPr>
-          <p:spPr>
-            <a:xfrm>
-              <a:off x="7623220" y="5989665"/>
-              <a:ext cx="283335" cy="283335"/>
-            </a:xfrm>
-            <a:prstGeom prst="ellipse">
-              <a:avLst/>
-            </a:prstGeom>
-            <a:noFill/>
-            <a:ln>
-              <a:solidFill>
-                <a:schemeClr val="bg1"/>
-              </a:solidFill>
-            </a:ln>
-            <a:effectLst>
-              <a:outerShdw blurRad="50800" dist="38100" dir="2700000" algn="tl" rotWithShape="0">
-                <a:prstClr val="black">
-                  <a:alpha val="40000"/>
-                </a:prstClr>
-              </a:outerShdw>
-            </a:effectLst>
-          </p:spPr>
-          <p:style>
-            <a:lnRef idx="2">
-              <a:schemeClr val="accent1">
-                <a:shade val="50000"/>
-              </a:schemeClr>
-            </a:lnRef>
-            <a:fillRef idx="1">
-              <a:schemeClr val="accent1"/>
-            </a:fillRef>
-            <a:effectRef idx="0">
-              <a:schemeClr val="accent1"/>
-            </a:effectRef>
-            <a:fontRef idx="minor">
-              <a:schemeClr val="lt1"/>
-            </a:fontRef>
-          </p:style>
-          <p:txBody>
-            <a:bodyPr rtlCol="0" anchor="ctr"/>
-            <a:lstStyle/>
-            <a:p>
-              <a:pPr algn="ctr"/>
-              <a:endParaRPr lang="en-US"/>
-            </a:p>
-          </p:txBody>
-        </p:sp>
-        <p:cxnSp>
-          <p:nvCxnSpPr>
-            <p:cNvPr id="42" name="Straight Connector 24">
-              <a:extLst>
-                <a:ext uri="{FF2B5EF4-FFF2-40B4-BE49-F238E27FC236}">
-                  <a16:creationId xmlns:a16="http://schemas.microsoft.com/office/drawing/2014/main" id="{4C1D47AA-41B4-480E-9088-C5BB62C9A1C7}"/>
-                </a:ext>
-              </a:extLst>
-            </p:cNvPr>
-            <p:cNvCxnSpPr>
-              <a:endCxn id="41" idx="2"/>
-            </p:cNvCxnSpPr>
-            <p:nvPr/>
-          </p:nvCxnSpPr>
-          <p:spPr>
-            <a:xfrm flipV="1">
-              <a:off x="7239000" y="6131332"/>
+              <a:off x="6905223" y="6136065"/>
               <a:ext cx="384220" cy="0"/>
             </a:xfrm>
             <a:prstGeom prst="line">
@@ -29288,7 +30552,7 @@
           </p:nvSpPr>
           <p:spPr>
             <a:xfrm>
-              <a:off x="3617890" y="5985995"/>
+              <a:off x="3951668" y="5985995"/>
               <a:ext cx="283335" cy="283335"/>
             </a:xfrm>
             <a:prstGeom prst="ellipse">
@@ -29349,7 +30613,7 @@
           </p:nvCxnSpPr>
           <p:spPr>
             <a:xfrm flipV="1">
-              <a:off x="3901225" y="6127662"/>
+              <a:off x="4235003" y="6127662"/>
               <a:ext cx="384220" cy="0"/>
             </a:xfrm>
             <a:prstGeom prst="line">
@@ -29377,12 +30641,50 @@
           </p:style>
         </p:cxnSp>
       </p:grpSp>
-      <p:sp>
-        <p:nvSpPr>
-          <p:cNvPr id="27" name="Rectangle 26">
-            <a:extLst>
-              <a:ext uri="{FF2B5EF4-FFF2-40B4-BE49-F238E27FC236}">
-                <a16:creationId xmlns:a16="http://schemas.microsoft.com/office/drawing/2014/main" id="{7122A993-DCC6-4DC8-BED8-F1FF621F21C5}"/>
+    </p:spTree>
+    <p:extLst>
+      <p:ext uri="{BB962C8B-B14F-4D97-AF65-F5344CB8AC3E}">
+        <p14:creationId xmlns:p14="http://schemas.microsoft.com/office/powerpoint/2010/main" val="2744338025"/>
+      </p:ext>
+    </p:extLst>
+  </p:cSld>
+  <p:clrMapOvr>
+    <a:masterClrMapping/>
+  </p:clrMapOvr>
+</p:sld>
+</file>
+
+<file path=ppt/slides/slide30.xml><?xml version="1.0" encoding="utf-8"?>
+<p:sld xmlns:a="http://schemas.openxmlformats.org/drawingml/2006/main" xmlns:r="http://schemas.openxmlformats.org/officeDocument/2006/relationships" xmlns:p="http://schemas.openxmlformats.org/presentationml/2006/main">
+  <p:cSld>
+    <p:bg>
+      <p:bgPr>
+        <a:solidFill>
+          <a:srgbClr val="7451EB"/>
+        </a:solidFill>
+        <a:effectLst/>
+      </p:bgPr>
+    </p:bg>
+    <p:spTree>
+      <p:nvGrpSpPr>
+        <p:cNvPr id="1" name=""/>
+        <p:cNvGrpSpPr/>
+        <p:nvPr/>
+      </p:nvGrpSpPr>
+      <p:grpSpPr>
+        <a:xfrm>
+          <a:off x="0" y="0"/>
+          <a:ext cx="0" cy="0"/>
+          <a:chOff x="0" y="0"/>
+          <a:chExt cx="0" cy="0"/>
+        </a:xfrm>
+      </p:grpSpPr>
+      <p:sp>
+        <p:nvSpPr>
+          <p:cNvPr id="5" name="Rectangle 4">
+            <a:extLst>
+              <a:ext uri="{FF2B5EF4-FFF2-40B4-BE49-F238E27FC236}">
+                <a16:creationId xmlns:a16="http://schemas.microsoft.com/office/drawing/2014/main" id="{A00233D2-38CE-441F-90C9-32F91999758A}"/>
               </a:ext>
             </a:extLst>
           </p:cNvPr>
@@ -29391,18 +30693,18 @@
         </p:nvSpPr>
         <p:spPr>
           <a:xfrm>
-            <a:off x="3300718" y="5954431"/>
-            <a:ext cx="5084746" cy="307777"/>
+            <a:off x="0" y="6400273"/>
+            <a:ext cx="12192000" cy="457727"/>
           </a:xfrm>
           <a:prstGeom prst="rect">
             <a:avLst/>
           </a:prstGeom>
           <a:solidFill>
-            <a:srgbClr val="FF0000"/>
+            <a:schemeClr val="bg1"/>
           </a:solidFill>
           <a:ln>
             <a:solidFill>
-              <a:srgbClr val="FF0000"/>
+              <a:schemeClr val="bg1"/>
             </a:solidFill>
           </a:ln>
         </p:spPr>
@@ -29427,14 +30729,220 @@
           <a:lstStyle/>
           <a:p>
             <a:pPr algn="ctr"/>
-            <a:endParaRPr lang="fr-FR"/>
+            <a:endParaRPr lang="en-US" dirty="0"/>
+          </a:p>
+        </p:txBody>
+      </p:sp>
+      <p:sp>
+        <p:nvSpPr>
+          <p:cNvPr id="15" name="TextBox 3">
+            <a:extLst>
+              <a:ext uri="{FF2B5EF4-FFF2-40B4-BE49-F238E27FC236}">
+                <a16:creationId xmlns:a16="http://schemas.microsoft.com/office/drawing/2014/main" id="{47FC2DCC-BDE9-485D-AF79-4177B5479110}"/>
+              </a:ext>
+            </a:extLst>
+          </p:cNvPr>
+          <p:cNvSpPr txBox="1"/>
+          <p:nvPr/>
+        </p:nvSpPr>
+        <p:spPr>
+          <a:xfrm>
+            <a:off x="10543592" y="6475247"/>
+            <a:ext cx="1648408" cy="307777"/>
+          </a:xfrm>
+          <a:prstGeom prst="rect">
+            <a:avLst/>
+          </a:prstGeom>
+          <a:noFill/>
+        </p:spPr>
+        <p:txBody>
+          <a:bodyPr wrap="square" rtlCol="0">
+            <a:spAutoFit/>
+          </a:bodyPr>
+          <a:lstStyle/>
+          <a:p>
+            <a:pPr algn="r"/>
+            <a:r>
+              <a:rPr lang="es-CO" sz="1400" b="1" i="1" dirty="0" err="1">
+                <a:ln>
+                  <a:solidFill>
+                    <a:srgbClr val="7451EB"/>
+                  </a:solidFill>
+                </a:ln>
+                <a:solidFill>
+                  <a:srgbClr val="7451EB"/>
+                </a:solidFill>
+                <a:latin typeface="+mj-lt"/>
+              </a:rPr>
+              <a:t>OpenClassrooms</a:t>
+            </a:r>
+            <a:endParaRPr lang="en-US" sz="1400" b="1" i="1" dirty="0">
+              <a:ln>
+                <a:solidFill>
+                  <a:srgbClr val="7451EB"/>
+                </a:solidFill>
+              </a:ln>
+              <a:solidFill>
+                <a:srgbClr val="7451EB"/>
+              </a:solidFill>
+              <a:latin typeface="+mj-lt"/>
+            </a:endParaRPr>
+          </a:p>
+        </p:txBody>
+      </p:sp>
+      <p:sp>
+        <p:nvSpPr>
+          <p:cNvPr id="10" name="Titre 1">
+            <a:extLst>
+              <a:ext uri="{FF2B5EF4-FFF2-40B4-BE49-F238E27FC236}">
+                <a16:creationId xmlns:a16="http://schemas.microsoft.com/office/drawing/2014/main" id="{56659258-1A46-4A0F-B0E4-1AF391BF8DF3}"/>
+              </a:ext>
+            </a:extLst>
+          </p:cNvPr>
+          <p:cNvSpPr txBox="1">
+            <a:spLocks/>
+          </p:cNvSpPr>
+          <p:nvPr/>
+        </p:nvSpPr>
+        <p:spPr>
+          <a:xfrm>
+            <a:off x="279917" y="3128369"/>
+            <a:ext cx="9559407" cy="820048"/>
+          </a:xfrm>
+          <a:prstGeom prst="rect">
+            <a:avLst/>
+          </a:prstGeom>
+          <a:solidFill>
+            <a:schemeClr val="bg1"/>
+          </a:solidFill>
+          <a:ln>
+            <a:solidFill>
+              <a:schemeClr val="bg1"/>
+            </a:solidFill>
+          </a:ln>
+        </p:spPr>
+        <p:txBody>
+          <a:bodyPr vert="horz" lIns="91440" tIns="45720" rIns="91440" bIns="45720" rtlCol="0" anchor="ctr">
+            <a:normAutofit/>
+          </a:bodyPr>
+          <a:lstStyle>
+            <a:lvl1pPr algn="l" defTabSz="914400" rtl="0" eaLnBrk="1" latinLnBrk="0" hangingPunct="1">
+              <a:lnSpc>
+                <a:spcPct val="90000"/>
+              </a:lnSpc>
+              <a:spcBef>
+                <a:spcPct val="0"/>
+              </a:spcBef>
+              <a:buNone/>
+              <a:defRPr sz="4400" kern="1200">
+                <a:solidFill>
+                  <a:schemeClr val="tx1"/>
+                </a:solidFill>
+                <a:latin typeface="+mj-lt"/>
+                <a:ea typeface="+mj-ea"/>
+                <a:cs typeface="+mj-cs"/>
+              </a:defRPr>
+            </a:lvl1pPr>
+          </a:lstStyle>
+          <a:p>
+            <a:r>
+              <a:rPr lang="fr-FR" b="1" dirty="0">
+                <a:ln>
+                  <a:solidFill>
+                    <a:srgbClr val="7451EB"/>
+                  </a:solidFill>
+                </a:ln>
+                <a:solidFill>
+                  <a:srgbClr val="7451EB"/>
+                </a:solidFill>
+                <a:effectLst>
+                  <a:outerShdw blurRad="38100" dist="38100" dir="2700000" algn="tl">
+                    <a:srgbClr val="000000">
+                      <a:alpha val="43137"/>
+                    </a:srgbClr>
+                  </a:outerShdw>
+                </a:effectLst>
+                <a:latin typeface="Google Sans"/>
+              </a:rPr>
+              <a:t>Annexes</a:t>
+            </a:r>
+          </a:p>
+        </p:txBody>
+      </p:sp>
+      <p:sp>
+        <p:nvSpPr>
+          <p:cNvPr id="9" name="TextBox 3">
+            <a:extLst>
+              <a:ext uri="{FF2B5EF4-FFF2-40B4-BE49-F238E27FC236}">
+                <a16:creationId xmlns:a16="http://schemas.microsoft.com/office/drawing/2014/main" id="{C6D4FECF-D4BE-49FA-9B16-246DE19332C2}"/>
+              </a:ext>
+            </a:extLst>
+          </p:cNvPr>
+          <p:cNvSpPr txBox="1"/>
+          <p:nvPr/>
+        </p:nvSpPr>
+        <p:spPr>
+          <a:xfrm>
+            <a:off x="0" y="6475247"/>
+            <a:ext cx="6096000" cy="307777"/>
+          </a:xfrm>
+          <a:prstGeom prst="rect">
+            <a:avLst/>
+          </a:prstGeom>
+          <a:noFill/>
+        </p:spPr>
+        <p:txBody>
+          <a:bodyPr wrap="square" rtlCol="0">
+            <a:spAutoFit/>
+          </a:bodyPr>
+          <a:lstStyle/>
+          <a:p>
+            <a:r>
+              <a:rPr lang="fr-FR" sz="1400" dirty="0">
+                <a:ln>
+                  <a:solidFill>
+                    <a:srgbClr val="7451EB"/>
+                  </a:solidFill>
+                </a:ln>
+                <a:solidFill>
+                  <a:srgbClr val="7451EB"/>
+                </a:solidFill>
+                <a:latin typeface="Calibri Light (En-têtes)"/>
+              </a:rPr>
+              <a:t>Project 7 – implémentation d’un modèle de </a:t>
+            </a:r>
+            <a:r>
+              <a:rPr lang="fr-FR" sz="1400" dirty="0" err="1">
+                <a:ln>
+                  <a:solidFill>
+                    <a:srgbClr val="7451EB"/>
+                  </a:solidFill>
+                </a:ln>
+                <a:solidFill>
+                  <a:srgbClr val="7451EB"/>
+                </a:solidFill>
+                <a:latin typeface="Calibri Light (En-têtes)"/>
+              </a:rPr>
+              <a:t>scoring</a:t>
+            </a:r>
+            <a:endParaRPr lang="fr-FR" sz="1400" dirty="0">
+              <a:ln>
+                <a:solidFill>
+                  <a:srgbClr val="7451EB"/>
+                </a:solidFill>
+              </a:ln>
+              <a:solidFill>
+                <a:srgbClr val="7451EB"/>
+              </a:solidFill>
+              <a:latin typeface="Calibri Light (En-têtes)"/>
+            </a:endParaRPr>
           </a:p>
         </p:txBody>
       </p:sp>
     </p:spTree>
     <p:extLst>
       <p:ext uri="{BB962C8B-B14F-4D97-AF65-F5344CB8AC3E}">
-        <p14:creationId xmlns:p14="http://schemas.microsoft.com/office/powerpoint/2010/main" val="2744338025"/>
+        <p14:creationId xmlns:p14="http://schemas.microsoft.com/office/powerpoint/2010/main" val="273381828"/>
       </p:ext>
     </p:extLst>
   </p:cSld>
@@ -30101,42 +31609,6 @@
           </a:p>
         </p:txBody>
       </p:sp>
-      <p:pic>
-        <p:nvPicPr>
-          <p:cNvPr id="4" name="Image 3">
-            <a:extLst>
-              <a:ext uri="{FF2B5EF4-FFF2-40B4-BE49-F238E27FC236}">
-                <a16:creationId xmlns:a16="http://schemas.microsoft.com/office/drawing/2014/main" id="{AC6772F7-EF10-479B-9BBA-035B6D2A7DF1}"/>
-              </a:ext>
-            </a:extLst>
-          </p:cNvPr>
-          <p:cNvPicPr>
-            <a:picLocks noChangeAspect="1"/>
-          </p:cNvPicPr>
-          <p:nvPr/>
-        </p:nvPicPr>
-        <p:blipFill>
-          <a:blip r:embed="rId4">
-            <a:extLst>
-              <a:ext uri="{28A0092B-C50C-407E-A947-70E740481C1C}">
-                <a14:useLocalDpi xmlns:a14="http://schemas.microsoft.com/office/drawing/2010/main" val="0"/>
-              </a:ext>
-            </a:extLst>
-          </a:blip>
-          <a:stretch>
-            <a:fillRect/>
-          </a:stretch>
-        </p:blipFill>
-        <p:spPr>
-          <a:xfrm>
-            <a:off x="8234071" y="617936"/>
-            <a:ext cx="3133725" cy="2876550"/>
-          </a:xfrm>
-          <a:prstGeom prst="rect">
-            <a:avLst/>
-          </a:prstGeom>
-        </p:spPr>
-      </p:pic>
       <p:sp>
         <p:nvSpPr>
           <p:cNvPr id="17" name="TextBox 3">
@@ -30236,7 +31708,7 @@
           <p:nvPr/>
         </p:nvPicPr>
         <p:blipFill rotWithShape="1">
-          <a:blip r:embed="rId5">
+          <a:blip r:embed="rId4">
             <a:extLst>
               <a:ext uri="{28A0092B-C50C-407E-A947-70E740481C1C}">
                 <a14:useLocalDpi xmlns:a14="http://schemas.microsoft.com/office/drawing/2010/main" val="0"/>
@@ -30254,6 +31726,52 @@
           <a:prstGeom prst="rect">
             <a:avLst/>
           </a:prstGeom>
+        </p:spPr>
+      </p:pic>
+      <p:pic>
+        <p:nvPicPr>
+          <p:cNvPr id="18" name="Image 17">
+            <a:extLst>
+              <a:ext uri="{FF2B5EF4-FFF2-40B4-BE49-F238E27FC236}">
+                <a16:creationId xmlns:a16="http://schemas.microsoft.com/office/drawing/2014/main" id="{E8EAB24B-EB46-4506-9B10-B1A8A43485A1}"/>
+              </a:ext>
+            </a:extLst>
+          </p:cNvPr>
+          <p:cNvPicPr>
+            <a:picLocks noChangeAspect="1"/>
+          </p:cNvPicPr>
+          <p:nvPr/>
+        </p:nvPicPr>
+        <p:blipFill>
+          <a:blip r:embed="rId5">
+            <a:extLst>
+              <a:ext uri="{28A0092B-C50C-407E-A947-70E740481C1C}">
+                <a14:useLocalDpi xmlns:a14="http://schemas.microsoft.com/office/drawing/2010/main" val="0"/>
+              </a:ext>
+            </a:extLst>
+          </a:blip>
+          <a:stretch>
+            <a:fillRect/>
+          </a:stretch>
+        </p:blipFill>
+        <p:spPr>
+          <a:xfrm>
+            <a:off x="8603248" y="522910"/>
+            <a:ext cx="2677758" cy="2666873"/>
+          </a:xfrm>
+          <a:prstGeom prst="rect">
+            <a:avLst/>
+          </a:prstGeom>
+          <a:ln>
+            <a:noFill/>
+          </a:ln>
+          <a:effectLst>
+            <a:outerShdw blurRad="292100" dist="139700" dir="2700000" algn="tl" rotWithShape="0">
+              <a:srgbClr val="333333">
+                <a:alpha val="65000"/>
+              </a:srgbClr>
+            </a:outerShdw>
+          </a:effectLst>
         </p:spPr>
       </p:pic>
     </p:spTree>
@@ -30573,12 +32091,82 @@
           </a:p>
         </p:txBody>
       </p:sp>
+      <p:sp>
+        <p:nvSpPr>
+          <p:cNvPr id="23" name="TextBox 3">
+            <a:extLst>
+              <a:ext uri="{FF2B5EF4-FFF2-40B4-BE49-F238E27FC236}">
+                <a16:creationId xmlns:a16="http://schemas.microsoft.com/office/drawing/2014/main" id="{1E98A48E-ECA1-430E-9B8C-148CD462A5D4}"/>
+              </a:ext>
+            </a:extLst>
+          </p:cNvPr>
+          <p:cNvSpPr txBox="1"/>
+          <p:nvPr/>
+        </p:nvSpPr>
+        <p:spPr>
+          <a:xfrm>
+            <a:off x="0" y="6475247"/>
+            <a:ext cx="6096000" cy="307777"/>
+          </a:xfrm>
+          <a:prstGeom prst="rect">
+            <a:avLst/>
+          </a:prstGeom>
+          <a:noFill/>
+        </p:spPr>
+        <p:txBody>
+          <a:bodyPr wrap="square" rtlCol="0">
+            <a:spAutoFit/>
+          </a:bodyPr>
+          <a:lstStyle/>
+          <a:p>
+            <a:r>
+              <a:rPr lang="fr-FR" sz="1400" dirty="0">
+                <a:ln>
+                  <a:solidFill>
+                    <a:srgbClr val="7451EB"/>
+                  </a:solidFill>
+                </a:ln>
+                <a:solidFill>
+                  <a:srgbClr val="7451EB"/>
+                </a:solidFill>
+                <a:latin typeface="Calibri Light (En-têtes)"/>
+              </a:rPr>
+              <a:t>Project 7 – implémentation d’un modèle de </a:t>
+            </a:r>
+            <a:r>
+              <a:rPr lang="fr-FR" sz="1400" dirty="0" err="1">
+                <a:ln>
+                  <a:solidFill>
+                    <a:srgbClr val="7451EB"/>
+                  </a:solidFill>
+                </a:ln>
+                <a:solidFill>
+                  <a:srgbClr val="7451EB"/>
+                </a:solidFill>
+                <a:latin typeface="Calibri Light (En-têtes)"/>
+              </a:rPr>
+              <a:t>scoring</a:t>
+            </a:r>
+            <a:endParaRPr lang="fr-FR" sz="1400" dirty="0">
+              <a:ln>
+                <a:solidFill>
+                  <a:srgbClr val="7451EB"/>
+                </a:solidFill>
+              </a:ln>
+              <a:solidFill>
+                <a:srgbClr val="7451EB"/>
+              </a:solidFill>
+              <a:latin typeface="Calibri Light (En-têtes)"/>
+            </a:endParaRPr>
+          </a:p>
+        </p:txBody>
+      </p:sp>
       <p:grpSp>
         <p:nvGrpSpPr>
-          <p:cNvPr id="21" name="Groupe 20">
-            <a:extLst>
-              <a:ext uri="{FF2B5EF4-FFF2-40B4-BE49-F238E27FC236}">
-                <a16:creationId xmlns:a16="http://schemas.microsoft.com/office/drawing/2014/main" id="{FBCA7AAB-FB4E-489D-AAD0-C1EFFE0DFC49}"/>
+          <p:cNvPr id="24" name="Groupe 23">
+            <a:extLst>
+              <a:ext uri="{FF2B5EF4-FFF2-40B4-BE49-F238E27FC236}">
+                <a16:creationId xmlns:a16="http://schemas.microsoft.com/office/drawing/2014/main" id="{2800D381-E4F3-4891-9002-D62C3138EC41}"/>
               </a:ext>
             </a:extLst>
           </p:cNvPr>
@@ -30587,18 +32175,18 @@
         </p:nvGrpSpPr>
         <p:grpSpPr>
           <a:xfrm>
-            <a:off x="3951668" y="5975261"/>
-            <a:ext cx="4288665" cy="425012"/>
-            <a:chOff x="3617890" y="5975261"/>
-            <a:chExt cx="4288665" cy="425012"/>
+            <a:off x="4285445" y="5975261"/>
+            <a:ext cx="3621110" cy="425012"/>
+            <a:chOff x="3951668" y="5975261"/>
+            <a:chExt cx="3621110" cy="425012"/>
           </a:xfrm>
         </p:grpSpPr>
         <p:cxnSp>
           <p:nvCxnSpPr>
-            <p:cNvPr id="34" name="Straight Connector 21">
+            <p:cNvPr id="25" name="Straight Connector 21">
               <a:extLst>
                 <a:ext uri="{FF2B5EF4-FFF2-40B4-BE49-F238E27FC236}">
-                  <a16:creationId xmlns:a16="http://schemas.microsoft.com/office/drawing/2014/main" id="{1D420061-9156-46DE-BA25-5EC3C2B0E2ED}"/>
+                  <a16:creationId xmlns:a16="http://schemas.microsoft.com/office/drawing/2014/main" id="{8A4DED93-0D2B-484C-9989-10FA0FA972C8}"/>
                 </a:ext>
               </a:extLst>
             </p:cNvPr>
@@ -30607,7 +32195,7 @@
           </p:nvCxnSpPr>
           <p:spPr>
             <a:xfrm>
-              <a:off x="5173057" y="6400273"/>
+              <a:off x="5506835" y="6400273"/>
               <a:ext cx="0" cy="0"/>
             </a:xfrm>
             <a:prstGeom prst="line">
@@ -30631,10 +32219,10 @@
         </p:cxnSp>
         <p:sp>
           <p:nvSpPr>
-            <p:cNvPr id="35" name="Oval 19">
+            <p:cNvPr id="26" name="Oval 19">
               <a:extLst>
                 <a:ext uri="{FF2B5EF4-FFF2-40B4-BE49-F238E27FC236}">
-                  <a16:creationId xmlns:a16="http://schemas.microsoft.com/office/drawing/2014/main" id="{43D695D0-C2A3-4BCD-A2B4-DC1D2B999CA6}"/>
+                  <a16:creationId xmlns:a16="http://schemas.microsoft.com/office/drawing/2014/main" id="{4BB1C1AC-0E36-4470-8D62-9175D14D575A}"/>
                 </a:ext>
               </a:extLst>
             </p:cNvPr>
@@ -30643,7 +32231,7 @@
           </p:nvSpPr>
           <p:spPr>
             <a:xfrm>
-              <a:off x="4953000" y="5975263"/>
+              <a:off x="5286778" y="5975263"/>
               <a:ext cx="283335" cy="283335"/>
             </a:xfrm>
             <a:prstGeom prst="ellipse">
@@ -30690,10 +32278,10 @@
         </p:sp>
         <p:sp>
           <p:nvSpPr>
-            <p:cNvPr id="36" name="Oval 20">
+            <p:cNvPr id="27" name="Oval 20">
               <a:extLst>
                 <a:ext uri="{FF2B5EF4-FFF2-40B4-BE49-F238E27FC236}">
-                  <a16:creationId xmlns:a16="http://schemas.microsoft.com/office/drawing/2014/main" id="{7EFC5C02-7C75-4ECE-B893-4861F9891026}"/>
+                  <a16:creationId xmlns:a16="http://schemas.microsoft.com/office/drawing/2014/main" id="{42575267-87AA-4F93-B68C-4145F3698DC1}"/>
                 </a:ext>
               </a:extLst>
             </p:cNvPr>
@@ -30702,7 +32290,7 @@
           </p:nvSpPr>
           <p:spPr>
             <a:xfrm>
-              <a:off x="5620555" y="5975262"/>
+              <a:off x="5954333" y="5975262"/>
               <a:ext cx="283335" cy="283335"/>
             </a:xfrm>
             <a:prstGeom prst="ellipse">
@@ -30749,22 +32337,22 @@
         </p:sp>
         <p:cxnSp>
           <p:nvCxnSpPr>
-            <p:cNvPr id="37" name="Straight Connector 22">
+            <p:cNvPr id="28" name="Straight Connector 22">
               <a:extLst>
                 <a:ext uri="{FF2B5EF4-FFF2-40B4-BE49-F238E27FC236}">
-                  <a16:creationId xmlns:a16="http://schemas.microsoft.com/office/drawing/2014/main" id="{1F5CAE44-1901-4ED8-99B7-E64B5AB93D9A}"/>
+                  <a16:creationId xmlns:a16="http://schemas.microsoft.com/office/drawing/2014/main" id="{0D824CEA-7EA6-4A90-B9AD-1432E7155B40}"/>
                 </a:ext>
               </a:extLst>
             </p:cNvPr>
             <p:cNvCxnSpPr>
-              <a:stCxn id="35" idx="6"/>
-              <a:endCxn id="36" idx="2"/>
+              <a:stCxn id="26" idx="6"/>
+              <a:endCxn id="27" idx="2"/>
             </p:cNvCxnSpPr>
             <p:nvPr/>
           </p:nvCxnSpPr>
           <p:spPr>
             <a:xfrm flipV="1">
-              <a:off x="5236335" y="6116929"/>
+              <a:off x="5570113" y="6116929"/>
               <a:ext cx="384220" cy="0"/>
             </a:xfrm>
             <a:prstGeom prst="line">
@@ -30793,10 +32381,10 @@
         </p:cxnSp>
         <p:sp>
           <p:nvSpPr>
-            <p:cNvPr id="38" name="Oval 23">
+            <p:cNvPr id="29" name="Oval 23">
               <a:extLst>
                 <a:ext uri="{FF2B5EF4-FFF2-40B4-BE49-F238E27FC236}">
-                  <a16:creationId xmlns:a16="http://schemas.microsoft.com/office/drawing/2014/main" id="{CEF9169F-1F17-449A-82AE-6770DED010FB}"/>
+                  <a16:creationId xmlns:a16="http://schemas.microsoft.com/office/drawing/2014/main" id="{0CA7138E-C15E-4BD2-9650-CFE20AB8A3A9}"/>
                 </a:ext>
               </a:extLst>
             </p:cNvPr>
@@ -30805,7 +32393,7 @@
           </p:nvSpPr>
           <p:spPr>
             <a:xfrm>
-              <a:off x="6288110" y="5975261"/>
+              <a:off x="6621888" y="5975261"/>
               <a:ext cx="283335" cy="283335"/>
             </a:xfrm>
             <a:prstGeom prst="ellipse">
@@ -30852,21 +32440,21 @@
         </p:sp>
         <p:cxnSp>
           <p:nvCxnSpPr>
-            <p:cNvPr id="39" name="Straight Connector 24">
+            <p:cNvPr id="30" name="Straight Connector 24">
               <a:extLst>
                 <a:ext uri="{FF2B5EF4-FFF2-40B4-BE49-F238E27FC236}">
-                  <a16:creationId xmlns:a16="http://schemas.microsoft.com/office/drawing/2014/main" id="{AE246762-1E31-475B-803F-949665A2361F}"/>
+                  <a16:creationId xmlns:a16="http://schemas.microsoft.com/office/drawing/2014/main" id="{C4FFA386-08A7-4C40-84BF-3717C05D8CA1}"/>
                 </a:ext>
               </a:extLst>
             </p:cNvPr>
             <p:cNvCxnSpPr>
-              <a:endCxn id="38" idx="2"/>
+              <a:endCxn id="29" idx="2"/>
             </p:cNvCxnSpPr>
             <p:nvPr/>
           </p:nvCxnSpPr>
           <p:spPr>
             <a:xfrm flipV="1">
-              <a:off x="5903890" y="6116928"/>
+              <a:off x="6237668" y="6116928"/>
               <a:ext cx="384220" cy="0"/>
             </a:xfrm>
             <a:prstGeom prst="line">
@@ -30895,10 +32483,10 @@
         </p:cxnSp>
         <p:sp>
           <p:nvSpPr>
-            <p:cNvPr id="40" name="Oval 11">
+            <p:cNvPr id="31" name="Oval 11">
               <a:extLst>
                 <a:ext uri="{FF2B5EF4-FFF2-40B4-BE49-F238E27FC236}">
-                  <a16:creationId xmlns:a16="http://schemas.microsoft.com/office/drawing/2014/main" id="{EA1A8E14-1016-4407-9739-35FA1D74A925}"/>
+                  <a16:creationId xmlns:a16="http://schemas.microsoft.com/office/drawing/2014/main" id="{0A0251D9-5D01-4360-A67A-19A22C64F1F9}"/>
                 </a:ext>
               </a:extLst>
             </p:cNvPr>
@@ -30907,7 +32495,7 @@
           </p:nvSpPr>
           <p:spPr>
             <a:xfrm>
-              <a:off x="4285445" y="5985995"/>
+              <a:off x="4619223" y="5985995"/>
               <a:ext cx="283335" cy="283335"/>
             </a:xfrm>
             <a:prstGeom prst="ellipse">
@@ -30956,10 +32544,10 @@
         </p:sp>
         <p:cxnSp>
           <p:nvCxnSpPr>
-            <p:cNvPr id="41" name="Straight Connector 16">
+            <p:cNvPr id="32" name="Straight Connector 16">
               <a:extLst>
                 <a:ext uri="{FF2B5EF4-FFF2-40B4-BE49-F238E27FC236}">
-                  <a16:creationId xmlns:a16="http://schemas.microsoft.com/office/drawing/2014/main" id="{62D0C836-2847-44B7-A440-52B5560FAA2A}"/>
+                  <a16:creationId xmlns:a16="http://schemas.microsoft.com/office/drawing/2014/main" id="{1AFB74B9-58EC-44FB-B43E-8242A808251E}"/>
                 </a:ext>
               </a:extLst>
             </p:cNvPr>
@@ -30968,7 +32556,7 @@
           </p:nvCxnSpPr>
           <p:spPr>
             <a:xfrm flipV="1">
-              <a:off x="4568780" y="6127662"/>
+              <a:off x="4902558" y="6127662"/>
               <a:ext cx="384220" cy="0"/>
             </a:xfrm>
             <a:prstGeom prst="line">
@@ -30997,10 +32585,10 @@
         </p:cxnSp>
         <p:sp>
           <p:nvSpPr>
-            <p:cNvPr id="42" name="Oval 23">
+            <p:cNvPr id="33" name="Oval 23">
               <a:extLst>
                 <a:ext uri="{FF2B5EF4-FFF2-40B4-BE49-F238E27FC236}">
-                  <a16:creationId xmlns:a16="http://schemas.microsoft.com/office/drawing/2014/main" id="{929D7551-15A3-4CAB-8D4D-38F9B7F38070}"/>
+                  <a16:creationId xmlns:a16="http://schemas.microsoft.com/office/drawing/2014/main" id="{24FE8D34-D93C-466A-9C31-901EAFF28205}"/>
                 </a:ext>
               </a:extLst>
             </p:cNvPr>
@@ -31009,7 +32597,7 @@
           </p:nvSpPr>
           <p:spPr>
             <a:xfrm>
-              <a:off x="6955665" y="5994398"/>
+              <a:off x="7289443" y="5994398"/>
               <a:ext cx="283335" cy="283335"/>
             </a:xfrm>
             <a:prstGeom prst="ellipse">
@@ -31056,21 +32644,21 @@
         </p:sp>
         <p:cxnSp>
           <p:nvCxnSpPr>
-            <p:cNvPr id="43" name="Straight Connector 24">
+            <p:cNvPr id="48" name="Straight Connector 24">
               <a:extLst>
                 <a:ext uri="{FF2B5EF4-FFF2-40B4-BE49-F238E27FC236}">
-                  <a16:creationId xmlns:a16="http://schemas.microsoft.com/office/drawing/2014/main" id="{2ECCDA46-783A-471A-AB54-E6DA3DE5489C}"/>
+                  <a16:creationId xmlns:a16="http://schemas.microsoft.com/office/drawing/2014/main" id="{F20FF687-9EFE-4021-8871-209C302092D2}"/>
                 </a:ext>
               </a:extLst>
             </p:cNvPr>
             <p:cNvCxnSpPr>
-              <a:endCxn id="42" idx="2"/>
+              <a:endCxn id="33" idx="2"/>
             </p:cNvCxnSpPr>
             <p:nvPr/>
           </p:nvCxnSpPr>
           <p:spPr>
             <a:xfrm flipV="1">
-              <a:off x="6571445" y="6136065"/>
+              <a:off x="6905223" y="6136065"/>
               <a:ext cx="384220" cy="0"/>
             </a:xfrm>
             <a:prstGeom prst="line">
@@ -31099,10 +32687,10 @@
         </p:cxnSp>
         <p:sp>
           <p:nvSpPr>
-            <p:cNvPr id="44" name="Oval 23">
+            <p:cNvPr id="49" name="Oval 11">
               <a:extLst>
                 <a:ext uri="{FF2B5EF4-FFF2-40B4-BE49-F238E27FC236}">
-                  <a16:creationId xmlns:a16="http://schemas.microsoft.com/office/drawing/2014/main" id="{5BB8AEBE-84F0-4A70-9B28-2E762EAEE0CA}"/>
+                  <a16:creationId xmlns:a16="http://schemas.microsoft.com/office/drawing/2014/main" id="{1A9E1E5B-22A1-484A-8159-0CC1C98FC65A}"/>
                 </a:ext>
               </a:extLst>
             </p:cNvPr>
@@ -31111,7 +32699,7 @@
           </p:nvSpPr>
           <p:spPr>
             <a:xfrm>
-              <a:off x="7623220" y="5989665"/>
+              <a:off x="3951668" y="5985995"/>
               <a:ext cx="283335" cy="283335"/>
             </a:xfrm>
             <a:prstGeom prst="ellipse">
@@ -31152,118 +32740,16 @@
             <a:lstStyle/>
             <a:p>
               <a:pPr algn="ctr"/>
-              <a:endParaRPr lang="en-US"/>
+              <a:endParaRPr lang="en-US" dirty="0"/>
             </a:p>
           </p:txBody>
         </p:sp>
         <p:cxnSp>
           <p:nvCxnSpPr>
-            <p:cNvPr id="45" name="Straight Connector 24">
+            <p:cNvPr id="50" name="Straight Connector 16">
               <a:extLst>
                 <a:ext uri="{FF2B5EF4-FFF2-40B4-BE49-F238E27FC236}">
-                  <a16:creationId xmlns:a16="http://schemas.microsoft.com/office/drawing/2014/main" id="{6962A4CA-3631-45E1-871F-5FC75C71EE70}"/>
-                </a:ext>
-              </a:extLst>
-            </p:cNvPr>
-            <p:cNvCxnSpPr>
-              <a:endCxn id="44" idx="2"/>
-            </p:cNvCxnSpPr>
-            <p:nvPr/>
-          </p:nvCxnSpPr>
-          <p:spPr>
-            <a:xfrm flipV="1">
-              <a:off x="7239000" y="6131332"/>
-              <a:ext cx="384220" cy="0"/>
-            </a:xfrm>
-            <a:prstGeom prst="line">
-              <a:avLst/>
-            </a:prstGeom>
-            <a:ln>
-              <a:solidFill>
-                <a:schemeClr val="bg1"/>
-              </a:solidFill>
-            </a:ln>
-          </p:spPr>
-          <p:style>
-            <a:lnRef idx="2">
-              <a:schemeClr val="dk1"/>
-            </a:lnRef>
-            <a:fillRef idx="0">
-              <a:schemeClr val="dk1"/>
-            </a:fillRef>
-            <a:effectRef idx="1">
-              <a:schemeClr val="dk1"/>
-            </a:effectRef>
-            <a:fontRef idx="minor">
-              <a:schemeClr val="tx1"/>
-            </a:fontRef>
-          </p:style>
-        </p:cxnSp>
-        <p:sp>
-          <p:nvSpPr>
-            <p:cNvPr id="46" name="Oval 11">
-              <a:extLst>
-                <a:ext uri="{FF2B5EF4-FFF2-40B4-BE49-F238E27FC236}">
-                  <a16:creationId xmlns:a16="http://schemas.microsoft.com/office/drawing/2014/main" id="{5C6FE0DA-E9D7-450B-A2B3-ABA4A2B8D706}"/>
-                </a:ext>
-              </a:extLst>
-            </p:cNvPr>
-            <p:cNvSpPr/>
-            <p:nvPr/>
-          </p:nvSpPr>
-          <p:spPr>
-            <a:xfrm>
-              <a:off x="3617890" y="5985995"/>
-              <a:ext cx="283335" cy="283335"/>
-            </a:xfrm>
-            <a:prstGeom prst="ellipse">
-              <a:avLst/>
-            </a:prstGeom>
-            <a:noFill/>
-            <a:ln>
-              <a:solidFill>
-                <a:schemeClr val="bg1"/>
-              </a:solidFill>
-            </a:ln>
-            <a:effectLst>
-              <a:outerShdw blurRad="50800" dist="38100" dir="2700000" algn="tl" rotWithShape="0">
-                <a:prstClr val="black">
-                  <a:alpha val="40000"/>
-                </a:prstClr>
-              </a:outerShdw>
-            </a:effectLst>
-          </p:spPr>
-          <p:style>
-            <a:lnRef idx="2">
-              <a:schemeClr val="accent1">
-                <a:shade val="50000"/>
-              </a:schemeClr>
-            </a:lnRef>
-            <a:fillRef idx="1">
-              <a:schemeClr val="accent1"/>
-            </a:fillRef>
-            <a:effectRef idx="0">
-              <a:schemeClr val="accent1"/>
-            </a:effectRef>
-            <a:fontRef idx="minor">
-              <a:schemeClr val="lt1"/>
-            </a:fontRef>
-          </p:style>
-          <p:txBody>
-            <a:bodyPr rtlCol="0" anchor="ctr"/>
-            <a:lstStyle/>
-            <a:p>
-              <a:pPr algn="ctr"/>
-              <a:endParaRPr lang="en-US"/>
-            </a:p>
-          </p:txBody>
-        </p:sp>
-        <p:cxnSp>
-          <p:nvCxnSpPr>
-            <p:cNvPr id="47" name="Straight Connector 16">
-              <a:extLst>
-                <a:ext uri="{FF2B5EF4-FFF2-40B4-BE49-F238E27FC236}">
-                  <a16:creationId xmlns:a16="http://schemas.microsoft.com/office/drawing/2014/main" id="{08669483-E4E4-466F-A538-308022CA1531}"/>
+                  <a16:creationId xmlns:a16="http://schemas.microsoft.com/office/drawing/2014/main" id="{D8382C66-470B-44B3-87D7-21ECDF6A1E72}"/>
                 </a:ext>
               </a:extLst>
             </p:cNvPr>
@@ -31272,7 +32758,7 @@
           </p:nvCxnSpPr>
           <p:spPr>
             <a:xfrm flipV="1">
-              <a:off x="3901225" y="6127662"/>
+              <a:off x="4235003" y="6127662"/>
               <a:ext cx="384220" cy="0"/>
             </a:xfrm>
             <a:prstGeom prst="line">
@@ -31300,130 +32786,6 @@
           </p:style>
         </p:cxnSp>
       </p:grpSp>
-      <p:sp>
-        <p:nvSpPr>
-          <p:cNvPr id="22" name="Rectangle 21">
-            <a:extLst>
-              <a:ext uri="{FF2B5EF4-FFF2-40B4-BE49-F238E27FC236}">
-                <a16:creationId xmlns:a16="http://schemas.microsoft.com/office/drawing/2014/main" id="{7BCC552F-BCE8-440F-ACF4-7E5C50BB468F}"/>
-              </a:ext>
-            </a:extLst>
-          </p:cNvPr>
-          <p:cNvSpPr/>
-          <p:nvPr/>
-        </p:nvSpPr>
-        <p:spPr>
-          <a:xfrm>
-            <a:off x="3300718" y="5954431"/>
-            <a:ext cx="5084746" cy="307777"/>
-          </a:xfrm>
-          <a:prstGeom prst="rect">
-            <a:avLst/>
-          </a:prstGeom>
-          <a:solidFill>
-            <a:srgbClr val="FF0000"/>
-          </a:solidFill>
-          <a:ln>
-            <a:solidFill>
-              <a:srgbClr val="FF0000"/>
-            </a:solidFill>
-          </a:ln>
-        </p:spPr>
-        <p:style>
-          <a:lnRef idx="2">
-            <a:schemeClr val="accent1">
-              <a:shade val="50000"/>
-            </a:schemeClr>
-          </a:lnRef>
-          <a:fillRef idx="1">
-            <a:schemeClr val="accent1"/>
-          </a:fillRef>
-          <a:effectRef idx="0">
-            <a:schemeClr val="accent1"/>
-          </a:effectRef>
-          <a:fontRef idx="minor">
-            <a:schemeClr val="lt1"/>
-          </a:fontRef>
-        </p:style>
-        <p:txBody>
-          <a:bodyPr rtlCol="0" anchor="ctr"/>
-          <a:lstStyle/>
-          <a:p>
-            <a:pPr algn="ctr"/>
-            <a:endParaRPr lang="fr-FR"/>
-          </a:p>
-        </p:txBody>
-      </p:sp>
-      <p:sp>
-        <p:nvSpPr>
-          <p:cNvPr id="23" name="TextBox 3">
-            <a:extLst>
-              <a:ext uri="{FF2B5EF4-FFF2-40B4-BE49-F238E27FC236}">
-                <a16:creationId xmlns:a16="http://schemas.microsoft.com/office/drawing/2014/main" id="{1E98A48E-ECA1-430E-9B8C-148CD462A5D4}"/>
-              </a:ext>
-            </a:extLst>
-          </p:cNvPr>
-          <p:cNvSpPr txBox="1"/>
-          <p:nvPr/>
-        </p:nvSpPr>
-        <p:spPr>
-          <a:xfrm>
-            <a:off x="0" y="6475247"/>
-            <a:ext cx="6096000" cy="307777"/>
-          </a:xfrm>
-          <a:prstGeom prst="rect">
-            <a:avLst/>
-          </a:prstGeom>
-          <a:noFill/>
-        </p:spPr>
-        <p:txBody>
-          <a:bodyPr wrap="square" rtlCol="0">
-            <a:spAutoFit/>
-          </a:bodyPr>
-          <a:lstStyle/>
-          <a:p>
-            <a:r>
-              <a:rPr lang="fr-FR" sz="1400" dirty="0">
-                <a:ln>
-                  <a:solidFill>
-                    <a:srgbClr val="7451EB"/>
-                  </a:solidFill>
-                </a:ln>
-                <a:solidFill>
-                  <a:srgbClr val="7451EB"/>
-                </a:solidFill>
-                <a:latin typeface="Calibri Light (En-têtes)"/>
-              </a:rPr>
-              <a:t>Project 7 – implémentation d’un modèle de </a:t>
-            </a:r>
-            <a:r>
-              <a:rPr lang="fr-FR" sz="1400" dirty="0" err="1">
-                <a:ln>
-                  <a:solidFill>
-                    <a:srgbClr val="7451EB"/>
-                  </a:solidFill>
-                </a:ln>
-                <a:solidFill>
-                  <a:srgbClr val="7451EB"/>
-                </a:solidFill>
-                <a:latin typeface="Calibri Light (En-têtes)"/>
-              </a:rPr>
-              <a:t>scoring</a:t>
-            </a:r>
-            <a:endParaRPr lang="fr-FR" sz="1400" dirty="0">
-              <a:ln>
-                <a:solidFill>
-                  <a:srgbClr val="7451EB"/>
-                </a:solidFill>
-              </a:ln>
-              <a:solidFill>
-                <a:srgbClr val="7451EB"/>
-              </a:solidFill>
-              <a:latin typeface="Calibri Light (En-têtes)"/>
-            </a:endParaRPr>
-          </a:p>
-        </p:txBody>
-      </p:sp>
     </p:spTree>
     <p:extLst>
       <p:ext uri="{BB962C8B-B14F-4D97-AF65-F5344CB8AC3E}">
@@ -32611,12 +33973,82 @@
           </a:p>
         </p:txBody>
       </p:sp>
+      <p:sp>
+        <p:nvSpPr>
+          <p:cNvPr id="24" name="TextBox 3">
+            <a:extLst>
+              <a:ext uri="{FF2B5EF4-FFF2-40B4-BE49-F238E27FC236}">
+                <a16:creationId xmlns:a16="http://schemas.microsoft.com/office/drawing/2014/main" id="{2478C8AA-C503-4113-8141-41709AEFCA86}"/>
+              </a:ext>
+            </a:extLst>
+          </p:cNvPr>
+          <p:cNvSpPr txBox="1"/>
+          <p:nvPr/>
+        </p:nvSpPr>
+        <p:spPr>
+          <a:xfrm>
+            <a:off x="0" y="6475247"/>
+            <a:ext cx="6096000" cy="307777"/>
+          </a:xfrm>
+          <a:prstGeom prst="rect">
+            <a:avLst/>
+          </a:prstGeom>
+          <a:noFill/>
+        </p:spPr>
+        <p:txBody>
+          <a:bodyPr wrap="square" rtlCol="0">
+            <a:spAutoFit/>
+          </a:bodyPr>
+          <a:lstStyle/>
+          <a:p>
+            <a:r>
+              <a:rPr lang="fr-FR" sz="1400" dirty="0">
+                <a:ln>
+                  <a:solidFill>
+                    <a:srgbClr val="7451EB"/>
+                  </a:solidFill>
+                </a:ln>
+                <a:solidFill>
+                  <a:srgbClr val="7451EB"/>
+                </a:solidFill>
+                <a:latin typeface="Calibri Light (En-têtes)"/>
+              </a:rPr>
+              <a:t>Project 7 – implémentation d’un modèle de </a:t>
+            </a:r>
+            <a:r>
+              <a:rPr lang="fr-FR" sz="1400" dirty="0" err="1">
+                <a:ln>
+                  <a:solidFill>
+                    <a:srgbClr val="7451EB"/>
+                  </a:solidFill>
+                </a:ln>
+                <a:solidFill>
+                  <a:srgbClr val="7451EB"/>
+                </a:solidFill>
+                <a:latin typeface="Calibri Light (En-têtes)"/>
+              </a:rPr>
+              <a:t>scoring</a:t>
+            </a:r>
+            <a:endParaRPr lang="fr-FR" sz="1400" dirty="0">
+              <a:ln>
+                <a:solidFill>
+                  <a:srgbClr val="7451EB"/>
+                </a:solidFill>
+              </a:ln>
+              <a:solidFill>
+                <a:srgbClr val="7451EB"/>
+              </a:solidFill>
+              <a:latin typeface="Calibri Light (En-têtes)"/>
+            </a:endParaRPr>
+          </a:p>
+        </p:txBody>
+      </p:sp>
       <p:grpSp>
         <p:nvGrpSpPr>
-          <p:cNvPr id="19" name="Groupe 18">
-            <a:extLst>
-              <a:ext uri="{FF2B5EF4-FFF2-40B4-BE49-F238E27FC236}">
-                <a16:creationId xmlns:a16="http://schemas.microsoft.com/office/drawing/2014/main" id="{86CEF87C-78DE-4409-BA49-E7DC54910552}"/>
+          <p:cNvPr id="23" name="Groupe 22">
+            <a:extLst>
+              <a:ext uri="{FF2B5EF4-FFF2-40B4-BE49-F238E27FC236}">
+                <a16:creationId xmlns:a16="http://schemas.microsoft.com/office/drawing/2014/main" id="{DFD7C432-C49B-458F-9DD3-261D0F016767}"/>
               </a:ext>
             </a:extLst>
           </p:cNvPr>
@@ -32625,18 +34057,18 @@
         </p:nvGrpSpPr>
         <p:grpSpPr>
           <a:xfrm>
-            <a:off x="3951668" y="5975261"/>
-            <a:ext cx="4288665" cy="425012"/>
-            <a:chOff x="3617890" y="5975261"/>
-            <a:chExt cx="4288665" cy="425012"/>
+            <a:off x="4285445" y="5975261"/>
+            <a:ext cx="3621110" cy="425012"/>
+            <a:chOff x="3951668" y="5975261"/>
+            <a:chExt cx="3621110" cy="425012"/>
           </a:xfrm>
         </p:grpSpPr>
         <p:cxnSp>
           <p:nvCxnSpPr>
-            <p:cNvPr id="21" name="Straight Connector 21">
+            <p:cNvPr id="25" name="Straight Connector 21">
               <a:extLst>
                 <a:ext uri="{FF2B5EF4-FFF2-40B4-BE49-F238E27FC236}">
-                  <a16:creationId xmlns:a16="http://schemas.microsoft.com/office/drawing/2014/main" id="{C9AC2FEE-4CCF-4537-A692-1483F1EE32C4}"/>
+                  <a16:creationId xmlns:a16="http://schemas.microsoft.com/office/drawing/2014/main" id="{E50722CE-7EDD-4015-A4F2-0BD20A16190B}"/>
                 </a:ext>
               </a:extLst>
             </p:cNvPr>
@@ -32645,7 +34077,7 @@
           </p:nvCxnSpPr>
           <p:spPr>
             <a:xfrm>
-              <a:off x="5173057" y="6400273"/>
+              <a:off x="5506835" y="6400273"/>
               <a:ext cx="0" cy="0"/>
             </a:xfrm>
             <a:prstGeom prst="line">
@@ -32669,10 +34101,10 @@
         </p:cxnSp>
         <p:sp>
           <p:nvSpPr>
-            <p:cNvPr id="34" name="Oval 19">
+            <p:cNvPr id="26" name="Oval 19">
               <a:extLst>
                 <a:ext uri="{FF2B5EF4-FFF2-40B4-BE49-F238E27FC236}">
-                  <a16:creationId xmlns:a16="http://schemas.microsoft.com/office/drawing/2014/main" id="{C8F3A7B3-8232-4018-9589-CB6284388F5C}"/>
+                  <a16:creationId xmlns:a16="http://schemas.microsoft.com/office/drawing/2014/main" id="{8A5DA8C1-ECD6-4965-A349-0F64C036DF49}"/>
                 </a:ext>
               </a:extLst>
             </p:cNvPr>
@@ -32681,7 +34113,7 @@
           </p:nvSpPr>
           <p:spPr>
             <a:xfrm>
-              <a:off x="4953000" y="5975263"/>
+              <a:off x="5286778" y="5975263"/>
               <a:ext cx="283335" cy="283335"/>
             </a:xfrm>
             <a:prstGeom prst="ellipse">
@@ -32730,10 +34162,10 @@
         </p:sp>
         <p:sp>
           <p:nvSpPr>
-            <p:cNvPr id="35" name="Oval 20">
+            <p:cNvPr id="27" name="Oval 20">
               <a:extLst>
                 <a:ext uri="{FF2B5EF4-FFF2-40B4-BE49-F238E27FC236}">
-                  <a16:creationId xmlns:a16="http://schemas.microsoft.com/office/drawing/2014/main" id="{8611ED93-2F11-41C3-B01D-6989E574F9D9}"/>
+                  <a16:creationId xmlns:a16="http://schemas.microsoft.com/office/drawing/2014/main" id="{1579C555-08B1-4300-A8CB-6E16D7C1853D}"/>
                 </a:ext>
               </a:extLst>
             </p:cNvPr>
@@ -32742,7 +34174,7 @@
           </p:nvSpPr>
           <p:spPr>
             <a:xfrm>
-              <a:off x="5620555" y="5975262"/>
+              <a:off x="5954333" y="5975262"/>
               <a:ext cx="283335" cy="283335"/>
             </a:xfrm>
             <a:prstGeom prst="ellipse">
@@ -32789,22 +34221,22 @@
         </p:sp>
         <p:cxnSp>
           <p:nvCxnSpPr>
-            <p:cNvPr id="36" name="Straight Connector 22">
+            <p:cNvPr id="28" name="Straight Connector 22">
               <a:extLst>
                 <a:ext uri="{FF2B5EF4-FFF2-40B4-BE49-F238E27FC236}">
-                  <a16:creationId xmlns:a16="http://schemas.microsoft.com/office/drawing/2014/main" id="{4510A68D-81E4-4F60-9CD0-ECE4C2BA77D3}"/>
+                  <a16:creationId xmlns:a16="http://schemas.microsoft.com/office/drawing/2014/main" id="{12B4E588-46ED-43AE-A529-099E191EEA88}"/>
                 </a:ext>
               </a:extLst>
             </p:cNvPr>
             <p:cNvCxnSpPr>
-              <a:stCxn id="34" idx="6"/>
-              <a:endCxn id="35" idx="2"/>
+              <a:stCxn id="26" idx="6"/>
+              <a:endCxn id="27" idx="2"/>
             </p:cNvCxnSpPr>
             <p:nvPr/>
           </p:nvCxnSpPr>
           <p:spPr>
             <a:xfrm flipV="1">
-              <a:off x="5236335" y="6116929"/>
+              <a:off x="5570113" y="6116929"/>
               <a:ext cx="384220" cy="0"/>
             </a:xfrm>
             <a:prstGeom prst="line">
@@ -32833,10 +34265,10 @@
         </p:cxnSp>
         <p:sp>
           <p:nvSpPr>
-            <p:cNvPr id="37" name="Oval 23">
+            <p:cNvPr id="29" name="Oval 23">
               <a:extLst>
                 <a:ext uri="{FF2B5EF4-FFF2-40B4-BE49-F238E27FC236}">
-                  <a16:creationId xmlns:a16="http://schemas.microsoft.com/office/drawing/2014/main" id="{9A2B8BA8-D8E5-415B-942A-A34A35727185}"/>
+                  <a16:creationId xmlns:a16="http://schemas.microsoft.com/office/drawing/2014/main" id="{C8BCE8FC-D3AA-4453-A7BB-35A4CF0582D0}"/>
                 </a:ext>
               </a:extLst>
             </p:cNvPr>
@@ -32845,7 +34277,7 @@
           </p:nvSpPr>
           <p:spPr>
             <a:xfrm>
-              <a:off x="6288110" y="5975261"/>
+              <a:off x="6621888" y="5975261"/>
               <a:ext cx="283335" cy="283335"/>
             </a:xfrm>
             <a:prstGeom prst="ellipse">
@@ -32892,21 +34324,21 @@
         </p:sp>
         <p:cxnSp>
           <p:nvCxnSpPr>
-            <p:cNvPr id="38" name="Straight Connector 24">
+            <p:cNvPr id="30" name="Straight Connector 24">
               <a:extLst>
                 <a:ext uri="{FF2B5EF4-FFF2-40B4-BE49-F238E27FC236}">
-                  <a16:creationId xmlns:a16="http://schemas.microsoft.com/office/drawing/2014/main" id="{A0711C49-FC45-436E-BFD8-D203520C04BD}"/>
+                  <a16:creationId xmlns:a16="http://schemas.microsoft.com/office/drawing/2014/main" id="{D2F3A9A1-7C8D-41CD-B083-F78F4B1BDB70}"/>
                 </a:ext>
               </a:extLst>
             </p:cNvPr>
             <p:cNvCxnSpPr>
-              <a:endCxn id="37" idx="2"/>
+              <a:endCxn id="29" idx="2"/>
             </p:cNvCxnSpPr>
             <p:nvPr/>
           </p:nvCxnSpPr>
           <p:spPr>
             <a:xfrm flipV="1">
-              <a:off x="5903890" y="6116928"/>
+              <a:off x="6237668" y="6116928"/>
               <a:ext cx="384220" cy="0"/>
             </a:xfrm>
             <a:prstGeom prst="line">
@@ -32935,10 +34367,10 @@
         </p:cxnSp>
         <p:sp>
           <p:nvSpPr>
-            <p:cNvPr id="39" name="Oval 11">
+            <p:cNvPr id="31" name="Oval 11">
               <a:extLst>
                 <a:ext uri="{FF2B5EF4-FFF2-40B4-BE49-F238E27FC236}">
-                  <a16:creationId xmlns:a16="http://schemas.microsoft.com/office/drawing/2014/main" id="{44F66028-EFC2-4D42-90A9-FC9B9ADB82BC}"/>
+                  <a16:creationId xmlns:a16="http://schemas.microsoft.com/office/drawing/2014/main" id="{B95B8731-7A71-452B-BE68-0534590DAC50}"/>
                 </a:ext>
               </a:extLst>
             </p:cNvPr>
@@ -32947,7 +34379,7 @@
           </p:nvSpPr>
           <p:spPr>
             <a:xfrm>
-              <a:off x="4285445" y="5985995"/>
+              <a:off x="4619223" y="5985995"/>
               <a:ext cx="283335" cy="283335"/>
             </a:xfrm>
             <a:prstGeom prst="ellipse">
@@ -32994,10 +34426,10 @@
         </p:sp>
         <p:cxnSp>
           <p:nvCxnSpPr>
-            <p:cNvPr id="40" name="Straight Connector 16">
+            <p:cNvPr id="32" name="Straight Connector 16">
               <a:extLst>
                 <a:ext uri="{FF2B5EF4-FFF2-40B4-BE49-F238E27FC236}">
-                  <a16:creationId xmlns:a16="http://schemas.microsoft.com/office/drawing/2014/main" id="{52CA6681-5C57-4801-BCAD-B1F1F3C6BFB0}"/>
+                  <a16:creationId xmlns:a16="http://schemas.microsoft.com/office/drawing/2014/main" id="{798175CC-80B0-420D-8CBB-A8415A2BA45C}"/>
                 </a:ext>
               </a:extLst>
             </p:cNvPr>
@@ -33006,7 +34438,7 @@
           </p:nvCxnSpPr>
           <p:spPr>
             <a:xfrm flipV="1">
-              <a:off x="4568780" y="6127662"/>
+              <a:off x="4902558" y="6127662"/>
               <a:ext cx="384220" cy="0"/>
             </a:xfrm>
             <a:prstGeom prst="line">
@@ -33035,10 +34467,10 @@
         </p:cxnSp>
         <p:sp>
           <p:nvSpPr>
-            <p:cNvPr id="41" name="Oval 23">
+            <p:cNvPr id="33" name="Oval 23">
               <a:extLst>
                 <a:ext uri="{FF2B5EF4-FFF2-40B4-BE49-F238E27FC236}">
-                  <a16:creationId xmlns:a16="http://schemas.microsoft.com/office/drawing/2014/main" id="{DA91AE97-7B54-4977-A40F-0DC178151634}"/>
+                  <a16:creationId xmlns:a16="http://schemas.microsoft.com/office/drawing/2014/main" id="{62AF5D60-6903-4F4E-8767-7FFC91BA4993}"/>
                 </a:ext>
               </a:extLst>
             </p:cNvPr>
@@ -33047,7 +34479,7 @@
           </p:nvSpPr>
           <p:spPr>
             <a:xfrm>
-              <a:off x="6955665" y="5994398"/>
+              <a:off x="7289443" y="5994398"/>
               <a:ext cx="283335" cy="283335"/>
             </a:xfrm>
             <a:prstGeom prst="ellipse">
@@ -33094,21 +34526,21 @@
         </p:sp>
         <p:cxnSp>
           <p:nvCxnSpPr>
-            <p:cNvPr id="42" name="Straight Connector 24">
+            <p:cNvPr id="47" name="Straight Connector 24">
               <a:extLst>
                 <a:ext uri="{FF2B5EF4-FFF2-40B4-BE49-F238E27FC236}">
-                  <a16:creationId xmlns:a16="http://schemas.microsoft.com/office/drawing/2014/main" id="{4A04BDAC-2A11-4855-98ED-F0EF70B9273F}"/>
+                  <a16:creationId xmlns:a16="http://schemas.microsoft.com/office/drawing/2014/main" id="{9D80E51A-6FD0-4300-98A6-78FEC5CD134C}"/>
                 </a:ext>
               </a:extLst>
             </p:cNvPr>
             <p:cNvCxnSpPr>
-              <a:endCxn id="41" idx="2"/>
+              <a:endCxn id="33" idx="2"/>
             </p:cNvCxnSpPr>
             <p:nvPr/>
           </p:nvCxnSpPr>
           <p:spPr>
             <a:xfrm flipV="1">
-              <a:off x="6571445" y="6136065"/>
+              <a:off x="6905223" y="6136065"/>
               <a:ext cx="384220" cy="0"/>
             </a:xfrm>
             <a:prstGeom prst="line">
@@ -33137,10 +34569,10 @@
         </p:cxnSp>
         <p:sp>
           <p:nvSpPr>
-            <p:cNvPr id="43" name="Oval 23">
+            <p:cNvPr id="48" name="Oval 11">
               <a:extLst>
                 <a:ext uri="{FF2B5EF4-FFF2-40B4-BE49-F238E27FC236}">
-                  <a16:creationId xmlns:a16="http://schemas.microsoft.com/office/drawing/2014/main" id="{FA5C7AD1-252B-4B8A-9EAF-4D02255D1BE8}"/>
+                  <a16:creationId xmlns:a16="http://schemas.microsoft.com/office/drawing/2014/main" id="{7F5E552D-85F7-414B-A600-4EC71A977CFA}"/>
                 </a:ext>
               </a:extLst>
             </p:cNvPr>
@@ -33149,7 +34581,7 @@
           </p:nvSpPr>
           <p:spPr>
             <a:xfrm>
-              <a:off x="7623220" y="5989665"/>
+              <a:off x="3951668" y="5985995"/>
               <a:ext cx="283335" cy="283335"/>
             </a:xfrm>
             <a:prstGeom prst="ellipse">
@@ -33190,118 +34622,16 @@
             <a:lstStyle/>
             <a:p>
               <a:pPr algn="ctr"/>
-              <a:endParaRPr lang="en-US"/>
+              <a:endParaRPr lang="en-US" dirty="0"/>
             </a:p>
           </p:txBody>
         </p:sp>
         <p:cxnSp>
           <p:nvCxnSpPr>
-            <p:cNvPr id="44" name="Straight Connector 24">
+            <p:cNvPr id="49" name="Straight Connector 16">
               <a:extLst>
                 <a:ext uri="{FF2B5EF4-FFF2-40B4-BE49-F238E27FC236}">
-                  <a16:creationId xmlns:a16="http://schemas.microsoft.com/office/drawing/2014/main" id="{ACED5E61-08AF-496F-BD81-CF748FE1151A}"/>
-                </a:ext>
-              </a:extLst>
-            </p:cNvPr>
-            <p:cNvCxnSpPr>
-              <a:endCxn id="43" idx="2"/>
-            </p:cNvCxnSpPr>
-            <p:nvPr/>
-          </p:nvCxnSpPr>
-          <p:spPr>
-            <a:xfrm flipV="1">
-              <a:off x="7239000" y="6131332"/>
-              <a:ext cx="384220" cy="0"/>
-            </a:xfrm>
-            <a:prstGeom prst="line">
-              <a:avLst/>
-            </a:prstGeom>
-            <a:ln>
-              <a:solidFill>
-                <a:schemeClr val="bg1"/>
-              </a:solidFill>
-            </a:ln>
-          </p:spPr>
-          <p:style>
-            <a:lnRef idx="2">
-              <a:schemeClr val="dk1"/>
-            </a:lnRef>
-            <a:fillRef idx="0">
-              <a:schemeClr val="dk1"/>
-            </a:fillRef>
-            <a:effectRef idx="1">
-              <a:schemeClr val="dk1"/>
-            </a:effectRef>
-            <a:fontRef idx="minor">
-              <a:schemeClr val="tx1"/>
-            </a:fontRef>
-          </p:style>
-        </p:cxnSp>
-        <p:sp>
-          <p:nvSpPr>
-            <p:cNvPr id="45" name="Oval 11">
-              <a:extLst>
-                <a:ext uri="{FF2B5EF4-FFF2-40B4-BE49-F238E27FC236}">
-                  <a16:creationId xmlns:a16="http://schemas.microsoft.com/office/drawing/2014/main" id="{A167EEE2-4BF6-499C-A4E8-3768D11F0E28}"/>
-                </a:ext>
-              </a:extLst>
-            </p:cNvPr>
-            <p:cNvSpPr/>
-            <p:nvPr/>
-          </p:nvSpPr>
-          <p:spPr>
-            <a:xfrm>
-              <a:off x="3617890" y="5985995"/>
-              <a:ext cx="283335" cy="283335"/>
-            </a:xfrm>
-            <a:prstGeom prst="ellipse">
-              <a:avLst/>
-            </a:prstGeom>
-            <a:noFill/>
-            <a:ln>
-              <a:solidFill>
-                <a:schemeClr val="bg1"/>
-              </a:solidFill>
-            </a:ln>
-            <a:effectLst>
-              <a:outerShdw blurRad="50800" dist="38100" dir="2700000" algn="tl" rotWithShape="0">
-                <a:prstClr val="black">
-                  <a:alpha val="40000"/>
-                </a:prstClr>
-              </a:outerShdw>
-            </a:effectLst>
-          </p:spPr>
-          <p:style>
-            <a:lnRef idx="2">
-              <a:schemeClr val="accent1">
-                <a:shade val="50000"/>
-              </a:schemeClr>
-            </a:lnRef>
-            <a:fillRef idx="1">
-              <a:schemeClr val="accent1"/>
-            </a:fillRef>
-            <a:effectRef idx="0">
-              <a:schemeClr val="accent1"/>
-            </a:effectRef>
-            <a:fontRef idx="minor">
-              <a:schemeClr val="lt1"/>
-            </a:fontRef>
-          </p:style>
-          <p:txBody>
-            <a:bodyPr rtlCol="0" anchor="ctr"/>
-            <a:lstStyle/>
-            <a:p>
-              <a:pPr algn="ctr"/>
-              <a:endParaRPr lang="en-US"/>
-            </a:p>
-          </p:txBody>
-        </p:sp>
-        <p:cxnSp>
-          <p:nvCxnSpPr>
-            <p:cNvPr id="46" name="Straight Connector 16">
-              <a:extLst>
-                <a:ext uri="{FF2B5EF4-FFF2-40B4-BE49-F238E27FC236}">
-                  <a16:creationId xmlns:a16="http://schemas.microsoft.com/office/drawing/2014/main" id="{D443DDAA-27C8-430C-969F-54033FED8B83}"/>
+                  <a16:creationId xmlns:a16="http://schemas.microsoft.com/office/drawing/2014/main" id="{223560E9-D8EA-4F70-8B6E-7C6F0E0DAC7D}"/>
                 </a:ext>
               </a:extLst>
             </p:cNvPr>
@@ -33310,7 +34640,7 @@
           </p:nvCxnSpPr>
           <p:spPr>
             <a:xfrm flipV="1">
-              <a:off x="3901225" y="6127662"/>
+              <a:off x="4235003" y="6127662"/>
               <a:ext cx="384220" cy="0"/>
             </a:xfrm>
             <a:prstGeom prst="line">
@@ -33338,130 +34668,6 @@
           </p:style>
         </p:cxnSp>
       </p:grpSp>
-      <p:sp>
-        <p:nvSpPr>
-          <p:cNvPr id="22" name="Rectangle 21">
-            <a:extLst>
-              <a:ext uri="{FF2B5EF4-FFF2-40B4-BE49-F238E27FC236}">
-                <a16:creationId xmlns:a16="http://schemas.microsoft.com/office/drawing/2014/main" id="{B630A1BC-A89C-4F27-B56C-5A1F2EAEE91F}"/>
-              </a:ext>
-            </a:extLst>
-          </p:cNvPr>
-          <p:cNvSpPr/>
-          <p:nvPr/>
-        </p:nvSpPr>
-        <p:spPr>
-          <a:xfrm>
-            <a:off x="3300718" y="5954431"/>
-            <a:ext cx="5084746" cy="307777"/>
-          </a:xfrm>
-          <a:prstGeom prst="rect">
-            <a:avLst/>
-          </a:prstGeom>
-          <a:solidFill>
-            <a:srgbClr val="FF0000"/>
-          </a:solidFill>
-          <a:ln>
-            <a:solidFill>
-              <a:srgbClr val="FF0000"/>
-            </a:solidFill>
-          </a:ln>
-        </p:spPr>
-        <p:style>
-          <a:lnRef idx="2">
-            <a:schemeClr val="accent1">
-              <a:shade val="50000"/>
-            </a:schemeClr>
-          </a:lnRef>
-          <a:fillRef idx="1">
-            <a:schemeClr val="accent1"/>
-          </a:fillRef>
-          <a:effectRef idx="0">
-            <a:schemeClr val="accent1"/>
-          </a:effectRef>
-          <a:fontRef idx="minor">
-            <a:schemeClr val="lt1"/>
-          </a:fontRef>
-        </p:style>
-        <p:txBody>
-          <a:bodyPr rtlCol="0" anchor="ctr"/>
-          <a:lstStyle/>
-          <a:p>
-            <a:pPr algn="ctr"/>
-            <a:endParaRPr lang="fr-FR"/>
-          </a:p>
-        </p:txBody>
-      </p:sp>
-      <p:sp>
-        <p:nvSpPr>
-          <p:cNvPr id="24" name="TextBox 3">
-            <a:extLst>
-              <a:ext uri="{FF2B5EF4-FFF2-40B4-BE49-F238E27FC236}">
-                <a16:creationId xmlns:a16="http://schemas.microsoft.com/office/drawing/2014/main" id="{2478C8AA-C503-4113-8141-41709AEFCA86}"/>
-              </a:ext>
-            </a:extLst>
-          </p:cNvPr>
-          <p:cNvSpPr txBox="1"/>
-          <p:nvPr/>
-        </p:nvSpPr>
-        <p:spPr>
-          <a:xfrm>
-            <a:off x="0" y="6475247"/>
-            <a:ext cx="6096000" cy="307777"/>
-          </a:xfrm>
-          <a:prstGeom prst="rect">
-            <a:avLst/>
-          </a:prstGeom>
-          <a:noFill/>
-        </p:spPr>
-        <p:txBody>
-          <a:bodyPr wrap="square" rtlCol="0">
-            <a:spAutoFit/>
-          </a:bodyPr>
-          <a:lstStyle/>
-          <a:p>
-            <a:r>
-              <a:rPr lang="fr-FR" sz="1400" dirty="0">
-                <a:ln>
-                  <a:solidFill>
-                    <a:srgbClr val="7451EB"/>
-                  </a:solidFill>
-                </a:ln>
-                <a:solidFill>
-                  <a:srgbClr val="7451EB"/>
-                </a:solidFill>
-                <a:latin typeface="Calibri Light (En-têtes)"/>
-              </a:rPr>
-              <a:t>Project 7 – implémentation d’un modèle de </a:t>
-            </a:r>
-            <a:r>
-              <a:rPr lang="fr-FR" sz="1400" dirty="0" err="1">
-                <a:ln>
-                  <a:solidFill>
-                    <a:srgbClr val="7451EB"/>
-                  </a:solidFill>
-                </a:ln>
-                <a:solidFill>
-                  <a:srgbClr val="7451EB"/>
-                </a:solidFill>
-                <a:latin typeface="Calibri Light (En-têtes)"/>
-              </a:rPr>
-              <a:t>scoring</a:t>
-            </a:r>
-            <a:endParaRPr lang="fr-FR" sz="1400" dirty="0">
-              <a:ln>
-                <a:solidFill>
-                  <a:srgbClr val="7451EB"/>
-                </a:solidFill>
-              </a:ln>
-              <a:solidFill>
-                <a:srgbClr val="7451EB"/>
-              </a:solidFill>
-              <a:latin typeface="Calibri Light (En-têtes)"/>
-            </a:endParaRPr>
-          </a:p>
-        </p:txBody>
-      </p:sp>
     </p:spTree>
     <p:extLst>
       <p:ext uri="{BB962C8B-B14F-4D97-AF65-F5344CB8AC3E}">

--- a/supports/P7_presentation_final.pptx
+++ b/supports/P7_presentation_final.pptx
@@ -4312,6 +4312,34 @@
                 <a:latin typeface="docs-Roboto"/>
               </a:rPr>
               <a:t> que je n'avais pas utilisé encore</a:t>
+            </a:r>
+          </a:p>
+          <a:p>
+            <a:pPr marL="171450" marR="0" lvl="0" indent="-171450" algn="l" defTabSz="914400" rtl="0" eaLnBrk="1" fontAlgn="auto" latinLnBrk="0" hangingPunct="1">
+              <a:lnSpc>
+                <a:spcPct val="100000"/>
+              </a:lnSpc>
+              <a:spcBef>
+                <a:spcPts val="0"/>
+              </a:spcBef>
+              <a:spcAft>
+                <a:spcPts val="0"/>
+              </a:spcAft>
+              <a:buClrTx/>
+              <a:buSzTx/>
+              <a:buFontTx/>
+              <a:buChar char="-"/>
+              <a:tabLst/>
+              <a:defRPr/>
+            </a:pPr>
+            <a:r>
+              <a:rPr lang="fr-FR" dirty="0">
+                <a:solidFill>
+                  <a:srgbClr val="000000"/>
+                </a:solidFill>
+                <a:latin typeface="docs-Roboto"/>
+              </a:rPr>
+              <a:t>Finalement ce le kernel recommandé pour faire le projet</a:t>
             </a:r>
           </a:p>
           <a:p>
@@ -12675,19 +12703,7 @@
               <a:rPr lang="fr-FR" sz="1400" dirty="0">
                 <a:latin typeface="docs-Roboto"/>
               </a:rPr>
-              <a:t>Imputation de la </a:t>
-            </a:r>
-            <a:r>
-              <a:rPr lang="fr-FR" sz="1400" dirty="0" err="1">
-                <a:latin typeface="docs-Roboto"/>
-              </a:rPr>
-              <a:t>moyennee</a:t>
-            </a:r>
-            <a:r>
-              <a:rPr lang="fr-FR" sz="1400" dirty="0">
-                <a:latin typeface="docs-Roboto"/>
-              </a:rPr>
-              <a:t> basée sur la colonne</a:t>
+              <a:t>Imputation de la moyennée basée sur la colonne</a:t>
             </a:r>
           </a:p>
         </p:txBody>
@@ -20622,7 +20638,7 @@
           <a:p>
             <a:r>
               <a:rPr lang="fr-FR" sz="2000" dirty="0"/>
-              <a:t>Les variables le plus important provient d'une source externe</a:t>
+              <a:t>Les variables les plus importantes proviennent d'une source externe</a:t>
             </a:r>
           </a:p>
         </p:txBody>
@@ -20798,7 +20814,7 @@
                 </a:solidFill>
                 <a:latin typeface="docs-Roboto"/>
               </a:rPr>
-              <a:t>Pris en compte les différentes variables.</a:t>
+              <a:t>Pris en compte des différentes variables.</a:t>
             </a:r>
             <a:br>
               <a:rPr lang="fr-FR" sz="2000" dirty="0">
@@ -25659,8 +25675,8 @@
         </p:blipFill>
         <p:spPr>
           <a:xfrm>
-            <a:off x="377906" y="1262464"/>
-            <a:ext cx="7561677" cy="4441371"/>
+            <a:off x="377906" y="1129232"/>
+            <a:ext cx="8153652" cy="4789069"/>
           </a:xfrm>
           <a:prstGeom prst="rect">
             <a:avLst/>
@@ -28611,7 +28627,7 @@
               <a:rPr lang="fr-FR" dirty="0" err="1">
                 <a:latin typeface="Google Sans"/>
               </a:rPr>
-              <a:t>hyperpamaretrisation</a:t>
+              <a:t>hyperparametrisation</a:t>
             </a:r>
             <a:r>
               <a:rPr lang="fr-FR" dirty="0">
@@ -31592,7 +31608,7 @@
                 </a:solidFill>
                 <a:latin typeface="Google Sans"/>
               </a:rPr>
-              <a:t>Développer un algorithme de classification qui classifie la demande en crédit accordé ou refusé.</a:t>
+              <a:t>Développer un algorithme de classification qui classifie la demande en crédit accepté ou rejeté.</a:t>
             </a:r>
             <a:endParaRPr lang="fr-FR" sz="2000" b="1" u="none" strike="noStrike" dirty="0">
               <a:ln>

--- a/supports/P7_presentation_final.pptx
+++ b/supports/P7_presentation_final.pptx
@@ -241,7 +241,7 @@
           <a:p>
             <a:fld id="{081908C2-F1FA-4AA1-810C-31F86594FA86}" type="datetimeFigureOut">
               <a:rPr lang="en-US" smtClean="0"/>
-              <a:t>2/5/2022</a:t>
+              <a:t>2/7/2022</a:t>
             </a:fld>
             <a:endParaRPr lang="en-US"/>
           </a:p>
@@ -406,7 +406,7 @@
           <a:p>
             <a:fld id="{56E8D31E-EEDD-42CA-A79A-B9539977145E}" type="datetimeFigureOut">
               <a:rPr lang="en-US" smtClean="0"/>
-              <a:t>2/5/2022</a:t>
+              <a:t>2/7/2022</a:t>
             </a:fld>
             <a:endParaRPr lang="en-US"/>
           </a:p>
@@ -4825,7 +4825,7 @@
           <a:p>
             <a:fld id="{E1DCD729-31D5-4480-98D7-69012EF3B7DD}" type="datetimeFigureOut">
               <a:rPr lang="en-US" smtClean="0"/>
-              <a:t>2/5/2022</a:t>
+              <a:t>2/7/2022</a:t>
             </a:fld>
             <a:endParaRPr lang="en-US"/>
           </a:p>
@@ -5023,7 +5023,7 @@
           <a:p>
             <a:fld id="{E1DCD729-31D5-4480-98D7-69012EF3B7DD}" type="datetimeFigureOut">
               <a:rPr lang="en-US" smtClean="0"/>
-              <a:t>2/5/2022</a:t>
+              <a:t>2/7/2022</a:t>
             </a:fld>
             <a:endParaRPr lang="en-US"/>
           </a:p>
@@ -5231,7 +5231,7 @@
           <a:p>
             <a:fld id="{E1DCD729-31D5-4480-98D7-69012EF3B7DD}" type="datetimeFigureOut">
               <a:rPr lang="en-US" smtClean="0"/>
-              <a:t>2/5/2022</a:t>
+              <a:t>2/7/2022</a:t>
             </a:fld>
             <a:endParaRPr lang="en-US"/>
           </a:p>
@@ -5429,7 +5429,7 @@
           <a:p>
             <a:fld id="{E1DCD729-31D5-4480-98D7-69012EF3B7DD}" type="datetimeFigureOut">
               <a:rPr lang="en-US" smtClean="0"/>
-              <a:t>2/5/2022</a:t>
+              <a:t>2/7/2022</a:t>
             </a:fld>
             <a:endParaRPr lang="en-US"/>
           </a:p>
@@ -5704,7 +5704,7 @@
           <a:p>
             <a:fld id="{E1DCD729-31D5-4480-98D7-69012EF3B7DD}" type="datetimeFigureOut">
               <a:rPr lang="en-US" smtClean="0"/>
-              <a:t>2/5/2022</a:t>
+              <a:t>2/7/2022</a:t>
             </a:fld>
             <a:endParaRPr lang="en-US"/>
           </a:p>
@@ -5969,7 +5969,7 @@
           <a:p>
             <a:fld id="{E1DCD729-31D5-4480-98D7-69012EF3B7DD}" type="datetimeFigureOut">
               <a:rPr lang="en-US" smtClean="0"/>
-              <a:t>2/5/2022</a:t>
+              <a:t>2/7/2022</a:t>
             </a:fld>
             <a:endParaRPr lang="en-US"/>
           </a:p>
@@ -6381,7 +6381,7 @@
           <a:p>
             <a:fld id="{E1DCD729-31D5-4480-98D7-69012EF3B7DD}" type="datetimeFigureOut">
               <a:rPr lang="en-US" smtClean="0"/>
-              <a:t>2/5/2022</a:t>
+              <a:t>2/7/2022</a:t>
             </a:fld>
             <a:endParaRPr lang="en-US"/>
           </a:p>
@@ -6522,7 +6522,7 @@
           <a:p>
             <a:fld id="{E1DCD729-31D5-4480-98D7-69012EF3B7DD}" type="datetimeFigureOut">
               <a:rPr lang="en-US" smtClean="0"/>
-              <a:t>2/5/2022</a:t>
+              <a:t>2/7/2022</a:t>
             </a:fld>
             <a:endParaRPr lang="en-US"/>
           </a:p>
@@ -6635,7 +6635,7 @@
           <a:p>
             <a:fld id="{E1DCD729-31D5-4480-98D7-69012EF3B7DD}" type="datetimeFigureOut">
               <a:rPr lang="en-US" smtClean="0"/>
-              <a:t>2/5/2022</a:t>
+              <a:t>2/7/2022</a:t>
             </a:fld>
             <a:endParaRPr lang="en-US"/>
           </a:p>
@@ -6946,7 +6946,7 @@
           <a:p>
             <a:fld id="{E1DCD729-31D5-4480-98D7-69012EF3B7DD}" type="datetimeFigureOut">
               <a:rPr lang="en-US" smtClean="0"/>
-              <a:t>2/5/2022</a:t>
+              <a:t>2/7/2022</a:t>
             </a:fld>
             <a:endParaRPr lang="en-US"/>
           </a:p>
@@ -7234,7 +7234,7 @@
           <a:p>
             <a:fld id="{E1DCD729-31D5-4480-98D7-69012EF3B7DD}" type="datetimeFigureOut">
               <a:rPr lang="en-US" smtClean="0"/>
-              <a:t>2/5/2022</a:t>
+              <a:t>2/7/2022</a:t>
             </a:fld>
             <a:endParaRPr lang="en-US"/>
           </a:p>
@@ -7484,7 +7484,7 @@
           <a:p>
             <a:fld id="{E1DCD729-31D5-4480-98D7-69012EF3B7DD}" type="datetimeFigureOut">
               <a:rPr lang="en-US" smtClean="0"/>
-              <a:t>2/5/2022</a:t>
+              <a:t>2/7/2022</a:t>
             </a:fld>
             <a:endParaRPr lang="en-US"/>
           </a:p>
@@ -8614,7 +8614,7 @@
         </p:nvSpPr>
         <p:spPr>
           <a:xfrm>
-            <a:off x="2990626" y="3279296"/>
+            <a:off x="5400451" y="3934396"/>
             <a:ext cx="6131858" cy="369332"/>
           </a:xfrm>
           <a:prstGeom prst="rect">
@@ -8632,14 +8632,26 @@
             <a:r>
               <a:rPr lang="fr-FR" sz="1800" dirty="0">
                 <a:solidFill>
-                  <a:schemeClr val="lt1"/>
+                  <a:srgbClr val="F3F3F3"/>
                 </a:solidFill>
                 <a:latin typeface="Google Sans"/>
                 <a:ea typeface="Fira Sans Condensed Medium"/>
                 <a:cs typeface="Fira Sans Condensed Medium"/>
                 <a:sym typeface="Fira Sans Condensed Medium"/>
               </a:rPr>
-              <a:t>Traitements initiaux</a:t>
+              <a:t>Traitement</a:t>
+            </a:r>
+            <a:r>
+              <a:rPr lang="fr-FR" sz="1800" dirty="0">
+                <a:solidFill>
+                  <a:schemeClr val="lt1"/>
+                </a:solidFill>
+                <a:latin typeface="Google Sans"/>
+                <a:ea typeface="Fira Sans Condensed Medium"/>
+                <a:cs typeface="Fira Sans Condensed Medium"/>
+                <a:sym typeface="Fira Sans Condensed Medium"/>
+              </a:rPr>
+              <a:t>s initiaux</a:t>
             </a:r>
           </a:p>
         </p:txBody>
@@ -35495,10 +35507,10 @@
                 <a:effectLst/>
                 <a:latin typeface="docs-Roboto"/>
               </a:rPr>
-              <a:t> Simple </a:t>
-            </a:r>
-            <a:r>
-              <a:rPr lang="fr-FR" sz="2000" b="1" u="sng" strike="noStrike" dirty="0" err="1">
+              <a:t> Simple Features</a:t>
+            </a:r>
+            <a:r>
+              <a:rPr lang="fr-FR" sz="2000" strike="noStrike" baseline="30000" dirty="0">
                 <a:ln>
                   <a:solidFill>
                     <a:schemeClr val="bg1"/>
@@ -35510,20 +35522,49 @@
                 <a:effectLst/>
                 <a:latin typeface="docs-Roboto"/>
               </a:rPr>
-              <a:t>Features</a:t>
-            </a:r>
-            <a:endParaRPr lang="fr-FR" sz="2000" b="1" u="sng" strike="noStrike" dirty="0">
-              <a:ln>
-                <a:solidFill>
-                  <a:schemeClr val="bg1"/>
-                </a:solidFill>
-              </a:ln>
-              <a:solidFill>
-                <a:schemeClr val="bg1"/>
-              </a:solidFill>
-              <a:effectLst/>
-              <a:latin typeface="docs-Roboto"/>
-            </a:endParaRPr>
+              <a:t>1</a:t>
+            </a:r>
+          </a:p>
+        </p:txBody>
+      </p:sp>
+      <p:sp>
+        <p:nvSpPr>
+          <p:cNvPr id="16" name="ZoneTexte 15">
+            <a:extLst>
+              <a:ext uri="{FF2B5EF4-FFF2-40B4-BE49-F238E27FC236}">
+                <a16:creationId xmlns:a16="http://schemas.microsoft.com/office/drawing/2014/main" id="{D357EE68-171D-4E3E-9387-1C50601BA21D}"/>
+              </a:ext>
+            </a:extLst>
+          </p:cNvPr>
+          <p:cNvSpPr txBox="1"/>
+          <p:nvPr/>
+        </p:nvSpPr>
+        <p:spPr>
+          <a:xfrm>
+            <a:off x="1" y="6138661"/>
+            <a:ext cx="12192000" cy="261610"/>
+          </a:xfrm>
+          <a:prstGeom prst="rect">
+            <a:avLst/>
+          </a:prstGeom>
+          <a:noFill/>
+        </p:spPr>
+        <p:txBody>
+          <a:bodyPr wrap="square">
+            <a:spAutoFit/>
+          </a:bodyPr>
+          <a:lstStyle/>
+          <a:p>
+            <a:r>
+              <a:rPr lang="es-419" sz="1100" dirty="0">
+                <a:solidFill>
+                  <a:schemeClr val="bg1">
+                    <a:lumMod val="75000"/>
+                  </a:schemeClr>
+                </a:solidFill>
+              </a:rPr>
+              <a:t>1 - https://www.kaggle.com/jsaguiar/lightgbm-with-simple-features</a:t>
+            </a:r>
           </a:p>
         </p:txBody>
       </p:sp>

--- a/supports/P7_presentation_final.pptx
+++ b/supports/P7_presentation_final.pptx
@@ -5,10 +5,10 @@
     <p:sldMasterId id="2147483648" r:id="rId1"/>
   </p:sldMasterIdLst>
   <p:notesMasterIdLst>
-    <p:notesMasterId r:id="rId32"/>
+    <p:notesMasterId r:id="rId34"/>
   </p:notesMasterIdLst>
   <p:handoutMasterIdLst>
-    <p:handoutMasterId r:id="rId33"/>
+    <p:handoutMasterId r:id="rId35"/>
   </p:handoutMasterIdLst>
   <p:sldIdLst>
     <p:sldId id="368" r:id="rId2"/>
@@ -24,23 +24,25 @@
     <p:sldId id="694" r:id="rId12"/>
     <p:sldId id="696" r:id="rId13"/>
     <p:sldId id="697" r:id="rId14"/>
-    <p:sldId id="715" r:id="rId15"/>
-    <p:sldId id="700" r:id="rId16"/>
-    <p:sldId id="659" r:id="rId17"/>
-    <p:sldId id="711" r:id="rId18"/>
-    <p:sldId id="712" r:id="rId19"/>
-    <p:sldId id="713" r:id="rId20"/>
-    <p:sldId id="679" r:id="rId21"/>
-    <p:sldId id="709" r:id="rId22"/>
-    <p:sldId id="717" r:id="rId23"/>
-    <p:sldId id="718" r:id="rId24"/>
-    <p:sldId id="714" r:id="rId25"/>
-    <p:sldId id="710" r:id="rId26"/>
-    <p:sldId id="610" r:id="rId27"/>
-    <p:sldId id="716" r:id="rId28"/>
-    <p:sldId id="534" r:id="rId29"/>
-    <p:sldId id="535" r:id="rId30"/>
-    <p:sldId id="633" r:id="rId31"/>
+    <p:sldId id="719" r:id="rId15"/>
+    <p:sldId id="715" r:id="rId16"/>
+    <p:sldId id="700" r:id="rId17"/>
+    <p:sldId id="659" r:id="rId18"/>
+    <p:sldId id="711" r:id="rId19"/>
+    <p:sldId id="720" r:id="rId20"/>
+    <p:sldId id="712" r:id="rId21"/>
+    <p:sldId id="721" r:id="rId22"/>
+    <p:sldId id="679" r:id="rId23"/>
+    <p:sldId id="709" r:id="rId24"/>
+    <p:sldId id="717" r:id="rId25"/>
+    <p:sldId id="718" r:id="rId26"/>
+    <p:sldId id="714" r:id="rId27"/>
+    <p:sldId id="710" r:id="rId28"/>
+    <p:sldId id="610" r:id="rId29"/>
+    <p:sldId id="716" r:id="rId30"/>
+    <p:sldId id="534" r:id="rId31"/>
+    <p:sldId id="535" r:id="rId32"/>
+    <p:sldId id="633" r:id="rId33"/>
   </p:sldIdLst>
   <p:sldSz cx="12192000" cy="6858000"/>
   <p:notesSz cx="6858000" cy="9144000"/>
@@ -1208,280 +1210,6 @@
           <a:bodyPr/>
           <a:lstStyle/>
           <a:p>
-            <a:pPr marL="285750" marR="0" indent="-285750" algn="l" rtl="0" eaLnBrk="1" fontAlgn="auto" latinLnBrk="0" hangingPunct="1">
-              <a:spcBef>
-                <a:spcPts val="0"/>
-              </a:spcBef>
-              <a:spcAft>
-                <a:spcPts val="0"/>
-              </a:spcAft>
-              <a:buFont typeface="Arial" panose="020B0604020202020204" pitchFamily="34" charset="0"/>
-              <a:buChar char="•"/>
-            </a:pPr>
-            <a:r>
-              <a:rPr lang="es-ES" sz="1800" b="0" i="0" u="none" strike="noStrike" kern="1200" dirty="0">
-                <a:solidFill>
-                  <a:srgbClr val="000000"/>
-                </a:solidFill>
-                <a:effectLst/>
-                <a:latin typeface="Calibri" panose="020F0502020204030204" pitchFamily="34" charset="0"/>
-              </a:rPr>
-              <a:t>TN: </a:t>
-            </a:r>
-            <a:r>
-              <a:rPr lang="fr-FR" sz="1800" b="0" i="0" u="none" strike="noStrike" kern="1200" dirty="0">
-                <a:solidFill>
-                  <a:srgbClr val="7F7F7F"/>
-                </a:solidFill>
-                <a:effectLst/>
-                <a:latin typeface="Calibri" panose="020F0502020204030204" pitchFamily="34" charset="0"/>
-              </a:rPr>
-              <a:t>des prêts qui </a:t>
-            </a:r>
-            <a:r>
-              <a:rPr lang="fr-FR" sz="1800" b="1" i="0" u="sng" strike="noStrike" kern="1200" dirty="0">
-                <a:solidFill>
-                  <a:srgbClr val="00B050"/>
-                </a:solidFill>
-                <a:effectLst/>
-                <a:latin typeface="Calibri" panose="020F0502020204030204" pitchFamily="34" charset="0"/>
-              </a:rPr>
-              <a:t>ne sont pas en défaut</a:t>
-            </a:r>
-            <a:r>
-              <a:rPr lang="fr-FR" sz="1800" b="0" i="0" u="none" strike="noStrike" kern="1200" dirty="0">
-                <a:solidFill>
-                  <a:srgbClr val="7F7F7F"/>
-                </a:solidFill>
-                <a:effectLst/>
-                <a:latin typeface="Calibri" panose="020F0502020204030204" pitchFamily="34" charset="0"/>
-              </a:rPr>
-              <a:t> et ont été prédits </a:t>
-            </a:r>
-            <a:r>
-              <a:rPr lang="fr-FR" sz="1800" b="1" i="0" u="sng" strike="noStrike" kern="1200" dirty="0">
-                <a:solidFill>
-                  <a:srgbClr val="00B050"/>
-                </a:solidFill>
-                <a:effectLst/>
-                <a:latin typeface="Calibri" panose="020F0502020204030204" pitchFamily="34" charset="0"/>
-              </a:rPr>
-              <a:t>correctement</a:t>
-            </a:r>
-            <a:endParaRPr lang="fr-FR" sz="1800" b="0" i="0" u="none" strike="noStrike" dirty="0">
-              <a:effectLst/>
-              <a:latin typeface="Arial" panose="020B0604020202020204" pitchFamily="34" charset="0"/>
-            </a:endParaRPr>
-          </a:p>
-          <a:p>
-            <a:pPr marL="285750" marR="0" indent="-285750" algn="l" rtl="0" eaLnBrk="1" fontAlgn="auto" latinLnBrk="0" hangingPunct="1">
-              <a:spcBef>
-                <a:spcPts val="0"/>
-              </a:spcBef>
-              <a:spcAft>
-                <a:spcPts val="0"/>
-              </a:spcAft>
-              <a:buFont typeface="Arial" panose="020B0604020202020204" pitchFamily="34" charset="0"/>
-              <a:buChar char="•"/>
-            </a:pPr>
-            <a:r>
-              <a:rPr lang="es-ES" sz="1800" b="0" i="0" u="none" strike="noStrike" kern="1200" dirty="0">
-                <a:solidFill>
-                  <a:srgbClr val="000000"/>
-                </a:solidFill>
-                <a:effectLst/>
-                <a:latin typeface="Calibri" panose="020F0502020204030204" pitchFamily="34" charset="0"/>
-              </a:rPr>
-              <a:t>TP</a:t>
-            </a:r>
-            <a:r>
-              <a:rPr lang="es-ES" sz="1800" b="0" i="0" u="none" strike="noStrike" kern="1200" dirty="0">
-                <a:solidFill>
-                  <a:srgbClr val="7F7F7F"/>
-                </a:solidFill>
-                <a:effectLst/>
-                <a:latin typeface="Calibri" panose="020F0502020204030204" pitchFamily="34" charset="0"/>
-              </a:rPr>
-              <a:t>: </a:t>
-            </a:r>
-            <a:r>
-              <a:rPr lang="fr-FR" sz="1800" b="0" i="0" u="none" strike="noStrike" kern="1200" dirty="0">
-                <a:solidFill>
-                  <a:srgbClr val="7F7F7F"/>
-                </a:solidFill>
-                <a:effectLst/>
-                <a:latin typeface="Calibri" panose="020F0502020204030204" pitchFamily="34" charset="0"/>
-              </a:rPr>
-              <a:t>des prêts qui </a:t>
-            </a:r>
-            <a:r>
-              <a:rPr lang="fr-FR" sz="1800" b="1" i="0" u="sng" strike="noStrike" kern="1200" dirty="0">
-                <a:solidFill>
-                  <a:srgbClr val="00B050"/>
-                </a:solidFill>
-                <a:effectLst/>
-                <a:latin typeface="Calibri" panose="020F0502020204030204" pitchFamily="34" charset="0"/>
-              </a:rPr>
-              <a:t>sont en défaut </a:t>
-            </a:r>
-            <a:r>
-              <a:rPr lang="fr-FR" sz="1800" b="0" i="0" u="none" strike="noStrike" kern="1200" dirty="0">
-                <a:solidFill>
-                  <a:srgbClr val="7F7F7F"/>
-                </a:solidFill>
-                <a:effectLst/>
-                <a:latin typeface="Calibri" panose="020F0502020204030204" pitchFamily="34" charset="0"/>
-              </a:rPr>
-              <a:t>et ont été prédits </a:t>
-            </a:r>
-            <a:r>
-              <a:rPr lang="fr-FR" sz="1800" b="1" i="0" u="sng" strike="noStrike" kern="1200" dirty="0">
-                <a:solidFill>
-                  <a:srgbClr val="00B050"/>
-                </a:solidFill>
-                <a:effectLst/>
-                <a:latin typeface="Calibri" panose="020F0502020204030204" pitchFamily="34" charset="0"/>
-              </a:rPr>
-              <a:t>correctement</a:t>
-            </a:r>
-            <a:endParaRPr lang="fr-FR" sz="1800" b="0" i="0" u="none" strike="noStrike" dirty="0">
-              <a:effectLst/>
-              <a:latin typeface="Arial" panose="020B0604020202020204" pitchFamily="34" charset="0"/>
-            </a:endParaRPr>
-          </a:p>
-          <a:p>
-            <a:pPr marL="285750" marR="0" indent="-285750" algn="l" rtl="0" eaLnBrk="1" fontAlgn="auto" latinLnBrk="0" hangingPunct="1">
-              <a:spcBef>
-                <a:spcPts val="0"/>
-              </a:spcBef>
-              <a:spcAft>
-                <a:spcPts val="0"/>
-              </a:spcAft>
-              <a:buFont typeface="Arial" panose="020B0604020202020204" pitchFamily="34" charset="0"/>
-              <a:buChar char="•"/>
-            </a:pPr>
-            <a:r>
-              <a:rPr lang="es-ES" sz="1800" b="0" i="0" u="none" strike="noStrike" kern="1200" dirty="0">
-                <a:solidFill>
-                  <a:srgbClr val="000000"/>
-                </a:solidFill>
-                <a:effectLst/>
-                <a:latin typeface="Calibri" panose="020F0502020204030204" pitchFamily="34" charset="0"/>
-              </a:rPr>
-              <a:t>FP: </a:t>
-            </a:r>
-            <a:r>
-              <a:rPr lang="fr-FR" sz="1800" b="0" i="0" u="none" strike="noStrike" kern="1200" dirty="0">
-                <a:solidFill>
-                  <a:srgbClr val="7F7F7F"/>
-                </a:solidFill>
-                <a:effectLst/>
-                <a:latin typeface="Calibri" panose="020F0502020204030204" pitchFamily="34" charset="0"/>
-              </a:rPr>
-              <a:t>des prêts qui </a:t>
-            </a:r>
-            <a:r>
-              <a:rPr lang="fr-FR" sz="1800" b="1" i="0" u="sng" strike="noStrike" kern="1200" dirty="0">
-                <a:solidFill>
-                  <a:srgbClr val="5B9BD5"/>
-                </a:solidFill>
-                <a:effectLst/>
-                <a:latin typeface="Calibri" panose="020F0502020204030204" pitchFamily="34" charset="0"/>
-              </a:rPr>
-              <a:t>ne sont pas en défaut</a:t>
-            </a:r>
-            <a:r>
-              <a:rPr lang="fr-FR" sz="1800" b="0" i="0" u="none" strike="noStrike" kern="1200" dirty="0">
-                <a:solidFill>
-                  <a:srgbClr val="7F7F7F"/>
-                </a:solidFill>
-                <a:effectLst/>
-                <a:latin typeface="Calibri" panose="020F0502020204030204" pitchFamily="34" charset="0"/>
-              </a:rPr>
-              <a:t> et ont été prédites de manière </a:t>
-            </a:r>
-            <a:r>
-              <a:rPr lang="fr-FR" sz="1800" b="1" i="0" u="sng" strike="noStrike" kern="1200" dirty="0">
-                <a:solidFill>
-                  <a:srgbClr val="5B9BD5"/>
-                </a:solidFill>
-                <a:effectLst/>
-                <a:latin typeface="Calibri" panose="020F0502020204030204" pitchFamily="34" charset="0"/>
-              </a:rPr>
-              <a:t>incorrecte</a:t>
-            </a:r>
-            <a:endParaRPr lang="fr-FR" sz="1800" b="0" i="0" u="none" strike="noStrike" dirty="0">
-              <a:effectLst/>
-              <a:latin typeface="Arial" panose="020B0604020202020204" pitchFamily="34" charset="0"/>
-            </a:endParaRPr>
-          </a:p>
-          <a:p>
-            <a:pPr marL="285750" marR="0" indent="-285750" algn="l" rtl="0" eaLnBrk="1" fontAlgn="auto" latinLnBrk="0" hangingPunct="1">
-              <a:spcBef>
-                <a:spcPts val="0"/>
-              </a:spcBef>
-              <a:spcAft>
-                <a:spcPts val="0"/>
-              </a:spcAft>
-              <a:buFont typeface="Arial" panose="020B0604020202020204" pitchFamily="34" charset="0"/>
-              <a:buChar char="•"/>
-            </a:pPr>
-            <a:r>
-              <a:rPr lang="es-ES" sz="1800" b="0" i="0" u="none" strike="noStrike" kern="1200" dirty="0">
-                <a:solidFill>
-                  <a:srgbClr val="000000"/>
-                </a:solidFill>
-                <a:effectLst/>
-                <a:latin typeface="Calibri" panose="020F0502020204030204" pitchFamily="34" charset="0"/>
-              </a:rPr>
-              <a:t>FN: </a:t>
-            </a:r>
-            <a:r>
-              <a:rPr lang="fr-FR" sz="1800" b="0" i="0" u="none" strike="noStrike" kern="1200" dirty="0">
-                <a:solidFill>
-                  <a:srgbClr val="7F7F7F"/>
-                </a:solidFill>
-                <a:effectLst/>
-                <a:latin typeface="Calibri" panose="020F0502020204030204" pitchFamily="34" charset="0"/>
-              </a:rPr>
-              <a:t>des prêts qui </a:t>
-            </a:r>
-            <a:r>
-              <a:rPr lang="fr-FR" sz="1800" b="1" i="0" u="sng" strike="noStrike" kern="1200" dirty="0">
-                <a:solidFill>
-                  <a:srgbClr val="FF0000"/>
-                </a:solidFill>
-                <a:effectLst/>
-                <a:latin typeface="Calibri" panose="020F0502020204030204" pitchFamily="34" charset="0"/>
-              </a:rPr>
-              <a:t>sont en défaut</a:t>
-            </a:r>
-            <a:r>
-              <a:rPr lang="fr-FR" sz="1800" b="0" i="0" u="none" strike="noStrike" kern="1200" dirty="0">
-                <a:solidFill>
-                  <a:srgbClr val="7F7F7F"/>
-                </a:solidFill>
-                <a:effectLst/>
-                <a:latin typeface="Calibri" panose="020F0502020204030204" pitchFamily="34" charset="0"/>
-              </a:rPr>
-              <a:t> et ont été prédites de manière </a:t>
-            </a:r>
-            <a:r>
-              <a:rPr lang="fr-FR" sz="1800" b="1" i="0" u="sng" strike="noStrike" kern="1200" dirty="0">
-                <a:solidFill>
-                  <a:srgbClr val="FF0000"/>
-                </a:solidFill>
-                <a:effectLst/>
-                <a:latin typeface="Calibri" panose="020F0502020204030204" pitchFamily="34" charset="0"/>
-              </a:rPr>
-              <a:t>incorrecte</a:t>
-            </a:r>
-            <a:endParaRPr lang="fr-FR" sz="1800" b="0" i="0" u="none" strike="noStrike" dirty="0">
-              <a:effectLst/>
-              <a:latin typeface="Arial" panose="020B0604020202020204" pitchFamily="34" charset="0"/>
-            </a:endParaRPr>
-          </a:p>
-          <a:p>
             <a:pPr marL="171450" indent="-171450">
               <a:buFontTx/>
               <a:buChar char="-"/>
@@ -1516,7 +1244,7 @@
     </p:spTree>
     <p:extLst>
       <p:ext uri="{BB962C8B-B14F-4D97-AF65-F5344CB8AC3E}">
-        <p14:creationId xmlns:p14="http://schemas.microsoft.com/office/powerpoint/2010/main" val="2765693364"/>
+        <p14:creationId xmlns:p14="http://schemas.microsoft.com/office/powerpoint/2010/main" val="147692979"/>
       </p:ext>
     </p:extLst>
   </p:cSld>
@@ -1570,296 +1298,285 @@
           <a:bodyPr/>
           <a:lstStyle/>
           <a:p>
-            <a:pPr marL="171450" indent="-171450" algn="l">
+            <a:pPr marL="285750" marR="0" indent="-285750" algn="l" rtl="0" eaLnBrk="1" fontAlgn="auto" latinLnBrk="0" hangingPunct="1">
+              <a:spcBef>
+                <a:spcPts val="0"/>
+              </a:spcBef>
+              <a:spcAft>
+                <a:spcPts val="0"/>
+              </a:spcAft>
               <a:buFont typeface="Arial" panose="020B0604020202020204" pitchFamily="34" charset="0"/>
               <a:buChar char="•"/>
             </a:pPr>
             <a:r>
-              <a:rPr lang="fr-FR" b="1" i="0" dirty="0" err="1">
-                <a:solidFill>
-                  <a:srgbClr val="404040"/>
+              <a:rPr lang="es-ES" sz="1800" b="0" i="0" u="none" strike="noStrike" kern="1200" dirty="0">
+                <a:solidFill>
+                  <a:srgbClr val="000000"/>
                 </a:solidFill>
                 <a:effectLst/>
-                <a:latin typeface="Lato" panose="020F0502020204030203" pitchFamily="34" charset="0"/>
-              </a:rPr>
-              <a:t>subsample</a:t>
-            </a:r>
-            <a:r>
-              <a:rPr lang="fr-FR" b="0" i="0" dirty="0">
-                <a:solidFill>
-                  <a:srgbClr val="404040"/>
+                <a:latin typeface="Calibri" panose="020F0502020204030204" pitchFamily="34" charset="0"/>
+              </a:rPr>
+              <a:t>TN: </a:t>
+            </a:r>
+            <a:r>
+              <a:rPr lang="fr-FR" sz="1800" b="0" i="0" u="none" strike="noStrike" kern="1200" dirty="0">
+                <a:solidFill>
+                  <a:srgbClr val="7F7F7F"/>
                 </a:solidFill>
                 <a:effectLst/>
-                <a:latin typeface="Lato" panose="020F0502020204030203" pitchFamily="34" charset="0"/>
-              </a:rPr>
-              <a:t> (</a:t>
-            </a:r>
-            <a:r>
-              <a:rPr lang="fr-FR" b="0" i="1" dirty="0" err="1">
-                <a:solidFill>
-                  <a:srgbClr val="404040"/>
+                <a:latin typeface="Calibri" panose="020F0502020204030204" pitchFamily="34" charset="0"/>
+              </a:rPr>
+              <a:t>des prêts qui </a:t>
+            </a:r>
+            <a:r>
+              <a:rPr lang="fr-FR" sz="1800" b="1" i="0" u="sng" strike="noStrike" kern="1200" dirty="0">
+                <a:solidFill>
+                  <a:srgbClr val="00B050"/>
                 </a:solidFill>
                 <a:effectLst/>
-                <a:latin typeface="Lato" panose="020F0502020204030203" pitchFamily="34" charset="0"/>
-              </a:rPr>
-              <a:t>float</a:t>
-            </a:r>
-            <a:r>
-              <a:rPr lang="fr-FR" b="0" i="1" dirty="0">
-                <a:solidFill>
-                  <a:srgbClr val="404040"/>
+                <a:latin typeface="Calibri" panose="020F0502020204030204" pitchFamily="34" charset="0"/>
+              </a:rPr>
+              <a:t>ne sont pas en défaut</a:t>
+            </a:r>
+            <a:r>
+              <a:rPr lang="fr-FR" sz="1800" b="0" i="0" u="none" strike="noStrike" kern="1200" dirty="0">
+                <a:solidFill>
+                  <a:srgbClr val="7F7F7F"/>
                 </a:solidFill>
                 <a:effectLst/>
-                <a:latin typeface="Lato" panose="020F0502020204030203" pitchFamily="34" charset="0"/>
-              </a:rPr>
-              <a:t>, </a:t>
-            </a:r>
-            <a:r>
-              <a:rPr lang="fr-FR" b="0" i="1" dirty="0" err="1">
-                <a:solidFill>
-                  <a:srgbClr val="404040"/>
+                <a:latin typeface="Calibri" panose="020F0502020204030204" pitchFamily="34" charset="0"/>
+              </a:rPr>
+              <a:t> et ont été prédits </a:t>
+            </a:r>
+            <a:r>
+              <a:rPr lang="fr-FR" sz="1800" b="1" i="0" u="sng" strike="noStrike" kern="1200" dirty="0">
+                <a:solidFill>
+                  <a:srgbClr val="00B050"/>
                 </a:solidFill>
                 <a:effectLst/>
-                <a:latin typeface="Lato" panose="020F0502020204030203" pitchFamily="34" charset="0"/>
-              </a:rPr>
-              <a:t>optional</a:t>
-            </a:r>
-            <a:r>
-              <a:rPr lang="fr-FR" b="0" i="1" dirty="0">
-                <a:solidFill>
-                  <a:srgbClr val="404040"/>
-                </a:solidFill>
-                <a:effectLst/>
-                <a:latin typeface="Lato" panose="020F0502020204030203" pitchFamily="34" charset="0"/>
-              </a:rPr>
-              <a:t> (default=1.)</a:t>
-            </a:r>
-            <a:r>
-              <a:rPr lang="fr-FR" b="0" i="0" dirty="0">
-                <a:solidFill>
-                  <a:srgbClr val="404040"/>
-                </a:solidFill>
-                <a:effectLst/>
-                <a:latin typeface="Lato" panose="020F0502020204030203" pitchFamily="34" charset="0"/>
-              </a:rPr>
-              <a:t>) – </a:t>
-            </a:r>
-            <a:r>
-              <a:rPr lang="fr-FR" b="0" i="0" dirty="0" err="1">
-                <a:solidFill>
-                  <a:srgbClr val="404040"/>
-                </a:solidFill>
-                <a:effectLst/>
-                <a:latin typeface="Lato" panose="020F0502020204030203" pitchFamily="34" charset="0"/>
-              </a:rPr>
-              <a:t>Subsample</a:t>
-            </a:r>
-            <a:r>
-              <a:rPr lang="fr-FR" b="0" i="0" dirty="0">
-                <a:solidFill>
-                  <a:srgbClr val="404040"/>
-                </a:solidFill>
-                <a:effectLst/>
-                <a:latin typeface="Lato" panose="020F0502020204030203" pitchFamily="34" charset="0"/>
-              </a:rPr>
-              <a:t> ratio of the training instance.</a:t>
-            </a:r>
-          </a:p>
-          <a:p>
-            <a:pPr marL="171450" indent="-171450" algn="l">
+                <a:latin typeface="Calibri" panose="020F0502020204030204" pitchFamily="34" charset="0"/>
+              </a:rPr>
+              <a:t>correctement</a:t>
+            </a:r>
+            <a:endParaRPr lang="fr-FR" sz="1800" b="0" i="0" u="none" strike="noStrike" dirty="0">
+              <a:effectLst/>
+              <a:latin typeface="Arial" panose="020B0604020202020204" pitchFamily="34" charset="0"/>
+            </a:endParaRPr>
+          </a:p>
+          <a:p>
+            <a:pPr marL="285750" marR="0" indent="-285750" algn="l" rtl="0" eaLnBrk="1" fontAlgn="auto" latinLnBrk="0" hangingPunct="1">
+              <a:spcBef>
+                <a:spcPts val="0"/>
+              </a:spcBef>
+              <a:spcAft>
+                <a:spcPts val="0"/>
+              </a:spcAft>
               <a:buFont typeface="Arial" panose="020B0604020202020204" pitchFamily="34" charset="0"/>
               <a:buChar char="•"/>
             </a:pPr>
             <a:r>
-              <a:rPr lang="fr-FR" b="1" i="0" dirty="0" err="1">
-                <a:solidFill>
-                  <a:srgbClr val="404040"/>
+              <a:rPr lang="es-ES" sz="1800" b="0" i="0" u="none" strike="noStrike" kern="1200" dirty="0">
+                <a:solidFill>
+                  <a:srgbClr val="000000"/>
                 </a:solidFill>
                 <a:effectLst/>
-                <a:latin typeface="Lato" panose="020F0502020204030203" pitchFamily="34" charset="0"/>
-              </a:rPr>
-              <a:t>colsample_bytree</a:t>
-            </a:r>
-            <a:r>
-              <a:rPr lang="fr-FR" b="0" i="0" dirty="0">
-                <a:solidFill>
-                  <a:srgbClr val="404040"/>
+                <a:latin typeface="Calibri" panose="020F0502020204030204" pitchFamily="34" charset="0"/>
+              </a:rPr>
+              <a:t>TP</a:t>
+            </a:r>
+            <a:r>
+              <a:rPr lang="es-ES" sz="1800" b="0" i="0" u="none" strike="noStrike" kern="1200" dirty="0">
+                <a:solidFill>
+                  <a:srgbClr val="7F7F7F"/>
                 </a:solidFill>
                 <a:effectLst/>
-                <a:latin typeface="Lato" panose="020F0502020204030203" pitchFamily="34" charset="0"/>
-              </a:rPr>
-              <a:t> (</a:t>
-            </a:r>
-            <a:r>
-              <a:rPr lang="fr-FR" b="0" i="1" dirty="0" err="1">
-                <a:solidFill>
-                  <a:srgbClr val="404040"/>
+                <a:latin typeface="Calibri" panose="020F0502020204030204" pitchFamily="34" charset="0"/>
+              </a:rPr>
+              <a:t>: </a:t>
+            </a:r>
+            <a:r>
+              <a:rPr lang="fr-FR" sz="1800" b="0" i="0" u="none" strike="noStrike" kern="1200" dirty="0">
+                <a:solidFill>
+                  <a:srgbClr val="7F7F7F"/>
                 </a:solidFill>
                 <a:effectLst/>
-                <a:latin typeface="Lato" panose="020F0502020204030203" pitchFamily="34" charset="0"/>
-              </a:rPr>
-              <a:t>float</a:t>
-            </a:r>
-            <a:r>
-              <a:rPr lang="fr-FR" b="0" i="1" dirty="0">
-                <a:solidFill>
-                  <a:srgbClr val="404040"/>
+                <a:latin typeface="Calibri" panose="020F0502020204030204" pitchFamily="34" charset="0"/>
+              </a:rPr>
+              <a:t>des prêts qui </a:t>
+            </a:r>
+            <a:r>
+              <a:rPr lang="fr-FR" sz="1800" b="1" i="0" u="sng" strike="noStrike" kern="1200" dirty="0">
+                <a:solidFill>
+                  <a:srgbClr val="00B050"/>
                 </a:solidFill>
                 <a:effectLst/>
-                <a:latin typeface="Lato" panose="020F0502020204030203" pitchFamily="34" charset="0"/>
-              </a:rPr>
-              <a:t>, </a:t>
-            </a:r>
-            <a:r>
-              <a:rPr lang="fr-FR" b="0" i="1" dirty="0" err="1">
-                <a:solidFill>
-                  <a:srgbClr val="404040"/>
+                <a:latin typeface="Calibri" panose="020F0502020204030204" pitchFamily="34" charset="0"/>
+              </a:rPr>
+              <a:t>sont en défaut </a:t>
+            </a:r>
+            <a:r>
+              <a:rPr lang="fr-FR" sz="1800" b="0" i="0" u="none" strike="noStrike" kern="1200" dirty="0">
+                <a:solidFill>
+                  <a:srgbClr val="7F7F7F"/>
                 </a:solidFill>
                 <a:effectLst/>
-                <a:latin typeface="Lato" panose="020F0502020204030203" pitchFamily="34" charset="0"/>
-              </a:rPr>
-              <a:t>optional</a:t>
-            </a:r>
-            <a:r>
-              <a:rPr lang="fr-FR" b="0" i="1" dirty="0">
-                <a:solidFill>
-                  <a:srgbClr val="404040"/>
+                <a:latin typeface="Calibri" panose="020F0502020204030204" pitchFamily="34" charset="0"/>
+              </a:rPr>
+              <a:t>et ont été prédits </a:t>
+            </a:r>
+            <a:r>
+              <a:rPr lang="fr-FR" sz="1800" b="1" i="0" u="sng" strike="noStrike" kern="1200" dirty="0">
+                <a:solidFill>
+                  <a:srgbClr val="00B050"/>
                 </a:solidFill>
                 <a:effectLst/>
-                <a:latin typeface="Lato" panose="020F0502020204030203" pitchFamily="34" charset="0"/>
-              </a:rPr>
-              <a:t> (default=1.)</a:t>
-            </a:r>
-            <a:r>
-              <a:rPr lang="fr-FR" b="0" i="0" dirty="0">
-                <a:solidFill>
-                  <a:srgbClr val="404040"/>
+                <a:latin typeface="Calibri" panose="020F0502020204030204" pitchFamily="34" charset="0"/>
+              </a:rPr>
+              <a:t>correctement</a:t>
+            </a:r>
+            <a:endParaRPr lang="fr-FR" sz="1800" b="0" i="0" u="none" strike="noStrike" dirty="0">
+              <a:effectLst/>
+              <a:latin typeface="Arial" panose="020B0604020202020204" pitchFamily="34" charset="0"/>
+            </a:endParaRPr>
+          </a:p>
+          <a:p>
+            <a:pPr marL="285750" marR="0" indent="-285750" algn="l" rtl="0" eaLnBrk="1" fontAlgn="auto" latinLnBrk="0" hangingPunct="1">
+              <a:spcBef>
+                <a:spcPts val="0"/>
+              </a:spcBef>
+              <a:spcAft>
+                <a:spcPts val="0"/>
+              </a:spcAft>
+              <a:buFont typeface="Arial" panose="020B0604020202020204" pitchFamily="34" charset="0"/>
+              <a:buChar char="•"/>
+            </a:pPr>
+            <a:r>
+              <a:rPr lang="es-ES" sz="1800" b="0" i="0" u="none" strike="noStrike" kern="1200" dirty="0">
+                <a:solidFill>
+                  <a:srgbClr val="000000"/>
                 </a:solidFill>
                 <a:effectLst/>
-                <a:latin typeface="Lato" panose="020F0502020204030203" pitchFamily="34" charset="0"/>
-              </a:rPr>
-              <a:t>) – </a:t>
-            </a:r>
-            <a:r>
-              <a:rPr lang="fr-FR" b="0" i="0" dirty="0" err="1">
-                <a:solidFill>
-                  <a:srgbClr val="404040"/>
+                <a:latin typeface="Calibri" panose="020F0502020204030204" pitchFamily="34" charset="0"/>
+              </a:rPr>
+              <a:t>FP: </a:t>
+            </a:r>
+            <a:r>
+              <a:rPr lang="fr-FR" sz="1800" b="0" i="0" u="none" strike="noStrike" kern="1200" dirty="0">
+                <a:solidFill>
+                  <a:srgbClr val="7F7F7F"/>
                 </a:solidFill>
                 <a:effectLst/>
-                <a:latin typeface="Lato" panose="020F0502020204030203" pitchFamily="34" charset="0"/>
-              </a:rPr>
-              <a:t>Subsample</a:t>
-            </a:r>
-            <a:r>
-              <a:rPr lang="fr-FR" b="0" i="0" dirty="0">
-                <a:solidFill>
-                  <a:srgbClr val="404040"/>
+                <a:latin typeface="Calibri" panose="020F0502020204030204" pitchFamily="34" charset="0"/>
+              </a:rPr>
+              <a:t>des prêts qui </a:t>
+            </a:r>
+            <a:r>
+              <a:rPr lang="fr-FR" sz="1800" b="1" i="0" u="sng" strike="noStrike" kern="1200" dirty="0">
+                <a:solidFill>
+                  <a:srgbClr val="5B9BD5"/>
                 </a:solidFill>
                 <a:effectLst/>
-                <a:latin typeface="Lato" panose="020F0502020204030203" pitchFamily="34" charset="0"/>
-              </a:rPr>
-              <a:t> ratio of </a:t>
-            </a:r>
-            <a:r>
-              <a:rPr lang="fr-FR" b="0" i="0" dirty="0" err="1">
-                <a:solidFill>
-                  <a:srgbClr val="404040"/>
+                <a:latin typeface="Calibri" panose="020F0502020204030204" pitchFamily="34" charset="0"/>
+              </a:rPr>
+              <a:t>ne sont pas en défaut</a:t>
+            </a:r>
+            <a:r>
+              <a:rPr lang="fr-FR" sz="1800" b="0" i="0" u="none" strike="noStrike" kern="1200" dirty="0">
+                <a:solidFill>
+                  <a:srgbClr val="7F7F7F"/>
                 </a:solidFill>
                 <a:effectLst/>
-                <a:latin typeface="Lato" panose="020F0502020204030203" pitchFamily="34" charset="0"/>
-              </a:rPr>
-              <a:t>columns</a:t>
-            </a:r>
-            <a:r>
-              <a:rPr lang="fr-FR" b="0" i="0" dirty="0">
-                <a:solidFill>
-                  <a:srgbClr val="404040"/>
+                <a:latin typeface="Calibri" panose="020F0502020204030204" pitchFamily="34" charset="0"/>
+              </a:rPr>
+              <a:t> et ont été prédites de manière </a:t>
+            </a:r>
+            <a:r>
+              <a:rPr lang="fr-FR" sz="1800" b="1" i="0" u="sng" strike="noStrike" kern="1200" dirty="0">
+                <a:solidFill>
+                  <a:srgbClr val="5B9BD5"/>
                 </a:solidFill>
                 <a:effectLst/>
-                <a:latin typeface="Lato" panose="020F0502020204030203" pitchFamily="34" charset="0"/>
-              </a:rPr>
-              <a:t> </a:t>
-            </a:r>
-            <a:r>
-              <a:rPr lang="fr-FR" b="0" i="0" dirty="0" err="1">
-                <a:solidFill>
-                  <a:srgbClr val="404040"/>
+                <a:latin typeface="Calibri" panose="020F0502020204030204" pitchFamily="34" charset="0"/>
+              </a:rPr>
+              <a:t>incorrecte</a:t>
+            </a:r>
+            <a:endParaRPr lang="fr-FR" sz="1800" b="0" i="0" u="none" strike="noStrike" dirty="0">
+              <a:effectLst/>
+              <a:latin typeface="Arial" panose="020B0604020202020204" pitchFamily="34" charset="0"/>
+            </a:endParaRPr>
+          </a:p>
+          <a:p>
+            <a:pPr marL="285750" marR="0" indent="-285750" algn="l" rtl="0" eaLnBrk="1" fontAlgn="auto" latinLnBrk="0" hangingPunct="1">
+              <a:spcBef>
+                <a:spcPts val="0"/>
+              </a:spcBef>
+              <a:spcAft>
+                <a:spcPts val="0"/>
+              </a:spcAft>
+              <a:buFont typeface="Arial" panose="020B0604020202020204" pitchFamily="34" charset="0"/>
+              <a:buChar char="•"/>
+            </a:pPr>
+            <a:r>
+              <a:rPr lang="es-ES" sz="1800" b="0" i="0" u="none" strike="noStrike" kern="1200" dirty="0">
+                <a:solidFill>
+                  <a:srgbClr val="000000"/>
                 </a:solidFill>
                 <a:effectLst/>
-                <a:latin typeface="Lato" panose="020F0502020204030203" pitchFamily="34" charset="0"/>
-              </a:rPr>
-              <a:t>when</a:t>
-            </a:r>
-            <a:r>
-              <a:rPr lang="fr-FR" b="0" i="0" dirty="0">
-                <a:solidFill>
-                  <a:srgbClr val="404040"/>
+                <a:latin typeface="Calibri" panose="020F0502020204030204" pitchFamily="34" charset="0"/>
+              </a:rPr>
+              <a:t>FN: </a:t>
+            </a:r>
+            <a:r>
+              <a:rPr lang="fr-FR" sz="1800" b="0" i="0" u="none" strike="noStrike" kern="1200" dirty="0">
+                <a:solidFill>
+                  <a:srgbClr val="7F7F7F"/>
                 </a:solidFill>
                 <a:effectLst/>
-                <a:latin typeface="Lato" panose="020F0502020204030203" pitchFamily="34" charset="0"/>
-              </a:rPr>
-              <a:t> </a:t>
-            </a:r>
-            <a:r>
-              <a:rPr lang="fr-FR" b="0" i="0" dirty="0" err="1">
-                <a:solidFill>
-                  <a:srgbClr val="404040"/>
+                <a:latin typeface="Calibri" panose="020F0502020204030204" pitchFamily="34" charset="0"/>
+              </a:rPr>
+              <a:t>des prêts qui </a:t>
+            </a:r>
+            <a:r>
+              <a:rPr lang="fr-FR" sz="1800" b="1" i="0" u="sng" strike="noStrike" kern="1200" dirty="0">
+                <a:solidFill>
+                  <a:srgbClr val="FF0000"/>
                 </a:solidFill>
                 <a:effectLst/>
-                <a:latin typeface="Lato" panose="020F0502020204030203" pitchFamily="34" charset="0"/>
-              </a:rPr>
-              <a:t>constructing</a:t>
-            </a:r>
-            <a:r>
-              <a:rPr lang="fr-FR" b="0" i="0" dirty="0">
-                <a:solidFill>
-                  <a:srgbClr val="404040"/>
+                <a:latin typeface="Calibri" panose="020F0502020204030204" pitchFamily="34" charset="0"/>
+              </a:rPr>
+              <a:t>sont en défaut</a:t>
+            </a:r>
+            <a:r>
+              <a:rPr lang="fr-FR" sz="1800" b="0" i="0" u="none" strike="noStrike" kern="1200" dirty="0">
+                <a:solidFill>
+                  <a:srgbClr val="7F7F7F"/>
                 </a:solidFill>
                 <a:effectLst/>
-                <a:latin typeface="Lato" panose="020F0502020204030203" pitchFamily="34" charset="0"/>
-              </a:rPr>
-              <a:t> </a:t>
-            </a:r>
-            <a:r>
-              <a:rPr lang="fr-FR" b="0" i="0" dirty="0" err="1">
-                <a:solidFill>
-                  <a:srgbClr val="404040"/>
+                <a:latin typeface="Calibri" panose="020F0502020204030204" pitchFamily="34" charset="0"/>
+              </a:rPr>
+              <a:t> et ont été prédites de manière </a:t>
+            </a:r>
+            <a:r>
+              <a:rPr lang="fr-FR" sz="1800" b="1" i="0" u="sng" strike="noStrike" kern="1200" dirty="0">
+                <a:solidFill>
+                  <a:srgbClr val="FF0000"/>
                 </a:solidFill>
                 <a:effectLst/>
-                <a:latin typeface="Lato" panose="020F0502020204030203" pitchFamily="34" charset="0"/>
-              </a:rPr>
-              <a:t>each</a:t>
-            </a:r>
-            <a:r>
-              <a:rPr lang="fr-FR" b="0" i="0" dirty="0">
-                <a:solidFill>
-                  <a:srgbClr val="404040"/>
-                </a:solidFill>
-                <a:effectLst/>
-                <a:latin typeface="Lato" panose="020F0502020204030203" pitchFamily="34" charset="0"/>
-              </a:rPr>
-              <a:t> </a:t>
-            </a:r>
-            <a:r>
-              <a:rPr lang="fr-FR" b="0" i="0" dirty="0" err="1">
-                <a:solidFill>
-                  <a:srgbClr val="404040"/>
-                </a:solidFill>
-                <a:effectLst/>
-                <a:latin typeface="Lato" panose="020F0502020204030203" pitchFamily="34" charset="0"/>
-              </a:rPr>
-              <a:t>tree</a:t>
-            </a:r>
-            <a:r>
-              <a:rPr lang="fr-FR" b="0" i="0" dirty="0">
-                <a:solidFill>
-                  <a:srgbClr val="404040"/>
-                </a:solidFill>
-                <a:effectLst/>
-                <a:latin typeface="Lato" panose="020F0502020204030203" pitchFamily="34" charset="0"/>
-              </a:rPr>
-              <a:t>.</a:t>
-            </a:r>
+                <a:latin typeface="Calibri" panose="020F0502020204030204" pitchFamily="34" charset="0"/>
+              </a:rPr>
+              <a:t>incorrecte</a:t>
+            </a:r>
+            <a:endParaRPr lang="fr-FR" sz="1800" b="0" i="0" u="none" strike="noStrike" dirty="0">
+              <a:effectLst/>
+              <a:latin typeface="Arial" panose="020B0604020202020204" pitchFamily="34" charset="0"/>
+            </a:endParaRPr>
+          </a:p>
+          <a:p>
+            <a:pPr marL="171450" indent="-171450">
+              <a:buFontTx/>
+              <a:buChar char="-"/>
+            </a:pPr>
+            <a:endParaRPr lang="fr-FR" dirty="0"/>
           </a:p>
         </p:txBody>
       </p:sp>
@@ -1889,7 +1606,7 @@
     </p:spTree>
     <p:extLst>
       <p:ext uri="{BB962C8B-B14F-4D97-AF65-F5344CB8AC3E}">
-        <p14:creationId xmlns:p14="http://schemas.microsoft.com/office/powerpoint/2010/main" val="3370357185"/>
+        <p14:creationId xmlns:p14="http://schemas.microsoft.com/office/powerpoint/2010/main" val="2765693364"/>
       </p:ext>
     </p:extLst>
   </p:cSld>
@@ -1943,7 +1660,296 @@
           <a:bodyPr/>
           <a:lstStyle/>
           <a:p>
-            <a:endParaRPr lang="fr-FR" dirty="0"/>
+            <a:pPr marL="171450" indent="-171450" algn="l">
+              <a:buFont typeface="Arial" panose="020B0604020202020204" pitchFamily="34" charset="0"/>
+              <a:buChar char="•"/>
+            </a:pPr>
+            <a:r>
+              <a:rPr lang="fr-FR" b="1" i="0" dirty="0" err="1">
+                <a:solidFill>
+                  <a:srgbClr val="404040"/>
+                </a:solidFill>
+                <a:effectLst/>
+                <a:latin typeface="Lato" panose="020F0502020204030203" pitchFamily="34" charset="0"/>
+              </a:rPr>
+              <a:t>subsample</a:t>
+            </a:r>
+            <a:r>
+              <a:rPr lang="fr-FR" b="0" i="0" dirty="0">
+                <a:solidFill>
+                  <a:srgbClr val="404040"/>
+                </a:solidFill>
+                <a:effectLst/>
+                <a:latin typeface="Lato" panose="020F0502020204030203" pitchFamily="34" charset="0"/>
+              </a:rPr>
+              <a:t> (</a:t>
+            </a:r>
+            <a:r>
+              <a:rPr lang="fr-FR" b="0" i="1" dirty="0" err="1">
+                <a:solidFill>
+                  <a:srgbClr val="404040"/>
+                </a:solidFill>
+                <a:effectLst/>
+                <a:latin typeface="Lato" panose="020F0502020204030203" pitchFamily="34" charset="0"/>
+              </a:rPr>
+              <a:t>float</a:t>
+            </a:r>
+            <a:r>
+              <a:rPr lang="fr-FR" b="0" i="1" dirty="0">
+                <a:solidFill>
+                  <a:srgbClr val="404040"/>
+                </a:solidFill>
+                <a:effectLst/>
+                <a:latin typeface="Lato" panose="020F0502020204030203" pitchFamily="34" charset="0"/>
+              </a:rPr>
+              <a:t>, </a:t>
+            </a:r>
+            <a:r>
+              <a:rPr lang="fr-FR" b="0" i="1" dirty="0" err="1">
+                <a:solidFill>
+                  <a:srgbClr val="404040"/>
+                </a:solidFill>
+                <a:effectLst/>
+                <a:latin typeface="Lato" panose="020F0502020204030203" pitchFamily="34" charset="0"/>
+              </a:rPr>
+              <a:t>optional</a:t>
+            </a:r>
+            <a:r>
+              <a:rPr lang="fr-FR" b="0" i="1" dirty="0">
+                <a:solidFill>
+                  <a:srgbClr val="404040"/>
+                </a:solidFill>
+                <a:effectLst/>
+                <a:latin typeface="Lato" panose="020F0502020204030203" pitchFamily="34" charset="0"/>
+              </a:rPr>
+              <a:t> (default=1.)</a:t>
+            </a:r>
+            <a:r>
+              <a:rPr lang="fr-FR" b="0" i="0" dirty="0">
+                <a:solidFill>
+                  <a:srgbClr val="404040"/>
+                </a:solidFill>
+                <a:effectLst/>
+                <a:latin typeface="Lato" panose="020F0502020204030203" pitchFamily="34" charset="0"/>
+              </a:rPr>
+              <a:t>) – </a:t>
+            </a:r>
+            <a:r>
+              <a:rPr lang="fr-FR" b="0" i="0" dirty="0" err="1">
+                <a:solidFill>
+                  <a:srgbClr val="404040"/>
+                </a:solidFill>
+                <a:effectLst/>
+                <a:latin typeface="Lato" panose="020F0502020204030203" pitchFamily="34" charset="0"/>
+              </a:rPr>
+              <a:t>Subsample</a:t>
+            </a:r>
+            <a:r>
+              <a:rPr lang="fr-FR" b="0" i="0" dirty="0">
+                <a:solidFill>
+                  <a:srgbClr val="404040"/>
+                </a:solidFill>
+                <a:effectLst/>
+                <a:latin typeface="Lato" panose="020F0502020204030203" pitchFamily="34" charset="0"/>
+              </a:rPr>
+              <a:t> ratio of the training instance.</a:t>
+            </a:r>
+          </a:p>
+          <a:p>
+            <a:pPr marL="171450" indent="-171450" algn="l">
+              <a:buFont typeface="Arial" panose="020B0604020202020204" pitchFamily="34" charset="0"/>
+              <a:buChar char="•"/>
+            </a:pPr>
+            <a:r>
+              <a:rPr lang="fr-FR" b="1" i="0" dirty="0" err="1">
+                <a:solidFill>
+                  <a:srgbClr val="404040"/>
+                </a:solidFill>
+                <a:effectLst/>
+                <a:latin typeface="Lato" panose="020F0502020204030203" pitchFamily="34" charset="0"/>
+              </a:rPr>
+              <a:t>colsample_bytree</a:t>
+            </a:r>
+            <a:r>
+              <a:rPr lang="fr-FR" b="0" i="0" dirty="0">
+                <a:solidFill>
+                  <a:srgbClr val="404040"/>
+                </a:solidFill>
+                <a:effectLst/>
+                <a:latin typeface="Lato" panose="020F0502020204030203" pitchFamily="34" charset="0"/>
+              </a:rPr>
+              <a:t> (</a:t>
+            </a:r>
+            <a:r>
+              <a:rPr lang="fr-FR" b="0" i="1" dirty="0" err="1">
+                <a:solidFill>
+                  <a:srgbClr val="404040"/>
+                </a:solidFill>
+                <a:effectLst/>
+                <a:latin typeface="Lato" panose="020F0502020204030203" pitchFamily="34" charset="0"/>
+              </a:rPr>
+              <a:t>float</a:t>
+            </a:r>
+            <a:r>
+              <a:rPr lang="fr-FR" b="0" i="1" dirty="0">
+                <a:solidFill>
+                  <a:srgbClr val="404040"/>
+                </a:solidFill>
+                <a:effectLst/>
+                <a:latin typeface="Lato" panose="020F0502020204030203" pitchFamily="34" charset="0"/>
+              </a:rPr>
+              <a:t>, </a:t>
+            </a:r>
+            <a:r>
+              <a:rPr lang="fr-FR" b="0" i="1" dirty="0" err="1">
+                <a:solidFill>
+                  <a:srgbClr val="404040"/>
+                </a:solidFill>
+                <a:effectLst/>
+                <a:latin typeface="Lato" panose="020F0502020204030203" pitchFamily="34" charset="0"/>
+              </a:rPr>
+              <a:t>optional</a:t>
+            </a:r>
+            <a:r>
+              <a:rPr lang="fr-FR" b="0" i="1" dirty="0">
+                <a:solidFill>
+                  <a:srgbClr val="404040"/>
+                </a:solidFill>
+                <a:effectLst/>
+                <a:latin typeface="Lato" panose="020F0502020204030203" pitchFamily="34" charset="0"/>
+              </a:rPr>
+              <a:t> (default=1.)</a:t>
+            </a:r>
+            <a:r>
+              <a:rPr lang="fr-FR" b="0" i="0" dirty="0">
+                <a:solidFill>
+                  <a:srgbClr val="404040"/>
+                </a:solidFill>
+                <a:effectLst/>
+                <a:latin typeface="Lato" panose="020F0502020204030203" pitchFamily="34" charset="0"/>
+              </a:rPr>
+              <a:t>) – </a:t>
+            </a:r>
+            <a:r>
+              <a:rPr lang="fr-FR" b="0" i="0" dirty="0" err="1">
+                <a:solidFill>
+                  <a:srgbClr val="404040"/>
+                </a:solidFill>
+                <a:effectLst/>
+                <a:latin typeface="Lato" panose="020F0502020204030203" pitchFamily="34" charset="0"/>
+              </a:rPr>
+              <a:t>Subsample</a:t>
+            </a:r>
+            <a:r>
+              <a:rPr lang="fr-FR" b="0" i="0" dirty="0">
+                <a:solidFill>
+                  <a:srgbClr val="404040"/>
+                </a:solidFill>
+                <a:effectLst/>
+                <a:latin typeface="Lato" panose="020F0502020204030203" pitchFamily="34" charset="0"/>
+              </a:rPr>
+              <a:t> ratio of </a:t>
+            </a:r>
+            <a:r>
+              <a:rPr lang="fr-FR" b="0" i="0" dirty="0" err="1">
+                <a:solidFill>
+                  <a:srgbClr val="404040"/>
+                </a:solidFill>
+                <a:effectLst/>
+                <a:latin typeface="Lato" panose="020F0502020204030203" pitchFamily="34" charset="0"/>
+              </a:rPr>
+              <a:t>columns</a:t>
+            </a:r>
+            <a:r>
+              <a:rPr lang="fr-FR" b="0" i="0" dirty="0">
+                <a:solidFill>
+                  <a:srgbClr val="404040"/>
+                </a:solidFill>
+                <a:effectLst/>
+                <a:latin typeface="Lato" panose="020F0502020204030203" pitchFamily="34" charset="0"/>
+              </a:rPr>
+              <a:t> </a:t>
+            </a:r>
+            <a:r>
+              <a:rPr lang="fr-FR" b="0" i="0" dirty="0" err="1">
+                <a:solidFill>
+                  <a:srgbClr val="404040"/>
+                </a:solidFill>
+                <a:effectLst/>
+                <a:latin typeface="Lato" panose="020F0502020204030203" pitchFamily="34" charset="0"/>
+              </a:rPr>
+              <a:t>when</a:t>
+            </a:r>
+            <a:r>
+              <a:rPr lang="fr-FR" b="0" i="0" dirty="0">
+                <a:solidFill>
+                  <a:srgbClr val="404040"/>
+                </a:solidFill>
+                <a:effectLst/>
+                <a:latin typeface="Lato" panose="020F0502020204030203" pitchFamily="34" charset="0"/>
+              </a:rPr>
+              <a:t> </a:t>
+            </a:r>
+            <a:r>
+              <a:rPr lang="fr-FR" b="0" i="0" dirty="0" err="1">
+                <a:solidFill>
+                  <a:srgbClr val="404040"/>
+                </a:solidFill>
+                <a:effectLst/>
+                <a:latin typeface="Lato" panose="020F0502020204030203" pitchFamily="34" charset="0"/>
+              </a:rPr>
+              <a:t>constructing</a:t>
+            </a:r>
+            <a:r>
+              <a:rPr lang="fr-FR" b="0" i="0" dirty="0">
+                <a:solidFill>
+                  <a:srgbClr val="404040"/>
+                </a:solidFill>
+                <a:effectLst/>
+                <a:latin typeface="Lato" panose="020F0502020204030203" pitchFamily="34" charset="0"/>
+              </a:rPr>
+              <a:t> </a:t>
+            </a:r>
+            <a:r>
+              <a:rPr lang="fr-FR" b="0" i="0" dirty="0" err="1">
+                <a:solidFill>
+                  <a:srgbClr val="404040"/>
+                </a:solidFill>
+                <a:effectLst/>
+                <a:latin typeface="Lato" panose="020F0502020204030203" pitchFamily="34" charset="0"/>
+              </a:rPr>
+              <a:t>each</a:t>
+            </a:r>
+            <a:r>
+              <a:rPr lang="fr-FR" b="0" i="0" dirty="0">
+                <a:solidFill>
+                  <a:srgbClr val="404040"/>
+                </a:solidFill>
+                <a:effectLst/>
+                <a:latin typeface="Lato" panose="020F0502020204030203" pitchFamily="34" charset="0"/>
+              </a:rPr>
+              <a:t> </a:t>
+            </a:r>
+            <a:r>
+              <a:rPr lang="fr-FR" b="0" i="0" dirty="0" err="1">
+                <a:solidFill>
+                  <a:srgbClr val="404040"/>
+                </a:solidFill>
+                <a:effectLst/>
+                <a:latin typeface="Lato" panose="020F0502020204030203" pitchFamily="34" charset="0"/>
+              </a:rPr>
+              <a:t>tree</a:t>
+            </a:r>
+            <a:r>
+              <a:rPr lang="fr-FR" b="0" i="0" dirty="0">
+                <a:solidFill>
+                  <a:srgbClr val="404040"/>
+                </a:solidFill>
+                <a:effectLst/>
+                <a:latin typeface="Lato" panose="020F0502020204030203" pitchFamily="34" charset="0"/>
+              </a:rPr>
+              <a:t>.</a:t>
+            </a:r>
           </a:p>
         </p:txBody>
       </p:sp>
@@ -1973,7 +1979,7 @@
     </p:spTree>
     <p:extLst>
       <p:ext uri="{BB962C8B-B14F-4D97-AF65-F5344CB8AC3E}">
-        <p14:creationId xmlns:p14="http://schemas.microsoft.com/office/powerpoint/2010/main" val="1569169721"/>
+        <p14:creationId xmlns:p14="http://schemas.microsoft.com/office/powerpoint/2010/main" val="3370357185"/>
       </p:ext>
     </p:extLst>
   </p:cSld>
@@ -2027,295 +2033,7 @@
           <a:bodyPr/>
           <a:lstStyle/>
           <a:p>
-            <a:pPr marL="171450" marR="0" lvl="0" indent="-171450" algn="l" defTabSz="914400" rtl="0" eaLnBrk="1" fontAlgn="auto" latinLnBrk="0" hangingPunct="1">
-              <a:lnSpc>
-                <a:spcPct val="100000"/>
-              </a:lnSpc>
-              <a:spcBef>
-                <a:spcPts val="0"/>
-              </a:spcBef>
-              <a:spcAft>
-                <a:spcPts val="0"/>
-              </a:spcAft>
-              <a:buClrTx/>
-              <a:buSzTx/>
-              <a:buFont typeface="Wingdings" panose="05000000000000000000" pitchFamily="2" charset="2"/>
-              <a:buChar char="§"/>
-              <a:tabLst/>
-              <a:defRPr/>
-            </a:pPr>
-            <a:r>
-              <a:rPr lang="fr-FR" sz="1200" dirty="0" err="1"/>
-              <a:t>learning_rate</a:t>
-            </a:r>
-            <a:r>
-              <a:rPr lang="fr-FR" sz="1200" dirty="0"/>
-              <a:t> : </a:t>
-            </a:r>
-            <a:r>
-              <a:rPr lang="fr-FR" sz="1800" b="0" i="0" u="none" strike="noStrike" baseline="0" dirty="0">
-                <a:solidFill>
-                  <a:srgbClr val="1C3C70"/>
-                </a:solidFill>
-                <a:latin typeface="CIDFont+F2"/>
-              </a:rPr>
-              <a:t>Le taux d'apprentissage.</a:t>
-            </a:r>
-          </a:p>
-          <a:p>
-            <a:pPr marL="171450" marR="0" lvl="0" indent="-171450" algn="l" defTabSz="914400" rtl="0" eaLnBrk="1" fontAlgn="auto" latinLnBrk="0" hangingPunct="1">
-              <a:lnSpc>
-                <a:spcPct val="100000"/>
-              </a:lnSpc>
-              <a:spcBef>
-                <a:spcPts val="0"/>
-              </a:spcBef>
-              <a:spcAft>
-                <a:spcPts val="0"/>
-              </a:spcAft>
-              <a:buClrTx/>
-              <a:buSzTx/>
-              <a:buFont typeface="Wingdings" panose="05000000000000000000" pitchFamily="2" charset="2"/>
-              <a:buChar char="§"/>
-              <a:tabLst/>
-              <a:defRPr/>
-            </a:pPr>
-            <a:r>
-              <a:rPr lang="fr-FR" sz="1800" dirty="0" err="1"/>
-              <a:t>max_depth</a:t>
-            </a:r>
-            <a:r>
-              <a:rPr lang="fr-FR" sz="1800" dirty="0"/>
-              <a:t> : </a:t>
-            </a:r>
-            <a:r>
-              <a:rPr lang="fr-FR" sz="1800" b="0" i="0" u="none" strike="noStrike" baseline="0" dirty="0">
-                <a:solidFill>
-                  <a:srgbClr val="1C3C70"/>
-                </a:solidFill>
-                <a:latin typeface="CIDFont+F2"/>
-              </a:rPr>
-              <a:t>Profondeur de l'arbre.</a:t>
-            </a:r>
-            <a:endParaRPr lang="fr-FR" sz="1800" dirty="0"/>
-          </a:p>
-          <a:p>
-            <a:pPr marL="171450" marR="0" lvl="0" indent="-171450" algn="l" defTabSz="914400" rtl="0" eaLnBrk="1" fontAlgn="auto" latinLnBrk="0" hangingPunct="1">
-              <a:lnSpc>
-                <a:spcPct val="100000"/>
-              </a:lnSpc>
-              <a:spcBef>
-                <a:spcPts val="0"/>
-              </a:spcBef>
-              <a:spcAft>
-                <a:spcPts val="0"/>
-              </a:spcAft>
-              <a:buClrTx/>
-              <a:buSzTx/>
-              <a:buFont typeface="Wingdings" panose="05000000000000000000" pitchFamily="2" charset="2"/>
-              <a:buChar char="§"/>
-              <a:tabLst/>
-              <a:defRPr/>
-            </a:pPr>
-            <a:r>
-              <a:rPr lang="fr-FR" sz="1800" dirty="0" err="1"/>
-              <a:t>min_child_weight</a:t>
-            </a:r>
-            <a:r>
-              <a:rPr lang="fr-FR" sz="1800" dirty="0"/>
-              <a:t> : </a:t>
-            </a:r>
-          </a:p>
-          <a:p>
-            <a:pPr marL="171450" marR="0" lvl="0" indent="-171450" algn="l" defTabSz="914400" rtl="0" eaLnBrk="1" fontAlgn="auto" latinLnBrk="0" hangingPunct="1">
-              <a:lnSpc>
-                <a:spcPct val="100000"/>
-              </a:lnSpc>
-              <a:spcBef>
-                <a:spcPts val="0"/>
-              </a:spcBef>
-              <a:spcAft>
-                <a:spcPts val="0"/>
-              </a:spcAft>
-              <a:buClrTx/>
-              <a:buSzTx/>
-              <a:buFont typeface="Wingdings" panose="05000000000000000000" pitchFamily="2" charset="2"/>
-              <a:buChar char="§"/>
-              <a:tabLst/>
-              <a:defRPr/>
-            </a:pPr>
-            <a:r>
-              <a:rPr lang="fr-FR" sz="1800" dirty="0" err="1"/>
-              <a:t>min_split_gain</a:t>
-            </a:r>
-            <a:endParaRPr lang="fr-FR" sz="1800" dirty="0"/>
-          </a:p>
-          <a:p>
-            <a:pPr marL="171450" marR="0" lvl="0" indent="-171450" algn="l" defTabSz="914400" rtl="0" eaLnBrk="1" fontAlgn="auto" latinLnBrk="0" hangingPunct="1">
-              <a:lnSpc>
-                <a:spcPct val="100000"/>
-              </a:lnSpc>
-              <a:spcBef>
-                <a:spcPts val="0"/>
-              </a:spcBef>
-              <a:spcAft>
-                <a:spcPts val="0"/>
-              </a:spcAft>
-              <a:buClrTx/>
-              <a:buSzTx/>
-              <a:buFont typeface="Wingdings" panose="05000000000000000000" pitchFamily="2" charset="2"/>
-              <a:buChar char="§"/>
-              <a:tabLst/>
-              <a:defRPr/>
-            </a:pPr>
-            <a:r>
-              <a:rPr lang="fr-FR" sz="1800" dirty="0" err="1"/>
-              <a:t>n_estimators</a:t>
-            </a:r>
-            <a:r>
-              <a:rPr lang="fr-FR" sz="1800" dirty="0"/>
-              <a:t> : </a:t>
-            </a:r>
-            <a:r>
-              <a:rPr lang="fr-FR" sz="1800" b="0" i="0" u="none" strike="noStrike" baseline="0" dirty="0">
-                <a:solidFill>
-                  <a:srgbClr val="1C3C70"/>
-                </a:solidFill>
-                <a:latin typeface="CIDFont+F2"/>
-              </a:rPr>
-              <a:t>Le nombre maximum d'arbres qui peuvent être construits lors de</a:t>
-            </a:r>
-          </a:p>
-          <a:p>
-            <a:pPr algn="l"/>
-            <a:r>
-              <a:rPr lang="fr-FR" sz="1800" b="0" i="0" u="none" strike="noStrike" baseline="0" dirty="0">
-                <a:solidFill>
-                  <a:srgbClr val="1C3C70"/>
-                </a:solidFill>
-                <a:latin typeface="CIDFont+F2"/>
-              </a:rPr>
-              <a:t>la résolution de problèmes d'apprentissage automatique.</a:t>
-            </a:r>
-            <a:endParaRPr lang="fr-FR" sz="1800" dirty="0"/>
-          </a:p>
-          <a:p>
-            <a:pPr marL="171450" marR="0" lvl="0" indent="-171450" algn="l" defTabSz="914400" rtl="0" eaLnBrk="1" fontAlgn="auto" latinLnBrk="0" hangingPunct="1">
-              <a:lnSpc>
-                <a:spcPct val="100000"/>
-              </a:lnSpc>
-              <a:spcBef>
-                <a:spcPts val="0"/>
-              </a:spcBef>
-              <a:spcAft>
-                <a:spcPts val="0"/>
-              </a:spcAft>
-              <a:buClrTx/>
-              <a:buSzTx/>
-              <a:buFont typeface="Wingdings" panose="05000000000000000000" pitchFamily="2" charset="2"/>
-              <a:buChar char="§"/>
-              <a:tabLst/>
-              <a:defRPr/>
-            </a:pPr>
-            <a:endParaRPr lang="fr-FR" sz="1800" dirty="0"/>
-          </a:p>
-          <a:p>
-            <a:pPr marL="171450" marR="0" lvl="0" indent="-171450" algn="l" defTabSz="914400" rtl="0" eaLnBrk="1" fontAlgn="auto" latinLnBrk="0" hangingPunct="1">
-              <a:lnSpc>
-                <a:spcPct val="100000"/>
-              </a:lnSpc>
-              <a:spcBef>
-                <a:spcPts val="0"/>
-              </a:spcBef>
-              <a:spcAft>
-                <a:spcPts val="0"/>
-              </a:spcAft>
-              <a:buClrTx/>
-              <a:buSzTx/>
-              <a:buFont typeface="Wingdings" panose="05000000000000000000" pitchFamily="2" charset="2"/>
-              <a:buChar char="§"/>
-              <a:tabLst/>
-              <a:defRPr/>
-            </a:pPr>
-            <a:endParaRPr lang="fr-FR" sz="1800" dirty="0"/>
-          </a:p>
-          <a:p>
-            <a:pPr marL="171450" marR="0" lvl="0" indent="-171450" algn="l" defTabSz="914400" rtl="0" eaLnBrk="1" fontAlgn="auto" latinLnBrk="0" hangingPunct="1">
-              <a:lnSpc>
-                <a:spcPct val="100000"/>
-              </a:lnSpc>
-              <a:spcBef>
-                <a:spcPts val="0"/>
-              </a:spcBef>
-              <a:spcAft>
-                <a:spcPts val="0"/>
-              </a:spcAft>
-              <a:buClrTx/>
-              <a:buSzTx/>
-              <a:buFont typeface="Wingdings" panose="05000000000000000000" pitchFamily="2" charset="2"/>
-              <a:buChar char="§"/>
-              <a:tabLst/>
-              <a:defRPr/>
-            </a:pPr>
-            <a:endParaRPr lang="fr-FR" sz="1800" dirty="0"/>
-          </a:p>
-          <a:p>
-            <a:pPr marL="171450" marR="0" lvl="0" indent="-171450" algn="l" defTabSz="914400" rtl="0" eaLnBrk="1" fontAlgn="auto" latinLnBrk="0" hangingPunct="1">
-              <a:lnSpc>
-                <a:spcPct val="100000"/>
-              </a:lnSpc>
-              <a:spcBef>
-                <a:spcPts val="0"/>
-              </a:spcBef>
-              <a:spcAft>
-                <a:spcPts val="0"/>
-              </a:spcAft>
-              <a:buClrTx/>
-              <a:buSzTx/>
-              <a:buFont typeface="Wingdings" panose="05000000000000000000" pitchFamily="2" charset="2"/>
-              <a:buChar char="§"/>
-              <a:tabLst/>
-              <a:defRPr/>
-            </a:pPr>
-            <a:endParaRPr lang="fr-FR" sz="1800" b="0" i="0" u="none" strike="noStrike" baseline="0" dirty="0">
-              <a:solidFill>
-                <a:srgbClr val="1C3C70"/>
-              </a:solidFill>
-              <a:latin typeface="CIDFont+F2"/>
-            </a:endParaRPr>
-          </a:p>
-          <a:p>
-            <a:pPr marL="171450" marR="0" lvl="0" indent="-171450" algn="l" defTabSz="914400" rtl="0" eaLnBrk="1" fontAlgn="auto" latinLnBrk="0" hangingPunct="1">
-              <a:lnSpc>
-                <a:spcPct val="100000"/>
-              </a:lnSpc>
-              <a:spcBef>
-                <a:spcPts val="0"/>
-              </a:spcBef>
-              <a:spcAft>
-                <a:spcPts val="0"/>
-              </a:spcAft>
-              <a:buClrTx/>
-              <a:buSzTx/>
-              <a:buFont typeface="Wingdings" panose="05000000000000000000" pitchFamily="2" charset="2"/>
-              <a:buChar char="§"/>
-              <a:tabLst/>
-              <a:defRPr/>
-            </a:pPr>
-            <a:endParaRPr lang="fr-FR" sz="1200" dirty="0"/>
-          </a:p>
-          <a:p>
-            <a:pPr algn="l">
-              <a:buFont typeface="Arial" panose="020B0604020202020204" pitchFamily="34" charset="0"/>
-              <a:buChar char="•"/>
-            </a:pPr>
-            <a:endParaRPr lang="fr-FR" b="0" i="0" dirty="0">
-              <a:solidFill>
-                <a:srgbClr val="404040"/>
-              </a:solidFill>
-              <a:effectLst/>
-              <a:latin typeface="Lato" panose="020F0502020204030203" pitchFamily="34" charset="0"/>
-            </a:endParaRPr>
+            <a:endParaRPr lang="fr-FR" dirty="0"/>
           </a:p>
         </p:txBody>
       </p:sp>
@@ -2345,7 +2063,7 @@
     </p:spTree>
     <p:extLst>
       <p:ext uri="{BB962C8B-B14F-4D97-AF65-F5344CB8AC3E}">
-        <p14:creationId xmlns:p14="http://schemas.microsoft.com/office/powerpoint/2010/main" val="657879353"/>
+        <p14:creationId xmlns:p14="http://schemas.microsoft.com/office/powerpoint/2010/main" val="1569169721"/>
       </p:ext>
     </p:extLst>
   </p:cSld>
@@ -2399,39 +2117,288 @@
           <a:bodyPr/>
           <a:lstStyle/>
           <a:p>
+            <a:pPr marL="171450" marR="0" lvl="0" indent="-171450" algn="l" defTabSz="914400" rtl="0" eaLnBrk="1" fontAlgn="auto" latinLnBrk="0" hangingPunct="1">
+              <a:lnSpc>
+                <a:spcPct val="100000"/>
+              </a:lnSpc>
+              <a:spcBef>
+                <a:spcPts val="0"/>
+              </a:spcBef>
+              <a:spcAft>
+                <a:spcPts val="0"/>
+              </a:spcAft>
+              <a:buClrTx/>
+              <a:buSzTx/>
+              <a:buFont typeface="Wingdings" panose="05000000000000000000" pitchFamily="2" charset="2"/>
+              <a:buChar char="§"/>
+              <a:tabLst/>
+              <a:defRPr/>
+            </a:pPr>
+            <a:r>
+              <a:rPr lang="fr-FR" sz="1200" dirty="0" err="1"/>
+              <a:t>learning_rate</a:t>
+            </a:r>
+            <a:r>
+              <a:rPr lang="fr-FR" sz="1200" dirty="0"/>
+              <a:t> : </a:t>
+            </a:r>
+            <a:r>
+              <a:rPr lang="fr-FR" sz="1800" b="0" i="0" u="none" strike="noStrike" baseline="0" dirty="0">
+                <a:solidFill>
+                  <a:srgbClr val="1C3C70"/>
+                </a:solidFill>
+                <a:latin typeface="CIDFont+F2"/>
+              </a:rPr>
+              <a:t>Le taux d'apprentissage.</a:t>
+            </a:r>
+          </a:p>
+          <a:p>
+            <a:pPr marL="171450" marR="0" lvl="0" indent="-171450" algn="l" defTabSz="914400" rtl="0" eaLnBrk="1" fontAlgn="auto" latinLnBrk="0" hangingPunct="1">
+              <a:lnSpc>
+                <a:spcPct val="100000"/>
+              </a:lnSpc>
+              <a:spcBef>
+                <a:spcPts val="0"/>
+              </a:spcBef>
+              <a:spcAft>
+                <a:spcPts val="0"/>
+              </a:spcAft>
+              <a:buClrTx/>
+              <a:buSzTx/>
+              <a:buFont typeface="Wingdings" panose="05000000000000000000" pitchFamily="2" charset="2"/>
+              <a:buChar char="§"/>
+              <a:tabLst/>
+              <a:defRPr/>
+            </a:pPr>
+            <a:r>
+              <a:rPr lang="fr-FR" sz="1800" dirty="0" err="1"/>
+              <a:t>max_depth</a:t>
+            </a:r>
+            <a:r>
+              <a:rPr lang="fr-FR" sz="1800" dirty="0"/>
+              <a:t> : </a:t>
+            </a:r>
+            <a:r>
+              <a:rPr lang="fr-FR" sz="1800" b="0" i="0" u="none" strike="noStrike" baseline="0" dirty="0">
+                <a:solidFill>
+                  <a:srgbClr val="1C3C70"/>
+                </a:solidFill>
+                <a:latin typeface="CIDFont+F2"/>
+              </a:rPr>
+              <a:t>Profondeur de l'arbre.</a:t>
+            </a:r>
+            <a:endParaRPr lang="fr-FR" sz="1800" dirty="0"/>
+          </a:p>
+          <a:p>
+            <a:pPr marL="171450" marR="0" lvl="0" indent="-171450" algn="l" defTabSz="914400" rtl="0" eaLnBrk="1" fontAlgn="auto" latinLnBrk="0" hangingPunct="1">
+              <a:lnSpc>
+                <a:spcPct val="100000"/>
+              </a:lnSpc>
+              <a:spcBef>
+                <a:spcPts val="0"/>
+              </a:spcBef>
+              <a:spcAft>
+                <a:spcPts val="0"/>
+              </a:spcAft>
+              <a:buClrTx/>
+              <a:buSzTx/>
+              <a:buFont typeface="Wingdings" panose="05000000000000000000" pitchFamily="2" charset="2"/>
+              <a:buChar char="§"/>
+              <a:tabLst/>
+              <a:defRPr/>
+            </a:pPr>
+            <a:r>
+              <a:rPr lang="fr-FR" sz="1800" dirty="0" err="1"/>
+              <a:t>min_child_weight</a:t>
+            </a:r>
+            <a:r>
+              <a:rPr lang="fr-FR" sz="1800" dirty="0"/>
+              <a:t> : </a:t>
+            </a:r>
+          </a:p>
+          <a:p>
+            <a:pPr marL="171450" marR="0" lvl="0" indent="-171450" algn="l" defTabSz="914400" rtl="0" eaLnBrk="1" fontAlgn="auto" latinLnBrk="0" hangingPunct="1">
+              <a:lnSpc>
+                <a:spcPct val="100000"/>
+              </a:lnSpc>
+              <a:spcBef>
+                <a:spcPts val="0"/>
+              </a:spcBef>
+              <a:spcAft>
+                <a:spcPts val="0"/>
+              </a:spcAft>
+              <a:buClrTx/>
+              <a:buSzTx/>
+              <a:buFont typeface="Wingdings" panose="05000000000000000000" pitchFamily="2" charset="2"/>
+              <a:buChar char="§"/>
+              <a:tabLst/>
+              <a:defRPr/>
+            </a:pPr>
+            <a:r>
+              <a:rPr lang="fr-FR" sz="1800" dirty="0" err="1"/>
+              <a:t>min_split_gain</a:t>
+            </a:r>
+            <a:endParaRPr lang="fr-FR" sz="1800" dirty="0"/>
+          </a:p>
+          <a:p>
+            <a:pPr marL="171450" marR="0" lvl="0" indent="-171450" algn="l" defTabSz="914400" rtl="0" eaLnBrk="1" fontAlgn="auto" latinLnBrk="0" hangingPunct="1">
+              <a:lnSpc>
+                <a:spcPct val="100000"/>
+              </a:lnSpc>
+              <a:spcBef>
+                <a:spcPts val="0"/>
+              </a:spcBef>
+              <a:spcAft>
+                <a:spcPts val="0"/>
+              </a:spcAft>
+              <a:buClrTx/>
+              <a:buSzTx/>
+              <a:buFont typeface="Wingdings" panose="05000000000000000000" pitchFamily="2" charset="2"/>
+              <a:buChar char="§"/>
+              <a:tabLst/>
+              <a:defRPr/>
+            </a:pPr>
+            <a:r>
+              <a:rPr lang="fr-FR" sz="1800" dirty="0" err="1"/>
+              <a:t>n_estimators</a:t>
+            </a:r>
+            <a:r>
+              <a:rPr lang="fr-FR" sz="1800" dirty="0"/>
+              <a:t> : </a:t>
+            </a:r>
+            <a:r>
+              <a:rPr lang="fr-FR" sz="1800" b="0" i="0" u="none" strike="noStrike" baseline="0" dirty="0">
+                <a:solidFill>
+                  <a:srgbClr val="1C3C70"/>
+                </a:solidFill>
+                <a:latin typeface="CIDFont+F2"/>
+              </a:rPr>
+              <a:t>Le nombre maximum d'arbres qui peuvent être construits lors de</a:t>
+            </a:r>
+          </a:p>
+          <a:p>
             <a:pPr algn="l"/>
             <a:r>
               <a:rPr lang="fr-FR" sz="1800" b="0" i="0" u="none" strike="noStrike" baseline="0" dirty="0">
                 <a:solidFill>
-                  <a:srgbClr val="142D6E"/>
+                  <a:srgbClr val="1C3C70"/>
                 </a:solidFill>
                 <a:latin typeface="CIDFont+F2"/>
               </a:rPr>
-              <a:t>Plus le modèle est performant, plus l’aire sous la courbe est maximisé.</a:t>
-            </a:r>
-          </a:p>
-          <a:p>
-            <a:pPr algn="l"/>
+              <a:t>la résolution de problèmes d'apprentissage automatique.</a:t>
+            </a:r>
+            <a:endParaRPr lang="fr-FR" sz="1800" dirty="0"/>
+          </a:p>
+          <a:p>
+            <a:pPr marL="171450" marR="0" lvl="0" indent="-171450" algn="l" defTabSz="914400" rtl="0" eaLnBrk="1" fontAlgn="auto" latinLnBrk="0" hangingPunct="1">
+              <a:lnSpc>
+                <a:spcPct val="100000"/>
+              </a:lnSpc>
+              <a:spcBef>
+                <a:spcPts val="0"/>
+              </a:spcBef>
+              <a:spcAft>
+                <a:spcPts val="0"/>
+              </a:spcAft>
+              <a:buClrTx/>
+              <a:buSzTx/>
+              <a:buFont typeface="Wingdings" panose="05000000000000000000" pitchFamily="2" charset="2"/>
+              <a:buChar char="§"/>
+              <a:tabLst/>
+              <a:defRPr/>
+            </a:pPr>
+            <a:endParaRPr lang="fr-FR" sz="1800" dirty="0"/>
+          </a:p>
+          <a:p>
+            <a:pPr marL="171450" marR="0" lvl="0" indent="-171450" algn="l" defTabSz="914400" rtl="0" eaLnBrk="1" fontAlgn="auto" latinLnBrk="0" hangingPunct="1">
+              <a:lnSpc>
+                <a:spcPct val="100000"/>
+              </a:lnSpc>
+              <a:spcBef>
+                <a:spcPts val="0"/>
+              </a:spcBef>
+              <a:spcAft>
+                <a:spcPts val="0"/>
+              </a:spcAft>
+              <a:buClrTx/>
+              <a:buSzTx/>
+              <a:buFont typeface="Wingdings" panose="05000000000000000000" pitchFamily="2" charset="2"/>
+              <a:buChar char="§"/>
+              <a:tabLst/>
+              <a:defRPr/>
+            </a:pPr>
+            <a:endParaRPr lang="fr-FR" sz="1800" dirty="0"/>
+          </a:p>
+          <a:p>
+            <a:pPr marL="171450" marR="0" lvl="0" indent="-171450" algn="l" defTabSz="914400" rtl="0" eaLnBrk="1" fontAlgn="auto" latinLnBrk="0" hangingPunct="1">
+              <a:lnSpc>
+                <a:spcPct val="100000"/>
+              </a:lnSpc>
+              <a:spcBef>
+                <a:spcPts val="0"/>
+              </a:spcBef>
+              <a:spcAft>
+                <a:spcPts val="0"/>
+              </a:spcAft>
+              <a:buClrTx/>
+              <a:buSzTx/>
+              <a:buFont typeface="Wingdings" panose="05000000000000000000" pitchFamily="2" charset="2"/>
+              <a:buChar char="§"/>
+              <a:tabLst/>
+              <a:defRPr/>
+            </a:pPr>
+            <a:endParaRPr lang="fr-FR" sz="1800" dirty="0"/>
+          </a:p>
+          <a:p>
+            <a:pPr marL="171450" marR="0" lvl="0" indent="-171450" algn="l" defTabSz="914400" rtl="0" eaLnBrk="1" fontAlgn="auto" latinLnBrk="0" hangingPunct="1">
+              <a:lnSpc>
+                <a:spcPct val="100000"/>
+              </a:lnSpc>
+              <a:spcBef>
+                <a:spcPts val="0"/>
+              </a:spcBef>
+              <a:spcAft>
+                <a:spcPts val="0"/>
+              </a:spcAft>
+              <a:buClrTx/>
+              <a:buSzTx/>
+              <a:buFont typeface="Wingdings" panose="05000000000000000000" pitchFamily="2" charset="2"/>
+              <a:buChar char="§"/>
+              <a:tabLst/>
+              <a:defRPr/>
+            </a:pPr>
             <a:endParaRPr lang="fr-FR" sz="1800" b="0" i="0" u="none" strike="noStrike" baseline="0" dirty="0">
               <a:solidFill>
-                <a:srgbClr val="142D6E"/>
+                <a:srgbClr val="1C3C70"/>
               </a:solidFill>
-              <a:effectLst/>
               <a:latin typeface="CIDFont+F2"/>
             </a:endParaRPr>
           </a:p>
           <a:p>
-            <a:pPr algn="l"/>
-            <a:r>
-              <a:rPr lang="fr-FR" sz="1800" b="0" i="0" u="none" strike="noStrike" baseline="0" dirty="0">
-                <a:solidFill>
-                  <a:srgbClr val="142D6E"/>
-                </a:solidFill>
-                <a:effectLst/>
-                <a:latin typeface="CIDFont+F2"/>
-              </a:rPr>
-              <a:t>TN, FP, FN, TP</a:t>
-            </a:r>
+            <a:pPr marL="171450" marR="0" lvl="0" indent="-171450" algn="l" defTabSz="914400" rtl="0" eaLnBrk="1" fontAlgn="auto" latinLnBrk="0" hangingPunct="1">
+              <a:lnSpc>
+                <a:spcPct val="100000"/>
+              </a:lnSpc>
+              <a:spcBef>
+                <a:spcPts val="0"/>
+              </a:spcBef>
+              <a:spcAft>
+                <a:spcPts val="0"/>
+              </a:spcAft>
+              <a:buClrTx/>
+              <a:buSzTx/>
+              <a:buFont typeface="Wingdings" panose="05000000000000000000" pitchFamily="2" charset="2"/>
+              <a:buChar char="§"/>
+              <a:tabLst/>
+              <a:defRPr/>
+            </a:pPr>
+            <a:endParaRPr lang="fr-FR" sz="1200" dirty="0"/>
+          </a:p>
+          <a:p>
+            <a:pPr algn="l">
+              <a:buFont typeface="Arial" panose="020B0604020202020204" pitchFamily="34" charset="0"/>
+              <a:buChar char="•"/>
+            </a:pPr>
             <a:endParaRPr lang="fr-FR" b="0" i="0" dirty="0">
               <a:solidFill>
                 <a:srgbClr val="404040"/>
@@ -2468,7 +2435,7 @@
     </p:spTree>
     <p:extLst>
       <p:ext uri="{BB962C8B-B14F-4D97-AF65-F5344CB8AC3E}">
-        <p14:creationId xmlns:p14="http://schemas.microsoft.com/office/powerpoint/2010/main" val="2728905651"/>
+        <p14:creationId xmlns:p14="http://schemas.microsoft.com/office/powerpoint/2010/main" val="657879353"/>
       </p:ext>
     </p:extLst>
   </p:cSld>
@@ -2522,28 +2489,29 @@
           <a:bodyPr/>
           <a:lstStyle/>
           <a:p>
-            <a:pPr marL="171450" indent="-171450" algn="l">
+            <a:pPr marL="171450" marR="0" lvl="0" indent="-171450" algn="l" defTabSz="914400" rtl="0" eaLnBrk="1" fontAlgn="auto" latinLnBrk="0" hangingPunct="1">
+              <a:lnSpc>
+                <a:spcPct val="100000"/>
+              </a:lnSpc>
+              <a:spcBef>
+                <a:spcPts val="0"/>
+              </a:spcBef>
+              <a:spcAft>
+                <a:spcPts val="0"/>
+              </a:spcAft>
+              <a:buClrTx/>
+              <a:buSzTx/>
               <a:buFont typeface="Wingdings" panose="05000000000000000000" pitchFamily="2" charset="2"/>
               <a:buChar char="§"/>
+              <a:tabLst/>
+              <a:defRPr/>
             </a:pPr>
             <a:r>
-              <a:rPr lang="es-ES" b="0" i="0" dirty="0" err="1">
-                <a:solidFill>
-                  <a:srgbClr val="404040"/>
-                </a:solidFill>
-                <a:effectLst/>
-                <a:latin typeface="Lato" panose="020F0502020204030203" pitchFamily="34" charset="0"/>
-              </a:rPr>
-              <a:t>Ext_source</a:t>
-            </a:r>
-            <a:r>
-              <a:rPr lang="es-ES" b="0" i="0" dirty="0">
-                <a:solidFill>
-                  <a:srgbClr val="404040"/>
-                </a:solidFill>
-                <a:effectLst/>
-                <a:latin typeface="Lato" panose="020F0502020204030203" pitchFamily="34" charset="0"/>
-              </a:rPr>
+              <a:rPr lang="fr-FR" sz="1200" dirty="0" err="1"/>
+              <a:t>learning_rate</a:t>
+            </a:r>
+            <a:r>
+              <a:rPr lang="fr-FR" sz="1200" dirty="0"/>
               <a:t> : </a:t>
             </a:r>
             <a:r>
@@ -2553,8 +2521,256 @@
                 </a:solidFill>
                 <a:latin typeface="CIDFont+F2"/>
               </a:rPr>
-              <a:t>Score normalisé provenant d'une source de données externe</a:t>
-            </a:r>
+              <a:t>Le taux d'apprentissage.</a:t>
+            </a:r>
+          </a:p>
+          <a:p>
+            <a:pPr marL="171450" marR="0" lvl="0" indent="-171450" algn="l" defTabSz="914400" rtl="0" eaLnBrk="1" fontAlgn="auto" latinLnBrk="0" hangingPunct="1">
+              <a:lnSpc>
+                <a:spcPct val="100000"/>
+              </a:lnSpc>
+              <a:spcBef>
+                <a:spcPts val="0"/>
+              </a:spcBef>
+              <a:spcAft>
+                <a:spcPts val="0"/>
+              </a:spcAft>
+              <a:buClrTx/>
+              <a:buSzTx/>
+              <a:buFont typeface="Wingdings" panose="05000000000000000000" pitchFamily="2" charset="2"/>
+              <a:buChar char="§"/>
+              <a:tabLst/>
+              <a:defRPr/>
+            </a:pPr>
+            <a:r>
+              <a:rPr lang="fr-FR" sz="1800" dirty="0" err="1"/>
+              <a:t>max_depth</a:t>
+            </a:r>
+            <a:r>
+              <a:rPr lang="fr-FR" sz="1800" dirty="0"/>
+              <a:t> : </a:t>
+            </a:r>
+            <a:r>
+              <a:rPr lang="fr-FR" sz="1800" b="0" i="0" u="none" strike="noStrike" baseline="0" dirty="0">
+                <a:solidFill>
+                  <a:srgbClr val="1C3C70"/>
+                </a:solidFill>
+                <a:latin typeface="CIDFont+F2"/>
+              </a:rPr>
+              <a:t>Profondeur de l'arbre.</a:t>
+            </a:r>
+            <a:endParaRPr lang="fr-FR" sz="1800" dirty="0"/>
+          </a:p>
+          <a:p>
+            <a:pPr marL="171450" marR="0" lvl="0" indent="-171450" algn="l" defTabSz="914400" rtl="0" eaLnBrk="1" fontAlgn="auto" latinLnBrk="0" hangingPunct="1">
+              <a:lnSpc>
+                <a:spcPct val="100000"/>
+              </a:lnSpc>
+              <a:spcBef>
+                <a:spcPts val="0"/>
+              </a:spcBef>
+              <a:spcAft>
+                <a:spcPts val="0"/>
+              </a:spcAft>
+              <a:buClrTx/>
+              <a:buSzTx/>
+              <a:buFont typeface="Wingdings" panose="05000000000000000000" pitchFamily="2" charset="2"/>
+              <a:buChar char="§"/>
+              <a:tabLst/>
+              <a:defRPr/>
+            </a:pPr>
+            <a:r>
+              <a:rPr lang="fr-FR" sz="1800" dirty="0" err="1"/>
+              <a:t>min_child_weight</a:t>
+            </a:r>
+            <a:r>
+              <a:rPr lang="fr-FR" sz="1800" dirty="0"/>
+              <a:t> : </a:t>
+            </a:r>
+          </a:p>
+          <a:p>
+            <a:pPr marL="171450" marR="0" lvl="0" indent="-171450" algn="l" defTabSz="914400" rtl="0" eaLnBrk="1" fontAlgn="auto" latinLnBrk="0" hangingPunct="1">
+              <a:lnSpc>
+                <a:spcPct val="100000"/>
+              </a:lnSpc>
+              <a:spcBef>
+                <a:spcPts val="0"/>
+              </a:spcBef>
+              <a:spcAft>
+                <a:spcPts val="0"/>
+              </a:spcAft>
+              <a:buClrTx/>
+              <a:buSzTx/>
+              <a:buFont typeface="Wingdings" panose="05000000000000000000" pitchFamily="2" charset="2"/>
+              <a:buChar char="§"/>
+              <a:tabLst/>
+              <a:defRPr/>
+            </a:pPr>
+            <a:r>
+              <a:rPr lang="fr-FR" sz="1800" dirty="0" err="1"/>
+              <a:t>min_split_gain</a:t>
+            </a:r>
+            <a:endParaRPr lang="fr-FR" sz="1800" dirty="0"/>
+          </a:p>
+          <a:p>
+            <a:pPr marL="171450" marR="0" lvl="0" indent="-171450" algn="l" defTabSz="914400" rtl="0" eaLnBrk="1" fontAlgn="auto" latinLnBrk="0" hangingPunct="1">
+              <a:lnSpc>
+                <a:spcPct val="100000"/>
+              </a:lnSpc>
+              <a:spcBef>
+                <a:spcPts val="0"/>
+              </a:spcBef>
+              <a:spcAft>
+                <a:spcPts val="0"/>
+              </a:spcAft>
+              <a:buClrTx/>
+              <a:buSzTx/>
+              <a:buFont typeface="Wingdings" panose="05000000000000000000" pitchFamily="2" charset="2"/>
+              <a:buChar char="§"/>
+              <a:tabLst/>
+              <a:defRPr/>
+            </a:pPr>
+            <a:r>
+              <a:rPr lang="fr-FR" sz="1800" dirty="0" err="1"/>
+              <a:t>n_estimators</a:t>
+            </a:r>
+            <a:r>
+              <a:rPr lang="fr-FR" sz="1800" dirty="0"/>
+              <a:t> : </a:t>
+            </a:r>
+            <a:r>
+              <a:rPr lang="fr-FR" sz="1800" b="0" i="0" u="none" strike="noStrike" baseline="0" dirty="0">
+                <a:solidFill>
+                  <a:srgbClr val="1C3C70"/>
+                </a:solidFill>
+                <a:latin typeface="CIDFont+F2"/>
+              </a:rPr>
+              <a:t>Le nombre maximum d'arbres qui peuvent être construits lors de</a:t>
+            </a:r>
+          </a:p>
+          <a:p>
+            <a:pPr algn="l"/>
+            <a:r>
+              <a:rPr lang="fr-FR" sz="1800" b="0" i="0" u="none" strike="noStrike" baseline="0" dirty="0">
+                <a:solidFill>
+                  <a:srgbClr val="1C3C70"/>
+                </a:solidFill>
+                <a:latin typeface="CIDFont+F2"/>
+              </a:rPr>
+              <a:t>la résolution de problèmes d'apprentissage automatique.</a:t>
+            </a:r>
+            <a:endParaRPr lang="fr-FR" sz="1800" dirty="0"/>
+          </a:p>
+          <a:p>
+            <a:pPr marL="171450" marR="0" lvl="0" indent="-171450" algn="l" defTabSz="914400" rtl="0" eaLnBrk="1" fontAlgn="auto" latinLnBrk="0" hangingPunct="1">
+              <a:lnSpc>
+                <a:spcPct val="100000"/>
+              </a:lnSpc>
+              <a:spcBef>
+                <a:spcPts val="0"/>
+              </a:spcBef>
+              <a:spcAft>
+                <a:spcPts val="0"/>
+              </a:spcAft>
+              <a:buClrTx/>
+              <a:buSzTx/>
+              <a:buFont typeface="Wingdings" panose="05000000000000000000" pitchFamily="2" charset="2"/>
+              <a:buChar char="§"/>
+              <a:tabLst/>
+              <a:defRPr/>
+            </a:pPr>
+            <a:endParaRPr lang="fr-FR" sz="1800" dirty="0"/>
+          </a:p>
+          <a:p>
+            <a:pPr marL="171450" marR="0" lvl="0" indent="-171450" algn="l" defTabSz="914400" rtl="0" eaLnBrk="1" fontAlgn="auto" latinLnBrk="0" hangingPunct="1">
+              <a:lnSpc>
+                <a:spcPct val="100000"/>
+              </a:lnSpc>
+              <a:spcBef>
+                <a:spcPts val="0"/>
+              </a:spcBef>
+              <a:spcAft>
+                <a:spcPts val="0"/>
+              </a:spcAft>
+              <a:buClrTx/>
+              <a:buSzTx/>
+              <a:buFont typeface="Wingdings" panose="05000000000000000000" pitchFamily="2" charset="2"/>
+              <a:buChar char="§"/>
+              <a:tabLst/>
+              <a:defRPr/>
+            </a:pPr>
+            <a:endParaRPr lang="fr-FR" sz="1800" dirty="0"/>
+          </a:p>
+          <a:p>
+            <a:pPr marL="171450" marR="0" lvl="0" indent="-171450" algn="l" defTabSz="914400" rtl="0" eaLnBrk="1" fontAlgn="auto" latinLnBrk="0" hangingPunct="1">
+              <a:lnSpc>
+                <a:spcPct val="100000"/>
+              </a:lnSpc>
+              <a:spcBef>
+                <a:spcPts val="0"/>
+              </a:spcBef>
+              <a:spcAft>
+                <a:spcPts val="0"/>
+              </a:spcAft>
+              <a:buClrTx/>
+              <a:buSzTx/>
+              <a:buFont typeface="Wingdings" panose="05000000000000000000" pitchFamily="2" charset="2"/>
+              <a:buChar char="§"/>
+              <a:tabLst/>
+              <a:defRPr/>
+            </a:pPr>
+            <a:endParaRPr lang="fr-FR" sz="1800" dirty="0"/>
+          </a:p>
+          <a:p>
+            <a:pPr marL="171450" marR="0" lvl="0" indent="-171450" algn="l" defTabSz="914400" rtl="0" eaLnBrk="1" fontAlgn="auto" latinLnBrk="0" hangingPunct="1">
+              <a:lnSpc>
+                <a:spcPct val="100000"/>
+              </a:lnSpc>
+              <a:spcBef>
+                <a:spcPts val="0"/>
+              </a:spcBef>
+              <a:spcAft>
+                <a:spcPts val="0"/>
+              </a:spcAft>
+              <a:buClrTx/>
+              <a:buSzTx/>
+              <a:buFont typeface="Wingdings" panose="05000000000000000000" pitchFamily="2" charset="2"/>
+              <a:buChar char="§"/>
+              <a:tabLst/>
+              <a:defRPr/>
+            </a:pPr>
+            <a:endParaRPr lang="fr-FR" sz="1800" b="0" i="0" u="none" strike="noStrike" baseline="0" dirty="0">
+              <a:solidFill>
+                <a:srgbClr val="1C3C70"/>
+              </a:solidFill>
+              <a:latin typeface="CIDFont+F2"/>
+            </a:endParaRPr>
+          </a:p>
+          <a:p>
+            <a:pPr marL="171450" marR="0" lvl="0" indent="-171450" algn="l" defTabSz="914400" rtl="0" eaLnBrk="1" fontAlgn="auto" latinLnBrk="0" hangingPunct="1">
+              <a:lnSpc>
+                <a:spcPct val="100000"/>
+              </a:lnSpc>
+              <a:spcBef>
+                <a:spcPts val="0"/>
+              </a:spcBef>
+              <a:spcAft>
+                <a:spcPts val="0"/>
+              </a:spcAft>
+              <a:buClrTx/>
+              <a:buSzTx/>
+              <a:buFont typeface="Wingdings" panose="05000000000000000000" pitchFamily="2" charset="2"/>
+              <a:buChar char="§"/>
+              <a:tabLst/>
+              <a:defRPr/>
+            </a:pPr>
+            <a:endParaRPr lang="fr-FR" sz="1200" dirty="0"/>
+          </a:p>
+          <a:p>
+            <a:pPr algn="l">
+              <a:buFont typeface="Arial" panose="020B0604020202020204" pitchFamily="34" charset="0"/>
+              <a:buChar char="•"/>
+            </a:pPr>
             <a:endParaRPr lang="fr-FR" b="0" i="0" dirty="0">
               <a:solidFill>
                 <a:srgbClr val="404040"/>
@@ -2591,7 +2807,7 @@
     </p:spTree>
     <p:extLst>
       <p:ext uri="{BB962C8B-B14F-4D97-AF65-F5344CB8AC3E}">
-        <p14:creationId xmlns:p14="http://schemas.microsoft.com/office/powerpoint/2010/main" val="1331240798"/>
+        <p14:creationId xmlns:p14="http://schemas.microsoft.com/office/powerpoint/2010/main" val="2889595398"/>
       </p:ext>
     </p:extLst>
   </p:cSld>
@@ -2645,7 +2861,46 @@
           <a:bodyPr/>
           <a:lstStyle/>
           <a:p>
-            <a:endParaRPr lang="fr-FR" dirty="0"/>
+            <a:pPr algn="l"/>
+            <a:r>
+              <a:rPr lang="fr-FR" sz="1800" b="0" i="0" u="none" strike="noStrike" baseline="0" dirty="0">
+                <a:solidFill>
+                  <a:srgbClr val="142D6E"/>
+                </a:solidFill>
+                <a:latin typeface="CIDFont+F2"/>
+              </a:rPr>
+              <a:t>Plus le modèle est performant, plus l’aire sous la courbe est maximisé.</a:t>
+            </a:r>
+          </a:p>
+          <a:p>
+            <a:pPr algn="l"/>
+            <a:endParaRPr lang="fr-FR" sz="1800" b="0" i="0" u="none" strike="noStrike" baseline="0" dirty="0">
+              <a:solidFill>
+                <a:srgbClr val="142D6E"/>
+              </a:solidFill>
+              <a:effectLst/>
+              <a:latin typeface="CIDFont+F2"/>
+            </a:endParaRPr>
+          </a:p>
+          <a:p>
+            <a:pPr algn="l"/>
+            <a:r>
+              <a:rPr lang="fr-FR" sz="1800" b="0" i="0" u="none" strike="noStrike" baseline="0" dirty="0">
+                <a:solidFill>
+                  <a:srgbClr val="142D6E"/>
+                </a:solidFill>
+                <a:effectLst/>
+                <a:latin typeface="CIDFont+F2"/>
+              </a:rPr>
+              <a:t>TN, FP, FN, TP</a:t>
+            </a:r>
+            <a:endParaRPr lang="fr-FR" b="0" i="0" dirty="0">
+              <a:solidFill>
+                <a:srgbClr val="404040"/>
+              </a:solidFill>
+              <a:effectLst/>
+              <a:latin typeface="Lato" panose="020F0502020204030203" pitchFamily="34" charset="0"/>
+            </a:endParaRPr>
           </a:p>
         </p:txBody>
       </p:sp>
@@ -2675,7 +2930,7 @@
     </p:spTree>
     <p:extLst>
       <p:ext uri="{BB962C8B-B14F-4D97-AF65-F5344CB8AC3E}">
-        <p14:creationId xmlns:p14="http://schemas.microsoft.com/office/powerpoint/2010/main" val="3940625131"/>
+        <p14:creationId xmlns:p14="http://schemas.microsoft.com/office/powerpoint/2010/main" val="2728905651"/>
       </p:ext>
     </p:extLst>
   </p:cSld>
@@ -2813,10 +3068,39 @@
           <a:bodyPr/>
           <a:lstStyle/>
           <a:p>
-            <a:pPr algn="l">
-              <a:buFont typeface="Arial" panose="020B0604020202020204" pitchFamily="34" charset="0"/>
-              <a:buNone/>
+            <a:pPr marL="171450" indent="-171450" algn="l">
+              <a:buFont typeface="Wingdings" panose="05000000000000000000" pitchFamily="2" charset="2"/>
+              <a:buChar char="§"/>
             </a:pPr>
+            <a:r>
+              <a:rPr lang="es-ES" b="0" i="0" dirty="0" err="1">
+                <a:solidFill>
+                  <a:srgbClr val="404040"/>
+                </a:solidFill>
+                <a:effectLst/>
+                <a:latin typeface="Lato" panose="020F0502020204030203" pitchFamily="34" charset="0"/>
+              </a:rPr>
+              <a:t>Ext_source</a:t>
+            </a:r>
+            <a:r>
+              <a:rPr lang="es-ES" b="0" i="0" dirty="0">
+                <a:solidFill>
+                  <a:srgbClr val="404040"/>
+                </a:solidFill>
+                <a:effectLst/>
+                <a:latin typeface="Lato" panose="020F0502020204030203" pitchFamily="34" charset="0"/>
+              </a:rPr>
+              <a:t> : </a:t>
+            </a:r>
+            <a:r>
+              <a:rPr lang="fr-FR" sz="1800" b="0" i="0" u="none" strike="noStrike" baseline="0" dirty="0">
+                <a:solidFill>
+                  <a:srgbClr val="1C3C70"/>
+                </a:solidFill>
+                <a:latin typeface="CIDFont+F2"/>
+              </a:rPr>
+              <a:t>Score normalisé provenant d'une source de données externe</a:t>
+            </a:r>
             <a:endParaRPr lang="fr-FR" b="0" i="0" dirty="0">
               <a:solidFill>
                 <a:srgbClr val="404040"/>
@@ -2853,7 +3137,7 @@
     </p:spTree>
     <p:extLst>
       <p:ext uri="{BB962C8B-B14F-4D97-AF65-F5344CB8AC3E}">
-        <p14:creationId xmlns:p14="http://schemas.microsoft.com/office/powerpoint/2010/main" val="448138784"/>
+        <p14:creationId xmlns:p14="http://schemas.microsoft.com/office/powerpoint/2010/main" val="1255713125"/>
       </p:ext>
     </p:extLst>
   </p:cSld>
@@ -2907,17 +3191,7 @@
           <a:bodyPr/>
           <a:lstStyle/>
           <a:p>
-            <a:pPr algn="l">
-              <a:buFont typeface="Arial" panose="020B0604020202020204" pitchFamily="34" charset="0"/>
-              <a:buNone/>
-            </a:pPr>
-            <a:endParaRPr lang="fr-FR" b="0" i="0" dirty="0">
-              <a:solidFill>
-                <a:srgbClr val="404040"/>
-              </a:solidFill>
-              <a:effectLst/>
-              <a:latin typeface="Lato" panose="020F0502020204030203" pitchFamily="34" charset="0"/>
-            </a:endParaRPr>
+            <a:endParaRPr lang="fr-FR" dirty="0"/>
           </a:p>
         </p:txBody>
       </p:sp>
@@ -2947,7 +3221,7 @@
     </p:spTree>
     <p:extLst>
       <p:ext uri="{BB962C8B-B14F-4D97-AF65-F5344CB8AC3E}">
-        <p14:creationId xmlns:p14="http://schemas.microsoft.com/office/powerpoint/2010/main" val="423251923"/>
+        <p14:creationId xmlns:p14="http://schemas.microsoft.com/office/powerpoint/2010/main" val="3940625131"/>
       </p:ext>
     </p:extLst>
   </p:cSld>
@@ -3041,7 +3315,7 @@
     </p:spTree>
     <p:extLst>
       <p:ext uri="{BB962C8B-B14F-4D97-AF65-F5344CB8AC3E}">
-        <p14:creationId xmlns:p14="http://schemas.microsoft.com/office/powerpoint/2010/main" val="3399208670"/>
+        <p14:creationId xmlns:p14="http://schemas.microsoft.com/office/powerpoint/2010/main" val="448138784"/>
       </p:ext>
     </p:extLst>
   </p:cSld>
@@ -3135,7 +3409,7 @@
     </p:spTree>
     <p:extLst>
       <p:ext uri="{BB962C8B-B14F-4D97-AF65-F5344CB8AC3E}">
-        <p14:creationId xmlns:p14="http://schemas.microsoft.com/office/powerpoint/2010/main" val="3883169578"/>
+        <p14:creationId xmlns:p14="http://schemas.microsoft.com/office/powerpoint/2010/main" val="423251923"/>
       </p:ext>
     </p:extLst>
   </p:cSld>
@@ -3229,7 +3503,7 @@
     </p:spTree>
     <p:extLst>
       <p:ext uri="{BB962C8B-B14F-4D97-AF65-F5344CB8AC3E}">
-        <p14:creationId xmlns:p14="http://schemas.microsoft.com/office/powerpoint/2010/main" val="840419749"/>
+        <p14:creationId xmlns:p14="http://schemas.microsoft.com/office/powerpoint/2010/main" val="3399208670"/>
       </p:ext>
     </p:extLst>
   </p:cSld>
@@ -3283,7 +3557,17 @@
           <a:bodyPr/>
           <a:lstStyle/>
           <a:p>
-            <a:endParaRPr lang="fr-FR" dirty="0"/>
+            <a:pPr algn="l">
+              <a:buFont typeface="Arial" panose="020B0604020202020204" pitchFamily="34" charset="0"/>
+              <a:buNone/>
+            </a:pPr>
+            <a:endParaRPr lang="fr-FR" b="0" i="0" dirty="0">
+              <a:solidFill>
+                <a:srgbClr val="404040"/>
+              </a:solidFill>
+              <a:effectLst/>
+              <a:latin typeface="Lato" panose="020F0502020204030203" pitchFamily="34" charset="0"/>
+            </a:endParaRPr>
           </a:p>
         </p:txBody>
       </p:sp>
@@ -3313,7 +3597,7 @@
     </p:spTree>
     <p:extLst>
       <p:ext uri="{BB962C8B-B14F-4D97-AF65-F5344CB8AC3E}">
-        <p14:creationId xmlns:p14="http://schemas.microsoft.com/office/powerpoint/2010/main" val="2672249202"/>
+        <p14:creationId xmlns:p14="http://schemas.microsoft.com/office/powerpoint/2010/main" val="3883169578"/>
       </p:ext>
     </p:extLst>
   </p:cSld>
@@ -3367,11 +3651,17 @@
           <a:bodyPr/>
           <a:lstStyle/>
           <a:p>
-            <a:pPr marL="171450" indent="-171450">
-              <a:buFont typeface="Wingdings" panose="05000000000000000000" pitchFamily="2" charset="2"/>
-              <a:buChar char="§"/>
+            <a:pPr algn="l">
+              <a:buFont typeface="Arial" panose="020B0604020202020204" pitchFamily="34" charset="0"/>
+              <a:buNone/>
             </a:pPr>
-            <a:endParaRPr lang="fr-FR" dirty="0"/>
+            <a:endParaRPr lang="fr-FR" b="0" i="0" dirty="0">
+              <a:solidFill>
+                <a:srgbClr val="404040"/>
+              </a:solidFill>
+              <a:effectLst/>
+              <a:latin typeface="Lato" panose="020F0502020204030203" pitchFamily="34" charset="0"/>
+            </a:endParaRPr>
           </a:p>
         </p:txBody>
       </p:sp>
@@ -3401,7 +3691,7 @@
     </p:spTree>
     <p:extLst>
       <p:ext uri="{BB962C8B-B14F-4D97-AF65-F5344CB8AC3E}">
-        <p14:creationId xmlns:p14="http://schemas.microsoft.com/office/powerpoint/2010/main" val="1372545783"/>
+        <p14:creationId xmlns:p14="http://schemas.microsoft.com/office/powerpoint/2010/main" val="840419749"/>
       </p:ext>
     </p:extLst>
   </p:cSld>
@@ -3455,10 +3745,6 @@
           <a:bodyPr/>
           <a:lstStyle/>
           <a:p>
-            <a:pPr marL="171450" indent="-171450">
-              <a:buFont typeface="Wingdings" panose="05000000000000000000" pitchFamily="2" charset="2"/>
-              <a:buChar char="§"/>
-            </a:pPr>
             <a:endParaRPr lang="fr-FR" dirty="0"/>
           </a:p>
         </p:txBody>
@@ -3489,7 +3775,7 @@
     </p:spTree>
     <p:extLst>
       <p:ext uri="{BB962C8B-B14F-4D97-AF65-F5344CB8AC3E}">
-        <p14:creationId xmlns:p14="http://schemas.microsoft.com/office/powerpoint/2010/main" val="3436986321"/>
+        <p14:creationId xmlns:p14="http://schemas.microsoft.com/office/powerpoint/2010/main" val="2672249202"/>
       </p:ext>
     </p:extLst>
   </p:cSld>
@@ -3543,29 +3829,10 @@
           <a:bodyPr/>
           <a:lstStyle/>
           <a:p>
-            <a:pPr marL="0" marR="0" lvl="0" indent="0" algn="l" defTabSz="914400" rtl="0" eaLnBrk="1" fontAlgn="auto" latinLnBrk="0" hangingPunct="1">
-              <a:lnSpc>
-                <a:spcPct val="100000"/>
-              </a:lnSpc>
-              <a:spcBef>
-                <a:spcPts val="0"/>
-              </a:spcBef>
-              <a:spcAft>
-                <a:spcPts val="0"/>
-              </a:spcAft>
-              <a:buClrTx/>
-              <a:buSzTx/>
-              <a:buFontTx/>
-              <a:buNone/>
-              <a:tabLst/>
-              <a:defRPr/>
+            <a:pPr marL="171450" indent="-171450">
+              <a:buFont typeface="Wingdings" panose="05000000000000000000" pitchFamily="2" charset="2"/>
+              <a:buChar char="§"/>
             </a:pPr>
-            <a:r>
-              <a:rPr lang="fr-FR" dirty="0"/>
-              <a:t>On arrive à le processus d’Analyse exploratoire</a:t>
-            </a:r>
-          </a:p>
-          <a:p>
             <a:endParaRPr lang="fr-FR" dirty="0"/>
           </a:p>
         </p:txBody>
@@ -3587,6 +3854,94 @@
           <a:p>
             <a:fld id="{B2BE2823-3393-479C-B299-87C7B63AEB2B}" type="slidenum">
               <a:rPr lang="en-US" smtClean="0"/>
+              <a:t>29</a:t>
+            </a:fld>
+            <a:endParaRPr lang="en-US"/>
+          </a:p>
+        </p:txBody>
+      </p:sp>
+    </p:spTree>
+    <p:extLst>
+      <p:ext uri="{BB962C8B-B14F-4D97-AF65-F5344CB8AC3E}">
+        <p14:creationId xmlns:p14="http://schemas.microsoft.com/office/powerpoint/2010/main" val="1372545783"/>
+      </p:ext>
+    </p:extLst>
+  </p:cSld>
+  <p:clrMapOvr>
+    <a:masterClrMapping/>
+  </p:clrMapOvr>
+</p:notes>
+</file>
+
+<file path=ppt/notesSlides/notesSlide29.xml><?xml version="1.0" encoding="utf-8"?>
+<p:notes xmlns:a="http://schemas.openxmlformats.org/drawingml/2006/main" xmlns:r="http://schemas.openxmlformats.org/officeDocument/2006/relationships" xmlns:p="http://schemas.openxmlformats.org/presentationml/2006/main">
+  <p:cSld>
+    <p:spTree>
+      <p:nvGrpSpPr>
+        <p:cNvPr id="1" name=""/>
+        <p:cNvGrpSpPr/>
+        <p:nvPr/>
+      </p:nvGrpSpPr>
+      <p:grpSpPr>
+        <a:xfrm>
+          <a:off x="0" y="0"/>
+          <a:ext cx="0" cy="0"/>
+          <a:chOff x="0" y="0"/>
+          <a:chExt cx="0" cy="0"/>
+        </a:xfrm>
+      </p:grpSpPr>
+      <p:sp>
+        <p:nvSpPr>
+          <p:cNvPr id="2" name="Espace réservé de l'image des diapositives 1"/>
+          <p:cNvSpPr>
+            <a:spLocks noGrp="1" noRot="1" noChangeAspect="1"/>
+          </p:cNvSpPr>
+          <p:nvPr>
+            <p:ph type="sldImg"/>
+          </p:nvPr>
+        </p:nvSpPr>
+        <p:spPr/>
+      </p:sp>
+      <p:sp>
+        <p:nvSpPr>
+          <p:cNvPr id="3" name="Espace réservé des notes 2"/>
+          <p:cNvSpPr>
+            <a:spLocks noGrp="1"/>
+          </p:cNvSpPr>
+          <p:nvPr>
+            <p:ph type="body" idx="1"/>
+          </p:nvPr>
+        </p:nvSpPr>
+        <p:spPr/>
+        <p:txBody>
+          <a:bodyPr/>
+          <a:lstStyle/>
+          <a:p>
+            <a:pPr marL="171450" indent="-171450">
+              <a:buFont typeface="Wingdings" panose="05000000000000000000" pitchFamily="2" charset="2"/>
+              <a:buChar char="§"/>
+            </a:pPr>
+            <a:endParaRPr lang="fr-FR" dirty="0"/>
+          </a:p>
+        </p:txBody>
+      </p:sp>
+      <p:sp>
+        <p:nvSpPr>
+          <p:cNvPr id="4" name="Espace réservé du numéro de diapositive 3"/>
+          <p:cNvSpPr>
+            <a:spLocks noGrp="1"/>
+          </p:cNvSpPr>
+          <p:nvPr>
+            <p:ph type="sldNum" sz="quarter" idx="5"/>
+          </p:nvPr>
+        </p:nvSpPr>
+        <p:spPr/>
+        <p:txBody>
+          <a:bodyPr/>
+          <a:lstStyle/>
+          <a:p>
+            <a:fld id="{B2BE2823-3393-479C-B299-87C7B63AEB2B}" type="slidenum">
+              <a:rPr lang="en-US" smtClean="0"/>
               <a:t>30</a:t>
             </a:fld>
             <a:endParaRPr lang="en-US"/>
@@ -3596,7 +3951,7 @@
     </p:spTree>
     <p:extLst>
       <p:ext uri="{BB962C8B-B14F-4D97-AF65-F5344CB8AC3E}">
-        <p14:creationId xmlns:p14="http://schemas.microsoft.com/office/powerpoint/2010/main" val="2103280738"/>
+        <p14:creationId xmlns:p14="http://schemas.microsoft.com/office/powerpoint/2010/main" val="3436986321"/>
       </p:ext>
     </p:extLst>
   </p:cSld>
@@ -3755,6 +4110,113 @@
     <p:extLst>
       <p:ext uri="{BB962C8B-B14F-4D97-AF65-F5344CB8AC3E}">
         <p14:creationId xmlns:p14="http://schemas.microsoft.com/office/powerpoint/2010/main" val="635131984"/>
+      </p:ext>
+    </p:extLst>
+  </p:cSld>
+  <p:clrMapOvr>
+    <a:masterClrMapping/>
+  </p:clrMapOvr>
+</p:notes>
+</file>
+
+<file path=ppt/notesSlides/notesSlide30.xml><?xml version="1.0" encoding="utf-8"?>
+<p:notes xmlns:a="http://schemas.openxmlformats.org/drawingml/2006/main" xmlns:r="http://schemas.openxmlformats.org/officeDocument/2006/relationships" xmlns:p="http://schemas.openxmlformats.org/presentationml/2006/main">
+  <p:cSld>
+    <p:spTree>
+      <p:nvGrpSpPr>
+        <p:cNvPr id="1" name=""/>
+        <p:cNvGrpSpPr/>
+        <p:nvPr/>
+      </p:nvGrpSpPr>
+      <p:grpSpPr>
+        <a:xfrm>
+          <a:off x="0" y="0"/>
+          <a:ext cx="0" cy="0"/>
+          <a:chOff x="0" y="0"/>
+          <a:chExt cx="0" cy="0"/>
+        </a:xfrm>
+      </p:grpSpPr>
+      <p:sp>
+        <p:nvSpPr>
+          <p:cNvPr id="2" name="Espace réservé de l'image des diapositives 1"/>
+          <p:cNvSpPr>
+            <a:spLocks noGrp="1" noRot="1" noChangeAspect="1"/>
+          </p:cNvSpPr>
+          <p:nvPr>
+            <p:ph type="sldImg"/>
+          </p:nvPr>
+        </p:nvSpPr>
+        <p:spPr/>
+      </p:sp>
+      <p:sp>
+        <p:nvSpPr>
+          <p:cNvPr id="3" name="Espace réservé des notes 2"/>
+          <p:cNvSpPr>
+            <a:spLocks noGrp="1"/>
+          </p:cNvSpPr>
+          <p:nvPr>
+            <p:ph type="body" idx="1"/>
+          </p:nvPr>
+        </p:nvSpPr>
+        <p:spPr/>
+        <p:txBody>
+          <a:bodyPr/>
+          <a:lstStyle/>
+          <a:p>
+            <a:pPr marL="0" marR="0" lvl="0" indent="0" algn="l" defTabSz="914400" rtl="0" eaLnBrk="1" fontAlgn="auto" latinLnBrk="0" hangingPunct="1">
+              <a:lnSpc>
+                <a:spcPct val="100000"/>
+              </a:lnSpc>
+              <a:spcBef>
+                <a:spcPts val="0"/>
+              </a:spcBef>
+              <a:spcAft>
+                <a:spcPts val="0"/>
+              </a:spcAft>
+              <a:buClrTx/>
+              <a:buSzTx/>
+              <a:buFontTx/>
+              <a:buNone/>
+              <a:tabLst/>
+              <a:defRPr/>
+            </a:pPr>
+            <a:r>
+              <a:rPr lang="fr-FR" dirty="0"/>
+              <a:t>On arrive à le processus d’Analyse exploratoire</a:t>
+            </a:r>
+          </a:p>
+          <a:p>
+            <a:endParaRPr lang="fr-FR" dirty="0"/>
+          </a:p>
+        </p:txBody>
+      </p:sp>
+      <p:sp>
+        <p:nvSpPr>
+          <p:cNvPr id="4" name="Espace réservé du numéro de diapositive 3"/>
+          <p:cNvSpPr>
+            <a:spLocks noGrp="1"/>
+          </p:cNvSpPr>
+          <p:nvPr>
+            <p:ph type="sldNum" sz="quarter" idx="5"/>
+          </p:nvPr>
+        </p:nvSpPr>
+        <p:spPr/>
+        <p:txBody>
+          <a:bodyPr/>
+          <a:lstStyle/>
+          <a:p>
+            <a:fld id="{B2BE2823-3393-479C-B299-87C7B63AEB2B}" type="slidenum">
+              <a:rPr lang="en-US" smtClean="0"/>
+              <a:t>32</a:t>
+            </a:fld>
+            <a:endParaRPr lang="en-US"/>
+          </a:p>
+        </p:txBody>
+      </p:sp>
+    </p:spTree>
+    <p:extLst>
+      <p:ext uri="{BB962C8B-B14F-4D97-AF65-F5344CB8AC3E}">
+        <p14:creationId xmlns:p14="http://schemas.microsoft.com/office/powerpoint/2010/main" val="2103280738"/>
       </p:ext>
     </p:extLst>
   </p:cSld>
@@ -13779,6 +14241,977 @@
       </p:grpSpPr>
       <p:grpSp>
         <p:nvGrpSpPr>
+          <p:cNvPr id="2" name="Groupe 1">
+            <a:extLst>
+              <a:ext uri="{FF2B5EF4-FFF2-40B4-BE49-F238E27FC236}">
+                <a16:creationId xmlns:a16="http://schemas.microsoft.com/office/drawing/2014/main" id="{FC9A7C1E-C783-475F-B294-3B6A24B235CD}"/>
+              </a:ext>
+            </a:extLst>
+          </p:cNvPr>
+          <p:cNvGrpSpPr/>
+          <p:nvPr/>
+        </p:nvGrpSpPr>
+        <p:grpSpPr>
+          <a:xfrm>
+            <a:off x="9831895" y="210686"/>
+            <a:ext cx="2227800" cy="856800"/>
+            <a:chOff x="9831895" y="210686"/>
+            <a:chExt cx="2227800" cy="856800"/>
+          </a:xfrm>
+        </p:grpSpPr>
+        <p:sp>
+          <p:nvSpPr>
+            <p:cNvPr id="30" name="Google Shape;189;p19">
+              <a:extLst>
+                <a:ext uri="{FF2B5EF4-FFF2-40B4-BE49-F238E27FC236}">
+                  <a16:creationId xmlns:a16="http://schemas.microsoft.com/office/drawing/2014/main" id="{A82D989A-05A2-41DE-92CD-A964EEA10F53}"/>
+                </a:ext>
+              </a:extLst>
+            </p:cNvPr>
+            <p:cNvSpPr/>
+            <p:nvPr/>
+          </p:nvSpPr>
+          <p:spPr>
+            <a:xfrm>
+              <a:off x="9831895" y="210686"/>
+              <a:ext cx="2227800" cy="856800"/>
+            </a:xfrm>
+            <a:prstGeom prst="chevron">
+              <a:avLst>
+                <a:gd name="adj" fmla="val 50000"/>
+              </a:avLst>
+            </a:prstGeom>
+            <a:solidFill>
+              <a:srgbClr val="ED7D31"/>
+            </a:solidFill>
+            <a:ln>
+              <a:solidFill>
+                <a:srgbClr val="ED7D31"/>
+              </a:solidFill>
+            </a:ln>
+          </p:spPr>
+          <p:txBody>
+            <a:bodyPr spcFirstLastPara="1" wrap="square" lIns="91425" tIns="91425" rIns="91425" bIns="91425" anchor="ctr" anchorCtr="0">
+              <a:noAutofit/>
+            </a:bodyPr>
+            <a:lstStyle/>
+            <a:p>
+              <a:pPr marL="0" lvl="0" indent="0" algn="l" rtl="0">
+                <a:spcBef>
+                  <a:spcPts val="0"/>
+                </a:spcBef>
+                <a:spcAft>
+                  <a:spcPts val="0"/>
+                </a:spcAft>
+                <a:buNone/>
+              </a:pPr>
+              <a:endParaRPr/>
+            </a:p>
+          </p:txBody>
+        </p:sp>
+        <p:sp>
+          <p:nvSpPr>
+            <p:cNvPr id="31" name="Google Shape;193;p19">
+              <a:extLst>
+                <a:ext uri="{FF2B5EF4-FFF2-40B4-BE49-F238E27FC236}">
+                  <a16:creationId xmlns:a16="http://schemas.microsoft.com/office/drawing/2014/main" id="{9AC04BB4-E0BF-46A9-91F7-34BC0A8FFE58}"/>
+                </a:ext>
+              </a:extLst>
+            </p:cNvPr>
+            <p:cNvSpPr txBox="1"/>
+            <p:nvPr/>
+          </p:nvSpPr>
+          <p:spPr>
+            <a:xfrm>
+              <a:off x="10115079" y="399532"/>
+              <a:ext cx="1293117" cy="464551"/>
+            </a:xfrm>
+            <a:prstGeom prst="rect">
+              <a:avLst/>
+            </a:prstGeom>
+            <a:noFill/>
+            <a:ln>
+              <a:noFill/>
+            </a:ln>
+          </p:spPr>
+          <p:txBody>
+            <a:bodyPr spcFirstLastPara="1" wrap="square" lIns="91425" tIns="91425" rIns="91425" bIns="91425" anchor="ctr" anchorCtr="0">
+              <a:noAutofit/>
+            </a:bodyPr>
+            <a:lstStyle/>
+            <a:p>
+              <a:pPr marL="0" lvl="0" indent="0" algn="ctr" rtl="0">
+                <a:spcBef>
+                  <a:spcPts val="0"/>
+                </a:spcBef>
+                <a:spcAft>
+                  <a:spcPts val="0"/>
+                </a:spcAft>
+                <a:buNone/>
+              </a:pPr>
+              <a:r>
+                <a:rPr lang="fr-FR" sz="1800" dirty="0">
+                  <a:solidFill>
+                    <a:schemeClr val="lt1"/>
+                  </a:solidFill>
+                  <a:latin typeface="Google Sans"/>
+                  <a:ea typeface="Fira Sans Condensed Medium"/>
+                  <a:cs typeface="Fira Sans Condensed Medium"/>
+                  <a:sym typeface="Fira Sans Condensed Medium"/>
+                </a:rPr>
+                <a:t>données </a:t>
+              </a:r>
+              <a:r>
+                <a:rPr lang="fr-FR" sz="1400" dirty="0">
+                  <a:solidFill>
+                    <a:schemeClr val="lt1"/>
+                  </a:solidFill>
+                  <a:latin typeface="Google Sans"/>
+                  <a:ea typeface="Fira Sans Condensed Medium"/>
+                  <a:cs typeface="Fira Sans Condensed Medium"/>
+                  <a:sym typeface="Fira Sans Condensed Medium"/>
+                </a:rPr>
+                <a:t>déséquilibrées</a:t>
+              </a:r>
+              <a:endParaRPr lang="fr-FR" sz="1800" dirty="0">
+                <a:solidFill>
+                  <a:schemeClr val="lt1"/>
+                </a:solidFill>
+                <a:latin typeface="Google Sans"/>
+                <a:ea typeface="Fira Sans Condensed Medium"/>
+                <a:cs typeface="Fira Sans Condensed Medium"/>
+                <a:sym typeface="Fira Sans Condensed Medium"/>
+              </a:endParaRPr>
+            </a:p>
+          </p:txBody>
+        </p:sp>
+        <p:sp>
+          <p:nvSpPr>
+            <p:cNvPr id="32" name="Google Shape;197;p19">
+              <a:extLst>
+                <a:ext uri="{FF2B5EF4-FFF2-40B4-BE49-F238E27FC236}">
+                  <a16:creationId xmlns:a16="http://schemas.microsoft.com/office/drawing/2014/main" id="{D35505C4-7840-4B1B-B920-8D4DDB6418BD}"/>
+                </a:ext>
+              </a:extLst>
+            </p:cNvPr>
+            <p:cNvSpPr/>
+            <p:nvPr/>
+          </p:nvSpPr>
+          <p:spPr>
+            <a:xfrm>
+              <a:off x="11353020" y="440781"/>
+              <a:ext cx="396600" cy="396600"/>
+            </a:xfrm>
+            <a:prstGeom prst="ellipse">
+              <a:avLst/>
+            </a:prstGeom>
+            <a:solidFill>
+              <a:srgbClr val="FFFFFF"/>
+            </a:solidFill>
+            <a:ln>
+              <a:noFill/>
+            </a:ln>
+          </p:spPr>
+          <p:txBody>
+            <a:bodyPr spcFirstLastPara="1" wrap="square" lIns="91425" tIns="91425" rIns="91425" bIns="91425" anchor="ctr" anchorCtr="0">
+              <a:noAutofit/>
+            </a:bodyPr>
+            <a:lstStyle/>
+            <a:p>
+              <a:pPr marL="0" lvl="0" indent="0" algn="l" rtl="0">
+                <a:spcBef>
+                  <a:spcPts val="0"/>
+                </a:spcBef>
+                <a:spcAft>
+                  <a:spcPts val="0"/>
+                </a:spcAft>
+                <a:buNone/>
+              </a:pPr>
+              <a:endParaRPr sz="2100">
+                <a:solidFill>
+                  <a:schemeClr val="accent1"/>
+                </a:solidFill>
+                <a:latin typeface="Fira Sans Condensed Medium"/>
+                <a:ea typeface="Fira Sans Condensed Medium"/>
+                <a:cs typeface="Fira Sans Condensed Medium"/>
+                <a:sym typeface="Fira Sans Condensed Medium"/>
+              </a:endParaRPr>
+            </a:p>
+          </p:txBody>
+        </p:sp>
+        <p:sp>
+          <p:nvSpPr>
+            <p:cNvPr id="33" name="Google Shape;204;p19">
+              <a:extLst>
+                <a:ext uri="{FF2B5EF4-FFF2-40B4-BE49-F238E27FC236}">
+                  <a16:creationId xmlns:a16="http://schemas.microsoft.com/office/drawing/2014/main" id="{035252C5-FA93-4030-A7BD-225A7CE772DC}"/>
+                </a:ext>
+              </a:extLst>
+            </p:cNvPr>
+            <p:cNvSpPr txBox="1"/>
+            <p:nvPr/>
+          </p:nvSpPr>
+          <p:spPr>
+            <a:xfrm>
+              <a:off x="11353521" y="440650"/>
+              <a:ext cx="396600" cy="396600"/>
+            </a:xfrm>
+            <a:prstGeom prst="rect">
+              <a:avLst/>
+            </a:prstGeom>
+            <a:noFill/>
+            <a:ln>
+              <a:noFill/>
+            </a:ln>
+          </p:spPr>
+          <p:txBody>
+            <a:bodyPr spcFirstLastPara="1" wrap="square" lIns="91425" tIns="91425" rIns="91425" bIns="91425" anchor="ctr" anchorCtr="0">
+              <a:noAutofit/>
+            </a:bodyPr>
+            <a:lstStyle/>
+            <a:p>
+              <a:pPr marL="0" lvl="0" indent="0" algn="ctr" rtl="0">
+                <a:spcBef>
+                  <a:spcPts val="0"/>
+                </a:spcBef>
+                <a:spcAft>
+                  <a:spcPts val="0"/>
+                </a:spcAft>
+                <a:buNone/>
+              </a:pPr>
+              <a:endParaRPr sz="2000" dirty="0">
+                <a:solidFill>
+                  <a:schemeClr val="accent1"/>
+                </a:solidFill>
+                <a:latin typeface="Fira Sans Condensed Medium"/>
+                <a:ea typeface="Fira Sans Condensed Medium"/>
+                <a:cs typeface="Fira Sans Condensed Medium"/>
+                <a:sym typeface="Fira Sans Condensed Medium"/>
+              </a:endParaRPr>
+            </a:p>
+          </p:txBody>
+        </p:sp>
+        <p:grpSp>
+          <p:nvGrpSpPr>
+            <p:cNvPr id="34" name="Groupe 33">
+              <a:extLst>
+                <a:ext uri="{FF2B5EF4-FFF2-40B4-BE49-F238E27FC236}">
+                  <a16:creationId xmlns:a16="http://schemas.microsoft.com/office/drawing/2014/main" id="{127F257C-F065-4651-9A92-0C197D485FEA}"/>
+                </a:ext>
+              </a:extLst>
+            </p:cNvPr>
+            <p:cNvGrpSpPr/>
+            <p:nvPr/>
+          </p:nvGrpSpPr>
+          <p:grpSpPr>
+            <a:xfrm>
+              <a:off x="11451473" y="515925"/>
+              <a:ext cx="226866" cy="219294"/>
+              <a:chOff x="3104506" y="2753958"/>
+              <a:chExt cx="740426" cy="1737359"/>
+            </a:xfrm>
+          </p:grpSpPr>
+          <p:pic>
+            <p:nvPicPr>
+              <p:cNvPr id="35" name="Image 34">
+                <a:extLst>
+                  <a:ext uri="{FF2B5EF4-FFF2-40B4-BE49-F238E27FC236}">
+                    <a16:creationId xmlns:a16="http://schemas.microsoft.com/office/drawing/2014/main" id="{2EA1E6F4-A5C1-4753-AB1B-75E365174BD9}"/>
+                  </a:ext>
+                </a:extLst>
+              </p:cNvPr>
+              <p:cNvPicPr>
+                <a:picLocks noChangeAspect="1"/>
+              </p:cNvPicPr>
+              <p:nvPr/>
+            </p:nvPicPr>
+            <p:blipFill rotWithShape="1">
+              <a:blip r:embed="rId3">
+                <a:extLst>
+                  <a:ext uri="{28A0092B-C50C-407E-A947-70E740481C1C}">
+                    <a14:useLocalDpi xmlns:a14="http://schemas.microsoft.com/office/drawing/2010/main" val="0"/>
+                  </a:ext>
+                </a:extLst>
+              </a:blip>
+              <a:srcRect l="18595" r="60097"/>
+              <a:stretch/>
+            </p:blipFill>
+            <p:spPr>
+              <a:xfrm>
+                <a:off x="3104506" y="2753958"/>
+                <a:ext cx="370213" cy="1737359"/>
+              </a:xfrm>
+              <a:prstGeom prst="rect">
+                <a:avLst/>
+              </a:prstGeom>
+            </p:spPr>
+          </p:pic>
+          <p:pic>
+            <p:nvPicPr>
+              <p:cNvPr id="36" name="Image 35">
+                <a:extLst>
+                  <a:ext uri="{FF2B5EF4-FFF2-40B4-BE49-F238E27FC236}">
+                    <a16:creationId xmlns:a16="http://schemas.microsoft.com/office/drawing/2014/main" id="{76C3705A-64D8-4C09-9774-7D9A63347B80}"/>
+                  </a:ext>
+                </a:extLst>
+              </p:cNvPr>
+              <p:cNvPicPr>
+                <a:picLocks noChangeAspect="1"/>
+              </p:cNvPicPr>
+              <p:nvPr/>
+            </p:nvPicPr>
+            <p:blipFill rotWithShape="1">
+              <a:blip r:embed="rId3">
+                <a:extLst>
+                  <a:ext uri="{28A0092B-C50C-407E-A947-70E740481C1C}">
+                    <a14:useLocalDpi xmlns:a14="http://schemas.microsoft.com/office/drawing/2010/main" val="0"/>
+                  </a:ext>
+                </a:extLst>
+              </a:blip>
+              <a:srcRect l="60097" r="18594"/>
+              <a:stretch/>
+            </p:blipFill>
+            <p:spPr>
+              <a:xfrm>
+                <a:off x="3474719" y="2753958"/>
+                <a:ext cx="370213" cy="1737359"/>
+              </a:xfrm>
+              <a:prstGeom prst="rect">
+                <a:avLst/>
+              </a:prstGeom>
+            </p:spPr>
+          </p:pic>
+        </p:grpSp>
+      </p:grpSp>
+      <p:sp>
+        <p:nvSpPr>
+          <p:cNvPr id="5" name="Rectangle 4">
+            <a:extLst>
+              <a:ext uri="{FF2B5EF4-FFF2-40B4-BE49-F238E27FC236}">
+                <a16:creationId xmlns:a16="http://schemas.microsoft.com/office/drawing/2014/main" id="{A00233D2-38CE-441F-90C9-32F91999758A}"/>
+              </a:ext>
+            </a:extLst>
+          </p:cNvPr>
+          <p:cNvSpPr/>
+          <p:nvPr/>
+        </p:nvSpPr>
+        <p:spPr>
+          <a:xfrm>
+            <a:off x="0" y="6400273"/>
+            <a:ext cx="12192000" cy="457727"/>
+          </a:xfrm>
+          <a:prstGeom prst="rect">
+            <a:avLst/>
+          </a:prstGeom>
+          <a:solidFill>
+            <a:srgbClr val="7451EB"/>
+          </a:solidFill>
+          <a:ln>
+            <a:solidFill>
+              <a:srgbClr val="7451EB"/>
+            </a:solidFill>
+          </a:ln>
+        </p:spPr>
+        <p:style>
+          <a:lnRef idx="2">
+            <a:schemeClr val="accent1">
+              <a:shade val="50000"/>
+            </a:schemeClr>
+          </a:lnRef>
+          <a:fillRef idx="1">
+            <a:schemeClr val="accent1"/>
+          </a:fillRef>
+          <a:effectRef idx="0">
+            <a:schemeClr val="accent1"/>
+          </a:effectRef>
+          <a:fontRef idx="minor">
+            <a:schemeClr val="lt1"/>
+          </a:fontRef>
+        </p:style>
+        <p:txBody>
+          <a:bodyPr rtlCol="0" anchor="ctr"/>
+          <a:lstStyle/>
+          <a:p>
+            <a:pPr algn="ctr"/>
+            <a:endParaRPr lang="en-US" dirty="0"/>
+          </a:p>
+        </p:txBody>
+      </p:sp>
+      <p:sp>
+        <p:nvSpPr>
+          <p:cNvPr id="15" name="TextBox 3">
+            <a:extLst>
+              <a:ext uri="{FF2B5EF4-FFF2-40B4-BE49-F238E27FC236}">
+                <a16:creationId xmlns:a16="http://schemas.microsoft.com/office/drawing/2014/main" id="{47FC2DCC-BDE9-485D-AF79-4177B5479110}"/>
+              </a:ext>
+            </a:extLst>
+          </p:cNvPr>
+          <p:cNvSpPr txBox="1"/>
+          <p:nvPr/>
+        </p:nvSpPr>
+        <p:spPr>
+          <a:xfrm>
+            <a:off x="10543592" y="6475247"/>
+            <a:ext cx="1648408" cy="307777"/>
+          </a:xfrm>
+          <a:prstGeom prst="rect">
+            <a:avLst/>
+          </a:prstGeom>
+          <a:noFill/>
+        </p:spPr>
+        <p:txBody>
+          <a:bodyPr wrap="square" rtlCol="0">
+            <a:spAutoFit/>
+          </a:bodyPr>
+          <a:lstStyle/>
+          <a:p>
+            <a:pPr algn="r"/>
+            <a:r>
+              <a:rPr lang="es-CO" sz="1400" b="1" i="1" dirty="0" err="1">
+                <a:ln>
+                  <a:solidFill>
+                    <a:schemeClr val="bg1"/>
+                  </a:solidFill>
+                </a:ln>
+                <a:solidFill>
+                  <a:schemeClr val="bg1"/>
+                </a:solidFill>
+                <a:latin typeface="+mj-lt"/>
+              </a:rPr>
+              <a:t>OpenClassrooms</a:t>
+            </a:r>
+            <a:endParaRPr lang="en-US" sz="1400" b="1" i="1" dirty="0">
+              <a:ln>
+                <a:solidFill>
+                  <a:schemeClr val="bg1"/>
+                </a:solidFill>
+              </a:ln>
+              <a:solidFill>
+                <a:schemeClr val="bg1"/>
+              </a:solidFill>
+              <a:latin typeface="+mj-lt"/>
+            </a:endParaRPr>
+          </a:p>
+        </p:txBody>
+      </p:sp>
+      <p:sp>
+        <p:nvSpPr>
+          <p:cNvPr id="10" name="Titre 1">
+            <a:extLst>
+              <a:ext uri="{FF2B5EF4-FFF2-40B4-BE49-F238E27FC236}">
+                <a16:creationId xmlns:a16="http://schemas.microsoft.com/office/drawing/2014/main" id="{224E5C7D-3656-459F-9C01-61200508167F}"/>
+              </a:ext>
+            </a:extLst>
+          </p:cNvPr>
+          <p:cNvSpPr txBox="1">
+            <a:spLocks/>
+          </p:cNvSpPr>
+          <p:nvPr/>
+        </p:nvSpPr>
+        <p:spPr>
+          <a:xfrm>
+            <a:off x="279917" y="432794"/>
+            <a:ext cx="7736849" cy="696438"/>
+          </a:xfrm>
+          <a:prstGeom prst="rect">
+            <a:avLst/>
+          </a:prstGeom>
+        </p:spPr>
+        <p:txBody>
+          <a:bodyPr vert="horz" lIns="91440" tIns="45720" rIns="91440" bIns="45720" rtlCol="0" anchor="ctr">
+            <a:normAutofit/>
+          </a:bodyPr>
+          <a:lstStyle>
+            <a:lvl1pPr algn="l" defTabSz="914400" rtl="0" eaLnBrk="1" latinLnBrk="0" hangingPunct="1">
+              <a:lnSpc>
+                <a:spcPct val="90000"/>
+              </a:lnSpc>
+              <a:spcBef>
+                <a:spcPct val="0"/>
+              </a:spcBef>
+              <a:buNone/>
+              <a:defRPr sz="4400" kern="1200">
+                <a:solidFill>
+                  <a:schemeClr val="tx1"/>
+                </a:solidFill>
+                <a:latin typeface="+mj-lt"/>
+                <a:ea typeface="+mj-ea"/>
+                <a:cs typeface="+mj-cs"/>
+              </a:defRPr>
+            </a:lvl1pPr>
+          </a:lstStyle>
+          <a:p>
+            <a:r>
+              <a:rPr lang="fr-FR" sz="4000" b="1" dirty="0">
+                <a:ln>
+                  <a:solidFill>
+                    <a:srgbClr val="7451EB"/>
+                  </a:solidFill>
+                </a:ln>
+                <a:solidFill>
+                  <a:srgbClr val="7451EB"/>
+                </a:solidFill>
+                <a:latin typeface="Google Sans"/>
+              </a:rPr>
+              <a:t>Le jeu de données est déséquilibré</a:t>
+            </a:r>
+          </a:p>
+        </p:txBody>
+      </p:sp>
+      <p:sp>
+        <p:nvSpPr>
+          <p:cNvPr id="11" name="Rectángulo 4">
+            <a:extLst>
+              <a:ext uri="{FF2B5EF4-FFF2-40B4-BE49-F238E27FC236}">
+                <a16:creationId xmlns:a16="http://schemas.microsoft.com/office/drawing/2014/main" id="{B84F0FDC-2C73-4C87-9CC7-F9F129B3A699}"/>
+              </a:ext>
+            </a:extLst>
+          </p:cNvPr>
+          <p:cNvSpPr/>
+          <p:nvPr/>
+        </p:nvSpPr>
+        <p:spPr>
+          <a:xfrm>
+            <a:off x="377906" y="378794"/>
+            <a:ext cx="366721" cy="54000"/>
+          </a:xfrm>
+          <a:prstGeom prst="rect">
+            <a:avLst/>
+          </a:prstGeom>
+          <a:solidFill>
+            <a:srgbClr val="7451EB"/>
+          </a:solidFill>
+          <a:ln>
+            <a:solidFill>
+              <a:srgbClr val="7451EB"/>
+            </a:solidFill>
+          </a:ln>
+        </p:spPr>
+        <p:style>
+          <a:lnRef idx="2">
+            <a:schemeClr val="accent1">
+              <a:shade val="50000"/>
+            </a:schemeClr>
+          </a:lnRef>
+          <a:fillRef idx="1">
+            <a:schemeClr val="accent1"/>
+          </a:fillRef>
+          <a:effectRef idx="0">
+            <a:schemeClr val="accent1"/>
+          </a:effectRef>
+          <a:fontRef idx="minor">
+            <a:schemeClr val="lt1"/>
+          </a:fontRef>
+        </p:style>
+        <p:txBody>
+          <a:bodyPr rtlCol="0" anchor="ctr"/>
+          <a:lstStyle/>
+          <a:p>
+            <a:pPr algn="ctr"/>
+            <a:endParaRPr lang="es-AR">
+              <a:ln>
+                <a:solidFill>
+                  <a:srgbClr val="7451EB"/>
+                </a:solidFill>
+              </a:ln>
+              <a:solidFill>
+                <a:srgbClr val="7451EB"/>
+              </a:solidFill>
+            </a:endParaRPr>
+          </a:p>
+        </p:txBody>
+      </p:sp>
+      <p:sp>
+        <p:nvSpPr>
+          <p:cNvPr id="21" name="TextBox 3">
+            <a:extLst>
+              <a:ext uri="{FF2B5EF4-FFF2-40B4-BE49-F238E27FC236}">
+                <a16:creationId xmlns:a16="http://schemas.microsoft.com/office/drawing/2014/main" id="{A5BD8A43-F558-4214-B2E7-69AB8718A791}"/>
+              </a:ext>
+            </a:extLst>
+          </p:cNvPr>
+          <p:cNvSpPr txBox="1"/>
+          <p:nvPr/>
+        </p:nvSpPr>
+        <p:spPr>
+          <a:xfrm>
+            <a:off x="0" y="6475247"/>
+            <a:ext cx="8982635" cy="307777"/>
+          </a:xfrm>
+          <a:prstGeom prst="rect">
+            <a:avLst/>
+          </a:prstGeom>
+          <a:noFill/>
+        </p:spPr>
+        <p:txBody>
+          <a:bodyPr wrap="square" rtlCol="0">
+            <a:spAutoFit/>
+          </a:bodyPr>
+          <a:lstStyle/>
+          <a:p>
+            <a:r>
+              <a:rPr lang="es-CO" sz="1400" dirty="0">
+                <a:ln>
+                  <a:solidFill>
+                    <a:schemeClr val="bg1"/>
+                  </a:solidFill>
+                </a:ln>
+                <a:solidFill>
+                  <a:schemeClr val="bg1"/>
+                </a:solidFill>
+                <a:latin typeface="+mj-lt"/>
+              </a:rPr>
+              <a:t>Project 7 – </a:t>
+            </a:r>
+            <a:r>
+              <a:rPr lang="fr-FR" sz="1400" dirty="0">
+                <a:ln>
+                  <a:solidFill>
+                    <a:schemeClr val="bg1"/>
+                  </a:solidFill>
+                </a:ln>
+                <a:solidFill>
+                  <a:schemeClr val="bg1"/>
+                </a:solidFill>
+                <a:latin typeface="+mj-lt"/>
+              </a:rPr>
+              <a:t>implémentation d’un modèle de </a:t>
+            </a:r>
+            <a:r>
+              <a:rPr lang="fr-FR" sz="1400" dirty="0" err="1">
+                <a:ln>
+                  <a:solidFill>
+                    <a:schemeClr val="bg1"/>
+                  </a:solidFill>
+                </a:ln>
+                <a:solidFill>
+                  <a:schemeClr val="bg1"/>
+                </a:solidFill>
+                <a:latin typeface="+mj-lt"/>
+              </a:rPr>
+              <a:t>scoring</a:t>
+            </a:r>
+            <a:endParaRPr lang="en-US" sz="1400" dirty="0">
+              <a:ln>
+                <a:solidFill>
+                  <a:schemeClr val="bg1"/>
+                </a:solidFill>
+              </a:ln>
+              <a:solidFill>
+                <a:schemeClr val="bg1"/>
+              </a:solidFill>
+              <a:latin typeface="+mj-lt"/>
+            </a:endParaRPr>
+          </a:p>
+        </p:txBody>
+      </p:sp>
+      <p:pic>
+        <p:nvPicPr>
+          <p:cNvPr id="4" name="Image 3">
+            <a:extLst>
+              <a:ext uri="{FF2B5EF4-FFF2-40B4-BE49-F238E27FC236}">
+                <a16:creationId xmlns:a16="http://schemas.microsoft.com/office/drawing/2014/main" id="{7A1E8ACD-A6CE-44B3-9E1E-A51A4BE33F10}"/>
+              </a:ext>
+            </a:extLst>
+          </p:cNvPr>
+          <p:cNvPicPr>
+            <a:picLocks noChangeAspect="1"/>
+          </p:cNvPicPr>
+          <p:nvPr/>
+        </p:nvPicPr>
+        <p:blipFill>
+          <a:blip r:embed="rId4"/>
+          <a:stretch>
+            <a:fillRect/>
+          </a:stretch>
+        </p:blipFill>
+        <p:spPr>
+          <a:xfrm>
+            <a:off x="641110" y="1528005"/>
+            <a:ext cx="6052327" cy="3320242"/>
+          </a:xfrm>
+          <a:prstGeom prst="rect">
+            <a:avLst/>
+          </a:prstGeom>
+        </p:spPr>
+      </p:pic>
+      <p:sp>
+        <p:nvSpPr>
+          <p:cNvPr id="37" name="ZoneTexte 36">
+            <a:extLst>
+              <a:ext uri="{FF2B5EF4-FFF2-40B4-BE49-F238E27FC236}">
+                <a16:creationId xmlns:a16="http://schemas.microsoft.com/office/drawing/2014/main" id="{F9FAC46F-50DD-4275-B54F-D659122B6097}"/>
+              </a:ext>
+            </a:extLst>
+          </p:cNvPr>
+          <p:cNvSpPr txBox="1"/>
+          <p:nvPr/>
+        </p:nvSpPr>
+        <p:spPr>
+          <a:xfrm>
+            <a:off x="7667775" y="1846316"/>
+            <a:ext cx="3685245" cy="400110"/>
+          </a:xfrm>
+          <a:prstGeom prst="rect">
+            <a:avLst/>
+          </a:prstGeom>
+          <a:noFill/>
+        </p:spPr>
+        <p:txBody>
+          <a:bodyPr wrap="square">
+            <a:spAutoFit/>
+          </a:bodyPr>
+          <a:lstStyle/>
+          <a:p>
+            <a:r>
+              <a:rPr lang="fr-FR" sz="2000" dirty="0"/>
+              <a:t>Utilisation du </a:t>
+            </a:r>
+            <a:r>
+              <a:rPr lang="fr-FR" sz="2000" b="1" u="sng" dirty="0"/>
+              <a:t>SMOTE</a:t>
+            </a:r>
+            <a:endParaRPr lang="fr-FR" sz="2000" b="1" u="sng" baseline="30000" dirty="0"/>
+          </a:p>
+        </p:txBody>
+      </p:sp>
+      <p:pic>
+        <p:nvPicPr>
+          <p:cNvPr id="38" name="Image 37">
+            <a:extLst>
+              <a:ext uri="{FF2B5EF4-FFF2-40B4-BE49-F238E27FC236}">
+                <a16:creationId xmlns:a16="http://schemas.microsoft.com/office/drawing/2014/main" id="{6E39D6B9-367B-49E2-BE49-490A54294E06}"/>
+              </a:ext>
+            </a:extLst>
+          </p:cNvPr>
+          <p:cNvPicPr>
+            <a:picLocks noChangeAspect="1"/>
+          </p:cNvPicPr>
+          <p:nvPr/>
+        </p:nvPicPr>
+        <p:blipFill>
+          <a:blip r:embed="rId5">
+            <a:duotone>
+              <a:schemeClr val="accent6">
+                <a:shade val="45000"/>
+                <a:satMod val="135000"/>
+              </a:schemeClr>
+              <a:prstClr val="white"/>
+            </a:duotone>
+            <a:extLst>
+              <a:ext uri="{28A0092B-C50C-407E-A947-70E740481C1C}">
+                <a14:useLocalDpi xmlns:a14="http://schemas.microsoft.com/office/drawing/2010/main" val="0"/>
+              </a:ext>
+            </a:extLst>
+          </a:blip>
+          <a:stretch>
+            <a:fillRect/>
+          </a:stretch>
+        </p:blipFill>
+        <p:spPr>
+          <a:xfrm>
+            <a:off x="7200786" y="1837524"/>
+            <a:ext cx="457727" cy="427272"/>
+          </a:xfrm>
+          <a:prstGeom prst="rect">
+            <a:avLst/>
+          </a:prstGeom>
+        </p:spPr>
+      </p:pic>
+      <p:sp>
+        <p:nvSpPr>
+          <p:cNvPr id="39" name="ZoneTexte 38">
+            <a:extLst>
+              <a:ext uri="{FF2B5EF4-FFF2-40B4-BE49-F238E27FC236}">
+                <a16:creationId xmlns:a16="http://schemas.microsoft.com/office/drawing/2014/main" id="{5C38FDFC-2903-4044-999A-A79AFFB44F1D}"/>
+              </a:ext>
+            </a:extLst>
+          </p:cNvPr>
+          <p:cNvSpPr txBox="1"/>
+          <p:nvPr/>
+        </p:nvSpPr>
+        <p:spPr>
+          <a:xfrm>
+            <a:off x="7658512" y="2264796"/>
+            <a:ext cx="3395567" cy="923330"/>
+          </a:xfrm>
+          <a:prstGeom prst="rect">
+            <a:avLst/>
+          </a:prstGeom>
+          <a:noFill/>
+        </p:spPr>
+        <p:txBody>
+          <a:bodyPr wrap="square">
+            <a:spAutoFit/>
+          </a:bodyPr>
+          <a:lstStyle/>
+          <a:p>
+            <a:pPr marL="285750" indent="-285750">
+              <a:buFont typeface="Wingdings" panose="05000000000000000000" pitchFamily="2" charset="2"/>
+              <a:buChar char="§"/>
+            </a:pPr>
+            <a:r>
+              <a:rPr lang="fr-FR" b="1" u="sng" dirty="0">
+                <a:latin typeface="docs-Roboto"/>
+              </a:rPr>
+              <a:t>Oversampling </a:t>
+            </a:r>
+            <a:r>
+              <a:rPr lang="fr-FR" dirty="0">
+                <a:latin typeface="docs-Roboto"/>
+              </a:rPr>
+              <a:t>pour augmenter les données dans la classe minoritaire</a:t>
+            </a:r>
+            <a:endParaRPr lang="fr-FR" sz="1400" dirty="0">
+              <a:latin typeface="docs-Roboto"/>
+            </a:endParaRPr>
+          </a:p>
+        </p:txBody>
+      </p:sp>
+      <p:sp>
+        <p:nvSpPr>
+          <p:cNvPr id="40" name="ZoneTexte 39">
+            <a:extLst>
+              <a:ext uri="{FF2B5EF4-FFF2-40B4-BE49-F238E27FC236}">
+                <a16:creationId xmlns:a16="http://schemas.microsoft.com/office/drawing/2014/main" id="{E3E9BB31-D4E8-4FA1-9BA7-2F23E2F5CC83}"/>
+              </a:ext>
+            </a:extLst>
+          </p:cNvPr>
+          <p:cNvSpPr txBox="1"/>
+          <p:nvPr/>
+        </p:nvSpPr>
+        <p:spPr>
+          <a:xfrm>
+            <a:off x="-1" y="5300957"/>
+            <a:ext cx="5637008" cy="707886"/>
+          </a:xfrm>
+          <a:prstGeom prst="rect">
+            <a:avLst/>
+          </a:prstGeom>
+          <a:solidFill>
+            <a:srgbClr val="5B9BD5"/>
+          </a:solidFill>
+          <a:ln>
+            <a:solidFill>
+              <a:srgbClr val="5B9BD5"/>
+            </a:solidFill>
+          </a:ln>
+        </p:spPr>
+        <p:txBody>
+          <a:bodyPr wrap="square">
+            <a:spAutoFit/>
+          </a:bodyPr>
+          <a:lstStyle/>
+          <a:p>
+            <a:r>
+              <a:rPr lang="fr-FR" sz="2000" u="none" strike="noStrike" dirty="0">
+                <a:ln>
+                  <a:solidFill>
+                    <a:schemeClr val="bg1"/>
+                  </a:solidFill>
+                </a:ln>
+                <a:solidFill>
+                  <a:schemeClr val="bg1"/>
+                </a:solidFill>
+                <a:effectLst/>
+                <a:latin typeface="docs-Roboto"/>
+              </a:rPr>
+              <a:t>(0) Ce sont des prêts qui ont été remboursés.</a:t>
+            </a:r>
+          </a:p>
+          <a:p>
+            <a:r>
+              <a:rPr lang="fr-FR" sz="2000" u="none" strike="noStrike" dirty="0">
+                <a:ln>
+                  <a:solidFill>
+                    <a:schemeClr val="bg1"/>
+                  </a:solidFill>
+                </a:ln>
+                <a:solidFill>
+                  <a:schemeClr val="bg1"/>
+                </a:solidFill>
+                <a:effectLst/>
+                <a:latin typeface="docs-Roboto"/>
+              </a:rPr>
+              <a:t>(1) Ce sont des prêts qui n'ont pas été remboursés</a:t>
+            </a:r>
+            <a:endParaRPr lang="fr-FR" sz="2000" b="1" u="sng" strike="noStrike" dirty="0">
+              <a:ln>
+                <a:solidFill>
+                  <a:schemeClr val="bg1"/>
+                </a:solidFill>
+              </a:ln>
+              <a:solidFill>
+                <a:schemeClr val="bg1"/>
+              </a:solidFill>
+              <a:effectLst/>
+              <a:latin typeface="docs-Roboto"/>
+            </a:endParaRPr>
+          </a:p>
+        </p:txBody>
+      </p:sp>
+      <p:pic>
+        <p:nvPicPr>
+          <p:cNvPr id="9" name="Image 8">
+            <a:extLst>
+              <a:ext uri="{FF2B5EF4-FFF2-40B4-BE49-F238E27FC236}">
+                <a16:creationId xmlns:a16="http://schemas.microsoft.com/office/drawing/2014/main" id="{26D72FA3-ED7A-42FD-9212-E64F76089F4D}"/>
+              </a:ext>
+            </a:extLst>
+          </p:cNvPr>
+          <p:cNvPicPr>
+            <a:picLocks noChangeAspect="1"/>
+          </p:cNvPicPr>
+          <p:nvPr/>
+        </p:nvPicPr>
+        <p:blipFill>
+          <a:blip r:embed="rId6"/>
+          <a:stretch>
+            <a:fillRect/>
+          </a:stretch>
+        </p:blipFill>
+        <p:spPr>
+          <a:xfrm>
+            <a:off x="7429649" y="3526156"/>
+            <a:ext cx="3534343" cy="1951718"/>
+          </a:xfrm>
+          <a:prstGeom prst="rect">
+            <a:avLst/>
+          </a:prstGeom>
+        </p:spPr>
+      </p:pic>
+    </p:spTree>
+    <p:extLst>
+      <p:ext uri="{BB962C8B-B14F-4D97-AF65-F5344CB8AC3E}">
+        <p14:creationId xmlns:p14="http://schemas.microsoft.com/office/powerpoint/2010/main" val="4180323023"/>
+      </p:ext>
+    </p:extLst>
+  </p:cSld>
+  <p:clrMapOvr>
+    <a:masterClrMapping/>
+  </p:clrMapOvr>
+</p:sld>
+</file>
+
+<file path=ppt/slides/slide15.xml><?xml version="1.0" encoding="utf-8"?>
+<p:sld xmlns:a="http://schemas.openxmlformats.org/drawingml/2006/main" xmlns:r="http://schemas.openxmlformats.org/officeDocument/2006/relationships" xmlns:p="http://schemas.openxmlformats.org/presentationml/2006/main">
+  <p:cSld>
+    <p:spTree>
+      <p:nvGrpSpPr>
+        <p:cNvPr id="1" name=""/>
+        <p:cNvGrpSpPr/>
+        <p:nvPr/>
+      </p:nvGrpSpPr>
+      <p:grpSpPr>
+        <a:xfrm>
+          <a:off x="0" y="0"/>
+          <a:ext cx="0" cy="0"/>
+          <a:chOff x="0" y="0"/>
+          <a:chExt cx="0" cy="0"/>
+        </a:xfrm>
+      </p:grpSpPr>
+      <p:grpSp>
+        <p:nvGrpSpPr>
           <p:cNvPr id="3" name="Groupe 2">
             <a:extLst>
               <a:ext uri="{FF2B5EF4-FFF2-40B4-BE49-F238E27FC236}">
@@ -15061,7 +16494,7 @@
           <a:lstStyle/>
           <a:p>
             <a:r>
-              <a:rPr lang="es-ES" sz="1400"/>
+              <a:rPr lang="es-ES" sz="1400" dirty="0"/>
               <a:t>Classe prédite</a:t>
             </a:r>
             <a:endParaRPr lang="fr-FR" sz="1400" dirty="0"/>
@@ -15097,16 +16530,8 @@
           <a:lstStyle/>
           <a:p>
             <a:r>
-              <a:rPr lang="es-ES" sz="1400" dirty="0" err="1"/>
-              <a:t>Classe</a:t>
-            </a:r>
-            <a:r>
               <a:rPr lang="es-ES" sz="1400" dirty="0"/>
-              <a:t> </a:t>
-            </a:r>
-            <a:r>
-              <a:rPr lang="es-ES" sz="1400" dirty="0" err="1"/>
-              <a:t>réelle</a:t>
+              <a:t>Classe réelle</a:t>
             </a:r>
             <a:endParaRPr lang="fr-FR" sz="1400" dirty="0"/>
           </a:p>
@@ -15142,16 +16567,8 @@
           <a:p>
             <a:pPr algn="ctr"/>
             <a:r>
-              <a:rPr lang="es-ES" b="1" dirty="0" err="1"/>
-              <a:t>Matrice</a:t>
-            </a:r>
-            <a:r>
               <a:rPr lang="es-ES" b="1" dirty="0"/>
-              <a:t> de </a:t>
-            </a:r>
-            <a:r>
-              <a:rPr lang="es-ES" b="1" dirty="0" err="1"/>
-              <a:t>confusion</a:t>
+              <a:t>Matrice de confusion</a:t>
             </a:r>
             <a:endParaRPr lang="fr-FR" b="1" dirty="0"/>
           </a:p>
@@ -15306,10 +16723,9 @@
                         <a:defRPr/>
                       </a:pPr>
                       <a:r>
-                        <a:rPr lang="es-ES" sz="1400" b="1" dirty="0" err="1"/>
+                        <a:rPr lang="es-ES" sz="1400" b="1" dirty="0"/>
                         <a:t>Taux</a:t>
                       </a:r>
-                      <a:endParaRPr lang="es-ES" sz="1400" b="1" dirty="0"/>
                     </a:p>
                   </a:txBody>
                   <a:tcPr anchor="ctr"/>
@@ -15321,7 +16737,7 @@
                     <a:p>
                       <a:pPr algn="ctr"/>
                       <a:r>
-                        <a:rPr lang="es-ES" sz="1400" b="1" kern="1200" dirty="0" err="1">
+                        <a:rPr lang="es-ES" sz="1400" b="1" kern="1200" dirty="0">
                           <a:solidFill>
                             <a:schemeClr val="lt1"/>
                           </a:solidFill>
@@ -15388,47 +16804,7 @@
                             </a:schemeClr>
                           </a:solidFill>
                         </a:rPr>
-                        <a:t>(</a:t>
-                      </a:r>
-                      <a:r>
-                        <a:rPr lang="es-ES" sz="1100" kern="1200" dirty="0" err="1">
-                          <a:solidFill>
-                            <a:schemeClr val="bg1">
-                              <a:lumMod val="50000"/>
-                            </a:schemeClr>
-                          </a:solidFill>
-                        </a:rPr>
-                        <a:t>vrais</a:t>
-                      </a:r>
-                      <a:r>
-                        <a:rPr lang="es-ES" sz="1100" kern="1200" dirty="0">
-                          <a:solidFill>
-                            <a:schemeClr val="bg1">
-                              <a:lumMod val="50000"/>
-                            </a:schemeClr>
-                          </a:solidFill>
-                        </a:rPr>
-                        <a:t> </a:t>
-                      </a:r>
-                      <a:r>
-                        <a:rPr lang="es-ES" sz="1100" kern="1200" dirty="0" err="1">
-                          <a:solidFill>
-                            <a:schemeClr val="bg1">
-                              <a:lumMod val="50000"/>
-                            </a:schemeClr>
-                          </a:solidFill>
-                        </a:rPr>
-                        <a:t>négatifs</a:t>
-                      </a:r>
-                      <a:r>
-                        <a:rPr lang="es-ES" sz="1100" kern="1200" dirty="0">
-                          <a:solidFill>
-                            <a:schemeClr val="bg1">
-                              <a:lumMod val="50000"/>
-                            </a:schemeClr>
-                          </a:solidFill>
-                        </a:rPr>
-                        <a:t>)</a:t>
+                        <a:t>(vrais négatifs)</a:t>
                       </a:r>
                       <a:endParaRPr lang="es-ES" sz="1100" kern="1200" dirty="0">
                         <a:solidFill>
@@ -15511,47 +16887,7 @@
                             </a:schemeClr>
                           </a:solidFill>
                         </a:rPr>
-                        <a:t>(</a:t>
-                      </a:r>
-                      <a:r>
-                        <a:rPr lang="es-ES" sz="1100" kern="1200" dirty="0" err="1">
-                          <a:solidFill>
-                            <a:schemeClr val="bg1">
-                              <a:lumMod val="50000"/>
-                            </a:schemeClr>
-                          </a:solidFill>
-                        </a:rPr>
-                        <a:t>vrais</a:t>
-                      </a:r>
-                      <a:r>
-                        <a:rPr lang="es-ES" sz="1100" kern="1200" dirty="0">
-                          <a:solidFill>
-                            <a:schemeClr val="bg1">
-                              <a:lumMod val="50000"/>
-                            </a:schemeClr>
-                          </a:solidFill>
-                        </a:rPr>
-                        <a:t> </a:t>
-                      </a:r>
-                      <a:r>
-                        <a:rPr lang="es-ES" sz="1100" kern="1200" dirty="0" err="1">
-                          <a:solidFill>
-                            <a:schemeClr val="bg1">
-                              <a:lumMod val="50000"/>
-                            </a:schemeClr>
-                          </a:solidFill>
-                        </a:rPr>
-                        <a:t>positifs</a:t>
-                      </a:r>
-                      <a:r>
-                        <a:rPr lang="es-ES" sz="1100" kern="1200" dirty="0">
-                          <a:solidFill>
-                            <a:schemeClr val="bg1">
-                              <a:lumMod val="50000"/>
-                            </a:schemeClr>
-                          </a:solidFill>
-                        </a:rPr>
-                        <a:t>) </a:t>
+                        <a:t>(vrais positifs) </a:t>
                       </a:r>
                       <a:endParaRPr lang="es-ES" sz="1400" dirty="0"/>
                     </a:p>
@@ -15629,47 +16965,7 @@
                             </a:schemeClr>
                           </a:solidFill>
                         </a:rPr>
-                        <a:t>(</a:t>
-                      </a:r>
-                      <a:r>
-                        <a:rPr lang="es-ES" sz="1100" kern="1200" dirty="0" err="1">
-                          <a:solidFill>
-                            <a:schemeClr val="bg1">
-                              <a:lumMod val="50000"/>
-                            </a:schemeClr>
-                          </a:solidFill>
-                        </a:rPr>
-                        <a:t>faux</a:t>
-                      </a:r>
-                      <a:r>
-                        <a:rPr lang="es-ES" sz="1100" kern="1200" dirty="0">
-                          <a:solidFill>
-                            <a:schemeClr val="bg1">
-                              <a:lumMod val="50000"/>
-                            </a:schemeClr>
-                          </a:solidFill>
-                        </a:rPr>
-                        <a:t> </a:t>
-                      </a:r>
-                      <a:r>
-                        <a:rPr lang="es-ES" sz="1100" kern="1200" dirty="0" err="1">
-                          <a:solidFill>
-                            <a:schemeClr val="bg1">
-                              <a:lumMod val="50000"/>
-                            </a:schemeClr>
-                          </a:solidFill>
-                        </a:rPr>
-                        <a:t>positifs</a:t>
-                      </a:r>
-                      <a:r>
-                        <a:rPr lang="es-ES" sz="1100" kern="1200" dirty="0">
-                          <a:solidFill>
-                            <a:schemeClr val="bg1">
-                              <a:lumMod val="50000"/>
-                            </a:schemeClr>
-                          </a:solidFill>
-                        </a:rPr>
-                        <a:t>)</a:t>
+                        <a:t>(faux positifs)</a:t>
                       </a:r>
                       <a:endParaRPr lang="es-ES" sz="1400" dirty="0"/>
                     </a:p>
@@ -15747,47 +17043,7 @@
                             </a:schemeClr>
                           </a:solidFill>
                         </a:rPr>
-                        <a:t>(</a:t>
-                      </a:r>
-                      <a:r>
-                        <a:rPr lang="es-ES" sz="1100" kern="1200" dirty="0" err="1">
-                          <a:solidFill>
-                            <a:schemeClr val="bg1">
-                              <a:lumMod val="50000"/>
-                            </a:schemeClr>
-                          </a:solidFill>
-                        </a:rPr>
-                        <a:t>faux</a:t>
-                      </a:r>
-                      <a:r>
-                        <a:rPr lang="es-ES" sz="1100" kern="1200" dirty="0">
-                          <a:solidFill>
-                            <a:schemeClr val="bg1">
-                              <a:lumMod val="50000"/>
-                            </a:schemeClr>
-                          </a:solidFill>
-                        </a:rPr>
-                        <a:t> </a:t>
-                      </a:r>
-                      <a:r>
-                        <a:rPr lang="es-ES" sz="1100" kern="1200" dirty="0" err="1">
-                          <a:solidFill>
-                            <a:schemeClr val="bg1">
-                              <a:lumMod val="50000"/>
-                            </a:schemeClr>
-                          </a:solidFill>
-                        </a:rPr>
-                        <a:t>négatifs</a:t>
-                      </a:r>
-                      <a:r>
-                        <a:rPr lang="es-ES" sz="1100" kern="1200" dirty="0">
-                          <a:solidFill>
-                            <a:schemeClr val="bg1">
-                              <a:lumMod val="50000"/>
-                            </a:schemeClr>
-                          </a:solidFill>
-                        </a:rPr>
-                        <a:t>)</a:t>
+                        <a:t>(faux négatifs)</a:t>
                       </a:r>
                       <a:endParaRPr lang="es-ES" sz="1400" dirty="0"/>
                     </a:p>
@@ -16044,7 +17300,7 @@
 </p:sld>
 </file>
 
-<file path=ppt/slides/slide15.xml><?xml version="1.0" encoding="utf-8"?>
+<file path=ppt/slides/slide16.xml><?xml version="1.0" encoding="utf-8"?>
 <p:sld xmlns:a="http://schemas.openxmlformats.org/drawingml/2006/main" xmlns:r="http://schemas.openxmlformats.org/officeDocument/2006/relationships" xmlns:p="http://schemas.openxmlformats.org/presentationml/2006/main">
   <p:cSld>
     <p:spTree>
@@ -16997,7 +18253,7 @@
 </p:sld>
 </file>
 
-<file path=ppt/slides/slide16.xml><?xml version="1.0" encoding="utf-8"?>
+<file path=ppt/slides/slide17.xml><?xml version="1.0" encoding="utf-8"?>
 <p:sld xmlns:a="http://schemas.openxmlformats.org/drawingml/2006/main" xmlns:r="http://schemas.openxmlformats.org/officeDocument/2006/relationships" xmlns:p="http://schemas.openxmlformats.org/presentationml/2006/main">
   <p:cSld>
     <p:bg>
@@ -18009,7 +19265,7 @@
 </p:sld>
 </file>
 
-<file path=ppt/slides/slide17.xml><?xml version="1.0" encoding="utf-8"?>
+<file path=ppt/slides/slide18.xml><?xml version="1.0" encoding="utf-8"?>
 <p:sld xmlns:a="http://schemas.openxmlformats.org/drawingml/2006/main" xmlns:r="http://schemas.openxmlformats.org/officeDocument/2006/relationships" xmlns:p="http://schemas.openxmlformats.org/presentationml/2006/main">
   <p:cSld>
     <p:spTree>
@@ -18441,7 +19697,7 @@
                     <a:lstStyle/>
                     <a:p>
                       <a:r>
-                        <a:rPr lang="es-ES" sz="1200" dirty="0" err="1"/>
+                        <a:rPr lang="es-ES" sz="1200" dirty="0"/>
                         <a:t>Paramètres</a:t>
                       </a:r>
                       <a:endParaRPr lang="fr-FR" sz="1200" dirty="0"/>
@@ -19354,7 +20610,7 @@
 </p:sld>
 </file>
 
-<file path=ppt/slides/slide18.xml><?xml version="1.0" encoding="utf-8"?>
+<file path=ppt/slides/slide19.xml><?xml version="1.0" encoding="utf-8"?>
 <p:sld xmlns:a="http://schemas.openxmlformats.org/drawingml/2006/main" xmlns:r="http://schemas.openxmlformats.org/officeDocument/2006/relationships" xmlns:p="http://schemas.openxmlformats.org/presentationml/2006/main">
   <p:cSld>
     <p:spTree>
@@ -19371,6 +20627,36 @@
           <a:chExt cx="0" cy="0"/>
         </a:xfrm>
       </p:grpSpPr>
+      <p:pic>
+        <p:nvPicPr>
+          <p:cNvPr id="38" name="Image 37">
+            <a:extLst>
+              <a:ext uri="{FF2B5EF4-FFF2-40B4-BE49-F238E27FC236}">
+                <a16:creationId xmlns:a16="http://schemas.microsoft.com/office/drawing/2014/main" id="{6C0D5310-60C6-4EE6-98C7-C5D1859E9ACB}"/>
+              </a:ext>
+            </a:extLst>
+          </p:cNvPr>
+          <p:cNvPicPr>
+            <a:picLocks noChangeAspect="1"/>
+          </p:cNvPicPr>
+          <p:nvPr/>
+        </p:nvPicPr>
+        <p:blipFill>
+          <a:blip r:embed="rId3"/>
+          <a:stretch>
+            <a:fillRect/>
+          </a:stretch>
+        </p:blipFill>
+        <p:spPr>
+          <a:xfrm>
+            <a:off x="625197" y="2124456"/>
+            <a:ext cx="5470803" cy="3484686"/>
+          </a:xfrm>
+          <a:prstGeom prst="rect">
+            <a:avLst/>
+          </a:prstGeom>
+        </p:spPr>
+      </p:pic>
       <p:sp>
         <p:nvSpPr>
           <p:cNvPr id="5" name="Rectangle 4">
@@ -19541,7 +20827,7 @@
                 </a:solidFill>
                 <a:latin typeface="Google Sans"/>
               </a:rPr>
-              <a:t>Le modèle est performant</a:t>
+              <a:t>Optimisation des hyperparamètres</a:t>
             </a:r>
           </a:p>
         </p:txBody>
@@ -19693,6 +20979,1910 @@
           </a:p>
         </p:txBody>
       </p:sp>
+      <p:graphicFrame>
+        <p:nvGraphicFramePr>
+          <p:cNvPr id="3" name="Tableau 3">
+            <a:extLst>
+              <a:ext uri="{FF2B5EF4-FFF2-40B4-BE49-F238E27FC236}">
+                <a16:creationId xmlns:a16="http://schemas.microsoft.com/office/drawing/2014/main" id="{EB1DFF5E-A9AB-4D8E-8BD9-1F982962E535}"/>
+              </a:ext>
+            </a:extLst>
+          </p:cNvPr>
+          <p:cNvGraphicFramePr>
+            <a:graphicFrameLocks noGrp="1"/>
+          </p:cNvGraphicFramePr>
+          <p:nvPr/>
+        </p:nvGraphicFramePr>
+        <p:xfrm>
+          <a:off x="7559276" y="2052164"/>
+          <a:ext cx="3260785" cy="2753672"/>
+        </p:xfrm>
+        <a:graphic>
+          <a:graphicData uri="http://schemas.openxmlformats.org/drawingml/2006/table">
+            <a:tbl>
+              <a:tblPr firstRow="1" bandRow="1">
+                <a:tableStyleId>{93296810-A885-4BE3-A3E7-6D5BEEA58F35}</a:tableStyleId>
+              </a:tblPr>
+              <a:tblGrid>
+                <a:gridCol w="1458216">
+                  <a:extLst>
+                    <a:ext uri="{9D8B030D-6E8A-4147-A177-3AD203B41FA5}">
+                      <a16:colId xmlns:a16="http://schemas.microsoft.com/office/drawing/2014/main" val="4140760574"/>
+                    </a:ext>
+                  </a:extLst>
+                </a:gridCol>
+                <a:gridCol w="1802569">
+                  <a:extLst>
+                    <a:ext uri="{9D8B030D-6E8A-4147-A177-3AD203B41FA5}">
+                      <a16:colId xmlns:a16="http://schemas.microsoft.com/office/drawing/2014/main" val="29684501"/>
+                    </a:ext>
+                  </a:extLst>
+                </a:gridCol>
+              </a:tblGrid>
+              <a:tr h="229255">
+                <a:tc>
+                  <a:txBody>
+                    <a:bodyPr/>
+                    <a:lstStyle/>
+                    <a:p>
+                      <a:r>
+                        <a:rPr lang="es-ES" sz="1200" dirty="0"/>
+                        <a:t>Paramètres</a:t>
+                      </a:r>
+                      <a:endParaRPr lang="fr-FR" sz="1200" dirty="0"/>
+                    </a:p>
+                  </a:txBody>
+                  <a:tcPr/>
+                </a:tc>
+                <a:tc>
+                  <a:txBody>
+                    <a:bodyPr/>
+                    <a:lstStyle/>
+                    <a:p>
+                      <a:r>
+                        <a:rPr lang="fr-FR" sz="1200" dirty="0"/>
+                        <a:t>Meilleur résultat</a:t>
+                      </a:r>
+                    </a:p>
+                  </a:txBody>
+                  <a:tcPr/>
+                </a:tc>
+                <a:extLst>
+                  <a:ext uri="{0D108BD9-81ED-4DB2-BD59-A6C34878D82A}">
+                    <a16:rowId xmlns:a16="http://schemas.microsoft.com/office/drawing/2014/main" val="2119607268"/>
+                  </a:ext>
+                </a:extLst>
+              </a:tr>
+              <a:tr h="309919">
+                <a:tc>
+                  <a:txBody>
+                    <a:bodyPr/>
+                    <a:lstStyle/>
+                    <a:p>
+                      <a:r>
+                        <a:rPr lang="fr-FR" sz="1200" dirty="0"/>
+                        <a:t>learning_rate</a:t>
+                      </a:r>
+                    </a:p>
+                  </a:txBody>
+                  <a:tcPr/>
+                </a:tc>
+                <a:tc>
+                  <a:txBody>
+                    <a:bodyPr/>
+                    <a:lstStyle/>
+                    <a:p>
+                      <a:r>
+                        <a:rPr lang="fr-FR" sz="1200" dirty="0"/>
+                        <a:t>0.002021947556803579</a:t>
+                      </a:r>
+                    </a:p>
+                  </a:txBody>
+                  <a:tcPr/>
+                </a:tc>
+                <a:extLst>
+                  <a:ext uri="{0D108BD9-81ED-4DB2-BD59-A6C34878D82A}">
+                    <a16:rowId xmlns:a16="http://schemas.microsoft.com/office/drawing/2014/main" val="2706254292"/>
+                  </a:ext>
+                </a:extLst>
+              </a:tr>
+              <a:tr h="309919">
+                <a:tc>
+                  <a:txBody>
+                    <a:bodyPr/>
+                    <a:lstStyle/>
+                    <a:p>
+                      <a:r>
+                        <a:rPr lang="fr-FR" sz="1200" dirty="0"/>
+                        <a:t>max_depth</a:t>
+                      </a:r>
+                    </a:p>
+                  </a:txBody>
+                  <a:tcPr/>
+                </a:tc>
+                <a:tc>
+                  <a:txBody>
+                    <a:bodyPr/>
+                    <a:lstStyle/>
+                    <a:p>
+                      <a:r>
+                        <a:rPr lang="es-ES" sz="1200" dirty="0"/>
+                        <a:t>9</a:t>
+                      </a:r>
+                      <a:endParaRPr lang="fr-FR" sz="1200" dirty="0"/>
+                    </a:p>
+                  </a:txBody>
+                  <a:tcPr/>
+                </a:tc>
+                <a:extLst>
+                  <a:ext uri="{0D108BD9-81ED-4DB2-BD59-A6C34878D82A}">
+                    <a16:rowId xmlns:a16="http://schemas.microsoft.com/office/drawing/2014/main" val="1541637982"/>
+                  </a:ext>
+                </a:extLst>
+              </a:tr>
+              <a:tr h="309919">
+                <a:tc>
+                  <a:txBody>
+                    <a:bodyPr/>
+                    <a:lstStyle/>
+                    <a:p>
+                      <a:r>
+                        <a:rPr lang="fr-FR" sz="1200" dirty="0" err="1"/>
+                        <a:t>min_child_weight</a:t>
+                      </a:r>
+                      <a:endParaRPr lang="fr-FR" sz="1200" dirty="0"/>
+                    </a:p>
+                  </a:txBody>
+                  <a:tcPr/>
+                </a:tc>
+                <a:tc>
+                  <a:txBody>
+                    <a:bodyPr/>
+                    <a:lstStyle/>
+                    <a:p>
+                      <a:r>
+                        <a:rPr lang="fr-FR" sz="1200" dirty="0"/>
+                        <a:t>44.68618422455195</a:t>
+                      </a:r>
+                    </a:p>
+                  </a:txBody>
+                  <a:tcPr/>
+                </a:tc>
+                <a:extLst>
+                  <a:ext uri="{0D108BD9-81ED-4DB2-BD59-A6C34878D82A}">
+                    <a16:rowId xmlns:a16="http://schemas.microsoft.com/office/drawing/2014/main" val="2342243514"/>
+                  </a:ext>
+                </a:extLst>
+              </a:tr>
+              <a:tr h="309919">
+                <a:tc>
+                  <a:txBody>
+                    <a:bodyPr/>
+                    <a:lstStyle/>
+                    <a:p>
+                      <a:r>
+                        <a:rPr lang="fr-FR" sz="1200" dirty="0" err="1"/>
+                        <a:t>min_split_gain</a:t>
+                      </a:r>
+                      <a:endParaRPr lang="fr-FR" sz="1200" dirty="0"/>
+                    </a:p>
+                  </a:txBody>
+                  <a:tcPr/>
+                </a:tc>
+                <a:tc>
+                  <a:txBody>
+                    <a:bodyPr/>
+                    <a:lstStyle/>
+                    <a:p>
+                      <a:r>
+                        <a:rPr lang="fr-FR" sz="1200" dirty="0"/>
+                        <a:t>0.030970825122649367</a:t>
+                      </a:r>
+                    </a:p>
+                  </a:txBody>
+                  <a:tcPr/>
+                </a:tc>
+                <a:extLst>
+                  <a:ext uri="{0D108BD9-81ED-4DB2-BD59-A6C34878D82A}">
+                    <a16:rowId xmlns:a16="http://schemas.microsoft.com/office/drawing/2014/main" val="669002863"/>
+                  </a:ext>
+                </a:extLst>
+              </a:tr>
+              <a:tr h="309919">
+                <a:tc>
+                  <a:txBody>
+                    <a:bodyPr/>
+                    <a:lstStyle/>
+                    <a:p>
+                      <a:r>
+                        <a:rPr lang="fr-FR" sz="1200" dirty="0" err="1"/>
+                        <a:t>n_estimators</a:t>
+                      </a:r>
+                      <a:endParaRPr lang="fr-FR" sz="1200" dirty="0"/>
+                    </a:p>
+                  </a:txBody>
+                  <a:tcPr/>
+                </a:tc>
+                <a:tc>
+                  <a:txBody>
+                    <a:bodyPr/>
+                    <a:lstStyle/>
+                    <a:p>
+                      <a:r>
+                        <a:rPr lang="es-ES" sz="1200" dirty="0"/>
+                        <a:t>8000</a:t>
+                      </a:r>
+                      <a:endParaRPr lang="fr-FR" sz="1200" dirty="0"/>
+                    </a:p>
+                  </a:txBody>
+                  <a:tcPr/>
+                </a:tc>
+                <a:extLst>
+                  <a:ext uri="{0D108BD9-81ED-4DB2-BD59-A6C34878D82A}">
+                    <a16:rowId xmlns:a16="http://schemas.microsoft.com/office/drawing/2014/main" val="476323900"/>
+                  </a:ext>
+                </a:extLst>
+              </a:tr>
+              <a:tr h="309919">
+                <a:tc>
+                  <a:txBody>
+                    <a:bodyPr/>
+                    <a:lstStyle/>
+                    <a:p>
+                      <a:r>
+                        <a:rPr lang="fr-FR" sz="1200" dirty="0" err="1"/>
+                        <a:t>num_leaves</a:t>
+                      </a:r>
+                      <a:endParaRPr lang="fr-FR" sz="1200" dirty="0"/>
+                    </a:p>
+                  </a:txBody>
+                  <a:tcPr/>
+                </a:tc>
+                <a:tc>
+                  <a:txBody>
+                    <a:bodyPr/>
+                    <a:lstStyle/>
+                    <a:p>
+                      <a:r>
+                        <a:rPr lang="es-ES" sz="1200" dirty="0"/>
+                        <a:t>36</a:t>
+                      </a:r>
+                      <a:endParaRPr lang="fr-FR" sz="1200" dirty="0"/>
+                    </a:p>
+                  </a:txBody>
+                  <a:tcPr/>
+                </a:tc>
+                <a:extLst>
+                  <a:ext uri="{0D108BD9-81ED-4DB2-BD59-A6C34878D82A}">
+                    <a16:rowId xmlns:a16="http://schemas.microsoft.com/office/drawing/2014/main" val="807806503"/>
+                  </a:ext>
+                </a:extLst>
+              </a:tr>
+              <a:tr h="309919">
+                <a:tc>
+                  <a:txBody>
+                    <a:bodyPr/>
+                    <a:lstStyle/>
+                    <a:p>
+                      <a:r>
+                        <a:rPr lang="fr-FR" sz="1200" dirty="0" err="1"/>
+                        <a:t>reg_alpha</a:t>
+                      </a:r>
+                      <a:endParaRPr lang="fr-FR" sz="1200" dirty="0"/>
+                    </a:p>
+                  </a:txBody>
+                  <a:tcPr/>
+                </a:tc>
+                <a:tc>
+                  <a:txBody>
+                    <a:bodyPr/>
+                    <a:lstStyle/>
+                    <a:p>
+                      <a:r>
+                        <a:rPr lang="fr-FR" sz="1200" dirty="0"/>
+                        <a:t>0.045341569610647205</a:t>
+                      </a:r>
+                    </a:p>
+                  </a:txBody>
+                  <a:tcPr/>
+                </a:tc>
+                <a:extLst>
+                  <a:ext uri="{0D108BD9-81ED-4DB2-BD59-A6C34878D82A}">
+                    <a16:rowId xmlns:a16="http://schemas.microsoft.com/office/drawing/2014/main" val="2011713903"/>
+                  </a:ext>
+                </a:extLst>
+              </a:tr>
+              <a:tr h="309919">
+                <a:tc>
+                  <a:txBody>
+                    <a:bodyPr/>
+                    <a:lstStyle/>
+                    <a:p>
+                      <a:r>
+                        <a:rPr lang="fr-FR" sz="1200" dirty="0" err="1"/>
+                        <a:t>reg_lambda</a:t>
+                      </a:r>
+                      <a:endParaRPr lang="fr-FR" sz="1200" dirty="0"/>
+                    </a:p>
+                  </a:txBody>
+                  <a:tcPr/>
+                </a:tc>
+                <a:tc>
+                  <a:txBody>
+                    <a:bodyPr/>
+                    <a:lstStyle/>
+                    <a:p>
+                      <a:r>
+                        <a:rPr lang="fr-FR" sz="1200" dirty="0"/>
+                        <a:t>0.08049459639521307</a:t>
+                      </a:r>
+                    </a:p>
+                  </a:txBody>
+                  <a:tcPr/>
+                </a:tc>
+                <a:extLst>
+                  <a:ext uri="{0D108BD9-81ED-4DB2-BD59-A6C34878D82A}">
+                    <a16:rowId xmlns:a16="http://schemas.microsoft.com/office/drawing/2014/main" val="97206978"/>
+                  </a:ext>
+                </a:extLst>
+              </a:tr>
+            </a:tbl>
+          </a:graphicData>
+        </a:graphic>
+      </p:graphicFrame>
+      <p:sp>
+        <p:nvSpPr>
+          <p:cNvPr id="23" name="ZoneTexte 22">
+            <a:extLst>
+              <a:ext uri="{FF2B5EF4-FFF2-40B4-BE49-F238E27FC236}">
+                <a16:creationId xmlns:a16="http://schemas.microsoft.com/office/drawing/2014/main" id="{7B12BDCE-2A0C-4BBA-A5CC-4EE173765D52}"/>
+              </a:ext>
+            </a:extLst>
+          </p:cNvPr>
+          <p:cNvSpPr txBox="1"/>
+          <p:nvPr/>
+        </p:nvSpPr>
+        <p:spPr>
+          <a:xfrm>
+            <a:off x="8542798" y="5185680"/>
+            <a:ext cx="3649201" cy="707886"/>
+          </a:xfrm>
+          <a:prstGeom prst="rect">
+            <a:avLst/>
+          </a:prstGeom>
+          <a:solidFill>
+            <a:srgbClr val="5B9BD5"/>
+          </a:solidFill>
+          <a:ln>
+            <a:solidFill>
+              <a:srgbClr val="5B9BD5"/>
+            </a:solidFill>
+          </a:ln>
+        </p:spPr>
+        <p:txBody>
+          <a:bodyPr wrap="square">
+            <a:spAutoFit/>
+          </a:bodyPr>
+          <a:lstStyle/>
+          <a:p>
+            <a:pPr algn="r"/>
+            <a:r>
+              <a:rPr lang="fr-FR" sz="2000" strike="noStrike" dirty="0">
+                <a:ln>
+                  <a:solidFill>
+                    <a:schemeClr val="bg1"/>
+                  </a:solidFill>
+                </a:ln>
+                <a:solidFill>
+                  <a:schemeClr val="bg1"/>
+                </a:solidFill>
+                <a:effectLst/>
+                <a:latin typeface="docs-Roboto"/>
+              </a:rPr>
+              <a:t>Paramètres basés sur ceux déjà existants dans le kernel choisi</a:t>
+            </a:r>
+          </a:p>
+        </p:txBody>
+      </p:sp>
+      <p:sp>
+        <p:nvSpPr>
+          <p:cNvPr id="33" name="Rectangle 32">
+            <a:extLst>
+              <a:ext uri="{FF2B5EF4-FFF2-40B4-BE49-F238E27FC236}">
+                <a16:creationId xmlns:a16="http://schemas.microsoft.com/office/drawing/2014/main" id="{58C06310-7FED-4B65-9E60-1FDB98CACFBE}"/>
+              </a:ext>
+            </a:extLst>
+          </p:cNvPr>
+          <p:cNvSpPr/>
+          <p:nvPr/>
+        </p:nvSpPr>
+        <p:spPr>
+          <a:xfrm>
+            <a:off x="0" y="1213958"/>
+            <a:ext cx="6331789" cy="707886"/>
+          </a:xfrm>
+          <a:prstGeom prst="rect">
+            <a:avLst/>
+          </a:prstGeom>
+          <a:solidFill>
+            <a:srgbClr val="70AD47"/>
+          </a:solidFill>
+          <a:ln>
+            <a:solidFill>
+              <a:srgbClr val="70AD47"/>
+            </a:solidFill>
+          </a:ln>
+        </p:spPr>
+        <p:style>
+          <a:lnRef idx="2">
+            <a:schemeClr val="accent1">
+              <a:shade val="50000"/>
+            </a:schemeClr>
+          </a:lnRef>
+          <a:fillRef idx="1">
+            <a:schemeClr val="accent1"/>
+          </a:fillRef>
+          <a:effectRef idx="0">
+            <a:schemeClr val="accent1"/>
+          </a:effectRef>
+          <a:fontRef idx="minor">
+            <a:schemeClr val="lt1"/>
+          </a:fontRef>
+        </p:style>
+        <p:txBody>
+          <a:bodyPr rtlCol="0" anchor="ctr"/>
+          <a:lstStyle/>
+          <a:p>
+            <a:pPr algn="ctr"/>
+            <a:endParaRPr lang="en-US" dirty="0">
+              <a:ln>
+                <a:solidFill>
+                  <a:srgbClr val="70AD47"/>
+                </a:solidFill>
+              </a:ln>
+              <a:solidFill>
+                <a:srgbClr val="70AD47"/>
+              </a:solidFill>
+            </a:endParaRPr>
+          </a:p>
+        </p:txBody>
+      </p:sp>
+      <p:sp>
+        <p:nvSpPr>
+          <p:cNvPr id="34" name="ZoneTexte 33">
+            <a:extLst>
+              <a:ext uri="{FF2B5EF4-FFF2-40B4-BE49-F238E27FC236}">
+                <a16:creationId xmlns:a16="http://schemas.microsoft.com/office/drawing/2014/main" id="{0BA951AE-7893-4894-B68B-8E5114785A86}"/>
+              </a:ext>
+            </a:extLst>
+          </p:cNvPr>
+          <p:cNvSpPr txBox="1"/>
+          <p:nvPr/>
+        </p:nvSpPr>
+        <p:spPr>
+          <a:xfrm>
+            <a:off x="18015" y="1250031"/>
+            <a:ext cx="6486302" cy="646331"/>
+          </a:xfrm>
+          <a:prstGeom prst="rect">
+            <a:avLst/>
+          </a:prstGeom>
+          <a:noFill/>
+        </p:spPr>
+        <p:txBody>
+          <a:bodyPr wrap="square">
+            <a:spAutoFit/>
+          </a:bodyPr>
+          <a:lstStyle/>
+          <a:p>
+            <a:r>
+              <a:rPr lang="fr-FR" dirty="0">
+                <a:ln>
+                  <a:solidFill>
+                    <a:schemeClr val="bg1"/>
+                  </a:solidFill>
+                </a:ln>
+                <a:solidFill>
+                  <a:schemeClr val="bg1"/>
+                </a:solidFill>
+                <a:latin typeface="docs-Roboto"/>
+              </a:rPr>
+              <a:t>Les résultats obtenus après avoir fait l’optimisation sont meilleurs que ceux du précèdent</a:t>
+            </a:r>
+            <a:endParaRPr lang="fr-FR" sz="1100" b="1" i="1" dirty="0">
+              <a:ln>
+                <a:solidFill>
+                  <a:schemeClr val="bg1">
+                    <a:lumMod val="85000"/>
+                  </a:schemeClr>
+                </a:solidFill>
+              </a:ln>
+              <a:solidFill>
+                <a:schemeClr val="bg1">
+                  <a:lumMod val="85000"/>
+                </a:schemeClr>
+              </a:solidFill>
+              <a:latin typeface="Google Sans"/>
+            </a:endParaRPr>
+          </a:p>
+        </p:txBody>
+      </p:sp>
+      <p:sp>
+        <p:nvSpPr>
+          <p:cNvPr id="35" name="ZoneTexte 34">
+            <a:extLst>
+              <a:ext uri="{FF2B5EF4-FFF2-40B4-BE49-F238E27FC236}">
+                <a16:creationId xmlns:a16="http://schemas.microsoft.com/office/drawing/2014/main" id="{0936E3A4-F9BD-4EFB-BB39-86E39134AAD1}"/>
+              </a:ext>
+            </a:extLst>
+          </p:cNvPr>
+          <p:cNvSpPr txBox="1"/>
+          <p:nvPr/>
+        </p:nvSpPr>
+        <p:spPr>
+          <a:xfrm>
+            <a:off x="7461622" y="1516452"/>
+            <a:ext cx="3649201" cy="400110"/>
+          </a:xfrm>
+          <a:prstGeom prst="rect">
+            <a:avLst/>
+          </a:prstGeom>
+          <a:noFill/>
+        </p:spPr>
+        <p:txBody>
+          <a:bodyPr wrap="square">
+            <a:spAutoFit/>
+          </a:bodyPr>
+          <a:lstStyle/>
+          <a:p>
+            <a:r>
+              <a:rPr lang="fr-FR" sz="2000" dirty="0"/>
+              <a:t>Meilleur résultat avec </a:t>
+            </a:r>
+            <a:r>
+              <a:rPr lang="fr-FR" sz="2000" dirty="0" err="1"/>
+              <a:t>Hyperopt</a:t>
+            </a:r>
+            <a:endParaRPr lang="fr-FR" sz="2000" baseline="30000" dirty="0"/>
+          </a:p>
+        </p:txBody>
+      </p:sp>
+      <p:pic>
+        <p:nvPicPr>
+          <p:cNvPr id="36" name="Image 35">
+            <a:extLst>
+              <a:ext uri="{FF2B5EF4-FFF2-40B4-BE49-F238E27FC236}">
+                <a16:creationId xmlns:a16="http://schemas.microsoft.com/office/drawing/2014/main" id="{4F4A598E-BE19-4CF7-B75D-5359BD0B569D}"/>
+              </a:ext>
+            </a:extLst>
+          </p:cNvPr>
+          <p:cNvPicPr>
+            <a:picLocks noChangeAspect="1"/>
+          </p:cNvPicPr>
+          <p:nvPr/>
+        </p:nvPicPr>
+        <p:blipFill>
+          <a:blip r:embed="rId4">
+            <a:duotone>
+              <a:schemeClr val="accent6">
+                <a:shade val="45000"/>
+                <a:satMod val="135000"/>
+              </a:schemeClr>
+              <a:prstClr val="white"/>
+            </a:duotone>
+            <a:extLst>
+              <a:ext uri="{28A0092B-C50C-407E-A947-70E740481C1C}">
+                <a14:useLocalDpi xmlns:a14="http://schemas.microsoft.com/office/drawing/2010/main" val="0"/>
+              </a:ext>
+            </a:extLst>
+          </a:blip>
+          <a:stretch>
+            <a:fillRect/>
+          </a:stretch>
+        </p:blipFill>
+        <p:spPr>
+          <a:xfrm>
+            <a:off x="6994632" y="1507660"/>
+            <a:ext cx="457727" cy="427272"/>
+          </a:xfrm>
+          <a:prstGeom prst="rect">
+            <a:avLst/>
+          </a:prstGeom>
+        </p:spPr>
+      </p:pic>
+      <p:sp>
+        <p:nvSpPr>
+          <p:cNvPr id="43" name="Rectangle 42">
+            <a:extLst>
+              <a:ext uri="{FF2B5EF4-FFF2-40B4-BE49-F238E27FC236}">
+                <a16:creationId xmlns:a16="http://schemas.microsoft.com/office/drawing/2014/main" id="{860BA940-CB06-4AF7-B7C5-32911BE0A4F2}"/>
+              </a:ext>
+            </a:extLst>
+          </p:cNvPr>
+          <p:cNvSpPr/>
+          <p:nvPr/>
+        </p:nvSpPr>
+        <p:spPr>
+          <a:xfrm>
+            <a:off x="2587926" y="2575560"/>
+            <a:ext cx="1570008" cy="2807938"/>
+          </a:xfrm>
+          <a:prstGeom prst="rect">
+            <a:avLst/>
+          </a:prstGeom>
+          <a:noFill/>
+          <a:ln w="38100">
+            <a:solidFill>
+              <a:srgbClr val="70AD47"/>
+            </a:solidFill>
+            <a:prstDash val="solid"/>
+          </a:ln>
+        </p:spPr>
+        <p:style>
+          <a:lnRef idx="2">
+            <a:schemeClr val="accent1">
+              <a:shade val="50000"/>
+            </a:schemeClr>
+          </a:lnRef>
+          <a:fillRef idx="1">
+            <a:schemeClr val="accent1"/>
+          </a:fillRef>
+          <a:effectRef idx="0">
+            <a:schemeClr val="accent1"/>
+          </a:effectRef>
+          <a:fontRef idx="minor">
+            <a:schemeClr val="lt1"/>
+          </a:fontRef>
+        </p:style>
+        <p:txBody>
+          <a:bodyPr rtlCol="0" anchor="ctr"/>
+          <a:lstStyle/>
+          <a:p>
+            <a:pPr algn="ctr"/>
+            <a:endParaRPr lang="fr-FR">
+              <a:solidFill>
+                <a:srgbClr val="00B0F0"/>
+              </a:solidFill>
+            </a:endParaRPr>
+          </a:p>
+        </p:txBody>
+      </p:sp>
+      <p:grpSp>
+        <p:nvGrpSpPr>
+          <p:cNvPr id="16" name="Groupe 15">
+            <a:extLst>
+              <a:ext uri="{FF2B5EF4-FFF2-40B4-BE49-F238E27FC236}">
+                <a16:creationId xmlns:a16="http://schemas.microsoft.com/office/drawing/2014/main" id="{69AD510B-E263-4841-8551-21234BBB6FFD}"/>
+              </a:ext>
+            </a:extLst>
+          </p:cNvPr>
+          <p:cNvGrpSpPr/>
+          <p:nvPr/>
+        </p:nvGrpSpPr>
+        <p:grpSpPr>
+          <a:xfrm>
+            <a:off x="9831895" y="217482"/>
+            <a:ext cx="2227800" cy="856800"/>
+            <a:chOff x="8519097" y="3565933"/>
+            <a:chExt cx="2227800" cy="856800"/>
+          </a:xfrm>
+        </p:grpSpPr>
+        <p:sp>
+          <p:nvSpPr>
+            <p:cNvPr id="17" name="Google Shape;189;p19">
+              <a:extLst>
+                <a:ext uri="{FF2B5EF4-FFF2-40B4-BE49-F238E27FC236}">
+                  <a16:creationId xmlns:a16="http://schemas.microsoft.com/office/drawing/2014/main" id="{B85D3819-5882-44FF-93FF-D30FFA6413E3}"/>
+                </a:ext>
+              </a:extLst>
+            </p:cNvPr>
+            <p:cNvSpPr/>
+            <p:nvPr/>
+          </p:nvSpPr>
+          <p:spPr>
+            <a:xfrm>
+              <a:off x="8519097" y="3565933"/>
+              <a:ext cx="2227800" cy="856800"/>
+            </a:xfrm>
+            <a:prstGeom prst="chevron">
+              <a:avLst>
+                <a:gd name="adj" fmla="val 50000"/>
+              </a:avLst>
+            </a:prstGeom>
+            <a:solidFill>
+              <a:srgbClr val="7451EB"/>
+            </a:solidFill>
+            <a:ln>
+              <a:solidFill>
+                <a:srgbClr val="7451EB"/>
+              </a:solidFill>
+            </a:ln>
+          </p:spPr>
+          <p:txBody>
+            <a:bodyPr spcFirstLastPara="1" wrap="square" lIns="91425" tIns="91425" rIns="91425" bIns="91425" anchor="ctr" anchorCtr="0">
+              <a:noAutofit/>
+            </a:bodyPr>
+            <a:lstStyle/>
+            <a:p>
+              <a:pPr marL="0" lvl="0" indent="0" algn="l" rtl="0">
+                <a:spcBef>
+                  <a:spcPts val="0"/>
+                </a:spcBef>
+                <a:spcAft>
+                  <a:spcPts val="0"/>
+                </a:spcAft>
+                <a:buNone/>
+              </a:pPr>
+              <a:endParaRPr dirty="0"/>
+            </a:p>
+          </p:txBody>
+        </p:sp>
+        <p:sp>
+          <p:nvSpPr>
+            <p:cNvPr id="18" name="Google Shape;193;p19">
+              <a:extLst>
+                <a:ext uri="{FF2B5EF4-FFF2-40B4-BE49-F238E27FC236}">
+                  <a16:creationId xmlns:a16="http://schemas.microsoft.com/office/drawing/2014/main" id="{F1C7A6C5-B358-4D86-997B-F6AB7026F0C0}"/>
+                </a:ext>
+              </a:extLst>
+            </p:cNvPr>
+            <p:cNvSpPr txBox="1"/>
+            <p:nvPr/>
+          </p:nvSpPr>
+          <p:spPr>
+            <a:xfrm>
+              <a:off x="8746278" y="3763395"/>
+              <a:ext cx="1409614" cy="464551"/>
+            </a:xfrm>
+            <a:prstGeom prst="rect">
+              <a:avLst/>
+            </a:prstGeom>
+            <a:noFill/>
+            <a:ln>
+              <a:noFill/>
+            </a:ln>
+          </p:spPr>
+          <p:txBody>
+            <a:bodyPr spcFirstLastPara="1" wrap="square" lIns="91425" tIns="91425" rIns="91425" bIns="91425" anchor="ctr" anchorCtr="0">
+              <a:noAutofit/>
+            </a:bodyPr>
+            <a:lstStyle/>
+            <a:p>
+              <a:pPr marL="0" lvl="0" indent="0" algn="r" rtl="0">
+                <a:spcBef>
+                  <a:spcPts val="0"/>
+                </a:spcBef>
+                <a:spcAft>
+                  <a:spcPts val="0"/>
+                </a:spcAft>
+                <a:buNone/>
+              </a:pPr>
+              <a:r>
+                <a:rPr lang="fr-FR" sz="2000" dirty="0" err="1">
+                  <a:solidFill>
+                    <a:schemeClr val="lt1"/>
+                  </a:solidFill>
+                  <a:latin typeface="Google Sans"/>
+                  <a:ea typeface="Fira Sans Condensed Medium"/>
+                  <a:cs typeface="Fira Sans Condensed Medium"/>
+                  <a:sym typeface="Fira Sans Condensed Medium"/>
+                </a:rPr>
+                <a:t>Hyperopt</a:t>
+              </a:r>
+              <a:endParaRPr sz="2000" dirty="0">
+                <a:solidFill>
+                  <a:srgbClr val="FFFFFF"/>
+                </a:solidFill>
+                <a:latin typeface="Google Sans"/>
+                <a:ea typeface="Fira Sans Condensed Medium"/>
+                <a:cs typeface="Fira Sans Condensed Medium"/>
+                <a:sym typeface="Fira Sans Condensed Medium"/>
+              </a:endParaRPr>
+            </a:p>
+          </p:txBody>
+        </p:sp>
+        <p:sp>
+          <p:nvSpPr>
+            <p:cNvPr id="19" name="Google Shape;197;p19">
+              <a:extLst>
+                <a:ext uri="{FF2B5EF4-FFF2-40B4-BE49-F238E27FC236}">
+                  <a16:creationId xmlns:a16="http://schemas.microsoft.com/office/drawing/2014/main" id="{9F31023B-2EAD-468B-9B36-816A9E989422}"/>
+                </a:ext>
+              </a:extLst>
+            </p:cNvPr>
+            <p:cNvSpPr/>
+            <p:nvPr/>
+          </p:nvSpPr>
+          <p:spPr>
+            <a:xfrm>
+              <a:off x="10145008" y="3796028"/>
+              <a:ext cx="396600" cy="396600"/>
+            </a:xfrm>
+            <a:prstGeom prst="ellipse">
+              <a:avLst/>
+            </a:prstGeom>
+            <a:solidFill>
+              <a:srgbClr val="FFFFFF"/>
+            </a:solidFill>
+            <a:ln>
+              <a:noFill/>
+            </a:ln>
+          </p:spPr>
+          <p:txBody>
+            <a:bodyPr spcFirstLastPara="1" wrap="square" lIns="91425" tIns="91425" rIns="91425" bIns="91425" anchor="ctr" anchorCtr="0">
+              <a:noAutofit/>
+            </a:bodyPr>
+            <a:lstStyle/>
+            <a:p>
+              <a:pPr marL="0" lvl="0" indent="0" algn="l" rtl="0">
+                <a:spcBef>
+                  <a:spcPts val="0"/>
+                </a:spcBef>
+                <a:spcAft>
+                  <a:spcPts val="0"/>
+                </a:spcAft>
+                <a:buNone/>
+              </a:pPr>
+              <a:endParaRPr sz="2100">
+                <a:solidFill>
+                  <a:schemeClr val="accent1"/>
+                </a:solidFill>
+                <a:latin typeface="Fira Sans Condensed Medium"/>
+                <a:ea typeface="Fira Sans Condensed Medium"/>
+                <a:cs typeface="Fira Sans Condensed Medium"/>
+                <a:sym typeface="Fira Sans Condensed Medium"/>
+              </a:endParaRPr>
+            </a:p>
+          </p:txBody>
+        </p:sp>
+        <p:sp>
+          <p:nvSpPr>
+            <p:cNvPr id="20" name="Google Shape;204;p19">
+              <a:extLst>
+                <a:ext uri="{FF2B5EF4-FFF2-40B4-BE49-F238E27FC236}">
+                  <a16:creationId xmlns:a16="http://schemas.microsoft.com/office/drawing/2014/main" id="{4FC41F6D-6A52-4303-8AD9-C7497EA6F5A1}"/>
+                </a:ext>
+              </a:extLst>
+            </p:cNvPr>
+            <p:cNvSpPr txBox="1"/>
+            <p:nvPr/>
+          </p:nvSpPr>
+          <p:spPr>
+            <a:xfrm>
+              <a:off x="10145509" y="3795897"/>
+              <a:ext cx="396600" cy="396600"/>
+            </a:xfrm>
+            <a:prstGeom prst="rect">
+              <a:avLst/>
+            </a:prstGeom>
+            <a:noFill/>
+            <a:ln>
+              <a:noFill/>
+            </a:ln>
+          </p:spPr>
+          <p:txBody>
+            <a:bodyPr spcFirstLastPara="1" wrap="square" lIns="91425" tIns="91425" rIns="91425" bIns="91425" anchor="ctr" anchorCtr="0">
+              <a:noAutofit/>
+            </a:bodyPr>
+            <a:lstStyle/>
+            <a:p>
+              <a:pPr marL="0" lvl="0" indent="0" algn="ctr" rtl="0">
+                <a:spcBef>
+                  <a:spcPts val="0"/>
+                </a:spcBef>
+                <a:spcAft>
+                  <a:spcPts val="0"/>
+                </a:spcAft>
+                <a:buNone/>
+              </a:pPr>
+              <a:endParaRPr sz="2000" dirty="0">
+                <a:solidFill>
+                  <a:schemeClr val="accent1"/>
+                </a:solidFill>
+                <a:latin typeface="Fira Sans Condensed Medium"/>
+                <a:ea typeface="Fira Sans Condensed Medium"/>
+                <a:cs typeface="Fira Sans Condensed Medium"/>
+                <a:sym typeface="Fira Sans Condensed Medium"/>
+              </a:endParaRPr>
+            </a:p>
+          </p:txBody>
+        </p:sp>
+        <p:pic>
+          <p:nvPicPr>
+            <p:cNvPr id="22" name="Image 21">
+              <a:extLst>
+                <a:ext uri="{FF2B5EF4-FFF2-40B4-BE49-F238E27FC236}">
+                  <a16:creationId xmlns:a16="http://schemas.microsoft.com/office/drawing/2014/main" id="{B6FE5411-EA07-4D7F-A447-3A5E2F757F01}"/>
+                </a:ext>
+              </a:extLst>
+            </p:cNvPr>
+            <p:cNvPicPr>
+              <a:picLocks noChangeAspect="1"/>
+            </p:cNvPicPr>
+            <p:nvPr/>
+          </p:nvPicPr>
+          <p:blipFill>
+            <a:blip r:embed="rId5">
+              <a:extLst>
+                <a:ext uri="{28A0092B-C50C-407E-A947-70E740481C1C}">
+                  <a14:useLocalDpi xmlns:a14="http://schemas.microsoft.com/office/drawing/2010/main" val="0"/>
+                </a:ext>
+              </a:extLst>
+            </a:blip>
+            <a:stretch>
+              <a:fillRect/>
+            </a:stretch>
+          </p:blipFill>
+          <p:spPr>
+            <a:xfrm>
+              <a:off x="10203193" y="3836668"/>
+              <a:ext cx="304762" cy="304762"/>
+            </a:xfrm>
+            <a:prstGeom prst="rect">
+              <a:avLst/>
+            </a:prstGeom>
+          </p:spPr>
+        </p:pic>
+      </p:grpSp>
+    </p:spTree>
+    <p:extLst>
+      <p:ext uri="{BB962C8B-B14F-4D97-AF65-F5344CB8AC3E}">
+        <p14:creationId xmlns:p14="http://schemas.microsoft.com/office/powerpoint/2010/main" val="3395799885"/>
+      </p:ext>
+    </p:extLst>
+  </p:cSld>
+  <p:clrMapOvr>
+    <a:masterClrMapping/>
+  </p:clrMapOvr>
+</p:sld>
+</file>
+
+<file path=ppt/slides/slide2.xml><?xml version="1.0" encoding="utf-8"?>
+<p:sld xmlns:a="http://schemas.openxmlformats.org/drawingml/2006/main" xmlns:r="http://schemas.openxmlformats.org/officeDocument/2006/relationships" xmlns:p="http://schemas.openxmlformats.org/presentationml/2006/main">
+  <p:cSld>
+    <p:spTree>
+      <p:nvGrpSpPr>
+        <p:cNvPr id="1" name=""/>
+        <p:cNvGrpSpPr/>
+        <p:nvPr/>
+      </p:nvGrpSpPr>
+      <p:grpSpPr>
+        <a:xfrm>
+          <a:off x="0" y="0"/>
+          <a:ext cx="0" cy="0"/>
+          <a:chOff x="0" y="0"/>
+          <a:chExt cx="0" cy="0"/>
+        </a:xfrm>
+      </p:grpSpPr>
+      <p:sp>
+        <p:nvSpPr>
+          <p:cNvPr id="5" name="Rectangle 4">
+            <a:extLst>
+              <a:ext uri="{FF2B5EF4-FFF2-40B4-BE49-F238E27FC236}">
+                <a16:creationId xmlns:a16="http://schemas.microsoft.com/office/drawing/2014/main" id="{A00233D2-38CE-441F-90C9-32F91999758A}"/>
+              </a:ext>
+            </a:extLst>
+          </p:cNvPr>
+          <p:cNvSpPr/>
+          <p:nvPr/>
+        </p:nvSpPr>
+        <p:spPr>
+          <a:xfrm>
+            <a:off x="0" y="6400273"/>
+            <a:ext cx="12192000" cy="457727"/>
+          </a:xfrm>
+          <a:prstGeom prst="rect">
+            <a:avLst/>
+          </a:prstGeom>
+          <a:solidFill>
+            <a:srgbClr val="7451EB"/>
+          </a:solidFill>
+          <a:ln>
+            <a:solidFill>
+              <a:srgbClr val="7451EB"/>
+            </a:solidFill>
+          </a:ln>
+        </p:spPr>
+        <p:style>
+          <a:lnRef idx="2">
+            <a:schemeClr val="accent1">
+              <a:shade val="50000"/>
+            </a:schemeClr>
+          </a:lnRef>
+          <a:fillRef idx="1">
+            <a:schemeClr val="accent1"/>
+          </a:fillRef>
+          <a:effectRef idx="0">
+            <a:schemeClr val="accent1"/>
+          </a:effectRef>
+          <a:fontRef idx="minor">
+            <a:schemeClr val="lt1"/>
+          </a:fontRef>
+        </p:style>
+        <p:txBody>
+          <a:bodyPr rtlCol="0" anchor="ctr"/>
+          <a:lstStyle/>
+          <a:p>
+            <a:pPr algn="ctr"/>
+            <a:endParaRPr lang="en-US" dirty="0"/>
+          </a:p>
+        </p:txBody>
+      </p:sp>
+      <p:sp>
+        <p:nvSpPr>
+          <p:cNvPr id="8" name="TextBox 3">
+            <a:extLst>
+              <a:ext uri="{FF2B5EF4-FFF2-40B4-BE49-F238E27FC236}">
+                <a16:creationId xmlns:a16="http://schemas.microsoft.com/office/drawing/2014/main" id="{24081931-CD0C-485C-9C3E-E7C2A4D4ABCE}"/>
+              </a:ext>
+            </a:extLst>
+          </p:cNvPr>
+          <p:cNvSpPr txBox="1"/>
+          <p:nvPr/>
+        </p:nvSpPr>
+        <p:spPr>
+          <a:xfrm>
+            <a:off x="0" y="6475247"/>
+            <a:ext cx="8982635" cy="307777"/>
+          </a:xfrm>
+          <a:prstGeom prst="rect">
+            <a:avLst/>
+          </a:prstGeom>
+          <a:noFill/>
+        </p:spPr>
+        <p:txBody>
+          <a:bodyPr wrap="square" rtlCol="0">
+            <a:spAutoFit/>
+          </a:bodyPr>
+          <a:lstStyle/>
+          <a:p>
+            <a:r>
+              <a:rPr lang="es-CO" sz="1400" dirty="0">
+                <a:ln>
+                  <a:solidFill>
+                    <a:schemeClr val="bg1"/>
+                  </a:solidFill>
+                </a:ln>
+                <a:solidFill>
+                  <a:schemeClr val="bg1"/>
+                </a:solidFill>
+                <a:latin typeface="+mj-lt"/>
+              </a:rPr>
+              <a:t>Project 7 – </a:t>
+            </a:r>
+            <a:r>
+              <a:rPr lang="fr-FR" sz="1400" dirty="0">
+                <a:ln>
+                  <a:solidFill>
+                    <a:schemeClr val="bg1"/>
+                  </a:solidFill>
+                </a:ln>
+                <a:solidFill>
+                  <a:schemeClr val="bg1"/>
+                </a:solidFill>
+                <a:latin typeface="+mj-lt"/>
+              </a:rPr>
+              <a:t>implémentation d’un modèle de </a:t>
+            </a:r>
+            <a:r>
+              <a:rPr lang="fr-FR" sz="1400" dirty="0" err="1">
+                <a:ln>
+                  <a:solidFill>
+                    <a:schemeClr val="bg1"/>
+                  </a:solidFill>
+                </a:ln>
+                <a:solidFill>
+                  <a:schemeClr val="bg1"/>
+                </a:solidFill>
+                <a:latin typeface="+mj-lt"/>
+              </a:rPr>
+              <a:t>scoring</a:t>
+            </a:r>
+            <a:endParaRPr lang="en-US" sz="1400" dirty="0">
+              <a:ln>
+                <a:solidFill>
+                  <a:schemeClr val="bg1"/>
+                </a:solidFill>
+              </a:ln>
+              <a:solidFill>
+                <a:schemeClr val="bg1"/>
+              </a:solidFill>
+              <a:latin typeface="+mj-lt"/>
+            </a:endParaRPr>
+          </a:p>
+        </p:txBody>
+      </p:sp>
+      <p:sp>
+        <p:nvSpPr>
+          <p:cNvPr id="15" name="TextBox 3">
+            <a:extLst>
+              <a:ext uri="{FF2B5EF4-FFF2-40B4-BE49-F238E27FC236}">
+                <a16:creationId xmlns:a16="http://schemas.microsoft.com/office/drawing/2014/main" id="{47FC2DCC-BDE9-485D-AF79-4177B5479110}"/>
+              </a:ext>
+            </a:extLst>
+          </p:cNvPr>
+          <p:cNvSpPr txBox="1"/>
+          <p:nvPr/>
+        </p:nvSpPr>
+        <p:spPr>
+          <a:xfrm>
+            <a:off x="10543592" y="6475247"/>
+            <a:ext cx="1648408" cy="307777"/>
+          </a:xfrm>
+          <a:prstGeom prst="rect">
+            <a:avLst/>
+          </a:prstGeom>
+          <a:noFill/>
+        </p:spPr>
+        <p:txBody>
+          <a:bodyPr wrap="square" rtlCol="0">
+            <a:spAutoFit/>
+          </a:bodyPr>
+          <a:lstStyle/>
+          <a:p>
+            <a:pPr algn="r"/>
+            <a:r>
+              <a:rPr lang="es-CO" sz="1400" b="1" i="1" dirty="0" err="1">
+                <a:ln>
+                  <a:solidFill>
+                    <a:schemeClr val="bg1"/>
+                  </a:solidFill>
+                </a:ln>
+                <a:solidFill>
+                  <a:schemeClr val="bg1"/>
+                </a:solidFill>
+                <a:latin typeface="+mj-lt"/>
+              </a:rPr>
+              <a:t>OpenClassrooms</a:t>
+            </a:r>
+            <a:endParaRPr lang="en-US" sz="1400" b="1" i="1" dirty="0">
+              <a:ln>
+                <a:solidFill>
+                  <a:schemeClr val="bg1"/>
+                </a:solidFill>
+              </a:ln>
+              <a:solidFill>
+                <a:schemeClr val="bg1"/>
+              </a:solidFill>
+              <a:latin typeface="+mj-lt"/>
+            </a:endParaRPr>
+          </a:p>
+        </p:txBody>
+      </p:sp>
+      <p:sp>
+        <p:nvSpPr>
+          <p:cNvPr id="22" name="ZoneTexte 21">
+            <a:extLst>
+              <a:ext uri="{FF2B5EF4-FFF2-40B4-BE49-F238E27FC236}">
+                <a16:creationId xmlns:a16="http://schemas.microsoft.com/office/drawing/2014/main" id="{CDCAAFAA-8DED-4CA8-9F07-AA22874ECFF3}"/>
+              </a:ext>
+            </a:extLst>
+          </p:cNvPr>
+          <p:cNvSpPr txBox="1"/>
+          <p:nvPr/>
+        </p:nvSpPr>
+        <p:spPr>
+          <a:xfrm>
+            <a:off x="279915" y="1510259"/>
+            <a:ext cx="7189851" cy="3108543"/>
+          </a:xfrm>
+          <a:prstGeom prst="rect">
+            <a:avLst/>
+          </a:prstGeom>
+          <a:noFill/>
+        </p:spPr>
+        <p:txBody>
+          <a:bodyPr wrap="square">
+            <a:spAutoFit/>
+          </a:bodyPr>
+          <a:lstStyle/>
+          <a:p>
+            <a:pPr marL="514350" indent="-514350">
+              <a:buFont typeface="+mj-lt"/>
+              <a:buAutoNum type="arabicPeriod"/>
+            </a:pPr>
+            <a:r>
+              <a:rPr lang="fr-FR" sz="2800" dirty="0">
+                <a:ln>
+                  <a:solidFill>
+                    <a:srgbClr val="7451EB"/>
+                  </a:solidFill>
+                </a:ln>
+                <a:solidFill>
+                  <a:srgbClr val="7451EB"/>
+                </a:solidFill>
+                <a:latin typeface="Google Sans"/>
+              </a:rPr>
+              <a:t>Mission</a:t>
+            </a:r>
+          </a:p>
+          <a:p>
+            <a:pPr marL="514350" indent="-514350">
+              <a:buFont typeface="+mj-lt"/>
+              <a:buAutoNum type="arabicPeriod"/>
+            </a:pPr>
+            <a:r>
+              <a:rPr lang="fr-FR" sz="2800" dirty="0">
+                <a:ln>
+                  <a:solidFill>
+                    <a:srgbClr val="7451EB"/>
+                  </a:solidFill>
+                </a:ln>
+                <a:solidFill>
+                  <a:srgbClr val="7451EB"/>
+                </a:solidFill>
+                <a:latin typeface="Google Sans"/>
+              </a:rPr>
+              <a:t>Présentation du jeu de données</a:t>
+            </a:r>
+          </a:p>
+          <a:p>
+            <a:pPr marL="514350" indent="-514350">
+              <a:buFont typeface="+mj-lt"/>
+              <a:buAutoNum type="arabicPeriod"/>
+            </a:pPr>
+            <a:r>
+              <a:rPr lang="fr-FR" sz="2800" dirty="0">
+                <a:ln>
+                  <a:solidFill>
+                    <a:srgbClr val="7451EB"/>
+                  </a:solidFill>
+                </a:ln>
+                <a:solidFill>
+                  <a:srgbClr val="7451EB"/>
+                </a:solidFill>
+                <a:latin typeface="Google Sans"/>
+              </a:rPr>
+              <a:t>Kernel </a:t>
+            </a:r>
+            <a:r>
+              <a:rPr lang="fr-FR" sz="2800" dirty="0" err="1">
+                <a:ln>
+                  <a:solidFill>
+                    <a:srgbClr val="7451EB"/>
+                  </a:solidFill>
+                </a:ln>
+                <a:solidFill>
+                  <a:srgbClr val="7451EB"/>
+                </a:solidFill>
+                <a:latin typeface="Google Sans"/>
+              </a:rPr>
+              <a:t>Kaggle</a:t>
+            </a:r>
+            <a:endParaRPr lang="fr-FR" sz="2800" dirty="0">
+              <a:ln>
+                <a:solidFill>
+                  <a:srgbClr val="7451EB"/>
+                </a:solidFill>
+              </a:ln>
+              <a:solidFill>
+                <a:srgbClr val="7451EB"/>
+              </a:solidFill>
+              <a:latin typeface="Google Sans"/>
+            </a:endParaRPr>
+          </a:p>
+          <a:p>
+            <a:pPr marL="514350" indent="-514350">
+              <a:buFont typeface="+mj-lt"/>
+              <a:buAutoNum type="arabicPeriod"/>
+            </a:pPr>
+            <a:r>
+              <a:rPr lang="fr-FR" sz="2800" dirty="0">
+                <a:ln>
+                  <a:solidFill>
+                    <a:srgbClr val="7451EB"/>
+                  </a:solidFill>
+                </a:ln>
+                <a:solidFill>
+                  <a:srgbClr val="7451EB"/>
+                </a:solidFill>
+                <a:latin typeface="Google Sans"/>
+              </a:rPr>
+              <a:t>Optimisation du modèle</a:t>
+            </a:r>
+          </a:p>
+          <a:p>
+            <a:pPr marL="514350" indent="-514350">
+              <a:buFont typeface="+mj-lt"/>
+              <a:buAutoNum type="arabicPeriod"/>
+            </a:pPr>
+            <a:r>
+              <a:rPr lang="fr-FR" sz="2800" dirty="0">
+                <a:ln>
+                  <a:solidFill>
+                    <a:srgbClr val="7451EB"/>
+                  </a:solidFill>
+                </a:ln>
+                <a:solidFill>
+                  <a:srgbClr val="7451EB"/>
+                </a:solidFill>
+                <a:latin typeface="Google Sans"/>
+              </a:rPr>
+              <a:t>Tableau de bord</a:t>
+            </a:r>
+          </a:p>
+          <a:p>
+            <a:pPr marL="514350" indent="-514350">
+              <a:buFont typeface="+mj-lt"/>
+              <a:buAutoNum type="arabicPeriod"/>
+            </a:pPr>
+            <a:r>
+              <a:rPr lang="fr-FR" sz="2800" dirty="0">
+                <a:ln>
+                  <a:solidFill>
+                    <a:srgbClr val="7451EB"/>
+                  </a:solidFill>
+                </a:ln>
+                <a:solidFill>
+                  <a:srgbClr val="7451EB"/>
+                </a:solidFill>
+                <a:latin typeface="Google Sans"/>
+              </a:rPr>
+              <a:t>Conclusion</a:t>
+            </a:r>
+          </a:p>
+          <a:p>
+            <a:pPr marL="285750" indent="-285750">
+              <a:buFontTx/>
+              <a:buChar char="­"/>
+            </a:pPr>
+            <a:endParaRPr lang="fr-FR" sz="2800" dirty="0">
+              <a:ln>
+                <a:solidFill>
+                  <a:srgbClr val="7451EB"/>
+                </a:solidFill>
+              </a:ln>
+              <a:solidFill>
+                <a:srgbClr val="7451EB"/>
+              </a:solidFill>
+              <a:latin typeface="Google Sans"/>
+            </a:endParaRPr>
+          </a:p>
+        </p:txBody>
+      </p:sp>
+      <p:sp>
+        <p:nvSpPr>
+          <p:cNvPr id="10" name="Titre 1">
+            <a:extLst>
+              <a:ext uri="{FF2B5EF4-FFF2-40B4-BE49-F238E27FC236}">
+                <a16:creationId xmlns:a16="http://schemas.microsoft.com/office/drawing/2014/main" id="{224E5C7D-3656-459F-9C01-61200508167F}"/>
+              </a:ext>
+            </a:extLst>
+          </p:cNvPr>
+          <p:cNvSpPr txBox="1">
+            <a:spLocks/>
+          </p:cNvSpPr>
+          <p:nvPr/>
+        </p:nvSpPr>
+        <p:spPr>
+          <a:xfrm>
+            <a:off x="279918" y="432794"/>
+            <a:ext cx="6944616" cy="820048"/>
+          </a:xfrm>
+          <a:prstGeom prst="rect">
+            <a:avLst/>
+          </a:prstGeom>
+        </p:spPr>
+        <p:txBody>
+          <a:bodyPr vert="horz" lIns="91440" tIns="45720" rIns="91440" bIns="45720" rtlCol="0" anchor="ctr">
+            <a:normAutofit/>
+          </a:bodyPr>
+          <a:lstStyle>
+            <a:lvl1pPr algn="l" defTabSz="914400" rtl="0" eaLnBrk="1" latinLnBrk="0" hangingPunct="1">
+              <a:lnSpc>
+                <a:spcPct val="90000"/>
+              </a:lnSpc>
+              <a:spcBef>
+                <a:spcPct val="0"/>
+              </a:spcBef>
+              <a:buNone/>
+              <a:defRPr sz="4400" kern="1200">
+                <a:solidFill>
+                  <a:schemeClr val="tx1"/>
+                </a:solidFill>
+                <a:latin typeface="+mj-lt"/>
+                <a:ea typeface="+mj-ea"/>
+                <a:cs typeface="+mj-cs"/>
+              </a:defRPr>
+            </a:lvl1pPr>
+          </a:lstStyle>
+          <a:p>
+            <a:r>
+              <a:rPr lang="es-ES" sz="4000" b="1" dirty="0">
+                <a:ln>
+                  <a:solidFill>
+                    <a:srgbClr val="7451EB"/>
+                  </a:solidFill>
+                </a:ln>
+                <a:solidFill>
+                  <a:srgbClr val="7451EB"/>
+                </a:solidFill>
+                <a:latin typeface="Google Sans"/>
+              </a:rPr>
+              <a:t>Plan de la </a:t>
+            </a:r>
+            <a:r>
+              <a:rPr lang="es-ES" sz="4000" b="1" dirty="0" err="1">
+                <a:ln>
+                  <a:solidFill>
+                    <a:srgbClr val="7451EB"/>
+                  </a:solidFill>
+                </a:ln>
+                <a:solidFill>
+                  <a:srgbClr val="7451EB"/>
+                </a:solidFill>
+                <a:latin typeface="Google Sans"/>
+              </a:rPr>
+              <a:t>soutenance</a:t>
+            </a:r>
+            <a:endParaRPr lang="es-419" sz="4000" b="1" u="sng" dirty="0">
+              <a:ln>
+                <a:solidFill>
+                  <a:srgbClr val="7451EB"/>
+                </a:solidFill>
+              </a:ln>
+              <a:solidFill>
+                <a:srgbClr val="7451EB"/>
+              </a:solidFill>
+              <a:latin typeface="Google Sans"/>
+            </a:endParaRPr>
+          </a:p>
+        </p:txBody>
+      </p:sp>
+      <p:sp>
+        <p:nvSpPr>
+          <p:cNvPr id="11" name="Rectángulo 4">
+            <a:extLst>
+              <a:ext uri="{FF2B5EF4-FFF2-40B4-BE49-F238E27FC236}">
+                <a16:creationId xmlns:a16="http://schemas.microsoft.com/office/drawing/2014/main" id="{B84F0FDC-2C73-4C87-9CC7-F9F129B3A699}"/>
+              </a:ext>
+            </a:extLst>
+          </p:cNvPr>
+          <p:cNvSpPr/>
+          <p:nvPr/>
+        </p:nvSpPr>
+        <p:spPr>
+          <a:xfrm>
+            <a:off x="377906" y="378794"/>
+            <a:ext cx="366721" cy="54000"/>
+          </a:xfrm>
+          <a:prstGeom prst="rect">
+            <a:avLst/>
+          </a:prstGeom>
+          <a:solidFill>
+            <a:srgbClr val="7451EB"/>
+          </a:solidFill>
+          <a:ln>
+            <a:solidFill>
+              <a:srgbClr val="7451EB"/>
+            </a:solidFill>
+          </a:ln>
+        </p:spPr>
+        <p:style>
+          <a:lnRef idx="2">
+            <a:schemeClr val="accent1">
+              <a:shade val="50000"/>
+            </a:schemeClr>
+          </a:lnRef>
+          <a:fillRef idx="1">
+            <a:schemeClr val="accent1"/>
+          </a:fillRef>
+          <a:effectRef idx="0">
+            <a:schemeClr val="accent1"/>
+          </a:effectRef>
+          <a:fontRef idx="minor">
+            <a:schemeClr val="lt1"/>
+          </a:fontRef>
+        </p:style>
+        <p:txBody>
+          <a:bodyPr rtlCol="0" anchor="ctr"/>
+          <a:lstStyle/>
+          <a:p>
+            <a:pPr algn="ctr"/>
+            <a:endParaRPr lang="es-AR">
+              <a:ln>
+                <a:solidFill>
+                  <a:srgbClr val="7451EB"/>
+                </a:solidFill>
+              </a:ln>
+              <a:solidFill>
+                <a:srgbClr val="7451EB"/>
+              </a:solidFill>
+            </a:endParaRPr>
+          </a:p>
+        </p:txBody>
+      </p:sp>
+      <p:pic>
+        <p:nvPicPr>
+          <p:cNvPr id="12" name="Image 11">
+            <a:extLst>
+              <a:ext uri="{FF2B5EF4-FFF2-40B4-BE49-F238E27FC236}">
+                <a16:creationId xmlns:a16="http://schemas.microsoft.com/office/drawing/2014/main" id="{D2967778-158E-405B-AE7C-F98D8BCE79CA}"/>
+              </a:ext>
+            </a:extLst>
+          </p:cNvPr>
+          <p:cNvPicPr>
+            <a:picLocks noChangeAspect="1"/>
+          </p:cNvPicPr>
+          <p:nvPr/>
+        </p:nvPicPr>
+        <p:blipFill rotWithShape="1">
+          <a:blip r:embed="rId3"/>
+          <a:srcRect l="291"/>
+          <a:stretch/>
+        </p:blipFill>
+        <p:spPr>
+          <a:xfrm>
+            <a:off x="7138690" y="1510259"/>
+            <a:ext cx="4339732" cy="3615827"/>
+          </a:xfrm>
+          <a:prstGeom prst="rect">
+            <a:avLst/>
+          </a:prstGeom>
+          <a:ln>
+            <a:noFill/>
+          </a:ln>
+          <a:effectLst>
+            <a:outerShdw blurRad="292100" dist="139700" dir="2700000" algn="tl" rotWithShape="0">
+              <a:srgbClr val="333333">
+                <a:alpha val="65000"/>
+              </a:srgbClr>
+            </a:outerShdw>
+          </a:effectLst>
+        </p:spPr>
+      </p:pic>
+    </p:spTree>
+    <p:extLst>
+      <p:ext uri="{BB962C8B-B14F-4D97-AF65-F5344CB8AC3E}">
+        <p14:creationId xmlns:p14="http://schemas.microsoft.com/office/powerpoint/2010/main" val="3950755484"/>
+      </p:ext>
+    </p:extLst>
+  </p:cSld>
+  <p:clrMapOvr>
+    <a:masterClrMapping/>
+  </p:clrMapOvr>
+</p:sld>
+</file>
+
+<file path=ppt/slides/slide20.xml><?xml version="1.0" encoding="utf-8"?>
+<p:sld xmlns:a="http://schemas.openxmlformats.org/drawingml/2006/main" xmlns:r="http://schemas.openxmlformats.org/officeDocument/2006/relationships" xmlns:p="http://schemas.openxmlformats.org/presentationml/2006/main">
+  <p:cSld>
+    <p:spTree>
+      <p:nvGrpSpPr>
+        <p:cNvPr id="1" name=""/>
+        <p:cNvGrpSpPr/>
+        <p:nvPr/>
+      </p:nvGrpSpPr>
+      <p:grpSpPr>
+        <a:xfrm>
+          <a:off x="0" y="0"/>
+          <a:ext cx="0" cy="0"/>
+          <a:chOff x="0" y="0"/>
+          <a:chExt cx="0" cy="0"/>
+        </a:xfrm>
+      </p:grpSpPr>
+      <p:sp>
+        <p:nvSpPr>
+          <p:cNvPr id="5" name="Rectangle 4">
+            <a:extLst>
+              <a:ext uri="{FF2B5EF4-FFF2-40B4-BE49-F238E27FC236}">
+                <a16:creationId xmlns:a16="http://schemas.microsoft.com/office/drawing/2014/main" id="{A00233D2-38CE-441F-90C9-32F91999758A}"/>
+              </a:ext>
+            </a:extLst>
+          </p:cNvPr>
+          <p:cNvSpPr/>
+          <p:nvPr/>
+        </p:nvSpPr>
+        <p:spPr>
+          <a:xfrm>
+            <a:off x="0" y="6400273"/>
+            <a:ext cx="12192000" cy="457727"/>
+          </a:xfrm>
+          <a:prstGeom prst="rect">
+            <a:avLst/>
+          </a:prstGeom>
+          <a:solidFill>
+            <a:srgbClr val="7451EB"/>
+          </a:solidFill>
+          <a:ln>
+            <a:solidFill>
+              <a:srgbClr val="7451EB"/>
+            </a:solidFill>
+          </a:ln>
+        </p:spPr>
+        <p:style>
+          <a:lnRef idx="2">
+            <a:schemeClr val="accent1">
+              <a:shade val="50000"/>
+            </a:schemeClr>
+          </a:lnRef>
+          <a:fillRef idx="1">
+            <a:schemeClr val="accent1"/>
+          </a:fillRef>
+          <a:effectRef idx="0">
+            <a:schemeClr val="accent1"/>
+          </a:effectRef>
+          <a:fontRef idx="minor">
+            <a:schemeClr val="lt1"/>
+          </a:fontRef>
+        </p:style>
+        <p:txBody>
+          <a:bodyPr rtlCol="0" anchor="ctr"/>
+          <a:lstStyle/>
+          <a:p>
+            <a:pPr algn="ctr"/>
+            <a:endParaRPr lang="en-US" dirty="0"/>
+          </a:p>
+        </p:txBody>
+      </p:sp>
+      <p:sp>
+        <p:nvSpPr>
+          <p:cNvPr id="15" name="TextBox 3">
+            <a:extLst>
+              <a:ext uri="{FF2B5EF4-FFF2-40B4-BE49-F238E27FC236}">
+                <a16:creationId xmlns:a16="http://schemas.microsoft.com/office/drawing/2014/main" id="{47FC2DCC-BDE9-485D-AF79-4177B5479110}"/>
+              </a:ext>
+            </a:extLst>
+          </p:cNvPr>
+          <p:cNvSpPr txBox="1"/>
+          <p:nvPr/>
+        </p:nvSpPr>
+        <p:spPr>
+          <a:xfrm>
+            <a:off x="10543592" y="6475247"/>
+            <a:ext cx="1648408" cy="307777"/>
+          </a:xfrm>
+          <a:prstGeom prst="rect">
+            <a:avLst/>
+          </a:prstGeom>
+          <a:noFill/>
+        </p:spPr>
+        <p:txBody>
+          <a:bodyPr wrap="square" rtlCol="0">
+            <a:spAutoFit/>
+          </a:bodyPr>
+          <a:lstStyle/>
+          <a:p>
+            <a:pPr algn="r"/>
+            <a:r>
+              <a:rPr lang="es-CO" sz="1400" b="1" i="1" dirty="0" err="1">
+                <a:ln>
+                  <a:solidFill>
+                    <a:schemeClr val="bg1"/>
+                  </a:solidFill>
+                </a:ln>
+                <a:solidFill>
+                  <a:schemeClr val="bg1"/>
+                </a:solidFill>
+                <a:latin typeface="+mj-lt"/>
+              </a:rPr>
+              <a:t>OpenClassrooms</a:t>
+            </a:r>
+            <a:endParaRPr lang="en-US" sz="1400" b="1" i="1" dirty="0">
+              <a:ln>
+                <a:solidFill>
+                  <a:schemeClr val="bg1"/>
+                </a:solidFill>
+              </a:ln>
+              <a:solidFill>
+                <a:schemeClr val="bg1"/>
+              </a:solidFill>
+              <a:latin typeface="+mj-lt"/>
+            </a:endParaRPr>
+          </a:p>
+        </p:txBody>
+      </p:sp>
+      <p:sp>
+        <p:nvSpPr>
+          <p:cNvPr id="10" name="Titre 1">
+            <a:extLst>
+              <a:ext uri="{FF2B5EF4-FFF2-40B4-BE49-F238E27FC236}">
+                <a16:creationId xmlns:a16="http://schemas.microsoft.com/office/drawing/2014/main" id="{224E5C7D-3656-459F-9C01-61200508167F}"/>
+              </a:ext>
+            </a:extLst>
+          </p:cNvPr>
+          <p:cNvSpPr txBox="1">
+            <a:spLocks/>
+          </p:cNvSpPr>
+          <p:nvPr/>
+        </p:nvSpPr>
+        <p:spPr>
+          <a:xfrm>
+            <a:off x="279917" y="432794"/>
+            <a:ext cx="8573627" cy="696438"/>
+          </a:xfrm>
+          <a:prstGeom prst="rect">
+            <a:avLst/>
+          </a:prstGeom>
+        </p:spPr>
+        <p:txBody>
+          <a:bodyPr vert="horz" lIns="91440" tIns="45720" rIns="91440" bIns="45720" rtlCol="0" anchor="ctr">
+            <a:normAutofit/>
+          </a:bodyPr>
+          <a:lstStyle>
+            <a:lvl1pPr algn="l" defTabSz="914400" rtl="0" eaLnBrk="1" latinLnBrk="0" hangingPunct="1">
+              <a:lnSpc>
+                <a:spcPct val="90000"/>
+              </a:lnSpc>
+              <a:spcBef>
+                <a:spcPct val="0"/>
+              </a:spcBef>
+              <a:buNone/>
+              <a:defRPr sz="4400" kern="1200">
+                <a:solidFill>
+                  <a:schemeClr val="tx1"/>
+                </a:solidFill>
+                <a:latin typeface="+mj-lt"/>
+                <a:ea typeface="+mj-ea"/>
+                <a:cs typeface="+mj-cs"/>
+              </a:defRPr>
+            </a:lvl1pPr>
+          </a:lstStyle>
+          <a:p>
+            <a:r>
+              <a:rPr lang="fr-FR" sz="4000" b="1" dirty="0">
+                <a:ln>
+                  <a:solidFill>
+                    <a:srgbClr val="7451EB"/>
+                  </a:solidFill>
+                </a:ln>
+                <a:solidFill>
+                  <a:srgbClr val="7451EB"/>
+                </a:solidFill>
+                <a:latin typeface="Google Sans"/>
+              </a:rPr>
+              <a:t>Le modèle est performant</a:t>
+            </a:r>
+          </a:p>
+        </p:txBody>
+      </p:sp>
+      <p:sp>
+        <p:nvSpPr>
+          <p:cNvPr id="11" name="Rectángulo 4">
+            <a:extLst>
+              <a:ext uri="{FF2B5EF4-FFF2-40B4-BE49-F238E27FC236}">
+                <a16:creationId xmlns:a16="http://schemas.microsoft.com/office/drawing/2014/main" id="{B84F0FDC-2C73-4C87-9CC7-F9F129B3A699}"/>
+              </a:ext>
+            </a:extLst>
+          </p:cNvPr>
+          <p:cNvSpPr/>
+          <p:nvPr/>
+        </p:nvSpPr>
+        <p:spPr>
+          <a:xfrm>
+            <a:off x="377906" y="378794"/>
+            <a:ext cx="366721" cy="54000"/>
+          </a:xfrm>
+          <a:prstGeom prst="rect">
+            <a:avLst/>
+          </a:prstGeom>
+          <a:solidFill>
+            <a:srgbClr val="7451EB"/>
+          </a:solidFill>
+          <a:ln>
+            <a:solidFill>
+              <a:srgbClr val="7451EB"/>
+            </a:solidFill>
+          </a:ln>
+        </p:spPr>
+        <p:style>
+          <a:lnRef idx="2">
+            <a:schemeClr val="accent1">
+              <a:shade val="50000"/>
+            </a:schemeClr>
+          </a:lnRef>
+          <a:fillRef idx="1">
+            <a:schemeClr val="accent1"/>
+          </a:fillRef>
+          <a:effectRef idx="0">
+            <a:schemeClr val="accent1"/>
+          </a:effectRef>
+          <a:fontRef idx="minor">
+            <a:schemeClr val="lt1"/>
+          </a:fontRef>
+        </p:style>
+        <p:txBody>
+          <a:bodyPr rtlCol="0" anchor="ctr"/>
+          <a:lstStyle/>
+          <a:p>
+            <a:pPr algn="ctr"/>
+            <a:endParaRPr lang="es-AR">
+              <a:ln>
+                <a:solidFill>
+                  <a:srgbClr val="7451EB"/>
+                </a:solidFill>
+              </a:ln>
+              <a:solidFill>
+                <a:srgbClr val="7451EB"/>
+              </a:solidFill>
+            </a:endParaRPr>
+          </a:p>
+        </p:txBody>
+      </p:sp>
+      <p:sp>
+        <p:nvSpPr>
+          <p:cNvPr id="21" name="TextBox 3">
+            <a:extLst>
+              <a:ext uri="{FF2B5EF4-FFF2-40B4-BE49-F238E27FC236}">
+                <a16:creationId xmlns:a16="http://schemas.microsoft.com/office/drawing/2014/main" id="{A5BD8A43-F558-4214-B2E7-69AB8718A791}"/>
+              </a:ext>
+            </a:extLst>
+          </p:cNvPr>
+          <p:cNvSpPr txBox="1"/>
+          <p:nvPr/>
+        </p:nvSpPr>
+        <p:spPr>
+          <a:xfrm>
+            <a:off x="0" y="6475247"/>
+            <a:ext cx="8982635" cy="307777"/>
+          </a:xfrm>
+          <a:prstGeom prst="rect">
+            <a:avLst/>
+          </a:prstGeom>
+          <a:noFill/>
+        </p:spPr>
+        <p:txBody>
+          <a:bodyPr wrap="square" rtlCol="0">
+            <a:spAutoFit/>
+          </a:bodyPr>
+          <a:lstStyle/>
+          <a:p>
+            <a:r>
+              <a:rPr lang="es-CO" sz="1400" dirty="0">
+                <a:ln>
+                  <a:solidFill>
+                    <a:schemeClr val="bg1"/>
+                  </a:solidFill>
+                </a:ln>
+                <a:solidFill>
+                  <a:schemeClr val="bg1"/>
+                </a:solidFill>
+                <a:latin typeface="+mj-lt"/>
+              </a:rPr>
+              <a:t>Project 7 – </a:t>
+            </a:r>
+            <a:r>
+              <a:rPr lang="fr-FR" sz="1400" dirty="0">
+                <a:ln>
+                  <a:solidFill>
+                    <a:schemeClr val="bg1"/>
+                  </a:solidFill>
+                </a:ln>
+                <a:solidFill>
+                  <a:schemeClr val="bg1"/>
+                </a:solidFill>
+                <a:latin typeface="+mj-lt"/>
+              </a:rPr>
+              <a:t>implémentation d’un modèle de </a:t>
+            </a:r>
+            <a:r>
+              <a:rPr lang="fr-FR" sz="1400" dirty="0" err="1">
+                <a:ln>
+                  <a:solidFill>
+                    <a:schemeClr val="bg1"/>
+                  </a:solidFill>
+                </a:ln>
+                <a:solidFill>
+                  <a:schemeClr val="bg1"/>
+                </a:solidFill>
+                <a:latin typeface="+mj-lt"/>
+              </a:rPr>
+              <a:t>scoring</a:t>
+            </a:r>
+            <a:endParaRPr lang="en-US" sz="1400" dirty="0">
+              <a:ln>
+                <a:solidFill>
+                  <a:schemeClr val="bg1"/>
+                </a:solidFill>
+              </a:ln>
+              <a:solidFill>
+                <a:schemeClr val="bg1"/>
+              </a:solidFill>
+              <a:latin typeface="+mj-lt"/>
+            </a:endParaRPr>
+          </a:p>
+        </p:txBody>
+      </p:sp>
       <p:pic>
         <p:nvPicPr>
           <p:cNvPr id="6" name="Image 5">
@@ -19974,7 +23164,7 @@
 </p:sld>
 </file>
 
-<file path=ppt/slides/slide19.xml><?xml version="1.0" encoding="utf-8"?>
+<file path=ppt/slides/slide21.xml><?xml version="1.0" encoding="utf-8"?>
 <p:sld xmlns:a="http://schemas.openxmlformats.org/drawingml/2006/main" xmlns:r="http://schemas.openxmlformats.org/officeDocument/2006/relationships" xmlns:p="http://schemas.openxmlformats.org/presentationml/2006/main">
   <p:cSld>
     <p:spTree>
@@ -20837,7 +24027,16 @@
               </a:rPr>
             </a:br>
             <a:r>
-              <a:rPr lang="fr-FR" sz="1400" i="1" dirty="0">
+              <a:rPr lang="fr-FR" sz="1400" b="1" i="1" dirty="0">
+                <a:solidFill>
+                  <a:schemeClr val="accent1"/>
+                </a:solidFill>
+                <a:latin typeface="Google Sans"/>
+              </a:rPr>
+              <a:t>Variables personnelles</a:t>
+            </a:r>
+            <a:r>
+              <a:rPr lang="fr-FR" sz="1400" b="1" i="1" dirty="0">
                 <a:solidFill>
                   <a:schemeClr val="bg1">
                     <a:lumMod val="50000"/>
@@ -20845,9 +24044,46 @@
                 </a:solidFill>
                 <a:latin typeface="Google Sans"/>
               </a:rPr>
-              <a:t>Variables personnelles, Variables bancaires, Variables externes</a:t>
-            </a:r>
-            <a:endParaRPr lang="fr-FR" sz="2000" dirty="0"/>
+              <a:t>, </a:t>
+            </a:r>
+            <a:r>
+              <a:rPr lang="fr-FR" sz="1400" b="1" i="1" dirty="0">
+                <a:solidFill>
+                  <a:schemeClr val="accent4"/>
+                </a:solidFill>
+                <a:latin typeface="Google Sans"/>
+              </a:rPr>
+              <a:t>Variables bancaires</a:t>
+            </a:r>
+            <a:r>
+              <a:rPr lang="fr-FR" sz="1400" b="1" i="1" dirty="0">
+                <a:solidFill>
+                  <a:schemeClr val="bg1">
+                    <a:lumMod val="50000"/>
+                  </a:schemeClr>
+                </a:solidFill>
+                <a:latin typeface="Google Sans"/>
+              </a:rPr>
+              <a:t>, </a:t>
+            </a:r>
+            <a:r>
+              <a:rPr lang="fr-FR" sz="1400" b="1" i="1" dirty="0">
+                <a:solidFill>
+                  <a:schemeClr val="accent6">
+                    <a:lumMod val="75000"/>
+                  </a:schemeClr>
+                </a:solidFill>
+                <a:latin typeface="Google Sans"/>
+              </a:rPr>
+              <a:t>Variables externes</a:t>
+            </a:r>
+            <a:endParaRPr lang="fr-FR" sz="2000" b="1" dirty="0">
+              <a:solidFill>
+                <a:schemeClr val="accent6">
+                  <a:lumMod val="75000"/>
+                </a:schemeClr>
+              </a:solidFill>
+            </a:endParaRPr>
           </a:p>
         </p:txBody>
       </p:sp>
@@ -20894,10 +24130,742 @@
           </a:prstGeom>
         </p:spPr>
       </p:pic>
+      <p:sp>
+        <p:nvSpPr>
+          <p:cNvPr id="3" name="Rectangle 2">
+            <a:extLst>
+              <a:ext uri="{FF2B5EF4-FFF2-40B4-BE49-F238E27FC236}">
+                <a16:creationId xmlns:a16="http://schemas.microsoft.com/office/drawing/2014/main" id="{450C6277-B5DF-4580-87CA-51E017446A4A}"/>
+              </a:ext>
+            </a:extLst>
+          </p:cNvPr>
+          <p:cNvSpPr/>
+          <p:nvPr/>
+        </p:nvSpPr>
+        <p:spPr>
+          <a:xfrm>
+            <a:off x="359827" y="1183232"/>
+            <a:ext cx="2101433" cy="275050"/>
+          </a:xfrm>
+          <a:prstGeom prst="rect">
+            <a:avLst/>
+          </a:prstGeom>
+          <a:solidFill>
+            <a:schemeClr val="accent6">
+              <a:alpha val="40000"/>
+            </a:schemeClr>
+          </a:solidFill>
+          <a:ln>
+            <a:solidFill>
+              <a:schemeClr val="accent6">
+                <a:shade val="50000"/>
+              </a:schemeClr>
+            </a:solidFill>
+          </a:ln>
+        </p:spPr>
+        <p:style>
+          <a:lnRef idx="2">
+            <a:schemeClr val="accent6">
+              <a:shade val="50000"/>
+            </a:schemeClr>
+          </a:lnRef>
+          <a:fillRef idx="1">
+            <a:schemeClr val="accent6"/>
+          </a:fillRef>
+          <a:effectRef idx="0">
+            <a:schemeClr val="accent6"/>
+          </a:effectRef>
+          <a:fontRef idx="minor">
+            <a:schemeClr val="lt1"/>
+          </a:fontRef>
+        </p:style>
+        <p:txBody>
+          <a:bodyPr rtlCol="0" anchor="ctr"/>
+          <a:lstStyle/>
+          <a:p>
+            <a:pPr algn="ctr"/>
+            <a:endParaRPr lang="fr-FR"/>
+          </a:p>
+        </p:txBody>
+      </p:sp>
+      <p:sp>
+        <p:nvSpPr>
+          <p:cNvPr id="29" name="Rectangle 28">
+            <a:extLst>
+              <a:ext uri="{FF2B5EF4-FFF2-40B4-BE49-F238E27FC236}">
+                <a16:creationId xmlns:a16="http://schemas.microsoft.com/office/drawing/2014/main" id="{7136452F-2990-484A-8643-5CC8A6ADAC3E}"/>
+              </a:ext>
+            </a:extLst>
+          </p:cNvPr>
+          <p:cNvSpPr/>
+          <p:nvPr/>
+        </p:nvSpPr>
+        <p:spPr>
+          <a:xfrm>
+            <a:off x="359826" y="3283716"/>
+            <a:ext cx="2101434" cy="120511"/>
+          </a:xfrm>
+          <a:prstGeom prst="rect">
+            <a:avLst/>
+          </a:prstGeom>
+          <a:solidFill>
+            <a:schemeClr val="accent6">
+              <a:alpha val="40000"/>
+            </a:schemeClr>
+          </a:solidFill>
+          <a:ln>
+            <a:solidFill>
+              <a:schemeClr val="accent6">
+                <a:shade val="50000"/>
+              </a:schemeClr>
+            </a:solidFill>
+          </a:ln>
+        </p:spPr>
+        <p:style>
+          <a:lnRef idx="2">
+            <a:schemeClr val="accent6">
+              <a:shade val="50000"/>
+            </a:schemeClr>
+          </a:lnRef>
+          <a:fillRef idx="1">
+            <a:schemeClr val="accent6"/>
+          </a:fillRef>
+          <a:effectRef idx="0">
+            <a:schemeClr val="accent6"/>
+          </a:effectRef>
+          <a:fontRef idx="minor">
+            <a:schemeClr val="lt1"/>
+          </a:fontRef>
+        </p:style>
+        <p:txBody>
+          <a:bodyPr rtlCol="0" anchor="ctr"/>
+          <a:lstStyle/>
+          <a:p>
+            <a:pPr algn="ctr"/>
+            <a:endParaRPr lang="fr-FR"/>
+          </a:p>
+        </p:txBody>
+      </p:sp>
+      <p:sp>
+        <p:nvSpPr>
+          <p:cNvPr id="30" name="Rectangle 29">
+            <a:extLst>
+              <a:ext uri="{FF2B5EF4-FFF2-40B4-BE49-F238E27FC236}">
+                <a16:creationId xmlns:a16="http://schemas.microsoft.com/office/drawing/2014/main" id="{2C40C404-24F8-41FD-969B-A35D9E7E1D07}"/>
+              </a:ext>
+            </a:extLst>
+          </p:cNvPr>
+          <p:cNvSpPr/>
+          <p:nvPr/>
+        </p:nvSpPr>
+        <p:spPr>
+          <a:xfrm>
+            <a:off x="359827" y="1459454"/>
+            <a:ext cx="2101434" cy="120511"/>
+          </a:xfrm>
+          <a:prstGeom prst="rect">
+            <a:avLst/>
+          </a:prstGeom>
+          <a:solidFill>
+            <a:schemeClr val="accent4">
+              <a:alpha val="40000"/>
+            </a:schemeClr>
+          </a:solidFill>
+          <a:ln>
+            <a:solidFill>
+              <a:schemeClr val="accent4"/>
+            </a:solidFill>
+          </a:ln>
+        </p:spPr>
+        <p:style>
+          <a:lnRef idx="2">
+            <a:schemeClr val="accent6">
+              <a:shade val="50000"/>
+            </a:schemeClr>
+          </a:lnRef>
+          <a:fillRef idx="1">
+            <a:schemeClr val="accent6"/>
+          </a:fillRef>
+          <a:effectRef idx="0">
+            <a:schemeClr val="accent6"/>
+          </a:effectRef>
+          <a:fontRef idx="minor">
+            <a:schemeClr val="lt1"/>
+          </a:fontRef>
+        </p:style>
+        <p:txBody>
+          <a:bodyPr rtlCol="0" anchor="ctr"/>
+          <a:lstStyle/>
+          <a:p>
+            <a:pPr algn="ctr"/>
+            <a:endParaRPr lang="fr-FR"/>
+          </a:p>
+        </p:txBody>
+      </p:sp>
+      <p:sp>
+        <p:nvSpPr>
+          <p:cNvPr id="31" name="Rectangle 30">
+            <a:extLst>
+              <a:ext uri="{FF2B5EF4-FFF2-40B4-BE49-F238E27FC236}">
+                <a16:creationId xmlns:a16="http://schemas.microsoft.com/office/drawing/2014/main" id="{CBC1C350-23E0-4F37-B3F9-865AA8A86819}"/>
+              </a:ext>
+            </a:extLst>
+          </p:cNvPr>
+          <p:cNvSpPr/>
+          <p:nvPr/>
+        </p:nvSpPr>
+        <p:spPr>
+          <a:xfrm>
+            <a:off x="359827" y="2053558"/>
+            <a:ext cx="2101434" cy="147742"/>
+          </a:xfrm>
+          <a:prstGeom prst="rect">
+            <a:avLst/>
+          </a:prstGeom>
+          <a:solidFill>
+            <a:schemeClr val="accent4">
+              <a:alpha val="40000"/>
+            </a:schemeClr>
+          </a:solidFill>
+          <a:ln>
+            <a:solidFill>
+              <a:schemeClr val="accent4"/>
+            </a:solidFill>
+          </a:ln>
+        </p:spPr>
+        <p:style>
+          <a:lnRef idx="2">
+            <a:schemeClr val="accent6">
+              <a:shade val="50000"/>
+            </a:schemeClr>
+          </a:lnRef>
+          <a:fillRef idx="1">
+            <a:schemeClr val="accent6"/>
+          </a:fillRef>
+          <a:effectRef idx="0">
+            <a:schemeClr val="accent6"/>
+          </a:effectRef>
+          <a:fontRef idx="minor">
+            <a:schemeClr val="lt1"/>
+          </a:fontRef>
+        </p:style>
+        <p:txBody>
+          <a:bodyPr rtlCol="0" anchor="ctr"/>
+          <a:lstStyle/>
+          <a:p>
+            <a:pPr algn="ctr"/>
+            <a:endParaRPr lang="fr-FR"/>
+          </a:p>
+        </p:txBody>
+      </p:sp>
+      <p:sp>
+        <p:nvSpPr>
+          <p:cNvPr id="32" name="Rectangle 31">
+            <a:extLst>
+              <a:ext uri="{FF2B5EF4-FFF2-40B4-BE49-F238E27FC236}">
+                <a16:creationId xmlns:a16="http://schemas.microsoft.com/office/drawing/2014/main" id="{72AFE5B3-9137-43BD-9FF0-FC8474463E26}"/>
+              </a:ext>
+            </a:extLst>
+          </p:cNvPr>
+          <p:cNvSpPr/>
+          <p:nvPr/>
+        </p:nvSpPr>
+        <p:spPr>
+          <a:xfrm>
+            <a:off x="359827" y="2421691"/>
+            <a:ext cx="2101433" cy="248403"/>
+          </a:xfrm>
+          <a:prstGeom prst="rect">
+            <a:avLst/>
+          </a:prstGeom>
+          <a:solidFill>
+            <a:schemeClr val="accent4">
+              <a:alpha val="40000"/>
+            </a:schemeClr>
+          </a:solidFill>
+          <a:ln>
+            <a:solidFill>
+              <a:schemeClr val="accent4"/>
+            </a:solidFill>
+          </a:ln>
+        </p:spPr>
+        <p:style>
+          <a:lnRef idx="2">
+            <a:schemeClr val="accent6">
+              <a:shade val="50000"/>
+            </a:schemeClr>
+          </a:lnRef>
+          <a:fillRef idx="1">
+            <a:schemeClr val="accent6"/>
+          </a:fillRef>
+          <a:effectRef idx="0">
+            <a:schemeClr val="accent6"/>
+          </a:effectRef>
+          <a:fontRef idx="minor">
+            <a:schemeClr val="lt1"/>
+          </a:fontRef>
+        </p:style>
+        <p:txBody>
+          <a:bodyPr rtlCol="0" anchor="ctr"/>
+          <a:lstStyle/>
+          <a:p>
+            <a:pPr algn="ctr"/>
+            <a:endParaRPr lang="fr-FR"/>
+          </a:p>
+        </p:txBody>
+      </p:sp>
+      <p:sp>
+        <p:nvSpPr>
+          <p:cNvPr id="33" name="Rectangle 32">
+            <a:extLst>
+              <a:ext uri="{FF2B5EF4-FFF2-40B4-BE49-F238E27FC236}">
+                <a16:creationId xmlns:a16="http://schemas.microsoft.com/office/drawing/2014/main" id="{18C609FD-6298-43B3-A5F4-5AE8FDA752DC}"/>
+              </a:ext>
+            </a:extLst>
+          </p:cNvPr>
+          <p:cNvSpPr/>
+          <p:nvPr/>
+        </p:nvSpPr>
+        <p:spPr>
+          <a:xfrm>
+            <a:off x="359827" y="2807016"/>
+            <a:ext cx="2101433" cy="100847"/>
+          </a:xfrm>
+          <a:prstGeom prst="rect">
+            <a:avLst/>
+          </a:prstGeom>
+          <a:solidFill>
+            <a:schemeClr val="accent4">
+              <a:alpha val="40000"/>
+            </a:schemeClr>
+          </a:solidFill>
+          <a:ln>
+            <a:solidFill>
+              <a:schemeClr val="accent4"/>
+            </a:solidFill>
+          </a:ln>
+        </p:spPr>
+        <p:style>
+          <a:lnRef idx="2">
+            <a:schemeClr val="accent6">
+              <a:shade val="50000"/>
+            </a:schemeClr>
+          </a:lnRef>
+          <a:fillRef idx="1">
+            <a:schemeClr val="accent6"/>
+          </a:fillRef>
+          <a:effectRef idx="0">
+            <a:schemeClr val="accent6"/>
+          </a:effectRef>
+          <a:fontRef idx="minor">
+            <a:schemeClr val="lt1"/>
+          </a:fontRef>
+        </p:style>
+        <p:txBody>
+          <a:bodyPr rtlCol="0" anchor="ctr"/>
+          <a:lstStyle/>
+          <a:p>
+            <a:pPr algn="ctr"/>
+            <a:endParaRPr lang="fr-FR"/>
+          </a:p>
+        </p:txBody>
+      </p:sp>
+      <p:sp>
+        <p:nvSpPr>
+          <p:cNvPr id="34" name="Rectangle 33">
+            <a:extLst>
+              <a:ext uri="{FF2B5EF4-FFF2-40B4-BE49-F238E27FC236}">
+                <a16:creationId xmlns:a16="http://schemas.microsoft.com/office/drawing/2014/main" id="{077D91CF-CB08-4F4D-BF95-6151A36CE4F7}"/>
+              </a:ext>
+            </a:extLst>
+          </p:cNvPr>
+          <p:cNvSpPr/>
+          <p:nvPr/>
+        </p:nvSpPr>
+        <p:spPr>
+          <a:xfrm>
+            <a:off x="359827" y="3151925"/>
+            <a:ext cx="2101434" cy="123338"/>
+          </a:xfrm>
+          <a:prstGeom prst="rect">
+            <a:avLst/>
+          </a:prstGeom>
+          <a:solidFill>
+            <a:schemeClr val="accent4">
+              <a:alpha val="40000"/>
+            </a:schemeClr>
+          </a:solidFill>
+          <a:ln>
+            <a:solidFill>
+              <a:schemeClr val="accent4"/>
+            </a:solidFill>
+          </a:ln>
+        </p:spPr>
+        <p:style>
+          <a:lnRef idx="2">
+            <a:schemeClr val="accent6">
+              <a:shade val="50000"/>
+            </a:schemeClr>
+          </a:lnRef>
+          <a:fillRef idx="1">
+            <a:schemeClr val="accent6"/>
+          </a:fillRef>
+          <a:effectRef idx="0">
+            <a:schemeClr val="accent6"/>
+          </a:effectRef>
+          <a:fontRef idx="minor">
+            <a:schemeClr val="lt1"/>
+          </a:fontRef>
+        </p:style>
+        <p:txBody>
+          <a:bodyPr rtlCol="0" anchor="ctr"/>
+          <a:lstStyle/>
+          <a:p>
+            <a:pPr algn="ctr"/>
+            <a:endParaRPr lang="fr-FR"/>
+          </a:p>
+        </p:txBody>
+      </p:sp>
+      <p:sp>
+        <p:nvSpPr>
+          <p:cNvPr id="35" name="Rectangle 34">
+            <a:extLst>
+              <a:ext uri="{FF2B5EF4-FFF2-40B4-BE49-F238E27FC236}">
+                <a16:creationId xmlns:a16="http://schemas.microsoft.com/office/drawing/2014/main" id="{793E4B0D-88A5-4E50-AB7A-096D48114DD0}"/>
+              </a:ext>
+            </a:extLst>
+          </p:cNvPr>
+          <p:cNvSpPr/>
+          <p:nvPr/>
+        </p:nvSpPr>
+        <p:spPr>
+          <a:xfrm>
+            <a:off x="359827" y="3785217"/>
+            <a:ext cx="2101434" cy="112214"/>
+          </a:xfrm>
+          <a:prstGeom prst="rect">
+            <a:avLst/>
+          </a:prstGeom>
+          <a:solidFill>
+            <a:schemeClr val="accent4">
+              <a:alpha val="40000"/>
+            </a:schemeClr>
+          </a:solidFill>
+          <a:ln>
+            <a:solidFill>
+              <a:schemeClr val="accent4"/>
+            </a:solidFill>
+          </a:ln>
+        </p:spPr>
+        <p:style>
+          <a:lnRef idx="2">
+            <a:schemeClr val="accent6">
+              <a:shade val="50000"/>
+            </a:schemeClr>
+          </a:lnRef>
+          <a:fillRef idx="1">
+            <a:schemeClr val="accent6"/>
+          </a:fillRef>
+          <a:effectRef idx="0">
+            <a:schemeClr val="accent6"/>
+          </a:effectRef>
+          <a:fontRef idx="minor">
+            <a:schemeClr val="lt1"/>
+          </a:fontRef>
+        </p:style>
+        <p:txBody>
+          <a:bodyPr rtlCol="0" anchor="ctr"/>
+          <a:lstStyle/>
+          <a:p>
+            <a:pPr algn="ctr"/>
+            <a:endParaRPr lang="fr-FR"/>
+          </a:p>
+        </p:txBody>
+      </p:sp>
+      <p:sp>
+        <p:nvSpPr>
+          <p:cNvPr id="36" name="Rectangle 35">
+            <a:extLst>
+              <a:ext uri="{FF2B5EF4-FFF2-40B4-BE49-F238E27FC236}">
+                <a16:creationId xmlns:a16="http://schemas.microsoft.com/office/drawing/2014/main" id="{DC2E4001-419D-422F-AFDD-222362024AEC}"/>
+              </a:ext>
+            </a:extLst>
+          </p:cNvPr>
+          <p:cNvSpPr/>
+          <p:nvPr/>
+        </p:nvSpPr>
+        <p:spPr>
+          <a:xfrm>
+            <a:off x="359827" y="1595204"/>
+            <a:ext cx="2101434" cy="462649"/>
+          </a:xfrm>
+          <a:prstGeom prst="rect">
+            <a:avLst/>
+          </a:prstGeom>
+          <a:solidFill>
+            <a:srgbClr val="99CCFF">
+              <a:alpha val="40000"/>
+            </a:srgbClr>
+          </a:solidFill>
+          <a:ln>
+            <a:solidFill>
+              <a:srgbClr val="99CCFF"/>
+            </a:solidFill>
+          </a:ln>
+        </p:spPr>
+        <p:style>
+          <a:lnRef idx="2">
+            <a:schemeClr val="accent6">
+              <a:shade val="50000"/>
+            </a:schemeClr>
+          </a:lnRef>
+          <a:fillRef idx="1">
+            <a:schemeClr val="accent6"/>
+          </a:fillRef>
+          <a:effectRef idx="0">
+            <a:schemeClr val="accent6"/>
+          </a:effectRef>
+          <a:fontRef idx="minor">
+            <a:schemeClr val="lt1"/>
+          </a:fontRef>
+        </p:style>
+        <p:txBody>
+          <a:bodyPr rtlCol="0" anchor="ctr"/>
+          <a:lstStyle/>
+          <a:p>
+            <a:pPr algn="ctr"/>
+            <a:endParaRPr lang="fr-FR"/>
+          </a:p>
+        </p:txBody>
+      </p:sp>
+      <p:sp>
+        <p:nvSpPr>
+          <p:cNvPr id="37" name="Rectangle 36">
+            <a:extLst>
+              <a:ext uri="{FF2B5EF4-FFF2-40B4-BE49-F238E27FC236}">
+                <a16:creationId xmlns:a16="http://schemas.microsoft.com/office/drawing/2014/main" id="{C2DAE8B2-1036-4D46-944B-A90B0F1D8B54}"/>
+              </a:ext>
+            </a:extLst>
+          </p:cNvPr>
+          <p:cNvSpPr/>
+          <p:nvPr/>
+        </p:nvSpPr>
+        <p:spPr>
+          <a:xfrm>
+            <a:off x="359826" y="2193680"/>
+            <a:ext cx="2101434" cy="222848"/>
+          </a:xfrm>
+          <a:prstGeom prst="rect">
+            <a:avLst/>
+          </a:prstGeom>
+          <a:solidFill>
+            <a:srgbClr val="99CCFF">
+              <a:alpha val="40000"/>
+            </a:srgbClr>
+          </a:solidFill>
+          <a:ln>
+            <a:solidFill>
+              <a:srgbClr val="99CCFF"/>
+            </a:solidFill>
+          </a:ln>
+        </p:spPr>
+        <p:style>
+          <a:lnRef idx="2">
+            <a:schemeClr val="accent6">
+              <a:shade val="50000"/>
+            </a:schemeClr>
+          </a:lnRef>
+          <a:fillRef idx="1">
+            <a:schemeClr val="accent6"/>
+          </a:fillRef>
+          <a:effectRef idx="0">
+            <a:schemeClr val="accent6"/>
+          </a:effectRef>
+          <a:fontRef idx="minor">
+            <a:schemeClr val="lt1"/>
+          </a:fontRef>
+        </p:style>
+        <p:txBody>
+          <a:bodyPr rtlCol="0" anchor="ctr"/>
+          <a:lstStyle/>
+          <a:p>
+            <a:pPr algn="ctr"/>
+            <a:endParaRPr lang="fr-FR"/>
+          </a:p>
+        </p:txBody>
+      </p:sp>
+      <p:sp>
+        <p:nvSpPr>
+          <p:cNvPr id="38" name="Rectangle 37">
+            <a:extLst>
+              <a:ext uri="{FF2B5EF4-FFF2-40B4-BE49-F238E27FC236}">
+                <a16:creationId xmlns:a16="http://schemas.microsoft.com/office/drawing/2014/main" id="{D5543652-4F5D-4B03-88D3-1DA7FDAFEE04}"/>
+              </a:ext>
+            </a:extLst>
+          </p:cNvPr>
+          <p:cNvSpPr/>
+          <p:nvPr/>
+        </p:nvSpPr>
+        <p:spPr>
+          <a:xfrm>
+            <a:off x="359826" y="2678098"/>
+            <a:ext cx="2101434" cy="122774"/>
+          </a:xfrm>
+          <a:prstGeom prst="rect">
+            <a:avLst/>
+          </a:prstGeom>
+          <a:solidFill>
+            <a:srgbClr val="99CCFF">
+              <a:alpha val="40000"/>
+            </a:srgbClr>
+          </a:solidFill>
+          <a:ln>
+            <a:solidFill>
+              <a:srgbClr val="99CCFF"/>
+            </a:solidFill>
+          </a:ln>
+        </p:spPr>
+        <p:style>
+          <a:lnRef idx="2">
+            <a:schemeClr val="accent6">
+              <a:shade val="50000"/>
+            </a:schemeClr>
+          </a:lnRef>
+          <a:fillRef idx="1">
+            <a:schemeClr val="accent6"/>
+          </a:fillRef>
+          <a:effectRef idx="0">
+            <a:schemeClr val="accent6"/>
+          </a:effectRef>
+          <a:fontRef idx="minor">
+            <a:schemeClr val="lt1"/>
+          </a:fontRef>
+        </p:style>
+        <p:txBody>
+          <a:bodyPr rtlCol="0" anchor="ctr"/>
+          <a:lstStyle/>
+          <a:p>
+            <a:pPr algn="ctr"/>
+            <a:endParaRPr lang="fr-FR"/>
+          </a:p>
+        </p:txBody>
+      </p:sp>
+      <p:sp>
+        <p:nvSpPr>
+          <p:cNvPr id="39" name="Rectangle 38">
+            <a:extLst>
+              <a:ext uri="{FF2B5EF4-FFF2-40B4-BE49-F238E27FC236}">
+                <a16:creationId xmlns:a16="http://schemas.microsoft.com/office/drawing/2014/main" id="{62A5C7AF-4B64-457E-9B56-0F5E8D78846D}"/>
+              </a:ext>
+            </a:extLst>
+          </p:cNvPr>
+          <p:cNvSpPr/>
+          <p:nvPr/>
+        </p:nvSpPr>
+        <p:spPr>
+          <a:xfrm>
+            <a:off x="359826" y="2922159"/>
+            <a:ext cx="2101434" cy="224634"/>
+          </a:xfrm>
+          <a:prstGeom prst="rect">
+            <a:avLst/>
+          </a:prstGeom>
+          <a:solidFill>
+            <a:srgbClr val="99CCFF">
+              <a:alpha val="40000"/>
+            </a:srgbClr>
+          </a:solidFill>
+          <a:ln>
+            <a:solidFill>
+              <a:srgbClr val="99CCFF"/>
+            </a:solidFill>
+          </a:ln>
+        </p:spPr>
+        <p:style>
+          <a:lnRef idx="2">
+            <a:schemeClr val="accent6">
+              <a:shade val="50000"/>
+            </a:schemeClr>
+          </a:lnRef>
+          <a:fillRef idx="1">
+            <a:schemeClr val="accent6"/>
+          </a:fillRef>
+          <a:effectRef idx="0">
+            <a:schemeClr val="accent6"/>
+          </a:effectRef>
+          <a:fontRef idx="minor">
+            <a:schemeClr val="lt1"/>
+          </a:fontRef>
+        </p:style>
+        <p:txBody>
+          <a:bodyPr rtlCol="0" anchor="ctr"/>
+          <a:lstStyle/>
+          <a:p>
+            <a:pPr algn="ctr"/>
+            <a:endParaRPr lang="fr-FR"/>
+          </a:p>
+        </p:txBody>
+      </p:sp>
+      <p:sp>
+        <p:nvSpPr>
+          <p:cNvPr id="40" name="Rectangle 39">
+            <a:extLst>
+              <a:ext uri="{FF2B5EF4-FFF2-40B4-BE49-F238E27FC236}">
+                <a16:creationId xmlns:a16="http://schemas.microsoft.com/office/drawing/2014/main" id="{81FF7723-EE91-40F7-9F0C-C9C3CB280304}"/>
+              </a:ext>
+            </a:extLst>
+          </p:cNvPr>
+          <p:cNvSpPr/>
+          <p:nvPr/>
+        </p:nvSpPr>
+        <p:spPr>
+          <a:xfrm>
+            <a:off x="359826" y="3409353"/>
+            <a:ext cx="2101434" cy="368244"/>
+          </a:xfrm>
+          <a:prstGeom prst="rect">
+            <a:avLst/>
+          </a:prstGeom>
+          <a:solidFill>
+            <a:srgbClr val="99CCFF">
+              <a:alpha val="40000"/>
+            </a:srgbClr>
+          </a:solidFill>
+          <a:ln>
+            <a:solidFill>
+              <a:srgbClr val="99CCFF"/>
+            </a:solidFill>
+          </a:ln>
+        </p:spPr>
+        <p:style>
+          <a:lnRef idx="2">
+            <a:schemeClr val="accent6">
+              <a:shade val="50000"/>
+            </a:schemeClr>
+          </a:lnRef>
+          <a:fillRef idx="1">
+            <a:schemeClr val="accent6"/>
+          </a:fillRef>
+          <a:effectRef idx="0">
+            <a:schemeClr val="accent6"/>
+          </a:effectRef>
+          <a:fontRef idx="minor">
+            <a:schemeClr val="lt1"/>
+          </a:fontRef>
+        </p:style>
+        <p:txBody>
+          <a:bodyPr rtlCol="0" anchor="ctr"/>
+          <a:lstStyle/>
+          <a:p>
+            <a:pPr algn="ctr"/>
+            <a:endParaRPr lang="fr-FR"/>
+          </a:p>
+        </p:txBody>
+      </p:sp>
     </p:spTree>
     <p:extLst>
       <p:ext uri="{BB962C8B-B14F-4D97-AF65-F5344CB8AC3E}">
-        <p14:creationId xmlns:p14="http://schemas.microsoft.com/office/powerpoint/2010/main" val="3521185678"/>
+        <p14:creationId xmlns:p14="http://schemas.microsoft.com/office/powerpoint/2010/main" val="245232542"/>
       </p:ext>
     </p:extLst>
   </p:cSld>
@@ -20907,614 +24875,7 @@
 </p:sld>
 </file>
 
-<file path=ppt/slides/slide2.xml><?xml version="1.0" encoding="utf-8"?>
-<p:sld xmlns:a="http://schemas.openxmlformats.org/drawingml/2006/main" xmlns:r="http://schemas.openxmlformats.org/officeDocument/2006/relationships" xmlns:p="http://schemas.openxmlformats.org/presentationml/2006/main">
-  <p:cSld>
-    <p:spTree>
-      <p:nvGrpSpPr>
-        <p:cNvPr id="1" name=""/>
-        <p:cNvGrpSpPr/>
-        <p:nvPr/>
-      </p:nvGrpSpPr>
-      <p:grpSpPr>
-        <a:xfrm>
-          <a:off x="0" y="0"/>
-          <a:ext cx="0" cy="0"/>
-          <a:chOff x="0" y="0"/>
-          <a:chExt cx="0" cy="0"/>
-        </a:xfrm>
-      </p:grpSpPr>
-      <p:sp>
-        <p:nvSpPr>
-          <p:cNvPr id="5" name="Rectangle 4">
-            <a:extLst>
-              <a:ext uri="{FF2B5EF4-FFF2-40B4-BE49-F238E27FC236}">
-                <a16:creationId xmlns:a16="http://schemas.microsoft.com/office/drawing/2014/main" id="{A00233D2-38CE-441F-90C9-32F91999758A}"/>
-              </a:ext>
-            </a:extLst>
-          </p:cNvPr>
-          <p:cNvSpPr/>
-          <p:nvPr/>
-        </p:nvSpPr>
-        <p:spPr>
-          <a:xfrm>
-            <a:off x="0" y="6400273"/>
-            <a:ext cx="12192000" cy="457727"/>
-          </a:xfrm>
-          <a:prstGeom prst="rect">
-            <a:avLst/>
-          </a:prstGeom>
-          <a:solidFill>
-            <a:srgbClr val="7451EB"/>
-          </a:solidFill>
-          <a:ln>
-            <a:solidFill>
-              <a:srgbClr val="7451EB"/>
-            </a:solidFill>
-          </a:ln>
-        </p:spPr>
-        <p:style>
-          <a:lnRef idx="2">
-            <a:schemeClr val="accent1">
-              <a:shade val="50000"/>
-            </a:schemeClr>
-          </a:lnRef>
-          <a:fillRef idx="1">
-            <a:schemeClr val="accent1"/>
-          </a:fillRef>
-          <a:effectRef idx="0">
-            <a:schemeClr val="accent1"/>
-          </a:effectRef>
-          <a:fontRef idx="minor">
-            <a:schemeClr val="lt1"/>
-          </a:fontRef>
-        </p:style>
-        <p:txBody>
-          <a:bodyPr rtlCol="0" anchor="ctr"/>
-          <a:lstStyle/>
-          <a:p>
-            <a:pPr algn="ctr"/>
-            <a:endParaRPr lang="en-US" dirty="0"/>
-          </a:p>
-        </p:txBody>
-      </p:sp>
-      <p:sp>
-        <p:nvSpPr>
-          <p:cNvPr id="8" name="TextBox 3">
-            <a:extLst>
-              <a:ext uri="{FF2B5EF4-FFF2-40B4-BE49-F238E27FC236}">
-                <a16:creationId xmlns:a16="http://schemas.microsoft.com/office/drawing/2014/main" id="{24081931-CD0C-485C-9C3E-E7C2A4D4ABCE}"/>
-              </a:ext>
-            </a:extLst>
-          </p:cNvPr>
-          <p:cNvSpPr txBox="1"/>
-          <p:nvPr/>
-        </p:nvSpPr>
-        <p:spPr>
-          <a:xfrm>
-            <a:off x="0" y="6475247"/>
-            <a:ext cx="8982635" cy="307777"/>
-          </a:xfrm>
-          <a:prstGeom prst="rect">
-            <a:avLst/>
-          </a:prstGeom>
-          <a:noFill/>
-        </p:spPr>
-        <p:txBody>
-          <a:bodyPr wrap="square" rtlCol="0">
-            <a:spAutoFit/>
-          </a:bodyPr>
-          <a:lstStyle/>
-          <a:p>
-            <a:r>
-              <a:rPr lang="es-CO" sz="1400" dirty="0">
-                <a:ln>
-                  <a:solidFill>
-                    <a:schemeClr val="bg1"/>
-                  </a:solidFill>
-                </a:ln>
-                <a:solidFill>
-                  <a:schemeClr val="bg1"/>
-                </a:solidFill>
-                <a:latin typeface="+mj-lt"/>
-              </a:rPr>
-              <a:t>Project 7 – </a:t>
-            </a:r>
-            <a:r>
-              <a:rPr lang="fr-FR" sz="1400" dirty="0">
-                <a:ln>
-                  <a:solidFill>
-                    <a:schemeClr val="bg1"/>
-                  </a:solidFill>
-                </a:ln>
-                <a:solidFill>
-                  <a:schemeClr val="bg1"/>
-                </a:solidFill>
-                <a:latin typeface="+mj-lt"/>
-              </a:rPr>
-              <a:t>implémentation d’un modèle de </a:t>
-            </a:r>
-            <a:r>
-              <a:rPr lang="fr-FR" sz="1400" dirty="0" err="1">
-                <a:ln>
-                  <a:solidFill>
-                    <a:schemeClr val="bg1"/>
-                  </a:solidFill>
-                </a:ln>
-                <a:solidFill>
-                  <a:schemeClr val="bg1"/>
-                </a:solidFill>
-                <a:latin typeface="+mj-lt"/>
-              </a:rPr>
-              <a:t>scoring</a:t>
-            </a:r>
-            <a:endParaRPr lang="en-US" sz="1400" dirty="0">
-              <a:ln>
-                <a:solidFill>
-                  <a:schemeClr val="bg1"/>
-                </a:solidFill>
-              </a:ln>
-              <a:solidFill>
-                <a:schemeClr val="bg1"/>
-              </a:solidFill>
-              <a:latin typeface="+mj-lt"/>
-            </a:endParaRPr>
-          </a:p>
-        </p:txBody>
-      </p:sp>
-      <p:sp>
-        <p:nvSpPr>
-          <p:cNvPr id="15" name="TextBox 3">
-            <a:extLst>
-              <a:ext uri="{FF2B5EF4-FFF2-40B4-BE49-F238E27FC236}">
-                <a16:creationId xmlns:a16="http://schemas.microsoft.com/office/drawing/2014/main" id="{47FC2DCC-BDE9-485D-AF79-4177B5479110}"/>
-              </a:ext>
-            </a:extLst>
-          </p:cNvPr>
-          <p:cNvSpPr txBox="1"/>
-          <p:nvPr/>
-        </p:nvSpPr>
-        <p:spPr>
-          <a:xfrm>
-            <a:off x="10543592" y="6475247"/>
-            <a:ext cx="1648408" cy="307777"/>
-          </a:xfrm>
-          <a:prstGeom prst="rect">
-            <a:avLst/>
-          </a:prstGeom>
-          <a:noFill/>
-        </p:spPr>
-        <p:txBody>
-          <a:bodyPr wrap="square" rtlCol="0">
-            <a:spAutoFit/>
-          </a:bodyPr>
-          <a:lstStyle/>
-          <a:p>
-            <a:pPr algn="r"/>
-            <a:r>
-              <a:rPr lang="es-CO" sz="1400" b="1" i="1" dirty="0" err="1">
-                <a:ln>
-                  <a:solidFill>
-                    <a:schemeClr val="bg1"/>
-                  </a:solidFill>
-                </a:ln>
-                <a:solidFill>
-                  <a:schemeClr val="bg1"/>
-                </a:solidFill>
-                <a:latin typeface="+mj-lt"/>
-              </a:rPr>
-              <a:t>OpenClassrooms</a:t>
-            </a:r>
-            <a:endParaRPr lang="en-US" sz="1400" b="1" i="1" dirty="0">
-              <a:ln>
-                <a:solidFill>
-                  <a:schemeClr val="bg1"/>
-                </a:solidFill>
-              </a:ln>
-              <a:solidFill>
-                <a:schemeClr val="bg1"/>
-              </a:solidFill>
-              <a:latin typeface="+mj-lt"/>
-            </a:endParaRPr>
-          </a:p>
-        </p:txBody>
-      </p:sp>
-      <p:sp>
-        <p:nvSpPr>
-          <p:cNvPr id="22" name="ZoneTexte 21">
-            <a:extLst>
-              <a:ext uri="{FF2B5EF4-FFF2-40B4-BE49-F238E27FC236}">
-                <a16:creationId xmlns:a16="http://schemas.microsoft.com/office/drawing/2014/main" id="{CDCAAFAA-8DED-4CA8-9F07-AA22874ECFF3}"/>
-              </a:ext>
-            </a:extLst>
-          </p:cNvPr>
-          <p:cNvSpPr txBox="1"/>
-          <p:nvPr/>
-        </p:nvSpPr>
-        <p:spPr>
-          <a:xfrm>
-            <a:off x="279915" y="1510259"/>
-            <a:ext cx="7189851" cy="3108543"/>
-          </a:xfrm>
-          <a:prstGeom prst="rect">
-            <a:avLst/>
-          </a:prstGeom>
-          <a:noFill/>
-        </p:spPr>
-        <p:txBody>
-          <a:bodyPr wrap="square">
-            <a:spAutoFit/>
-          </a:bodyPr>
-          <a:lstStyle/>
-          <a:p>
-            <a:pPr marL="514350" indent="-514350">
-              <a:buFont typeface="+mj-lt"/>
-              <a:buAutoNum type="arabicPeriod"/>
-            </a:pPr>
-            <a:r>
-              <a:rPr lang="fr-FR" sz="2800" dirty="0">
-                <a:ln>
-                  <a:solidFill>
-                    <a:srgbClr val="7451EB"/>
-                  </a:solidFill>
-                </a:ln>
-                <a:solidFill>
-                  <a:srgbClr val="7451EB"/>
-                </a:solidFill>
-                <a:latin typeface="Google Sans"/>
-              </a:rPr>
-              <a:t>Mission</a:t>
-            </a:r>
-          </a:p>
-          <a:p>
-            <a:pPr marL="514350" indent="-514350">
-              <a:buFont typeface="+mj-lt"/>
-              <a:buAutoNum type="arabicPeriod"/>
-            </a:pPr>
-            <a:r>
-              <a:rPr lang="fr-FR" sz="2800" dirty="0">
-                <a:ln>
-                  <a:solidFill>
-                    <a:srgbClr val="7451EB"/>
-                  </a:solidFill>
-                </a:ln>
-                <a:solidFill>
-                  <a:srgbClr val="7451EB"/>
-                </a:solidFill>
-                <a:latin typeface="Google Sans"/>
-              </a:rPr>
-              <a:t>Présentation du jeu de données</a:t>
-            </a:r>
-          </a:p>
-          <a:p>
-            <a:pPr marL="514350" indent="-514350">
-              <a:buFont typeface="+mj-lt"/>
-              <a:buAutoNum type="arabicPeriod"/>
-            </a:pPr>
-            <a:r>
-              <a:rPr lang="fr-FR" sz="2800" dirty="0">
-                <a:ln>
-                  <a:solidFill>
-                    <a:srgbClr val="7451EB"/>
-                  </a:solidFill>
-                </a:ln>
-                <a:solidFill>
-                  <a:srgbClr val="7451EB"/>
-                </a:solidFill>
-                <a:latin typeface="Google Sans"/>
-              </a:rPr>
-              <a:t>Kernel </a:t>
-            </a:r>
-            <a:r>
-              <a:rPr lang="fr-FR" sz="2800" dirty="0" err="1">
-                <a:ln>
-                  <a:solidFill>
-                    <a:srgbClr val="7451EB"/>
-                  </a:solidFill>
-                </a:ln>
-                <a:solidFill>
-                  <a:srgbClr val="7451EB"/>
-                </a:solidFill>
-                <a:latin typeface="Google Sans"/>
-              </a:rPr>
-              <a:t>Kaggle</a:t>
-            </a:r>
-            <a:endParaRPr lang="fr-FR" sz="2800" dirty="0">
-              <a:ln>
-                <a:solidFill>
-                  <a:srgbClr val="7451EB"/>
-                </a:solidFill>
-              </a:ln>
-              <a:solidFill>
-                <a:srgbClr val="7451EB"/>
-              </a:solidFill>
-              <a:latin typeface="Google Sans"/>
-            </a:endParaRPr>
-          </a:p>
-          <a:p>
-            <a:pPr marL="514350" indent="-514350">
-              <a:buFont typeface="+mj-lt"/>
-              <a:buAutoNum type="arabicPeriod"/>
-            </a:pPr>
-            <a:r>
-              <a:rPr lang="fr-FR" sz="2800" dirty="0">
-                <a:ln>
-                  <a:solidFill>
-                    <a:srgbClr val="7451EB"/>
-                  </a:solidFill>
-                </a:ln>
-                <a:solidFill>
-                  <a:srgbClr val="7451EB"/>
-                </a:solidFill>
-                <a:latin typeface="Google Sans"/>
-              </a:rPr>
-              <a:t>Optimisation du modèle</a:t>
-            </a:r>
-          </a:p>
-          <a:p>
-            <a:pPr marL="514350" indent="-514350">
-              <a:buFont typeface="+mj-lt"/>
-              <a:buAutoNum type="arabicPeriod"/>
-            </a:pPr>
-            <a:r>
-              <a:rPr lang="fr-FR" sz="2800" dirty="0">
-                <a:ln>
-                  <a:solidFill>
-                    <a:srgbClr val="7451EB"/>
-                  </a:solidFill>
-                </a:ln>
-                <a:solidFill>
-                  <a:srgbClr val="7451EB"/>
-                </a:solidFill>
-                <a:latin typeface="Google Sans"/>
-              </a:rPr>
-              <a:t>Tableau de bord</a:t>
-            </a:r>
-          </a:p>
-          <a:p>
-            <a:pPr marL="514350" indent="-514350">
-              <a:buFont typeface="+mj-lt"/>
-              <a:buAutoNum type="arabicPeriod"/>
-            </a:pPr>
-            <a:r>
-              <a:rPr lang="fr-FR" sz="2800" dirty="0">
-                <a:ln>
-                  <a:solidFill>
-                    <a:srgbClr val="7451EB"/>
-                  </a:solidFill>
-                </a:ln>
-                <a:solidFill>
-                  <a:srgbClr val="7451EB"/>
-                </a:solidFill>
-                <a:latin typeface="Google Sans"/>
-              </a:rPr>
-              <a:t>Conclusion</a:t>
-            </a:r>
-          </a:p>
-          <a:p>
-            <a:pPr marL="285750" indent="-285750">
-              <a:buFontTx/>
-              <a:buChar char="­"/>
-            </a:pPr>
-            <a:endParaRPr lang="fr-FR" sz="2800" dirty="0">
-              <a:ln>
-                <a:solidFill>
-                  <a:srgbClr val="7451EB"/>
-                </a:solidFill>
-              </a:ln>
-              <a:solidFill>
-                <a:srgbClr val="7451EB"/>
-              </a:solidFill>
-              <a:latin typeface="Google Sans"/>
-            </a:endParaRPr>
-          </a:p>
-        </p:txBody>
-      </p:sp>
-      <p:sp>
-        <p:nvSpPr>
-          <p:cNvPr id="10" name="Titre 1">
-            <a:extLst>
-              <a:ext uri="{FF2B5EF4-FFF2-40B4-BE49-F238E27FC236}">
-                <a16:creationId xmlns:a16="http://schemas.microsoft.com/office/drawing/2014/main" id="{224E5C7D-3656-459F-9C01-61200508167F}"/>
-              </a:ext>
-            </a:extLst>
-          </p:cNvPr>
-          <p:cNvSpPr txBox="1">
-            <a:spLocks/>
-          </p:cNvSpPr>
-          <p:nvPr/>
-        </p:nvSpPr>
-        <p:spPr>
-          <a:xfrm>
-            <a:off x="279918" y="432794"/>
-            <a:ext cx="6944616" cy="820048"/>
-          </a:xfrm>
-          <a:prstGeom prst="rect">
-            <a:avLst/>
-          </a:prstGeom>
-        </p:spPr>
-        <p:txBody>
-          <a:bodyPr vert="horz" lIns="91440" tIns="45720" rIns="91440" bIns="45720" rtlCol="0" anchor="ctr">
-            <a:normAutofit/>
-          </a:bodyPr>
-          <a:lstStyle>
-            <a:lvl1pPr algn="l" defTabSz="914400" rtl="0" eaLnBrk="1" latinLnBrk="0" hangingPunct="1">
-              <a:lnSpc>
-                <a:spcPct val="90000"/>
-              </a:lnSpc>
-              <a:spcBef>
-                <a:spcPct val="0"/>
-              </a:spcBef>
-              <a:buNone/>
-              <a:defRPr sz="4400" kern="1200">
-                <a:solidFill>
-                  <a:schemeClr val="tx1"/>
-                </a:solidFill>
-                <a:latin typeface="+mj-lt"/>
-                <a:ea typeface="+mj-ea"/>
-                <a:cs typeface="+mj-cs"/>
-              </a:defRPr>
-            </a:lvl1pPr>
-          </a:lstStyle>
-          <a:p>
-            <a:r>
-              <a:rPr lang="es-ES" sz="4000" b="1" dirty="0">
-                <a:ln>
-                  <a:solidFill>
-                    <a:srgbClr val="7451EB"/>
-                  </a:solidFill>
-                </a:ln>
-                <a:solidFill>
-                  <a:srgbClr val="7451EB"/>
-                </a:solidFill>
-                <a:latin typeface="Google Sans"/>
-              </a:rPr>
-              <a:t>Plan de la </a:t>
-            </a:r>
-            <a:r>
-              <a:rPr lang="es-ES" sz="4000" b="1" dirty="0" err="1">
-                <a:ln>
-                  <a:solidFill>
-                    <a:srgbClr val="7451EB"/>
-                  </a:solidFill>
-                </a:ln>
-                <a:solidFill>
-                  <a:srgbClr val="7451EB"/>
-                </a:solidFill>
-                <a:latin typeface="Google Sans"/>
-              </a:rPr>
-              <a:t>soutenance</a:t>
-            </a:r>
-            <a:endParaRPr lang="es-419" sz="4000" b="1" u="sng" dirty="0">
-              <a:ln>
-                <a:solidFill>
-                  <a:srgbClr val="7451EB"/>
-                </a:solidFill>
-              </a:ln>
-              <a:solidFill>
-                <a:srgbClr val="7451EB"/>
-              </a:solidFill>
-              <a:latin typeface="Google Sans"/>
-            </a:endParaRPr>
-          </a:p>
-        </p:txBody>
-      </p:sp>
-      <p:sp>
-        <p:nvSpPr>
-          <p:cNvPr id="11" name="Rectángulo 4">
-            <a:extLst>
-              <a:ext uri="{FF2B5EF4-FFF2-40B4-BE49-F238E27FC236}">
-                <a16:creationId xmlns:a16="http://schemas.microsoft.com/office/drawing/2014/main" id="{B84F0FDC-2C73-4C87-9CC7-F9F129B3A699}"/>
-              </a:ext>
-            </a:extLst>
-          </p:cNvPr>
-          <p:cNvSpPr/>
-          <p:nvPr/>
-        </p:nvSpPr>
-        <p:spPr>
-          <a:xfrm>
-            <a:off x="377906" y="378794"/>
-            <a:ext cx="366721" cy="54000"/>
-          </a:xfrm>
-          <a:prstGeom prst="rect">
-            <a:avLst/>
-          </a:prstGeom>
-          <a:solidFill>
-            <a:srgbClr val="7451EB"/>
-          </a:solidFill>
-          <a:ln>
-            <a:solidFill>
-              <a:srgbClr val="7451EB"/>
-            </a:solidFill>
-          </a:ln>
-        </p:spPr>
-        <p:style>
-          <a:lnRef idx="2">
-            <a:schemeClr val="accent1">
-              <a:shade val="50000"/>
-            </a:schemeClr>
-          </a:lnRef>
-          <a:fillRef idx="1">
-            <a:schemeClr val="accent1"/>
-          </a:fillRef>
-          <a:effectRef idx="0">
-            <a:schemeClr val="accent1"/>
-          </a:effectRef>
-          <a:fontRef idx="minor">
-            <a:schemeClr val="lt1"/>
-          </a:fontRef>
-        </p:style>
-        <p:txBody>
-          <a:bodyPr rtlCol="0" anchor="ctr"/>
-          <a:lstStyle/>
-          <a:p>
-            <a:pPr algn="ctr"/>
-            <a:endParaRPr lang="es-AR">
-              <a:ln>
-                <a:solidFill>
-                  <a:srgbClr val="7451EB"/>
-                </a:solidFill>
-              </a:ln>
-              <a:solidFill>
-                <a:srgbClr val="7451EB"/>
-              </a:solidFill>
-            </a:endParaRPr>
-          </a:p>
-        </p:txBody>
-      </p:sp>
-      <p:pic>
-        <p:nvPicPr>
-          <p:cNvPr id="12" name="Image 11">
-            <a:extLst>
-              <a:ext uri="{FF2B5EF4-FFF2-40B4-BE49-F238E27FC236}">
-                <a16:creationId xmlns:a16="http://schemas.microsoft.com/office/drawing/2014/main" id="{D2967778-158E-405B-AE7C-F98D8BCE79CA}"/>
-              </a:ext>
-            </a:extLst>
-          </p:cNvPr>
-          <p:cNvPicPr>
-            <a:picLocks noChangeAspect="1"/>
-          </p:cNvPicPr>
-          <p:nvPr/>
-        </p:nvPicPr>
-        <p:blipFill rotWithShape="1">
-          <a:blip r:embed="rId3"/>
-          <a:srcRect l="291"/>
-          <a:stretch/>
-        </p:blipFill>
-        <p:spPr>
-          <a:xfrm>
-            <a:off x="7138690" y="1510259"/>
-            <a:ext cx="4339732" cy="3615827"/>
-          </a:xfrm>
-          <a:prstGeom prst="rect">
-            <a:avLst/>
-          </a:prstGeom>
-          <a:ln>
-            <a:noFill/>
-          </a:ln>
-          <a:effectLst>
-            <a:outerShdw blurRad="292100" dist="139700" dir="2700000" algn="tl" rotWithShape="0">
-              <a:srgbClr val="333333">
-                <a:alpha val="65000"/>
-              </a:srgbClr>
-            </a:outerShdw>
-          </a:effectLst>
-        </p:spPr>
-      </p:pic>
-    </p:spTree>
-    <p:extLst>
-      <p:ext uri="{BB962C8B-B14F-4D97-AF65-F5344CB8AC3E}">
-        <p14:creationId xmlns:p14="http://schemas.microsoft.com/office/powerpoint/2010/main" val="3950755484"/>
-      </p:ext>
-    </p:extLst>
-  </p:cSld>
-  <p:clrMapOvr>
-    <a:masterClrMapping/>
-  </p:clrMapOvr>
-</p:sld>
-</file>
-
-<file path=ppt/slides/slide20.xml><?xml version="1.0" encoding="utf-8"?>
+<file path=ppt/slides/slide22.xml><?xml version="1.0" encoding="utf-8"?>
 <p:sld xmlns:a="http://schemas.openxmlformats.org/drawingml/2006/main" xmlns:r="http://schemas.openxmlformats.org/officeDocument/2006/relationships" xmlns:p="http://schemas.openxmlformats.org/presentationml/2006/main">
   <p:cSld>
     <p:bg>
@@ -22526,7 +25887,7 @@
 </p:sld>
 </file>
 
-<file path=ppt/slides/slide21.xml><?xml version="1.0" encoding="utf-8"?>
+<file path=ppt/slides/slide23.xml><?xml version="1.0" encoding="utf-8"?>
 <p:sld xmlns:a="http://schemas.openxmlformats.org/drawingml/2006/main" xmlns:r="http://schemas.openxmlformats.org/officeDocument/2006/relationships" xmlns:p="http://schemas.openxmlformats.org/presentationml/2006/main">
   <p:cSld>
     <p:spTree>
@@ -23398,7 +26759,7 @@
 </p:sld>
 </file>
 
-<file path=ppt/slides/slide22.xml><?xml version="1.0" encoding="utf-8"?>
+<file path=ppt/slides/slide24.xml><?xml version="1.0" encoding="utf-8"?>
 <p:sld xmlns:a="http://schemas.openxmlformats.org/drawingml/2006/main" xmlns:r="http://schemas.openxmlformats.org/officeDocument/2006/relationships" xmlns:p="http://schemas.openxmlformats.org/presentationml/2006/main">
   <p:cSld>
     <p:spTree>
@@ -25307,7 +28668,7 @@
 </p:sld>
 </file>
 
-<file path=ppt/slides/slide23.xml><?xml version="1.0" encoding="utf-8"?>
+<file path=ppt/slides/slide25.xml><?xml version="1.0" encoding="utf-8"?>
 <p:sld xmlns:a="http://schemas.openxmlformats.org/drawingml/2006/main" xmlns:r="http://schemas.openxmlformats.org/officeDocument/2006/relationships" xmlns:p="http://schemas.openxmlformats.org/presentationml/2006/main">
   <p:cSld>
     <p:spTree>
@@ -25816,7 +29177,7 @@
 </p:sld>
 </file>
 
-<file path=ppt/slides/slide24.xml><?xml version="1.0" encoding="utf-8"?>
+<file path=ppt/slides/slide26.xml><?xml version="1.0" encoding="utf-8"?>
 <p:sld xmlns:a="http://schemas.openxmlformats.org/drawingml/2006/main" xmlns:r="http://schemas.openxmlformats.org/officeDocument/2006/relationships" xmlns:p="http://schemas.openxmlformats.org/presentationml/2006/main">
   <p:cSld>
     <p:spTree>
@@ -26403,7 +29764,7 @@
 </p:sld>
 </file>
 
-<file path=ppt/slides/slide25.xml><?xml version="1.0" encoding="utf-8"?>
+<file path=ppt/slides/slide27.xml><?xml version="1.0" encoding="utf-8"?>
 <p:sld xmlns:a="http://schemas.openxmlformats.org/drawingml/2006/main" xmlns:r="http://schemas.openxmlformats.org/officeDocument/2006/relationships" xmlns:p="http://schemas.openxmlformats.org/presentationml/2006/main">
   <p:cSld>
     <p:spTree>
@@ -26990,7 +30351,7 @@
 </p:sld>
 </file>
 
-<file path=ppt/slides/slide26.xml><?xml version="1.0" encoding="utf-8"?>
+<file path=ppt/slides/slide28.xml><?xml version="1.0" encoding="utf-8"?>
 <p:sld xmlns:a="http://schemas.openxmlformats.org/drawingml/2006/main" xmlns:r="http://schemas.openxmlformats.org/officeDocument/2006/relationships" xmlns:p="http://schemas.openxmlformats.org/presentationml/2006/main">
   <p:cSld>
     <p:bg>
@@ -28002,7 +31363,7 @@
 </p:sld>
 </file>
 
-<file path=ppt/slides/slide27.xml><?xml version="1.0" encoding="utf-8"?>
+<file path=ppt/slides/slide29.xml><?xml version="1.0" encoding="utf-8"?>
 <p:sld xmlns:a="http://schemas.openxmlformats.org/drawingml/2006/main" xmlns:r="http://schemas.openxmlformats.org/officeDocument/2006/relationships" xmlns:p="http://schemas.openxmlformats.org/presentationml/2006/main">
   <p:cSld>
     <p:spTree>
@@ -28801,848 +32162,6 @@
     <p:extLst>
       <p:ext uri="{BB962C8B-B14F-4D97-AF65-F5344CB8AC3E}">
         <p14:creationId xmlns:p14="http://schemas.microsoft.com/office/powerpoint/2010/main" val="2703420726"/>
-      </p:ext>
-    </p:extLst>
-  </p:cSld>
-  <p:clrMapOvr>
-    <a:masterClrMapping/>
-  </p:clrMapOvr>
-</p:sld>
-</file>
-
-<file path=ppt/slides/slide28.xml><?xml version="1.0" encoding="utf-8"?>
-<p:sld xmlns:a="http://schemas.openxmlformats.org/drawingml/2006/main" xmlns:r="http://schemas.openxmlformats.org/officeDocument/2006/relationships" xmlns:p="http://schemas.openxmlformats.org/presentationml/2006/main">
-  <p:cSld>
-    <p:spTree>
-      <p:nvGrpSpPr>
-        <p:cNvPr id="1" name=""/>
-        <p:cNvGrpSpPr/>
-        <p:nvPr/>
-      </p:nvGrpSpPr>
-      <p:grpSpPr>
-        <a:xfrm>
-          <a:off x="0" y="0"/>
-          <a:ext cx="0" cy="0"/>
-          <a:chOff x="0" y="0"/>
-          <a:chExt cx="0" cy="0"/>
-        </a:xfrm>
-      </p:grpSpPr>
-      <p:pic>
-        <p:nvPicPr>
-          <p:cNvPr id="3" name="Image 2">
-            <a:extLst>
-              <a:ext uri="{FF2B5EF4-FFF2-40B4-BE49-F238E27FC236}">
-                <a16:creationId xmlns:a16="http://schemas.microsoft.com/office/drawing/2014/main" id="{C88CAABC-021A-43A2-892C-883492DFF4BF}"/>
-              </a:ext>
-            </a:extLst>
-          </p:cNvPr>
-          <p:cNvPicPr>
-            <a:picLocks noChangeAspect="1"/>
-          </p:cNvPicPr>
-          <p:nvPr/>
-        </p:nvPicPr>
-        <p:blipFill>
-          <a:blip r:embed="rId3">
-            <a:extLst>
-              <a:ext uri="{28A0092B-C50C-407E-A947-70E740481C1C}">
-                <a14:useLocalDpi xmlns:a14="http://schemas.microsoft.com/office/drawing/2010/main" val="0"/>
-              </a:ext>
-            </a:extLst>
-          </a:blip>
-          <a:stretch>
-            <a:fillRect/>
-          </a:stretch>
-        </p:blipFill>
-        <p:spPr>
-          <a:xfrm>
-            <a:off x="2884984" y="1211743"/>
-            <a:ext cx="6422032" cy="4434515"/>
-          </a:xfrm>
-          <a:prstGeom prst="rect">
-            <a:avLst/>
-          </a:prstGeom>
-        </p:spPr>
-      </p:pic>
-      <p:sp>
-        <p:nvSpPr>
-          <p:cNvPr id="5" name="Rectangle 4">
-            <a:extLst>
-              <a:ext uri="{FF2B5EF4-FFF2-40B4-BE49-F238E27FC236}">
-                <a16:creationId xmlns:a16="http://schemas.microsoft.com/office/drawing/2014/main" id="{A00233D2-38CE-441F-90C9-32F91999758A}"/>
-              </a:ext>
-            </a:extLst>
-          </p:cNvPr>
-          <p:cNvSpPr/>
-          <p:nvPr/>
-        </p:nvSpPr>
-        <p:spPr>
-          <a:xfrm>
-            <a:off x="0" y="6400273"/>
-            <a:ext cx="12192000" cy="457727"/>
-          </a:xfrm>
-          <a:prstGeom prst="rect">
-            <a:avLst/>
-          </a:prstGeom>
-          <a:solidFill>
-            <a:srgbClr val="7451EB"/>
-          </a:solidFill>
-          <a:ln>
-            <a:solidFill>
-              <a:srgbClr val="7451EB"/>
-            </a:solidFill>
-          </a:ln>
-        </p:spPr>
-        <p:style>
-          <a:lnRef idx="2">
-            <a:schemeClr val="accent1">
-              <a:shade val="50000"/>
-            </a:schemeClr>
-          </a:lnRef>
-          <a:fillRef idx="1">
-            <a:schemeClr val="accent1"/>
-          </a:fillRef>
-          <a:effectRef idx="0">
-            <a:schemeClr val="accent1"/>
-          </a:effectRef>
-          <a:fontRef idx="minor">
-            <a:schemeClr val="lt1"/>
-          </a:fontRef>
-        </p:style>
-        <p:txBody>
-          <a:bodyPr rtlCol="0" anchor="ctr"/>
-          <a:lstStyle/>
-          <a:p>
-            <a:pPr algn="ctr"/>
-            <a:endParaRPr lang="en-US" dirty="0"/>
-          </a:p>
-        </p:txBody>
-      </p:sp>
-      <p:sp>
-        <p:nvSpPr>
-          <p:cNvPr id="15" name="TextBox 3">
-            <a:extLst>
-              <a:ext uri="{FF2B5EF4-FFF2-40B4-BE49-F238E27FC236}">
-                <a16:creationId xmlns:a16="http://schemas.microsoft.com/office/drawing/2014/main" id="{47FC2DCC-BDE9-485D-AF79-4177B5479110}"/>
-              </a:ext>
-            </a:extLst>
-          </p:cNvPr>
-          <p:cNvSpPr txBox="1"/>
-          <p:nvPr/>
-        </p:nvSpPr>
-        <p:spPr>
-          <a:xfrm>
-            <a:off x="10543592" y="6475247"/>
-            <a:ext cx="1648408" cy="307777"/>
-          </a:xfrm>
-          <a:prstGeom prst="rect">
-            <a:avLst/>
-          </a:prstGeom>
-          <a:noFill/>
-        </p:spPr>
-        <p:txBody>
-          <a:bodyPr wrap="square" rtlCol="0">
-            <a:spAutoFit/>
-          </a:bodyPr>
-          <a:lstStyle/>
-          <a:p>
-            <a:pPr algn="r"/>
-            <a:r>
-              <a:rPr lang="es-CO" sz="1400" b="1" i="1" dirty="0" err="1">
-                <a:ln>
-                  <a:solidFill>
-                    <a:schemeClr val="bg1"/>
-                  </a:solidFill>
-                </a:ln>
-                <a:solidFill>
-                  <a:schemeClr val="bg1"/>
-                </a:solidFill>
-                <a:latin typeface="+mj-lt"/>
-              </a:rPr>
-              <a:t>OpenClassrooms</a:t>
-            </a:r>
-            <a:endParaRPr lang="en-US" sz="1400" b="1" i="1" dirty="0">
-              <a:ln>
-                <a:solidFill>
-                  <a:schemeClr val="bg1"/>
-                </a:solidFill>
-              </a:ln>
-              <a:solidFill>
-                <a:schemeClr val="bg1"/>
-              </a:solidFill>
-              <a:latin typeface="+mj-lt"/>
-            </a:endParaRPr>
-          </a:p>
-        </p:txBody>
-      </p:sp>
-      <p:sp>
-        <p:nvSpPr>
-          <p:cNvPr id="10" name="Titre 1">
-            <a:extLst>
-              <a:ext uri="{FF2B5EF4-FFF2-40B4-BE49-F238E27FC236}">
-                <a16:creationId xmlns:a16="http://schemas.microsoft.com/office/drawing/2014/main" id="{224E5C7D-3656-459F-9C01-61200508167F}"/>
-              </a:ext>
-            </a:extLst>
-          </p:cNvPr>
-          <p:cNvSpPr txBox="1">
-            <a:spLocks/>
-          </p:cNvSpPr>
-          <p:nvPr/>
-        </p:nvSpPr>
-        <p:spPr>
-          <a:xfrm>
-            <a:off x="279916" y="432794"/>
-            <a:ext cx="11112333" cy="820048"/>
-          </a:xfrm>
-          <a:prstGeom prst="rect">
-            <a:avLst/>
-          </a:prstGeom>
-        </p:spPr>
-        <p:txBody>
-          <a:bodyPr vert="horz" lIns="91440" tIns="45720" rIns="91440" bIns="45720" rtlCol="0" anchor="ctr">
-            <a:noAutofit/>
-          </a:bodyPr>
-          <a:lstStyle>
-            <a:lvl1pPr algn="l" defTabSz="914400" rtl="0" eaLnBrk="1" latinLnBrk="0" hangingPunct="1">
-              <a:lnSpc>
-                <a:spcPct val="90000"/>
-              </a:lnSpc>
-              <a:spcBef>
-                <a:spcPct val="0"/>
-              </a:spcBef>
-              <a:buNone/>
-              <a:defRPr sz="4400" kern="1200">
-                <a:solidFill>
-                  <a:schemeClr val="tx1"/>
-                </a:solidFill>
-                <a:latin typeface="+mj-lt"/>
-                <a:ea typeface="+mj-ea"/>
-                <a:cs typeface="+mj-cs"/>
-              </a:defRPr>
-            </a:lvl1pPr>
-          </a:lstStyle>
-          <a:p>
-            <a:r>
-              <a:rPr lang="fr-FR" sz="4000" b="1" dirty="0">
-                <a:ln>
-                  <a:solidFill>
-                    <a:srgbClr val="7451EB"/>
-                  </a:solidFill>
-                </a:ln>
-                <a:solidFill>
-                  <a:srgbClr val="7451EB"/>
-                </a:solidFill>
-                <a:latin typeface="Google Sans"/>
-              </a:rPr>
-              <a:t>Avez-vous des questions ?</a:t>
-            </a:r>
-            <a:endParaRPr lang="es-419" sz="4000" b="1" u="sng" dirty="0">
-              <a:ln>
-                <a:solidFill>
-                  <a:srgbClr val="7451EB"/>
-                </a:solidFill>
-              </a:ln>
-              <a:solidFill>
-                <a:srgbClr val="7451EB"/>
-              </a:solidFill>
-              <a:effectLst>
-                <a:outerShdw blurRad="38100" dist="38100" dir="2700000" algn="tl">
-                  <a:srgbClr val="000000">
-                    <a:alpha val="43137"/>
-                  </a:srgbClr>
-                </a:outerShdw>
-              </a:effectLst>
-            </a:endParaRPr>
-          </a:p>
-        </p:txBody>
-      </p:sp>
-      <p:sp>
-        <p:nvSpPr>
-          <p:cNvPr id="11" name="Rectángulo 4">
-            <a:extLst>
-              <a:ext uri="{FF2B5EF4-FFF2-40B4-BE49-F238E27FC236}">
-                <a16:creationId xmlns:a16="http://schemas.microsoft.com/office/drawing/2014/main" id="{B84F0FDC-2C73-4C87-9CC7-F9F129B3A699}"/>
-              </a:ext>
-            </a:extLst>
-          </p:cNvPr>
-          <p:cNvSpPr/>
-          <p:nvPr/>
-        </p:nvSpPr>
-        <p:spPr>
-          <a:xfrm>
-            <a:off x="377906" y="378794"/>
-            <a:ext cx="366721" cy="54000"/>
-          </a:xfrm>
-          <a:prstGeom prst="rect">
-            <a:avLst/>
-          </a:prstGeom>
-          <a:solidFill>
-            <a:srgbClr val="7451EB"/>
-          </a:solidFill>
-          <a:ln>
-            <a:solidFill>
-              <a:srgbClr val="7451EB"/>
-            </a:solidFill>
-          </a:ln>
-        </p:spPr>
-        <p:style>
-          <a:lnRef idx="2">
-            <a:schemeClr val="accent1">
-              <a:shade val="50000"/>
-            </a:schemeClr>
-          </a:lnRef>
-          <a:fillRef idx="1">
-            <a:schemeClr val="accent1"/>
-          </a:fillRef>
-          <a:effectRef idx="0">
-            <a:schemeClr val="accent1"/>
-          </a:effectRef>
-          <a:fontRef idx="minor">
-            <a:schemeClr val="lt1"/>
-          </a:fontRef>
-        </p:style>
-        <p:txBody>
-          <a:bodyPr rtlCol="0" anchor="ctr"/>
-          <a:lstStyle/>
-          <a:p>
-            <a:pPr algn="ctr"/>
-            <a:endParaRPr lang="es-AR">
-              <a:ln>
-                <a:solidFill>
-                  <a:srgbClr val="7451EB"/>
-                </a:solidFill>
-              </a:ln>
-              <a:solidFill>
-                <a:srgbClr val="7451EB"/>
-              </a:solidFill>
-            </a:endParaRPr>
-          </a:p>
-        </p:txBody>
-      </p:sp>
-      <p:sp>
-        <p:nvSpPr>
-          <p:cNvPr id="9" name="TextBox 3">
-            <a:extLst>
-              <a:ext uri="{FF2B5EF4-FFF2-40B4-BE49-F238E27FC236}">
-                <a16:creationId xmlns:a16="http://schemas.microsoft.com/office/drawing/2014/main" id="{89B5E374-03CF-4D3F-8E53-FFD522A8DD45}"/>
-              </a:ext>
-            </a:extLst>
-          </p:cNvPr>
-          <p:cNvSpPr txBox="1"/>
-          <p:nvPr/>
-        </p:nvSpPr>
-        <p:spPr>
-          <a:xfrm>
-            <a:off x="0" y="6475247"/>
-            <a:ext cx="8982635" cy="307777"/>
-          </a:xfrm>
-          <a:prstGeom prst="rect">
-            <a:avLst/>
-          </a:prstGeom>
-          <a:noFill/>
-        </p:spPr>
-        <p:txBody>
-          <a:bodyPr wrap="square" rtlCol="0">
-            <a:spAutoFit/>
-          </a:bodyPr>
-          <a:lstStyle/>
-          <a:p>
-            <a:r>
-              <a:rPr lang="es-CO" sz="1400" dirty="0">
-                <a:ln>
-                  <a:solidFill>
-                    <a:schemeClr val="bg1"/>
-                  </a:solidFill>
-                </a:ln>
-                <a:solidFill>
-                  <a:schemeClr val="bg1"/>
-                </a:solidFill>
-                <a:latin typeface="+mj-lt"/>
-              </a:rPr>
-              <a:t>Project 7 – </a:t>
-            </a:r>
-            <a:r>
-              <a:rPr lang="fr-FR" sz="1400" dirty="0">
-                <a:ln>
-                  <a:solidFill>
-                    <a:schemeClr val="bg1"/>
-                  </a:solidFill>
-                </a:ln>
-                <a:solidFill>
-                  <a:schemeClr val="bg1"/>
-                </a:solidFill>
-                <a:latin typeface="+mj-lt"/>
-              </a:rPr>
-              <a:t>implémentation d’un modèle de </a:t>
-            </a:r>
-            <a:r>
-              <a:rPr lang="fr-FR" sz="1400" dirty="0" err="1">
-                <a:ln>
-                  <a:solidFill>
-                    <a:schemeClr val="bg1"/>
-                  </a:solidFill>
-                </a:ln>
-                <a:solidFill>
-                  <a:schemeClr val="bg1"/>
-                </a:solidFill>
-                <a:latin typeface="+mj-lt"/>
-              </a:rPr>
-              <a:t>scoring</a:t>
-            </a:r>
-            <a:endParaRPr lang="en-US" sz="1400" dirty="0">
-              <a:ln>
-                <a:solidFill>
-                  <a:schemeClr val="bg1"/>
-                </a:solidFill>
-              </a:ln>
-              <a:solidFill>
-                <a:schemeClr val="bg1"/>
-              </a:solidFill>
-              <a:latin typeface="+mj-lt"/>
-            </a:endParaRPr>
-          </a:p>
-        </p:txBody>
-      </p:sp>
-    </p:spTree>
-    <p:extLst>
-      <p:ext uri="{BB962C8B-B14F-4D97-AF65-F5344CB8AC3E}">
-        <p14:creationId xmlns:p14="http://schemas.microsoft.com/office/powerpoint/2010/main" val="432935334"/>
-      </p:ext>
-    </p:extLst>
-  </p:cSld>
-  <p:clrMapOvr>
-    <a:masterClrMapping/>
-  </p:clrMapOvr>
-</p:sld>
-</file>
-
-<file path=ppt/slides/slide29.xml><?xml version="1.0" encoding="utf-8"?>
-<p:sld xmlns:a="http://schemas.openxmlformats.org/drawingml/2006/main" xmlns:r="http://schemas.openxmlformats.org/officeDocument/2006/relationships" xmlns:p="http://schemas.openxmlformats.org/presentationml/2006/main">
-  <p:cSld>
-    <p:spTree>
-      <p:nvGrpSpPr>
-        <p:cNvPr id="1" name=""/>
-        <p:cNvGrpSpPr/>
-        <p:nvPr/>
-      </p:nvGrpSpPr>
-      <p:grpSpPr>
-        <a:xfrm>
-          <a:off x="0" y="0"/>
-          <a:ext cx="0" cy="0"/>
-          <a:chOff x="0" y="0"/>
-          <a:chExt cx="0" cy="0"/>
-        </a:xfrm>
-      </p:grpSpPr>
-      <p:sp>
-        <p:nvSpPr>
-          <p:cNvPr id="10" name="Rectángulo 1">
-            <a:extLst>
-              <a:ext uri="{FF2B5EF4-FFF2-40B4-BE49-F238E27FC236}">
-                <a16:creationId xmlns:a16="http://schemas.microsoft.com/office/drawing/2014/main" id="{EC6BC2CE-B281-4F18-889E-16BEFF6CC2C6}"/>
-              </a:ext>
-            </a:extLst>
-          </p:cNvPr>
-          <p:cNvSpPr/>
-          <p:nvPr/>
-        </p:nvSpPr>
-        <p:spPr>
-          <a:xfrm>
-            <a:off x="-72007" y="0"/>
-            <a:ext cx="7296540" cy="6858000"/>
-          </a:xfrm>
-          <a:prstGeom prst="rect">
-            <a:avLst/>
-          </a:prstGeom>
-          <a:solidFill>
-            <a:srgbClr val="7451EB"/>
-          </a:solidFill>
-          <a:ln>
-            <a:solidFill>
-              <a:srgbClr val="7451EB"/>
-            </a:solidFill>
-          </a:ln>
-        </p:spPr>
-        <p:style>
-          <a:lnRef idx="2">
-            <a:schemeClr val="accent1">
-              <a:shade val="50000"/>
-            </a:schemeClr>
-          </a:lnRef>
-          <a:fillRef idx="1">
-            <a:schemeClr val="accent1"/>
-          </a:fillRef>
-          <a:effectRef idx="0">
-            <a:schemeClr val="accent1"/>
-          </a:effectRef>
-          <a:fontRef idx="minor">
-            <a:schemeClr val="lt1"/>
-          </a:fontRef>
-        </p:style>
-        <p:txBody>
-          <a:bodyPr rtlCol="0" anchor="ctr"/>
-          <a:lstStyle/>
-          <a:p>
-            <a:pPr algn="ctr"/>
-            <a:endParaRPr lang="es-AR"/>
-          </a:p>
-        </p:txBody>
-      </p:sp>
-      <p:sp>
-        <p:nvSpPr>
-          <p:cNvPr id="36" name="Rectángulo 4">
-            <a:extLst>
-              <a:ext uri="{FF2B5EF4-FFF2-40B4-BE49-F238E27FC236}">
-                <a16:creationId xmlns:a16="http://schemas.microsoft.com/office/drawing/2014/main" id="{3D7BED2F-80EC-4813-AFFE-DF338008BEBB}"/>
-              </a:ext>
-            </a:extLst>
-          </p:cNvPr>
-          <p:cNvSpPr/>
-          <p:nvPr/>
-        </p:nvSpPr>
-        <p:spPr>
-          <a:xfrm>
-            <a:off x="377906" y="1683233"/>
-            <a:ext cx="366721" cy="54000"/>
-          </a:xfrm>
-          <a:prstGeom prst="rect">
-            <a:avLst/>
-          </a:prstGeom>
-          <a:solidFill>
-            <a:schemeClr val="bg1"/>
-          </a:solidFill>
-          <a:ln>
-            <a:solidFill>
-              <a:schemeClr val="bg1"/>
-            </a:solidFill>
-          </a:ln>
-        </p:spPr>
-        <p:style>
-          <a:lnRef idx="2">
-            <a:schemeClr val="accent1">
-              <a:shade val="50000"/>
-            </a:schemeClr>
-          </a:lnRef>
-          <a:fillRef idx="1">
-            <a:schemeClr val="accent1"/>
-          </a:fillRef>
-          <a:effectRef idx="0">
-            <a:schemeClr val="accent1"/>
-          </a:effectRef>
-          <a:fontRef idx="minor">
-            <a:schemeClr val="lt1"/>
-          </a:fontRef>
-        </p:style>
-        <p:txBody>
-          <a:bodyPr rtlCol="0" anchor="ctr"/>
-          <a:lstStyle/>
-          <a:p>
-            <a:pPr algn="ctr"/>
-            <a:endParaRPr lang="es-AR"/>
-          </a:p>
-        </p:txBody>
-      </p:sp>
-      <p:sp>
-        <p:nvSpPr>
-          <p:cNvPr id="30" name="ZoneTexte 29">
-            <a:extLst>
-              <a:ext uri="{FF2B5EF4-FFF2-40B4-BE49-F238E27FC236}">
-                <a16:creationId xmlns:a16="http://schemas.microsoft.com/office/drawing/2014/main" id="{1C59DD88-0231-4DD6-B63A-00DE1EDF79C4}"/>
-              </a:ext>
-            </a:extLst>
-          </p:cNvPr>
-          <p:cNvSpPr txBox="1"/>
-          <p:nvPr/>
-        </p:nvSpPr>
-        <p:spPr>
-          <a:xfrm>
-            <a:off x="279917" y="1737233"/>
-            <a:ext cx="6592692" cy="3939540"/>
-          </a:xfrm>
-          <a:prstGeom prst="rect">
-            <a:avLst/>
-          </a:prstGeom>
-          <a:noFill/>
-        </p:spPr>
-        <p:txBody>
-          <a:bodyPr wrap="square">
-            <a:spAutoFit/>
-          </a:bodyPr>
-          <a:lstStyle/>
-          <a:p>
-            <a:r>
-              <a:rPr lang="fr-FR" sz="4800" b="1" i="1" dirty="0">
-                <a:ln>
-                  <a:solidFill>
-                    <a:schemeClr val="bg1"/>
-                  </a:solidFill>
-                </a:ln>
-                <a:solidFill>
-                  <a:schemeClr val="bg1"/>
-                </a:solidFill>
-                <a:latin typeface="Google Sans"/>
-              </a:rPr>
-              <a:t>MERCI</a:t>
-            </a:r>
-          </a:p>
-          <a:p>
-            <a:endParaRPr lang="fr-FR" sz="3200" b="1" dirty="0">
-              <a:ln>
-                <a:solidFill>
-                  <a:schemeClr val="bg1"/>
-                </a:solidFill>
-              </a:ln>
-              <a:solidFill>
-                <a:schemeClr val="bg1"/>
-              </a:solidFill>
-              <a:latin typeface="Google Sans"/>
-            </a:endParaRPr>
-          </a:p>
-          <a:p>
-            <a:endParaRPr lang="fr-FR" sz="3200" b="1" dirty="0">
-              <a:ln>
-                <a:solidFill>
-                  <a:schemeClr val="bg1"/>
-                </a:solidFill>
-              </a:ln>
-              <a:solidFill>
-                <a:schemeClr val="bg1"/>
-              </a:solidFill>
-              <a:latin typeface="Google Sans"/>
-            </a:endParaRPr>
-          </a:p>
-          <a:p>
-            <a:r>
-              <a:rPr lang="fr-FR" sz="2000" dirty="0">
-                <a:ln>
-                  <a:solidFill>
-                    <a:schemeClr val="bg1"/>
-                  </a:solidFill>
-                </a:ln>
-                <a:solidFill>
-                  <a:schemeClr val="bg1"/>
-                </a:solidFill>
-                <a:latin typeface="Google Sans"/>
-              </a:rPr>
-              <a:t>Soutenance de Projet</a:t>
-            </a:r>
-          </a:p>
-          <a:p>
-            <a:r>
-              <a:rPr lang="fr-FR" sz="3200" dirty="0">
-                <a:ln>
-                  <a:solidFill>
-                    <a:schemeClr val="bg1"/>
-                  </a:solidFill>
-                </a:ln>
-                <a:solidFill>
-                  <a:schemeClr val="bg1"/>
-                </a:solidFill>
-                <a:latin typeface="Google Sans"/>
-              </a:rPr>
-              <a:t>Samir HINOJOSA</a:t>
-            </a:r>
-          </a:p>
-          <a:p>
-            <a:endParaRPr lang="fr-FR" sz="3600" dirty="0">
-              <a:ln>
-                <a:solidFill>
-                  <a:schemeClr val="bg1"/>
-                </a:solidFill>
-              </a:ln>
-              <a:solidFill>
-                <a:schemeClr val="bg1"/>
-              </a:solidFill>
-              <a:latin typeface="Google Sans"/>
-            </a:endParaRPr>
-          </a:p>
-          <a:p>
-            <a:endParaRPr lang="fr-FR" sz="3600" dirty="0">
-              <a:ln>
-                <a:solidFill>
-                  <a:schemeClr val="bg1"/>
-                </a:solidFill>
-              </a:ln>
-              <a:solidFill>
-                <a:schemeClr val="bg1"/>
-              </a:solidFill>
-              <a:latin typeface="Google Sans"/>
-            </a:endParaRPr>
-          </a:p>
-          <a:p>
-            <a:r>
-              <a:rPr lang="es-ES" sz="1400" dirty="0">
-                <a:ln>
-                  <a:solidFill>
-                    <a:schemeClr val="bg1"/>
-                  </a:solidFill>
-                </a:ln>
-                <a:solidFill>
-                  <a:schemeClr val="bg1"/>
-                </a:solidFill>
-                <a:latin typeface="Google Sans"/>
-              </a:rPr>
-              <a:t>10 </a:t>
-            </a:r>
-            <a:r>
-              <a:rPr lang="fr-FR" sz="1400" dirty="0">
-                <a:ln>
-                  <a:solidFill>
-                    <a:schemeClr val="bg1"/>
-                  </a:solidFill>
-                </a:ln>
-                <a:solidFill>
-                  <a:schemeClr val="bg1"/>
-                </a:solidFill>
-                <a:latin typeface="Google Sans"/>
-              </a:rPr>
-              <a:t>février</a:t>
-            </a:r>
-            <a:r>
-              <a:rPr lang="es-ES" sz="1400" dirty="0">
-                <a:ln>
-                  <a:solidFill>
-                    <a:schemeClr val="bg1"/>
-                  </a:solidFill>
-                </a:ln>
-                <a:solidFill>
-                  <a:schemeClr val="bg1"/>
-                </a:solidFill>
-                <a:latin typeface="Google Sans"/>
-              </a:rPr>
-              <a:t> </a:t>
-            </a:r>
-            <a:r>
-              <a:rPr lang="fr-FR" sz="1400" dirty="0">
-                <a:ln>
-                  <a:solidFill>
-                    <a:schemeClr val="bg1"/>
-                  </a:solidFill>
-                </a:ln>
-                <a:solidFill>
-                  <a:schemeClr val="bg1"/>
-                </a:solidFill>
-                <a:latin typeface="Google Sans"/>
-              </a:rPr>
-              <a:t>2022</a:t>
-            </a:r>
-          </a:p>
-        </p:txBody>
-      </p:sp>
-      <p:pic>
-        <p:nvPicPr>
-          <p:cNvPr id="8" name="Picture 2" descr="OpenClassrooms — Wikipédia">
-            <a:extLst>
-              <a:ext uri="{FF2B5EF4-FFF2-40B4-BE49-F238E27FC236}">
-                <a16:creationId xmlns:a16="http://schemas.microsoft.com/office/drawing/2014/main" id="{18FA7543-C255-47CA-9E0D-0DB0A858BA5A}"/>
-              </a:ext>
-            </a:extLst>
-          </p:cNvPr>
-          <p:cNvPicPr>
-            <a:picLocks noChangeAspect="1" noChangeArrowheads="1"/>
-          </p:cNvPicPr>
-          <p:nvPr/>
-        </p:nvPicPr>
-        <p:blipFill>
-          <a:blip r:embed="rId2">
-            <a:extLst>
-              <a:ext uri="{28A0092B-C50C-407E-A947-70E740481C1C}">
-                <a14:useLocalDpi xmlns:a14="http://schemas.microsoft.com/office/drawing/2010/main" val="0"/>
-              </a:ext>
-            </a:extLst>
-          </a:blip>
-          <a:srcRect/>
-          <a:stretch>
-            <a:fillRect/>
-          </a:stretch>
-        </p:blipFill>
-        <p:spPr bwMode="auto">
-          <a:xfrm>
-            <a:off x="7492481" y="5029141"/>
-            <a:ext cx="876456" cy="876456"/>
-          </a:xfrm>
-          <a:prstGeom prst="rect">
-            <a:avLst/>
-          </a:prstGeom>
-          <a:ln>
-            <a:noFill/>
-          </a:ln>
-          <a:effectLst>
-            <a:outerShdw blurRad="292100" dist="139700" dir="2700000" algn="tl" rotWithShape="0">
-              <a:srgbClr val="333333">
-                <a:alpha val="65000"/>
-              </a:srgbClr>
-            </a:outerShdw>
-          </a:effectLst>
-          <a:extLst>
-            <a:ext uri="{909E8E84-426E-40DD-AFC4-6F175D3DCCD1}">
-              <a14:hiddenFill xmlns:a14="http://schemas.microsoft.com/office/drawing/2010/main">
-                <a:solidFill>
-                  <a:srgbClr val="FFFFFF"/>
-                </a:solidFill>
-              </a14:hiddenFill>
-            </a:ext>
-          </a:extLst>
-        </p:spPr>
-      </p:pic>
-      <p:pic>
-        <p:nvPicPr>
-          <p:cNvPr id="9" name="Picture 2" descr="Des parcours diplômants et des cours gratuits 100% en ligne - OpenClassrooms">
-            <a:extLst>
-              <a:ext uri="{FF2B5EF4-FFF2-40B4-BE49-F238E27FC236}">
-                <a16:creationId xmlns:a16="http://schemas.microsoft.com/office/drawing/2014/main" id="{D8D22BE0-298E-44EE-A4A3-A03C472D083B}"/>
-              </a:ext>
-            </a:extLst>
-          </p:cNvPr>
-          <p:cNvPicPr>
-            <a:picLocks noChangeAspect="1" noChangeArrowheads="1"/>
-          </p:cNvPicPr>
-          <p:nvPr/>
-        </p:nvPicPr>
-        <p:blipFill>
-          <a:blip r:embed="rId3">
-            <a:extLst>
-              <a:ext uri="{28A0092B-C50C-407E-A947-70E740481C1C}">
-                <a14:useLocalDpi xmlns:a14="http://schemas.microsoft.com/office/drawing/2010/main" val="0"/>
-              </a:ext>
-            </a:extLst>
-          </a:blip>
-          <a:srcRect/>
-          <a:stretch>
-            <a:fillRect/>
-          </a:stretch>
-        </p:blipFill>
-        <p:spPr bwMode="auto">
-          <a:xfrm>
-            <a:off x="7492481" y="6062502"/>
-            <a:ext cx="3899769" cy="467038"/>
-          </a:xfrm>
-          <a:prstGeom prst="rect">
-            <a:avLst/>
-          </a:prstGeom>
-          <a:ln>
-            <a:noFill/>
-          </a:ln>
-          <a:effectLst>
-            <a:outerShdw blurRad="292100" dist="139700" dir="2700000" algn="tl" rotWithShape="0">
-              <a:srgbClr val="333333">
-                <a:alpha val="65000"/>
-              </a:srgbClr>
-            </a:outerShdw>
-          </a:effectLst>
-          <a:extLst>
-            <a:ext uri="{909E8E84-426E-40DD-AFC4-6F175D3DCCD1}">
-              <a14:hiddenFill xmlns:a14="http://schemas.microsoft.com/office/drawing/2010/main">
-                <a:solidFill>
-                  <a:srgbClr val="FFFFFF"/>
-                </a:solidFill>
-              </a14:hiddenFill>
-            </a:ext>
-          </a:extLst>
-        </p:spPr>
-      </p:pic>
-    </p:spTree>
-    <p:extLst>
-      <p:ext uri="{BB962C8B-B14F-4D97-AF65-F5344CB8AC3E}">
-        <p14:creationId xmlns:p14="http://schemas.microsoft.com/office/powerpoint/2010/main" val="910031312"/>
       </p:ext>
     </p:extLst>
   </p:cSld>
@@ -30683,6 +33202,848 @@
 </file>
 
 <file path=ppt/slides/slide30.xml><?xml version="1.0" encoding="utf-8"?>
+<p:sld xmlns:a="http://schemas.openxmlformats.org/drawingml/2006/main" xmlns:r="http://schemas.openxmlformats.org/officeDocument/2006/relationships" xmlns:p="http://schemas.openxmlformats.org/presentationml/2006/main">
+  <p:cSld>
+    <p:spTree>
+      <p:nvGrpSpPr>
+        <p:cNvPr id="1" name=""/>
+        <p:cNvGrpSpPr/>
+        <p:nvPr/>
+      </p:nvGrpSpPr>
+      <p:grpSpPr>
+        <a:xfrm>
+          <a:off x="0" y="0"/>
+          <a:ext cx="0" cy="0"/>
+          <a:chOff x="0" y="0"/>
+          <a:chExt cx="0" cy="0"/>
+        </a:xfrm>
+      </p:grpSpPr>
+      <p:pic>
+        <p:nvPicPr>
+          <p:cNvPr id="3" name="Image 2">
+            <a:extLst>
+              <a:ext uri="{FF2B5EF4-FFF2-40B4-BE49-F238E27FC236}">
+                <a16:creationId xmlns:a16="http://schemas.microsoft.com/office/drawing/2014/main" id="{C88CAABC-021A-43A2-892C-883492DFF4BF}"/>
+              </a:ext>
+            </a:extLst>
+          </p:cNvPr>
+          <p:cNvPicPr>
+            <a:picLocks noChangeAspect="1"/>
+          </p:cNvPicPr>
+          <p:nvPr/>
+        </p:nvPicPr>
+        <p:blipFill>
+          <a:blip r:embed="rId3">
+            <a:extLst>
+              <a:ext uri="{28A0092B-C50C-407E-A947-70E740481C1C}">
+                <a14:useLocalDpi xmlns:a14="http://schemas.microsoft.com/office/drawing/2010/main" val="0"/>
+              </a:ext>
+            </a:extLst>
+          </a:blip>
+          <a:stretch>
+            <a:fillRect/>
+          </a:stretch>
+        </p:blipFill>
+        <p:spPr>
+          <a:xfrm>
+            <a:off x="2884984" y="1211743"/>
+            <a:ext cx="6422032" cy="4434515"/>
+          </a:xfrm>
+          <a:prstGeom prst="rect">
+            <a:avLst/>
+          </a:prstGeom>
+        </p:spPr>
+      </p:pic>
+      <p:sp>
+        <p:nvSpPr>
+          <p:cNvPr id="5" name="Rectangle 4">
+            <a:extLst>
+              <a:ext uri="{FF2B5EF4-FFF2-40B4-BE49-F238E27FC236}">
+                <a16:creationId xmlns:a16="http://schemas.microsoft.com/office/drawing/2014/main" id="{A00233D2-38CE-441F-90C9-32F91999758A}"/>
+              </a:ext>
+            </a:extLst>
+          </p:cNvPr>
+          <p:cNvSpPr/>
+          <p:nvPr/>
+        </p:nvSpPr>
+        <p:spPr>
+          <a:xfrm>
+            <a:off x="0" y="6400273"/>
+            <a:ext cx="12192000" cy="457727"/>
+          </a:xfrm>
+          <a:prstGeom prst="rect">
+            <a:avLst/>
+          </a:prstGeom>
+          <a:solidFill>
+            <a:srgbClr val="7451EB"/>
+          </a:solidFill>
+          <a:ln>
+            <a:solidFill>
+              <a:srgbClr val="7451EB"/>
+            </a:solidFill>
+          </a:ln>
+        </p:spPr>
+        <p:style>
+          <a:lnRef idx="2">
+            <a:schemeClr val="accent1">
+              <a:shade val="50000"/>
+            </a:schemeClr>
+          </a:lnRef>
+          <a:fillRef idx="1">
+            <a:schemeClr val="accent1"/>
+          </a:fillRef>
+          <a:effectRef idx="0">
+            <a:schemeClr val="accent1"/>
+          </a:effectRef>
+          <a:fontRef idx="minor">
+            <a:schemeClr val="lt1"/>
+          </a:fontRef>
+        </p:style>
+        <p:txBody>
+          <a:bodyPr rtlCol="0" anchor="ctr"/>
+          <a:lstStyle/>
+          <a:p>
+            <a:pPr algn="ctr"/>
+            <a:endParaRPr lang="en-US" dirty="0"/>
+          </a:p>
+        </p:txBody>
+      </p:sp>
+      <p:sp>
+        <p:nvSpPr>
+          <p:cNvPr id="15" name="TextBox 3">
+            <a:extLst>
+              <a:ext uri="{FF2B5EF4-FFF2-40B4-BE49-F238E27FC236}">
+                <a16:creationId xmlns:a16="http://schemas.microsoft.com/office/drawing/2014/main" id="{47FC2DCC-BDE9-485D-AF79-4177B5479110}"/>
+              </a:ext>
+            </a:extLst>
+          </p:cNvPr>
+          <p:cNvSpPr txBox="1"/>
+          <p:nvPr/>
+        </p:nvSpPr>
+        <p:spPr>
+          <a:xfrm>
+            <a:off x="10543592" y="6475247"/>
+            <a:ext cx="1648408" cy="307777"/>
+          </a:xfrm>
+          <a:prstGeom prst="rect">
+            <a:avLst/>
+          </a:prstGeom>
+          <a:noFill/>
+        </p:spPr>
+        <p:txBody>
+          <a:bodyPr wrap="square" rtlCol="0">
+            <a:spAutoFit/>
+          </a:bodyPr>
+          <a:lstStyle/>
+          <a:p>
+            <a:pPr algn="r"/>
+            <a:r>
+              <a:rPr lang="es-CO" sz="1400" b="1" i="1" dirty="0" err="1">
+                <a:ln>
+                  <a:solidFill>
+                    <a:schemeClr val="bg1"/>
+                  </a:solidFill>
+                </a:ln>
+                <a:solidFill>
+                  <a:schemeClr val="bg1"/>
+                </a:solidFill>
+                <a:latin typeface="+mj-lt"/>
+              </a:rPr>
+              <a:t>OpenClassrooms</a:t>
+            </a:r>
+            <a:endParaRPr lang="en-US" sz="1400" b="1" i="1" dirty="0">
+              <a:ln>
+                <a:solidFill>
+                  <a:schemeClr val="bg1"/>
+                </a:solidFill>
+              </a:ln>
+              <a:solidFill>
+                <a:schemeClr val="bg1"/>
+              </a:solidFill>
+              <a:latin typeface="+mj-lt"/>
+            </a:endParaRPr>
+          </a:p>
+        </p:txBody>
+      </p:sp>
+      <p:sp>
+        <p:nvSpPr>
+          <p:cNvPr id="10" name="Titre 1">
+            <a:extLst>
+              <a:ext uri="{FF2B5EF4-FFF2-40B4-BE49-F238E27FC236}">
+                <a16:creationId xmlns:a16="http://schemas.microsoft.com/office/drawing/2014/main" id="{224E5C7D-3656-459F-9C01-61200508167F}"/>
+              </a:ext>
+            </a:extLst>
+          </p:cNvPr>
+          <p:cNvSpPr txBox="1">
+            <a:spLocks/>
+          </p:cNvSpPr>
+          <p:nvPr/>
+        </p:nvSpPr>
+        <p:spPr>
+          <a:xfrm>
+            <a:off x="279916" y="432794"/>
+            <a:ext cx="11112333" cy="820048"/>
+          </a:xfrm>
+          <a:prstGeom prst="rect">
+            <a:avLst/>
+          </a:prstGeom>
+        </p:spPr>
+        <p:txBody>
+          <a:bodyPr vert="horz" lIns="91440" tIns="45720" rIns="91440" bIns="45720" rtlCol="0" anchor="ctr">
+            <a:noAutofit/>
+          </a:bodyPr>
+          <a:lstStyle>
+            <a:lvl1pPr algn="l" defTabSz="914400" rtl="0" eaLnBrk="1" latinLnBrk="0" hangingPunct="1">
+              <a:lnSpc>
+                <a:spcPct val="90000"/>
+              </a:lnSpc>
+              <a:spcBef>
+                <a:spcPct val="0"/>
+              </a:spcBef>
+              <a:buNone/>
+              <a:defRPr sz="4400" kern="1200">
+                <a:solidFill>
+                  <a:schemeClr val="tx1"/>
+                </a:solidFill>
+                <a:latin typeface="+mj-lt"/>
+                <a:ea typeface="+mj-ea"/>
+                <a:cs typeface="+mj-cs"/>
+              </a:defRPr>
+            </a:lvl1pPr>
+          </a:lstStyle>
+          <a:p>
+            <a:r>
+              <a:rPr lang="fr-FR" sz="4000" b="1" dirty="0">
+                <a:ln>
+                  <a:solidFill>
+                    <a:srgbClr val="7451EB"/>
+                  </a:solidFill>
+                </a:ln>
+                <a:solidFill>
+                  <a:srgbClr val="7451EB"/>
+                </a:solidFill>
+                <a:latin typeface="Google Sans"/>
+              </a:rPr>
+              <a:t>Avez-vous des questions ?</a:t>
+            </a:r>
+            <a:endParaRPr lang="es-419" sz="4000" b="1" u="sng" dirty="0">
+              <a:ln>
+                <a:solidFill>
+                  <a:srgbClr val="7451EB"/>
+                </a:solidFill>
+              </a:ln>
+              <a:solidFill>
+                <a:srgbClr val="7451EB"/>
+              </a:solidFill>
+              <a:effectLst>
+                <a:outerShdw blurRad="38100" dist="38100" dir="2700000" algn="tl">
+                  <a:srgbClr val="000000">
+                    <a:alpha val="43137"/>
+                  </a:srgbClr>
+                </a:outerShdw>
+              </a:effectLst>
+            </a:endParaRPr>
+          </a:p>
+        </p:txBody>
+      </p:sp>
+      <p:sp>
+        <p:nvSpPr>
+          <p:cNvPr id="11" name="Rectángulo 4">
+            <a:extLst>
+              <a:ext uri="{FF2B5EF4-FFF2-40B4-BE49-F238E27FC236}">
+                <a16:creationId xmlns:a16="http://schemas.microsoft.com/office/drawing/2014/main" id="{B84F0FDC-2C73-4C87-9CC7-F9F129B3A699}"/>
+              </a:ext>
+            </a:extLst>
+          </p:cNvPr>
+          <p:cNvSpPr/>
+          <p:nvPr/>
+        </p:nvSpPr>
+        <p:spPr>
+          <a:xfrm>
+            <a:off x="377906" y="378794"/>
+            <a:ext cx="366721" cy="54000"/>
+          </a:xfrm>
+          <a:prstGeom prst="rect">
+            <a:avLst/>
+          </a:prstGeom>
+          <a:solidFill>
+            <a:srgbClr val="7451EB"/>
+          </a:solidFill>
+          <a:ln>
+            <a:solidFill>
+              <a:srgbClr val="7451EB"/>
+            </a:solidFill>
+          </a:ln>
+        </p:spPr>
+        <p:style>
+          <a:lnRef idx="2">
+            <a:schemeClr val="accent1">
+              <a:shade val="50000"/>
+            </a:schemeClr>
+          </a:lnRef>
+          <a:fillRef idx="1">
+            <a:schemeClr val="accent1"/>
+          </a:fillRef>
+          <a:effectRef idx="0">
+            <a:schemeClr val="accent1"/>
+          </a:effectRef>
+          <a:fontRef idx="minor">
+            <a:schemeClr val="lt1"/>
+          </a:fontRef>
+        </p:style>
+        <p:txBody>
+          <a:bodyPr rtlCol="0" anchor="ctr"/>
+          <a:lstStyle/>
+          <a:p>
+            <a:pPr algn="ctr"/>
+            <a:endParaRPr lang="es-AR">
+              <a:ln>
+                <a:solidFill>
+                  <a:srgbClr val="7451EB"/>
+                </a:solidFill>
+              </a:ln>
+              <a:solidFill>
+                <a:srgbClr val="7451EB"/>
+              </a:solidFill>
+            </a:endParaRPr>
+          </a:p>
+        </p:txBody>
+      </p:sp>
+      <p:sp>
+        <p:nvSpPr>
+          <p:cNvPr id="9" name="TextBox 3">
+            <a:extLst>
+              <a:ext uri="{FF2B5EF4-FFF2-40B4-BE49-F238E27FC236}">
+                <a16:creationId xmlns:a16="http://schemas.microsoft.com/office/drawing/2014/main" id="{89B5E374-03CF-4D3F-8E53-FFD522A8DD45}"/>
+              </a:ext>
+            </a:extLst>
+          </p:cNvPr>
+          <p:cNvSpPr txBox="1"/>
+          <p:nvPr/>
+        </p:nvSpPr>
+        <p:spPr>
+          <a:xfrm>
+            <a:off x="0" y="6475247"/>
+            <a:ext cx="8982635" cy="307777"/>
+          </a:xfrm>
+          <a:prstGeom prst="rect">
+            <a:avLst/>
+          </a:prstGeom>
+          <a:noFill/>
+        </p:spPr>
+        <p:txBody>
+          <a:bodyPr wrap="square" rtlCol="0">
+            <a:spAutoFit/>
+          </a:bodyPr>
+          <a:lstStyle/>
+          <a:p>
+            <a:r>
+              <a:rPr lang="es-CO" sz="1400" dirty="0">
+                <a:ln>
+                  <a:solidFill>
+                    <a:schemeClr val="bg1"/>
+                  </a:solidFill>
+                </a:ln>
+                <a:solidFill>
+                  <a:schemeClr val="bg1"/>
+                </a:solidFill>
+                <a:latin typeface="+mj-lt"/>
+              </a:rPr>
+              <a:t>Project 7 – </a:t>
+            </a:r>
+            <a:r>
+              <a:rPr lang="fr-FR" sz="1400" dirty="0">
+                <a:ln>
+                  <a:solidFill>
+                    <a:schemeClr val="bg1"/>
+                  </a:solidFill>
+                </a:ln>
+                <a:solidFill>
+                  <a:schemeClr val="bg1"/>
+                </a:solidFill>
+                <a:latin typeface="+mj-lt"/>
+              </a:rPr>
+              <a:t>implémentation d’un modèle de </a:t>
+            </a:r>
+            <a:r>
+              <a:rPr lang="fr-FR" sz="1400" dirty="0" err="1">
+                <a:ln>
+                  <a:solidFill>
+                    <a:schemeClr val="bg1"/>
+                  </a:solidFill>
+                </a:ln>
+                <a:solidFill>
+                  <a:schemeClr val="bg1"/>
+                </a:solidFill>
+                <a:latin typeface="+mj-lt"/>
+              </a:rPr>
+              <a:t>scoring</a:t>
+            </a:r>
+            <a:endParaRPr lang="en-US" sz="1400" dirty="0">
+              <a:ln>
+                <a:solidFill>
+                  <a:schemeClr val="bg1"/>
+                </a:solidFill>
+              </a:ln>
+              <a:solidFill>
+                <a:schemeClr val="bg1"/>
+              </a:solidFill>
+              <a:latin typeface="+mj-lt"/>
+            </a:endParaRPr>
+          </a:p>
+        </p:txBody>
+      </p:sp>
+    </p:spTree>
+    <p:extLst>
+      <p:ext uri="{BB962C8B-B14F-4D97-AF65-F5344CB8AC3E}">
+        <p14:creationId xmlns:p14="http://schemas.microsoft.com/office/powerpoint/2010/main" val="432935334"/>
+      </p:ext>
+    </p:extLst>
+  </p:cSld>
+  <p:clrMapOvr>
+    <a:masterClrMapping/>
+  </p:clrMapOvr>
+</p:sld>
+</file>
+
+<file path=ppt/slides/slide31.xml><?xml version="1.0" encoding="utf-8"?>
+<p:sld xmlns:a="http://schemas.openxmlformats.org/drawingml/2006/main" xmlns:r="http://schemas.openxmlformats.org/officeDocument/2006/relationships" xmlns:p="http://schemas.openxmlformats.org/presentationml/2006/main">
+  <p:cSld>
+    <p:spTree>
+      <p:nvGrpSpPr>
+        <p:cNvPr id="1" name=""/>
+        <p:cNvGrpSpPr/>
+        <p:nvPr/>
+      </p:nvGrpSpPr>
+      <p:grpSpPr>
+        <a:xfrm>
+          <a:off x="0" y="0"/>
+          <a:ext cx="0" cy="0"/>
+          <a:chOff x="0" y="0"/>
+          <a:chExt cx="0" cy="0"/>
+        </a:xfrm>
+      </p:grpSpPr>
+      <p:sp>
+        <p:nvSpPr>
+          <p:cNvPr id="10" name="Rectángulo 1">
+            <a:extLst>
+              <a:ext uri="{FF2B5EF4-FFF2-40B4-BE49-F238E27FC236}">
+                <a16:creationId xmlns:a16="http://schemas.microsoft.com/office/drawing/2014/main" id="{EC6BC2CE-B281-4F18-889E-16BEFF6CC2C6}"/>
+              </a:ext>
+            </a:extLst>
+          </p:cNvPr>
+          <p:cNvSpPr/>
+          <p:nvPr/>
+        </p:nvSpPr>
+        <p:spPr>
+          <a:xfrm>
+            <a:off x="-72007" y="0"/>
+            <a:ext cx="7296540" cy="6858000"/>
+          </a:xfrm>
+          <a:prstGeom prst="rect">
+            <a:avLst/>
+          </a:prstGeom>
+          <a:solidFill>
+            <a:srgbClr val="7451EB"/>
+          </a:solidFill>
+          <a:ln>
+            <a:solidFill>
+              <a:srgbClr val="7451EB"/>
+            </a:solidFill>
+          </a:ln>
+        </p:spPr>
+        <p:style>
+          <a:lnRef idx="2">
+            <a:schemeClr val="accent1">
+              <a:shade val="50000"/>
+            </a:schemeClr>
+          </a:lnRef>
+          <a:fillRef idx="1">
+            <a:schemeClr val="accent1"/>
+          </a:fillRef>
+          <a:effectRef idx="0">
+            <a:schemeClr val="accent1"/>
+          </a:effectRef>
+          <a:fontRef idx="minor">
+            <a:schemeClr val="lt1"/>
+          </a:fontRef>
+        </p:style>
+        <p:txBody>
+          <a:bodyPr rtlCol="0" anchor="ctr"/>
+          <a:lstStyle/>
+          <a:p>
+            <a:pPr algn="ctr"/>
+            <a:endParaRPr lang="es-AR"/>
+          </a:p>
+        </p:txBody>
+      </p:sp>
+      <p:sp>
+        <p:nvSpPr>
+          <p:cNvPr id="36" name="Rectángulo 4">
+            <a:extLst>
+              <a:ext uri="{FF2B5EF4-FFF2-40B4-BE49-F238E27FC236}">
+                <a16:creationId xmlns:a16="http://schemas.microsoft.com/office/drawing/2014/main" id="{3D7BED2F-80EC-4813-AFFE-DF338008BEBB}"/>
+              </a:ext>
+            </a:extLst>
+          </p:cNvPr>
+          <p:cNvSpPr/>
+          <p:nvPr/>
+        </p:nvSpPr>
+        <p:spPr>
+          <a:xfrm>
+            <a:off x="377906" y="1683233"/>
+            <a:ext cx="366721" cy="54000"/>
+          </a:xfrm>
+          <a:prstGeom prst="rect">
+            <a:avLst/>
+          </a:prstGeom>
+          <a:solidFill>
+            <a:schemeClr val="bg1"/>
+          </a:solidFill>
+          <a:ln>
+            <a:solidFill>
+              <a:schemeClr val="bg1"/>
+            </a:solidFill>
+          </a:ln>
+        </p:spPr>
+        <p:style>
+          <a:lnRef idx="2">
+            <a:schemeClr val="accent1">
+              <a:shade val="50000"/>
+            </a:schemeClr>
+          </a:lnRef>
+          <a:fillRef idx="1">
+            <a:schemeClr val="accent1"/>
+          </a:fillRef>
+          <a:effectRef idx="0">
+            <a:schemeClr val="accent1"/>
+          </a:effectRef>
+          <a:fontRef idx="minor">
+            <a:schemeClr val="lt1"/>
+          </a:fontRef>
+        </p:style>
+        <p:txBody>
+          <a:bodyPr rtlCol="0" anchor="ctr"/>
+          <a:lstStyle/>
+          <a:p>
+            <a:pPr algn="ctr"/>
+            <a:endParaRPr lang="es-AR"/>
+          </a:p>
+        </p:txBody>
+      </p:sp>
+      <p:sp>
+        <p:nvSpPr>
+          <p:cNvPr id="30" name="ZoneTexte 29">
+            <a:extLst>
+              <a:ext uri="{FF2B5EF4-FFF2-40B4-BE49-F238E27FC236}">
+                <a16:creationId xmlns:a16="http://schemas.microsoft.com/office/drawing/2014/main" id="{1C59DD88-0231-4DD6-B63A-00DE1EDF79C4}"/>
+              </a:ext>
+            </a:extLst>
+          </p:cNvPr>
+          <p:cNvSpPr txBox="1"/>
+          <p:nvPr/>
+        </p:nvSpPr>
+        <p:spPr>
+          <a:xfrm>
+            <a:off x="279917" y="1737233"/>
+            <a:ext cx="6592692" cy="3939540"/>
+          </a:xfrm>
+          <a:prstGeom prst="rect">
+            <a:avLst/>
+          </a:prstGeom>
+          <a:noFill/>
+        </p:spPr>
+        <p:txBody>
+          <a:bodyPr wrap="square">
+            <a:spAutoFit/>
+          </a:bodyPr>
+          <a:lstStyle/>
+          <a:p>
+            <a:r>
+              <a:rPr lang="fr-FR" sz="4800" b="1" i="1" dirty="0">
+                <a:ln>
+                  <a:solidFill>
+                    <a:schemeClr val="bg1"/>
+                  </a:solidFill>
+                </a:ln>
+                <a:solidFill>
+                  <a:schemeClr val="bg1"/>
+                </a:solidFill>
+                <a:latin typeface="Google Sans"/>
+              </a:rPr>
+              <a:t>MERCI</a:t>
+            </a:r>
+          </a:p>
+          <a:p>
+            <a:endParaRPr lang="fr-FR" sz="3200" b="1" dirty="0">
+              <a:ln>
+                <a:solidFill>
+                  <a:schemeClr val="bg1"/>
+                </a:solidFill>
+              </a:ln>
+              <a:solidFill>
+                <a:schemeClr val="bg1"/>
+              </a:solidFill>
+              <a:latin typeface="Google Sans"/>
+            </a:endParaRPr>
+          </a:p>
+          <a:p>
+            <a:endParaRPr lang="fr-FR" sz="3200" b="1" dirty="0">
+              <a:ln>
+                <a:solidFill>
+                  <a:schemeClr val="bg1"/>
+                </a:solidFill>
+              </a:ln>
+              <a:solidFill>
+                <a:schemeClr val="bg1"/>
+              </a:solidFill>
+              <a:latin typeface="Google Sans"/>
+            </a:endParaRPr>
+          </a:p>
+          <a:p>
+            <a:r>
+              <a:rPr lang="fr-FR" sz="2000" dirty="0">
+                <a:ln>
+                  <a:solidFill>
+                    <a:schemeClr val="bg1"/>
+                  </a:solidFill>
+                </a:ln>
+                <a:solidFill>
+                  <a:schemeClr val="bg1"/>
+                </a:solidFill>
+                <a:latin typeface="Google Sans"/>
+              </a:rPr>
+              <a:t>Soutenance de Projet</a:t>
+            </a:r>
+          </a:p>
+          <a:p>
+            <a:r>
+              <a:rPr lang="fr-FR" sz="3200" dirty="0">
+                <a:ln>
+                  <a:solidFill>
+                    <a:schemeClr val="bg1"/>
+                  </a:solidFill>
+                </a:ln>
+                <a:solidFill>
+                  <a:schemeClr val="bg1"/>
+                </a:solidFill>
+                <a:latin typeface="Google Sans"/>
+              </a:rPr>
+              <a:t>Samir HINOJOSA</a:t>
+            </a:r>
+          </a:p>
+          <a:p>
+            <a:endParaRPr lang="fr-FR" sz="3600" dirty="0">
+              <a:ln>
+                <a:solidFill>
+                  <a:schemeClr val="bg1"/>
+                </a:solidFill>
+              </a:ln>
+              <a:solidFill>
+                <a:schemeClr val="bg1"/>
+              </a:solidFill>
+              <a:latin typeface="Google Sans"/>
+            </a:endParaRPr>
+          </a:p>
+          <a:p>
+            <a:endParaRPr lang="fr-FR" sz="3600" dirty="0">
+              <a:ln>
+                <a:solidFill>
+                  <a:schemeClr val="bg1"/>
+                </a:solidFill>
+              </a:ln>
+              <a:solidFill>
+                <a:schemeClr val="bg1"/>
+              </a:solidFill>
+              <a:latin typeface="Google Sans"/>
+            </a:endParaRPr>
+          </a:p>
+          <a:p>
+            <a:r>
+              <a:rPr lang="es-ES" sz="1400" dirty="0">
+                <a:ln>
+                  <a:solidFill>
+                    <a:schemeClr val="bg1"/>
+                  </a:solidFill>
+                </a:ln>
+                <a:solidFill>
+                  <a:schemeClr val="bg1"/>
+                </a:solidFill>
+                <a:latin typeface="Google Sans"/>
+              </a:rPr>
+              <a:t>10 </a:t>
+            </a:r>
+            <a:r>
+              <a:rPr lang="fr-FR" sz="1400" dirty="0">
+                <a:ln>
+                  <a:solidFill>
+                    <a:schemeClr val="bg1"/>
+                  </a:solidFill>
+                </a:ln>
+                <a:solidFill>
+                  <a:schemeClr val="bg1"/>
+                </a:solidFill>
+                <a:latin typeface="Google Sans"/>
+              </a:rPr>
+              <a:t>février</a:t>
+            </a:r>
+            <a:r>
+              <a:rPr lang="es-ES" sz="1400" dirty="0">
+                <a:ln>
+                  <a:solidFill>
+                    <a:schemeClr val="bg1"/>
+                  </a:solidFill>
+                </a:ln>
+                <a:solidFill>
+                  <a:schemeClr val="bg1"/>
+                </a:solidFill>
+                <a:latin typeface="Google Sans"/>
+              </a:rPr>
+              <a:t> </a:t>
+            </a:r>
+            <a:r>
+              <a:rPr lang="fr-FR" sz="1400" dirty="0">
+                <a:ln>
+                  <a:solidFill>
+                    <a:schemeClr val="bg1"/>
+                  </a:solidFill>
+                </a:ln>
+                <a:solidFill>
+                  <a:schemeClr val="bg1"/>
+                </a:solidFill>
+                <a:latin typeface="Google Sans"/>
+              </a:rPr>
+              <a:t>2022</a:t>
+            </a:r>
+          </a:p>
+        </p:txBody>
+      </p:sp>
+      <p:pic>
+        <p:nvPicPr>
+          <p:cNvPr id="8" name="Picture 2" descr="OpenClassrooms — Wikipédia">
+            <a:extLst>
+              <a:ext uri="{FF2B5EF4-FFF2-40B4-BE49-F238E27FC236}">
+                <a16:creationId xmlns:a16="http://schemas.microsoft.com/office/drawing/2014/main" id="{18FA7543-C255-47CA-9E0D-0DB0A858BA5A}"/>
+              </a:ext>
+            </a:extLst>
+          </p:cNvPr>
+          <p:cNvPicPr>
+            <a:picLocks noChangeAspect="1" noChangeArrowheads="1"/>
+          </p:cNvPicPr>
+          <p:nvPr/>
+        </p:nvPicPr>
+        <p:blipFill>
+          <a:blip r:embed="rId2">
+            <a:extLst>
+              <a:ext uri="{28A0092B-C50C-407E-A947-70E740481C1C}">
+                <a14:useLocalDpi xmlns:a14="http://schemas.microsoft.com/office/drawing/2010/main" val="0"/>
+              </a:ext>
+            </a:extLst>
+          </a:blip>
+          <a:srcRect/>
+          <a:stretch>
+            <a:fillRect/>
+          </a:stretch>
+        </p:blipFill>
+        <p:spPr bwMode="auto">
+          <a:xfrm>
+            <a:off x="7492481" y="5029141"/>
+            <a:ext cx="876456" cy="876456"/>
+          </a:xfrm>
+          <a:prstGeom prst="rect">
+            <a:avLst/>
+          </a:prstGeom>
+          <a:ln>
+            <a:noFill/>
+          </a:ln>
+          <a:effectLst>
+            <a:outerShdw blurRad="292100" dist="139700" dir="2700000" algn="tl" rotWithShape="0">
+              <a:srgbClr val="333333">
+                <a:alpha val="65000"/>
+              </a:srgbClr>
+            </a:outerShdw>
+          </a:effectLst>
+          <a:extLst>
+            <a:ext uri="{909E8E84-426E-40DD-AFC4-6F175D3DCCD1}">
+              <a14:hiddenFill xmlns:a14="http://schemas.microsoft.com/office/drawing/2010/main">
+                <a:solidFill>
+                  <a:srgbClr val="FFFFFF"/>
+                </a:solidFill>
+              </a14:hiddenFill>
+            </a:ext>
+          </a:extLst>
+        </p:spPr>
+      </p:pic>
+      <p:pic>
+        <p:nvPicPr>
+          <p:cNvPr id="9" name="Picture 2" descr="Des parcours diplômants et des cours gratuits 100% en ligne - OpenClassrooms">
+            <a:extLst>
+              <a:ext uri="{FF2B5EF4-FFF2-40B4-BE49-F238E27FC236}">
+                <a16:creationId xmlns:a16="http://schemas.microsoft.com/office/drawing/2014/main" id="{D8D22BE0-298E-44EE-A4A3-A03C472D083B}"/>
+              </a:ext>
+            </a:extLst>
+          </p:cNvPr>
+          <p:cNvPicPr>
+            <a:picLocks noChangeAspect="1" noChangeArrowheads="1"/>
+          </p:cNvPicPr>
+          <p:nvPr/>
+        </p:nvPicPr>
+        <p:blipFill>
+          <a:blip r:embed="rId3">
+            <a:extLst>
+              <a:ext uri="{28A0092B-C50C-407E-A947-70E740481C1C}">
+                <a14:useLocalDpi xmlns:a14="http://schemas.microsoft.com/office/drawing/2010/main" val="0"/>
+              </a:ext>
+            </a:extLst>
+          </a:blip>
+          <a:srcRect/>
+          <a:stretch>
+            <a:fillRect/>
+          </a:stretch>
+        </p:blipFill>
+        <p:spPr bwMode="auto">
+          <a:xfrm>
+            <a:off x="7492481" y="6062502"/>
+            <a:ext cx="3899769" cy="467038"/>
+          </a:xfrm>
+          <a:prstGeom prst="rect">
+            <a:avLst/>
+          </a:prstGeom>
+          <a:ln>
+            <a:noFill/>
+          </a:ln>
+          <a:effectLst>
+            <a:outerShdw blurRad="292100" dist="139700" dir="2700000" algn="tl" rotWithShape="0">
+              <a:srgbClr val="333333">
+                <a:alpha val="65000"/>
+              </a:srgbClr>
+            </a:outerShdw>
+          </a:effectLst>
+          <a:extLst>
+            <a:ext uri="{909E8E84-426E-40DD-AFC4-6F175D3DCCD1}">
+              <a14:hiddenFill xmlns:a14="http://schemas.microsoft.com/office/drawing/2010/main">
+                <a:solidFill>
+                  <a:srgbClr val="FFFFFF"/>
+                </a:solidFill>
+              </a14:hiddenFill>
+            </a:ext>
+          </a:extLst>
+        </p:spPr>
+      </p:pic>
+    </p:spTree>
+    <p:extLst>
+      <p:ext uri="{BB962C8B-B14F-4D97-AF65-F5344CB8AC3E}">
+        <p14:creationId xmlns:p14="http://schemas.microsoft.com/office/powerpoint/2010/main" val="910031312"/>
+      </p:ext>
+    </p:extLst>
+  </p:cSld>
+  <p:clrMapOvr>
+    <a:masterClrMapping/>
+  </p:clrMapOvr>
+</p:sld>
+</file>
+
+<file path=ppt/slides/slide32.xml><?xml version="1.0" encoding="utf-8"?>
 <p:sld xmlns:a="http://schemas.openxmlformats.org/drawingml/2006/main" xmlns:r="http://schemas.openxmlformats.org/officeDocument/2006/relationships" xmlns:p="http://schemas.openxmlformats.org/presentationml/2006/main">
   <p:cSld>
     <p:bg>

--- a/supports/P7_presentation_final.pptx
+++ b/supports/P7_presentation_final.pptx
@@ -5,10 +5,10 @@
     <p:sldMasterId id="2147483648" r:id="rId1"/>
   </p:sldMasterIdLst>
   <p:notesMasterIdLst>
-    <p:notesMasterId r:id="rId34"/>
+    <p:notesMasterId r:id="rId32"/>
   </p:notesMasterIdLst>
   <p:handoutMasterIdLst>
-    <p:handoutMasterId r:id="rId35"/>
+    <p:handoutMasterId r:id="rId33"/>
   </p:handoutMasterIdLst>
   <p:sldIdLst>
     <p:sldId id="368" r:id="rId2"/>
@@ -24,25 +24,23 @@
     <p:sldId id="694" r:id="rId12"/>
     <p:sldId id="696" r:id="rId13"/>
     <p:sldId id="697" r:id="rId14"/>
-    <p:sldId id="719" r:id="rId15"/>
-    <p:sldId id="715" r:id="rId16"/>
-    <p:sldId id="700" r:id="rId17"/>
-    <p:sldId id="659" r:id="rId18"/>
-    <p:sldId id="711" r:id="rId19"/>
-    <p:sldId id="720" r:id="rId20"/>
-    <p:sldId id="712" r:id="rId21"/>
-    <p:sldId id="721" r:id="rId22"/>
-    <p:sldId id="679" r:id="rId23"/>
-    <p:sldId id="709" r:id="rId24"/>
-    <p:sldId id="717" r:id="rId25"/>
-    <p:sldId id="718" r:id="rId26"/>
-    <p:sldId id="714" r:id="rId27"/>
-    <p:sldId id="710" r:id="rId28"/>
-    <p:sldId id="610" r:id="rId29"/>
-    <p:sldId id="716" r:id="rId30"/>
-    <p:sldId id="534" r:id="rId31"/>
-    <p:sldId id="535" r:id="rId32"/>
-    <p:sldId id="633" r:id="rId33"/>
+    <p:sldId id="715" r:id="rId15"/>
+    <p:sldId id="700" r:id="rId16"/>
+    <p:sldId id="659" r:id="rId17"/>
+    <p:sldId id="711" r:id="rId18"/>
+    <p:sldId id="712" r:id="rId19"/>
+    <p:sldId id="721" r:id="rId20"/>
+    <p:sldId id="679" r:id="rId21"/>
+    <p:sldId id="709" r:id="rId22"/>
+    <p:sldId id="717" r:id="rId23"/>
+    <p:sldId id="718" r:id="rId24"/>
+    <p:sldId id="714" r:id="rId25"/>
+    <p:sldId id="710" r:id="rId26"/>
+    <p:sldId id="610" r:id="rId27"/>
+    <p:sldId id="716" r:id="rId28"/>
+    <p:sldId id="534" r:id="rId29"/>
+    <p:sldId id="535" r:id="rId30"/>
+    <p:sldId id="633" r:id="rId31"/>
   </p:sldIdLst>
   <p:sldSz cx="12192000" cy="6858000"/>
   <p:notesSz cx="6858000" cy="9144000"/>
@@ -1210,6 +1208,280 @@
           <a:bodyPr/>
           <a:lstStyle/>
           <a:p>
+            <a:pPr marL="285750" marR="0" indent="-285750" algn="l" rtl="0" eaLnBrk="1" fontAlgn="auto" latinLnBrk="0" hangingPunct="1">
+              <a:spcBef>
+                <a:spcPts val="0"/>
+              </a:spcBef>
+              <a:spcAft>
+                <a:spcPts val="0"/>
+              </a:spcAft>
+              <a:buFont typeface="Arial" panose="020B0604020202020204" pitchFamily="34" charset="0"/>
+              <a:buChar char="•"/>
+            </a:pPr>
+            <a:r>
+              <a:rPr lang="es-ES" sz="1800" b="0" i="0" u="none" strike="noStrike" kern="1200" dirty="0">
+                <a:solidFill>
+                  <a:srgbClr val="000000"/>
+                </a:solidFill>
+                <a:effectLst/>
+                <a:latin typeface="Calibri" panose="020F0502020204030204" pitchFamily="34" charset="0"/>
+              </a:rPr>
+              <a:t>TN: </a:t>
+            </a:r>
+            <a:r>
+              <a:rPr lang="fr-FR" sz="1800" b="0" i="0" u="none" strike="noStrike" kern="1200" dirty="0">
+                <a:solidFill>
+                  <a:srgbClr val="7F7F7F"/>
+                </a:solidFill>
+                <a:effectLst/>
+                <a:latin typeface="Calibri" panose="020F0502020204030204" pitchFamily="34" charset="0"/>
+              </a:rPr>
+              <a:t>des prêts qui </a:t>
+            </a:r>
+            <a:r>
+              <a:rPr lang="fr-FR" sz="1800" b="1" i="0" u="sng" strike="noStrike" kern="1200" dirty="0">
+                <a:solidFill>
+                  <a:srgbClr val="00B050"/>
+                </a:solidFill>
+                <a:effectLst/>
+                <a:latin typeface="Calibri" panose="020F0502020204030204" pitchFamily="34" charset="0"/>
+              </a:rPr>
+              <a:t>ne sont pas en défaut</a:t>
+            </a:r>
+            <a:r>
+              <a:rPr lang="fr-FR" sz="1800" b="0" i="0" u="none" strike="noStrike" kern="1200" dirty="0">
+                <a:solidFill>
+                  <a:srgbClr val="7F7F7F"/>
+                </a:solidFill>
+                <a:effectLst/>
+                <a:latin typeface="Calibri" panose="020F0502020204030204" pitchFamily="34" charset="0"/>
+              </a:rPr>
+              <a:t> et ont été prédits </a:t>
+            </a:r>
+            <a:r>
+              <a:rPr lang="fr-FR" sz="1800" b="1" i="0" u="sng" strike="noStrike" kern="1200" dirty="0">
+                <a:solidFill>
+                  <a:srgbClr val="00B050"/>
+                </a:solidFill>
+                <a:effectLst/>
+                <a:latin typeface="Calibri" panose="020F0502020204030204" pitchFamily="34" charset="0"/>
+              </a:rPr>
+              <a:t>correctement</a:t>
+            </a:r>
+            <a:endParaRPr lang="fr-FR" sz="1800" b="0" i="0" u="none" strike="noStrike" dirty="0">
+              <a:effectLst/>
+              <a:latin typeface="Arial" panose="020B0604020202020204" pitchFamily="34" charset="0"/>
+            </a:endParaRPr>
+          </a:p>
+          <a:p>
+            <a:pPr marL="285750" marR="0" indent="-285750" algn="l" rtl="0" eaLnBrk="1" fontAlgn="auto" latinLnBrk="0" hangingPunct="1">
+              <a:spcBef>
+                <a:spcPts val="0"/>
+              </a:spcBef>
+              <a:spcAft>
+                <a:spcPts val="0"/>
+              </a:spcAft>
+              <a:buFont typeface="Arial" panose="020B0604020202020204" pitchFamily="34" charset="0"/>
+              <a:buChar char="•"/>
+            </a:pPr>
+            <a:r>
+              <a:rPr lang="es-ES" sz="1800" b="0" i="0" u="none" strike="noStrike" kern="1200" dirty="0">
+                <a:solidFill>
+                  <a:srgbClr val="000000"/>
+                </a:solidFill>
+                <a:effectLst/>
+                <a:latin typeface="Calibri" panose="020F0502020204030204" pitchFamily="34" charset="0"/>
+              </a:rPr>
+              <a:t>TP</a:t>
+            </a:r>
+            <a:r>
+              <a:rPr lang="es-ES" sz="1800" b="0" i="0" u="none" strike="noStrike" kern="1200" dirty="0">
+                <a:solidFill>
+                  <a:srgbClr val="7F7F7F"/>
+                </a:solidFill>
+                <a:effectLst/>
+                <a:latin typeface="Calibri" panose="020F0502020204030204" pitchFamily="34" charset="0"/>
+              </a:rPr>
+              <a:t>: </a:t>
+            </a:r>
+            <a:r>
+              <a:rPr lang="fr-FR" sz="1800" b="0" i="0" u="none" strike="noStrike" kern="1200" dirty="0">
+                <a:solidFill>
+                  <a:srgbClr val="7F7F7F"/>
+                </a:solidFill>
+                <a:effectLst/>
+                <a:latin typeface="Calibri" panose="020F0502020204030204" pitchFamily="34" charset="0"/>
+              </a:rPr>
+              <a:t>des prêts qui </a:t>
+            </a:r>
+            <a:r>
+              <a:rPr lang="fr-FR" sz="1800" b="1" i="0" u="sng" strike="noStrike" kern="1200" dirty="0">
+                <a:solidFill>
+                  <a:srgbClr val="00B050"/>
+                </a:solidFill>
+                <a:effectLst/>
+                <a:latin typeface="Calibri" panose="020F0502020204030204" pitchFamily="34" charset="0"/>
+              </a:rPr>
+              <a:t>sont en défaut </a:t>
+            </a:r>
+            <a:r>
+              <a:rPr lang="fr-FR" sz="1800" b="0" i="0" u="none" strike="noStrike" kern="1200" dirty="0">
+                <a:solidFill>
+                  <a:srgbClr val="7F7F7F"/>
+                </a:solidFill>
+                <a:effectLst/>
+                <a:latin typeface="Calibri" panose="020F0502020204030204" pitchFamily="34" charset="0"/>
+              </a:rPr>
+              <a:t>et ont été prédits </a:t>
+            </a:r>
+            <a:r>
+              <a:rPr lang="fr-FR" sz="1800" b="1" i="0" u="sng" strike="noStrike" kern="1200" dirty="0">
+                <a:solidFill>
+                  <a:srgbClr val="00B050"/>
+                </a:solidFill>
+                <a:effectLst/>
+                <a:latin typeface="Calibri" panose="020F0502020204030204" pitchFamily="34" charset="0"/>
+              </a:rPr>
+              <a:t>correctement</a:t>
+            </a:r>
+            <a:endParaRPr lang="fr-FR" sz="1800" b="0" i="0" u="none" strike="noStrike" dirty="0">
+              <a:effectLst/>
+              <a:latin typeface="Arial" panose="020B0604020202020204" pitchFamily="34" charset="0"/>
+            </a:endParaRPr>
+          </a:p>
+          <a:p>
+            <a:pPr marL="285750" marR="0" indent="-285750" algn="l" rtl="0" eaLnBrk="1" fontAlgn="auto" latinLnBrk="0" hangingPunct="1">
+              <a:spcBef>
+                <a:spcPts val="0"/>
+              </a:spcBef>
+              <a:spcAft>
+                <a:spcPts val="0"/>
+              </a:spcAft>
+              <a:buFont typeface="Arial" panose="020B0604020202020204" pitchFamily="34" charset="0"/>
+              <a:buChar char="•"/>
+            </a:pPr>
+            <a:r>
+              <a:rPr lang="es-ES" sz="1800" b="0" i="0" u="none" strike="noStrike" kern="1200" dirty="0">
+                <a:solidFill>
+                  <a:srgbClr val="000000"/>
+                </a:solidFill>
+                <a:effectLst/>
+                <a:latin typeface="Calibri" panose="020F0502020204030204" pitchFamily="34" charset="0"/>
+              </a:rPr>
+              <a:t>FP: </a:t>
+            </a:r>
+            <a:r>
+              <a:rPr lang="fr-FR" sz="1800" b="0" i="0" u="none" strike="noStrike" kern="1200" dirty="0">
+                <a:solidFill>
+                  <a:srgbClr val="7F7F7F"/>
+                </a:solidFill>
+                <a:effectLst/>
+                <a:latin typeface="Calibri" panose="020F0502020204030204" pitchFamily="34" charset="0"/>
+              </a:rPr>
+              <a:t>des prêts qui </a:t>
+            </a:r>
+            <a:r>
+              <a:rPr lang="fr-FR" sz="1800" b="1" i="0" u="sng" strike="noStrike" kern="1200" dirty="0">
+                <a:solidFill>
+                  <a:srgbClr val="5B9BD5"/>
+                </a:solidFill>
+                <a:effectLst/>
+                <a:latin typeface="Calibri" panose="020F0502020204030204" pitchFamily="34" charset="0"/>
+              </a:rPr>
+              <a:t>ne sont pas en défaut</a:t>
+            </a:r>
+            <a:r>
+              <a:rPr lang="fr-FR" sz="1800" b="0" i="0" u="none" strike="noStrike" kern="1200" dirty="0">
+                <a:solidFill>
+                  <a:srgbClr val="7F7F7F"/>
+                </a:solidFill>
+                <a:effectLst/>
+                <a:latin typeface="Calibri" panose="020F0502020204030204" pitchFamily="34" charset="0"/>
+              </a:rPr>
+              <a:t> et ont été prédites de manière </a:t>
+            </a:r>
+            <a:r>
+              <a:rPr lang="fr-FR" sz="1800" b="1" i="0" u="sng" strike="noStrike" kern="1200" dirty="0">
+                <a:solidFill>
+                  <a:srgbClr val="5B9BD5"/>
+                </a:solidFill>
+                <a:effectLst/>
+                <a:latin typeface="Calibri" panose="020F0502020204030204" pitchFamily="34" charset="0"/>
+              </a:rPr>
+              <a:t>incorrecte</a:t>
+            </a:r>
+            <a:endParaRPr lang="fr-FR" sz="1800" b="0" i="0" u="none" strike="noStrike" dirty="0">
+              <a:effectLst/>
+              <a:latin typeface="Arial" panose="020B0604020202020204" pitchFamily="34" charset="0"/>
+            </a:endParaRPr>
+          </a:p>
+          <a:p>
+            <a:pPr marL="285750" marR="0" indent="-285750" algn="l" rtl="0" eaLnBrk="1" fontAlgn="auto" latinLnBrk="0" hangingPunct="1">
+              <a:spcBef>
+                <a:spcPts val="0"/>
+              </a:spcBef>
+              <a:spcAft>
+                <a:spcPts val="0"/>
+              </a:spcAft>
+              <a:buFont typeface="Arial" panose="020B0604020202020204" pitchFamily="34" charset="0"/>
+              <a:buChar char="•"/>
+            </a:pPr>
+            <a:r>
+              <a:rPr lang="es-ES" sz="1800" b="0" i="0" u="none" strike="noStrike" kern="1200" dirty="0">
+                <a:solidFill>
+                  <a:srgbClr val="000000"/>
+                </a:solidFill>
+                <a:effectLst/>
+                <a:latin typeface="Calibri" panose="020F0502020204030204" pitchFamily="34" charset="0"/>
+              </a:rPr>
+              <a:t>FN: </a:t>
+            </a:r>
+            <a:r>
+              <a:rPr lang="fr-FR" sz="1800" b="0" i="0" u="none" strike="noStrike" kern="1200" dirty="0">
+                <a:solidFill>
+                  <a:srgbClr val="7F7F7F"/>
+                </a:solidFill>
+                <a:effectLst/>
+                <a:latin typeface="Calibri" panose="020F0502020204030204" pitchFamily="34" charset="0"/>
+              </a:rPr>
+              <a:t>des prêts qui </a:t>
+            </a:r>
+            <a:r>
+              <a:rPr lang="fr-FR" sz="1800" b="1" i="0" u="sng" strike="noStrike" kern="1200" dirty="0">
+                <a:solidFill>
+                  <a:srgbClr val="FF0000"/>
+                </a:solidFill>
+                <a:effectLst/>
+                <a:latin typeface="Calibri" panose="020F0502020204030204" pitchFamily="34" charset="0"/>
+              </a:rPr>
+              <a:t>sont en défaut</a:t>
+            </a:r>
+            <a:r>
+              <a:rPr lang="fr-FR" sz="1800" b="0" i="0" u="none" strike="noStrike" kern="1200" dirty="0">
+                <a:solidFill>
+                  <a:srgbClr val="7F7F7F"/>
+                </a:solidFill>
+                <a:effectLst/>
+                <a:latin typeface="Calibri" panose="020F0502020204030204" pitchFamily="34" charset="0"/>
+              </a:rPr>
+              <a:t> et ont été prédites de manière </a:t>
+            </a:r>
+            <a:r>
+              <a:rPr lang="fr-FR" sz="1800" b="1" i="0" u="sng" strike="noStrike" kern="1200" dirty="0">
+                <a:solidFill>
+                  <a:srgbClr val="FF0000"/>
+                </a:solidFill>
+                <a:effectLst/>
+                <a:latin typeface="Calibri" panose="020F0502020204030204" pitchFamily="34" charset="0"/>
+              </a:rPr>
+              <a:t>incorrecte</a:t>
+            </a:r>
+            <a:endParaRPr lang="fr-FR" sz="1800" b="0" i="0" u="none" strike="noStrike" dirty="0">
+              <a:effectLst/>
+              <a:latin typeface="Arial" panose="020B0604020202020204" pitchFamily="34" charset="0"/>
+            </a:endParaRPr>
+          </a:p>
+          <a:p>
             <a:pPr marL="171450" indent="-171450">
               <a:buFontTx/>
               <a:buChar char="-"/>
@@ -1244,7 +1516,7 @@
     </p:spTree>
     <p:extLst>
       <p:ext uri="{BB962C8B-B14F-4D97-AF65-F5344CB8AC3E}">
-        <p14:creationId xmlns:p14="http://schemas.microsoft.com/office/powerpoint/2010/main" val="147692979"/>
+        <p14:creationId xmlns:p14="http://schemas.microsoft.com/office/powerpoint/2010/main" val="2765693364"/>
       </p:ext>
     </p:extLst>
   </p:cSld>
@@ -1298,285 +1570,296 @@
           <a:bodyPr/>
           <a:lstStyle/>
           <a:p>
-            <a:pPr marL="285750" marR="0" indent="-285750" algn="l" rtl="0" eaLnBrk="1" fontAlgn="auto" latinLnBrk="0" hangingPunct="1">
-              <a:spcBef>
-                <a:spcPts val="0"/>
-              </a:spcBef>
-              <a:spcAft>
-                <a:spcPts val="0"/>
-              </a:spcAft>
+            <a:pPr marL="171450" indent="-171450" algn="l">
               <a:buFont typeface="Arial" panose="020B0604020202020204" pitchFamily="34" charset="0"/>
               <a:buChar char="•"/>
             </a:pPr>
             <a:r>
-              <a:rPr lang="es-ES" sz="1800" b="0" i="0" u="none" strike="noStrike" kern="1200" dirty="0">
-                <a:solidFill>
-                  <a:srgbClr val="000000"/>
+              <a:rPr lang="fr-FR" b="1" i="0" dirty="0" err="1">
+                <a:solidFill>
+                  <a:srgbClr val="404040"/>
                 </a:solidFill>
                 <a:effectLst/>
-                <a:latin typeface="Calibri" panose="020F0502020204030204" pitchFamily="34" charset="0"/>
-              </a:rPr>
-              <a:t>TN: </a:t>
-            </a:r>
-            <a:r>
-              <a:rPr lang="fr-FR" sz="1800" b="0" i="0" u="none" strike="noStrike" kern="1200" dirty="0">
-                <a:solidFill>
-                  <a:srgbClr val="7F7F7F"/>
+                <a:latin typeface="Lato" panose="020F0502020204030203" pitchFamily="34" charset="0"/>
+              </a:rPr>
+              <a:t>subsample</a:t>
+            </a:r>
+            <a:r>
+              <a:rPr lang="fr-FR" b="0" i="0" dirty="0">
+                <a:solidFill>
+                  <a:srgbClr val="404040"/>
                 </a:solidFill>
                 <a:effectLst/>
-                <a:latin typeface="Calibri" panose="020F0502020204030204" pitchFamily="34" charset="0"/>
-              </a:rPr>
-              <a:t>des prêts qui </a:t>
-            </a:r>
-            <a:r>
-              <a:rPr lang="fr-FR" sz="1800" b="1" i="0" u="sng" strike="noStrike" kern="1200" dirty="0">
-                <a:solidFill>
-                  <a:srgbClr val="00B050"/>
+                <a:latin typeface="Lato" panose="020F0502020204030203" pitchFamily="34" charset="0"/>
+              </a:rPr>
+              <a:t> (</a:t>
+            </a:r>
+            <a:r>
+              <a:rPr lang="fr-FR" b="0" i="1" dirty="0" err="1">
+                <a:solidFill>
+                  <a:srgbClr val="404040"/>
                 </a:solidFill>
                 <a:effectLst/>
-                <a:latin typeface="Calibri" panose="020F0502020204030204" pitchFamily="34" charset="0"/>
-              </a:rPr>
-              <a:t>ne sont pas en défaut</a:t>
-            </a:r>
-            <a:r>
-              <a:rPr lang="fr-FR" sz="1800" b="0" i="0" u="none" strike="noStrike" kern="1200" dirty="0">
-                <a:solidFill>
-                  <a:srgbClr val="7F7F7F"/>
+                <a:latin typeface="Lato" panose="020F0502020204030203" pitchFamily="34" charset="0"/>
+              </a:rPr>
+              <a:t>float</a:t>
+            </a:r>
+            <a:r>
+              <a:rPr lang="fr-FR" b="0" i="1" dirty="0">
+                <a:solidFill>
+                  <a:srgbClr val="404040"/>
                 </a:solidFill>
                 <a:effectLst/>
-                <a:latin typeface="Calibri" panose="020F0502020204030204" pitchFamily="34" charset="0"/>
-              </a:rPr>
-              <a:t> et ont été prédits </a:t>
-            </a:r>
-            <a:r>
-              <a:rPr lang="fr-FR" sz="1800" b="1" i="0" u="sng" strike="noStrike" kern="1200" dirty="0">
-                <a:solidFill>
-                  <a:srgbClr val="00B050"/>
+                <a:latin typeface="Lato" panose="020F0502020204030203" pitchFamily="34" charset="0"/>
+              </a:rPr>
+              <a:t>, </a:t>
+            </a:r>
+            <a:r>
+              <a:rPr lang="fr-FR" b="0" i="1" dirty="0" err="1">
+                <a:solidFill>
+                  <a:srgbClr val="404040"/>
                 </a:solidFill>
                 <a:effectLst/>
-                <a:latin typeface="Calibri" panose="020F0502020204030204" pitchFamily="34" charset="0"/>
-              </a:rPr>
-              <a:t>correctement</a:t>
-            </a:r>
-            <a:endParaRPr lang="fr-FR" sz="1800" b="0" i="0" u="none" strike="noStrike" dirty="0">
-              <a:effectLst/>
-              <a:latin typeface="Arial" panose="020B0604020202020204" pitchFamily="34" charset="0"/>
-            </a:endParaRPr>
-          </a:p>
-          <a:p>
-            <a:pPr marL="285750" marR="0" indent="-285750" algn="l" rtl="0" eaLnBrk="1" fontAlgn="auto" latinLnBrk="0" hangingPunct="1">
-              <a:spcBef>
-                <a:spcPts val="0"/>
-              </a:spcBef>
-              <a:spcAft>
-                <a:spcPts val="0"/>
-              </a:spcAft>
+                <a:latin typeface="Lato" panose="020F0502020204030203" pitchFamily="34" charset="0"/>
+              </a:rPr>
+              <a:t>optional</a:t>
+            </a:r>
+            <a:r>
+              <a:rPr lang="fr-FR" b="0" i="1" dirty="0">
+                <a:solidFill>
+                  <a:srgbClr val="404040"/>
+                </a:solidFill>
+                <a:effectLst/>
+                <a:latin typeface="Lato" panose="020F0502020204030203" pitchFamily="34" charset="0"/>
+              </a:rPr>
+              <a:t> (default=1.)</a:t>
+            </a:r>
+            <a:r>
+              <a:rPr lang="fr-FR" b="0" i="0" dirty="0">
+                <a:solidFill>
+                  <a:srgbClr val="404040"/>
+                </a:solidFill>
+                <a:effectLst/>
+                <a:latin typeface="Lato" panose="020F0502020204030203" pitchFamily="34" charset="0"/>
+              </a:rPr>
+              <a:t>) – </a:t>
+            </a:r>
+            <a:r>
+              <a:rPr lang="fr-FR" b="0" i="0" dirty="0" err="1">
+                <a:solidFill>
+                  <a:srgbClr val="404040"/>
+                </a:solidFill>
+                <a:effectLst/>
+                <a:latin typeface="Lato" panose="020F0502020204030203" pitchFamily="34" charset="0"/>
+              </a:rPr>
+              <a:t>Subsample</a:t>
+            </a:r>
+            <a:r>
+              <a:rPr lang="fr-FR" b="0" i="0" dirty="0">
+                <a:solidFill>
+                  <a:srgbClr val="404040"/>
+                </a:solidFill>
+                <a:effectLst/>
+                <a:latin typeface="Lato" panose="020F0502020204030203" pitchFamily="34" charset="0"/>
+              </a:rPr>
+              <a:t> ratio of the training instance.</a:t>
+            </a:r>
+          </a:p>
+          <a:p>
+            <a:pPr marL="171450" indent="-171450" algn="l">
               <a:buFont typeface="Arial" panose="020B0604020202020204" pitchFamily="34" charset="0"/>
               <a:buChar char="•"/>
             </a:pPr>
             <a:r>
-              <a:rPr lang="es-ES" sz="1800" b="0" i="0" u="none" strike="noStrike" kern="1200" dirty="0">
-                <a:solidFill>
-                  <a:srgbClr val="000000"/>
+              <a:rPr lang="fr-FR" b="1" i="0" dirty="0" err="1">
+                <a:solidFill>
+                  <a:srgbClr val="404040"/>
                 </a:solidFill>
                 <a:effectLst/>
-                <a:latin typeface="Calibri" panose="020F0502020204030204" pitchFamily="34" charset="0"/>
-              </a:rPr>
-              <a:t>TP</a:t>
-            </a:r>
-            <a:r>
-              <a:rPr lang="es-ES" sz="1800" b="0" i="0" u="none" strike="noStrike" kern="1200" dirty="0">
-                <a:solidFill>
-                  <a:srgbClr val="7F7F7F"/>
+                <a:latin typeface="Lato" panose="020F0502020204030203" pitchFamily="34" charset="0"/>
+              </a:rPr>
+              <a:t>colsample_bytree</a:t>
+            </a:r>
+            <a:r>
+              <a:rPr lang="fr-FR" b="0" i="0" dirty="0">
+                <a:solidFill>
+                  <a:srgbClr val="404040"/>
                 </a:solidFill>
                 <a:effectLst/>
-                <a:latin typeface="Calibri" panose="020F0502020204030204" pitchFamily="34" charset="0"/>
-              </a:rPr>
-              <a:t>: </a:t>
-            </a:r>
-            <a:r>
-              <a:rPr lang="fr-FR" sz="1800" b="0" i="0" u="none" strike="noStrike" kern="1200" dirty="0">
-                <a:solidFill>
-                  <a:srgbClr val="7F7F7F"/>
+                <a:latin typeface="Lato" panose="020F0502020204030203" pitchFamily="34" charset="0"/>
+              </a:rPr>
+              <a:t> (</a:t>
+            </a:r>
+            <a:r>
+              <a:rPr lang="fr-FR" b="0" i="1" dirty="0" err="1">
+                <a:solidFill>
+                  <a:srgbClr val="404040"/>
                 </a:solidFill>
                 <a:effectLst/>
-                <a:latin typeface="Calibri" panose="020F0502020204030204" pitchFamily="34" charset="0"/>
-              </a:rPr>
-              <a:t>des prêts qui </a:t>
-            </a:r>
-            <a:r>
-              <a:rPr lang="fr-FR" sz="1800" b="1" i="0" u="sng" strike="noStrike" kern="1200" dirty="0">
-                <a:solidFill>
-                  <a:srgbClr val="00B050"/>
+                <a:latin typeface="Lato" panose="020F0502020204030203" pitchFamily="34" charset="0"/>
+              </a:rPr>
+              <a:t>float</a:t>
+            </a:r>
+            <a:r>
+              <a:rPr lang="fr-FR" b="0" i="1" dirty="0">
+                <a:solidFill>
+                  <a:srgbClr val="404040"/>
                 </a:solidFill>
                 <a:effectLst/>
-                <a:latin typeface="Calibri" panose="020F0502020204030204" pitchFamily="34" charset="0"/>
-              </a:rPr>
-              <a:t>sont en défaut </a:t>
-            </a:r>
-            <a:r>
-              <a:rPr lang="fr-FR" sz="1800" b="0" i="0" u="none" strike="noStrike" kern="1200" dirty="0">
-                <a:solidFill>
-                  <a:srgbClr val="7F7F7F"/>
+                <a:latin typeface="Lato" panose="020F0502020204030203" pitchFamily="34" charset="0"/>
+              </a:rPr>
+              <a:t>, </a:t>
+            </a:r>
+            <a:r>
+              <a:rPr lang="fr-FR" b="0" i="1" dirty="0" err="1">
+                <a:solidFill>
+                  <a:srgbClr val="404040"/>
                 </a:solidFill>
                 <a:effectLst/>
-                <a:latin typeface="Calibri" panose="020F0502020204030204" pitchFamily="34" charset="0"/>
-              </a:rPr>
-              <a:t>et ont été prédits </a:t>
-            </a:r>
-            <a:r>
-              <a:rPr lang="fr-FR" sz="1800" b="1" i="0" u="sng" strike="noStrike" kern="1200" dirty="0">
-                <a:solidFill>
-                  <a:srgbClr val="00B050"/>
+                <a:latin typeface="Lato" panose="020F0502020204030203" pitchFamily="34" charset="0"/>
+              </a:rPr>
+              <a:t>optional</a:t>
+            </a:r>
+            <a:r>
+              <a:rPr lang="fr-FR" b="0" i="1" dirty="0">
+                <a:solidFill>
+                  <a:srgbClr val="404040"/>
                 </a:solidFill>
                 <a:effectLst/>
-                <a:latin typeface="Calibri" panose="020F0502020204030204" pitchFamily="34" charset="0"/>
-              </a:rPr>
-              <a:t>correctement</a:t>
-            </a:r>
-            <a:endParaRPr lang="fr-FR" sz="1800" b="0" i="0" u="none" strike="noStrike" dirty="0">
-              <a:effectLst/>
-              <a:latin typeface="Arial" panose="020B0604020202020204" pitchFamily="34" charset="0"/>
-            </a:endParaRPr>
-          </a:p>
-          <a:p>
-            <a:pPr marL="285750" marR="0" indent="-285750" algn="l" rtl="0" eaLnBrk="1" fontAlgn="auto" latinLnBrk="0" hangingPunct="1">
-              <a:spcBef>
-                <a:spcPts val="0"/>
-              </a:spcBef>
-              <a:spcAft>
-                <a:spcPts val="0"/>
-              </a:spcAft>
-              <a:buFont typeface="Arial" panose="020B0604020202020204" pitchFamily="34" charset="0"/>
-              <a:buChar char="•"/>
-            </a:pPr>
-            <a:r>
-              <a:rPr lang="es-ES" sz="1800" b="0" i="0" u="none" strike="noStrike" kern="1200" dirty="0">
-                <a:solidFill>
-                  <a:srgbClr val="000000"/>
+                <a:latin typeface="Lato" panose="020F0502020204030203" pitchFamily="34" charset="0"/>
+              </a:rPr>
+              <a:t> (default=1.)</a:t>
+            </a:r>
+            <a:r>
+              <a:rPr lang="fr-FR" b="0" i="0" dirty="0">
+                <a:solidFill>
+                  <a:srgbClr val="404040"/>
                 </a:solidFill>
                 <a:effectLst/>
-                <a:latin typeface="Calibri" panose="020F0502020204030204" pitchFamily="34" charset="0"/>
-              </a:rPr>
-              <a:t>FP: </a:t>
-            </a:r>
-            <a:r>
-              <a:rPr lang="fr-FR" sz="1800" b="0" i="0" u="none" strike="noStrike" kern="1200" dirty="0">
-                <a:solidFill>
-                  <a:srgbClr val="7F7F7F"/>
+                <a:latin typeface="Lato" panose="020F0502020204030203" pitchFamily="34" charset="0"/>
+              </a:rPr>
+              <a:t>) – </a:t>
+            </a:r>
+            <a:r>
+              <a:rPr lang="fr-FR" b="0" i="0" dirty="0" err="1">
+                <a:solidFill>
+                  <a:srgbClr val="404040"/>
                 </a:solidFill>
                 <a:effectLst/>
-                <a:latin typeface="Calibri" panose="020F0502020204030204" pitchFamily="34" charset="0"/>
-              </a:rPr>
-              <a:t>des prêts qui </a:t>
-            </a:r>
-            <a:r>
-              <a:rPr lang="fr-FR" sz="1800" b="1" i="0" u="sng" strike="noStrike" kern="1200" dirty="0">
-                <a:solidFill>
-                  <a:srgbClr val="5B9BD5"/>
+                <a:latin typeface="Lato" panose="020F0502020204030203" pitchFamily="34" charset="0"/>
+              </a:rPr>
+              <a:t>Subsample</a:t>
+            </a:r>
+            <a:r>
+              <a:rPr lang="fr-FR" b="0" i="0" dirty="0">
+                <a:solidFill>
+                  <a:srgbClr val="404040"/>
                 </a:solidFill>
                 <a:effectLst/>
-                <a:latin typeface="Calibri" panose="020F0502020204030204" pitchFamily="34" charset="0"/>
-              </a:rPr>
-              <a:t>ne sont pas en défaut</a:t>
-            </a:r>
-            <a:r>
-              <a:rPr lang="fr-FR" sz="1800" b="0" i="0" u="none" strike="noStrike" kern="1200" dirty="0">
-                <a:solidFill>
-                  <a:srgbClr val="7F7F7F"/>
+                <a:latin typeface="Lato" panose="020F0502020204030203" pitchFamily="34" charset="0"/>
+              </a:rPr>
+              <a:t> ratio of </a:t>
+            </a:r>
+            <a:r>
+              <a:rPr lang="fr-FR" b="0" i="0" dirty="0" err="1">
+                <a:solidFill>
+                  <a:srgbClr val="404040"/>
                 </a:solidFill>
                 <a:effectLst/>
-                <a:latin typeface="Calibri" panose="020F0502020204030204" pitchFamily="34" charset="0"/>
-              </a:rPr>
-              <a:t> et ont été prédites de manière </a:t>
-            </a:r>
-            <a:r>
-              <a:rPr lang="fr-FR" sz="1800" b="1" i="0" u="sng" strike="noStrike" kern="1200" dirty="0">
-                <a:solidFill>
-                  <a:srgbClr val="5B9BD5"/>
+                <a:latin typeface="Lato" panose="020F0502020204030203" pitchFamily="34" charset="0"/>
+              </a:rPr>
+              <a:t>columns</a:t>
+            </a:r>
+            <a:r>
+              <a:rPr lang="fr-FR" b="0" i="0" dirty="0">
+                <a:solidFill>
+                  <a:srgbClr val="404040"/>
                 </a:solidFill>
                 <a:effectLst/>
-                <a:latin typeface="Calibri" panose="020F0502020204030204" pitchFamily="34" charset="0"/>
-              </a:rPr>
-              <a:t>incorrecte</a:t>
-            </a:r>
-            <a:endParaRPr lang="fr-FR" sz="1800" b="0" i="0" u="none" strike="noStrike" dirty="0">
-              <a:effectLst/>
-              <a:latin typeface="Arial" panose="020B0604020202020204" pitchFamily="34" charset="0"/>
-            </a:endParaRPr>
-          </a:p>
-          <a:p>
-            <a:pPr marL="285750" marR="0" indent="-285750" algn="l" rtl="0" eaLnBrk="1" fontAlgn="auto" latinLnBrk="0" hangingPunct="1">
-              <a:spcBef>
-                <a:spcPts val="0"/>
-              </a:spcBef>
-              <a:spcAft>
-                <a:spcPts val="0"/>
-              </a:spcAft>
-              <a:buFont typeface="Arial" panose="020B0604020202020204" pitchFamily="34" charset="0"/>
-              <a:buChar char="•"/>
-            </a:pPr>
-            <a:r>
-              <a:rPr lang="es-ES" sz="1800" b="0" i="0" u="none" strike="noStrike" kern="1200" dirty="0">
-                <a:solidFill>
-                  <a:srgbClr val="000000"/>
+                <a:latin typeface="Lato" panose="020F0502020204030203" pitchFamily="34" charset="0"/>
+              </a:rPr>
+              <a:t> </a:t>
+            </a:r>
+            <a:r>
+              <a:rPr lang="fr-FR" b="0" i="0" dirty="0" err="1">
+                <a:solidFill>
+                  <a:srgbClr val="404040"/>
                 </a:solidFill>
                 <a:effectLst/>
-                <a:latin typeface="Calibri" panose="020F0502020204030204" pitchFamily="34" charset="0"/>
-              </a:rPr>
-              <a:t>FN: </a:t>
-            </a:r>
-            <a:r>
-              <a:rPr lang="fr-FR" sz="1800" b="0" i="0" u="none" strike="noStrike" kern="1200" dirty="0">
-                <a:solidFill>
-                  <a:srgbClr val="7F7F7F"/>
+                <a:latin typeface="Lato" panose="020F0502020204030203" pitchFamily="34" charset="0"/>
+              </a:rPr>
+              <a:t>when</a:t>
+            </a:r>
+            <a:r>
+              <a:rPr lang="fr-FR" b="0" i="0" dirty="0">
+                <a:solidFill>
+                  <a:srgbClr val="404040"/>
                 </a:solidFill>
                 <a:effectLst/>
-                <a:latin typeface="Calibri" panose="020F0502020204030204" pitchFamily="34" charset="0"/>
-              </a:rPr>
-              <a:t>des prêts qui </a:t>
-            </a:r>
-            <a:r>
-              <a:rPr lang="fr-FR" sz="1800" b="1" i="0" u="sng" strike="noStrike" kern="1200" dirty="0">
-                <a:solidFill>
-                  <a:srgbClr val="FF0000"/>
+                <a:latin typeface="Lato" panose="020F0502020204030203" pitchFamily="34" charset="0"/>
+              </a:rPr>
+              <a:t> </a:t>
+            </a:r>
+            <a:r>
+              <a:rPr lang="fr-FR" b="0" i="0" dirty="0" err="1">
+                <a:solidFill>
+                  <a:srgbClr val="404040"/>
                 </a:solidFill>
                 <a:effectLst/>
-                <a:latin typeface="Calibri" panose="020F0502020204030204" pitchFamily="34" charset="0"/>
-              </a:rPr>
-              <a:t>sont en défaut</a:t>
-            </a:r>
-            <a:r>
-              <a:rPr lang="fr-FR" sz="1800" b="0" i="0" u="none" strike="noStrike" kern="1200" dirty="0">
-                <a:solidFill>
-                  <a:srgbClr val="7F7F7F"/>
+                <a:latin typeface="Lato" panose="020F0502020204030203" pitchFamily="34" charset="0"/>
+              </a:rPr>
+              <a:t>constructing</a:t>
+            </a:r>
+            <a:r>
+              <a:rPr lang="fr-FR" b="0" i="0" dirty="0">
+                <a:solidFill>
+                  <a:srgbClr val="404040"/>
                 </a:solidFill>
                 <a:effectLst/>
-                <a:latin typeface="Calibri" panose="020F0502020204030204" pitchFamily="34" charset="0"/>
-              </a:rPr>
-              <a:t> et ont été prédites de manière </a:t>
-            </a:r>
-            <a:r>
-              <a:rPr lang="fr-FR" sz="1800" b="1" i="0" u="sng" strike="noStrike" kern="1200" dirty="0">
-                <a:solidFill>
-                  <a:srgbClr val="FF0000"/>
+                <a:latin typeface="Lato" panose="020F0502020204030203" pitchFamily="34" charset="0"/>
+              </a:rPr>
+              <a:t> </a:t>
+            </a:r>
+            <a:r>
+              <a:rPr lang="fr-FR" b="0" i="0" dirty="0" err="1">
+                <a:solidFill>
+                  <a:srgbClr val="404040"/>
                 </a:solidFill>
                 <a:effectLst/>
-                <a:latin typeface="Calibri" panose="020F0502020204030204" pitchFamily="34" charset="0"/>
-              </a:rPr>
-              <a:t>incorrecte</a:t>
-            </a:r>
-            <a:endParaRPr lang="fr-FR" sz="1800" b="0" i="0" u="none" strike="noStrike" dirty="0">
-              <a:effectLst/>
-              <a:latin typeface="Arial" panose="020B0604020202020204" pitchFamily="34" charset="0"/>
-            </a:endParaRPr>
-          </a:p>
-          <a:p>
-            <a:pPr marL="171450" indent="-171450">
-              <a:buFontTx/>
-              <a:buChar char="-"/>
-            </a:pPr>
-            <a:endParaRPr lang="fr-FR" dirty="0"/>
+                <a:latin typeface="Lato" panose="020F0502020204030203" pitchFamily="34" charset="0"/>
+              </a:rPr>
+              <a:t>each</a:t>
+            </a:r>
+            <a:r>
+              <a:rPr lang="fr-FR" b="0" i="0" dirty="0">
+                <a:solidFill>
+                  <a:srgbClr val="404040"/>
+                </a:solidFill>
+                <a:effectLst/>
+                <a:latin typeface="Lato" panose="020F0502020204030203" pitchFamily="34" charset="0"/>
+              </a:rPr>
+              <a:t> </a:t>
+            </a:r>
+            <a:r>
+              <a:rPr lang="fr-FR" b="0" i="0" dirty="0" err="1">
+                <a:solidFill>
+                  <a:srgbClr val="404040"/>
+                </a:solidFill>
+                <a:effectLst/>
+                <a:latin typeface="Lato" panose="020F0502020204030203" pitchFamily="34" charset="0"/>
+              </a:rPr>
+              <a:t>tree</a:t>
+            </a:r>
+            <a:r>
+              <a:rPr lang="fr-FR" b="0" i="0" dirty="0">
+                <a:solidFill>
+                  <a:srgbClr val="404040"/>
+                </a:solidFill>
+                <a:effectLst/>
+                <a:latin typeface="Lato" panose="020F0502020204030203" pitchFamily="34" charset="0"/>
+              </a:rPr>
+              <a:t>.</a:t>
+            </a:r>
           </a:p>
         </p:txBody>
       </p:sp>
@@ -1606,7 +1889,7 @@
     </p:spTree>
     <p:extLst>
       <p:ext uri="{BB962C8B-B14F-4D97-AF65-F5344CB8AC3E}">
-        <p14:creationId xmlns:p14="http://schemas.microsoft.com/office/powerpoint/2010/main" val="2765693364"/>
+        <p14:creationId xmlns:p14="http://schemas.microsoft.com/office/powerpoint/2010/main" val="3370357185"/>
       </p:ext>
     </p:extLst>
   </p:cSld>
@@ -1660,296 +1943,7 @@
           <a:bodyPr/>
           <a:lstStyle/>
           <a:p>
-            <a:pPr marL="171450" indent="-171450" algn="l">
-              <a:buFont typeface="Arial" panose="020B0604020202020204" pitchFamily="34" charset="0"/>
-              <a:buChar char="•"/>
-            </a:pPr>
-            <a:r>
-              <a:rPr lang="fr-FR" b="1" i="0" dirty="0" err="1">
-                <a:solidFill>
-                  <a:srgbClr val="404040"/>
-                </a:solidFill>
-                <a:effectLst/>
-                <a:latin typeface="Lato" panose="020F0502020204030203" pitchFamily="34" charset="0"/>
-              </a:rPr>
-              <a:t>subsample</a:t>
-            </a:r>
-            <a:r>
-              <a:rPr lang="fr-FR" b="0" i="0" dirty="0">
-                <a:solidFill>
-                  <a:srgbClr val="404040"/>
-                </a:solidFill>
-                <a:effectLst/>
-                <a:latin typeface="Lato" panose="020F0502020204030203" pitchFamily="34" charset="0"/>
-              </a:rPr>
-              <a:t> (</a:t>
-            </a:r>
-            <a:r>
-              <a:rPr lang="fr-FR" b="0" i="1" dirty="0" err="1">
-                <a:solidFill>
-                  <a:srgbClr val="404040"/>
-                </a:solidFill>
-                <a:effectLst/>
-                <a:latin typeface="Lato" panose="020F0502020204030203" pitchFamily="34" charset="0"/>
-              </a:rPr>
-              <a:t>float</a:t>
-            </a:r>
-            <a:r>
-              <a:rPr lang="fr-FR" b="0" i="1" dirty="0">
-                <a:solidFill>
-                  <a:srgbClr val="404040"/>
-                </a:solidFill>
-                <a:effectLst/>
-                <a:latin typeface="Lato" panose="020F0502020204030203" pitchFamily="34" charset="0"/>
-              </a:rPr>
-              <a:t>, </a:t>
-            </a:r>
-            <a:r>
-              <a:rPr lang="fr-FR" b="0" i="1" dirty="0" err="1">
-                <a:solidFill>
-                  <a:srgbClr val="404040"/>
-                </a:solidFill>
-                <a:effectLst/>
-                <a:latin typeface="Lato" panose="020F0502020204030203" pitchFamily="34" charset="0"/>
-              </a:rPr>
-              <a:t>optional</a:t>
-            </a:r>
-            <a:r>
-              <a:rPr lang="fr-FR" b="0" i="1" dirty="0">
-                <a:solidFill>
-                  <a:srgbClr val="404040"/>
-                </a:solidFill>
-                <a:effectLst/>
-                <a:latin typeface="Lato" panose="020F0502020204030203" pitchFamily="34" charset="0"/>
-              </a:rPr>
-              <a:t> (default=1.)</a:t>
-            </a:r>
-            <a:r>
-              <a:rPr lang="fr-FR" b="0" i="0" dirty="0">
-                <a:solidFill>
-                  <a:srgbClr val="404040"/>
-                </a:solidFill>
-                <a:effectLst/>
-                <a:latin typeface="Lato" panose="020F0502020204030203" pitchFamily="34" charset="0"/>
-              </a:rPr>
-              <a:t>) – </a:t>
-            </a:r>
-            <a:r>
-              <a:rPr lang="fr-FR" b="0" i="0" dirty="0" err="1">
-                <a:solidFill>
-                  <a:srgbClr val="404040"/>
-                </a:solidFill>
-                <a:effectLst/>
-                <a:latin typeface="Lato" panose="020F0502020204030203" pitchFamily="34" charset="0"/>
-              </a:rPr>
-              <a:t>Subsample</a:t>
-            </a:r>
-            <a:r>
-              <a:rPr lang="fr-FR" b="0" i="0" dirty="0">
-                <a:solidFill>
-                  <a:srgbClr val="404040"/>
-                </a:solidFill>
-                <a:effectLst/>
-                <a:latin typeface="Lato" panose="020F0502020204030203" pitchFamily="34" charset="0"/>
-              </a:rPr>
-              <a:t> ratio of the training instance.</a:t>
-            </a:r>
-          </a:p>
-          <a:p>
-            <a:pPr marL="171450" indent="-171450" algn="l">
-              <a:buFont typeface="Arial" panose="020B0604020202020204" pitchFamily="34" charset="0"/>
-              <a:buChar char="•"/>
-            </a:pPr>
-            <a:r>
-              <a:rPr lang="fr-FR" b="1" i="0" dirty="0" err="1">
-                <a:solidFill>
-                  <a:srgbClr val="404040"/>
-                </a:solidFill>
-                <a:effectLst/>
-                <a:latin typeface="Lato" panose="020F0502020204030203" pitchFamily="34" charset="0"/>
-              </a:rPr>
-              <a:t>colsample_bytree</a:t>
-            </a:r>
-            <a:r>
-              <a:rPr lang="fr-FR" b="0" i="0" dirty="0">
-                <a:solidFill>
-                  <a:srgbClr val="404040"/>
-                </a:solidFill>
-                <a:effectLst/>
-                <a:latin typeface="Lato" panose="020F0502020204030203" pitchFamily="34" charset="0"/>
-              </a:rPr>
-              <a:t> (</a:t>
-            </a:r>
-            <a:r>
-              <a:rPr lang="fr-FR" b="0" i="1" dirty="0" err="1">
-                <a:solidFill>
-                  <a:srgbClr val="404040"/>
-                </a:solidFill>
-                <a:effectLst/>
-                <a:latin typeface="Lato" panose="020F0502020204030203" pitchFamily="34" charset="0"/>
-              </a:rPr>
-              <a:t>float</a:t>
-            </a:r>
-            <a:r>
-              <a:rPr lang="fr-FR" b="0" i="1" dirty="0">
-                <a:solidFill>
-                  <a:srgbClr val="404040"/>
-                </a:solidFill>
-                <a:effectLst/>
-                <a:latin typeface="Lato" panose="020F0502020204030203" pitchFamily="34" charset="0"/>
-              </a:rPr>
-              <a:t>, </a:t>
-            </a:r>
-            <a:r>
-              <a:rPr lang="fr-FR" b="0" i="1" dirty="0" err="1">
-                <a:solidFill>
-                  <a:srgbClr val="404040"/>
-                </a:solidFill>
-                <a:effectLst/>
-                <a:latin typeface="Lato" panose="020F0502020204030203" pitchFamily="34" charset="0"/>
-              </a:rPr>
-              <a:t>optional</a:t>
-            </a:r>
-            <a:r>
-              <a:rPr lang="fr-FR" b="0" i="1" dirty="0">
-                <a:solidFill>
-                  <a:srgbClr val="404040"/>
-                </a:solidFill>
-                <a:effectLst/>
-                <a:latin typeface="Lato" panose="020F0502020204030203" pitchFamily="34" charset="0"/>
-              </a:rPr>
-              <a:t> (default=1.)</a:t>
-            </a:r>
-            <a:r>
-              <a:rPr lang="fr-FR" b="0" i="0" dirty="0">
-                <a:solidFill>
-                  <a:srgbClr val="404040"/>
-                </a:solidFill>
-                <a:effectLst/>
-                <a:latin typeface="Lato" panose="020F0502020204030203" pitchFamily="34" charset="0"/>
-              </a:rPr>
-              <a:t>) – </a:t>
-            </a:r>
-            <a:r>
-              <a:rPr lang="fr-FR" b="0" i="0" dirty="0" err="1">
-                <a:solidFill>
-                  <a:srgbClr val="404040"/>
-                </a:solidFill>
-                <a:effectLst/>
-                <a:latin typeface="Lato" panose="020F0502020204030203" pitchFamily="34" charset="0"/>
-              </a:rPr>
-              <a:t>Subsample</a:t>
-            </a:r>
-            <a:r>
-              <a:rPr lang="fr-FR" b="0" i="0" dirty="0">
-                <a:solidFill>
-                  <a:srgbClr val="404040"/>
-                </a:solidFill>
-                <a:effectLst/>
-                <a:latin typeface="Lato" panose="020F0502020204030203" pitchFamily="34" charset="0"/>
-              </a:rPr>
-              <a:t> ratio of </a:t>
-            </a:r>
-            <a:r>
-              <a:rPr lang="fr-FR" b="0" i="0" dirty="0" err="1">
-                <a:solidFill>
-                  <a:srgbClr val="404040"/>
-                </a:solidFill>
-                <a:effectLst/>
-                <a:latin typeface="Lato" panose="020F0502020204030203" pitchFamily="34" charset="0"/>
-              </a:rPr>
-              <a:t>columns</a:t>
-            </a:r>
-            <a:r>
-              <a:rPr lang="fr-FR" b="0" i="0" dirty="0">
-                <a:solidFill>
-                  <a:srgbClr val="404040"/>
-                </a:solidFill>
-                <a:effectLst/>
-                <a:latin typeface="Lato" panose="020F0502020204030203" pitchFamily="34" charset="0"/>
-              </a:rPr>
-              <a:t> </a:t>
-            </a:r>
-            <a:r>
-              <a:rPr lang="fr-FR" b="0" i="0" dirty="0" err="1">
-                <a:solidFill>
-                  <a:srgbClr val="404040"/>
-                </a:solidFill>
-                <a:effectLst/>
-                <a:latin typeface="Lato" panose="020F0502020204030203" pitchFamily="34" charset="0"/>
-              </a:rPr>
-              <a:t>when</a:t>
-            </a:r>
-            <a:r>
-              <a:rPr lang="fr-FR" b="0" i="0" dirty="0">
-                <a:solidFill>
-                  <a:srgbClr val="404040"/>
-                </a:solidFill>
-                <a:effectLst/>
-                <a:latin typeface="Lato" panose="020F0502020204030203" pitchFamily="34" charset="0"/>
-              </a:rPr>
-              <a:t> </a:t>
-            </a:r>
-            <a:r>
-              <a:rPr lang="fr-FR" b="0" i="0" dirty="0" err="1">
-                <a:solidFill>
-                  <a:srgbClr val="404040"/>
-                </a:solidFill>
-                <a:effectLst/>
-                <a:latin typeface="Lato" panose="020F0502020204030203" pitchFamily="34" charset="0"/>
-              </a:rPr>
-              <a:t>constructing</a:t>
-            </a:r>
-            <a:r>
-              <a:rPr lang="fr-FR" b="0" i="0" dirty="0">
-                <a:solidFill>
-                  <a:srgbClr val="404040"/>
-                </a:solidFill>
-                <a:effectLst/>
-                <a:latin typeface="Lato" panose="020F0502020204030203" pitchFamily="34" charset="0"/>
-              </a:rPr>
-              <a:t> </a:t>
-            </a:r>
-            <a:r>
-              <a:rPr lang="fr-FR" b="0" i="0" dirty="0" err="1">
-                <a:solidFill>
-                  <a:srgbClr val="404040"/>
-                </a:solidFill>
-                <a:effectLst/>
-                <a:latin typeface="Lato" panose="020F0502020204030203" pitchFamily="34" charset="0"/>
-              </a:rPr>
-              <a:t>each</a:t>
-            </a:r>
-            <a:r>
-              <a:rPr lang="fr-FR" b="0" i="0" dirty="0">
-                <a:solidFill>
-                  <a:srgbClr val="404040"/>
-                </a:solidFill>
-                <a:effectLst/>
-                <a:latin typeface="Lato" panose="020F0502020204030203" pitchFamily="34" charset="0"/>
-              </a:rPr>
-              <a:t> </a:t>
-            </a:r>
-            <a:r>
-              <a:rPr lang="fr-FR" b="0" i="0" dirty="0" err="1">
-                <a:solidFill>
-                  <a:srgbClr val="404040"/>
-                </a:solidFill>
-                <a:effectLst/>
-                <a:latin typeface="Lato" panose="020F0502020204030203" pitchFamily="34" charset="0"/>
-              </a:rPr>
-              <a:t>tree</a:t>
-            </a:r>
-            <a:r>
-              <a:rPr lang="fr-FR" b="0" i="0" dirty="0">
-                <a:solidFill>
-                  <a:srgbClr val="404040"/>
-                </a:solidFill>
-                <a:effectLst/>
-                <a:latin typeface="Lato" panose="020F0502020204030203" pitchFamily="34" charset="0"/>
-              </a:rPr>
-              <a:t>.</a:t>
-            </a:r>
+            <a:endParaRPr lang="fr-FR" dirty="0"/>
           </a:p>
         </p:txBody>
       </p:sp>
@@ -1979,7 +1973,7 @@
     </p:spTree>
     <p:extLst>
       <p:ext uri="{BB962C8B-B14F-4D97-AF65-F5344CB8AC3E}">
-        <p14:creationId xmlns:p14="http://schemas.microsoft.com/office/powerpoint/2010/main" val="3370357185"/>
+        <p14:creationId xmlns:p14="http://schemas.microsoft.com/office/powerpoint/2010/main" val="1569169721"/>
       </p:ext>
     </p:extLst>
   </p:cSld>
@@ -2033,7 +2027,295 @@
           <a:bodyPr/>
           <a:lstStyle/>
           <a:p>
-            <a:endParaRPr lang="fr-FR" dirty="0"/>
+            <a:pPr marL="171450" marR="0" lvl="0" indent="-171450" algn="l" defTabSz="914400" rtl="0" eaLnBrk="1" fontAlgn="auto" latinLnBrk="0" hangingPunct="1">
+              <a:lnSpc>
+                <a:spcPct val="100000"/>
+              </a:lnSpc>
+              <a:spcBef>
+                <a:spcPts val="0"/>
+              </a:spcBef>
+              <a:spcAft>
+                <a:spcPts val="0"/>
+              </a:spcAft>
+              <a:buClrTx/>
+              <a:buSzTx/>
+              <a:buFont typeface="Wingdings" panose="05000000000000000000" pitchFamily="2" charset="2"/>
+              <a:buChar char="§"/>
+              <a:tabLst/>
+              <a:defRPr/>
+            </a:pPr>
+            <a:r>
+              <a:rPr lang="fr-FR" sz="1200" dirty="0" err="1"/>
+              <a:t>learning_rate</a:t>
+            </a:r>
+            <a:r>
+              <a:rPr lang="fr-FR" sz="1200" dirty="0"/>
+              <a:t> : </a:t>
+            </a:r>
+            <a:r>
+              <a:rPr lang="fr-FR" sz="1800" b="0" i="0" u="none" strike="noStrike" baseline="0" dirty="0">
+                <a:solidFill>
+                  <a:srgbClr val="1C3C70"/>
+                </a:solidFill>
+                <a:latin typeface="CIDFont+F2"/>
+              </a:rPr>
+              <a:t>Le taux d'apprentissage.</a:t>
+            </a:r>
+          </a:p>
+          <a:p>
+            <a:pPr marL="171450" marR="0" lvl="0" indent="-171450" algn="l" defTabSz="914400" rtl="0" eaLnBrk="1" fontAlgn="auto" latinLnBrk="0" hangingPunct="1">
+              <a:lnSpc>
+                <a:spcPct val="100000"/>
+              </a:lnSpc>
+              <a:spcBef>
+                <a:spcPts val="0"/>
+              </a:spcBef>
+              <a:spcAft>
+                <a:spcPts val="0"/>
+              </a:spcAft>
+              <a:buClrTx/>
+              <a:buSzTx/>
+              <a:buFont typeface="Wingdings" panose="05000000000000000000" pitchFamily="2" charset="2"/>
+              <a:buChar char="§"/>
+              <a:tabLst/>
+              <a:defRPr/>
+            </a:pPr>
+            <a:r>
+              <a:rPr lang="fr-FR" sz="1800" dirty="0" err="1"/>
+              <a:t>max_depth</a:t>
+            </a:r>
+            <a:r>
+              <a:rPr lang="fr-FR" sz="1800" dirty="0"/>
+              <a:t> : </a:t>
+            </a:r>
+            <a:r>
+              <a:rPr lang="fr-FR" sz="1800" b="0" i="0" u="none" strike="noStrike" baseline="0" dirty="0">
+                <a:solidFill>
+                  <a:srgbClr val="1C3C70"/>
+                </a:solidFill>
+                <a:latin typeface="CIDFont+F2"/>
+              </a:rPr>
+              <a:t>Profondeur de l'arbre.</a:t>
+            </a:r>
+            <a:endParaRPr lang="fr-FR" sz="1800" dirty="0"/>
+          </a:p>
+          <a:p>
+            <a:pPr marL="171450" marR="0" lvl="0" indent="-171450" algn="l" defTabSz="914400" rtl="0" eaLnBrk="1" fontAlgn="auto" latinLnBrk="0" hangingPunct="1">
+              <a:lnSpc>
+                <a:spcPct val="100000"/>
+              </a:lnSpc>
+              <a:spcBef>
+                <a:spcPts val="0"/>
+              </a:spcBef>
+              <a:spcAft>
+                <a:spcPts val="0"/>
+              </a:spcAft>
+              <a:buClrTx/>
+              <a:buSzTx/>
+              <a:buFont typeface="Wingdings" panose="05000000000000000000" pitchFamily="2" charset="2"/>
+              <a:buChar char="§"/>
+              <a:tabLst/>
+              <a:defRPr/>
+            </a:pPr>
+            <a:r>
+              <a:rPr lang="fr-FR" sz="1800" dirty="0" err="1"/>
+              <a:t>min_child_weight</a:t>
+            </a:r>
+            <a:r>
+              <a:rPr lang="fr-FR" sz="1800" dirty="0"/>
+              <a:t> : </a:t>
+            </a:r>
+          </a:p>
+          <a:p>
+            <a:pPr marL="171450" marR="0" lvl="0" indent="-171450" algn="l" defTabSz="914400" rtl="0" eaLnBrk="1" fontAlgn="auto" latinLnBrk="0" hangingPunct="1">
+              <a:lnSpc>
+                <a:spcPct val="100000"/>
+              </a:lnSpc>
+              <a:spcBef>
+                <a:spcPts val="0"/>
+              </a:spcBef>
+              <a:spcAft>
+                <a:spcPts val="0"/>
+              </a:spcAft>
+              <a:buClrTx/>
+              <a:buSzTx/>
+              <a:buFont typeface="Wingdings" panose="05000000000000000000" pitchFamily="2" charset="2"/>
+              <a:buChar char="§"/>
+              <a:tabLst/>
+              <a:defRPr/>
+            </a:pPr>
+            <a:r>
+              <a:rPr lang="fr-FR" sz="1800" dirty="0" err="1"/>
+              <a:t>min_split_gain</a:t>
+            </a:r>
+            <a:endParaRPr lang="fr-FR" sz="1800" dirty="0"/>
+          </a:p>
+          <a:p>
+            <a:pPr marL="171450" marR="0" lvl="0" indent="-171450" algn="l" defTabSz="914400" rtl="0" eaLnBrk="1" fontAlgn="auto" latinLnBrk="0" hangingPunct="1">
+              <a:lnSpc>
+                <a:spcPct val="100000"/>
+              </a:lnSpc>
+              <a:spcBef>
+                <a:spcPts val="0"/>
+              </a:spcBef>
+              <a:spcAft>
+                <a:spcPts val="0"/>
+              </a:spcAft>
+              <a:buClrTx/>
+              <a:buSzTx/>
+              <a:buFont typeface="Wingdings" panose="05000000000000000000" pitchFamily="2" charset="2"/>
+              <a:buChar char="§"/>
+              <a:tabLst/>
+              <a:defRPr/>
+            </a:pPr>
+            <a:r>
+              <a:rPr lang="fr-FR" sz="1800" dirty="0" err="1"/>
+              <a:t>n_estimators</a:t>
+            </a:r>
+            <a:r>
+              <a:rPr lang="fr-FR" sz="1800" dirty="0"/>
+              <a:t> : </a:t>
+            </a:r>
+            <a:r>
+              <a:rPr lang="fr-FR" sz="1800" b="0" i="0" u="none" strike="noStrike" baseline="0" dirty="0">
+                <a:solidFill>
+                  <a:srgbClr val="1C3C70"/>
+                </a:solidFill>
+                <a:latin typeface="CIDFont+F2"/>
+              </a:rPr>
+              <a:t>Le nombre maximum d'arbres qui peuvent être construits lors de</a:t>
+            </a:r>
+          </a:p>
+          <a:p>
+            <a:pPr algn="l"/>
+            <a:r>
+              <a:rPr lang="fr-FR" sz="1800" b="0" i="0" u="none" strike="noStrike" baseline="0" dirty="0">
+                <a:solidFill>
+                  <a:srgbClr val="1C3C70"/>
+                </a:solidFill>
+                <a:latin typeface="CIDFont+F2"/>
+              </a:rPr>
+              <a:t>la résolution de problèmes d'apprentissage automatique.</a:t>
+            </a:r>
+            <a:endParaRPr lang="fr-FR" sz="1800" dirty="0"/>
+          </a:p>
+          <a:p>
+            <a:pPr marL="171450" marR="0" lvl="0" indent="-171450" algn="l" defTabSz="914400" rtl="0" eaLnBrk="1" fontAlgn="auto" latinLnBrk="0" hangingPunct="1">
+              <a:lnSpc>
+                <a:spcPct val="100000"/>
+              </a:lnSpc>
+              <a:spcBef>
+                <a:spcPts val="0"/>
+              </a:spcBef>
+              <a:spcAft>
+                <a:spcPts val="0"/>
+              </a:spcAft>
+              <a:buClrTx/>
+              <a:buSzTx/>
+              <a:buFont typeface="Wingdings" panose="05000000000000000000" pitchFamily="2" charset="2"/>
+              <a:buChar char="§"/>
+              <a:tabLst/>
+              <a:defRPr/>
+            </a:pPr>
+            <a:endParaRPr lang="fr-FR" sz="1800" dirty="0"/>
+          </a:p>
+          <a:p>
+            <a:pPr marL="171450" marR="0" lvl="0" indent="-171450" algn="l" defTabSz="914400" rtl="0" eaLnBrk="1" fontAlgn="auto" latinLnBrk="0" hangingPunct="1">
+              <a:lnSpc>
+                <a:spcPct val="100000"/>
+              </a:lnSpc>
+              <a:spcBef>
+                <a:spcPts val="0"/>
+              </a:spcBef>
+              <a:spcAft>
+                <a:spcPts val="0"/>
+              </a:spcAft>
+              <a:buClrTx/>
+              <a:buSzTx/>
+              <a:buFont typeface="Wingdings" panose="05000000000000000000" pitchFamily="2" charset="2"/>
+              <a:buChar char="§"/>
+              <a:tabLst/>
+              <a:defRPr/>
+            </a:pPr>
+            <a:endParaRPr lang="fr-FR" sz="1800" dirty="0"/>
+          </a:p>
+          <a:p>
+            <a:pPr marL="171450" marR="0" lvl="0" indent="-171450" algn="l" defTabSz="914400" rtl="0" eaLnBrk="1" fontAlgn="auto" latinLnBrk="0" hangingPunct="1">
+              <a:lnSpc>
+                <a:spcPct val="100000"/>
+              </a:lnSpc>
+              <a:spcBef>
+                <a:spcPts val="0"/>
+              </a:spcBef>
+              <a:spcAft>
+                <a:spcPts val="0"/>
+              </a:spcAft>
+              <a:buClrTx/>
+              <a:buSzTx/>
+              <a:buFont typeface="Wingdings" panose="05000000000000000000" pitchFamily="2" charset="2"/>
+              <a:buChar char="§"/>
+              <a:tabLst/>
+              <a:defRPr/>
+            </a:pPr>
+            <a:endParaRPr lang="fr-FR" sz="1800" dirty="0"/>
+          </a:p>
+          <a:p>
+            <a:pPr marL="171450" marR="0" lvl="0" indent="-171450" algn="l" defTabSz="914400" rtl="0" eaLnBrk="1" fontAlgn="auto" latinLnBrk="0" hangingPunct="1">
+              <a:lnSpc>
+                <a:spcPct val="100000"/>
+              </a:lnSpc>
+              <a:spcBef>
+                <a:spcPts val="0"/>
+              </a:spcBef>
+              <a:spcAft>
+                <a:spcPts val="0"/>
+              </a:spcAft>
+              <a:buClrTx/>
+              <a:buSzTx/>
+              <a:buFont typeface="Wingdings" panose="05000000000000000000" pitchFamily="2" charset="2"/>
+              <a:buChar char="§"/>
+              <a:tabLst/>
+              <a:defRPr/>
+            </a:pPr>
+            <a:endParaRPr lang="fr-FR" sz="1800" b="0" i="0" u="none" strike="noStrike" baseline="0" dirty="0">
+              <a:solidFill>
+                <a:srgbClr val="1C3C70"/>
+              </a:solidFill>
+              <a:latin typeface="CIDFont+F2"/>
+            </a:endParaRPr>
+          </a:p>
+          <a:p>
+            <a:pPr marL="171450" marR="0" lvl="0" indent="-171450" algn="l" defTabSz="914400" rtl="0" eaLnBrk="1" fontAlgn="auto" latinLnBrk="0" hangingPunct="1">
+              <a:lnSpc>
+                <a:spcPct val="100000"/>
+              </a:lnSpc>
+              <a:spcBef>
+                <a:spcPts val="0"/>
+              </a:spcBef>
+              <a:spcAft>
+                <a:spcPts val="0"/>
+              </a:spcAft>
+              <a:buClrTx/>
+              <a:buSzTx/>
+              <a:buFont typeface="Wingdings" panose="05000000000000000000" pitchFamily="2" charset="2"/>
+              <a:buChar char="§"/>
+              <a:tabLst/>
+              <a:defRPr/>
+            </a:pPr>
+            <a:endParaRPr lang="fr-FR" sz="1200" dirty="0"/>
+          </a:p>
+          <a:p>
+            <a:pPr algn="l">
+              <a:buFont typeface="Arial" panose="020B0604020202020204" pitchFamily="34" charset="0"/>
+              <a:buChar char="•"/>
+            </a:pPr>
+            <a:endParaRPr lang="fr-FR" b="0" i="0" dirty="0">
+              <a:solidFill>
+                <a:srgbClr val="404040"/>
+              </a:solidFill>
+              <a:effectLst/>
+              <a:latin typeface="Lato" panose="020F0502020204030203" pitchFamily="34" charset="0"/>
+            </a:endParaRPr>
           </a:p>
         </p:txBody>
       </p:sp>
@@ -2063,7 +2345,7 @@
     </p:spTree>
     <p:extLst>
       <p:ext uri="{BB962C8B-B14F-4D97-AF65-F5344CB8AC3E}">
-        <p14:creationId xmlns:p14="http://schemas.microsoft.com/office/powerpoint/2010/main" val="1569169721"/>
+        <p14:creationId xmlns:p14="http://schemas.microsoft.com/office/powerpoint/2010/main" val="657879353"/>
       </p:ext>
     </p:extLst>
   </p:cSld>
@@ -2117,288 +2399,39 @@
           <a:bodyPr/>
           <a:lstStyle/>
           <a:p>
-            <a:pPr marL="171450" marR="0" lvl="0" indent="-171450" algn="l" defTabSz="914400" rtl="0" eaLnBrk="1" fontAlgn="auto" latinLnBrk="0" hangingPunct="1">
-              <a:lnSpc>
-                <a:spcPct val="100000"/>
-              </a:lnSpc>
-              <a:spcBef>
-                <a:spcPts val="0"/>
-              </a:spcBef>
-              <a:spcAft>
-                <a:spcPts val="0"/>
-              </a:spcAft>
-              <a:buClrTx/>
-              <a:buSzTx/>
-              <a:buFont typeface="Wingdings" panose="05000000000000000000" pitchFamily="2" charset="2"/>
-              <a:buChar char="§"/>
-              <a:tabLst/>
-              <a:defRPr/>
-            </a:pPr>
-            <a:r>
-              <a:rPr lang="fr-FR" sz="1200" dirty="0" err="1"/>
-              <a:t>learning_rate</a:t>
-            </a:r>
-            <a:r>
-              <a:rPr lang="fr-FR" sz="1200" dirty="0"/>
-              <a:t> : </a:t>
-            </a:r>
+            <a:pPr algn="l"/>
             <a:r>
               <a:rPr lang="fr-FR" sz="1800" b="0" i="0" u="none" strike="noStrike" baseline="0" dirty="0">
                 <a:solidFill>
-                  <a:srgbClr val="1C3C70"/>
+                  <a:srgbClr val="142D6E"/>
                 </a:solidFill>
                 <a:latin typeface="CIDFont+F2"/>
               </a:rPr>
-              <a:t>Le taux d'apprentissage.</a:t>
-            </a:r>
-          </a:p>
-          <a:p>
-            <a:pPr marL="171450" marR="0" lvl="0" indent="-171450" algn="l" defTabSz="914400" rtl="0" eaLnBrk="1" fontAlgn="auto" latinLnBrk="0" hangingPunct="1">
-              <a:lnSpc>
-                <a:spcPct val="100000"/>
-              </a:lnSpc>
-              <a:spcBef>
-                <a:spcPts val="0"/>
-              </a:spcBef>
-              <a:spcAft>
-                <a:spcPts val="0"/>
-              </a:spcAft>
-              <a:buClrTx/>
-              <a:buSzTx/>
-              <a:buFont typeface="Wingdings" panose="05000000000000000000" pitchFamily="2" charset="2"/>
-              <a:buChar char="§"/>
-              <a:tabLst/>
-              <a:defRPr/>
-            </a:pPr>
-            <a:r>
-              <a:rPr lang="fr-FR" sz="1800" dirty="0" err="1"/>
-              <a:t>max_depth</a:t>
-            </a:r>
-            <a:r>
-              <a:rPr lang="fr-FR" sz="1800" dirty="0"/>
-              <a:t> : </a:t>
-            </a:r>
-            <a:r>
-              <a:rPr lang="fr-FR" sz="1800" b="0" i="0" u="none" strike="noStrike" baseline="0" dirty="0">
-                <a:solidFill>
-                  <a:srgbClr val="1C3C70"/>
-                </a:solidFill>
-                <a:latin typeface="CIDFont+F2"/>
-              </a:rPr>
-              <a:t>Profondeur de l'arbre.</a:t>
-            </a:r>
-            <a:endParaRPr lang="fr-FR" sz="1800" dirty="0"/>
-          </a:p>
-          <a:p>
-            <a:pPr marL="171450" marR="0" lvl="0" indent="-171450" algn="l" defTabSz="914400" rtl="0" eaLnBrk="1" fontAlgn="auto" latinLnBrk="0" hangingPunct="1">
-              <a:lnSpc>
-                <a:spcPct val="100000"/>
-              </a:lnSpc>
-              <a:spcBef>
-                <a:spcPts val="0"/>
-              </a:spcBef>
-              <a:spcAft>
-                <a:spcPts val="0"/>
-              </a:spcAft>
-              <a:buClrTx/>
-              <a:buSzTx/>
-              <a:buFont typeface="Wingdings" panose="05000000000000000000" pitchFamily="2" charset="2"/>
-              <a:buChar char="§"/>
-              <a:tabLst/>
-              <a:defRPr/>
-            </a:pPr>
-            <a:r>
-              <a:rPr lang="fr-FR" sz="1800" dirty="0" err="1"/>
-              <a:t>min_child_weight</a:t>
-            </a:r>
-            <a:r>
-              <a:rPr lang="fr-FR" sz="1800" dirty="0"/>
-              <a:t> : </a:t>
-            </a:r>
-          </a:p>
-          <a:p>
-            <a:pPr marL="171450" marR="0" lvl="0" indent="-171450" algn="l" defTabSz="914400" rtl="0" eaLnBrk="1" fontAlgn="auto" latinLnBrk="0" hangingPunct="1">
-              <a:lnSpc>
-                <a:spcPct val="100000"/>
-              </a:lnSpc>
-              <a:spcBef>
-                <a:spcPts val="0"/>
-              </a:spcBef>
-              <a:spcAft>
-                <a:spcPts val="0"/>
-              </a:spcAft>
-              <a:buClrTx/>
-              <a:buSzTx/>
-              <a:buFont typeface="Wingdings" panose="05000000000000000000" pitchFamily="2" charset="2"/>
-              <a:buChar char="§"/>
-              <a:tabLst/>
-              <a:defRPr/>
-            </a:pPr>
-            <a:r>
-              <a:rPr lang="fr-FR" sz="1800" dirty="0" err="1"/>
-              <a:t>min_split_gain</a:t>
-            </a:r>
-            <a:endParaRPr lang="fr-FR" sz="1800" dirty="0"/>
-          </a:p>
-          <a:p>
-            <a:pPr marL="171450" marR="0" lvl="0" indent="-171450" algn="l" defTabSz="914400" rtl="0" eaLnBrk="1" fontAlgn="auto" latinLnBrk="0" hangingPunct="1">
-              <a:lnSpc>
-                <a:spcPct val="100000"/>
-              </a:lnSpc>
-              <a:spcBef>
-                <a:spcPts val="0"/>
-              </a:spcBef>
-              <a:spcAft>
-                <a:spcPts val="0"/>
-              </a:spcAft>
-              <a:buClrTx/>
-              <a:buSzTx/>
-              <a:buFont typeface="Wingdings" panose="05000000000000000000" pitchFamily="2" charset="2"/>
-              <a:buChar char="§"/>
-              <a:tabLst/>
-              <a:defRPr/>
-            </a:pPr>
-            <a:r>
-              <a:rPr lang="fr-FR" sz="1800" dirty="0" err="1"/>
-              <a:t>n_estimators</a:t>
-            </a:r>
-            <a:r>
-              <a:rPr lang="fr-FR" sz="1800" dirty="0"/>
-              <a:t> : </a:t>
-            </a:r>
-            <a:r>
-              <a:rPr lang="fr-FR" sz="1800" b="0" i="0" u="none" strike="noStrike" baseline="0" dirty="0">
-                <a:solidFill>
-                  <a:srgbClr val="1C3C70"/>
-                </a:solidFill>
-                <a:latin typeface="CIDFont+F2"/>
-              </a:rPr>
-              <a:t>Le nombre maximum d'arbres qui peuvent être construits lors de</a:t>
+              <a:t>Plus le modèle est performant, plus l’aire sous la courbe est maximisé.</a:t>
             </a:r>
           </a:p>
           <a:p>
             <a:pPr algn="l"/>
-            <a:r>
-              <a:rPr lang="fr-FR" sz="1800" b="0" i="0" u="none" strike="noStrike" baseline="0" dirty="0">
-                <a:solidFill>
-                  <a:srgbClr val="1C3C70"/>
-                </a:solidFill>
-                <a:latin typeface="CIDFont+F2"/>
-              </a:rPr>
-              <a:t>la résolution de problèmes d'apprentissage automatique.</a:t>
-            </a:r>
-            <a:endParaRPr lang="fr-FR" sz="1800" dirty="0"/>
-          </a:p>
-          <a:p>
-            <a:pPr marL="171450" marR="0" lvl="0" indent="-171450" algn="l" defTabSz="914400" rtl="0" eaLnBrk="1" fontAlgn="auto" latinLnBrk="0" hangingPunct="1">
-              <a:lnSpc>
-                <a:spcPct val="100000"/>
-              </a:lnSpc>
-              <a:spcBef>
-                <a:spcPts val="0"/>
-              </a:spcBef>
-              <a:spcAft>
-                <a:spcPts val="0"/>
-              </a:spcAft>
-              <a:buClrTx/>
-              <a:buSzTx/>
-              <a:buFont typeface="Wingdings" panose="05000000000000000000" pitchFamily="2" charset="2"/>
-              <a:buChar char="§"/>
-              <a:tabLst/>
-              <a:defRPr/>
-            </a:pPr>
-            <a:endParaRPr lang="fr-FR" sz="1800" dirty="0"/>
-          </a:p>
-          <a:p>
-            <a:pPr marL="171450" marR="0" lvl="0" indent="-171450" algn="l" defTabSz="914400" rtl="0" eaLnBrk="1" fontAlgn="auto" latinLnBrk="0" hangingPunct="1">
-              <a:lnSpc>
-                <a:spcPct val="100000"/>
-              </a:lnSpc>
-              <a:spcBef>
-                <a:spcPts val="0"/>
-              </a:spcBef>
-              <a:spcAft>
-                <a:spcPts val="0"/>
-              </a:spcAft>
-              <a:buClrTx/>
-              <a:buSzTx/>
-              <a:buFont typeface="Wingdings" panose="05000000000000000000" pitchFamily="2" charset="2"/>
-              <a:buChar char="§"/>
-              <a:tabLst/>
-              <a:defRPr/>
-            </a:pPr>
-            <a:endParaRPr lang="fr-FR" sz="1800" dirty="0"/>
-          </a:p>
-          <a:p>
-            <a:pPr marL="171450" marR="0" lvl="0" indent="-171450" algn="l" defTabSz="914400" rtl="0" eaLnBrk="1" fontAlgn="auto" latinLnBrk="0" hangingPunct="1">
-              <a:lnSpc>
-                <a:spcPct val="100000"/>
-              </a:lnSpc>
-              <a:spcBef>
-                <a:spcPts val="0"/>
-              </a:spcBef>
-              <a:spcAft>
-                <a:spcPts val="0"/>
-              </a:spcAft>
-              <a:buClrTx/>
-              <a:buSzTx/>
-              <a:buFont typeface="Wingdings" panose="05000000000000000000" pitchFamily="2" charset="2"/>
-              <a:buChar char="§"/>
-              <a:tabLst/>
-              <a:defRPr/>
-            </a:pPr>
-            <a:endParaRPr lang="fr-FR" sz="1800" dirty="0"/>
-          </a:p>
-          <a:p>
-            <a:pPr marL="171450" marR="0" lvl="0" indent="-171450" algn="l" defTabSz="914400" rtl="0" eaLnBrk="1" fontAlgn="auto" latinLnBrk="0" hangingPunct="1">
-              <a:lnSpc>
-                <a:spcPct val="100000"/>
-              </a:lnSpc>
-              <a:spcBef>
-                <a:spcPts val="0"/>
-              </a:spcBef>
-              <a:spcAft>
-                <a:spcPts val="0"/>
-              </a:spcAft>
-              <a:buClrTx/>
-              <a:buSzTx/>
-              <a:buFont typeface="Wingdings" panose="05000000000000000000" pitchFamily="2" charset="2"/>
-              <a:buChar char="§"/>
-              <a:tabLst/>
-              <a:defRPr/>
-            </a:pPr>
             <a:endParaRPr lang="fr-FR" sz="1800" b="0" i="0" u="none" strike="noStrike" baseline="0" dirty="0">
               <a:solidFill>
-                <a:srgbClr val="1C3C70"/>
+                <a:srgbClr val="142D6E"/>
               </a:solidFill>
+              <a:effectLst/>
               <a:latin typeface="CIDFont+F2"/>
             </a:endParaRPr>
           </a:p>
           <a:p>
-            <a:pPr marL="171450" marR="0" lvl="0" indent="-171450" algn="l" defTabSz="914400" rtl="0" eaLnBrk="1" fontAlgn="auto" latinLnBrk="0" hangingPunct="1">
-              <a:lnSpc>
-                <a:spcPct val="100000"/>
-              </a:lnSpc>
-              <a:spcBef>
-                <a:spcPts val="0"/>
-              </a:spcBef>
-              <a:spcAft>
-                <a:spcPts val="0"/>
-              </a:spcAft>
-              <a:buClrTx/>
-              <a:buSzTx/>
-              <a:buFont typeface="Wingdings" panose="05000000000000000000" pitchFamily="2" charset="2"/>
-              <a:buChar char="§"/>
-              <a:tabLst/>
-              <a:defRPr/>
-            </a:pPr>
-            <a:endParaRPr lang="fr-FR" sz="1200" dirty="0"/>
-          </a:p>
-          <a:p>
-            <a:pPr algn="l">
-              <a:buFont typeface="Arial" panose="020B0604020202020204" pitchFamily="34" charset="0"/>
-              <a:buChar char="•"/>
-            </a:pPr>
+            <a:pPr algn="l"/>
+            <a:r>
+              <a:rPr lang="fr-FR" sz="1800" b="0" i="0" u="none" strike="noStrike" baseline="0" dirty="0">
+                <a:solidFill>
+                  <a:srgbClr val="142D6E"/>
+                </a:solidFill>
+                <a:effectLst/>
+                <a:latin typeface="CIDFont+F2"/>
+              </a:rPr>
+              <a:t>TN, FP, FN, TP</a:t>
+            </a:r>
             <a:endParaRPr lang="fr-FR" b="0" i="0" dirty="0">
               <a:solidFill>
                 <a:srgbClr val="404040"/>
@@ -2435,7 +2468,7 @@
     </p:spTree>
     <p:extLst>
       <p:ext uri="{BB962C8B-B14F-4D97-AF65-F5344CB8AC3E}">
-        <p14:creationId xmlns:p14="http://schemas.microsoft.com/office/powerpoint/2010/main" val="657879353"/>
+        <p14:creationId xmlns:p14="http://schemas.microsoft.com/office/powerpoint/2010/main" val="2728905651"/>
       </p:ext>
     </p:extLst>
   </p:cSld>
@@ -2489,29 +2522,28 @@
           <a:bodyPr/>
           <a:lstStyle/>
           <a:p>
-            <a:pPr marL="171450" marR="0" lvl="0" indent="-171450" algn="l" defTabSz="914400" rtl="0" eaLnBrk="1" fontAlgn="auto" latinLnBrk="0" hangingPunct="1">
-              <a:lnSpc>
-                <a:spcPct val="100000"/>
-              </a:lnSpc>
-              <a:spcBef>
-                <a:spcPts val="0"/>
-              </a:spcBef>
-              <a:spcAft>
-                <a:spcPts val="0"/>
-              </a:spcAft>
-              <a:buClrTx/>
-              <a:buSzTx/>
+            <a:pPr marL="171450" indent="-171450" algn="l">
               <a:buFont typeface="Wingdings" panose="05000000000000000000" pitchFamily="2" charset="2"/>
               <a:buChar char="§"/>
-              <a:tabLst/>
-              <a:defRPr/>
             </a:pPr>
             <a:r>
-              <a:rPr lang="fr-FR" sz="1200" dirty="0" err="1"/>
-              <a:t>learning_rate</a:t>
-            </a:r>
-            <a:r>
-              <a:rPr lang="fr-FR" sz="1200" dirty="0"/>
+              <a:rPr lang="es-ES" b="0" i="0" dirty="0" err="1">
+                <a:solidFill>
+                  <a:srgbClr val="404040"/>
+                </a:solidFill>
+                <a:effectLst/>
+                <a:latin typeface="Lato" panose="020F0502020204030203" pitchFamily="34" charset="0"/>
+              </a:rPr>
+              <a:t>Ext_source</a:t>
+            </a:r>
+            <a:r>
+              <a:rPr lang="es-ES" b="0" i="0" dirty="0">
+                <a:solidFill>
+                  <a:srgbClr val="404040"/>
+                </a:solidFill>
+                <a:effectLst/>
+                <a:latin typeface="Lato" panose="020F0502020204030203" pitchFamily="34" charset="0"/>
+              </a:rPr>
               <a:t> : </a:t>
             </a:r>
             <a:r>
@@ -2521,256 +2553,8 @@
                 </a:solidFill>
                 <a:latin typeface="CIDFont+F2"/>
               </a:rPr>
-              <a:t>Le taux d'apprentissage.</a:t>
-            </a:r>
-          </a:p>
-          <a:p>
-            <a:pPr marL="171450" marR="0" lvl="0" indent="-171450" algn="l" defTabSz="914400" rtl="0" eaLnBrk="1" fontAlgn="auto" latinLnBrk="0" hangingPunct="1">
-              <a:lnSpc>
-                <a:spcPct val="100000"/>
-              </a:lnSpc>
-              <a:spcBef>
-                <a:spcPts val="0"/>
-              </a:spcBef>
-              <a:spcAft>
-                <a:spcPts val="0"/>
-              </a:spcAft>
-              <a:buClrTx/>
-              <a:buSzTx/>
-              <a:buFont typeface="Wingdings" panose="05000000000000000000" pitchFamily="2" charset="2"/>
-              <a:buChar char="§"/>
-              <a:tabLst/>
-              <a:defRPr/>
-            </a:pPr>
-            <a:r>
-              <a:rPr lang="fr-FR" sz="1800" dirty="0" err="1"/>
-              <a:t>max_depth</a:t>
-            </a:r>
-            <a:r>
-              <a:rPr lang="fr-FR" sz="1800" dirty="0"/>
-              <a:t> : </a:t>
-            </a:r>
-            <a:r>
-              <a:rPr lang="fr-FR" sz="1800" b="0" i="0" u="none" strike="noStrike" baseline="0" dirty="0">
-                <a:solidFill>
-                  <a:srgbClr val="1C3C70"/>
-                </a:solidFill>
-                <a:latin typeface="CIDFont+F2"/>
-              </a:rPr>
-              <a:t>Profondeur de l'arbre.</a:t>
-            </a:r>
-            <a:endParaRPr lang="fr-FR" sz="1800" dirty="0"/>
-          </a:p>
-          <a:p>
-            <a:pPr marL="171450" marR="0" lvl="0" indent="-171450" algn="l" defTabSz="914400" rtl="0" eaLnBrk="1" fontAlgn="auto" latinLnBrk="0" hangingPunct="1">
-              <a:lnSpc>
-                <a:spcPct val="100000"/>
-              </a:lnSpc>
-              <a:spcBef>
-                <a:spcPts val="0"/>
-              </a:spcBef>
-              <a:spcAft>
-                <a:spcPts val="0"/>
-              </a:spcAft>
-              <a:buClrTx/>
-              <a:buSzTx/>
-              <a:buFont typeface="Wingdings" panose="05000000000000000000" pitchFamily="2" charset="2"/>
-              <a:buChar char="§"/>
-              <a:tabLst/>
-              <a:defRPr/>
-            </a:pPr>
-            <a:r>
-              <a:rPr lang="fr-FR" sz="1800" dirty="0" err="1"/>
-              <a:t>min_child_weight</a:t>
-            </a:r>
-            <a:r>
-              <a:rPr lang="fr-FR" sz="1800" dirty="0"/>
-              <a:t> : </a:t>
-            </a:r>
-          </a:p>
-          <a:p>
-            <a:pPr marL="171450" marR="0" lvl="0" indent="-171450" algn="l" defTabSz="914400" rtl="0" eaLnBrk="1" fontAlgn="auto" latinLnBrk="0" hangingPunct="1">
-              <a:lnSpc>
-                <a:spcPct val="100000"/>
-              </a:lnSpc>
-              <a:spcBef>
-                <a:spcPts val="0"/>
-              </a:spcBef>
-              <a:spcAft>
-                <a:spcPts val="0"/>
-              </a:spcAft>
-              <a:buClrTx/>
-              <a:buSzTx/>
-              <a:buFont typeface="Wingdings" panose="05000000000000000000" pitchFamily="2" charset="2"/>
-              <a:buChar char="§"/>
-              <a:tabLst/>
-              <a:defRPr/>
-            </a:pPr>
-            <a:r>
-              <a:rPr lang="fr-FR" sz="1800" dirty="0" err="1"/>
-              <a:t>min_split_gain</a:t>
-            </a:r>
-            <a:endParaRPr lang="fr-FR" sz="1800" dirty="0"/>
-          </a:p>
-          <a:p>
-            <a:pPr marL="171450" marR="0" lvl="0" indent="-171450" algn="l" defTabSz="914400" rtl="0" eaLnBrk="1" fontAlgn="auto" latinLnBrk="0" hangingPunct="1">
-              <a:lnSpc>
-                <a:spcPct val="100000"/>
-              </a:lnSpc>
-              <a:spcBef>
-                <a:spcPts val="0"/>
-              </a:spcBef>
-              <a:spcAft>
-                <a:spcPts val="0"/>
-              </a:spcAft>
-              <a:buClrTx/>
-              <a:buSzTx/>
-              <a:buFont typeface="Wingdings" panose="05000000000000000000" pitchFamily="2" charset="2"/>
-              <a:buChar char="§"/>
-              <a:tabLst/>
-              <a:defRPr/>
-            </a:pPr>
-            <a:r>
-              <a:rPr lang="fr-FR" sz="1800" dirty="0" err="1"/>
-              <a:t>n_estimators</a:t>
-            </a:r>
-            <a:r>
-              <a:rPr lang="fr-FR" sz="1800" dirty="0"/>
-              <a:t> : </a:t>
-            </a:r>
-            <a:r>
-              <a:rPr lang="fr-FR" sz="1800" b="0" i="0" u="none" strike="noStrike" baseline="0" dirty="0">
-                <a:solidFill>
-                  <a:srgbClr val="1C3C70"/>
-                </a:solidFill>
-                <a:latin typeface="CIDFont+F2"/>
-              </a:rPr>
-              <a:t>Le nombre maximum d'arbres qui peuvent être construits lors de</a:t>
-            </a:r>
-          </a:p>
-          <a:p>
-            <a:pPr algn="l"/>
-            <a:r>
-              <a:rPr lang="fr-FR" sz="1800" b="0" i="0" u="none" strike="noStrike" baseline="0" dirty="0">
-                <a:solidFill>
-                  <a:srgbClr val="1C3C70"/>
-                </a:solidFill>
-                <a:latin typeface="CIDFont+F2"/>
-              </a:rPr>
-              <a:t>la résolution de problèmes d'apprentissage automatique.</a:t>
-            </a:r>
-            <a:endParaRPr lang="fr-FR" sz="1800" dirty="0"/>
-          </a:p>
-          <a:p>
-            <a:pPr marL="171450" marR="0" lvl="0" indent="-171450" algn="l" defTabSz="914400" rtl="0" eaLnBrk="1" fontAlgn="auto" latinLnBrk="0" hangingPunct="1">
-              <a:lnSpc>
-                <a:spcPct val="100000"/>
-              </a:lnSpc>
-              <a:spcBef>
-                <a:spcPts val="0"/>
-              </a:spcBef>
-              <a:spcAft>
-                <a:spcPts val="0"/>
-              </a:spcAft>
-              <a:buClrTx/>
-              <a:buSzTx/>
-              <a:buFont typeface="Wingdings" panose="05000000000000000000" pitchFamily="2" charset="2"/>
-              <a:buChar char="§"/>
-              <a:tabLst/>
-              <a:defRPr/>
-            </a:pPr>
-            <a:endParaRPr lang="fr-FR" sz="1800" dirty="0"/>
-          </a:p>
-          <a:p>
-            <a:pPr marL="171450" marR="0" lvl="0" indent="-171450" algn="l" defTabSz="914400" rtl="0" eaLnBrk="1" fontAlgn="auto" latinLnBrk="0" hangingPunct="1">
-              <a:lnSpc>
-                <a:spcPct val="100000"/>
-              </a:lnSpc>
-              <a:spcBef>
-                <a:spcPts val="0"/>
-              </a:spcBef>
-              <a:spcAft>
-                <a:spcPts val="0"/>
-              </a:spcAft>
-              <a:buClrTx/>
-              <a:buSzTx/>
-              <a:buFont typeface="Wingdings" panose="05000000000000000000" pitchFamily="2" charset="2"/>
-              <a:buChar char="§"/>
-              <a:tabLst/>
-              <a:defRPr/>
-            </a:pPr>
-            <a:endParaRPr lang="fr-FR" sz="1800" dirty="0"/>
-          </a:p>
-          <a:p>
-            <a:pPr marL="171450" marR="0" lvl="0" indent="-171450" algn="l" defTabSz="914400" rtl="0" eaLnBrk="1" fontAlgn="auto" latinLnBrk="0" hangingPunct="1">
-              <a:lnSpc>
-                <a:spcPct val="100000"/>
-              </a:lnSpc>
-              <a:spcBef>
-                <a:spcPts val="0"/>
-              </a:spcBef>
-              <a:spcAft>
-                <a:spcPts val="0"/>
-              </a:spcAft>
-              <a:buClrTx/>
-              <a:buSzTx/>
-              <a:buFont typeface="Wingdings" panose="05000000000000000000" pitchFamily="2" charset="2"/>
-              <a:buChar char="§"/>
-              <a:tabLst/>
-              <a:defRPr/>
-            </a:pPr>
-            <a:endParaRPr lang="fr-FR" sz="1800" dirty="0"/>
-          </a:p>
-          <a:p>
-            <a:pPr marL="171450" marR="0" lvl="0" indent="-171450" algn="l" defTabSz="914400" rtl="0" eaLnBrk="1" fontAlgn="auto" latinLnBrk="0" hangingPunct="1">
-              <a:lnSpc>
-                <a:spcPct val="100000"/>
-              </a:lnSpc>
-              <a:spcBef>
-                <a:spcPts val="0"/>
-              </a:spcBef>
-              <a:spcAft>
-                <a:spcPts val="0"/>
-              </a:spcAft>
-              <a:buClrTx/>
-              <a:buSzTx/>
-              <a:buFont typeface="Wingdings" panose="05000000000000000000" pitchFamily="2" charset="2"/>
-              <a:buChar char="§"/>
-              <a:tabLst/>
-              <a:defRPr/>
-            </a:pPr>
-            <a:endParaRPr lang="fr-FR" sz="1800" b="0" i="0" u="none" strike="noStrike" baseline="0" dirty="0">
-              <a:solidFill>
-                <a:srgbClr val="1C3C70"/>
-              </a:solidFill>
-              <a:latin typeface="CIDFont+F2"/>
-            </a:endParaRPr>
-          </a:p>
-          <a:p>
-            <a:pPr marL="171450" marR="0" lvl="0" indent="-171450" algn="l" defTabSz="914400" rtl="0" eaLnBrk="1" fontAlgn="auto" latinLnBrk="0" hangingPunct="1">
-              <a:lnSpc>
-                <a:spcPct val="100000"/>
-              </a:lnSpc>
-              <a:spcBef>
-                <a:spcPts val="0"/>
-              </a:spcBef>
-              <a:spcAft>
-                <a:spcPts val="0"/>
-              </a:spcAft>
-              <a:buClrTx/>
-              <a:buSzTx/>
-              <a:buFont typeface="Wingdings" panose="05000000000000000000" pitchFamily="2" charset="2"/>
-              <a:buChar char="§"/>
-              <a:tabLst/>
-              <a:defRPr/>
-            </a:pPr>
-            <a:endParaRPr lang="fr-FR" sz="1200" dirty="0"/>
-          </a:p>
-          <a:p>
-            <a:pPr algn="l">
-              <a:buFont typeface="Arial" panose="020B0604020202020204" pitchFamily="34" charset="0"/>
-              <a:buChar char="•"/>
-            </a:pPr>
+              <a:t>Score normalisé provenant d'une source de données externe</a:t>
+            </a:r>
             <a:endParaRPr lang="fr-FR" b="0" i="0" dirty="0">
               <a:solidFill>
                 <a:srgbClr val="404040"/>
@@ -2807,7 +2591,7 @@
     </p:spTree>
     <p:extLst>
       <p:ext uri="{BB962C8B-B14F-4D97-AF65-F5344CB8AC3E}">
-        <p14:creationId xmlns:p14="http://schemas.microsoft.com/office/powerpoint/2010/main" val="2889595398"/>
+        <p14:creationId xmlns:p14="http://schemas.microsoft.com/office/powerpoint/2010/main" val="1255713125"/>
       </p:ext>
     </p:extLst>
   </p:cSld>
@@ -2861,46 +2645,7 @@
           <a:bodyPr/>
           <a:lstStyle/>
           <a:p>
-            <a:pPr algn="l"/>
-            <a:r>
-              <a:rPr lang="fr-FR" sz="1800" b="0" i="0" u="none" strike="noStrike" baseline="0" dirty="0">
-                <a:solidFill>
-                  <a:srgbClr val="142D6E"/>
-                </a:solidFill>
-                <a:latin typeface="CIDFont+F2"/>
-              </a:rPr>
-              <a:t>Plus le modèle est performant, plus l’aire sous la courbe est maximisé.</a:t>
-            </a:r>
-          </a:p>
-          <a:p>
-            <a:pPr algn="l"/>
-            <a:endParaRPr lang="fr-FR" sz="1800" b="0" i="0" u="none" strike="noStrike" baseline="0" dirty="0">
-              <a:solidFill>
-                <a:srgbClr val="142D6E"/>
-              </a:solidFill>
-              <a:effectLst/>
-              <a:latin typeface="CIDFont+F2"/>
-            </a:endParaRPr>
-          </a:p>
-          <a:p>
-            <a:pPr algn="l"/>
-            <a:r>
-              <a:rPr lang="fr-FR" sz="1800" b="0" i="0" u="none" strike="noStrike" baseline="0" dirty="0">
-                <a:solidFill>
-                  <a:srgbClr val="142D6E"/>
-                </a:solidFill>
-                <a:effectLst/>
-                <a:latin typeface="CIDFont+F2"/>
-              </a:rPr>
-              <a:t>TN, FP, FN, TP</a:t>
-            </a:r>
-            <a:endParaRPr lang="fr-FR" b="0" i="0" dirty="0">
-              <a:solidFill>
-                <a:srgbClr val="404040"/>
-              </a:solidFill>
-              <a:effectLst/>
-              <a:latin typeface="Lato" panose="020F0502020204030203" pitchFamily="34" charset="0"/>
-            </a:endParaRPr>
+            <a:endParaRPr lang="fr-FR" dirty="0"/>
           </a:p>
         </p:txBody>
       </p:sp>
@@ -2930,7 +2675,7 @@
     </p:spTree>
     <p:extLst>
       <p:ext uri="{BB962C8B-B14F-4D97-AF65-F5344CB8AC3E}">
-        <p14:creationId xmlns:p14="http://schemas.microsoft.com/office/powerpoint/2010/main" val="2728905651"/>
+        <p14:creationId xmlns:p14="http://schemas.microsoft.com/office/powerpoint/2010/main" val="3940625131"/>
       </p:ext>
     </p:extLst>
   </p:cSld>
@@ -3068,39 +2813,10 @@
           <a:bodyPr/>
           <a:lstStyle/>
           <a:p>
-            <a:pPr marL="171450" indent="-171450" algn="l">
-              <a:buFont typeface="Wingdings" panose="05000000000000000000" pitchFamily="2" charset="2"/>
-              <a:buChar char="§"/>
+            <a:pPr algn="l">
+              <a:buFont typeface="Arial" panose="020B0604020202020204" pitchFamily="34" charset="0"/>
+              <a:buNone/>
             </a:pPr>
-            <a:r>
-              <a:rPr lang="es-ES" b="0" i="0" dirty="0" err="1">
-                <a:solidFill>
-                  <a:srgbClr val="404040"/>
-                </a:solidFill>
-                <a:effectLst/>
-                <a:latin typeface="Lato" panose="020F0502020204030203" pitchFamily="34" charset="0"/>
-              </a:rPr>
-              <a:t>Ext_source</a:t>
-            </a:r>
-            <a:r>
-              <a:rPr lang="es-ES" b="0" i="0" dirty="0">
-                <a:solidFill>
-                  <a:srgbClr val="404040"/>
-                </a:solidFill>
-                <a:effectLst/>
-                <a:latin typeface="Lato" panose="020F0502020204030203" pitchFamily="34" charset="0"/>
-              </a:rPr>
-              <a:t> : </a:t>
-            </a:r>
-            <a:r>
-              <a:rPr lang="fr-FR" sz="1800" b="0" i="0" u="none" strike="noStrike" baseline="0" dirty="0">
-                <a:solidFill>
-                  <a:srgbClr val="1C3C70"/>
-                </a:solidFill>
-                <a:latin typeface="CIDFont+F2"/>
-              </a:rPr>
-              <a:t>Score normalisé provenant d'une source de données externe</a:t>
-            </a:r>
             <a:endParaRPr lang="fr-FR" b="0" i="0" dirty="0">
               <a:solidFill>
                 <a:srgbClr val="404040"/>
@@ -3137,7 +2853,7 @@
     </p:spTree>
     <p:extLst>
       <p:ext uri="{BB962C8B-B14F-4D97-AF65-F5344CB8AC3E}">
-        <p14:creationId xmlns:p14="http://schemas.microsoft.com/office/powerpoint/2010/main" val="1255713125"/>
+        <p14:creationId xmlns:p14="http://schemas.microsoft.com/office/powerpoint/2010/main" val="448138784"/>
       </p:ext>
     </p:extLst>
   </p:cSld>
@@ -3191,7 +2907,17 @@
           <a:bodyPr/>
           <a:lstStyle/>
           <a:p>
-            <a:endParaRPr lang="fr-FR" dirty="0"/>
+            <a:pPr algn="l">
+              <a:buFont typeface="Arial" panose="020B0604020202020204" pitchFamily="34" charset="0"/>
+              <a:buNone/>
+            </a:pPr>
+            <a:endParaRPr lang="fr-FR" b="0" i="0" dirty="0">
+              <a:solidFill>
+                <a:srgbClr val="404040"/>
+              </a:solidFill>
+              <a:effectLst/>
+              <a:latin typeface="Lato" panose="020F0502020204030203" pitchFamily="34" charset="0"/>
+            </a:endParaRPr>
           </a:p>
         </p:txBody>
       </p:sp>
@@ -3221,7 +2947,7 @@
     </p:spTree>
     <p:extLst>
       <p:ext uri="{BB962C8B-B14F-4D97-AF65-F5344CB8AC3E}">
-        <p14:creationId xmlns:p14="http://schemas.microsoft.com/office/powerpoint/2010/main" val="3940625131"/>
+        <p14:creationId xmlns:p14="http://schemas.microsoft.com/office/powerpoint/2010/main" val="423251923"/>
       </p:ext>
     </p:extLst>
   </p:cSld>
@@ -3315,7 +3041,7 @@
     </p:spTree>
     <p:extLst>
       <p:ext uri="{BB962C8B-B14F-4D97-AF65-F5344CB8AC3E}">
-        <p14:creationId xmlns:p14="http://schemas.microsoft.com/office/powerpoint/2010/main" val="448138784"/>
+        <p14:creationId xmlns:p14="http://schemas.microsoft.com/office/powerpoint/2010/main" val="3399208670"/>
       </p:ext>
     </p:extLst>
   </p:cSld>
@@ -3409,7 +3135,7 @@
     </p:spTree>
     <p:extLst>
       <p:ext uri="{BB962C8B-B14F-4D97-AF65-F5344CB8AC3E}">
-        <p14:creationId xmlns:p14="http://schemas.microsoft.com/office/powerpoint/2010/main" val="423251923"/>
+        <p14:creationId xmlns:p14="http://schemas.microsoft.com/office/powerpoint/2010/main" val="3883169578"/>
       </p:ext>
     </p:extLst>
   </p:cSld>
@@ -3503,7 +3229,7 @@
     </p:spTree>
     <p:extLst>
       <p:ext uri="{BB962C8B-B14F-4D97-AF65-F5344CB8AC3E}">
-        <p14:creationId xmlns:p14="http://schemas.microsoft.com/office/powerpoint/2010/main" val="3399208670"/>
+        <p14:creationId xmlns:p14="http://schemas.microsoft.com/office/powerpoint/2010/main" val="840419749"/>
       </p:ext>
     </p:extLst>
   </p:cSld>
@@ -3557,17 +3283,7 @@
           <a:bodyPr/>
           <a:lstStyle/>
           <a:p>
-            <a:pPr algn="l">
-              <a:buFont typeface="Arial" panose="020B0604020202020204" pitchFamily="34" charset="0"/>
-              <a:buNone/>
-            </a:pPr>
-            <a:endParaRPr lang="fr-FR" b="0" i="0" dirty="0">
-              <a:solidFill>
-                <a:srgbClr val="404040"/>
-              </a:solidFill>
-              <a:effectLst/>
-              <a:latin typeface="Lato" panose="020F0502020204030203" pitchFamily="34" charset="0"/>
-            </a:endParaRPr>
+            <a:endParaRPr lang="fr-FR" dirty="0"/>
           </a:p>
         </p:txBody>
       </p:sp>
@@ -3597,7 +3313,7 @@
     </p:spTree>
     <p:extLst>
       <p:ext uri="{BB962C8B-B14F-4D97-AF65-F5344CB8AC3E}">
-        <p14:creationId xmlns:p14="http://schemas.microsoft.com/office/powerpoint/2010/main" val="3883169578"/>
+        <p14:creationId xmlns:p14="http://schemas.microsoft.com/office/powerpoint/2010/main" val="2672249202"/>
       </p:ext>
     </p:extLst>
   </p:cSld>
@@ -3651,17 +3367,11 @@
           <a:bodyPr/>
           <a:lstStyle/>
           <a:p>
-            <a:pPr algn="l">
-              <a:buFont typeface="Arial" panose="020B0604020202020204" pitchFamily="34" charset="0"/>
-              <a:buNone/>
+            <a:pPr marL="171450" indent="-171450">
+              <a:buFont typeface="Wingdings" panose="05000000000000000000" pitchFamily="2" charset="2"/>
+              <a:buChar char="§"/>
             </a:pPr>
-            <a:endParaRPr lang="fr-FR" b="0" i="0" dirty="0">
-              <a:solidFill>
-                <a:srgbClr val="404040"/>
-              </a:solidFill>
-              <a:effectLst/>
-              <a:latin typeface="Lato" panose="020F0502020204030203" pitchFamily="34" charset="0"/>
-            </a:endParaRPr>
+            <a:endParaRPr lang="fr-FR" dirty="0"/>
           </a:p>
         </p:txBody>
       </p:sp>
@@ -3691,7 +3401,7 @@
     </p:spTree>
     <p:extLst>
       <p:ext uri="{BB962C8B-B14F-4D97-AF65-F5344CB8AC3E}">
-        <p14:creationId xmlns:p14="http://schemas.microsoft.com/office/powerpoint/2010/main" val="840419749"/>
+        <p14:creationId xmlns:p14="http://schemas.microsoft.com/office/powerpoint/2010/main" val="1372545783"/>
       </p:ext>
     </p:extLst>
   </p:cSld>
@@ -3745,6 +3455,10 @@
           <a:bodyPr/>
           <a:lstStyle/>
           <a:p>
+            <a:pPr marL="171450" indent="-171450">
+              <a:buFont typeface="Wingdings" panose="05000000000000000000" pitchFamily="2" charset="2"/>
+              <a:buChar char="§"/>
+            </a:pPr>
             <a:endParaRPr lang="fr-FR" dirty="0"/>
           </a:p>
         </p:txBody>
@@ -3775,7 +3489,7 @@
     </p:spTree>
     <p:extLst>
       <p:ext uri="{BB962C8B-B14F-4D97-AF65-F5344CB8AC3E}">
-        <p14:creationId xmlns:p14="http://schemas.microsoft.com/office/powerpoint/2010/main" val="2672249202"/>
+        <p14:creationId xmlns:p14="http://schemas.microsoft.com/office/powerpoint/2010/main" val="3436986321"/>
       </p:ext>
     </p:extLst>
   </p:cSld>
@@ -3829,10 +3543,29 @@
           <a:bodyPr/>
           <a:lstStyle/>
           <a:p>
-            <a:pPr marL="171450" indent="-171450">
-              <a:buFont typeface="Wingdings" panose="05000000000000000000" pitchFamily="2" charset="2"/>
-              <a:buChar char="§"/>
+            <a:pPr marL="0" marR="0" lvl="0" indent="0" algn="l" defTabSz="914400" rtl="0" eaLnBrk="1" fontAlgn="auto" latinLnBrk="0" hangingPunct="1">
+              <a:lnSpc>
+                <a:spcPct val="100000"/>
+              </a:lnSpc>
+              <a:spcBef>
+                <a:spcPts val="0"/>
+              </a:spcBef>
+              <a:spcAft>
+                <a:spcPts val="0"/>
+              </a:spcAft>
+              <a:buClrTx/>
+              <a:buSzTx/>
+              <a:buFontTx/>
+              <a:buNone/>
+              <a:tabLst/>
+              <a:defRPr/>
             </a:pPr>
+            <a:r>
+              <a:rPr lang="fr-FR" dirty="0"/>
+              <a:t>On arrive à le processus d’Analyse exploratoire</a:t>
+            </a:r>
+          </a:p>
+          <a:p>
             <a:endParaRPr lang="fr-FR" dirty="0"/>
           </a:p>
         </p:txBody>
@@ -3854,7 +3587,7 @@
           <a:p>
             <a:fld id="{B2BE2823-3393-479C-B299-87C7B63AEB2B}" type="slidenum">
               <a:rPr lang="en-US" smtClean="0"/>
-              <a:t>29</a:t>
+              <a:t>30</a:t>
             </a:fld>
             <a:endParaRPr lang="en-US"/>
           </a:p>
@@ -3863,95 +3596,7 @@
     </p:spTree>
     <p:extLst>
       <p:ext uri="{BB962C8B-B14F-4D97-AF65-F5344CB8AC3E}">
-        <p14:creationId xmlns:p14="http://schemas.microsoft.com/office/powerpoint/2010/main" val="1372545783"/>
-      </p:ext>
-    </p:extLst>
-  </p:cSld>
-  <p:clrMapOvr>
-    <a:masterClrMapping/>
-  </p:clrMapOvr>
-</p:notes>
-</file>
-
-<file path=ppt/notesSlides/notesSlide29.xml><?xml version="1.0" encoding="utf-8"?>
-<p:notes xmlns:a="http://schemas.openxmlformats.org/drawingml/2006/main" xmlns:r="http://schemas.openxmlformats.org/officeDocument/2006/relationships" xmlns:p="http://schemas.openxmlformats.org/presentationml/2006/main">
-  <p:cSld>
-    <p:spTree>
-      <p:nvGrpSpPr>
-        <p:cNvPr id="1" name=""/>
-        <p:cNvGrpSpPr/>
-        <p:nvPr/>
-      </p:nvGrpSpPr>
-      <p:grpSpPr>
-        <a:xfrm>
-          <a:off x="0" y="0"/>
-          <a:ext cx="0" cy="0"/>
-          <a:chOff x="0" y="0"/>
-          <a:chExt cx="0" cy="0"/>
-        </a:xfrm>
-      </p:grpSpPr>
-      <p:sp>
-        <p:nvSpPr>
-          <p:cNvPr id="2" name="Espace réservé de l'image des diapositives 1"/>
-          <p:cNvSpPr>
-            <a:spLocks noGrp="1" noRot="1" noChangeAspect="1"/>
-          </p:cNvSpPr>
-          <p:nvPr>
-            <p:ph type="sldImg"/>
-          </p:nvPr>
-        </p:nvSpPr>
-        <p:spPr/>
-      </p:sp>
-      <p:sp>
-        <p:nvSpPr>
-          <p:cNvPr id="3" name="Espace réservé des notes 2"/>
-          <p:cNvSpPr>
-            <a:spLocks noGrp="1"/>
-          </p:cNvSpPr>
-          <p:nvPr>
-            <p:ph type="body" idx="1"/>
-          </p:nvPr>
-        </p:nvSpPr>
-        <p:spPr/>
-        <p:txBody>
-          <a:bodyPr/>
-          <a:lstStyle/>
-          <a:p>
-            <a:pPr marL="171450" indent="-171450">
-              <a:buFont typeface="Wingdings" panose="05000000000000000000" pitchFamily="2" charset="2"/>
-              <a:buChar char="§"/>
-            </a:pPr>
-            <a:endParaRPr lang="fr-FR" dirty="0"/>
-          </a:p>
-        </p:txBody>
-      </p:sp>
-      <p:sp>
-        <p:nvSpPr>
-          <p:cNvPr id="4" name="Espace réservé du numéro de diapositive 3"/>
-          <p:cNvSpPr>
-            <a:spLocks noGrp="1"/>
-          </p:cNvSpPr>
-          <p:nvPr>
-            <p:ph type="sldNum" sz="quarter" idx="5"/>
-          </p:nvPr>
-        </p:nvSpPr>
-        <p:spPr/>
-        <p:txBody>
-          <a:bodyPr/>
-          <a:lstStyle/>
-          <a:p>
-            <a:fld id="{B2BE2823-3393-479C-B299-87C7B63AEB2B}" type="slidenum">
-              <a:rPr lang="en-US" smtClean="0"/>
-              <a:t>30</a:t>
-            </a:fld>
-            <a:endParaRPr lang="en-US"/>
-          </a:p>
-        </p:txBody>
-      </p:sp>
-    </p:spTree>
-    <p:extLst>
-      <p:ext uri="{BB962C8B-B14F-4D97-AF65-F5344CB8AC3E}">
-        <p14:creationId xmlns:p14="http://schemas.microsoft.com/office/powerpoint/2010/main" val="3436986321"/>
+        <p14:creationId xmlns:p14="http://schemas.microsoft.com/office/powerpoint/2010/main" val="2103280738"/>
       </p:ext>
     </p:extLst>
   </p:cSld>
@@ -4110,113 +3755,6 @@
     <p:extLst>
       <p:ext uri="{BB962C8B-B14F-4D97-AF65-F5344CB8AC3E}">
         <p14:creationId xmlns:p14="http://schemas.microsoft.com/office/powerpoint/2010/main" val="635131984"/>
-      </p:ext>
-    </p:extLst>
-  </p:cSld>
-  <p:clrMapOvr>
-    <a:masterClrMapping/>
-  </p:clrMapOvr>
-</p:notes>
-</file>
-
-<file path=ppt/notesSlides/notesSlide30.xml><?xml version="1.0" encoding="utf-8"?>
-<p:notes xmlns:a="http://schemas.openxmlformats.org/drawingml/2006/main" xmlns:r="http://schemas.openxmlformats.org/officeDocument/2006/relationships" xmlns:p="http://schemas.openxmlformats.org/presentationml/2006/main">
-  <p:cSld>
-    <p:spTree>
-      <p:nvGrpSpPr>
-        <p:cNvPr id="1" name=""/>
-        <p:cNvGrpSpPr/>
-        <p:nvPr/>
-      </p:nvGrpSpPr>
-      <p:grpSpPr>
-        <a:xfrm>
-          <a:off x="0" y="0"/>
-          <a:ext cx="0" cy="0"/>
-          <a:chOff x="0" y="0"/>
-          <a:chExt cx="0" cy="0"/>
-        </a:xfrm>
-      </p:grpSpPr>
-      <p:sp>
-        <p:nvSpPr>
-          <p:cNvPr id="2" name="Espace réservé de l'image des diapositives 1"/>
-          <p:cNvSpPr>
-            <a:spLocks noGrp="1" noRot="1" noChangeAspect="1"/>
-          </p:cNvSpPr>
-          <p:nvPr>
-            <p:ph type="sldImg"/>
-          </p:nvPr>
-        </p:nvSpPr>
-        <p:spPr/>
-      </p:sp>
-      <p:sp>
-        <p:nvSpPr>
-          <p:cNvPr id="3" name="Espace réservé des notes 2"/>
-          <p:cNvSpPr>
-            <a:spLocks noGrp="1"/>
-          </p:cNvSpPr>
-          <p:nvPr>
-            <p:ph type="body" idx="1"/>
-          </p:nvPr>
-        </p:nvSpPr>
-        <p:spPr/>
-        <p:txBody>
-          <a:bodyPr/>
-          <a:lstStyle/>
-          <a:p>
-            <a:pPr marL="0" marR="0" lvl="0" indent="0" algn="l" defTabSz="914400" rtl="0" eaLnBrk="1" fontAlgn="auto" latinLnBrk="0" hangingPunct="1">
-              <a:lnSpc>
-                <a:spcPct val="100000"/>
-              </a:lnSpc>
-              <a:spcBef>
-                <a:spcPts val="0"/>
-              </a:spcBef>
-              <a:spcAft>
-                <a:spcPts val="0"/>
-              </a:spcAft>
-              <a:buClrTx/>
-              <a:buSzTx/>
-              <a:buFontTx/>
-              <a:buNone/>
-              <a:tabLst/>
-              <a:defRPr/>
-            </a:pPr>
-            <a:r>
-              <a:rPr lang="fr-FR" dirty="0"/>
-              <a:t>On arrive à le processus d’Analyse exploratoire</a:t>
-            </a:r>
-          </a:p>
-          <a:p>
-            <a:endParaRPr lang="fr-FR" dirty="0"/>
-          </a:p>
-        </p:txBody>
-      </p:sp>
-      <p:sp>
-        <p:nvSpPr>
-          <p:cNvPr id="4" name="Espace réservé du numéro de diapositive 3"/>
-          <p:cNvSpPr>
-            <a:spLocks noGrp="1"/>
-          </p:cNvSpPr>
-          <p:nvPr>
-            <p:ph type="sldNum" sz="quarter" idx="5"/>
-          </p:nvPr>
-        </p:nvSpPr>
-        <p:spPr/>
-        <p:txBody>
-          <a:bodyPr/>
-          <a:lstStyle/>
-          <a:p>
-            <a:fld id="{B2BE2823-3393-479C-B299-87C7B63AEB2B}" type="slidenum">
-              <a:rPr lang="en-US" smtClean="0"/>
-              <a:t>32</a:t>
-            </a:fld>
-            <a:endParaRPr lang="en-US"/>
-          </a:p>
-        </p:txBody>
-      </p:sp>
-    </p:spTree>
-    <p:extLst>
-      <p:ext uri="{BB962C8B-B14F-4D97-AF65-F5344CB8AC3E}">
-        <p14:creationId xmlns:p14="http://schemas.microsoft.com/office/powerpoint/2010/main" val="2103280738"/>
       </p:ext>
     </p:extLst>
   </p:cSld>
@@ -14241,977 +13779,6 @@
       </p:grpSpPr>
       <p:grpSp>
         <p:nvGrpSpPr>
-          <p:cNvPr id="2" name="Groupe 1">
-            <a:extLst>
-              <a:ext uri="{FF2B5EF4-FFF2-40B4-BE49-F238E27FC236}">
-                <a16:creationId xmlns:a16="http://schemas.microsoft.com/office/drawing/2014/main" id="{FC9A7C1E-C783-475F-B294-3B6A24B235CD}"/>
-              </a:ext>
-            </a:extLst>
-          </p:cNvPr>
-          <p:cNvGrpSpPr/>
-          <p:nvPr/>
-        </p:nvGrpSpPr>
-        <p:grpSpPr>
-          <a:xfrm>
-            <a:off x="9831895" y="210686"/>
-            <a:ext cx="2227800" cy="856800"/>
-            <a:chOff x="9831895" y="210686"/>
-            <a:chExt cx="2227800" cy="856800"/>
-          </a:xfrm>
-        </p:grpSpPr>
-        <p:sp>
-          <p:nvSpPr>
-            <p:cNvPr id="30" name="Google Shape;189;p19">
-              <a:extLst>
-                <a:ext uri="{FF2B5EF4-FFF2-40B4-BE49-F238E27FC236}">
-                  <a16:creationId xmlns:a16="http://schemas.microsoft.com/office/drawing/2014/main" id="{A82D989A-05A2-41DE-92CD-A964EEA10F53}"/>
-                </a:ext>
-              </a:extLst>
-            </p:cNvPr>
-            <p:cNvSpPr/>
-            <p:nvPr/>
-          </p:nvSpPr>
-          <p:spPr>
-            <a:xfrm>
-              <a:off x="9831895" y="210686"/>
-              <a:ext cx="2227800" cy="856800"/>
-            </a:xfrm>
-            <a:prstGeom prst="chevron">
-              <a:avLst>
-                <a:gd name="adj" fmla="val 50000"/>
-              </a:avLst>
-            </a:prstGeom>
-            <a:solidFill>
-              <a:srgbClr val="ED7D31"/>
-            </a:solidFill>
-            <a:ln>
-              <a:solidFill>
-                <a:srgbClr val="ED7D31"/>
-              </a:solidFill>
-            </a:ln>
-          </p:spPr>
-          <p:txBody>
-            <a:bodyPr spcFirstLastPara="1" wrap="square" lIns="91425" tIns="91425" rIns="91425" bIns="91425" anchor="ctr" anchorCtr="0">
-              <a:noAutofit/>
-            </a:bodyPr>
-            <a:lstStyle/>
-            <a:p>
-              <a:pPr marL="0" lvl="0" indent="0" algn="l" rtl="0">
-                <a:spcBef>
-                  <a:spcPts val="0"/>
-                </a:spcBef>
-                <a:spcAft>
-                  <a:spcPts val="0"/>
-                </a:spcAft>
-                <a:buNone/>
-              </a:pPr>
-              <a:endParaRPr/>
-            </a:p>
-          </p:txBody>
-        </p:sp>
-        <p:sp>
-          <p:nvSpPr>
-            <p:cNvPr id="31" name="Google Shape;193;p19">
-              <a:extLst>
-                <a:ext uri="{FF2B5EF4-FFF2-40B4-BE49-F238E27FC236}">
-                  <a16:creationId xmlns:a16="http://schemas.microsoft.com/office/drawing/2014/main" id="{9AC04BB4-E0BF-46A9-91F7-34BC0A8FFE58}"/>
-                </a:ext>
-              </a:extLst>
-            </p:cNvPr>
-            <p:cNvSpPr txBox="1"/>
-            <p:nvPr/>
-          </p:nvSpPr>
-          <p:spPr>
-            <a:xfrm>
-              <a:off x="10115079" y="399532"/>
-              <a:ext cx="1293117" cy="464551"/>
-            </a:xfrm>
-            <a:prstGeom prst="rect">
-              <a:avLst/>
-            </a:prstGeom>
-            <a:noFill/>
-            <a:ln>
-              <a:noFill/>
-            </a:ln>
-          </p:spPr>
-          <p:txBody>
-            <a:bodyPr spcFirstLastPara="1" wrap="square" lIns="91425" tIns="91425" rIns="91425" bIns="91425" anchor="ctr" anchorCtr="0">
-              <a:noAutofit/>
-            </a:bodyPr>
-            <a:lstStyle/>
-            <a:p>
-              <a:pPr marL="0" lvl="0" indent="0" algn="ctr" rtl="0">
-                <a:spcBef>
-                  <a:spcPts val="0"/>
-                </a:spcBef>
-                <a:spcAft>
-                  <a:spcPts val="0"/>
-                </a:spcAft>
-                <a:buNone/>
-              </a:pPr>
-              <a:r>
-                <a:rPr lang="fr-FR" sz="1800" dirty="0">
-                  <a:solidFill>
-                    <a:schemeClr val="lt1"/>
-                  </a:solidFill>
-                  <a:latin typeface="Google Sans"/>
-                  <a:ea typeface="Fira Sans Condensed Medium"/>
-                  <a:cs typeface="Fira Sans Condensed Medium"/>
-                  <a:sym typeface="Fira Sans Condensed Medium"/>
-                </a:rPr>
-                <a:t>données </a:t>
-              </a:r>
-              <a:r>
-                <a:rPr lang="fr-FR" sz="1400" dirty="0">
-                  <a:solidFill>
-                    <a:schemeClr val="lt1"/>
-                  </a:solidFill>
-                  <a:latin typeface="Google Sans"/>
-                  <a:ea typeface="Fira Sans Condensed Medium"/>
-                  <a:cs typeface="Fira Sans Condensed Medium"/>
-                  <a:sym typeface="Fira Sans Condensed Medium"/>
-                </a:rPr>
-                <a:t>déséquilibrées</a:t>
-              </a:r>
-              <a:endParaRPr lang="fr-FR" sz="1800" dirty="0">
-                <a:solidFill>
-                  <a:schemeClr val="lt1"/>
-                </a:solidFill>
-                <a:latin typeface="Google Sans"/>
-                <a:ea typeface="Fira Sans Condensed Medium"/>
-                <a:cs typeface="Fira Sans Condensed Medium"/>
-                <a:sym typeface="Fira Sans Condensed Medium"/>
-              </a:endParaRPr>
-            </a:p>
-          </p:txBody>
-        </p:sp>
-        <p:sp>
-          <p:nvSpPr>
-            <p:cNvPr id="32" name="Google Shape;197;p19">
-              <a:extLst>
-                <a:ext uri="{FF2B5EF4-FFF2-40B4-BE49-F238E27FC236}">
-                  <a16:creationId xmlns:a16="http://schemas.microsoft.com/office/drawing/2014/main" id="{D35505C4-7840-4B1B-B920-8D4DDB6418BD}"/>
-                </a:ext>
-              </a:extLst>
-            </p:cNvPr>
-            <p:cNvSpPr/>
-            <p:nvPr/>
-          </p:nvSpPr>
-          <p:spPr>
-            <a:xfrm>
-              <a:off x="11353020" y="440781"/>
-              <a:ext cx="396600" cy="396600"/>
-            </a:xfrm>
-            <a:prstGeom prst="ellipse">
-              <a:avLst/>
-            </a:prstGeom>
-            <a:solidFill>
-              <a:srgbClr val="FFFFFF"/>
-            </a:solidFill>
-            <a:ln>
-              <a:noFill/>
-            </a:ln>
-          </p:spPr>
-          <p:txBody>
-            <a:bodyPr spcFirstLastPara="1" wrap="square" lIns="91425" tIns="91425" rIns="91425" bIns="91425" anchor="ctr" anchorCtr="0">
-              <a:noAutofit/>
-            </a:bodyPr>
-            <a:lstStyle/>
-            <a:p>
-              <a:pPr marL="0" lvl="0" indent="0" algn="l" rtl="0">
-                <a:spcBef>
-                  <a:spcPts val="0"/>
-                </a:spcBef>
-                <a:spcAft>
-                  <a:spcPts val="0"/>
-                </a:spcAft>
-                <a:buNone/>
-              </a:pPr>
-              <a:endParaRPr sz="2100">
-                <a:solidFill>
-                  <a:schemeClr val="accent1"/>
-                </a:solidFill>
-                <a:latin typeface="Fira Sans Condensed Medium"/>
-                <a:ea typeface="Fira Sans Condensed Medium"/>
-                <a:cs typeface="Fira Sans Condensed Medium"/>
-                <a:sym typeface="Fira Sans Condensed Medium"/>
-              </a:endParaRPr>
-            </a:p>
-          </p:txBody>
-        </p:sp>
-        <p:sp>
-          <p:nvSpPr>
-            <p:cNvPr id="33" name="Google Shape;204;p19">
-              <a:extLst>
-                <a:ext uri="{FF2B5EF4-FFF2-40B4-BE49-F238E27FC236}">
-                  <a16:creationId xmlns:a16="http://schemas.microsoft.com/office/drawing/2014/main" id="{035252C5-FA93-4030-A7BD-225A7CE772DC}"/>
-                </a:ext>
-              </a:extLst>
-            </p:cNvPr>
-            <p:cNvSpPr txBox="1"/>
-            <p:nvPr/>
-          </p:nvSpPr>
-          <p:spPr>
-            <a:xfrm>
-              <a:off x="11353521" y="440650"/>
-              <a:ext cx="396600" cy="396600"/>
-            </a:xfrm>
-            <a:prstGeom prst="rect">
-              <a:avLst/>
-            </a:prstGeom>
-            <a:noFill/>
-            <a:ln>
-              <a:noFill/>
-            </a:ln>
-          </p:spPr>
-          <p:txBody>
-            <a:bodyPr spcFirstLastPara="1" wrap="square" lIns="91425" tIns="91425" rIns="91425" bIns="91425" anchor="ctr" anchorCtr="0">
-              <a:noAutofit/>
-            </a:bodyPr>
-            <a:lstStyle/>
-            <a:p>
-              <a:pPr marL="0" lvl="0" indent="0" algn="ctr" rtl="0">
-                <a:spcBef>
-                  <a:spcPts val="0"/>
-                </a:spcBef>
-                <a:spcAft>
-                  <a:spcPts val="0"/>
-                </a:spcAft>
-                <a:buNone/>
-              </a:pPr>
-              <a:endParaRPr sz="2000" dirty="0">
-                <a:solidFill>
-                  <a:schemeClr val="accent1"/>
-                </a:solidFill>
-                <a:latin typeface="Fira Sans Condensed Medium"/>
-                <a:ea typeface="Fira Sans Condensed Medium"/>
-                <a:cs typeface="Fira Sans Condensed Medium"/>
-                <a:sym typeface="Fira Sans Condensed Medium"/>
-              </a:endParaRPr>
-            </a:p>
-          </p:txBody>
-        </p:sp>
-        <p:grpSp>
-          <p:nvGrpSpPr>
-            <p:cNvPr id="34" name="Groupe 33">
-              <a:extLst>
-                <a:ext uri="{FF2B5EF4-FFF2-40B4-BE49-F238E27FC236}">
-                  <a16:creationId xmlns:a16="http://schemas.microsoft.com/office/drawing/2014/main" id="{127F257C-F065-4651-9A92-0C197D485FEA}"/>
-                </a:ext>
-              </a:extLst>
-            </p:cNvPr>
-            <p:cNvGrpSpPr/>
-            <p:nvPr/>
-          </p:nvGrpSpPr>
-          <p:grpSpPr>
-            <a:xfrm>
-              <a:off x="11451473" y="515925"/>
-              <a:ext cx="226866" cy="219294"/>
-              <a:chOff x="3104506" y="2753958"/>
-              <a:chExt cx="740426" cy="1737359"/>
-            </a:xfrm>
-          </p:grpSpPr>
-          <p:pic>
-            <p:nvPicPr>
-              <p:cNvPr id="35" name="Image 34">
-                <a:extLst>
-                  <a:ext uri="{FF2B5EF4-FFF2-40B4-BE49-F238E27FC236}">
-                    <a16:creationId xmlns:a16="http://schemas.microsoft.com/office/drawing/2014/main" id="{2EA1E6F4-A5C1-4753-AB1B-75E365174BD9}"/>
-                  </a:ext>
-                </a:extLst>
-              </p:cNvPr>
-              <p:cNvPicPr>
-                <a:picLocks noChangeAspect="1"/>
-              </p:cNvPicPr>
-              <p:nvPr/>
-            </p:nvPicPr>
-            <p:blipFill rotWithShape="1">
-              <a:blip r:embed="rId3">
-                <a:extLst>
-                  <a:ext uri="{28A0092B-C50C-407E-A947-70E740481C1C}">
-                    <a14:useLocalDpi xmlns:a14="http://schemas.microsoft.com/office/drawing/2010/main" val="0"/>
-                  </a:ext>
-                </a:extLst>
-              </a:blip>
-              <a:srcRect l="18595" r="60097"/>
-              <a:stretch/>
-            </p:blipFill>
-            <p:spPr>
-              <a:xfrm>
-                <a:off x="3104506" y="2753958"/>
-                <a:ext cx="370213" cy="1737359"/>
-              </a:xfrm>
-              <a:prstGeom prst="rect">
-                <a:avLst/>
-              </a:prstGeom>
-            </p:spPr>
-          </p:pic>
-          <p:pic>
-            <p:nvPicPr>
-              <p:cNvPr id="36" name="Image 35">
-                <a:extLst>
-                  <a:ext uri="{FF2B5EF4-FFF2-40B4-BE49-F238E27FC236}">
-                    <a16:creationId xmlns:a16="http://schemas.microsoft.com/office/drawing/2014/main" id="{76C3705A-64D8-4C09-9774-7D9A63347B80}"/>
-                  </a:ext>
-                </a:extLst>
-              </p:cNvPr>
-              <p:cNvPicPr>
-                <a:picLocks noChangeAspect="1"/>
-              </p:cNvPicPr>
-              <p:nvPr/>
-            </p:nvPicPr>
-            <p:blipFill rotWithShape="1">
-              <a:blip r:embed="rId3">
-                <a:extLst>
-                  <a:ext uri="{28A0092B-C50C-407E-A947-70E740481C1C}">
-                    <a14:useLocalDpi xmlns:a14="http://schemas.microsoft.com/office/drawing/2010/main" val="0"/>
-                  </a:ext>
-                </a:extLst>
-              </a:blip>
-              <a:srcRect l="60097" r="18594"/>
-              <a:stretch/>
-            </p:blipFill>
-            <p:spPr>
-              <a:xfrm>
-                <a:off x="3474719" y="2753958"/>
-                <a:ext cx="370213" cy="1737359"/>
-              </a:xfrm>
-              <a:prstGeom prst="rect">
-                <a:avLst/>
-              </a:prstGeom>
-            </p:spPr>
-          </p:pic>
-        </p:grpSp>
-      </p:grpSp>
-      <p:sp>
-        <p:nvSpPr>
-          <p:cNvPr id="5" name="Rectangle 4">
-            <a:extLst>
-              <a:ext uri="{FF2B5EF4-FFF2-40B4-BE49-F238E27FC236}">
-                <a16:creationId xmlns:a16="http://schemas.microsoft.com/office/drawing/2014/main" id="{A00233D2-38CE-441F-90C9-32F91999758A}"/>
-              </a:ext>
-            </a:extLst>
-          </p:cNvPr>
-          <p:cNvSpPr/>
-          <p:nvPr/>
-        </p:nvSpPr>
-        <p:spPr>
-          <a:xfrm>
-            <a:off x="0" y="6400273"/>
-            <a:ext cx="12192000" cy="457727"/>
-          </a:xfrm>
-          <a:prstGeom prst="rect">
-            <a:avLst/>
-          </a:prstGeom>
-          <a:solidFill>
-            <a:srgbClr val="7451EB"/>
-          </a:solidFill>
-          <a:ln>
-            <a:solidFill>
-              <a:srgbClr val="7451EB"/>
-            </a:solidFill>
-          </a:ln>
-        </p:spPr>
-        <p:style>
-          <a:lnRef idx="2">
-            <a:schemeClr val="accent1">
-              <a:shade val="50000"/>
-            </a:schemeClr>
-          </a:lnRef>
-          <a:fillRef idx="1">
-            <a:schemeClr val="accent1"/>
-          </a:fillRef>
-          <a:effectRef idx="0">
-            <a:schemeClr val="accent1"/>
-          </a:effectRef>
-          <a:fontRef idx="minor">
-            <a:schemeClr val="lt1"/>
-          </a:fontRef>
-        </p:style>
-        <p:txBody>
-          <a:bodyPr rtlCol="0" anchor="ctr"/>
-          <a:lstStyle/>
-          <a:p>
-            <a:pPr algn="ctr"/>
-            <a:endParaRPr lang="en-US" dirty="0"/>
-          </a:p>
-        </p:txBody>
-      </p:sp>
-      <p:sp>
-        <p:nvSpPr>
-          <p:cNvPr id="15" name="TextBox 3">
-            <a:extLst>
-              <a:ext uri="{FF2B5EF4-FFF2-40B4-BE49-F238E27FC236}">
-                <a16:creationId xmlns:a16="http://schemas.microsoft.com/office/drawing/2014/main" id="{47FC2DCC-BDE9-485D-AF79-4177B5479110}"/>
-              </a:ext>
-            </a:extLst>
-          </p:cNvPr>
-          <p:cNvSpPr txBox="1"/>
-          <p:nvPr/>
-        </p:nvSpPr>
-        <p:spPr>
-          <a:xfrm>
-            <a:off x="10543592" y="6475247"/>
-            <a:ext cx="1648408" cy="307777"/>
-          </a:xfrm>
-          <a:prstGeom prst="rect">
-            <a:avLst/>
-          </a:prstGeom>
-          <a:noFill/>
-        </p:spPr>
-        <p:txBody>
-          <a:bodyPr wrap="square" rtlCol="0">
-            <a:spAutoFit/>
-          </a:bodyPr>
-          <a:lstStyle/>
-          <a:p>
-            <a:pPr algn="r"/>
-            <a:r>
-              <a:rPr lang="es-CO" sz="1400" b="1" i="1" dirty="0" err="1">
-                <a:ln>
-                  <a:solidFill>
-                    <a:schemeClr val="bg1"/>
-                  </a:solidFill>
-                </a:ln>
-                <a:solidFill>
-                  <a:schemeClr val="bg1"/>
-                </a:solidFill>
-                <a:latin typeface="+mj-lt"/>
-              </a:rPr>
-              <a:t>OpenClassrooms</a:t>
-            </a:r>
-            <a:endParaRPr lang="en-US" sz="1400" b="1" i="1" dirty="0">
-              <a:ln>
-                <a:solidFill>
-                  <a:schemeClr val="bg1"/>
-                </a:solidFill>
-              </a:ln>
-              <a:solidFill>
-                <a:schemeClr val="bg1"/>
-              </a:solidFill>
-              <a:latin typeface="+mj-lt"/>
-            </a:endParaRPr>
-          </a:p>
-        </p:txBody>
-      </p:sp>
-      <p:sp>
-        <p:nvSpPr>
-          <p:cNvPr id="10" name="Titre 1">
-            <a:extLst>
-              <a:ext uri="{FF2B5EF4-FFF2-40B4-BE49-F238E27FC236}">
-                <a16:creationId xmlns:a16="http://schemas.microsoft.com/office/drawing/2014/main" id="{224E5C7D-3656-459F-9C01-61200508167F}"/>
-              </a:ext>
-            </a:extLst>
-          </p:cNvPr>
-          <p:cNvSpPr txBox="1">
-            <a:spLocks/>
-          </p:cNvSpPr>
-          <p:nvPr/>
-        </p:nvSpPr>
-        <p:spPr>
-          <a:xfrm>
-            <a:off x="279917" y="432794"/>
-            <a:ext cx="7736849" cy="696438"/>
-          </a:xfrm>
-          <a:prstGeom prst="rect">
-            <a:avLst/>
-          </a:prstGeom>
-        </p:spPr>
-        <p:txBody>
-          <a:bodyPr vert="horz" lIns="91440" tIns="45720" rIns="91440" bIns="45720" rtlCol="0" anchor="ctr">
-            <a:normAutofit/>
-          </a:bodyPr>
-          <a:lstStyle>
-            <a:lvl1pPr algn="l" defTabSz="914400" rtl="0" eaLnBrk="1" latinLnBrk="0" hangingPunct="1">
-              <a:lnSpc>
-                <a:spcPct val="90000"/>
-              </a:lnSpc>
-              <a:spcBef>
-                <a:spcPct val="0"/>
-              </a:spcBef>
-              <a:buNone/>
-              <a:defRPr sz="4400" kern="1200">
-                <a:solidFill>
-                  <a:schemeClr val="tx1"/>
-                </a:solidFill>
-                <a:latin typeface="+mj-lt"/>
-                <a:ea typeface="+mj-ea"/>
-                <a:cs typeface="+mj-cs"/>
-              </a:defRPr>
-            </a:lvl1pPr>
-          </a:lstStyle>
-          <a:p>
-            <a:r>
-              <a:rPr lang="fr-FR" sz="4000" b="1" dirty="0">
-                <a:ln>
-                  <a:solidFill>
-                    <a:srgbClr val="7451EB"/>
-                  </a:solidFill>
-                </a:ln>
-                <a:solidFill>
-                  <a:srgbClr val="7451EB"/>
-                </a:solidFill>
-                <a:latin typeface="Google Sans"/>
-              </a:rPr>
-              <a:t>Le jeu de données est déséquilibré</a:t>
-            </a:r>
-          </a:p>
-        </p:txBody>
-      </p:sp>
-      <p:sp>
-        <p:nvSpPr>
-          <p:cNvPr id="11" name="Rectángulo 4">
-            <a:extLst>
-              <a:ext uri="{FF2B5EF4-FFF2-40B4-BE49-F238E27FC236}">
-                <a16:creationId xmlns:a16="http://schemas.microsoft.com/office/drawing/2014/main" id="{B84F0FDC-2C73-4C87-9CC7-F9F129B3A699}"/>
-              </a:ext>
-            </a:extLst>
-          </p:cNvPr>
-          <p:cNvSpPr/>
-          <p:nvPr/>
-        </p:nvSpPr>
-        <p:spPr>
-          <a:xfrm>
-            <a:off x="377906" y="378794"/>
-            <a:ext cx="366721" cy="54000"/>
-          </a:xfrm>
-          <a:prstGeom prst="rect">
-            <a:avLst/>
-          </a:prstGeom>
-          <a:solidFill>
-            <a:srgbClr val="7451EB"/>
-          </a:solidFill>
-          <a:ln>
-            <a:solidFill>
-              <a:srgbClr val="7451EB"/>
-            </a:solidFill>
-          </a:ln>
-        </p:spPr>
-        <p:style>
-          <a:lnRef idx="2">
-            <a:schemeClr val="accent1">
-              <a:shade val="50000"/>
-            </a:schemeClr>
-          </a:lnRef>
-          <a:fillRef idx="1">
-            <a:schemeClr val="accent1"/>
-          </a:fillRef>
-          <a:effectRef idx="0">
-            <a:schemeClr val="accent1"/>
-          </a:effectRef>
-          <a:fontRef idx="minor">
-            <a:schemeClr val="lt1"/>
-          </a:fontRef>
-        </p:style>
-        <p:txBody>
-          <a:bodyPr rtlCol="0" anchor="ctr"/>
-          <a:lstStyle/>
-          <a:p>
-            <a:pPr algn="ctr"/>
-            <a:endParaRPr lang="es-AR">
-              <a:ln>
-                <a:solidFill>
-                  <a:srgbClr val="7451EB"/>
-                </a:solidFill>
-              </a:ln>
-              <a:solidFill>
-                <a:srgbClr val="7451EB"/>
-              </a:solidFill>
-            </a:endParaRPr>
-          </a:p>
-        </p:txBody>
-      </p:sp>
-      <p:sp>
-        <p:nvSpPr>
-          <p:cNvPr id="21" name="TextBox 3">
-            <a:extLst>
-              <a:ext uri="{FF2B5EF4-FFF2-40B4-BE49-F238E27FC236}">
-                <a16:creationId xmlns:a16="http://schemas.microsoft.com/office/drawing/2014/main" id="{A5BD8A43-F558-4214-B2E7-69AB8718A791}"/>
-              </a:ext>
-            </a:extLst>
-          </p:cNvPr>
-          <p:cNvSpPr txBox="1"/>
-          <p:nvPr/>
-        </p:nvSpPr>
-        <p:spPr>
-          <a:xfrm>
-            <a:off x="0" y="6475247"/>
-            <a:ext cx="8982635" cy="307777"/>
-          </a:xfrm>
-          <a:prstGeom prst="rect">
-            <a:avLst/>
-          </a:prstGeom>
-          <a:noFill/>
-        </p:spPr>
-        <p:txBody>
-          <a:bodyPr wrap="square" rtlCol="0">
-            <a:spAutoFit/>
-          </a:bodyPr>
-          <a:lstStyle/>
-          <a:p>
-            <a:r>
-              <a:rPr lang="es-CO" sz="1400" dirty="0">
-                <a:ln>
-                  <a:solidFill>
-                    <a:schemeClr val="bg1"/>
-                  </a:solidFill>
-                </a:ln>
-                <a:solidFill>
-                  <a:schemeClr val="bg1"/>
-                </a:solidFill>
-                <a:latin typeface="+mj-lt"/>
-              </a:rPr>
-              <a:t>Project 7 – </a:t>
-            </a:r>
-            <a:r>
-              <a:rPr lang="fr-FR" sz="1400" dirty="0">
-                <a:ln>
-                  <a:solidFill>
-                    <a:schemeClr val="bg1"/>
-                  </a:solidFill>
-                </a:ln>
-                <a:solidFill>
-                  <a:schemeClr val="bg1"/>
-                </a:solidFill>
-                <a:latin typeface="+mj-lt"/>
-              </a:rPr>
-              <a:t>implémentation d’un modèle de </a:t>
-            </a:r>
-            <a:r>
-              <a:rPr lang="fr-FR" sz="1400" dirty="0" err="1">
-                <a:ln>
-                  <a:solidFill>
-                    <a:schemeClr val="bg1"/>
-                  </a:solidFill>
-                </a:ln>
-                <a:solidFill>
-                  <a:schemeClr val="bg1"/>
-                </a:solidFill>
-                <a:latin typeface="+mj-lt"/>
-              </a:rPr>
-              <a:t>scoring</a:t>
-            </a:r>
-            <a:endParaRPr lang="en-US" sz="1400" dirty="0">
-              <a:ln>
-                <a:solidFill>
-                  <a:schemeClr val="bg1"/>
-                </a:solidFill>
-              </a:ln>
-              <a:solidFill>
-                <a:schemeClr val="bg1"/>
-              </a:solidFill>
-              <a:latin typeface="+mj-lt"/>
-            </a:endParaRPr>
-          </a:p>
-        </p:txBody>
-      </p:sp>
-      <p:pic>
-        <p:nvPicPr>
-          <p:cNvPr id="4" name="Image 3">
-            <a:extLst>
-              <a:ext uri="{FF2B5EF4-FFF2-40B4-BE49-F238E27FC236}">
-                <a16:creationId xmlns:a16="http://schemas.microsoft.com/office/drawing/2014/main" id="{7A1E8ACD-A6CE-44B3-9E1E-A51A4BE33F10}"/>
-              </a:ext>
-            </a:extLst>
-          </p:cNvPr>
-          <p:cNvPicPr>
-            <a:picLocks noChangeAspect="1"/>
-          </p:cNvPicPr>
-          <p:nvPr/>
-        </p:nvPicPr>
-        <p:blipFill>
-          <a:blip r:embed="rId4"/>
-          <a:stretch>
-            <a:fillRect/>
-          </a:stretch>
-        </p:blipFill>
-        <p:spPr>
-          <a:xfrm>
-            <a:off x="641110" y="1528005"/>
-            <a:ext cx="6052327" cy="3320242"/>
-          </a:xfrm>
-          <a:prstGeom prst="rect">
-            <a:avLst/>
-          </a:prstGeom>
-        </p:spPr>
-      </p:pic>
-      <p:sp>
-        <p:nvSpPr>
-          <p:cNvPr id="37" name="ZoneTexte 36">
-            <a:extLst>
-              <a:ext uri="{FF2B5EF4-FFF2-40B4-BE49-F238E27FC236}">
-                <a16:creationId xmlns:a16="http://schemas.microsoft.com/office/drawing/2014/main" id="{F9FAC46F-50DD-4275-B54F-D659122B6097}"/>
-              </a:ext>
-            </a:extLst>
-          </p:cNvPr>
-          <p:cNvSpPr txBox="1"/>
-          <p:nvPr/>
-        </p:nvSpPr>
-        <p:spPr>
-          <a:xfrm>
-            <a:off x="7667775" y="1846316"/>
-            <a:ext cx="3685245" cy="400110"/>
-          </a:xfrm>
-          <a:prstGeom prst="rect">
-            <a:avLst/>
-          </a:prstGeom>
-          <a:noFill/>
-        </p:spPr>
-        <p:txBody>
-          <a:bodyPr wrap="square">
-            <a:spAutoFit/>
-          </a:bodyPr>
-          <a:lstStyle/>
-          <a:p>
-            <a:r>
-              <a:rPr lang="fr-FR" sz="2000" dirty="0"/>
-              <a:t>Utilisation du </a:t>
-            </a:r>
-            <a:r>
-              <a:rPr lang="fr-FR" sz="2000" b="1" u="sng" dirty="0"/>
-              <a:t>SMOTE</a:t>
-            </a:r>
-            <a:endParaRPr lang="fr-FR" sz="2000" b="1" u="sng" baseline="30000" dirty="0"/>
-          </a:p>
-        </p:txBody>
-      </p:sp>
-      <p:pic>
-        <p:nvPicPr>
-          <p:cNvPr id="38" name="Image 37">
-            <a:extLst>
-              <a:ext uri="{FF2B5EF4-FFF2-40B4-BE49-F238E27FC236}">
-                <a16:creationId xmlns:a16="http://schemas.microsoft.com/office/drawing/2014/main" id="{6E39D6B9-367B-49E2-BE49-490A54294E06}"/>
-              </a:ext>
-            </a:extLst>
-          </p:cNvPr>
-          <p:cNvPicPr>
-            <a:picLocks noChangeAspect="1"/>
-          </p:cNvPicPr>
-          <p:nvPr/>
-        </p:nvPicPr>
-        <p:blipFill>
-          <a:blip r:embed="rId5">
-            <a:duotone>
-              <a:schemeClr val="accent6">
-                <a:shade val="45000"/>
-                <a:satMod val="135000"/>
-              </a:schemeClr>
-              <a:prstClr val="white"/>
-            </a:duotone>
-            <a:extLst>
-              <a:ext uri="{28A0092B-C50C-407E-A947-70E740481C1C}">
-                <a14:useLocalDpi xmlns:a14="http://schemas.microsoft.com/office/drawing/2010/main" val="0"/>
-              </a:ext>
-            </a:extLst>
-          </a:blip>
-          <a:stretch>
-            <a:fillRect/>
-          </a:stretch>
-        </p:blipFill>
-        <p:spPr>
-          <a:xfrm>
-            <a:off x="7200786" y="1837524"/>
-            <a:ext cx="457727" cy="427272"/>
-          </a:xfrm>
-          <a:prstGeom prst="rect">
-            <a:avLst/>
-          </a:prstGeom>
-        </p:spPr>
-      </p:pic>
-      <p:sp>
-        <p:nvSpPr>
-          <p:cNvPr id="39" name="ZoneTexte 38">
-            <a:extLst>
-              <a:ext uri="{FF2B5EF4-FFF2-40B4-BE49-F238E27FC236}">
-                <a16:creationId xmlns:a16="http://schemas.microsoft.com/office/drawing/2014/main" id="{5C38FDFC-2903-4044-999A-A79AFFB44F1D}"/>
-              </a:ext>
-            </a:extLst>
-          </p:cNvPr>
-          <p:cNvSpPr txBox="1"/>
-          <p:nvPr/>
-        </p:nvSpPr>
-        <p:spPr>
-          <a:xfrm>
-            <a:off x="7658512" y="2264796"/>
-            <a:ext cx="3395567" cy="923330"/>
-          </a:xfrm>
-          <a:prstGeom prst="rect">
-            <a:avLst/>
-          </a:prstGeom>
-          <a:noFill/>
-        </p:spPr>
-        <p:txBody>
-          <a:bodyPr wrap="square">
-            <a:spAutoFit/>
-          </a:bodyPr>
-          <a:lstStyle/>
-          <a:p>
-            <a:pPr marL="285750" indent="-285750">
-              <a:buFont typeface="Wingdings" panose="05000000000000000000" pitchFamily="2" charset="2"/>
-              <a:buChar char="§"/>
-            </a:pPr>
-            <a:r>
-              <a:rPr lang="fr-FR" b="1" u="sng" dirty="0">
-                <a:latin typeface="docs-Roboto"/>
-              </a:rPr>
-              <a:t>Oversampling </a:t>
-            </a:r>
-            <a:r>
-              <a:rPr lang="fr-FR" dirty="0">
-                <a:latin typeface="docs-Roboto"/>
-              </a:rPr>
-              <a:t>pour augmenter les données dans la classe minoritaire</a:t>
-            </a:r>
-            <a:endParaRPr lang="fr-FR" sz="1400" dirty="0">
-              <a:latin typeface="docs-Roboto"/>
-            </a:endParaRPr>
-          </a:p>
-        </p:txBody>
-      </p:sp>
-      <p:sp>
-        <p:nvSpPr>
-          <p:cNvPr id="40" name="ZoneTexte 39">
-            <a:extLst>
-              <a:ext uri="{FF2B5EF4-FFF2-40B4-BE49-F238E27FC236}">
-                <a16:creationId xmlns:a16="http://schemas.microsoft.com/office/drawing/2014/main" id="{E3E9BB31-D4E8-4FA1-9BA7-2F23E2F5CC83}"/>
-              </a:ext>
-            </a:extLst>
-          </p:cNvPr>
-          <p:cNvSpPr txBox="1"/>
-          <p:nvPr/>
-        </p:nvSpPr>
-        <p:spPr>
-          <a:xfrm>
-            <a:off x="-1" y="5300957"/>
-            <a:ext cx="5637008" cy="707886"/>
-          </a:xfrm>
-          <a:prstGeom prst="rect">
-            <a:avLst/>
-          </a:prstGeom>
-          <a:solidFill>
-            <a:srgbClr val="5B9BD5"/>
-          </a:solidFill>
-          <a:ln>
-            <a:solidFill>
-              <a:srgbClr val="5B9BD5"/>
-            </a:solidFill>
-          </a:ln>
-        </p:spPr>
-        <p:txBody>
-          <a:bodyPr wrap="square">
-            <a:spAutoFit/>
-          </a:bodyPr>
-          <a:lstStyle/>
-          <a:p>
-            <a:r>
-              <a:rPr lang="fr-FR" sz="2000" u="none" strike="noStrike" dirty="0">
-                <a:ln>
-                  <a:solidFill>
-                    <a:schemeClr val="bg1"/>
-                  </a:solidFill>
-                </a:ln>
-                <a:solidFill>
-                  <a:schemeClr val="bg1"/>
-                </a:solidFill>
-                <a:effectLst/>
-                <a:latin typeface="docs-Roboto"/>
-              </a:rPr>
-              <a:t>(0) Ce sont des prêts qui ont été remboursés.</a:t>
-            </a:r>
-          </a:p>
-          <a:p>
-            <a:r>
-              <a:rPr lang="fr-FR" sz="2000" u="none" strike="noStrike" dirty="0">
-                <a:ln>
-                  <a:solidFill>
-                    <a:schemeClr val="bg1"/>
-                  </a:solidFill>
-                </a:ln>
-                <a:solidFill>
-                  <a:schemeClr val="bg1"/>
-                </a:solidFill>
-                <a:effectLst/>
-                <a:latin typeface="docs-Roboto"/>
-              </a:rPr>
-              <a:t>(1) Ce sont des prêts qui n'ont pas été remboursés</a:t>
-            </a:r>
-            <a:endParaRPr lang="fr-FR" sz="2000" b="1" u="sng" strike="noStrike" dirty="0">
-              <a:ln>
-                <a:solidFill>
-                  <a:schemeClr val="bg1"/>
-                </a:solidFill>
-              </a:ln>
-              <a:solidFill>
-                <a:schemeClr val="bg1"/>
-              </a:solidFill>
-              <a:effectLst/>
-              <a:latin typeface="docs-Roboto"/>
-            </a:endParaRPr>
-          </a:p>
-        </p:txBody>
-      </p:sp>
-      <p:pic>
-        <p:nvPicPr>
-          <p:cNvPr id="9" name="Image 8">
-            <a:extLst>
-              <a:ext uri="{FF2B5EF4-FFF2-40B4-BE49-F238E27FC236}">
-                <a16:creationId xmlns:a16="http://schemas.microsoft.com/office/drawing/2014/main" id="{26D72FA3-ED7A-42FD-9212-E64F76089F4D}"/>
-              </a:ext>
-            </a:extLst>
-          </p:cNvPr>
-          <p:cNvPicPr>
-            <a:picLocks noChangeAspect="1"/>
-          </p:cNvPicPr>
-          <p:nvPr/>
-        </p:nvPicPr>
-        <p:blipFill>
-          <a:blip r:embed="rId6"/>
-          <a:stretch>
-            <a:fillRect/>
-          </a:stretch>
-        </p:blipFill>
-        <p:spPr>
-          <a:xfrm>
-            <a:off x="7429649" y="3526156"/>
-            <a:ext cx="3534343" cy="1951718"/>
-          </a:xfrm>
-          <a:prstGeom prst="rect">
-            <a:avLst/>
-          </a:prstGeom>
-        </p:spPr>
-      </p:pic>
-    </p:spTree>
-    <p:extLst>
-      <p:ext uri="{BB962C8B-B14F-4D97-AF65-F5344CB8AC3E}">
-        <p14:creationId xmlns:p14="http://schemas.microsoft.com/office/powerpoint/2010/main" val="4180323023"/>
-      </p:ext>
-    </p:extLst>
-  </p:cSld>
-  <p:clrMapOvr>
-    <a:masterClrMapping/>
-  </p:clrMapOvr>
-</p:sld>
-</file>
-
-<file path=ppt/slides/slide15.xml><?xml version="1.0" encoding="utf-8"?>
-<p:sld xmlns:a="http://schemas.openxmlformats.org/drawingml/2006/main" xmlns:r="http://schemas.openxmlformats.org/officeDocument/2006/relationships" xmlns:p="http://schemas.openxmlformats.org/presentationml/2006/main">
-  <p:cSld>
-    <p:spTree>
-      <p:nvGrpSpPr>
-        <p:cNvPr id="1" name=""/>
-        <p:cNvGrpSpPr/>
-        <p:nvPr/>
-      </p:nvGrpSpPr>
-      <p:grpSpPr>
-        <a:xfrm>
-          <a:off x="0" y="0"/>
-          <a:ext cx="0" cy="0"/>
-          <a:chOff x="0" y="0"/>
-          <a:chExt cx="0" cy="0"/>
-        </a:xfrm>
-      </p:grpSpPr>
-      <p:grpSp>
-        <p:nvGrpSpPr>
           <p:cNvPr id="3" name="Groupe 2">
             <a:extLst>
               <a:ext uri="{FF2B5EF4-FFF2-40B4-BE49-F238E27FC236}">
@@ -17300,7 +15867,7 @@
 </p:sld>
 </file>
 
-<file path=ppt/slides/slide16.xml><?xml version="1.0" encoding="utf-8"?>
+<file path=ppt/slides/slide15.xml><?xml version="1.0" encoding="utf-8"?>
 <p:sld xmlns:a="http://schemas.openxmlformats.org/drawingml/2006/main" xmlns:r="http://schemas.openxmlformats.org/officeDocument/2006/relationships" xmlns:p="http://schemas.openxmlformats.org/presentationml/2006/main">
   <p:cSld>
     <p:spTree>
@@ -18253,7 +16820,7 @@
 </p:sld>
 </file>
 
-<file path=ppt/slides/slide17.xml><?xml version="1.0" encoding="utf-8"?>
+<file path=ppt/slides/slide16.xml><?xml version="1.0" encoding="utf-8"?>
 <p:sld xmlns:a="http://schemas.openxmlformats.org/drawingml/2006/main" xmlns:r="http://schemas.openxmlformats.org/officeDocument/2006/relationships" xmlns:p="http://schemas.openxmlformats.org/presentationml/2006/main">
   <p:cSld>
     <p:bg>
@@ -19265,7 +17832,7 @@
 </p:sld>
 </file>
 
-<file path=ppt/slides/slide18.xml><?xml version="1.0" encoding="utf-8"?>
+<file path=ppt/slides/slide17.xml><?xml version="1.0" encoding="utf-8"?>
 <p:sld xmlns:a="http://schemas.openxmlformats.org/drawingml/2006/main" xmlns:r="http://schemas.openxmlformats.org/officeDocument/2006/relationships" xmlns:p="http://schemas.openxmlformats.org/presentationml/2006/main">
   <p:cSld>
     <p:spTree>
@@ -20610,7 +19177,7 @@
 </p:sld>
 </file>
 
-<file path=ppt/slides/slide19.xml><?xml version="1.0" encoding="utf-8"?>
+<file path=ppt/slides/slide18.xml><?xml version="1.0" encoding="utf-8"?>
 <p:sld xmlns:a="http://schemas.openxmlformats.org/drawingml/2006/main" xmlns:r="http://schemas.openxmlformats.org/officeDocument/2006/relationships" xmlns:p="http://schemas.openxmlformats.org/presentationml/2006/main">
   <p:cSld>
     <p:spTree>
@@ -20627,36 +19194,6 @@
           <a:chExt cx="0" cy="0"/>
         </a:xfrm>
       </p:grpSpPr>
-      <p:pic>
-        <p:nvPicPr>
-          <p:cNvPr id="38" name="Image 37">
-            <a:extLst>
-              <a:ext uri="{FF2B5EF4-FFF2-40B4-BE49-F238E27FC236}">
-                <a16:creationId xmlns:a16="http://schemas.microsoft.com/office/drawing/2014/main" id="{6C0D5310-60C6-4EE6-98C7-C5D1859E9ACB}"/>
-              </a:ext>
-            </a:extLst>
-          </p:cNvPr>
-          <p:cNvPicPr>
-            <a:picLocks noChangeAspect="1"/>
-          </p:cNvPicPr>
-          <p:nvPr/>
-        </p:nvPicPr>
-        <p:blipFill>
-          <a:blip r:embed="rId3"/>
-          <a:stretch>
-            <a:fillRect/>
-          </a:stretch>
-        </p:blipFill>
-        <p:spPr>
-          <a:xfrm>
-            <a:off x="625197" y="2124456"/>
-            <a:ext cx="5470803" cy="3484686"/>
-          </a:xfrm>
-          <a:prstGeom prst="rect">
-            <a:avLst/>
-          </a:prstGeom>
-        </p:spPr>
-      </p:pic>
       <p:sp>
         <p:nvSpPr>
           <p:cNvPr id="5" name="Rectangle 4">
@@ -20827,7 +19364,7 @@
                 </a:solidFill>
                 <a:latin typeface="Google Sans"/>
               </a:rPr>
-              <a:t>Optimisation des hyperparamètres</a:t>
+              <a:t>Le modèle est performant</a:t>
             </a:r>
           </a:p>
         </p:txBody>
@@ -20979,1910 +19516,6 @@
           </a:p>
         </p:txBody>
       </p:sp>
-      <p:graphicFrame>
-        <p:nvGraphicFramePr>
-          <p:cNvPr id="3" name="Tableau 3">
-            <a:extLst>
-              <a:ext uri="{FF2B5EF4-FFF2-40B4-BE49-F238E27FC236}">
-                <a16:creationId xmlns:a16="http://schemas.microsoft.com/office/drawing/2014/main" id="{EB1DFF5E-A9AB-4D8E-8BD9-1F982962E535}"/>
-              </a:ext>
-            </a:extLst>
-          </p:cNvPr>
-          <p:cNvGraphicFramePr>
-            <a:graphicFrameLocks noGrp="1"/>
-          </p:cNvGraphicFramePr>
-          <p:nvPr/>
-        </p:nvGraphicFramePr>
-        <p:xfrm>
-          <a:off x="7559276" y="2052164"/>
-          <a:ext cx="3260785" cy="2753672"/>
-        </p:xfrm>
-        <a:graphic>
-          <a:graphicData uri="http://schemas.openxmlformats.org/drawingml/2006/table">
-            <a:tbl>
-              <a:tblPr firstRow="1" bandRow="1">
-                <a:tableStyleId>{93296810-A885-4BE3-A3E7-6D5BEEA58F35}</a:tableStyleId>
-              </a:tblPr>
-              <a:tblGrid>
-                <a:gridCol w="1458216">
-                  <a:extLst>
-                    <a:ext uri="{9D8B030D-6E8A-4147-A177-3AD203B41FA5}">
-                      <a16:colId xmlns:a16="http://schemas.microsoft.com/office/drawing/2014/main" val="4140760574"/>
-                    </a:ext>
-                  </a:extLst>
-                </a:gridCol>
-                <a:gridCol w="1802569">
-                  <a:extLst>
-                    <a:ext uri="{9D8B030D-6E8A-4147-A177-3AD203B41FA5}">
-                      <a16:colId xmlns:a16="http://schemas.microsoft.com/office/drawing/2014/main" val="29684501"/>
-                    </a:ext>
-                  </a:extLst>
-                </a:gridCol>
-              </a:tblGrid>
-              <a:tr h="229255">
-                <a:tc>
-                  <a:txBody>
-                    <a:bodyPr/>
-                    <a:lstStyle/>
-                    <a:p>
-                      <a:r>
-                        <a:rPr lang="es-ES" sz="1200" dirty="0"/>
-                        <a:t>Paramètres</a:t>
-                      </a:r>
-                      <a:endParaRPr lang="fr-FR" sz="1200" dirty="0"/>
-                    </a:p>
-                  </a:txBody>
-                  <a:tcPr/>
-                </a:tc>
-                <a:tc>
-                  <a:txBody>
-                    <a:bodyPr/>
-                    <a:lstStyle/>
-                    <a:p>
-                      <a:r>
-                        <a:rPr lang="fr-FR" sz="1200" dirty="0"/>
-                        <a:t>Meilleur résultat</a:t>
-                      </a:r>
-                    </a:p>
-                  </a:txBody>
-                  <a:tcPr/>
-                </a:tc>
-                <a:extLst>
-                  <a:ext uri="{0D108BD9-81ED-4DB2-BD59-A6C34878D82A}">
-                    <a16:rowId xmlns:a16="http://schemas.microsoft.com/office/drawing/2014/main" val="2119607268"/>
-                  </a:ext>
-                </a:extLst>
-              </a:tr>
-              <a:tr h="309919">
-                <a:tc>
-                  <a:txBody>
-                    <a:bodyPr/>
-                    <a:lstStyle/>
-                    <a:p>
-                      <a:r>
-                        <a:rPr lang="fr-FR" sz="1200" dirty="0"/>
-                        <a:t>learning_rate</a:t>
-                      </a:r>
-                    </a:p>
-                  </a:txBody>
-                  <a:tcPr/>
-                </a:tc>
-                <a:tc>
-                  <a:txBody>
-                    <a:bodyPr/>
-                    <a:lstStyle/>
-                    <a:p>
-                      <a:r>
-                        <a:rPr lang="fr-FR" sz="1200" dirty="0"/>
-                        <a:t>0.002021947556803579</a:t>
-                      </a:r>
-                    </a:p>
-                  </a:txBody>
-                  <a:tcPr/>
-                </a:tc>
-                <a:extLst>
-                  <a:ext uri="{0D108BD9-81ED-4DB2-BD59-A6C34878D82A}">
-                    <a16:rowId xmlns:a16="http://schemas.microsoft.com/office/drawing/2014/main" val="2706254292"/>
-                  </a:ext>
-                </a:extLst>
-              </a:tr>
-              <a:tr h="309919">
-                <a:tc>
-                  <a:txBody>
-                    <a:bodyPr/>
-                    <a:lstStyle/>
-                    <a:p>
-                      <a:r>
-                        <a:rPr lang="fr-FR" sz="1200" dirty="0"/>
-                        <a:t>max_depth</a:t>
-                      </a:r>
-                    </a:p>
-                  </a:txBody>
-                  <a:tcPr/>
-                </a:tc>
-                <a:tc>
-                  <a:txBody>
-                    <a:bodyPr/>
-                    <a:lstStyle/>
-                    <a:p>
-                      <a:r>
-                        <a:rPr lang="es-ES" sz="1200" dirty="0"/>
-                        <a:t>9</a:t>
-                      </a:r>
-                      <a:endParaRPr lang="fr-FR" sz="1200" dirty="0"/>
-                    </a:p>
-                  </a:txBody>
-                  <a:tcPr/>
-                </a:tc>
-                <a:extLst>
-                  <a:ext uri="{0D108BD9-81ED-4DB2-BD59-A6C34878D82A}">
-                    <a16:rowId xmlns:a16="http://schemas.microsoft.com/office/drawing/2014/main" val="1541637982"/>
-                  </a:ext>
-                </a:extLst>
-              </a:tr>
-              <a:tr h="309919">
-                <a:tc>
-                  <a:txBody>
-                    <a:bodyPr/>
-                    <a:lstStyle/>
-                    <a:p>
-                      <a:r>
-                        <a:rPr lang="fr-FR" sz="1200" dirty="0" err="1"/>
-                        <a:t>min_child_weight</a:t>
-                      </a:r>
-                      <a:endParaRPr lang="fr-FR" sz="1200" dirty="0"/>
-                    </a:p>
-                  </a:txBody>
-                  <a:tcPr/>
-                </a:tc>
-                <a:tc>
-                  <a:txBody>
-                    <a:bodyPr/>
-                    <a:lstStyle/>
-                    <a:p>
-                      <a:r>
-                        <a:rPr lang="fr-FR" sz="1200" dirty="0"/>
-                        <a:t>44.68618422455195</a:t>
-                      </a:r>
-                    </a:p>
-                  </a:txBody>
-                  <a:tcPr/>
-                </a:tc>
-                <a:extLst>
-                  <a:ext uri="{0D108BD9-81ED-4DB2-BD59-A6C34878D82A}">
-                    <a16:rowId xmlns:a16="http://schemas.microsoft.com/office/drawing/2014/main" val="2342243514"/>
-                  </a:ext>
-                </a:extLst>
-              </a:tr>
-              <a:tr h="309919">
-                <a:tc>
-                  <a:txBody>
-                    <a:bodyPr/>
-                    <a:lstStyle/>
-                    <a:p>
-                      <a:r>
-                        <a:rPr lang="fr-FR" sz="1200" dirty="0" err="1"/>
-                        <a:t>min_split_gain</a:t>
-                      </a:r>
-                      <a:endParaRPr lang="fr-FR" sz="1200" dirty="0"/>
-                    </a:p>
-                  </a:txBody>
-                  <a:tcPr/>
-                </a:tc>
-                <a:tc>
-                  <a:txBody>
-                    <a:bodyPr/>
-                    <a:lstStyle/>
-                    <a:p>
-                      <a:r>
-                        <a:rPr lang="fr-FR" sz="1200" dirty="0"/>
-                        <a:t>0.030970825122649367</a:t>
-                      </a:r>
-                    </a:p>
-                  </a:txBody>
-                  <a:tcPr/>
-                </a:tc>
-                <a:extLst>
-                  <a:ext uri="{0D108BD9-81ED-4DB2-BD59-A6C34878D82A}">
-                    <a16:rowId xmlns:a16="http://schemas.microsoft.com/office/drawing/2014/main" val="669002863"/>
-                  </a:ext>
-                </a:extLst>
-              </a:tr>
-              <a:tr h="309919">
-                <a:tc>
-                  <a:txBody>
-                    <a:bodyPr/>
-                    <a:lstStyle/>
-                    <a:p>
-                      <a:r>
-                        <a:rPr lang="fr-FR" sz="1200" dirty="0" err="1"/>
-                        <a:t>n_estimators</a:t>
-                      </a:r>
-                      <a:endParaRPr lang="fr-FR" sz="1200" dirty="0"/>
-                    </a:p>
-                  </a:txBody>
-                  <a:tcPr/>
-                </a:tc>
-                <a:tc>
-                  <a:txBody>
-                    <a:bodyPr/>
-                    <a:lstStyle/>
-                    <a:p>
-                      <a:r>
-                        <a:rPr lang="es-ES" sz="1200" dirty="0"/>
-                        <a:t>8000</a:t>
-                      </a:r>
-                      <a:endParaRPr lang="fr-FR" sz="1200" dirty="0"/>
-                    </a:p>
-                  </a:txBody>
-                  <a:tcPr/>
-                </a:tc>
-                <a:extLst>
-                  <a:ext uri="{0D108BD9-81ED-4DB2-BD59-A6C34878D82A}">
-                    <a16:rowId xmlns:a16="http://schemas.microsoft.com/office/drawing/2014/main" val="476323900"/>
-                  </a:ext>
-                </a:extLst>
-              </a:tr>
-              <a:tr h="309919">
-                <a:tc>
-                  <a:txBody>
-                    <a:bodyPr/>
-                    <a:lstStyle/>
-                    <a:p>
-                      <a:r>
-                        <a:rPr lang="fr-FR" sz="1200" dirty="0" err="1"/>
-                        <a:t>num_leaves</a:t>
-                      </a:r>
-                      <a:endParaRPr lang="fr-FR" sz="1200" dirty="0"/>
-                    </a:p>
-                  </a:txBody>
-                  <a:tcPr/>
-                </a:tc>
-                <a:tc>
-                  <a:txBody>
-                    <a:bodyPr/>
-                    <a:lstStyle/>
-                    <a:p>
-                      <a:r>
-                        <a:rPr lang="es-ES" sz="1200" dirty="0"/>
-                        <a:t>36</a:t>
-                      </a:r>
-                      <a:endParaRPr lang="fr-FR" sz="1200" dirty="0"/>
-                    </a:p>
-                  </a:txBody>
-                  <a:tcPr/>
-                </a:tc>
-                <a:extLst>
-                  <a:ext uri="{0D108BD9-81ED-4DB2-BD59-A6C34878D82A}">
-                    <a16:rowId xmlns:a16="http://schemas.microsoft.com/office/drawing/2014/main" val="807806503"/>
-                  </a:ext>
-                </a:extLst>
-              </a:tr>
-              <a:tr h="309919">
-                <a:tc>
-                  <a:txBody>
-                    <a:bodyPr/>
-                    <a:lstStyle/>
-                    <a:p>
-                      <a:r>
-                        <a:rPr lang="fr-FR" sz="1200" dirty="0" err="1"/>
-                        <a:t>reg_alpha</a:t>
-                      </a:r>
-                      <a:endParaRPr lang="fr-FR" sz="1200" dirty="0"/>
-                    </a:p>
-                  </a:txBody>
-                  <a:tcPr/>
-                </a:tc>
-                <a:tc>
-                  <a:txBody>
-                    <a:bodyPr/>
-                    <a:lstStyle/>
-                    <a:p>
-                      <a:r>
-                        <a:rPr lang="fr-FR" sz="1200" dirty="0"/>
-                        <a:t>0.045341569610647205</a:t>
-                      </a:r>
-                    </a:p>
-                  </a:txBody>
-                  <a:tcPr/>
-                </a:tc>
-                <a:extLst>
-                  <a:ext uri="{0D108BD9-81ED-4DB2-BD59-A6C34878D82A}">
-                    <a16:rowId xmlns:a16="http://schemas.microsoft.com/office/drawing/2014/main" val="2011713903"/>
-                  </a:ext>
-                </a:extLst>
-              </a:tr>
-              <a:tr h="309919">
-                <a:tc>
-                  <a:txBody>
-                    <a:bodyPr/>
-                    <a:lstStyle/>
-                    <a:p>
-                      <a:r>
-                        <a:rPr lang="fr-FR" sz="1200" dirty="0" err="1"/>
-                        <a:t>reg_lambda</a:t>
-                      </a:r>
-                      <a:endParaRPr lang="fr-FR" sz="1200" dirty="0"/>
-                    </a:p>
-                  </a:txBody>
-                  <a:tcPr/>
-                </a:tc>
-                <a:tc>
-                  <a:txBody>
-                    <a:bodyPr/>
-                    <a:lstStyle/>
-                    <a:p>
-                      <a:r>
-                        <a:rPr lang="fr-FR" sz="1200" dirty="0"/>
-                        <a:t>0.08049459639521307</a:t>
-                      </a:r>
-                    </a:p>
-                  </a:txBody>
-                  <a:tcPr/>
-                </a:tc>
-                <a:extLst>
-                  <a:ext uri="{0D108BD9-81ED-4DB2-BD59-A6C34878D82A}">
-                    <a16:rowId xmlns:a16="http://schemas.microsoft.com/office/drawing/2014/main" val="97206978"/>
-                  </a:ext>
-                </a:extLst>
-              </a:tr>
-            </a:tbl>
-          </a:graphicData>
-        </a:graphic>
-      </p:graphicFrame>
-      <p:sp>
-        <p:nvSpPr>
-          <p:cNvPr id="23" name="ZoneTexte 22">
-            <a:extLst>
-              <a:ext uri="{FF2B5EF4-FFF2-40B4-BE49-F238E27FC236}">
-                <a16:creationId xmlns:a16="http://schemas.microsoft.com/office/drawing/2014/main" id="{7B12BDCE-2A0C-4BBA-A5CC-4EE173765D52}"/>
-              </a:ext>
-            </a:extLst>
-          </p:cNvPr>
-          <p:cNvSpPr txBox="1"/>
-          <p:nvPr/>
-        </p:nvSpPr>
-        <p:spPr>
-          <a:xfrm>
-            <a:off x="8542798" y="5185680"/>
-            <a:ext cx="3649201" cy="707886"/>
-          </a:xfrm>
-          <a:prstGeom prst="rect">
-            <a:avLst/>
-          </a:prstGeom>
-          <a:solidFill>
-            <a:srgbClr val="5B9BD5"/>
-          </a:solidFill>
-          <a:ln>
-            <a:solidFill>
-              <a:srgbClr val="5B9BD5"/>
-            </a:solidFill>
-          </a:ln>
-        </p:spPr>
-        <p:txBody>
-          <a:bodyPr wrap="square">
-            <a:spAutoFit/>
-          </a:bodyPr>
-          <a:lstStyle/>
-          <a:p>
-            <a:pPr algn="r"/>
-            <a:r>
-              <a:rPr lang="fr-FR" sz="2000" strike="noStrike" dirty="0">
-                <a:ln>
-                  <a:solidFill>
-                    <a:schemeClr val="bg1"/>
-                  </a:solidFill>
-                </a:ln>
-                <a:solidFill>
-                  <a:schemeClr val="bg1"/>
-                </a:solidFill>
-                <a:effectLst/>
-                <a:latin typeface="docs-Roboto"/>
-              </a:rPr>
-              <a:t>Paramètres basés sur ceux déjà existants dans le kernel choisi</a:t>
-            </a:r>
-          </a:p>
-        </p:txBody>
-      </p:sp>
-      <p:sp>
-        <p:nvSpPr>
-          <p:cNvPr id="33" name="Rectangle 32">
-            <a:extLst>
-              <a:ext uri="{FF2B5EF4-FFF2-40B4-BE49-F238E27FC236}">
-                <a16:creationId xmlns:a16="http://schemas.microsoft.com/office/drawing/2014/main" id="{58C06310-7FED-4B65-9E60-1FDB98CACFBE}"/>
-              </a:ext>
-            </a:extLst>
-          </p:cNvPr>
-          <p:cNvSpPr/>
-          <p:nvPr/>
-        </p:nvSpPr>
-        <p:spPr>
-          <a:xfrm>
-            <a:off x="0" y="1213958"/>
-            <a:ext cx="6331789" cy="707886"/>
-          </a:xfrm>
-          <a:prstGeom prst="rect">
-            <a:avLst/>
-          </a:prstGeom>
-          <a:solidFill>
-            <a:srgbClr val="70AD47"/>
-          </a:solidFill>
-          <a:ln>
-            <a:solidFill>
-              <a:srgbClr val="70AD47"/>
-            </a:solidFill>
-          </a:ln>
-        </p:spPr>
-        <p:style>
-          <a:lnRef idx="2">
-            <a:schemeClr val="accent1">
-              <a:shade val="50000"/>
-            </a:schemeClr>
-          </a:lnRef>
-          <a:fillRef idx="1">
-            <a:schemeClr val="accent1"/>
-          </a:fillRef>
-          <a:effectRef idx="0">
-            <a:schemeClr val="accent1"/>
-          </a:effectRef>
-          <a:fontRef idx="minor">
-            <a:schemeClr val="lt1"/>
-          </a:fontRef>
-        </p:style>
-        <p:txBody>
-          <a:bodyPr rtlCol="0" anchor="ctr"/>
-          <a:lstStyle/>
-          <a:p>
-            <a:pPr algn="ctr"/>
-            <a:endParaRPr lang="en-US" dirty="0">
-              <a:ln>
-                <a:solidFill>
-                  <a:srgbClr val="70AD47"/>
-                </a:solidFill>
-              </a:ln>
-              <a:solidFill>
-                <a:srgbClr val="70AD47"/>
-              </a:solidFill>
-            </a:endParaRPr>
-          </a:p>
-        </p:txBody>
-      </p:sp>
-      <p:sp>
-        <p:nvSpPr>
-          <p:cNvPr id="34" name="ZoneTexte 33">
-            <a:extLst>
-              <a:ext uri="{FF2B5EF4-FFF2-40B4-BE49-F238E27FC236}">
-                <a16:creationId xmlns:a16="http://schemas.microsoft.com/office/drawing/2014/main" id="{0BA951AE-7893-4894-B68B-8E5114785A86}"/>
-              </a:ext>
-            </a:extLst>
-          </p:cNvPr>
-          <p:cNvSpPr txBox="1"/>
-          <p:nvPr/>
-        </p:nvSpPr>
-        <p:spPr>
-          <a:xfrm>
-            <a:off x="18015" y="1250031"/>
-            <a:ext cx="6486302" cy="646331"/>
-          </a:xfrm>
-          <a:prstGeom prst="rect">
-            <a:avLst/>
-          </a:prstGeom>
-          <a:noFill/>
-        </p:spPr>
-        <p:txBody>
-          <a:bodyPr wrap="square">
-            <a:spAutoFit/>
-          </a:bodyPr>
-          <a:lstStyle/>
-          <a:p>
-            <a:r>
-              <a:rPr lang="fr-FR" dirty="0">
-                <a:ln>
-                  <a:solidFill>
-                    <a:schemeClr val="bg1"/>
-                  </a:solidFill>
-                </a:ln>
-                <a:solidFill>
-                  <a:schemeClr val="bg1"/>
-                </a:solidFill>
-                <a:latin typeface="docs-Roboto"/>
-              </a:rPr>
-              <a:t>Les résultats obtenus après avoir fait l’optimisation sont meilleurs que ceux du précèdent</a:t>
-            </a:r>
-            <a:endParaRPr lang="fr-FR" sz="1100" b="1" i="1" dirty="0">
-              <a:ln>
-                <a:solidFill>
-                  <a:schemeClr val="bg1">
-                    <a:lumMod val="85000"/>
-                  </a:schemeClr>
-                </a:solidFill>
-              </a:ln>
-              <a:solidFill>
-                <a:schemeClr val="bg1">
-                  <a:lumMod val="85000"/>
-                </a:schemeClr>
-              </a:solidFill>
-              <a:latin typeface="Google Sans"/>
-            </a:endParaRPr>
-          </a:p>
-        </p:txBody>
-      </p:sp>
-      <p:sp>
-        <p:nvSpPr>
-          <p:cNvPr id="35" name="ZoneTexte 34">
-            <a:extLst>
-              <a:ext uri="{FF2B5EF4-FFF2-40B4-BE49-F238E27FC236}">
-                <a16:creationId xmlns:a16="http://schemas.microsoft.com/office/drawing/2014/main" id="{0936E3A4-F9BD-4EFB-BB39-86E39134AAD1}"/>
-              </a:ext>
-            </a:extLst>
-          </p:cNvPr>
-          <p:cNvSpPr txBox="1"/>
-          <p:nvPr/>
-        </p:nvSpPr>
-        <p:spPr>
-          <a:xfrm>
-            <a:off x="7461622" y="1516452"/>
-            <a:ext cx="3649201" cy="400110"/>
-          </a:xfrm>
-          <a:prstGeom prst="rect">
-            <a:avLst/>
-          </a:prstGeom>
-          <a:noFill/>
-        </p:spPr>
-        <p:txBody>
-          <a:bodyPr wrap="square">
-            <a:spAutoFit/>
-          </a:bodyPr>
-          <a:lstStyle/>
-          <a:p>
-            <a:r>
-              <a:rPr lang="fr-FR" sz="2000" dirty="0"/>
-              <a:t>Meilleur résultat avec </a:t>
-            </a:r>
-            <a:r>
-              <a:rPr lang="fr-FR" sz="2000" dirty="0" err="1"/>
-              <a:t>Hyperopt</a:t>
-            </a:r>
-            <a:endParaRPr lang="fr-FR" sz="2000" baseline="30000" dirty="0"/>
-          </a:p>
-        </p:txBody>
-      </p:sp>
-      <p:pic>
-        <p:nvPicPr>
-          <p:cNvPr id="36" name="Image 35">
-            <a:extLst>
-              <a:ext uri="{FF2B5EF4-FFF2-40B4-BE49-F238E27FC236}">
-                <a16:creationId xmlns:a16="http://schemas.microsoft.com/office/drawing/2014/main" id="{4F4A598E-BE19-4CF7-B75D-5359BD0B569D}"/>
-              </a:ext>
-            </a:extLst>
-          </p:cNvPr>
-          <p:cNvPicPr>
-            <a:picLocks noChangeAspect="1"/>
-          </p:cNvPicPr>
-          <p:nvPr/>
-        </p:nvPicPr>
-        <p:blipFill>
-          <a:blip r:embed="rId4">
-            <a:duotone>
-              <a:schemeClr val="accent6">
-                <a:shade val="45000"/>
-                <a:satMod val="135000"/>
-              </a:schemeClr>
-              <a:prstClr val="white"/>
-            </a:duotone>
-            <a:extLst>
-              <a:ext uri="{28A0092B-C50C-407E-A947-70E740481C1C}">
-                <a14:useLocalDpi xmlns:a14="http://schemas.microsoft.com/office/drawing/2010/main" val="0"/>
-              </a:ext>
-            </a:extLst>
-          </a:blip>
-          <a:stretch>
-            <a:fillRect/>
-          </a:stretch>
-        </p:blipFill>
-        <p:spPr>
-          <a:xfrm>
-            <a:off x="6994632" y="1507660"/>
-            <a:ext cx="457727" cy="427272"/>
-          </a:xfrm>
-          <a:prstGeom prst="rect">
-            <a:avLst/>
-          </a:prstGeom>
-        </p:spPr>
-      </p:pic>
-      <p:sp>
-        <p:nvSpPr>
-          <p:cNvPr id="43" name="Rectangle 42">
-            <a:extLst>
-              <a:ext uri="{FF2B5EF4-FFF2-40B4-BE49-F238E27FC236}">
-                <a16:creationId xmlns:a16="http://schemas.microsoft.com/office/drawing/2014/main" id="{860BA940-CB06-4AF7-B7C5-32911BE0A4F2}"/>
-              </a:ext>
-            </a:extLst>
-          </p:cNvPr>
-          <p:cNvSpPr/>
-          <p:nvPr/>
-        </p:nvSpPr>
-        <p:spPr>
-          <a:xfrm>
-            <a:off x="2587926" y="2575560"/>
-            <a:ext cx="1570008" cy="2807938"/>
-          </a:xfrm>
-          <a:prstGeom prst="rect">
-            <a:avLst/>
-          </a:prstGeom>
-          <a:noFill/>
-          <a:ln w="38100">
-            <a:solidFill>
-              <a:srgbClr val="70AD47"/>
-            </a:solidFill>
-            <a:prstDash val="solid"/>
-          </a:ln>
-        </p:spPr>
-        <p:style>
-          <a:lnRef idx="2">
-            <a:schemeClr val="accent1">
-              <a:shade val="50000"/>
-            </a:schemeClr>
-          </a:lnRef>
-          <a:fillRef idx="1">
-            <a:schemeClr val="accent1"/>
-          </a:fillRef>
-          <a:effectRef idx="0">
-            <a:schemeClr val="accent1"/>
-          </a:effectRef>
-          <a:fontRef idx="minor">
-            <a:schemeClr val="lt1"/>
-          </a:fontRef>
-        </p:style>
-        <p:txBody>
-          <a:bodyPr rtlCol="0" anchor="ctr"/>
-          <a:lstStyle/>
-          <a:p>
-            <a:pPr algn="ctr"/>
-            <a:endParaRPr lang="fr-FR">
-              <a:solidFill>
-                <a:srgbClr val="00B0F0"/>
-              </a:solidFill>
-            </a:endParaRPr>
-          </a:p>
-        </p:txBody>
-      </p:sp>
-      <p:grpSp>
-        <p:nvGrpSpPr>
-          <p:cNvPr id="16" name="Groupe 15">
-            <a:extLst>
-              <a:ext uri="{FF2B5EF4-FFF2-40B4-BE49-F238E27FC236}">
-                <a16:creationId xmlns:a16="http://schemas.microsoft.com/office/drawing/2014/main" id="{69AD510B-E263-4841-8551-21234BBB6FFD}"/>
-              </a:ext>
-            </a:extLst>
-          </p:cNvPr>
-          <p:cNvGrpSpPr/>
-          <p:nvPr/>
-        </p:nvGrpSpPr>
-        <p:grpSpPr>
-          <a:xfrm>
-            <a:off x="9831895" y="217482"/>
-            <a:ext cx="2227800" cy="856800"/>
-            <a:chOff x="8519097" y="3565933"/>
-            <a:chExt cx="2227800" cy="856800"/>
-          </a:xfrm>
-        </p:grpSpPr>
-        <p:sp>
-          <p:nvSpPr>
-            <p:cNvPr id="17" name="Google Shape;189;p19">
-              <a:extLst>
-                <a:ext uri="{FF2B5EF4-FFF2-40B4-BE49-F238E27FC236}">
-                  <a16:creationId xmlns:a16="http://schemas.microsoft.com/office/drawing/2014/main" id="{B85D3819-5882-44FF-93FF-D30FFA6413E3}"/>
-                </a:ext>
-              </a:extLst>
-            </p:cNvPr>
-            <p:cNvSpPr/>
-            <p:nvPr/>
-          </p:nvSpPr>
-          <p:spPr>
-            <a:xfrm>
-              <a:off x="8519097" y="3565933"/>
-              <a:ext cx="2227800" cy="856800"/>
-            </a:xfrm>
-            <a:prstGeom prst="chevron">
-              <a:avLst>
-                <a:gd name="adj" fmla="val 50000"/>
-              </a:avLst>
-            </a:prstGeom>
-            <a:solidFill>
-              <a:srgbClr val="7451EB"/>
-            </a:solidFill>
-            <a:ln>
-              <a:solidFill>
-                <a:srgbClr val="7451EB"/>
-              </a:solidFill>
-            </a:ln>
-          </p:spPr>
-          <p:txBody>
-            <a:bodyPr spcFirstLastPara="1" wrap="square" lIns="91425" tIns="91425" rIns="91425" bIns="91425" anchor="ctr" anchorCtr="0">
-              <a:noAutofit/>
-            </a:bodyPr>
-            <a:lstStyle/>
-            <a:p>
-              <a:pPr marL="0" lvl="0" indent="0" algn="l" rtl="0">
-                <a:spcBef>
-                  <a:spcPts val="0"/>
-                </a:spcBef>
-                <a:spcAft>
-                  <a:spcPts val="0"/>
-                </a:spcAft>
-                <a:buNone/>
-              </a:pPr>
-              <a:endParaRPr dirty="0"/>
-            </a:p>
-          </p:txBody>
-        </p:sp>
-        <p:sp>
-          <p:nvSpPr>
-            <p:cNvPr id="18" name="Google Shape;193;p19">
-              <a:extLst>
-                <a:ext uri="{FF2B5EF4-FFF2-40B4-BE49-F238E27FC236}">
-                  <a16:creationId xmlns:a16="http://schemas.microsoft.com/office/drawing/2014/main" id="{F1C7A6C5-B358-4D86-997B-F6AB7026F0C0}"/>
-                </a:ext>
-              </a:extLst>
-            </p:cNvPr>
-            <p:cNvSpPr txBox="1"/>
-            <p:nvPr/>
-          </p:nvSpPr>
-          <p:spPr>
-            <a:xfrm>
-              <a:off x="8746278" y="3763395"/>
-              <a:ext cx="1409614" cy="464551"/>
-            </a:xfrm>
-            <a:prstGeom prst="rect">
-              <a:avLst/>
-            </a:prstGeom>
-            <a:noFill/>
-            <a:ln>
-              <a:noFill/>
-            </a:ln>
-          </p:spPr>
-          <p:txBody>
-            <a:bodyPr spcFirstLastPara="1" wrap="square" lIns="91425" tIns="91425" rIns="91425" bIns="91425" anchor="ctr" anchorCtr="0">
-              <a:noAutofit/>
-            </a:bodyPr>
-            <a:lstStyle/>
-            <a:p>
-              <a:pPr marL="0" lvl="0" indent="0" algn="r" rtl="0">
-                <a:spcBef>
-                  <a:spcPts val="0"/>
-                </a:spcBef>
-                <a:spcAft>
-                  <a:spcPts val="0"/>
-                </a:spcAft>
-                <a:buNone/>
-              </a:pPr>
-              <a:r>
-                <a:rPr lang="fr-FR" sz="2000" dirty="0" err="1">
-                  <a:solidFill>
-                    <a:schemeClr val="lt1"/>
-                  </a:solidFill>
-                  <a:latin typeface="Google Sans"/>
-                  <a:ea typeface="Fira Sans Condensed Medium"/>
-                  <a:cs typeface="Fira Sans Condensed Medium"/>
-                  <a:sym typeface="Fira Sans Condensed Medium"/>
-                </a:rPr>
-                <a:t>Hyperopt</a:t>
-              </a:r>
-              <a:endParaRPr sz="2000" dirty="0">
-                <a:solidFill>
-                  <a:srgbClr val="FFFFFF"/>
-                </a:solidFill>
-                <a:latin typeface="Google Sans"/>
-                <a:ea typeface="Fira Sans Condensed Medium"/>
-                <a:cs typeface="Fira Sans Condensed Medium"/>
-                <a:sym typeface="Fira Sans Condensed Medium"/>
-              </a:endParaRPr>
-            </a:p>
-          </p:txBody>
-        </p:sp>
-        <p:sp>
-          <p:nvSpPr>
-            <p:cNvPr id="19" name="Google Shape;197;p19">
-              <a:extLst>
-                <a:ext uri="{FF2B5EF4-FFF2-40B4-BE49-F238E27FC236}">
-                  <a16:creationId xmlns:a16="http://schemas.microsoft.com/office/drawing/2014/main" id="{9F31023B-2EAD-468B-9B36-816A9E989422}"/>
-                </a:ext>
-              </a:extLst>
-            </p:cNvPr>
-            <p:cNvSpPr/>
-            <p:nvPr/>
-          </p:nvSpPr>
-          <p:spPr>
-            <a:xfrm>
-              <a:off x="10145008" y="3796028"/>
-              <a:ext cx="396600" cy="396600"/>
-            </a:xfrm>
-            <a:prstGeom prst="ellipse">
-              <a:avLst/>
-            </a:prstGeom>
-            <a:solidFill>
-              <a:srgbClr val="FFFFFF"/>
-            </a:solidFill>
-            <a:ln>
-              <a:noFill/>
-            </a:ln>
-          </p:spPr>
-          <p:txBody>
-            <a:bodyPr spcFirstLastPara="1" wrap="square" lIns="91425" tIns="91425" rIns="91425" bIns="91425" anchor="ctr" anchorCtr="0">
-              <a:noAutofit/>
-            </a:bodyPr>
-            <a:lstStyle/>
-            <a:p>
-              <a:pPr marL="0" lvl="0" indent="0" algn="l" rtl="0">
-                <a:spcBef>
-                  <a:spcPts val="0"/>
-                </a:spcBef>
-                <a:spcAft>
-                  <a:spcPts val="0"/>
-                </a:spcAft>
-                <a:buNone/>
-              </a:pPr>
-              <a:endParaRPr sz="2100">
-                <a:solidFill>
-                  <a:schemeClr val="accent1"/>
-                </a:solidFill>
-                <a:latin typeface="Fira Sans Condensed Medium"/>
-                <a:ea typeface="Fira Sans Condensed Medium"/>
-                <a:cs typeface="Fira Sans Condensed Medium"/>
-                <a:sym typeface="Fira Sans Condensed Medium"/>
-              </a:endParaRPr>
-            </a:p>
-          </p:txBody>
-        </p:sp>
-        <p:sp>
-          <p:nvSpPr>
-            <p:cNvPr id="20" name="Google Shape;204;p19">
-              <a:extLst>
-                <a:ext uri="{FF2B5EF4-FFF2-40B4-BE49-F238E27FC236}">
-                  <a16:creationId xmlns:a16="http://schemas.microsoft.com/office/drawing/2014/main" id="{4FC41F6D-6A52-4303-8AD9-C7497EA6F5A1}"/>
-                </a:ext>
-              </a:extLst>
-            </p:cNvPr>
-            <p:cNvSpPr txBox="1"/>
-            <p:nvPr/>
-          </p:nvSpPr>
-          <p:spPr>
-            <a:xfrm>
-              <a:off x="10145509" y="3795897"/>
-              <a:ext cx="396600" cy="396600"/>
-            </a:xfrm>
-            <a:prstGeom prst="rect">
-              <a:avLst/>
-            </a:prstGeom>
-            <a:noFill/>
-            <a:ln>
-              <a:noFill/>
-            </a:ln>
-          </p:spPr>
-          <p:txBody>
-            <a:bodyPr spcFirstLastPara="1" wrap="square" lIns="91425" tIns="91425" rIns="91425" bIns="91425" anchor="ctr" anchorCtr="0">
-              <a:noAutofit/>
-            </a:bodyPr>
-            <a:lstStyle/>
-            <a:p>
-              <a:pPr marL="0" lvl="0" indent="0" algn="ctr" rtl="0">
-                <a:spcBef>
-                  <a:spcPts val="0"/>
-                </a:spcBef>
-                <a:spcAft>
-                  <a:spcPts val="0"/>
-                </a:spcAft>
-                <a:buNone/>
-              </a:pPr>
-              <a:endParaRPr sz="2000" dirty="0">
-                <a:solidFill>
-                  <a:schemeClr val="accent1"/>
-                </a:solidFill>
-                <a:latin typeface="Fira Sans Condensed Medium"/>
-                <a:ea typeface="Fira Sans Condensed Medium"/>
-                <a:cs typeface="Fira Sans Condensed Medium"/>
-                <a:sym typeface="Fira Sans Condensed Medium"/>
-              </a:endParaRPr>
-            </a:p>
-          </p:txBody>
-        </p:sp>
-        <p:pic>
-          <p:nvPicPr>
-            <p:cNvPr id="22" name="Image 21">
-              <a:extLst>
-                <a:ext uri="{FF2B5EF4-FFF2-40B4-BE49-F238E27FC236}">
-                  <a16:creationId xmlns:a16="http://schemas.microsoft.com/office/drawing/2014/main" id="{B6FE5411-EA07-4D7F-A447-3A5E2F757F01}"/>
-                </a:ext>
-              </a:extLst>
-            </p:cNvPr>
-            <p:cNvPicPr>
-              <a:picLocks noChangeAspect="1"/>
-            </p:cNvPicPr>
-            <p:nvPr/>
-          </p:nvPicPr>
-          <p:blipFill>
-            <a:blip r:embed="rId5">
-              <a:extLst>
-                <a:ext uri="{28A0092B-C50C-407E-A947-70E740481C1C}">
-                  <a14:useLocalDpi xmlns:a14="http://schemas.microsoft.com/office/drawing/2010/main" val="0"/>
-                </a:ext>
-              </a:extLst>
-            </a:blip>
-            <a:stretch>
-              <a:fillRect/>
-            </a:stretch>
-          </p:blipFill>
-          <p:spPr>
-            <a:xfrm>
-              <a:off x="10203193" y="3836668"/>
-              <a:ext cx="304762" cy="304762"/>
-            </a:xfrm>
-            <a:prstGeom prst="rect">
-              <a:avLst/>
-            </a:prstGeom>
-          </p:spPr>
-        </p:pic>
-      </p:grpSp>
-    </p:spTree>
-    <p:extLst>
-      <p:ext uri="{BB962C8B-B14F-4D97-AF65-F5344CB8AC3E}">
-        <p14:creationId xmlns:p14="http://schemas.microsoft.com/office/powerpoint/2010/main" val="3395799885"/>
-      </p:ext>
-    </p:extLst>
-  </p:cSld>
-  <p:clrMapOvr>
-    <a:masterClrMapping/>
-  </p:clrMapOvr>
-</p:sld>
-</file>
-
-<file path=ppt/slides/slide2.xml><?xml version="1.0" encoding="utf-8"?>
-<p:sld xmlns:a="http://schemas.openxmlformats.org/drawingml/2006/main" xmlns:r="http://schemas.openxmlformats.org/officeDocument/2006/relationships" xmlns:p="http://schemas.openxmlformats.org/presentationml/2006/main">
-  <p:cSld>
-    <p:spTree>
-      <p:nvGrpSpPr>
-        <p:cNvPr id="1" name=""/>
-        <p:cNvGrpSpPr/>
-        <p:nvPr/>
-      </p:nvGrpSpPr>
-      <p:grpSpPr>
-        <a:xfrm>
-          <a:off x="0" y="0"/>
-          <a:ext cx="0" cy="0"/>
-          <a:chOff x="0" y="0"/>
-          <a:chExt cx="0" cy="0"/>
-        </a:xfrm>
-      </p:grpSpPr>
-      <p:sp>
-        <p:nvSpPr>
-          <p:cNvPr id="5" name="Rectangle 4">
-            <a:extLst>
-              <a:ext uri="{FF2B5EF4-FFF2-40B4-BE49-F238E27FC236}">
-                <a16:creationId xmlns:a16="http://schemas.microsoft.com/office/drawing/2014/main" id="{A00233D2-38CE-441F-90C9-32F91999758A}"/>
-              </a:ext>
-            </a:extLst>
-          </p:cNvPr>
-          <p:cNvSpPr/>
-          <p:nvPr/>
-        </p:nvSpPr>
-        <p:spPr>
-          <a:xfrm>
-            <a:off x="0" y="6400273"/>
-            <a:ext cx="12192000" cy="457727"/>
-          </a:xfrm>
-          <a:prstGeom prst="rect">
-            <a:avLst/>
-          </a:prstGeom>
-          <a:solidFill>
-            <a:srgbClr val="7451EB"/>
-          </a:solidFill>
-          <a:ln>
-            <a:solidFill>
-              <a:srgbClr val="7451EB"/>
-            </a:solidFill>
-          </a:ln>
-        </p:spPr>
-        <p:style>
-          <a:lnRef idx="2">
-            <a:schemeClr val="accent1">
-              <a:shade val="50000"/>
-            </a:schemeClr>
-          </a:lnRef>
-          <a:fillRef idx="1">
-            <a:schemeClr val="accent1"/>
-          </a:fillRef>
-          <a:effectRef idx="0">
-            <a:schemeClr val="accent1"/>
-          </a:effectRef>
-          <a:fontRef idx="minor">
-            <a:schemeClr val="lt1"/>
-          </a:fontRef>
-        </p:style>
-        <p:txBody>
-          <a:bodyPr rtlCol="0" anchor="ctr"/>
-          <a:lstStyle/>
-          <a:p>
-            <a:pPr algn="ctr"/>
-            <a:endParaRPr lang="en-US" dirty="0"/>
-          </a:p>
-        </p:txBody>
-      </p:sp>
-      <p:sp>
-        <p:nvSpPr>
-          <p:cNvPr id="8" name="TextBox 3">
-            <a:extLst>
-              <a:ext uri="{FF2B5EF4-FFF2-40B4-BE49-F238E27FC236}">
-                <a16:creationId xmlns:a16="http://schemas.microsoft.com/office/drawing/2014/main" id="{24081931-CD0C-485C-9C3E-E7C2A4D4ABCE}"/>
-              </a:ext>
-            </a:extLst>
-          </p:cNvPr>
-          <p:cNvSpPr txBox="1"/>
-          <p:nvPr/>
-        </p:nvSpPr>
-        <p:spPr>
-          <a:xfrm>
-            <a:off x="0" y="6475247"/>
-            <a:ext cx="8982635" cy="307777"/>
-          </a:xfrm>
-          <a:prstGeom prst="rect">
-            <a:avLst/>
-          </a:prstGeom>
-          <a:noFill/>
-        </p:spPr>
-        <p:txBody>
-          <a:bodyPr wrap="square" rtlCol="0">
-            <a:spAutoFit/>
-          </a:bodyPr>
-          <a:lstStyle/>
-          <a:p>
-            <a:r>
-              <a:rPr lang="es-CO" sz="1400" dirty="0">
-                <a:ln>
-                  <a:solidFill>
-                    <a:schemeClr val="bg1"/>
-                  </a:solidFill>
-                </a:ln>
-                <a:solidFill>
-                  <a:schemeClr val="bg1"/>
-                </a:solidFill>
-                <a:latin typeface="+mj-lt"/>
-              </a:rPr>
-              <a:t>Project 7 – </a:t>
-            </a:r>
-            <a:r>
-              <a:rPr lang="fr-FR" sz="1400" dirty="0">
-                <a:ln>
-                  <a:solidFill>
-                    <a:schemeClr val="bg1"/>
-                  </a:solidFill>
-                </a:ln>
-                <a:solidFill>
-                  <a:schemeClr val="bg1"/>
-                </a:solidFill>
-                <a:latin typeface="+mj-lt"/>
-              </a:rPr>
-              <a:t>implémentation d’un modèle de </a:t>
-            </a:r>
-            <a:r>
-              <a:rPr lang="fr-FR" sz="1400" dirty="0" err="1">
-                <a:ln>
-                  <a:solidFill>
-                    <a:schemeClr val="bg1"/>
-                  </a:solidFill>
-                </a:ln>
-                <a:solidFill>
-                  <a:schemeClr val="bg1"/>
-                </a:solidFill>
-                <a:latin typeface="+mj-lt"/>
-              </a:rPr>
-              <a:t>scoring</a:t>
-            </a:r>
-            <a:endParaRPr lang="en-US" sz="1400" dirty="0">
-              <a:ln>
-                <a:solidFill>
-                  <a:schemeClr val="bg1"/>
-                </a:solidFill>
-              </a:ln>
-              <a:solidFill>
-                <a:schemeClr val="bg1"/>
-              </a:solidFill>
-              <a:latin typeface="+mj-lt"/>
-            </a:endParaRPr>
-          </a:p>
-        </p:txBody>
-      </p:sp>
-      <p:sp>
-        <p:nvSpPr>
-          <p:cNvPr id="15" name="TextBox 3">
-            <a:extLst>
-              <a:ext uri="{FF2B5EF4-FFF2-40B4-BE49-F238E27FC236}">
-                <a16:creationId xmlns:a16="http://schemas.microsoft.com/office/drawing/2014/main" id="{47FC2DCC-BDE9-485D-AF79-4177B5479110}"/>
-              </a:ext>
-            </a:extLst>
-          </p:cNvPr>
-          <p:cNvSpPr txBox="1"/>
-          <p:nvPr/>
-        </p:nvSpPr>
-        <p:spPr>
-          <a:xfrm>
-            <a:off x="10543592" y="6475247"/>
-            <a:ext cx="1648408" cy="307777"/>
-          </a:xfrm>
-          <a:prstGeom prst="rect">
-            <a:avLst/>
-          </a:prstGeom>
-          <a:noFill/>
-        </p:spPr>
-        <p:txBody>
-          <a:bodyPr wrap="square" rtlCol="0">
-            <a:spAutoFit/>
-          </a:bodyPr>
-          <a:lstStyle/>
-          <a:p>
-            <a:pPr algn="r"/>
-            <a:r>
-              <a:rPr lang="es-CO" sz="1400" b="1" i="1" dirty="0" err="1">
-                <a:ln>
-                  <a:solidFill>
-                    <a:schemeClr val="bg1"/>
-                  </a:solidFill>
-                </a:ln>
-                <a:solidFill>
-                  <a:schemeClr val="bg1"/>
-                </a:solidFill>
-                <a:latin typeface="+mj-lt"/>
-              </a:rPr>
-              <a:t>OpenClassrooms</a:t>
-            </a:r>
-            <a:endParaRPr lang="en-US" sz="1400" b="1" i="1" dirty="0">
-              <a:ln>
-                <a:solidFill>
-                  <a:schemeClr val="bg1"/>
-                </a:solidFill>
-              </a:ln>
-              <a:solidFill>
-                <a:schemeClr val="bg1"/>
-              </a:solidFill>
-              <a:latin typeface="+mj-lt"/>
-            </a:endParaRPr>
-          </a:p>
-        </p:txBody>
-      </p:sp>
-      <p:sp>
-        <p:nvSpPr>
-          <p:cNvPr id="22" name="ZoneTexte 21">
-            <a:extLst>
-              <a:ext uri="{FF2B5EF4-FFF2-40B4-BE49-F238E27FC236}">
-                <a16:creationId xmlns:a16="http://schemas.microsoft.com/office/drawing/2014/main" id="{CDCAAFAA-8DED-4CA8-9F07-AA22874ECFF3}"/>
-              </a:ext>
-            </a:extLst>
-          </p:cNvPr>
-          <p:cNvSpPr txBox="1"/>
-          <p:nvPr/>
-        </p:nvSpPr>
-        <p:spPr>
-          <a:xfrm>
-            <a:off x="279915" y="1510259"/>
-            <a:ext cx="7189851" cy="3108543"/>
-          </a:xfrm>
-          <a:prstGeom prst="rect">
-            <a:avLst/>
-          </a:prstGeom>
-          <a:noFill/>
-        </p:spPr>
-        <p:txBody>
-          <a:bodyPr wrap="square">
-            <a:spAutoFit/>
-          </a:bodyPr>
-          <a:lstStyle/>
-          <a:p>
-            <a:pPr marL="514350" indent="-514350">
-              <a:buFont typeface="+mj-lt"/>
-              <a:buAutoNum type="arabicPeriod"/>
-            </a:pPr>
-            <a:r>
-              <a:rPr lang="fr-FR" sz="2800" dirty="0">
-                <a:ln>
-                  <a:solidFill>
-                    <a:srgbClr val="7451EB"/>
-                  </a:solidFill>
-                </a:ln>
-                <a:solidFill>
-                  <a:srgbClr val="7451EB"/>
-                </a:solidFill>
-                <a:latin typeface="Google Sans"/>
-              </a:rPr>
-              <a:t>Mission</a:t>
-            </a:r>
-          </a:p>
-          <a:p>
-            <a:pPr marL="514350" indent="-514350">
-              <a:buFont typeface="+mj-lt"/>
-              <a:buAutoNum type="arabicPeriod"/>
-            </a:pPr>
-            <a:r>
-              <a:rPr lang="fr-FR" sz="2800" dirty="0">
-                <a:ln>
-                  <a:solidFill>
-                    <a:srgbClr val="7451EB"/>
-                  </a:solidFill>
-                </a:ln>
-                <a:solidFill>
-                  <a:srgbClr val="7451EB"/>
-                </a:solidFill>
-                <a:latin typeface="Google Sans"/>
-              </a:rPr>
-              <a:t>Présentation du jeu de données</a:t>
-            </a:r>
-          </a:p>
-          <a:p>
-            <a:pPr marL="514350" indent="-514350">
-              <a:buFont typeface="+mj-lt"/>
-              <a:buAutoNum type="arabicPeriod"/>
-            </a:pPr>
-            <a:r>
-              <a:rPr lang="fr-FR" sz="2800" dirty="0">
-                <a:ln>
-                  <a:solidFill>
-                    <a:srgbClr val="7451EB"/>
-                  </a:solidFill>
-                </a:ln>
-                <a:solidFill>
-                  <a:srgbClr val="7451EB"/>
-                </a:solidFill>
-                <a:latin typeface="Google Sans"/>
-              </a:rPr>
-              <a:t>Kernel </a:t>
-            </a:r>
-            <a:r>
-              <a:rPr lang="fr-FR" sz="2800" dirty="0" err="1">
-                <a:ln>
-                  <a:solidFill>
-                    <a:srgbClr val="7451EB"/>
-                  </a:solidFill>
-                </a:ln>
-                <a:solidFill>
-                  <a:srgbClr val="7451EB"/>
-                </a:solidFill>
-                <a:latin typeface="Google Sans"/>
-              </a:rPr>
-              <a:t>Kaggle</a:t>
-            </a:r>
-            <a:endParaRPr lang="fr-FR" sz="2800" dirty="0">
-              <a:ln>
-                <a:solidFill>
-                  <a:srgbClr val="7451EB"/>
-                </a:solidFill>
-              </a:ln>
-              <a:solidFill>
-                <a:srgbClr val="7451EB"/>
-              </a:solidFill>
-              <a:latin typeface="Google Sans"/>
-            </a:endParaRPr>
-          </a:p>
-          <a:p>
-            <a:pPr marL="514350" indent="-514350">
-              <a:buFont typeface="+mj-lt"/>
-              <a:buAutoNum type="arabicPeriod"/>
-            </a:pPr>
-            <a:r>
-              <a:rPr lang="fr-FR" sz="2800" dirty="0">
-                <a:ln>
-                  <a:solidFill>
-                    <a:srgbClr val="7451EB"/>
-                  </a:solidFill>
-                </a:ln>
-                <a:solidFill>
-                  <a:srgbClr val="7451EB"/>
-                </a:solidFill>
-                <a:latin typeface="Google Sans"/>
-              </a:rPr>
-              <a:t>Optimisation du modèle</a:t>
-            </a:r>
-          </a:p>
-          <a:p>
-            <a:pPr marL="514350" indent="-514350">
-              <a:buFont typeface="+mj-lt"/>
-              <a:buAutoNum type="arabicPeriod"/>
-            </a:pPr>
-            <a:r>
-              <a:rPr lang="fr-FR" sz="2800" dirty="0">
-                <a:ln>
-                  <a:solidFill>
-                    <a:srgbClr val="7451EB"/>
-                  </a:solidFill>
-                </a:ln>
-                <a:solidFill>
-                  <a:srgbClr val="7451EB"/>
-                </a:solidFill>
-                <a:latin typeface="Google Sans"/>
-              </a:rPr>
-              <a:t>Tableau de bord</a:t>
-            </a:r>
-          </a:p>
-          <a:p>
-            <a:pPr marL="514350" indent="-514350">
-              <a:buFont typeface="+mj-lt"/>
-              <a:buAutoNum type="arabicPeriod"/>
-            </a:pPr>
-            <a:r>
-              <a:rPr lang="fr-FR" sz="2800" dirty="0">
-                <a:ln>
-                  <a:solidFill>
-                    <a:srgbClr val="7451EB"/>
-                  </a:solidFill>
-                </a:ln>
-                <a:solidFill>
-                  <a:srgbClr val="7451EB"/>
-                </a:solidFill>
-                <a:latin typeface="Google Sans"/>
-              </a:rPr>
-              <a:t>Conclusion</a:t>
-            </a:r>
-          </a:p>
-          <a:p>
-            <a:pPr marL="285750" indent="-285750">
-              <a:buFontTx/>
-              <a:buChar char="­"/>
-            </a:pPr>
-            <a:endParaRPr lang="fr-FR" sz="2800" dirty="0">
-              <a:ln>
-                <a:solidFill>
-                  <a:srgbClr val="7451EB"/>
-                </a:solidFill>
-              </a:ln>
-              <a:solidFill>
-                <a:srgbClr val="7451EB"/>
-              </a:solidFill>
-              <a:latin typeface="Google Sans"/>
-            </a:endParaRPr>
-          </a:p>
-        </p:txBody>
-      </p:sp>
-      <p:sp>
-        <p:nvSpPr>
-          <p:cNvPr id="10" name="Titre 1">
-            <a:extLst>
-              <a:ext uri="{FF2B5EF4-FFF2-40B4-BE49-F238E27FC236}">
-                <a16:creationId xmlns:a16="http://schemas.microsoft.com/office/drawing/2014/main" id="{224E5C7D-3656-459F-9C01-61200508167F}"/>
-              </a:ext>
-            </a:extLst>
-          </p:cNvPr>
-          <p:cNvSpPr txBox="1">
-            <a:spLocks/>
-          </p:cNvSpPr>
-          <p:nvPr/>
-        </p:nvSpPr>
-        <p:spPr>
-          <a:xfrm>
-            <a:off x="279918" y="432794"/>
-            <a:ext cx="6944616" cy="820048"/>
-          </a:xfrm>
-          <a:prstGeom prst="rect">
-            <a:avLst/>
-          </a:prstGeom>
-        </p:spPr>
-        <p:txBody>
-          <a:bodyPr vert="horz" lIns="91440" tIns="45720" rIns="91440" bIns="45720" rtlCol="0" anchor="ctr">
-            <a:normAutofit/>
-          </a:bodyPr>
-          <a:lstStyle>
-            <a:lvl1pPr algn="l" defTabSz="914400" rtl="0" eaLnBrk="1" latinLnBrk="0" hangingPunct="1">
-              <a:lnSpc>
-                <a:spcPct val="90000"/>
-              </a:lnSpc>
-              <a:spcBef>
-                <a:spcPct val="0"/>
-              </a:spcBef>
-              <a:buNone/>
-              <a:defRPr sz="4400" kern="1200">
-                <a:solidFill>
-                  <a:schemeClr val="tx1"/>
-                </a:solidFill>
-                <a:latin typeface="+mj-lt"/>
-                <a:ea typeface="+mj-ea"/>
-                <a:cs typeface="+mj-cs"/>
-              </a:defRPr>
-            </a:lvl1pPr>
-          </a:lstStyle>
-          <a:p>
-            <a:r>
-              <a:rPr lang="es-ES" sz="4000" b="1" dirty="0">
-                <a:ln>
-                  <a:solidFill>
-                    <a:srgbClr val="7451EB"/>
-                  </a:solidFill>
-                </a:ln>
-                <a:solidFill>
-                  <a:srgbClr val="7451EB"/>
-                </a:solidFill>
-                <a:latin typeface="Google Sans"/>
-              </a:rPr>
-              <a:t>Plan de la </a:t>
-            </a:r>
-            <a:r>
-              <a:rPr lang="es-ES" sz="4000" b="1" dirty="0" err="1">
-                <a:ln>
-                  <a:solidFill>
-                    <a:srgbClr val="7451EB"/>
-                  </a:solidFill>
-                </a:ln>
-                <a:solidFill>
-                  <a:srgbClr val="7451EB"/>
-                </a:solidFill>
-                <a:latin typeface="Google Sans"/>
-              </a:rPr>
-              <a:t>soutenance</a:t>
-            </a:r>
-            <a:endParaRPr lang="es-419" sz="4000" b="1" u="sng" dirty="0">
-              <a:ln>
-                <a:solidFill>
-                  <a:srgbClr val="7451EB"/>
-                </a:solidFill>
-              </a:ln>
-              <a:solidFill>
-                <a:srgbClr val="7451EB"/>
-              </a:solidFill>
-              <a:latin typeface="Google Sans"/>
-            </a:endParaRPr>
-          </a:p>
-        </p:txBody>
-      </p:sp>
-      <p:sp>
-        <p:nvSpPr>
-          <p:cNvPr id="11" name="Rectángulo 4">
-            <a:extLst>
-              <a:ext uri="{FF2B5EF4-FFF2-40B4-BE49-F238E27FC236}">
-                <a16:creationId xmlns:a16="http://schemas.microsoft.com/office/drawing/2014/main" id="{B84F0FDC-2C73-4C87-9CC7-F9F129B3A699}"/>
-              </a:ext>
-            </a:extLst>
-          </p:cNvPr>
-          <p:cNvSpPr/>
-          <p:nvPr/>
-        </p:nvSpPr>
-        <p:spPr>
-          <a:xfrm>
-            <a:off x="377906" y="378794"/>
-            <a:ext cx="366721" cy="54000"/>
-          </a:xfrm>
-          <a:prstGeom prst="rect">
-            <a:avLst/>
-          </a:prstGeom>
-          <a:solidFill>
-            <a:srgbClr val="7451EB"/>
-          </a:solidFill>
-          <a:ln>
-            <a:solidFill>
-              <a:srgbClr val="7451EB"/>
-            </a:solidFill>
-          </a:ln>
-        </p:spPr>
-        <p:style>
-          <a:lnRef idx="2">
-            <a:schemeClr val="accent1">
-              <a:shade val="50000"/>
-            </a:schemeClr>
-          </a:lnRef>
-          <a:fillRef idx="1">
-            <a:schemeClr val="accent1"/>
-          </a:fillRef>
-          <a:effectRef idx="0">
-            <a:schemeClr val="accent1"/>
-          </a:effectRef>
-          <a:fontRef idx="minor">
-            <a:schemeClr val="lt1"/>
-          </a:fontRef>
-        </p:style>
-        <p:txBody>
-          <a:bodyPr rtlCol="0" anchor="ctr"/>
-          <a:lstStyle/>
-          <a:p>
-            <a:pPr algn="ctr"/>
-            <a:endParaRPr lang="es-AR">
-              <a:ln>
-                <a:solidFill>
-                  <a:srgbClr val="7451EB"/>
-                </a:solidFill>
-              </a:ln>
-              <a:solidFill>
-                <a:srgbClr val="7451EB"/>
-              </a:solidFill>
-            </a:endParaRPr>
-          </a:p>
-        </p:txBody>
-      </p:sp>
-      <p:pic>
-        <p:nvPicPr>
-          <p:cNvPr id="12" name="Image 11">
-            <a:extLst>
-              <a:ext uri="{FF2B5EF4-FFF2-40B4-BE49-F238E27FC236}">
-                <a16:creationId xmlns:a16="http://schemas.microsoft.com/office/drawing/2014/main" id="{D2967778-158E-405B-AE7C-F98D8BCE79CA}"/>
-              </a:ext>
-            </a:extLst>
-          </p:cNvPr>
-          <p:cNvPicPr>
-            <a:picLocks noChangeAspect="1"/>
-          </p:cNvPicPr>
-          <p:nvPr/>
-        </p:nvPicPr>
-        <p:blipFill rotWithShape="1">
-          <a:blip r:embed="rId3"/>
-          <a:srcRect l="291"/>
-          <a:stretch/>
-        </p:blipFill>
-        <p:spPr>
-          <a:xfrm>
-            <a:off x="7138690" y="1510259"/>
-            <a:ext cx="4339732" cy="3615827"/>
-          </a:xfrm>
-          <a:prstGeom prst="rect">
-            <a:avLst/>
-          </a:prstGeom>
-          <a:ln>
-            <a:noFill/>
-          </a:ln>
-          <a:effectLst>
-            <a:outerShdw blurRad="292100" dist="139700" dir="2700000" algn="tl" rotWithShape="0">
-              <a:srgbClr val="333333">
-                <a:alpha val="65000"/>
-              </a:srgbClr>
-            </a:outerShdw>
-          </a:effectLst>
-        </p:spPr>
-      </p:pic>
-    </p:spTree>
-    <p:extLst>
-      <p:ext uri="{BB962C8B-B14F-4D97-AF65-F5344CB8AC3E}">
-        <p14:creationId xmlns:p14="http://schemas.microsoft.com/office/powerpoint/2010/main" val="3950755484"/>
-      </p:ext>
-    </p:extLst>
-  </p:cSld>
-  <p:clrMapOvr>
-    <a:masterClrMapping/>
-  </p:clrMapOvr>
-</p:sld>
-</file>
-
-<file path=ppt/slides/slide20.xml><?xml version="1.0" encoding="utf-8"?>
-<p:sld xmlns:a="http://schemas.openxmlformats.org/drawingml/2006/main" xmlns:r="http://schemas.openxmlformats.org/officeDocument/2006/relationships" xmlns:p="http://schemas.openxmlformats.org/presentationml/2006/main">
-  <p:cSld>
-    <p:spTree>
-      <p:nvGrpSpPr>
-        <p:cNvPr id="1" name=""/>
-        <p:cNvGrpSpPr/>
-        <p:nvPr/>
-      </p:nvGrpSpPr>
-      <p:grpSpPr>
-        <a:xfrm>
-          <a:off x="0" y="0"/>
-          <a:ext cx="0" cy="0"/>
-          <a:chOff x="0" y="0"/>
-          <a:chExt cx="0" cy="0"/>
-        </a:xfrm>
-      </p:grpSpPr>
-      <p:sp>
-        <p:nvSpPr>
-          <p:cNvPr id="5" name="Rectangle 4">
-            <a:extLst>
-              <a:ext uri="{FF2B5EF4-FFF2-40B4-BE49-F238E27FC236}">
-                <a16:creationId xmlns:a16="http://schemas.microsoft.com/office/drawing/2014/main" id="{A00233D2-38CE-441F-90C9-32F91999758A}"/>
-              </a:ext>
-            </a:extLst>
-          </p:cNvPr>
-          <p:cNvSpPr/>
-          <p:nvPr/>
-        </p:nvSpPr>
-        <p:spPr>
-          <a:xfrm>
-            <a:off x="0" y="6400273"/>
-            <a:ext cx="12192000" cy="457727"/>
-          </a:xfrm>
-          <a:prstGeom prst="rect">
-            <a:avLst/>
-          </a:prstGeom>
-          <a:solidFill>
-            <a:srgbClr val="7451EB"/>
-          </a:solidFill>
-          <a:ln>
-            <a:solidFill>
-              <a:srgbClr val="7451EB"/>
-            </a:solidFill>
-          </a:ln>
-        </p:spPr>
-        <p:style>
-          <a:lnRef idx="2">
-            <a:schemeClr val="accent1">
-              <a:shade val="50000"/>
-            </a:schemeClr>
-          </a:lnRef>
-          <a:fillRef idx="1">
-            <a:schemeClr val="accent1"/>
-          </a:fillRef>
-          <a:effectRef idx="0">
-            <a:schemeClr val="accent1"/>
-          </a:effectRef>
-          <a:fontRef idx="minor">
-            <a:schemeClr val="lt1"/>
-          </a:fontRef>
-        </p:style>
-        <p:txBody>
-          <a:bodyPr rtlCol="0" anchor="ctr"/>
-          <a:lstStyle/>
-          <a:p>
-            <a:pPr algn="ctr"/>
-            <a:endParaRPr lang="en-US" dirty="0"/>
-          </a:p>
-        </p:txBody>
-      </p:sp>
-      <p:sp>
-        <p:nvSpPr>
-          <p:cNvPr id="15" name="TextBox 3">
-            <a:extLst>
-              <a:ext uri="{FF2B5EF4-FFF2-40B4-BE49-F238E27FC236}">
-                <a16:creationId xmlns:a16="http://schemas.microsoft.com/office/drawing/2014/main" id="{47FC2DCC-BDE9-485D-AF79-4177B5479110}"/>
-              </a:ext>
-            </a:extLst>
-          </p:cNvPr>
-          <p:cNvSpPr txBox="1"/>
-          <p:nvPr/>
-        </p:nvSpPr>
-        <p:spPr>
-          <a:xfrm>
-            <a:off x="10543592" y="6475247"/>
-            <a:ext cx="1648408" cy="307777"/>
-          </a:xfrm>
-          <a:prstGeom prst="rect">
-            <a:avLst/>
-          </a:prstGeom>
-          <a:noFill/>
-        </p:spPr>
-        <p:txBody>
-          <a:bodyPr wrap="square" rtlCol="0">
-            <a:spAutoFit/>
-          </a:bodyPr>
-          <a:lstStyle/>
-          <a:p>
-            <a:pPr algn="r"/>
-            <a:r>
-              <a:rPr lang="es-CO" sz="1400" b="1" i="1" dirty="0" err="1">
-                <a:ln>
-                  <a:solidFill>
-                    <a:schemeClr val="bg1"/>
-                  </a:solidFill>
-                </a:ln>
-                <a:solidFill>
-                  <a:schemeClr val="bg1"/>
-                </a:solidFill>
-                <a:latin typeface="+mj-lt"/>
-              </a:rPr>
-              <a:t>OpenClassrooms</a:t>
-            </a:r>
-            <a:endParaRPr lang="en-US" sz="1400" b="1" i="1" dirty="0">
-              <a:ln>
-                <a:solidFill>
-                  <a:schemeClr val="bg1"/>
-                </a:solidFill>
-              </a:ln>
-              <a:solidFill>
-                <a:schemeClr val="bg1"/>
-              </a:solidFill>
-              <a:latin typeface="+mj-lt"/>
-            </a:endParaRPr>
-          </a:p>
-        </p:txBody>
-      </p:sp>
-      <p:sp>
-        <p:nvSpPr>
-          <p:cNvPr id="10" name="Titre 1">
-            <a:extLst>
-              <a:ext uri="{FF2B5EF4-FFF2-40B4-BE49-F238E27FC236}">
-                <a16:creationId xmlns:a16="http://schemas.microsoft.com/office/drawing/2014/main" id="{224E5C7D-3656-459F-9C01-61200508167F}"/>
-              </a:ext>
-            </a:extLst>
-          </p:cNvPr>
-          <p:cNvSpPr txBox="1">
-            <a:spLocks/>
-          </p:cNvSpPr>
-          <p:nvPr/>
-        </p:nvSpPr>
-        <p:spPr>
-          <a:xfrm>
-            <a:off x="279917" y="432794"/>
-            <a:ext cx="8573627" cy="696438"/>
-          </a:xfrm>
-          <a:prstGeom prst="rect">
-            <a:avLst/>
-          </a:prstGeom>
-        </p:spPr>
-        <p:txBody>
-          <a:bodyPr vert="horz" lIns="91440" tIns="45720" rIns="91440" bIns="45720" rtlCol="0" anchor="ctr">
-            <a:normAutofit/>
-          </a:bodyPr>
-          <a:lstStyle>
-            <a:lvl1pPr algn="l" defTabSz="914400" rtl="0" eaLnBrk="1" latinLnBrk="0" hangingPunct="1">
-              <a:lnSpc>
-                <a:spcPct val="90000"/>
-              </a:lnSpc>
-              <a:spcBef>
-                <a:spcPct val="0"/>
-              </a:spcBef>
-              <a:buNone/>
-              <a:defRPr sz="4400" kern="1200">
-                <a:solidFill>
-                  <a:schemeClr val="tx1"/>
-                </a:solidFill>
-                <a:latin typeface="+mj-lt"/>
-                <a:ea typeface="+mj-ea"/>
-                <a:cs typeface="+mj-cs"/>
-              </a:defRPr>
-            </a:lvl1pPr>
-          </a:lstStyle>
-          <a:p>
-            <a:r>
-              <a:rPr lang="fr-FR" sz="4000" b="1" dirty="0">
-                <a:ln>
-                  <a:solidFill>
-                    <a:srgbClr val="7451EB"/>
-                  </a:solidFill>
-                </a:ln>
-                <a:solidFill>
-                  <a:srgbClr val="7451EB"/>
-                </a:solidFill>
-                <a:latin typeface="Google Sans"/>
-              </a:rPr>
-              <a:t>Le modèle est performant</a:t>
-            </a:r>
-          </a:p>
-        </p:txBody>
-      </p:sp>
-      <p:sp>
-        <p:nvSpPr>
-          <p:cNvPr id="11" name="Rectángulo 4">
-            <a:extLst>
-              <a:ext uri="{FF2B5EF4-FFF2-40B4-BE49-F238E27FC236}">
-                <a16:creationId xmlns:a16="http://schemas.microsoft.com/office/drawing/2014/main" id="{B84F0FDC-2C73-4C87-9CC7-F9F129B3A699}"/>
-              </a:ext>
-            </a:extLst>
-          </p:cNvPr>
-          <p:cNvSpPr/>
-          <p:nvPr/>
-        </p:nvSpPr>
-        <p:spPr>
-          <a:xfrm>
-            <a:off x="377906" y="378794"/>
-            <a:ext cx="366721" cy="54000"/>
-          </a:xfrm>
-          <a:prstGeom prst="rect">
-            <a:avLst/>
-          </a:prstGeom>
-          <a:solidFill>
-            <a:srgbClr val="7451EB"/>
-          </a:solidFill>
-          <a:ln>
-            <a:solidFill>
-              <a:srgbClr val="7451EB"/>
-            </a:solidFill>
-          </a:ln>
-        </p:spPr>
-        <p:style>
-          <a:lnRef idx="2">
-            <a:schemeClr val="accent1">
-              <a:shade val="50000"/>
-            </a:schemeClr>
-          </a:lnRef>
-          <a:fillRef idx="1">
-            <a:schemeClr val="accent1"/>
-          </a:fillRef>
-          <a:effectRef idx="0">
-            <a:schemeClr val="accent1"/>
-          </a:effectRef>
-          <a:fontRef idx="minor">
-            <a:schemeClr val="lt1"/>
-          </a:fontRef>
-        </p:style>
-        <p:txBody>
-          <a:bodyPr rtlCol="0" anchor="ctr"/>
-          <a:lstStyle/>
-          <a:p>
-            <a:pPr algn="ctr"/>
-            <a:endParaRPr lang="es-AR">
-              <a:ln>
-                <a:solidFill>
-                  <a:srgbClr val="7451EB"/>
-                </a:solidFill>
-              </a:ln>
-              <a:solidFill>
-                <a:srgbClr val="7451EB"/>
-              </a:solidFill>
-            </a:endParaRPr>
-          </a:p>
-        </p:txBody>
-      </p:sp>
-      <p:sp>
-        <p:nvSpPr>
-          <p:cNvPr id="21" name="TextBox 3">
-            <a:extLst>
-              <a:ext uri="{FF2B5EF4-FFF2-40B4-BE49-F238E27FC236}">
-                <a16:creationId xmlns:a16="http://schemas.microsoft.com/office/drawing/2014/main" id="{A5BD8A43-F558-4214-B2E7-69AB8718A791}"/>
-              </a:ext>
-            </a:extLst>
-          </p:cNvPr>
-          <p:cNvSpPr txBox="1"/>
-          <p:nvPr/>
-        </p:nvSpPr>
-        <p:spPr>
-          <a:xfrm>
-            <a:off x="0" y="6475247"/>
-            <a:ext cx="8982635" cy="307777"/>
-          </a:xfrm>
-          <a:prstGeom prst="rect">
-            <a:avLst/>
-          </a:prstGeom>
-          <a:noFill/>
-        </p:spPr>
-        <p:txBody>
-          <a:bodyPr wrap="square" rtlCol="0">
-            <a:spAutoFit/>
-          </a:bodyPr>
-          <a:lstStyle/>
-          <a:p>
-            <a:r>
-              <a:rPr lang="es-CO" sz="1400" dirty="0">
-                <a:ln>
-                  <a:solidFill>
-                    <a:schemeClr val="bg1"/>
-                  </a:solidFill>
-                </a:ln>
-                <a:solidFill>
-                  <a:schemeClr val="bg1"/>
-                </a:solidFill>
-                <a:latin typeface="+mj-lt"/>
-              </a:rPr>
-              <a:t>Project 7 – </a:t>
-            </a:r>
-            <a:r>
-              <a:rPr lang="fr-FR" sz="1400" dirty="0">
-                <a:ln>
-                  <a:solidFill>
-                    <a:schemeClr val="bg1"/>
-                  </a:solidFill>
-                </a:ln>
-                <a:solidFill>
-                  <a:schemeClr val="bg1"/>
-                </a:solidFill>
-                <a:latin typeface="+mj-lt"/>
-              </a:rPr>
-              <a:t>implémentation d’un modèle de </a:t>
-            </a:r>
-            <a:r>
-              <a:rPr lang="fr-FR" sz="1400" dirty="0" err="1">
-                <a:ln>
-                  <a:solidFill>
-                    <a:schemeClr val="bg1"/>
-                  </a:solidFill>
-                </a:ln>
-                <a:solidFill>
-                  <a:schemeClr val="bg1"/>
-                </a:solidFill>
-                <a:latin typeface="+mj-lt"/>
-              </a:rPr>
-              <a:t>scoring</a:t>
-            </a:r>
-            <a:endParaRPr lang="en-US" sz="1400" dirty="0">
-              <a:ln>
-                <a:solidFill>
-                  <a:schemeClr val="bg1"/>
-                </a:solidFill>
-              </a:ln>
-              <a:solidFill>
-                <a:schemeClr val="bg1"/>
-              </a:solidFill>
-              <a:latin typeface="+mj-lt"/>
-            </a:endParaRPr>
-          </a:p>
-        </p:txBody>
-      </p:sp>
       <p:pic>
         <p:nvPicPr>
           <p:cNvPr id="6" name="Image 5">
@@ -23164,7 +19797,7 @@
 </p:sld>
 </file>
 
-<file path=ppt/slides/slide21.xml><?xml version="1.0" encoding="utf-8"?>
+<file path=ppt/slides/slide19.xml><?xml version="1.0" encoding="utf-8"?>
 <p:sld xmlns:a="http://schemas.openxmlformats.org/drawingml/2006/main" xmlns:r="http://schemas.openxmlformats.org/officeDocument/2006/relationships" xmlns:p="http://schemas.openxmlformats.org/presentationml/2006/main">
   <p:cSld>
     <p:spTree>
@@ -24875,7 +21508,614 @@
 </p:sld>
 </file>
 
-<file path=ppt/slides/slide22.xml><?xml version="1.0" encoding="utf-8"?>
+<file path=ppt/slides/slide2.xml><?xml version="1.0" encoding="utf-8"?>
+<p:sld xmlns:a="http://schemas.openxmlformats.org/drawingml/2006/main" xmlns:r="http://schemas.openxmlformats.org/officeDocument/2006/relationships" xmlns:p="http://schemas.openxmlformats.org/presentationml/2006/main">
+  <p:cSld>
+    <p:spTree>
+      <p:nvGrpSpPr>
+        <p:cNvPr id="1" name=""/>
+        <p:cNvGrpSpPr/>
+        <p:nvPr/>
+      </p:nvGrpSpPr>
+      <p:grpSpPr>
+        <a:xfrm>
+          <a:off x="0" y="0"/>
+          <a:ext cx="0" cy="0"/>
+          <a:chOff x="0" y="0"/>
+          <a:chExt cx="0" cy="0"/>
+        </a:xfrm>
+      </p:grpSpPr>
+      <p:sp>
+        <p:nvSpPr>
+          <p:cNvPr id="5" name="Rectangle 4">
+            <a:extLst>
+              <a:ext uri="{FF2B5EF4-FFF2-40B4-BE49-F238E27FC236}">
+                <a16:creationId xmlns:a16="http://schemas.microsoft.com/office/drawing/2014/main" id="{A00233D2-38CE-441F-90C9-32F91999758A}"/>
+              </a:ext>
+            </a:extLst>
+          </p:cNvPr>
+          <p:cNvSpPr/>
+          <p:nvPr/>
+        </p:nvSpPr>
+        <p:spPr>
+          <a:xfrm>
+            <a:off x="0" y="6400273"/>
+            <a:ext cx="12192000" cy="457727"/>
+          </a:xfrm>
+          <a:prstGeom prst="rect">
+            <a:avLst/>
+          </a:prstGeom>
+          <a:solidFill>
+            <a:srgbClr val="7451EB"/>
+          </a:solidFill>
+          <a:ln>
+            <a:solidFill>
+              <a:srgbClr val="7451EB"/>
+            </a:solidFill>
+          </a:ln>
+        </p:spPr>
+        <p:style>
+          <a:lnRef idx="2">
+            <a:schemeClr val="accent1">
+              <a:shade val="50000"/>
+            </a:schemeClr>
+          </a:lnRef>
+          <a:fillRef idx="1">
+            <a:schemeClr val="accent1"/>
+          </a:fillRef>
+          <a:effectRef idx="0">
+            <a:schemeClr val="accent1"/>
+          </a:effectRef>
+          <a:fontRef idx="minor">
+            <a:schemeClr val="lt1"/>
+          </a:fontRef>
+        </p:style>
+        <p:txBody>
+          <a:bodyPr rtlCol="0" anchor="ctr"/>
+          <a:lstStyle/>
+          <a:p>
+            <a:pPr algn="ctr"/>
+            <a:endParaRPr lang="en-US" dirty="0"/>
+          </a:p>
+        </p:txBody>
+      </p:sp>
+      <p:sp>
+        <p:nvSpPr>
+          <p:cNvPr id="8" name="TextBox 3">
+            <a:extLst>
+              <a:ext uri="{FF2B5EF4-FFF2-40B4-BE49-F238E27FC236}">
+                <a16:creationId xmlns:a16="http://schemas.microsoft.com/office/drawing/2014/main" id="{24081931-CD0C-485C-9C3E-E7C2A4D4ABCE}"/>
+              </a:ext>
+            </a:extLst>
+          </p:cNvPr>
+          <p:cNvSpPr txBox="1"/>
+          <p:nvPr/>
+        </p:nvSpPr>
+        <p:spPr>
+          <a:xfrm>
+            <a:off x="0" y="6475247"/>
+            <a:ext cx="8982635" cy="307777"/>
+          </a:xfrm>
+          <a:prstGeom prst="rect">
+            <a:avLst/>
+          </a:prstGeom>
+          <a:noFill/>
+        </p:spPr>
+        <p:txBody>
+          <a:bodyPr wrap="square" rtlCol="0">
+            <a:spAutoFit/>
+          </a:bodyPr>
+          <a:lstStyle/>
+          <a:p>
+            <a:r>
+              <a:rPr lang="es-CO" sz="1400" dirty="0">
+                <a:ln>
+                  <a:solidFill>
+                    <a:schemeClr val="bg1"/>
+                  </a:solidFill>
+                </a:ln>
+                <a:solidFill>
+                  <a:schemeClr val="bg1"/>
+                </a:solidFill>
+                <a:latin typeface="+mj-lt"/>
+              </a:rPr>
+              <a:t>Project 7 – </a:t>
+            </a:r>
+            <a:r>
+              <a:rPr lang="fr-FR" sz="1400" dirty="0">
+                <a:ln>
+                  <a:solidFill>
+                    <a:schemeClr val="bg1"/>
+                  </a:solidFill>
+                </a:ln>
+                <a:solidFill>
+                  <a:schemeClr val="bg1"/>
+                </a:solidFill>
+                <a:latin typeface="+mj-lt"/>
+              </a:rPr>
+              <a:t>implémentation d’un modèle de </a:t>
+            </a:r>
+            <a:r>
+              <a:rPr lang="fr-FR" sz="1400" dirty="0" err="1">
+                <a:ln>
+                  <a:solidFill>
+                    <a:schemeClr val="bg1"/>
+                  </a:solidFill>
+                </a:ln>
+                <a:solidFill>
+                  <a:schemeClr val="bg1"/>
+                </a:solidFill>
+                <a:latin typeface="+mj-lt"/>
+              </a:rPr>
+              <a:t>scoring</a:t>
+            </a:r>
+            <a:endParaRPr lang="en-US" sz="1400" dirty="0">
+              <a:ln>
+                <a:solidFill>
+                  <a:schemeClr val="bg1"/>
+                </a:solidFill>
+              </a:ln>
+              <a:solidFill>
+                <a:schemeClr val="bg1"/>
+              </a:solidFill>
+              <a:latin typeface="+mj-lt"/>
+            </a:endParaRPr>
+          </a:p>
+        </p:txBody>
+      </p:sp>
+      <p:sp>
+        <p:nvSpPr>
+          <p:cNvPr id="15" name="TextBox 3">
+            <a:extLst>
+              <a:ext uri="{FF2B5EF4-FFF2-40B4-BE49-F238E27FC236}">
+                <a16:creationId xmlns:a16="http://schemas.microsoft.com/office/drawing/2014/main" id="{47FC2DCC-BDE9-485D-AF79-4177B5479110}"/>
+              </a:ext>
+            </a:extLst>
+          </p:cNvPr>
+          <p:cNvSpPr txBox="1"/>
+          <p:nvPr/>
+        </p:nvSpPr>
+        <p:spPr>
+          <a:xfrm>
+            <a:off x="10543592" y="6475247"/>
+            <a:ext cx="1648408" cy="307777"/>
+          </a:xfrm>
+          <a:prstGeom prst="rect">
+            <a:avLst/>
+          </a:prstGeom>
+          <a:noFill/>
+        </p:spPr>
+        <p:txBody>
+          <a:bodyPr wrap="square" rtlCol="0">
+            <a:spAutoFit/>
+          </a:bodyPr>
+          <a:lstStyle/>
+          <a:p>
+            <a:pPr algn="r"/>
+            <a:r>
+              <a:rPr lang="es-CO" sz="1400" b="1" i="1" dirty="0" err="1">
+                <a:ln>
+                  <a:solidFill>
+                    <a:schemeClr val="bg1"/>
+                  </a:solidFill>
+                </a:ln>
+                <a:solidFill>
+                  <a:schemeClr val="bg1"/>
+                </a:solidFill>
+                <a:latin typeface="+mj-lt"/>
+              </a:rPr>
+              <a:t>OpenClassrooms</a:t>
+            </a:r>
+            <a:endParaRPr lang="en-US" sz="1400" b="1" i="1" dirty="0">
+              <a:ln>
+                <a:solidFill>
+                  <a:schemeClr val="bg1"/>
+                </a:solidFill>
+              </a:ln>
+              <a:solidFill>
+                <a:schemeClr val="bg1"/>
+              </a:solidFill>
+              <a:latin typeface="+mj-lt"/>
+            </a:endParaRPr>
+          </a:p>
+        </p:txBody>
+      </p:sp>
+      <p:sp>
+        <p:nvSpPr>
+          <p:cNvPr id="22" name="ZoneTexte 21">
+            <a:extLst>
+              <a:ext uri="{FF2B5EF4-FFF2-40B4-BE49-F238E27FC236}">
+                <a16:creationId xmlns:a16="http://schemas.microsoft.com/office/drawing/2014/main" id="{CDCAAFAA-8DED-4CA8-9F07-AA22874ECFF3}"/>
+              </a:ext>
+            </a:extLst>
+          </p:cNvPr>
+          <p:cNvSpPr txBox="1"/>
+          <p:nvPr/>
+        </p:nvSpPr>
+        <p:spPr>
+          <a:xfrm>
+            <a:off x="279915" y="1510259"/>
+            <a:ext cx="7189851" cy="3108543"/>
+          </a:xfrm>
+          <a:prstGeom prst="rect">
+            <a:avLst/>
+          </a:prstGeom>
+          <a:noFill/>
+        </p:spPr>
+        <p:txBody>
+          <a:bodyPr wrap="square">
+            <a:spAutoFit/>
+          </a:bodyPr>
+          <a:lstStyle/>
+          <a:p>
+            <a:pPr marL="514350" indent="-514350">
+              <a:buFont typeface="+mj-lt"/>
+              <a:buAutoNum type="arabicPeriod"/>
+            </a:pPr>
+            <a:r>
+              <a:rPr lang="fr-FR" sz="2800" dirty="0">
+                <a:ln>
+                  <a:solidFill>
+                    <a:srgbClr val="7451EB"/>
+                  </a:solidFill>
+                </a:ln>
+                <a:solidFill>
+                  <a:srgbClr val="7451EB"/>
+                </a:solidFill>
+                <a:latin typeface="Google Sans"/>
+              </a:rPr>
+              <a:t>Mission</a:t>
+            </a:r>
+          </a:p>
+          <a:p>
+            <a:pPr marL="514350" indent="-514350">
+              <a:buFont typeface="+mj-lt"/>
+              <a:buAutoNum type="arabicPeriod"/>
+            </a:pPr>
+            <a:r>
+              <a:rPr lang="fr-FR" sz="2800" dirty="0">
+                <a:ln>
+                  <a:solidFill>
+                    <a:srgbClr val="7451EB"/>
+                  </a:solidFill>
+                </a:ln>
+                <a:solidFill>
+                  <a:srgbClr val="7451EB"/>
+                </a:solidFill>
+                <a:latin typeface="Google Sans"/>
+              </a:rPr>
+              <a:t>Présentation du jeu de données</a:t>
+            </a:r>
+          </a:p>
+          <a:p>
+            <a:pPr marL="514350" indent="-514350">
+              <a:buFont typeface="+mj-lt"/>
+              <a:buAutoNum type="arabicPeriod"/>
+            </a:pPr>
+            <a:r>
+              <a:rPr lang="fr-FR" sz="2800" dirty="0">
+                <a:ln>
+                  <a:solidFill>
+                    <a:srgbClr val="7451EB"/>
+                  </a:solidFill>
+                </a:ln>
+                <a:solidFill>
+                  <a:srgbClr val="7451EB"/>
+                </a:solidFill>
+                <a:latin typeface="Google Sans"/>
+              </a:rPr>
+              <a:t>Kernel </a:t>
+            </a:r>
+            <a:r>
+              <a:rPr lang="fr-FR" sz="2800" dirty="0" err="1">
+                <a:ln>
+                  <a:solidFill>
+                    <a:srgbClr val="7451EB"/>
+                  </a:solidFill>
+                </a:ln>
+                <a:solidFill>
+                  <a:srgbClr val="7451EB"/>
+                </a:solidFill>
+                <a:latin typeface="Google Sans"/>
+              </a:rPr>
+              <a:t>Kaggle</a:t>
+            </a:r>
+            <a:endParaRPr lang="fr-FR" sz="2800" dirty="0">
+              <a:ln>
+                <a:solidFill>
+                  <a:srgbClr val="7451EB"/>
+                </a:solidFill>
+              </a:ln>
+              <a:solidFill>
+                <a:srgbClr val="7451EB"/>
+              </a:solidFill>
+              <a:latin typeface="Google Sans"/>
+            </a:endParaRPr>
+          </a:p>
+          <a:p>
+            <a:pPr marL="514350" indent="-514350">
+              <a:buFont typeface="+mj-lt"/>
+              <a:buAutoNum type="arabicPeriod"/>
+            </a:pPr>
+            <a:r>
+              <a:rPr lang="fr-FR" sz="2800" dirty="0">
+                <a:ln>
+                  <a:solidFill>
+                    <a:srgbClr val="7451EB"/>
+                  </a:solidFill>
+                </a:ln>
+                <a:solidFill>
+                  <a:srgbClr val="7451EB"/>
+                </a:solidFill>
+                <a:latin typeface="Google Sans"/>
+              </a:rPr>
+              <a:t>Optimisation du modèle</a:t>
+            </a:r>
+          </a:p>
+          <a:p>
+            <a:pPr marL="514350" indent="-514350">
+              <a:buFont typeface="+mj-lt"/>
+              <a:buAutoNum type="arabicPeriod"/>
+            </a:pPr>
+            <a:r>
+              <a:rPr lang="fr-FR" sz="2800" dirty="0">
+                <a:ln>
+                  <a:solidFill>
+                    <a:srgbClr val="7451EB"/>
+                  </a:solidFill>
+                </a:ln>
+                <a:solidFill>
+                  <a:srgbClr val="7451EB"/>
+                </a:solidFill>
+                <a:latin typeface="Google Sans"/>
+              </a:rPr>
+              <a:t>Tableau de bord</a:t>
+            </a:r>
+          </a:p>
+          <a:p>
+            <a:pPr marL="514350" indent="-514350">
+              <a:buFont typeface="+mj-lt"/>
+              <a:buAutoNum type="arabicPeriod"/>
+            </a:pPr>
+            <a:r>
+              <a:rPr lang="fr-FR" sz="2800" dirty="0">
+                <a:ln>
+                  <a:solidFill>
+                    <a:srgbClr val="7451EB"/>
+                  </a:solidFill>
+                </a:ln>
+                <a:solidFill>
+                  <a:srgbClr val="7451EB"/>
+                </a:solidFill>
+                <a:latin typeface="Google Sans"/>
+              </a:rPr>
+              <a:t>Conclusion</a:t>
+            </a:r>
+          </a:p>
+          <a:p>
+            <a:pPr marL="285750" indent="-285750">
+              <a:buFontTx/>
+              <a:buChar char="­"/>
+            </a:pPr>
+            <a:endParaRPr lang="fr-FR" sz="2800" dirty="0">
+              <a:ln>
+                <a:solidFill>
+                  <a:srgbClr val="7451EB"/>
+                </a:solidFill>
+              </a:ln>
+              <a:solidFill>
+                <a:srgbClr val="7451EB"/>
+              </a:solidFill>
+              <a:latin typeface="Google Sans"/>
+            </a:endParaRPr>
+          </a:p>
+        </p:txBody>
+      </p:sp>
+      <p:sp>
+        <p:nvSpPr>
+          <p:cNvPr id="10" name="Titre 1">
+            <a:extLst>
+              <a:ext uri="{FF2B5EF4-FFF2-40B4-BE49-F238E27FC236}">
+                <a16:creationId xmlns:a16="http://schemas.microsoft.com/office/drawing/2014/main" id="{224E5C7D-3656-459F-9C01-61200508167F}"/>
+              </a:ext>
+            </a:extLst>
+          </p:cNvPr>
+          <p:cNvSpPr txBox="1">
+            <a:spLocks/>
+          </p:cNvSpPr>
+          <p:nvPr/>
+        </p:nvSpPr>
+        <p:spPr>
+          <a:xfrm>
+            <a:off x="279918" y="432794"/>
+            <a:ext cx="6944616" cy="820048"/>
+          </a:xfrm>
+          <a:prstGeom prst="rect">
+            <a:avLst/>
+          </a:prstGeom>
+        </p:spPr>
+        <p:txBody>
+          <a:bodyPr vert="horz" lIns="91440" tIns="45720" rIns="91440" bIns="45720" rtlCol="0" anchor="ctr">
+            <a:normAutofit/>
+          </a:bodyPr>
+          <a:lstStyle>
+            <a:lvl1pPr algn="l" defTabSz="914400" rtl="0" eaLnBrk="1" latinLnBrk="0" hangingPunct="1">
+              <a:lnSpc>
+                <a:spcPct val="90000"/>
+              </a:lnSpc>
+              <a:spcBef>
+                <a:spcPct val="0"/>
+              </a:spcBef>
+              <a:buNone/>
+              <a:defRPr sz="4400" kern="1200">
+                <a:solidFill>
+                  <a:schemeClr val="tx1"/>
+                </a:solidFill>
+                <a:latin typeface="+mj-lt"/>
+                <a:ea typeface="+mj-ea"/>
+                <a:cs typeface="+mj-cs"/>
+              </a:defRPr>
+            </a:lvl1pPr>
+          </a:lstStyle>
+          <a:p>
+            <a:r>
+              <a:rPr lang="es-ES" sz="4000" b="1" dirty="0">
+                <a:ln>
+                  <a:solidFill>
+                    <a:srgbClr val="7451EB"/>
+                  </a:solidFill>
+                </a:ln>
+                <a:solidFill>
+                  <a:srgbClr val="7451EB"/>
+                </a:solidFill>
+                <a:latin typeface="Google Sans"/>
+              </a:rPr>
+              <a:t>Plan de la </a:t>
+            </a:r>
+            <a:r>
+              <a:rPr lang="es-ES" sz="4000" b="1" dirty="0" err="1">
+                <a:ln>
+                  <a:solidFill>
+                    <a:srgbClr val="7451EB"/>
+                  </a:solidFill>
+                </a:ln>
+                <a:solidFill>
+                  <a:srgbClr val="7451EB"/>
+                </a:solidFill>
+                <a:latin typeface="Google Sans"/>
+              </a:rPr>
+              <a:t>soutenance</a:t>
+            </a:r>
+            <a:endParaRPr lang="es-419" sz="4000" b="1" u="sng" dirty="0">
+              <a:ln>
+                <a:solidFill>
+                  <a:srgbClr val="7451EB"/>
+                </a:solidFill>
+              </a:ln>
+              <a:solidFill>
+                <a:srgbClr val="7451EB"/>
+              </a:solidFill>
+              <a:latin typeface="Google Sans"/>
+            </a:endParaRPr>
+          </a:p>
+        </p:txBody>
+      </p:sp>
+      <p:sp>
+        <p:nvSpPr>
+          <p:cNvPr id="11" name="Rectángulo 4">
+            <a:extLst>
+              <a:ext uri="{FF2B5EF4-FFF2-40B4-BE49-F238E27FC236}">
+                <a16:creationId xmlns:a16="http://schemas.microsoft.com/office/drawing/2014/main" id="{B84F0FDC-2C73-4C87-9CC7-F9F129B3A699}"/>
+              </a:ext>
+            </a:extLst>
+          </p:cNvPr>
+          <p:cNvSpPr/>
+          <p:nvPr/>
+        </p:nvSpPr>
+        <p:spPr>
+          <a:xfrm>
+            <a:off x="377906" y="378794"/>
+            <a:ext cx="366721" cy="54000"/>
+          </a:xfrm>
+          <a:prstGeom prst="rect">
+            <a:avLst/>
+          </a:prstGeom>
+          <a:solidFill>
+            <a:srgbClr val="7451EB"/>
+          </a:solidFill>
+          <a:ln>
+            <a:solidFill>
+              <a:srgbClr val="7451EB"/>
+            </a:solidFill>
+          </a:ln>
+        </p:spPr>
+        <p:style>
+          <a:lnRef idx="2">
+            <a:schemeClr val="accent1">
+              <a:shade val="50000"/>
+            </a:schemeClr>
+          </a:lnRef>
+          <a:fillRef idx="1">
+            <a:schemeClr val="accent1"/>
+          </a:fillRef>
+          <a:effectRef idx="0">
+            <a:schemeClr val="accent1"/>
+          </a:effectRef>
+          <a:fontRef idx="minor">
+            <a:schemeClr val="lt1"/>
+          </a:fontRef>
+        </p:style>
+        <p:txBody>
+          <a:bodyPr rtlCol="0" anchor="ctr"/>
+          <a:lstStyle/>
+          <a:p>
+            <a:pPr algn="ctr"/>
+            <a:endParaRPr lang="es-AR">
+              <a:ln>
+                <a:solidFill>
+                  <a:srgbClr val="7451EB"/>
+                </a:solidFill>
+              </a:ln>
+              <a:solidFill>
+                <a:srgbClr val="7451EB"/>
+              </a:solidFill>
+            </a:endParaRPr>
+          </a:p>
+        </p:txBody>
+      </p:sp>
+      <p:pic>
+        <p:nvPicPr>
+          <p:cNvPr id="12" name="Image 11">
+            <a:extLst>
+              <a:ext uri="{FF2B5EF4-FFF2-40B4-BE49-F238E27FC236}">
+                <a16:creationId xmlns:a16="http://schemas.microsoft.com/office/drawing/2014/main" id="{D2967778-158E-405B-AE7C-F98D8BCE79CA}"/>
+              </a:ext>
+            </a:extLst>
+          </p:cNvPr>
+          <p:cNvPicPr>
+            <a:picLocks noChangeAspect="1"/>
+          </p:cNvPicPr>
+          <p:nvPr/>
+        </p:nvPicPr>
+        <p:blipFill rotWithShape="1">
+          <a:blip r:embed="rId3"/>
+          <a:srcRect l="291"/>
+          <a:stretch/>
+        </p:blipFill>
+        <p:spPr>
+          <a:xfrm>
+            <a:off x="7138690" y="1510259"/>
+            <a:ext cx="4339732" cy="3615827"/>
+          </a:xfrm>
+          <a:prstGeom prst="rect">
+            <a:avLst/>
+          </a:prstGeom>
+          <a:ln>
+            <a:noFill/>
+          </a:ln>
+          <a:effectLst>
+            <a:outerShdw blurRad="292100" dist="139700" dir="2700000" algn="tl" rotWithShape="0">
+              <a:srgbClr val="333333">
+                <a:alpha val="65000"/>
+              </a:srgbClr>
+            </a:outerShdw>
+          </a:effectLst>
+        </p:spPr>
+      </p:pic>
+    </p:spTree>
+    <p:extLst>
+      <p:ext uri="{BB962C8B-B14F-4D97-AF65-F5344CB8AC3E}">
+        <p14:creationId xmlns:p14="http://schemas.microsoft.com/office/powerpoint/2010/main" val="3950755484"/>
+      </p:ext>
+    </p:extLst>
+  </p:cSld>
+  <p:clrMapOvr>
+    <a:masterClrMapping/>
+  </p:clrMapOvr>
+</p:sld>
+</file>
+
+<file path=ppt/slides/slide20.xml><?xml version="1.0" encoding="utf-8"?>
 <p:sld xmlns:a="http://schemas.openxmlformats.org/drawingml/2006/main" xmlns:r="http://schemas.openxmlformats.org/officeDocument/2006/relationships" xmlns:p="http://schemas.openxmlformats.org/presentationml/2006/main">
   <p:cSld>
     <p:bg>
@@ -25887,7 +23127,7 @@
 </p:sld>
 </file>
 
-<file path=ppt/slides/slide23.xml><?xml version="1.0" encoding="utf-8"?>
+<file path=ppt/slides/slide21.xml><?xml version="1.0" encoding="utf-8"?>
 <p:sld xmlns:a="http://schemas.openxmlformats.org/drawingml/2006/main" xmlns:r="http://schemas.openxmlformats.org/officeDocument/2006/relationships" xmlns:p="http://schemas.openxmlformats.org/presentationml/2006/main">
   <p:cSld>
     <p:spTree>
@@ -26759,7 +23999,7 @@
 </p:sld>
 </file>
 
-<file path=ppt/slides/slide24.xml><?xml version="1.0" encoding="utf-8"?>
+<file path=ppt/slides/slide22.xml><?xml version="1.0" encoding="utf-8"?>
 <p:sld xmlns:a="http://schemas.openxmlformats.org/drawingml/2006/main" xmlns:r="http://schemas.openxmlformats.org/officeDocument/2006/relationships" xmlns:p="http://schemas.openxmlformats.org/presentationml/2006/main">
   <p:cSld>
     <p:spTree>
@@ -28668,7 +25908,7 @@
 </p:sld>
 </file>
 
-<file path=ppt/slides/slide25.xml><?xml version="1.0" encoding="utf-8"?>
+<file path=ppt/slides/slide23.xml><?xml version="1.0" encoding="utf-8"?>
 <p:sld xmlns:a="http://schemas.openxmlformats.org/drawingml/2006/main" xmlns:r="http://schemas.openxmlformats.org/officeDocument/2006/relationships" xmlns:p="http://schemas.openxmlformats.org/presentationml/2006/main">
   <p:cSld>
     <p:spTree>
@@ -29177,7 +26417,7 @@
 </p:sld>
 </file>
 
-<file path=ppt/slides/slide26.xml><?xml version="1.0" encoding="utf-8"?>
+<file path=ppt/slides/slide24.xml><?xml version="1.0" encoding="utf-8"?>
 <p:sld xmlns:a="http://schemas.openxmlformats.org/drawingml/2006/main" xmlns:r="http://schemas.openxmlformats.org/officeDocument/2006/relationships" xmlns:p="http://schemas.openxmlformats.org/presentationml/2006/main">
   <p:cSld>
     <p:spTree>
@@ -29764,7 +27004,7 @@
 </p:sld>
 </file>
 
-<file path=ppt/slides/slide27.xml><?xml version="1.0" encoding="utf-8"?>
+<file path=ppt/slides/slide25.xml><?xml version="1.0" encoding="utf-8"?>
 <p:sld xmlns:a="http://schemas.openxmlformats.org/drawingml/2006/main" xmlns:r="http://schemas.openxmlformats.org/officeDocument/2006/relationships" xmlns:p="http://schemas.openxmlformats.org/presentationml/2006/main">
   <p:cSld>
     <p:spTree>
@@ -30351,7 +27591,7 @@
 </p:sld>
 </file>
 
-<file path=ppt/slides/slide28.xml><?xml version="1.0" encoding="utf-8"?>
+<file path=ppt/slides/slide26.xml><?xml version="1.0" encoding="utf-8"?>
 <p:sld xmlns:a="http://schemas.openxmlformats.org/drawingml/2006/main" xmlns:r="http://schemas.openxmlformats.org/officeDocument/2006/relationships" xmlns:p="http://schemas.openxmlformats.org/presentationml/2006/main">
   <p:cSld>
     <p:bg>
@@ -31363,7 +28603,7 @@
 </p:sld>
 </file>
 
-<file path=ppt/slides/slide29.xml><?xml version="1.0" encoding="utf-8"?>
+<file path=ppt/slides/slide27.xml><?xml version="1.0" encoding="utf-8"?>
 <p:sld xmlns:a="http://schemas.openxmlformats.org/drawingml/2006/main" xmlns:r="http://schemas.openxmlformats.org/officeDocument/2006/relationships" xmlns:p="http://schemas.openxmlformats.org/presentationml/2006/main">
   <p:cSld>
     <p:spTree>
@@ -32162,6 +29402,848 @@
     <p:extLst>
       <p:ext uri="{BB962C8B-B14F-4D97-AF65-F5344CB8AC3E}">
         <p14:creationId xmlns:p14="http://schemas.microsoft.com/office/powerpoint/2010/main" val="2703420726"/>
+      </p:ext>
+    </p:extLst>
+  </p:cSld>
+  <p:clrMapOvr>
+    <a:masterClrMapping/>
+  </p:clrMapOvr>
+</p:sld>
+</file>
+
+<file path=ppt/slides/slide28.xml><?xml version="1.0" encoding="utf-8"?>
+<p:sld xmlns:a="http://schemas.openxmlformats.org/drawingml/2006/main" xmlns:r="http://schemas.openxmlformats.org/officeDocument/2006/relationships" xmlns:p="http://schemas.openxmlformats.org/presentationml/2006/main">
+  <p:cSld>
+    <p:spTree>
+      <p:nvGrpSpPr>
+        <p:cNvPr id="1" name=""/>
+        <p:cNvGrpSpPr/>
+        <p:nvPr/>
+      </p:nvGrpSpPr>
+      <p:grpSpPr>
+        <a:xfrm>
+          <a:off x="0" y="0"/>
+          <a:ext cx="0" cy="0"/>
+          <a:chOff x="0" y="0"/>
+          <a:chExt cx="0" cy="0"/>
+        </a:xfrm>
+      </p:grpSpPr>
+      <p:pic>
+        <p:nvPicPr>
+          <p:cNvPr id="3" name="Image 2">
+            <a:extLst>
+              <a:ext uri="{FF2B5EF4-FFF2-40B4-BE49-F238E27FC236}">
+                <a16:creationId xmlns:a16="http://schemas.microsoft.com/office/drawing/2014/main" id="{C88CAABC-021A-43A2-892C-883492DFF4BF}"/>
+              </a:ext>
+            </a:extLst>
+          </p:cNvPr>
+          <p:cNvPicPr>
+            <a:picLocks noChangeAspect="1"/>
+          </p:cNvPicPr>
+          <p:nvPr/>
+        </p:nvPicPr>
+        <p:blipFill>
+          <a:blip r:embed="rId3">
+            <a:extLst>
+              <a:ext uri="{28A0092B-C50C-407E-A947-70E740481C1C}">
+                <a14:useLocalDpi xmlns:a14="http://schemas.microsoft.com/office/drawing/2010/main" val="0"/>
+              </a:ext>
+            </a:extLst>
+          </a:blip>
+          <a:stretch>
+            <a:fillRect/>
+          </a:stretch>
+        </p:blipFill>
+        <p:spPr>
+          <a:xfrm>
+            <a:off x="2884984" y="1211743"/>
+            <a:ext cx="6422032" cy="4434515"/>
+          </a:xfrm>
+          <a:prstGeom prst="rect">
+            <a:avLst/>
+          </a:prstGeom>
+        </p:spPr>
+      </p:pic>
+      <p:sp>
+        <p:nvSpPr>
+          <p:cNvPr id="5" name="Rectangle 4">
+            <a:extLst>
+              <a:ext uri="{FF2B5EF4-FFF2-40B4-BE49-F238E27FC236}">
+                <a16:creationId xmlns:a16="http://schemas.microsoft.com/office/drawing/2014/main" id="{A00233D2-38CE-441F-90C9-32F91999758A}"/>
+              </a:ext>
+            </a:extLst>
+          </p:cNvPr>
+          <p:cNvSpPr/>
+          <p:nvPr/>
+        </p:nvSpPr>
+        <p:spPr>
+          <a:xfrm>
+            <a:off x="0" y="6400273"/>
+            <a:ext cx="12192000" cy="457727"/>
+          </a:xfrm>
+          <a:prstGeom prst="rect">
+            <a:avLst/>
+          </a:prstGeom>
+          <a:solidFill>
+            <a:srgbClr val="7451EB"/>
+          </a:solidFill>
+          <a:ln>
+            <a:solidFill>
+              <a:srgbClr val="7451EB"/>
+            </a:solidFill>
+          </a:ln>
+        </p:spPr>
+        <p:style>
+          <a:lnRef idx="2">
+            <a:schemeClr val="accent1">
+              <a:shade val="50000"/>
+            </a:schemeClr>
+          </a:lnRef>
+          <a:fillRef idx="1">
+            <a:schemeClr val="accent1"/>
+          </a:fillRef>
+          <a:effectRef idx="0">
+            <a:schemeClr val="accent1"/>
+          </a:effectRef>
+          <a:fontRef idx="minor">
+            <a:schemeClr val="lt1"/>
+          </a:fontRef>
+        </p:style>
+        <p:txBody>
+          <a:bodyPr rtlCol="0" anchor="ctr"/>
+          <a:lstStyle/>
+          <a:p>
+            <a:pPr algn="ctr"/>
+            <a:endParaRPr lang="en-US" dirty="0"/>
+          </a:p>
+        </p:txBody>
+      </p:sp>
+      <p:sp>
+        <p:nvSpPr>
+          <p:cNvPr id="15" name="TextBox 3">
+            <a:extLst>
+              <a:ext uri="{FF2B5EF4-FFF2-40B4-BE49-F238E27FC236}">
+                <a16:creationId xmlns:a16="http://schemas.microsoft.com/office/drawing/2014/main" id="{47FC2DCC-BDE9-485D-AF79-4177B5479110}"/>
+              </a:ext>
+            </a:extLst>
+          </p:cNvPr>
+          <p:cNvSpPr txBox="1"/>
+          <p:nvPr/>
+        </p:nvSpPr>
+        <p:spPr>
+          <a:xfrm>
+            <a:off x="10543592" y="6475247"/>
+            <a:ext cx="1648408" cy="307777"/>
+          </a:xfrm>
+          <a:prstGeom prst="rect">
+            <a:avLst/>
+          </a:prstGeom>
+          <a:noFill/>
+        </p:spPr>
+        <p:txBody>
+          <a:bodyPr wrap="square" rtlCol="0">
+            <a:spAutoFit/>
+          </a:bodyPr>
+          <a:lstStyle/>
+          <a:p>
+            <a:pPr algn="r"/>
+            <a:r>
+              <a:rPr lang="es-CO" sz="1400" b="1" i="1" dirty="0" err="1">
+                <a:ln>
+                  <a:solidFill>
+                    <a:schemeClr val="bg1"/>
+                  </a:solidFill>
+                </a:ln>
+                <a:solidFill>
+                  <a:schemeClr val="bg1"/>
+                </a:solidFill>
+                <a:latin typeface="+mj-lt"/>
+              </a:rPr>
+              <a:t>OpenClassrooms</a:t>
+            </a:r>
+            <a:endParaRPr lang="en-US" sz="1400" b="1" i="1" dirty="0">
+              <a:ln>
+                <a:solidFill>
+                  <a:schemeClr val="bg1"/>
+                </a:solidFill>
+              </a:ln>
+              <a:solidFill>
+                <a:schemeClr val="bg1"/>
+              </a:solidFill>
+              <a:latin typeface="+mj-lt"/>
+            </a:endParaRPr>
+          </a:p>
+        </p:txBody>
+      </p:sp>
+      <p:sp>
+        <p:nvSpPr>
+          <p:cNvPr id="10" name="Titre 1">
+            <a:extLst>
+              <a:ext uri="{FF2B5EF4-FFF2-40B4-BE49-F238E27FC236}">
+                <a16:creationId xmlns:a16="http://schemas.microsoft.com/office/drawing/2014/main" id="{224E5C7D-3656-459F-9C01-61200508167F}"/>
+              </a:ext>
+            </a:extLst>
+          </p:cNvPr>
+          <p:cNvSpPr txBox="1">
+            <a:spLocks/>
+          </p:cNvSpPr>
+          <p:nvPr/>
+        </p:nvSpPr>
+        <p:spPr>
+          <a:xfrm>
+            <a:off x="279916" y="432794"/>
+            <a:ext cx="11112333" cy="820048"/>
+          </a:xfrm>
+          <a:prstGeom prst="rect">
+            <a:avLst/>
+          </a:prstGeom>
+        </p:spPr>
+        <p:txBody>
+          <a:bodyPr vert="horz" lIns="91440" tIns="45720" rIns="91440" bIns="45720" rtlCol="0" anchor="ctr">
+            <a:noAutofit/>
+          </a:bodyPr>
+          <a:lstStyle>
+            <a:lvl1pPr algn="l" defTabSz="914400" rtl="0" eaLnBrk="1" latinLnBrk="0" hangingPunct="1">
+              <a:lnSpc>
+                <a:spcPct val="90000"/>
+              </a:lnSpc>
+              <a:spcBef>
+                <a:spcPct val="0"/>
+              </a:spcBef>
+              <a:buNone/>
+              <a:defRPr sz="4400" kern="1200">
+                <a:solidFill>
+                  <a:schemeClr val="tx1"/>
+                </a:solidFill>
+                <a:latin typeface="+mj-lt"/>
+                <a:ea typeface="+mj-ea"/>
+                <a:cs typeface="+mj-cs"/>
+              </a:defRPr>
+            </a:lvl1pPr>
+          </a:lstStyle>
+          <a:p>
+            <a:r>
+              <a:rPr lang="fr-FR" sz="4000" b="1" dirty="0">
+                <a:ln>
+                  <a:solidFill>
+                    <a:srgbClr val="7451EB"/>
+                  </a:solidFill>
+                </a:ln>
+                <a:solidFill>
+                  <a:srgbClr val="7451EB"/>
+                </a:solidFill>
+                <a:latin typeface="Google Sans"/>
+              </a:rPr>
+              <a:t>Avez-vous des questions ?</a:t>
+            </a:r>
+            <a:endParaRPr lang="es-419" sz="4000" b="1" u="sng" dirty="0">
+              <a:ln>
+                <a:solidFill>
+                  <a:srgbClr val="7451EB"/>
+                </a:solidFill>
+              </a:ln>
+              <a:solidFill>
+                <a:srgbClr val="7451EB"/>
+              </a:solidFill>
+              <a:effectLst>
+                <a:outerShdw blurRad="38100" dist="38100" dir="2700000" algn="tl">
+                  <a:srgbClr val="000000">
+                    <a:alpha val="43137"/>
+                  </a:srgbClr>
+                </a:outerShdw>
+              </a:effectLst>
+            </a:endParaRPr>
+          </a:p>
+        </p:txBody>
+      </p:sp>
+      <p:sp>
+        <p:nvSpPr>
+          <p:cNvPr id="11" name="Rectángulo 4">
+            <a:extLst>
+              <a:ext uri="{FF2B5EF4-FFF2-40B4-BE49-F238E27FC236}">
+                <a16:creationId xmlns:a16="http://schemas.microsoft.com/office/drawing/2014/main" id="{B84F0FDC-2C73-4C87-9CC7-F9F129B3A699}"/>
+              </a:ext>
+            </a:extLst>
+          </p:cNvPr>
+          <p:cNvSpPr/>
+          <p:nvPr/>
+        </p:nvSpPr>
+        <p:spPr>
+          <a:xfrm>
+            <a:off x="377906" y="378794"/>
+            <a:ext cx="366721" cy="54000"/>
+          </a:xfrm>
+          <a:prstGeom prst="rect">
+            <a:avLst/>
+          </a:prstGeom>
+          <a:solidFill>
+            <a:srgbClr val="7451EB"/>
+          </a:solidFill>
+          <a:ln>
+            <a:solidFill>
+              <a:srgbClr val="7451EB"/>
+            </a:solidFill>
+          </a:ln>
+        </p:spPr>
+        <p:style>
+          <a:lnRef idx="2">
+            <a:schemeClr val="accent1">
+              <a:shade val="50000"/>
+            </a:schemeClr>
+          </a:lnRef>
+          <a:fillRef idx="1">
+            <a:schemeClr val="accent1"/>
+          </a:fillRef>
+          <a:effectRef idx="0">
+            <a:schemeClr val="accent1"/>
+          </a:effectRef>
+          <a:fontRef idx="minor">
+            <a:schemeClr val="lt1"/>
+          </a:fontRef>
+        </p:style>
+        <p:txBody>
+          <a:bodyPr rtlCol="0" anchor="ctr"/>
+          <a:lstStyle/>
+          <a:p>
+            <a:pPr algn="ctr"/>
+            <a:endParaRPr lang="es-AR">
+              <a:ln>
+                <a:solidFill>
+                  <a:srgbClr val="7451EB"/>
+                </a:solidFill>
+              </a:ln>
+              <a:solidFill>
+                <a:srgbClr val="7451EB"/>
+              </a:solidFill>
+            </a:endParaRPr>
+          </a:p>
+        </p:txBody>
+      </p:sp>
+      <p:sp>
+        <p:nvSpPr>
+          <p:cNvPr id="9" name="TextBox 3">
+            <a:extLst>
+              <a:ext uri="{FF2B5EF4-FFF2-40B4-BE49-F238E27FC236}">
+                <a16:creationId xmlns:a16="http://schemas.microsoft.com/office/drawing/2014/main" id="{89B5E374-03CF-4D3F-8E53-FFD522A8DD45}"/>
+              </a:ext>
+            </a:extLst>
+          </p:cNvPr>
+          <p:cNvSpPr txBox="1"/>
+          <p:nvPr/>
+        </p:nvSpPr>
+        <p:spPr>
+          <a:xfrm>
+            <a:off x="0" y="6475247"/>
+            <a:ext cx="8982635" cy="307777"/>
+          </a:xfrm>
+          <a:prstGeom prst="rect">
+            <a:avLst/>
+          </a:prstGeom>
+          <a:noFill/>
+        </p:spPr>
+        <p:txBody>
+          <a:bodyPr wrap="square" rtlCol="0">
+            <a:spAutoFit/>
+          </a:bodyPr>
+          <a:lstStyle/>
+          <a:p>
+            <a:r>
+              <a:rPr lang="es-CO" sz="1400" dirty="0">
+                <a:ln>
+                  <a:solidFill>
+                    <a:schemeClr val="bg1"/>
+                  </a:solidFill>
+                </a:ln>
+                <a:solidFill>
+                  <a:schemeClr val="bg1"/>
+                </a:solidFill>
+                <a:latin typeface="+mj-lt"/>
+              </a:rPr>
+              <a:t>Project 7 – </a:t>
+            </a:r>
+            <a:r>
+              <a:rPr lang="fr-FR" sz="1400" dirty="0">
+                <a:ln>
+                  <a:solidFill>
+                    <a:schemeClr val="bg1"/>
+                  </a:solidFill>
+                </a:ln>
+                <a:solidFill>
+                  <a:schemeClr val="bg1"/>
+                </a:solidFill>
+                <a:latin typeface="+mj-lt"/>
+              </a:rPr>
+              <a:t>implémentation d’un modèle de </a:t>
+            </a:r>
+            <a:r>
+              <a:rPr lang="fr-FR" sz="1400" dirty="0" err="1">
+                <a:ln>
+                  <a:solidFill>
+                    <a:schemeClr val="bg1"/>
+                  </a:solidFill>
+                </a:ln>
+                <a:solidFill>
+                  <a:schemeClr val="bg1"/>
+                </a:solidFill>
+                <a:latin typeface="+mj-lt"/>
+              </a:rPr>
+              <a:t>scoring</a:t>
+            </a:r>
+            <a:endParaRPr lang="en-US" sz="1400" dirty="0">
+              <a:ln>
+                <a:solidFill>
+                  <a:schemeClr val="bg1"/>
+                </a:solidFill>
+              </a:ln>
+              <a:solidFill>
+                <a:schemeClr val="bg1"/>
+              </a:solidFill>
+              <a:latin typeface="+mj-lt"/>
+            </a:endParaRPr>
+          </a:p>
+        </p:txBody>
+      </p:sp>
+    </p:spTree>
+    <p:extLst>
+      <p:ext uri="{BB962C8B-B14F-4D97-AF65-F5344CB8AC3E}">
+        <p14:creationId xmlns:p14="http://schemas.microsoft.com/office/powerpoint/2010/main" val="432935334"/>
+      </p:ext>
+    </p:extLst>
+  </p:cSld>
+  <p:clrMapOvr>
+    <a:masterClrMapping/>
+  </p:clrMapOvr>
+</p:sld>
+</file>
+
+<file path=ppt/slides/slide29.xml><?xml version="1.0" encoding="utf-8"?>
+<p:sld xmlns:a="http://schemas.openxmlformats.org/drawingml/2006/main" xmlns:r="http://schemas.openxmlformats.org/officeDocument/2006/relationships" xmlns:p="http://schemas.openxmlformats.org/presentationml/2006/main">
+  <p:cSld>
+    <p:spTree>
+      <p:nvGrpSpPr>
+        <p:cNvPr id="1" name=""/>
+        <p:cNvGrpSpPr/>
+        <p:nvPr/>
+      </p:nvGrpSpPr>
+      <p:grpSpPr>
+        <a:xfrm>
+          <a:off x="0" y="0"/>
+          <a:ext cx="0" cy="0"/>
+          <a:chOff x="0" y="0"/>
+          <a:chExt cx="0" cy="0"/>
+        </a:xfrm>
+      </p:grpSpPr>
+      <p:sp>
+        <p:nvSpPr>
+          <p:cNvPr id="10" name="Rectángulo 1">
+            <a:extLst>
+              <a:ext uri="{FF2B5EF4-FFF2-40B4-BE49-F238E27FC236}">
+                <a16:creationId xmlns:a16="http://schemas.microsoft.com/office/drawing/2014/main" id="{EC6BC2CE-B281-4F18-889E-16BEFF6CC2C6}"/>
+              </a:ext>
+            </a:extLst>
+          </p:cNvPr>
+          <p:cNvSpPr/>
+          <p:nvPr/>
+        </p:nvSpPr>
+        <p:spPr>
+          <a:xfrm>
+            <a:off x="-72007" y="0"/>
+            <a:ext cx="7296540" cy="6858000"/>
+          </a:xfrm>
+          <a:prstGeom prst="rect">
+            <a:avLst/>
+          </a:prstGeom>
+          <a:solidFill>
+            <a:srgbClr val="7451EB"/>
+          </a:solidFill>
+          <a:ln>
+            <a:solidFill>
+              <a:srgbClr val="7451EB"/>
+            </a:solidFill>
+          </a:ln>
+        </p:spPr>
+        <p:style>
+          <a:lnRef idx="2">
+            <a:schemeClr val="accent1">
+              <a:shade val="50000"/>
+            </a:schemeClr>
+          </a:lnRef>
+          <a:fillRef idx="1">
+            <a:schemeClr val="accent1"/>
+          </a:fillRef>
+          <a:effectRef idx="0">
+            <a:schemeClr val="accent1"/>
+          </a:effectRef>
+          <a:fontRef idx="minor">
+            <a:schemeClr val="lt1"/>
+          </a:fontRef>
+        </p:style>
+        <p:txBody>
+          <a:bodyPr rtlCol="0" anchor="ctr"/>
+          <a:lstStyle/>
+          <a:p>
+            <a:pPr algn="ctr"/>
+            <a:endParaRPr lang="es-AR"/>
+          </a:p>
+        </p:txBody>
+      </p:sp>
+      <p:sp>
+        <p:nvSpPr>
+          <p:cNvPr id="36" name="Rectángulo 4">
+            <a:extLst>
+              <a:ext uri="{FF2B5EF4-FFF2-40B4-BE49-F238E27FC236}">
+                <a16:creationId xmlns:a16="http://schemas.microsoft.com/office/drawing/2014/main" id="{3D7BED2F-80EC-4813-AFFE-DF338008BEBB}"/>
+              </a:ext>
+            </a:extLst>
+          </p:cNvPr>
+          <p:cNvSpPr/>
+          <p:nvPr/>
+        </p:nvSpPr>
+        <p:spPr>
+          <a:xfrm>
+            <a:off x="377906" y="1683233"/>
+            <a:ext cx="366721" cy="54000"/>
+          </a:xfrm>
+          <a:prstGeom prst="rect">
+            <a:avLst/>
+          </a:prstGeom>
+          <a:solidFill>
+            <a:schemeClr val="bg1"/>
+          </a:solidFill>
+          <a:ln>
+            <a:solidFill>
+              <a:schemeClr val="bg1"/>
+            </a:solidFill>
+          </a:ln>
+        </p:spPr>
+        <p:style>
+          <a:lnRef idx="2">
+            <a:schemeClr val="accent1">
+              <a:shade val="50000"/>
+            </a:schemeClr>
+          </a:lnRef>
+          <a:fillRef idx="1">
+            <a:schemeClr val="accent1"/>
+          </a:fillRef>
+          <a:effectRef idx="0">
+            <a:schemeClr val="accent1"/>
+          </a:effectRef>
+          <a:fontRef idx="minor">
+            <a:schemeClr val="lt1"/>
+          </a:fontRef>
+        </p:style>
+        <p:txBody>
+          <a:bodyPr rtlCol="0" anchor="ctr"/>
+          <a:lstStyle/>
+          <a:p>
+            <a:pPr algn="ctr"/>
+            <a:endParaRPr lang="es-AR"/>
+          </a:p>
+        </p:txBody>
+      </p:sp>
+      <p:sp>
+        <p:nvSpPr>
+          <p:cNvPr id="30" name="ZoneTexte 29">
+            <a:extLst>
+              <a:ext uri="{FF2B5EF4-FFF2-40B4-BE49-F238E27FC236}">
+                <a16:creationId xmlns:a16="http://schemas.microsoft.com/office/drawing/2014/main" id="{1C59DD88-0231-4DD6-B63A-00DE1EDF79C4}"/>
+              </a:ext>
+            </a:extLst>
+          </p:cNvPr>
+          <p:cNvSpPr txBox="1"/>
+          <p:nvPr/>
+        </p:nvSpPr>
+        <p:spPr>
+          <a:xfrm>
+            <a:off x="279917" y="1737233"/>
+            <a:ext cx="6592692" cy="3939540"/>
+          </a:xfrm>
+          <a:prstGeom prst="rect">
+            <a:avLst/>
+          </a:prstGeom>
+          <a:noFill/>
+        </p:spPr>
+        <p:txBody>
+          <a:bodyPr wrap="square">
+            <a:spAutoFit/>
+          </a:bodyPr>
+          <a:lstStyle/>
+          <a:p>
+            <a:r>
+              <a:rPr lang="fr-FR" sz="4800" b="1" i="1" dirty="0">
+                <a:ln>
+                  <a:solidFill>
+                    <a:schemeClr val="bg1"/>
+                  </a:solidFill>
+                </a:ln>
+                <a:solidFill>
+                  <a:schemeClr val="bg1"/>
+                </a:solidFill>
+                <a:latin typeface="Google Sans"/>
+              </a:rPr>
+              <a:t>MERCI</a:t>
+            </a:r>
+          </a:p>
+          <a:p>
+            <a:endParaRPr lang="fr-FR" sz="3200" b="1" dirty="0">
+              <a:ln>
+                <a:solidFill>
+                  <a:schemeClr val="bg1"/>
+                </a:solidFill>
+              </a:ln>
+              <a:solidFill>
+                <a:schemeClr val="bg1"/>
+              </a:solidFill>
+              <a:latin typeface="Google Sans"/>
+            </a:endParaRPr>
+          </a:p>
+          <a:p>
+            <a:endParaRPr lang="fr-FR" sz="3200" b="1" dirty="0">
+              <a:ln>
+                <a:solidFill>
+                  <a:schemeClr val="bg1"/>
+                </a:solidFill>
+              </a:ln>
+              <a:solidFill>
+                <a:schemeClr val="bg1"/>
+              </a:solidFill>
+              <a:latin typeface="Google Sans"/>
+            </a:endParaRPr>
+          </a:p>
+          <a:p>
+            <a:r>
+              <a:rPr lang="fr-FR" sz="2000" dirty="0">
+                <a:ln>
+                  <a:solidFill>
+                    <a:schemeClr val="bg1"/>
+                  </a:solidFill>
+                </a:ln>
+                <a:solidFill>
+                  <a:schemeClr val="bg1"/>
+                </a:solidFill>
+                <a:latin typeface="Google Sans"/>
+              </a:rPr>
+              <a:t>Soutenance de Projet</a:t>
+            </a:r>
+          </a:p>
+          <a:p>
+            <a:r>
+              <a:rPr lang="fr-FR" sz="3200" dirty="0">
+                <a:ln>
+                  <a:solidFill>
+                    <a:schemeClr val="bg1"/>
+                  </a:solidFill>
+                </a:ln>
+                <a:solidFill>
+                  <a:schemeClr val="bg1"/>
+                </a:solidFill>
+                <a:latin typeface="Google Sans"/>
+              </a:rPr>
+              <a:t>Samir HINOJOSA</a:t>
+            </a:r>
+          </a:p>
+          <a:p>
+            <a:endParaRPr lang="fr-FR" sz="3600" dirty="0">
+              <a:ln>
+                <a:solidFill>
+                  <a:schemeClr val="bg1"/>
+                </a:solidFill>
+              </a:ln>
+              <a:solidFill>
+                <a:schemeClr val="bg1"/>
+              </a:solidFill>
+              <a:latin typeface="Google Sans"/>
+            </a:endParaRPr>
+          </a:p>
+          <a:p>
+            <a:endParaRPr lang="fr-FR" sz="3600" dirty="0">
+              <a:ln>
+                <a:solidFill>
+                  <a:schemeClr val="bg1"/>
+                </a:solidFill>
+              </a:ln>
+              <a:solidFill>
+                <a:schemeClr val="bg1"/>
+              </a:solidFill>
+              <a:latin typeface="Google Sans"/>
+            </a:endParaRPr>
+          </a:p>
+          <a:p>
+            <a:r>
+              <a:rPr lang="es-ES" sz="1400" dirty="0">
+                <a:ln>
+                  <a:solidFill>
+                    <a:schemeClr val="bg1"/>
+                  </a:solidFill>
+                </a:ln>
+                <a:solidFill>
+                  <a:schemeClr val="bg1"/>
+                </a:solidFill>
+                <a:latin typeface="Google Sans"/>
+              </a:rPr>
+              <a:t>10 </a:t>
+            </a:r>
+            <a:r>
+              <a:rPr lang="fr-FR" sz="1400" dirty="0">
+                <a:ln>
+                  <a:solidFill>
+                    <a:schemeClr val="bg1"/>
+                  </a:solidFill>
+                </a:ln>
+                <a:solidFill>
+                  <a:schemeClr val="bg1"/>
+                </a:solidFill>
+                <a:latin typeface="Google Sans"/>
+              </a:rPr>
+              <a:t>février</a:t>
+            </a:r>
+            <a:r>
+              <a:rPr lang="es-ES" sz="1400" dirty="0">
+                <a:ln>
+                  <a:solidFill>
+                    <a:schemeClr val="bg1"/>
+                  </a:solidFill>
+                </a:ln>
+                <a:solidFill>
+                  <a:schemeClr val="bg1"/>
+                </a:solidFill>
+                <a:latin typeface="Google Sans"/>
+              </a:rPr>
+              <a:t> </a:t>
+            </a:r>
+            <a:r>
+              <a:rPr lang="fr-FR" sz="1400" dirty="0">
+                <a:ln>
+                  <a:solidFill>
+                    <a:schemeClr val="bg1"/>
+                  </a:solidFill>
+                </a:ln>
+                <a:solidFill>
+                  <a:schemeClr val="bg1"/>
+                </a:solidFill>
+                <a:latin typeface="Google Sans"/>
+              </a:rPr>
+              <a:t>2022</a:t>
+            </a:r>
+          </a:p>
+        </p:txBody>
+      </p:sp>
+      <p:pic>
+        <p:nvPicPr>
+          <p:cNvPr id="8" name="Picture 2" descr="OpenClassrooms — Wikipédia">
+            <a:extLst>
+              <a:ext uri="{FF2B5EF4-FFF2-40B4-BE49-F238E27FC236}">
+                <a16:creationId xmlns:a16="http://schemas.microsoft.com/office/drawing/2014/main" id="{18FA7543-C255-47CA-9E0D-0DB0A858BA5A}"/>
+              </a:ext>
+            </a:extLst>
+          </p:cNvPr>
+          <p:cNvPicPr>
+            <a:picLocks noChangeAspect="1" noChangeArrowheads="1"/>
+          </p:cNvPicPr>
+          <p:nvPr/>
+        </p:nvPicPr>
+        <p:blipFill>
+          <a:blip r:embed="rId2">
+            <a:extLst>
+              <a:ext uri="{28A0092B-C50C-407E-A947-70E740481C1C}">
+                <a14:useLocalDpi xmlns:a14="http://schemas.microsoft.com/office/drawing/2010/main" val="0"/>
+              </a:ext>
+            </a:extLst>
+          </a:blip>
+          <a:srcRect/>
+          <a:stretch>
+            <a:fillRect/>
+          </a:stretch>
+        </p:blipFill>
+        <p:spPr bwMode="auto">
+          <a:xfrm>
+            <a:off x="7492481" y="5029141"/>
+            <a:ext cx="876456" cy="876456"/>
+          </a:xfrm>
+          <a:prstGeom prst="rect">
+            <a:avLst/>
+          </a:prstGeom>
+          <a:ln>
+            <a:noFill/>
+          </a:ln>
+          <a:effectLst>
+            <a:outerShdw blurRad="292100" dist="139700" dir="2700000" algn="tl" rotWithShape="0">
+              <a:srgbClr val="333333">
+                <a:alpha val="65000"/>
+              </a:srgbClr>
+            </a:outerShdw>
+          </a:effectLst>
+          <a:extLst>
+            <a:ext uri="{909E8E84-426E-40DD-AFC4-6F175D3DCCD1}">
+              <a14:hiddenFill xmlns:a14="http://schemas.microsoft.com/office/drawing/2010/main">
+                <a:solidFill>
+                  <a:srgbClr val="FFFFFF"/>
+                </a:solidFill>
+              </a14:hiddenFill>
+            </a:ext>
+          </a:extLst>
+        </p:spPr>
+      </p:pic>
+      <p:pic>
+        <p:nvPicPr>
+          <p:cNvPr id="9" name="Picture 2" descr="Des parcours diplômants et des cours gratuits 100% en ligne - OpenClassrooms">
+            <a:extLst>
+              <a:ext uri="{FF2B5EF4-FFF2-40B4-BE49-F238E27FC236}">
+                <a16:creationId xmlns:a16="http://schemas.microsoft.com/office/drawing/2014/main" id="{D8D22BE0-298E-44EE-A4A3-A03C472D083B}"/>
+              </a:ext>
+            </a:extLst>
+          </p:cNvPr>
+          <p:cNvPicPr>
+            <a:picLocks noChangeAspect="1" noChangeArrowheads="1"/>
+          </p:cNvPicPr>
+          <p:nvPr/>
+        </p:nvPicPr>
+        <p:blipFill>
+          <a:blip r:embed="rId3">
+            <a:extLst>
+              <a:ext uri="{28A0092B-C50C-407E-A947-70E740481C1C}">
+                <a14:useLocalDpi xmlns:a14="http://schemas.microsoft.com/office/drawing/2010/main" val="0"/>
+              </a:ext>
+            </a:extLst>
+          </a:blip>
+          <a:srcRect/>
+          <a:stretch>
+            <a:fillRect/>
+          </a:stretch>
+        </p:blipFill>
+        <p:spPr bwMode="auto">
+          <a:xfrm>
+            <a:off x="7492481" y="6062502"/>
+            <a:ext cx="3899769" cy="467038"/>
+          </a:xfrm>
+          <a:prstGeom prst="rect">
+            <a:avLst/>
+          </a:prstGeom>
+          <a:ln>
+            <a:noFill/>
+          </a:ln>
+          <a:effectLst>
+            <a:outerShdw blurRad="292100" dist="139700" dir="2700000" algn="tl" rotWithShape="0">
+              <a:srgbClr val="333333">
+                <a:alpha val="65000"/>
+              </a:srgbClr>
+            </a:outerShdw>
+          </a:effectLst>
+          <a:extLst>
+            <a:ext uri="{909E8E84-426E-40DD-AFC4-6F175D3DCCD1}">
+              <a14:hiddenFill xmlns:a14="http://schemas.microsoft.com/office/drawing/2010/main">
+                <a:solidFill>
+                  <a:srgbClr val="FFFFFF"/>
+                </a:solidFill>
+              </a14:hiddenFill>
+            </a:ext>
+          </a:extLst>
+        </p:spPr>
+      </p:pic>
+    </p:spTree>
+    <p:extLst>
+      <p:ext uri="{BB962C8B-B14F-4D97-AF65-F5344CB8AC3E}">
+        <p14:creationId xmlns:p14="http://schemas.microsoft.com/office/powerpoint/2010/main" val="910031312"/>
       </p:ext>
     </p:extLst>
   </p:cSld>
@@ -33202,848 +31284,6 @@
 </file>
 
 <file path=ppt/slides/slide30.xml><?xml version="1.0" encoding="utf-8"?>
-<p:sld xmlns:a="http://schemas.openxmlformats.org/drawingml/2006/main" xmlns:r="http://schemas.openxmlformats.org/officeDocument/2006/relationships" xmlns:p="http://schemas.openxmlformats.org/presentationml/2006/main">
-  <p:cSld>
-    <p:spTree>
-      <p:nvGrpSpPr>
-        <p:cNvPr id="1" name=""/>
-        <p:cNvGrpSpPr/>
-        <p:nvPr/>
-      </p:nvGrpSpPr>
-      <p:grpSpPr>
-        <a:xfrm>
-          <a:off x="0" y="0"/>
-          <a:ext cx="0" cy="0"/>
-          <a:chOff x="0" y="0"/>
-          <a:chExt cx="0" cy="0"/>
-        </a:xfrm>
-      </p:grpSpPr>
-      <p:pic>
-        <p:nvPicPr>
-          <p:cNvPr id="3" name="Image 2">
-            <a:extLst>
-              <a:ext uri="{FF2B5EF4-FFF2-40B4-BE49-F238E27FC236}">
-                <a16:creationId xmlns:a16="http://schemas.microsoft.com/office/drawing/2014/main" id="{C88CAABC-021A-43A2-892C-883492DFF4BF}"/>
-              </a:ext>
-            </a:extLst>
-          </p:cNvPr>
-          <p:cNvPicPr>
-            <a:picLocks noChangeAspect="1"/>
-          </p:cNvPicPr>
-          <p:nvPr/>
-        </p:nvPicPr>
-        <p:blipFill>
-          <a:blip r:embed="rId3">
-            <a:extLst>
-              <a:ext uri="{28A0092B-C50C-407E-A947-70E740481C1C}">
-                <a14:useLocalDpi xmlns:a14="http://schemas.microsoft.com/office/drawing/2010/main" val="0"/>
-              </a:ext>
-            </a:extLst>
-          </a:blip>
-          <a:stretch>
-            <a:fillRect/>
-          </a:stretch>
-        </p:blipFill>
-        <p:spPr>
-          <a:xfrm>
-            <a:off x="2884984" y="1211743"/>
-            <a:ext cx="6422032" cy="4434515"/>
-          </a:xfrm>
-          <a:prstGeom prst="rect">
-            <a:avLst/>
-          </a:prstGeom>
-        </p:spPr>
-      </p:pic>
-      <p:sp>
-        <p:nvSpPr>
-          <p:cNvPr id="5" name="Rectangle 4">
-            <a:extLst>
-              <a:ext uri="{FF2B5EF4-FFF2-40B4-BE49-F238E27FC236}">
-                <a16:creationId xmlns:a16="http://schemas.microsoft.com/office/drawing/2014/main" id="{A00233D2-38CE-441F-90C9-32F91999758A}"/>
-              </a:ext>
-            </a:extLst>
-          </p:cNvPr>
-          <p:cNvSpPr/>
-          <p:nvPr/>
-        </p:nvSpPr>
-        <p:spPr>
-          <a:xfrm>
-            <a:off x="0" y="6400273"/>
-            <a:ext cx="12192000" cy="457727"/>
-          </a:xfrm>
-          <a:prstGeom prst="rect">
-            <a:avLst/>
-          </a:prstGeom>
-          <a:solidFill>
-            <a:srgbClr val="7451EB"/>
-          </a:solidFill>
-          <a:ln>
-            <a:solidFill>
-              <a:srgbClr val="7451EB"/>
-            </a:solidFill>
-          </a:ln>
-        </p:spPr>
-        <p:style>
-          <a:lnRef idx="2">
-            <a:schemeClr val="accent1">
-              <a:shade val="50000"/>
-            </a:schemeClr>
-          </a:lnRef>
-          <a:fillRef idx="1">
-            <a:schemeClr val="accent1"/>
-          </a:fillRef>
-          <a:effectRef idx="0">
-            <a:schemeClr val="accent1"/>
-          </a:effectRef>
-          <a:fontRef idx="minor">
-            <a:schemeClr val="lt1"/>
-          </a:fontRef>
-        </p:style>
-        <p:txBody>
-          <a:bodyPr rtlCol="0" anchor="ctr"/>
-          <a:lstStyle/>
-          <a:p>
-            <a:pPr algn="ctr"/>
-            <a:endParaRPr lang="en-US" dirty="0"/>
-          </a:p>
-        </p:txBody>
-      </p:sp>
-      <p:sp>
-        <p:nvSpPr>
-          <p:cNvPr id="15" name="TextBox 3">
-            <a:extLst>
-              <a:ext uri="{FF2B5EF4-FFF2-40B4-BE49-F238E27FC236}">
-                <a16:creationId xmlns:a16="http://schemas.microsoft.com/office/drawing/2014/main" id="{47FC2DCC-BDE9-485D-AF79-4177B5479110}"/>
-              </a:ext>
-            </a:extLst>
-          </p:cNvPr>
-          <p:cNvSpPr txBox="1"/>
-          <p:nvPr/>
-        </p:nvSpPr>
-        <p:spPr>
-          <a:xfrm>
-            <a:off x="10543592" y="6475247"/>
-            <a:ext cx="1648408" cy="307777"/>
-          </a:xfrm>
-          <a:prstGeom prst="rect">
-            <a:avLst/>
-          </a:prstGeom>
-          <a:noFill/>
-        </p:spPr>
-        <p:txBody>
-          <a:bodyPr wrap="square" rtlCol="0">
-            <a:spAutoFit/>
-          </a:bodyPr>
-          <a:lstStyle/>
-          <a:p>
-            <a:pPr algn="r"/>
-            <a:r>
-              <a:rPr lang="es-CO" sz="1400" b="1" i="1" dirty="0" err="1">
-                <a:ln>
-                  <a:solidFill>
-                    <a:schemeClr val="bg1"/>
-                  </a:solidFill>
-                </a:ln>
-                <a:solidFill>
-                  <a:schemeClr val="bg1"/>
-                </a:solidFill>
-                <a:latin typeface="+mj-lt"/>
-              </a:rPr>
-              <a:t>OpenClassrooms</a:t>
-            </a:r>
-            <a:endParaRPr lang="en-US" sz="1400" b="1" i="1" dirty="0">
-              <a:ln>
-                <a:solidFill>
-                  <a:schemeClr val="bg1"/>
-                </a:solidFill>
-              </a:ln>
-              <a:solidFill>
-                <a:schemeClr val="bg1"/>
-              </a:solidFill>
-              <a:latin typeface="+mj-lt"/>
-            </a:endParaRPr>
-          </a:p>
-        </p:txBody>
-      </p:sp>
-      <p:sp>
-        <p:nvSpPr>
-          <p:cNvPr id="10" name="Titre 1">
-            <a:extLst>
-              <a:ext uri="{FF2B5EF4-FFF2-40B4-BE49-F238E27FC236}">
-                <a16:creationId xmlns:a16="http://schemas.microsoft.com/office/drawing/2014/main" id="{224E5C7D-3656-459F-9C01-61200508167F}"/>
-              </a:ext>
-            </a:extLst>
-          </p:cNvPr>
-          <p:cNvSpPr txBox="1">
-            <a:spLocks/>
-          </p:cNvSpPr>
-          <p:nvPr/>
-        </p:nvSpPr>
-        <p:spPr>
-          <a:xfrm>
-            <a:off x="279916" y="432794"/>
-            <a:ext cx="11112333" cy="820048"/>
-          </a:xfrm>
-          <a:prstGeom prst="rect">
-            <a:avLst/>
-          </a:prstGeom>
-        </p:spPr>
-        <p:txBody>
-          <a:bodyPr vert="horz" lIns="91440" tIns="45720" rIns="91440" bIns="45720" rtlCol="0" anchor="ctr">
-            <a:noAutofit/>
-          </a:bodyPr>
-          <a:lstStyle>
-            <a:lvl1pPr algn="l" defTabSz="914400" rtl="0" eaLnBrk="1" latinLnBrk="0" hangingPunct="1">
-              <a:lnSpc>
-                <a:spcPct val="90000"/>
-              </a:lnSpc>
-              <a:spcBef>
-                <a:spcPct val="0"/>
-              </a:spcBef>
-              <a:buNone/>
-              <a:defRPr sz="4400" kern="1200">
-                <a:solidFill>
-                  <a:schemeClr val="tx1"/>
-                </a:solidFill>
-                <a:latin typeface="+mj-lt"/>
-                <a:ea typeface="+mj-ea"/>
-                <a:cs typeface="+mj-cs"/>
-              </a:defRPr>
-            </a:lvl1pPr>
-          </a:lstStyle>
-          <a:p>
-            <a:r>
-              <a:rPr lang="fr-FR" sz="4000" b="1" dirty="0">
-                <a:ln>
-                  <a:solidFill>
-                    <a:srgbClr val="7451EB"/>
-                  </a:solidFill>
-                </a:ln>
-                <a:solidFill>
-                  <a:srgbClr val="7451EB"/>
-                </a:solidFill>
-                <a:latin typeface="Google Sans"/>
-              </a:rPr>
-              <a:t>Avez-vous des questions ?</a:t>
-            </a:r>
-            <a:endParaRPr lang="es-419" sz="4000" b="1" u="sng" dirty="0">
-              <a:ln>
-                <a:solidFill>
-                  <a:srgbClr val="7451EB"/>
-                </a:solidFill>
-              </a:ln>
-              <a:solidFill>
-                <a:srgbClr val="7451EB"/>
-              </a:solidFill>
-              <a:effectLst>
-                <a:outerShdw blurRad="38100" dist="38100" dir="2700000" algn="tl">
-                  <a:srgbClr val="000000">
-                    <a:alpha val="43137"/>
-                  </a:srgbClr>
-                </a:outerShdw>
-              </a:effectLst>
-            </a:endParaRPr>
-          </a:p>
-        </p:txBody>
-      </p:sp>
-      <p:sp>
-        <p:nvSpPr>
-          <p:cNvPr id="11" name="Rectángulo 4">
-            <a:extLst>
-              <a:ext uri="{FF2B5EF4-FFF2-40B4-BE49-F238E27FC236}">
-                <a16:creationId xmlns:a16="http://schemas.microsoft.com/office/drawing/2014/main" id="{B84F0FDC-2C73-4C87-9CC7-F9F129B3A699}"/>
-              </a:ext>
-            </a:extLst>
-          </p:cNvPr>
-          <p:cNvSpPr/>
-          <p:nvPr/>
-        </p:nvSpPr>
-        <p:spPr>
-          <a:xfrm>
-            <a:off x="377906" y="378794"/>
-            <a:ext cx="366721" cy="54000"/>
-          </a:xfrm>
-          <a:prstGeom prst="rect">
-            <a:avLst/>
-          </a:prstGeom>
-          <a:solidFill>
-            <a:srgbClr val="7451EB"/>
-          </a:solidFill>
-          <a:ln>
-            <a:solidFill>
-              <a:srgbClr val="7451EB"/>
-            </a:solidFill>
-          </a:ln>
-        </p:spPr>
-        <p:style>
-          <a:lnRef idx="2">
-            <a:schemeClr val="accent1">
-              <a:shade val="50000"/>
-            </a:schemeClr>
-          </a:lnRef>
-          <a:fillRef idx="1">
-            <a:schemeClr val="accent1"/>
-          </a:fillRef>
-          <a:effectRef idx="0">
-            <a:schemeClr val="accent1"/>
-          </a:effectRef>
-          <a:fontRef idx="minor">
-            <a:schemeClr val="lt1"/>
-          </a:fontRef>
-        </p:style>
-        <p:txBody>
-          <a:bodyPr rtlCol="0" anchor="ctr"/>
-          <a:lstStyle/>
-          <a:p>
-            <a:pPr algn="ctr"/>
-            <a:endParaRPr lang="es-AR">
-              <a:ln>
-                <a:solidFill>
-                  <a:srgbClr val="7451EB"/>
-                </a:solidFill>
-              </a:ln>
-              <a:solidFill>
-                <a:srgbClr val="7451EB"/>
-              </a:solidFill>
-            </a:endParaRPr>
-          </a:p>
-        </p:txBody>
-      </p:sp>
-      <p:sp>
-        <p:nvSpPr>
-          <p:cNvPr id="9" name="TextBox 3">
-            <a:extLst>
-              <a:ext uri="{FF2B5EF4-FFF2-40B4-BE49-F238E27FC236}">
-                <a16:creationId xmlns:a16="http://schemas.microsoft.com/office/drawing/2014/main" id="{89B5E374-03CF-4D3F-8E53-FFD522A8DD45}"/>
-              </a:ext>
-            </a:extLst>
-          </p:cNvPr>
-          <p:cNvSpPr txBox="1"/>
-          <p:nvPr/>
-        </p:nvSpPr>
-        <p:spPr>
-          <a:xfrm>
-            <a:off x="0" y="6475247"/>
-            <a:ext cx="8982635" cy="307777"/>
-          </a:xfrm>
-          <a:prstGeom prst="rect">
-            <a:avLst/>
-          </a:prstGeom>
-          <a:noFill/>
-        </p:spPr>
-        <p:txBody>
-          <a:bodyPr wrap="square" rtlCol="0">
-            <a:spAutoFit/>
-          </a:bodyPr>
-          <a:lstStyle/>
-          <a:p>
-            <a:r>
-              <a:rPr lang="es-CO" sz="1400" dirty="0">
-                <a:ln>
-                  <a:solidFill>
-                    <a:schemeClr val="bg1"/>
-                  </a:solidFill>
-                </a:ln>
-                <a:solidFill>
-                  <a:schemeClr val="bg1"/>
-                </a:solidFill>
-                <a:latin typeface="+mj-lt"/>
-              </a:rPr>
-              <a:t>Project 7 – </a:t>
-            </a:r>
-            <a:r>
-              <a:rPr lang="fr-FR" sz="1400" dirty="0">
-                <a:ln>
-                  <a:solidFill>
-                    <a:schemeClr val="bg1"/>
-                  </a:solidFill>
-                </a:ln>
-                <a:solidFill>
-                  <a:schemeClr val="bg1"/>
-                </a:solidFill>
-                <a:latin typeface="+mj-lt"/>
-              </a:rPr>
-              <a:t>implémentation d’un modèle de </a:t>
-            </a:r>
-            <a:r>
-              <a:rPr lang="fr-FR" sz="1400" dirty="0" err="1">
-                <a:ln>
-                  <a:solidFill>
-                    <a:schemeClr val="bg1"/>
-                  </a:solidFill>
-                </a:ln>
-                <a:solidFill>
-                  <a:schemeClr val="bg1"/>
-                </a:solidFill>
-                <a:latin typeface="+mj-lt"/>
-              </a:rPr>
-              <a:t>scoring</a:t>
-            </a:r>
-            <a:endParaRPr lang="en-US" sz="1400" dirty="0">
-              <a:ln>
-                <a:solidFill>
-                  <a:schemeClr val="bg1"/>
-                </a:solidFill>
-              </a:ln>
-              <a:solidFill>
-                <a:schemeClr val="bg1"/>
-              </a:solidFill>
-              <a:latin typeface="+mj-lt"/>
-            </a:endParaRPr>
-          </a:p>
-        </p:txBody>
-      </p:sp>
-    </p:spTree>
-    <p:extLst>
-      <p:ext uri="{BB962C8B-B14F-4D97-AF65-F5344CB8AC3E}">
-        <p14:creationId xmlns:p14="http://schemas.microsoft.com/office/powerpoint/2010/main" val="432935334"/>
-      </p:ext>
-    </p:extLst>
-  </p:cSld>
-  <p:clrMapOvr>
-    <a:masterClrMapping/>
-  </p:clrMapOvr>
-</p:sld>
-</file>
-
-<file path=ppt/slides/slide31.xml><?xml version="1.0" encoding="utf-8"?>
-<p:sld xmlns:a="http://schemas.openxmlformats.org/drawingml/2006/main" xmlns:r="http://schemas.openxmlformats.org/officeDocument/2006/relationships" xmlns:p="http://schemas.openxmlformats.org/presentationml/2006/main">
-  <p:cSld>
-    <p:spTree>
-      <p:nvGrpSpPr>
-        <p:cNvPr id="1" name=""/>
-        <p:cNvGrpSpPr/>
-        <p:nvPr/>
-      </p:nvGrpSpPr>
-      <p:grpSpPr>
-        <a:xfrm>
-          <a:off x="0" y="0"/>
-          <a:ext cx="0" cy="0"/>
-          <a:chOff x="0" y="0"/>
-          <a:chExt cx="0" cy="0"/>
-        </a:xfrm>
-      </p:grpSpPr>
-      <p:sp>
-        <p:nvSpPr>
-          <p:cNvPr id="10" name="Rectángulo 1">
-            <a:extLst>
-              <a:ext uri="{FF2B5EF4-FFF2-40B4-BE49-F238E27FC236}">
-                <a16:creationId xmlns:a16="http://schemas.microsoft.com/office/drawing/2014/main" id="{EC6BC2CE-B281-4F18-889E-16BEFF6CC2C6}"/>
-              </a:ext>
-            </a:extLst>
-          </p:cNvPr>
-          <p:cNvSpPr/>
-          <p:nvPr/>
-        </p:nvSpPr>
-        <p:spPr>
-          <a:xfrm>
-            <a:off x="-72007" y="0"/>
-            <a:ext cx="7296540" cy="6858000"/>
-          </a:xfrm>
-          <a:prstGeom prst="rect">
-            <a:avLst/>
-          </a:prstGeom>
-          <a:solidFill>
-            <a:srgbClr val="7451EB"/>
-          </a:solidFill>
-          <a:ln>
-            <a:solidFill>
-              <a:srgbClr val="7451EB"/>
-            </a:solidFill>
-          </a:ln>
-        </p:spPr>
-        <p:style>
-          <a:lnRef idx="2">
-            <a:schemeClr val="accent1">
-              <a:shade val="50000"/>
-            </a:schemeClr>
-          </a:lnRef>
-          <a:fillRef idx="1">
-            <a:schemeClr val="accent1"/>
-          </a:fillRef>
-          <a:effectRef idx="0">
-            <a:schemeClr val="accent1"/>
-          </a:effectRef>
-          <a:fontRef idx="minor">
-            <a:schemeClr val="lt1"/>
-          </a:fontRef>
-        </p:style>
-        <p:txBody>
-          <a:bodyPr rtlCol="0" anchor="ctr"/>
-          <a:lstStyle/>
-          <a:p>
-            <a:pPr algn="ctr"/>
-            <a:endParaRPr lang="es-AR"/>
-          </a:p>
-        </p:txBody>
-      </p:sp>
-      <p:sp>
-        <p:nvSpPr>
-          <p:cNvPr id="36" name="Rectángulo 4">
-            <a:extLst>
-              <a:ext uri="{FF2B5EF4-FFF2-40B4-BE49-F238E27FC236}">
-                <a16:creationId xmlns:a16="http://schemas.microsoft.com/office/drawing/2014/main" id="{3D7BED2F-80EC-4813-AFFE-DF338008BEBB}"/>
-              </a:ext>
-            </a:extLst>
-          </p:cNvPr>
-          <p:cNvSpPr/>
-          <p:nvPr/>
-        </p:nvSpPr>
-        <p:spPr>
-          <a:xfrm>
-            <a:off x="377906" y="1683233"/>
-            <a:ext cx="366721" cy="54000"/>
-          </a:xfrm>
-          <a:prstGeom prst="rect">
-            <a:avLst/>
-          </a:prstGeom>
-          <a:solidFill>
-            <a:schemeClr val="bg1"/>
-          </a:solidFill>
-          <a:ln>
-            <a:solidFill>
-              <a:schemeClr val="bg1"/>
-            </a:solidFill>
-          </a:ln>
-        </p:spPr>
-        <p:style>
-          <a:lnRef idx="2">
-            <a:schemeClr val="accent1">
-              <a:shade val="50000"/>
-            </a:schemeClr>
-          </a:lnRef>
-          <a:fillRef idx="1">
-            <a:schemeClr val="accent1"/>
-          </a:fillRef>
-          <a:effectRef idx="0">
-            <a:schemeClr val="accent1"/>
-          </a:effectRef>
-          <a:fontRef idx="minor">
-            <a:schemeClr val="lt1"/>
-          </a:fontRef>
-        </p:style>
-        <p:txBody>
-          <a:bodyPr rtlCol="0" anchor="ctr"/>
-          <a:lstStyle/>
-          <a:p>
-            <a:pPr algn="ctr"/>
-            <a:endParaRPr lang="es-AR"/>
-          </a:p>
-        </p:txBody>
-      </p:sp>
-      <p:sp>
-        <p:nvSpPr>
-          <p:cNvPr id="30" name="ZoneTexte 29">
-            <a:extLst>
-              <a:ext uri="{FF2B5EF4-FFF2-40B4-BE49-F238E27FC236}">
-                <a16:creationId xmlns:a16="http://schemas.microsoft.com/office/drawing/2014/main" id="{1C59DD88-0231-4DD6-B63A-00DE1EDF79C4}"/>
-              </a:ext>
-            </a:extLst>
-          </p:cNvPr>
-          <p:cNvSpPr txBox="1"/>
-          <p:nvPr/>
-        </p:nvSpPr>
-        <p:spPr>
-          <a:xfrm>
-            <a:off x="279917" y="1737233"/>
-            <a:ext cx="6592692" cy="3939540"/>
-          </a:xfrm>
-          <a:prstGeom prst="rect">
-            <a:avLst/>
-          </a:prstGeom>
-          <a:noFill/>
-        </p:spPr>
-        <p:txBody>
-          <a:bodyPr wrap="square">
-            <a:spAutoFit/>
-          </a:bodyPr>
-          <a:lstStyle/>
-          <a:p>
-            <a:r>
-              <a:rPr lang="fr-FR" sz="4800" b="1" i="1" dirty="0">
-                <a:ln>
-                  <a:solidFill>
-                    <a:schemeClr val="bg1"/>
-                  </a:solidFill>
-                </a:ln>
-                <a:solidFill>
-                  <a:schemeClr val="bg1"/>
-                </a:solidFill>
-                <a:latin typeface="Google Sans"/>
-              </a:rPr>
-              <a:t>MERCI</a:t>
-            </a:r>
-          </a:p>
-          <a:p>
-            <a:endParaRPr lang="fr-FR" sz="3200" b="1" dirty="0">
-              <a:ln>
-                <a:solidFill>
-                  <a:schemeClr val="bg1"/>
-                </a:solidFill>
-              </a:ln>
-              <a:solidFill>
-                <a:schemeClr val="bg1"/>
-              </a:solidFill>
-              <a:latin typeface="Google Sans"/>
-            </a:endParaRPr>
-          </a:p>
-          <a:p>
-            <a:endParaRPr lang="fr-FR" sz="3200" b="1" dirty="0">
-              <a:ln>
-                <a:solidFill>
-                  <a:schemeClr val="bg1"/>
-                </a:solidFill>
-              </a:ln>
-              <a:solidFill>
-                <a:schemeClr val="bg1"/>
-              </a:solidFill>
-              <a:latin typeface="Google Sans"/>
-            </a:endParaRPr>
-          </a:p>
-          <a:p>
-            <a:r>
-              <a:rPr lang="fr-FR" sz="2000" dirty="0">
-                <a:ln>
-                  <a:solidFill>
-                    <a:schemeClr val="bg1"/>
-                  </a:solidFill>
-                </a:ln>
-                <a:solidFill>
-                  <a:schemeClr val="bg1"/>
-                </a:solidFill>
-                <a:latin typeface="Google Sans"/>
-              </a:rPr>
-              <a:t>Soutenance de Projet</a:t>
-            </a:r>
-          </a:p>
-          <a:p>
-            <a:r>
-              <a:rPr lang="fr-FR" sz="3200" dirty="0">
-                <a:ln>
-                  <a:solidFill>
-                    <a:schemeClr val="bg1"/>
-                  </a:solidFill>
-                </a:ln>
-                <a:solidFill>
-                  <a:schemeClr val="bg1"/>
-                </a:solidFill>
-                <a:latin typeface="Google Sans"/>
-              </a:rPr>
-              <a:t>Samir HINOJOSA</a:t>
-            </a:r>
-          </a:p>
-          <a:p>
-            <a:endParaRPr lang="fr-FR" sz="3600" dirty="0">
-              <a:ln>
-                <a:solidFill>
-                  <a:schemeClr val="bg1"/>
-                </a:solidFill>
-              </a:ln>
-              <a:solidFill>
-                <a:schemeClr val="bg1"/>
-              </a:solidFill>
-              <a:latin typeface="Google Sans"/>
-            </a:endParaRPr>
-          </a:p>
-          <a:p>
-            <a:endParaRPr lang="fr-FR" sz="3600" dirty="0">
-              <a:ln>
-                <a:solidFill>
-                  <a:schemeClr val="bg1"/>
-                </a:solidFill>
-              </a:ln>
-              <a:solidFill>
-                <a:schemeClr val="bg1"/>
-              </a:solidFill>
-              <a:latin typeface="Google Sans"/>
-            </a:endParaRPr>
-          </a:p>
-          <a:p>
-            <a:r>
-              <a:rPr lang="es-ES" sz="1400" dirty="0">
-                <a:ln>
-                  <a:solidFill>
-                    <a:schemeClr val="bg1"/>
-                  </a:solidFill>
-                </a:ln>
-                <a:solidFill>
-                  <a:schemeClr val="bg1"/>
-                </a:solidFill>
-                <a:latin typeface="Google Sans"/>
-              </a:rPr>
-              <a:t>10 </a:t>
-            </a:r>
-            <a:r>
-              <a:rPr lang="fr-FR" sz="1400" dirty="0">
-                <a:ln>
-                  <a:solidFill>
-                    <a:schemeClr val="bg1"/>
-                  </a:solidFill>
-                </a:ln>
-                <a:solidFill>
-                  <a:schemeClr val="bg1"/>
-                </a:solidFill>
-                <a:latin typeface="Google Sans"/>
-              </a:rPr>
-              <a:t>février</a:t>
-            </a:r>
-            <a:r>
-              <a:rPr lang="es-ES" sz="1400" dirty="0">
-                <a:ln>
-                  <a:solidFill>
-                    <a:schemeClr val="bg1"/>
-                  </a:solidFill>
-                </a:ln>
-                <a:solidFill>
-                  <a:schemeClr val="bg1"/>
-                </a:solidFill>
-                <a:latin typeface="Google Sans"/>
-              </a:rPr>
-              <a:t> </a:t>
-            </a:r>
-            <a:r>
-              <a:rPr lang="fr-FR" sz="1400" dirty="0">
-                <a:ln>
-                  <a:solidFill>
-                    <a:schemeClr val="bg1"/>
-                  </a:solidFill>
-                </a:ln>
-                <a:solidFill>
-                  <a:schemeClr val="bg1"/>
-                </a:solidFill>
-                <a:latin typeface="Google Sans"/>
-              </a:rPr>
-              <a:t>2022</a:t>
-            </a:r>
-          </a:p>
-        </p:txBody>
-      </p:sp>
-      <p:pic>
-        <p:nvPicPr>
-          <p:cNvPr id="8" name="Picture 2" descr="OpenClassrooms — Wikipédia">
-            <a:extLst>
-              <a:ext uri="{FF2B5EF4-FFF2-40B4-BE49-F238E27FC236}">
-                <a16:creationId xmlns:a16="http://schemas.microsoft.com/office/drawing/2014/main" id="{18FA7543-C255-47CA-9E0D-0DB0A858BA5A}"/>
-              </a:ext>
-            </a:extLst>
-          </p:cNvPr>
-          <p:cNvPicPr>
-            <a:picLocks noChangeAspect="1" noChangeArrowheads="1"/>
-          </p:cNvPicPr>
-          <p:nvPr/>
-        </p:nvPicPr>
-        <p:blipFill>
-          <a:blip r:embed="rId2">
-            <a:extLst>
-              <a:ext uri="{28A0092B-C50C-407E-A947-70E740481C1C}">
-                <a14:useLocalDpi xmlns:a14="http://schemas.microsoft.com/office/drawing/2010/main" val="0"/>
-              </a:ext>
-            </a:extLst>
-          </a:blip>
-          <a:srcRect/>
-          <a:stretch>
-            <a:fillRect/>
-          </a:stretch>
-        </p:blipFill>
-        <p:spPr bwMode="auto">
-          <a:xfrm>
-            <a:off x="7492481" y="5029141"/>
-            <a:ext cx="876456" cy="876456"/>
-          </a:xfrm>
-          <a:prstGeom prst="rect">
-            <a:avLst/>
-          </a:prstGeom>
-          <a:ln>
-            <a:noFill/>
-          </a:ln>
-          <a:effectLst>
-            <a:outerShdw blurRad="292100" dist="139700" dir="2700000" algn="tl" rotWithShape="0">
-              <a:srgbClr val="333333">
-                <a:alpha val="65000"/>
-              </a:srgbClr>
-            </a:outerShdw>
-          </a:effectLst>
-          <a:extLst>
-            <a:ext uri="{909E8E84-426E-40DD-AFC4-6F175D3DCCD1}">
-              <a14:hiddenFill xmlns:a14="http://schemas.microsoft.com/office/drawing/2010/main">
-                <a:solidFill>
-                  <a:srgbClr val="FFFFFF"/>
-                </a:solidFill>
-              </a14:hiddenFill>
-            </a:ext>
-          </a:extLst>
-        </p:spPr>
-      </p:pic>
-      <p:pic>
-        <p:nvPicPr>
-          <p:cNvPr id="9" name="Picture 2" descr="Des parcours diplômants et des cours gratuits 100% en ligne - OpenClassrooms">
-            <a:extLst>
-              <a:ext uri="{FF2B5EF4-FFF2-40B4-BE49-F238E27FC236}">
-                <a16:creationId xmlns:a16="http://schemas.microsoft.com/office/drawing/2014/main" id="{D8D22BE0-298E-44EE-A4A3-A03C472D083B}"/>
-              </a:ext>
-            </a:extLst>
-          </p:cNvPr>
-          <p:cNvPicPr>
-            <a:picLocks noChangeAspect="1" noChangeArrowheads="1"/>
-          </p:cNvPicPr>
-          <p:nvPr/>
-        </p:nvPicPr>
-        <p:blipFill>
-          <a:blip r:embed="rId3">
-            <a:extLst>
-              <a:ext uri="{28A0092B-C50C-407E-A947-70E740481C1C}">
-                <a14:useLocalDpi xmlns:a14="http://schemas.microsoft.com/office/drawing/2010/main" val="0"/>
-              </a:ext>
-            </a:extLst>
-          </a:blip>
-          <a:srcRect/>
-          <a:stretch>
-            <a:fillRect/>
-          </a:stretch>
-        </p:blipFill>
-        <p:spPr bwMode="auto">
-          <a:xfrm>
-            <a:off x="7492481" y="6062502"/>
-            <a:ext cx="3899769" cy="467038"/>
-          </a:xfrm>
-          <a:prstGeom prst="rect">
-            <a:avLst/>
-          </a:prstGeom>
-          <a:ln>
-            <a:noFill/>
-          </a:ln>
-          <a:effectLst>
-            <a:outerShdw blurRad="292100" dist="139700" dir="2700000" algn="tl" rotWithShape="0">
-              <a:srgbClr val="333333">
-                <a:alpha val="65000"/>
-              </a:srgbClr>
-            </a:outerShdw>
-          </a:effectLst>
-          <a:extLst>
-            <a:ext uri="{909E8E84-426E-40DD-AFC4-6F175D3DCCD1}">
-              <a14:hiddenFill xmlns:a14="http://schemas.microsoft.com/office/drawing/2010/main">
-                <a:solidFill>
-                  <a:srgbClr val="FFFFFF"/>
-                </a:solidFill>
-              </a14:hiddenFill>
-            </a:ext>
-          </a:extLst>
-        </p:spPr>
-      </p:pic>
-    </p:spTree>
-    <p:extLst>
-      <p:ext uri="{BB962C8B-B14F-4D97-AF65-F5344CB8AC3E}">
-        <p14:creationId xmlns:p14="http://schemas.microsoft.com/office/powerpoint/2010/main" val="910031312"/>
-      </p:ext>
-    </p:extLst>
-  </p:cSld>
-  <p:clrMapOvr>
-    <a:masterClrMapping/>
-  </p:clrMapOvr>
-</p:sld>
-</file>
-
-<file path=ppt/slides/slide32.xml><?xml version="1.0" encoding="utf-8"?>
 <p:sld xmlns:a="http://schemas.openxmlformats.org/drawingml/2006/main" xmlns:r="http://schemas.openxmlformats.org/officeDocument/2006/relationships" xmlns:p="http://schemas.openxmlformats.org/presentationml/2006/main">
   <p:cSld>
     <p:bg>

--- a/supports/P7_presentation_final.pptx
+++ b/supports/P7_presentation_final.pptx
@@ -762,7 +762,7 @@
             </a:pPr>
             <a:r>
               <a:rPr lang="fr-FR" dirty="0"/>
-              <a:t>Une petite analyse avant de démarrer les traitements</a:t>
+              <a:t>Qu’on a choisi pour travailler la mission</a:t>
             </a:r>
           </a:p>
           <a:p>
@@ -785,21 +785,8 @@
             </a:pPr>
             <a:r>
               <a:rPr lang="fr-FR" dirty="0"/>
-              <a:t>Pour obtenir les </a:t>
-            </a:r>
-            <a:r>
-              <a:rPr lang="fr-FR" dirty="0" err="1"/>
-              <a:t>BoW</a:t>
-            </a:r>
-            <a:r>
-              <a:rPr lang="fr-FR" dirty="0"/>
-              <a:t> et aussi </a:t>
-            </a:r>
-            <a:r>
-              <a:rPr lang="fr-FR" dirty="0" err="1"/>
-              <a:t>BoVW</a:t>
-            </a:r>
-            <a:endParaRPr lang="fr-FR" dirty="0"/>
+              <a:t>Le processus effectué pour optimiser du modèle.</a:t>
+            </a:r>
           </a:p>
           <a:p>
             <a:pPr marL="228600" marR="0" lvl="0" indent="-228600" algn="l" defTabSz="914400" rtl="0" eaLnBrk="1" fontAlgn="auto" latinLnBrk="0" hangingPunct="1">
@@ -821,30 +808,7 @@
             </a:pPr>
             <a:r>
               <a:rPr lang="fr-FR" dirty="0"/>
-              <a:t>Le modélisation effectuées selon tout ce que j’ai défini pour travailler la mission</a:t>
-            </a:r>
-          </a:p>
-          <a:p>
-            <a:pPr marL="228600" marR="0" lvl="0" indent="-228600" algn="l" defTabSz="914400" rtl="0" eaLnBrk="1" fontAlgn="auto" latinLnBrk="0" hangingPunct="1">
-              <a:lnSpc>
-                <a:spcPct val="100000"/>
-              </a:lnSpc>
-              <a:spcBef>
-                <a:spcPts val="0"/>
-              </a:spcBef>
-              <a:spcAft>
-                <a:spcPts val="0"/>
-              </a:spcAft>
-              <a:buClrTx/>
-              <a:buSzTx/>
-              <a:buFontTx/>
-              <a:buAutoNum type="arabicPeriod"/>
-              <a:tabLst/>
-              <a:defRPr/>
-            </a:pPr>
-            <a:r>
-              <a:rPr lang="fr-FR" dirty="0"/>
-              <a:t>Une petite exploration pour connaître le potentiel de cette approche</a:t>
+              <a:t>Le tableau de bord réalisé sur la basé des spécifications demandé </a:t>
             </a:r>
           </a:p>
           <a:p>
@@ -944,6 +908,344 @@
           <a:bodyPr/>
           <a:lstStyle/>
           <a:p>
+            <a:pPr marL="171450" marR="0" lvl="0" indent="-171450" algn="l" defTabSz="914400" rtl="0" eaLnBrk="1" fontAlgn="auto" latinLnBrk="0" hangingPunct="1">
+              <a:lnSpc>
+                <a:spcPct val="100000"/>
+              </a:lnSpc>
+              <a:spcBef>
+                <a:spcPts val="0"/>
+              </a:spcBef>
+              <a:spcAft>
+                <a:spcPts val="0"/>
+              </a:spcAft>
+              <a:buClrTx/>
+              <a:buSzTx/>
+              <a:buFontTx/>
+              <a:buChar char="-"/>
+              <a:tabLst/>
+              <a:defRPr/>
+            </a:pPr>
+            <a:r>
+              <a:rPr lang="es-ES" sz="1200" kern="1200" dirty="0" err="1">
+                <a:solidFill>
+                  <a:schemeClr val="tx1"/>
+                </a:solidFill>
+                <a:latin typeface="+mn-lt"/>
+                <a:ea typeface="+mn-ea"/>
+                <a:cs typeface="+mn-cs"/>
+              </a:rPr>
+              <a:t>Données</a:t>
+            </a:r>
+            <a:r>
+              <a:rPr lang="es-ES" sz="1200" kern="1200" dirty="0">
+                <a:solidFill>
+                  <a:schemeClr val="tx1"/>
+                </a:solidFill>
+                <a:latin typeface="+mn-lt"/>
+                <a:ea typeface="+mn-ea"/>
+                <a:cs typeface="+mn-cs"/>
+              </a:rPr>
+              <a:t> </a:t>
+            </a:r>
+            <a:r>
+              <a:rPr lang="es-ES" sz="1200" kern="1200" dirty="0" err="1">
+                <a:solidFill>
+                  <a:schemeClr val="tx1"/>
+                </a:solidFill>
+                <a:latin typeface="+mn-lt"/>
+                <a:ea typeface="+mn-ea"/>
+                <a:cs typeface="+mn-cs"/>
+              </a:rPr>
+              <a:t>déséquilibrées</a:t>
+            </a:r>
+            <a:r>
+              <a:rPr lang="es-ES" sz="1200" kern="1200" dirty="0">
+                <a:solidFill>
+                  <a:schemeClr val="tx1"/>
+                </a:solidFill>
+                <a:latin typeface="+mn-lt"/>
+                <a:ea typeface="+mn-ea"/>
+                <a:cs typeface="+mn-cs"/>
+              </a:rPr>
+              <a:t> </a:t>
+            </a:r>
+            <a:r>
+              <a:rPr lang="es-ES" sz="1200" kern="1200" dirty="0" err="1">
+                <a:solidFill>
+                  <a:schemeClr val="tx1"/>
+                </a:solidFill>
+                <a:latin typeface="+mn-lt"/>
+                <a:ea typeface="+mn-ea"/>
+                <a:cs typeface="+mn-cs"/>
+              </a:rPr>
+              <a:t>pour</a:t>
+            </a:r>
+            <a:r>
+              <a:rPr lang="es-ES" sz="1200" kern="1200" dirty="0">
+                <a:solidFill>
+                  <a:schemeClr val="tx1"/>
+                </a:solidFill>
+                <a:latin typeface="+mn-lt"/>
+                <a:ea typeface="+mn-ea"/>
+                <a:cs typeface="+mn-cs"/>
+              </a:rPr>
+              <a:t> </a:t>
+            </a:r>
+            <a:r>
+              <a:rPr lang="es-ES" sz="1200" kern="1200" dirty="0" err="1">
+                <a:solidFill>
+                  <a:schemeClr val="tx1"/>
+                </a:solidFill>
+                <a:latin typeface="+mn-lt"/>
+                <a:ea typeface="+mn-ea"/>
+                <a:cs typeface="+mn-cs"/>
+              </a:rPr>
+              <a:t>traiter</a:t>
+            </a:r>
+            <a:r>
+              <a:rPr lang="es-ES" sz="1200" kern="1200" dirty="0">
+                <a:solidFill>
+                  <a:schemeClr val="tx1"/>
+                </a:solidFill>
+                <a:latin typeface="+mn-lt"/>
+                <a:ea typeface="+mn-ea"/>
+                <a:cs typeface="+mn-cs"/>
+              </a:rPr>
+              <a:t> la </a:t>
+            </a:r>
+            <a:r>
+              <a:rPr lang="es-ES" sz="1200" kern="1200" dirty="0" err="1">
+                <a:solidFill>
+                  <a:schemeClr val="tx1"/>
+                </a:solidFill>
+                <a:latin typeface="+mn-lt"/>
+                <a:ea typeface="+mn-ea"/>
+                <a:cs typeface="+mn-cs"/>
+              </a:rPr>
+              <a:t>classe</a:t>
+            </a:r>
+            <a:r>
+              <a:rPr lang="es-ES" sz="1200" kern="1200" dirty="0">
+                <a:solidFill>
+                  <a:schemeClr val="tx1"/>
+                </a:solidFill>
+                <a:latin typeface="+mn-lt"/>
+                <a:ea typeface="+mn-ea"/>
+                <a:cs typeface="+mn-cs"/>
+              </a:rPr>
+              <a:t> qui </a:t>
+            </a:r>
+            <a:r>
+              <a:rPr lang="es-ES" sz="1200" kern="1200" dirty="0" err="1">
+                <a:solidFill>
+                  <a:schemeClr val="tx1"/>
+                </a:solidFill>
+                <a:latin typeface="+mn-lt"/>
+                <a:ea typeface="+mn-ea"/>
+                <a:cs typeface="+mn-cs"/>
+              </a:rPr>
+              <a:t>était</a:t>
+            </a:r>
+            <a:r>
+              <a:rPr lang="es-ES" sz="1200" kern="1200" dirty="0">
+                <a:solidFill>
+                  <a:schemeClr val="tx1"/>
+                </a:solidFill>
+                <a:latin typeface="+mn-lt"/>
+                <a:ea typeface="+mn-ea"/>
+                <a:cs typeface="+mn-cs"/>
+              </a:rPr>
+              <a:t> </a:t>
+            </a:r>
+            <a:r>
+              <a:rPr lang="es-ES" dirty="0" err="1"/>
+              <a:t>déséquilibrée</a:t>
+            </a:r>
+            <a:endParaRPr lang="es-ES" dirty="0"/>
+          </a:p>
+          <a:p>
+            <a:pPr marL="171450" marR="0" lvl="0" indent="-171450" algn="l" defTabSz="914400" rtl="0" eaLnBrk="1" fontAlgn="auto" latinLnBrk="0" hangingPunct="1">
+              <a:lnSpc>
+                <a:spcPct val="100000"/>
+              </a:lnSpc>
+              <a:spcBef>
+                <a:spcPts val="0"/>
+              </a:spcBef>
+              <a:spcAft>
+                <a:spcPts val="0"/>
+              </a:spcAft>
+              <a:buClrTx/>
+              <a:buSzTx/>
+              <a:buFontTx/>
+              <a:buChar char="-"/>
+              <a:tabLst/>
+              <a:defRPr/>
+            </a:pPr>
+            <a:endParaRPr lang="es-ES" dirty="0"/>
+          </a:p>
+          <a:p>
+            <a:pPr marL="171450" marR="0" lvl="0" indent="-171450" algn="l" defTabSz="914400" rtl="0" eaLnBrk="1" fontAlgn="auto" latinLnBrk="0" hangingPunct="1">
+              <a:lnSpc>
+                <a:spcPct val="100000"/>
+              </a:lnSpc>
+              <a:spcBef>
+                <a:spcPts val="0"/>
+              </a:spcBef>
+              <a:spcAft>
+                <a:spcPts val="0"/>
+              </a:spcAft>
+              <a:buClrTx/>
+              <a:buSzTx/>
+              <a:buFontTx/>
+              <a:buChar char="-"/>
+              <a:tabLst/>
+              <a:defRPr/>
+            </a:pPr>
+            <a:r>
+              <a:rPr lang="es-ES" dirty="0" err="1"/>
+              <a:t>Hyperopt</a:t>
+            </a:r>
+            <a:r>
+              <a:rPr lang="es-ES" dirty="0"/>
+              <a:t> </a:t>
+            </a:r>
+            <a:r>
+              <a:rPr lang="es-ES" dirty="0" err="1"/>
+              <a:t>pour</a:t>
+            </a:r>
+            <a:r>
+              <a:rPr lang="es-ES" dirty="0"/>
+              <a:t> faire une </a:t>
+            </a:r>
+            <a:r>
+              <a:rPr lang="es-ES" dirty="0" err="1"/>
+              <a:t>hyperparamétrisation</a:t>
+            </a:r>
+            <a:r>
+              <a:rPr lang="es-ES" dirty="0"/>
+              <a:t> sur le </a:t>
+            </a:r>
+            <a:r>
+              <a:rPr lang="es-ES" dirty="0" err="1"/>
+              <a:t>modèle</a:t>
+            </a:r>
+            <a:endParaRPr lang="es-ES" dirty="0"/>
+          </a:p>
+          <a:p>
+            <a:pPr marL="171450" marR="0" lvl="0" indent="-171450" algn="l" defTabSz="914400" rtl="0" eaLnBrk="1" fontAlgn="auto" latinLnBrk="0" hangingPunct="1">
+              <a:lnSpc>
+                <a:spcPct val="100000"/>
+              </a:lnSpc>
+              <a:spcBef>
+                <a:spcPts val="0"/>
+              </a:spcBef>
+              <a:spcAft>
+                <a:spcPts val="0"/>
+              </a:spcAft>
+              <a:buClrTx/>
+              <a:buSzTx/>
+              <a:buFontTx/>
+              <a:buChar char="-"/>
+              <a:tabLst/>
+              <a:defRPr/>
+            </a:pPr>
+            <a:endParaRPr lang="es-ES" dirty="0"/>
+          </a:p>
+          <a:p>
+            <a:pPr marL="171450" marR="0" lvl="0" indent="-171450" algn="l" defTabSz="914400" rtl="0" eaLnBrk="1" fontAlgn="auto" latinLnBrk="0" hangingPunct="1">
+              <a:lnSpc>
+                <a:spcPct val="100000"/>
+              </a:lnSpc>
+              <a:spcBef>
+                <a:spcPts val="0"/>
+              </a:spcBef>
+              <a:spcAft>
+                <a:spcPts val="0"/>
+              </a:spcAft>
+              <a:buClrTx/>
+              <a:buSzTx/>
+              <a:buFontTx/>
+              <a:buChar char="-"/>
+              <a:tabLst/>
+              <a:defRPr/>
+            </a:pPr>
+            <a:r>
+              <a:rPr lang="es-ES" b="1" dirty="0" err="1"/>
+              <a:t>Il</a:t>
+            </a:r>
+            <a:r>
+              <a:rPr lang="es-ES" b="1" dirty="0"/>
+              <a:t> </a:t>
+            </a:r>
+            <a:r>
+              <a:rPr lang="es-ES" b="1" dirty="0" err="1"/>
+              <a:t>faut</a:t>
+            </a:r>
+            <a:r>
+              <a:rPr lang="es-ES" b="1" dirty="0"/>
+              <a:t> </a:t>
+            </a:r>
+            <a:r>
+              <a:rPr lang="es-ES" b="1" dirty="0" err="1"/>
+              <a:t>dire</a:t>
+            </a:r>
+            <a:r>
+              <a:rPr lang="es-ES" b="1" dirty="0"/>
+              <a:t> </a:t>
+            </a:r>
+            <a:r>
+              <a:rPr lang="es-ES" b="1" dirty="0" err="1"/>
+              <a:t>qu’on</a:t>
+            </a:r>
+            <a:r>
+              <a:rPr lang="es-ES" b="1" dirty="0"/>
+              <a:t> a </a:t>
+            </a:r>
+            <a:r>
+              <a:rPr lang="es-ES" b="1" dirty="0" err="1"/>
+              <a:t>pris</a:t>
+            </a:r>
+            <a:r>
+              <a:rPr lang="es-ES" b="1" dirty="0"/>
+              <a:t> en </a:t>
+            </a:r>
+            <a:r>
+              <a:rPr lang="es-ES" b="1" dirty="0" err="1"/>
+              <a:t>compte</a:t>
+            </a:r>
+            <a:r>
+              <a:rPr lang="es-ES" b="1" dirty="0"/>
+              <a:t> </a:t>
+            </a:r>
+            <a:r>
+              <a:rPr lang="fr-FR" sz="1200" b="1" dirty="0">
+                <a:effectLst/>
+                <a:latin typeface="Calibri" panose="020F0502020204030204" pitchFamily="34" charset="0"/>
+                <a:ea typeface="Calibri" panose="020F0502020204030204" pitchFamily="34" charset="0"/>
+                <a:cs typeface="Arial" panose="020B0604020202020204" pitchFamily="34" charset="0"/>
+              </a:rPr>
+              <a:t>le </a:t>
+            </a:r>
+            <a:r>
+              <a:rPr lang="fr-FR" sz="1200" b="1" dirty="0" err="1">
+                <a:effectLst/>
+                <a:latin typeface="Calibri" panose="020F0502020204030204" pitchFamily="34" charset="0"/>
+                <a:ea typeface="Calibri" panose="020F0502020204030204" pitchFamily="34" charset="0"/>
+                <a:cs typeface="Arial" panose="020B0604020202020204" pitchFamily="34" charset="0"/>
+              </a:rPr>
+              <a:t>Feature</a:t>
+            </a:r>
+            <a:r>
+              <a:rPr lang="fr-FR" sz="1200" b="1" dirty="0">
+                <a:effectLst/>
+                <a:latin typeface="Calibri" panose="020F0502020204030204" pitchFamily="34" charset="0"/>
+                <a:ea typeface="Calibri" panose="020F0502020204030204" pitchFamily="34" charset="0"/>
+                <a:cs typeface="Arial" panose="020B0604020202020204" pitchFamily="34" charset="0"/>
+              </a:rPr>
+              <a:t> Engineering déjà fait dans le kernel choisi. </a:t>
+            </a:r>
+          </a:p>
+          <a:p>
             <a:pPr marL="171450" indent="-171450">
               <a:buFontTx/>
               <a:buChar char="-"/>
@@ -1036,7 +1338,40 @@
               <a:buFontTx/>
               <a:buChar char="-"/>
             </a:pPr>
-            <a:endParaRPr lang="fr-FR" dirty="0"/>
+            <a:r>
+              <a:rPr lang="fr-FR" noProof="0" dirty="0"/>
+              <a:t>Optimisation de la mémoire en faisant une réduction de types de colonnes:</a:t>
+            </a:r>
+          </a:p>
+          <a:p>
+            <a:pPr marL="628650" lvl="1" indent="-171450">
+              <a:buFontTx/>
+              <a:buChar char="-"/>
+            </a:pPr>
+            <a:r>
+              <a:rPr lang="fr-FR" noProof="0" dirty="0"/>
+              <a:t>Int 64 à int8</a:t>
+            </a:r>
+          </a:p>
+          <a:p>
+            <a:pPr marL="628650" lvl="1" indent="-171450">
+              <a:buFontTx/>
+              <a:buChar char="-"/>
+            </a:pPr>
+            <a:r>
+              <a:rPr lang="fr-FR" noProof="0" dirty="0"/>
+              <a:t>float64 à float32</a:t>
+            </a:r>
+          </a:p>
+          <a:p>
+            <a:pPr marL="171450" lvl="0" indent="-171450">
+              <a:buFontTx/>
+              <a:buChar char="-"/>
+            </a:pPr>
+            <a:r>
+              <a:rPr lang="fr-FR" noProof="0" dirty="0"/>
+              <a:t>Pour faire ca, on a pris en compte quelques conditions </a:t>
+            </a:r>
           </a:p>
         </p:txBody>
       </p:sp>
@@ -1120,6 +1455,227 @@
           <a:bodyPr/>
           <a:lstStyle/>
           <a:p>
+            <a:pPr marL="0" marR="0" lvl="0" indent="0" algn="l" defTabSz="914400" rtl="0" eaLnBrk="1" fontAlgn="auto" latinLnBrk="0" hangingPunct="1">
+              <a:lnSpc>
+                <a:spcPct val="100000"/>
+              </a:lnSpc>
+              <a:spcBef>
+                <a:spcPts val="0"/>
+              </a:spcBef>
+              <a:spcAft>
+                <a:spcPts val="0"/>
+              </a:spcAft>
+              <a:buClrTx/>
+              <a:buSzTx/>
+              <a:buFontTx/>
+              <a:buNone/>
+              <a:tabLst/>
+              <a:defRPr/>
+            </a:pPr>
+            <a:r>
+              <a:rPr lang="fr-FR" sz="1800" dirty="0">
+                <a:effectLst/>
+                <a:latin typeface="Calibri" panose="020F0502020204030204" pitchFamily="34" charset="0"/>
+                <a:ea typeface="Calibri" panose="020F0502020204030204" pitchFamily="34" charset="0"/>
+                <a:cs typeface="Arial" panose="020B0604020202020204" pitchFamily="34" charset="0"/>
+              </a:rPr>
+              <a:t>L’analyse exploratoire a montré que la mission s’agit d’un problème de classification déséquilibré.</a:t>
+            </a:r>
+          </a:p>
+          <a:p>
+            <a:pPr marL="0" marR="0" lvl="0" indent="0" algn="l" defTabSz="914400" rtl="0" eaLnBrk="1" fontAlgn="auto" latinLnBrk="0" hangingPunct="1">
+              <a:lnSpc>
+                <a:spcPct val="100000"/>
+              </a:lnSpc>
+              <a:spcBef>
+                <a:spcPts val="0"/>
+              </a:spcBef>
+              <a:spcAft>
+                <a:spcPts val="0"/>
+              </a:spcAft>
+              <a:buClrTx/>
+              <a:buSzTx/>
+              <a:buFontTx/>
+              <a:buNone/>
+              <a:tabLst/>
+              <a:defRPr/>
+            </a:pPr>
+            <a:endParaRPr lang="fr-FR" sz="1800" dirty="0">
+              <a:effectLst/>
+              <a:latin typeface="Calibri" panose="020F0502020204030204" pitchFamily="34" charset="0"/>
+              <a:ea typeface="Calibri" panose="020F0502020204030204" pitchFamily="34" charset="0"/>
+              <a:cs typeface="Arial" panose="020B0604020202020204" pitchFamily="34" charset="0"/>
+            </a:endParaRPr>
+          </a:p>
+          <a:p>
+            <a:pPr marL="0" marR="0" lvl="0" indent="0" algn="l" defTabSz="914400" rtl="0" eaLnBrk="1" fontAlgn="auto" latinLnBrk="0" hangingPunct="1">
+              <a:lnSpc>
+                <a:spcPct val="100000"/>
+              </a:lnSpc>
+              <a:spcBef>
+                <a:spcPts val="0"/>
+              </a:spcBef>
+              <a:spcAft>
+                <a:spcPts val="0"/>
+              </a:spcAft>
+              <a:buClrTx/>
+              <a:buSzTx/>
+              <a:buFontTx/>
+              <a:buNone/>
+              <a:tabLst/>
+              <a:defRPr/>
+            </a:pPr>
+            <a:r>
+              <a:rPr lang="fr-FR" sz="1800" dirty="0">
+                <a:effectLst/>
+                <a:latin typeface="Calibri" panose="020F0502020204030204" pitchFamily="34" charset="0"/>
+                <a:ea typeface="Calibri" panose="020F0502020204030204" pitchFamily="34" charset="0"/>
+                <a:cs typeface="Arial" panose="020B0604020202020204" pitchFamily="34" charset="0"/>
+              </a:rPr>
+              <a:t>Une modification de l’ensemble de données est possible avant d’entraîner le modèle prédictif afin d’équilibrer les données (égaliser les clases).</a:t>
+            </a:r>
+          </a:p>
+          <a:p>
+            <a:pPr marL="0" marR="0" lvl="0" indent="0" algn="l" defTabSz="914400" rtl="0" eaLnBrk="1" fontAlgn="auto" latinLnBrk="0" hangingPunct="1">
+              <a:lnSpc>
+                <a:spcPct val="100000"/>
+              </a:lnSpc>
+              <a:spcBef>
+                <a:spcPts val="0"/>
+              </a:spcBef>
+              <a:spcAft>
+                <a:spcPts val="0"/>
+              </a:spcAft>
+              <a:buClrTx/>
+              <a:buSzTx/>
+              <a:buFontTx/>
+              <a:buNone/>
+              <a:tabLst/>
+              <a:defRPr/>
+            </a:pPr>
+            <a:endParaRPr lang="fr-FR" sz="1800" dirty="0">
+              <a:effectLst/>
+              <a:latin typeface="Calibri" panose="020F0502020204030204" pitchFamily="34" charset="0"/>
+              <a:ea typeface="Calibri" panose="020F0502020204030204" pitchFamily="34" charset="0"/>
+              <a:cs typeface="Arial" panose="020B0604020202020204" pitchFamily="34" charset="0"/>
+            </a:endParaRPr>
+          </a:p>
+          <a:p>
+            <a:r>
+              <a:rPr lang="fr-FR" sz="1800" dirty="0">
+                <a:effectLst/>
+                <a:latin typeface="Calibri" panose="020F0502020204030204" pitchFamily="34" charset="0"/>
+                <a:ea typeface="Calibri" panose="020F0502020204030204" pitchFamily="34" charset="0"/>
+                <a:cs typeface="Arial" panose="020B0604020202020204" pitchFamily="34" charset="0"/>
+              </a:rPr>
+              <a:t>SMOTE (</a:t>
+            </a:r>
+            <a:r>
+              <a:rPr lang="fr-FR" sz="1800" dirty="0" err="1">
+                <a:effectLst/>
+                <a:latin typeface="Calibri" panose="020F0502020204030204" pitchFamily="34" charset="0"/>
+                <a:ea typeface="Calibri" panose="020F0502020204030204" pitchFamily="34" charset="0"/>
+                <a:cs typeface="Arial" panose="020B0604020202020204" pitchFamily="34" charset="0"/>
+              </a:rPr>
+              <a:t>Synthetic</a:t>
+            </a:r>
+            <a:r>
+              <a:rPr lang="fr-FR" sz="1800" dirty="0">
+                <a:effectLst/>
+                <a:latin typeface="Calibri" panose="020F0502020204030204" pitchFamily="34" charset="0"/>
+                <a:ea typeface="Calibri" panose="020F0502020204030204" pitchFamily="34" charset="0"/>
+                <a:cs typeface="Arial" panose="020B0604020202020204" pitchFamily="34" charset="0"/>
+              </a:rPr>
+              <a:t> </a:t>
+            </a:r>
+            <a:r>
+              <a:rPr lang="fr-FR" sz="1800" dirty="0" err="1">
+                <a:effectLst/>
+                <a:latin typeface="Calibri" panose="020F0502020204030204" pitchFamily="34" charset="0"/>
+                <a:ea typeface="Calibri" panose="020F0502020204030204" pitchFamily="34" charset="0"/>
+                <a:cs typeface="Arial" panose="020B0604020202020204" pitchFamily="34" charset="0"/>
+              </a:rPr>
+              <a:t>Minority</a:t>
+            </a:r>
+            <a:r>
+              <a:rPr lang="fr-FR" sz="1800" dirty="0">
+                <a:effectLst/>
+                <a:latin typeface="Calibri" panose="020F0502020204030204" pitchFamily="34" charset="0"/>
+                <a:ea typeface="Calibri" panose="020F0502020204030204" pitchFamily="34" charset="0"/>
+                <a:cs typeface="Arial" panose="020B0604020202020204" pitchFamily="34" charset="0"/>
+              </a:rPr>
+              <a:t> </a:t>
+            </a:r>
+            <a:r>
+              <a:rPr lang="fr-FR" sz="1800" dirty="0" err="1">
+                <a:effectLst/>
+                <a:latin typeface="Calibri" panose="020F0502020204030204" pitchFamily="34" charset="0"/>
+                <a:ea typeface="Calibri" panose="020F0502020204030204" pitchFamily="34" charset="0"/>
+                <a:cs typeface="Arial" panose="020B0604020202020204" pitchFamily="34" charset="0"/>
+              </a:rPr>
+              <a:t>Oversampling</a:t>
+            </a:r>
+            <a:r>
+              <a:rPr lang="fr-FR" sz="1800" dirty="0">
+                <a:effectLst/>
+                <a:latin typeface="Calibri" panose="020F0502020204030204" pitchFamily="34" charset="0"/>
+                <a:ea typeface="Calibri" panose="020F0502020204030204" pitchFamily="34" charset="0"/>
+                <a:cs typeface="Arial" panose="020B0604020202020204" pitchFamily="34" charset="0"/>
+              </a:rPr>
+              <a:t> Technique) : Consiste à synthétiser des éléments pour la classe minoritaire, à partir de ceux qui existent déjà en choisissant aléatoirement un point de la classe minoritaire et à calculer les k plus proches voisins de ce point.</a:t>
+            </a:r>
+          </a:p>
+          <a:p>
+            <a:pPr marL="0" marR="0" lvl="0" indent="0" algn="l" defTabSz="914400" rtl="0" eaLnBrk="1" fontAlgn="auto" latinLnBrk="0" hangingPunct="1">
+              <a:lnSpc>
+                <a:spcPct val="100000"/>
+              </a:lnSpc>
+              <a:spcBef>
+                <a:spcPts val="0"/>
+              </a:spcBef>
+              <a:spcAft>
+                <a:spcPts val="0"/>
+              </a:spcAft>
+              <a:buClrTx/>
+              <a:buSzTx/>
+              <a:buFontTx/>
+              <a:buNone/>
+              <a:tabLst/>
+              <a:defRPr/>
+            </a:pPr>
+            <a:endParaRPr lang="fr-FR" sz="1800" dirty="0">
+              <a:effectLst/>
+              <a:latin typeface="Calibri" panose="020F0502020204030204" pitchFamily="34" charset="0"/>
+              <a:ea typeface="Calibri" panose="020F0502020204030204" pitchFamily="34" charset="0"/>
+              <a:cs typeface="Arial" panose="020B0604020202020204" pitchFamily="34" charset="0"/>
+            </a:endParaRPr>
+          </a:p>
+          <a:p>
+            <a:pPr marL="0" marR="0" lvl="0" indent="0" algn="l" defTabSz="914400" rtl="0" eaLnBrk="1" fontAlgn="auto" latinLnBrk="0" hangingPunct="1">
+              <a:lnSpc>
+                <a:spcPct val="100000"/>
+              </a:lnSpc>
+              <a:spcBef>
+                <a:spcPts val="0"/>
+              </a:spcBef>
+              <a:spcAft>
+                <a:spcPts val="0"/>
+              </a:spcAft>
+              <a:buClrTx/>
+              <a:buSzTx/>
+              <a:buFontTx/>
+              <a:buNone/>
+              <a:tabLst/>
+              <a:defRPr/>
+            </a:pPr>
+            <a:endParaRPr lang="fr-FR" sz="1800" dirty="0">
+              <a:effectLst/>
+              <a:latin typeface="Calibri" panose="020F0502020204030204" pitchFamily="34" charset="0"/>
+              <a:ea typeface="Calibri" panose="020F0502020204030204" pitchFamily="34" charset="0"/>
+              <a:cs typeface="Arial" panose="020B0604020202020204" pitchFamily="34" charset="0"/>
+            </a:endParaRPr>
+          </a:p>
+          <a:p>
             <a:pPr marL="171450" indent="-171450">
               <a:buFontTx/>
               <a:buChar char="-"/>
@@ -1208,6 +1764,47 @@
           <a:bodyPr/>
           <a:lstStyle/>
           <a:p>
+            <a:pPr marL="0" marR="0" indent="0" algn="l" rtl="0" eaLnBrk="1" fontAlgn="auto" latinLnBrk="0" hangingPunct="1">
+              <a:spcBef>
+                <a:spcPts val="0"/>
+              </a:spcBef>
+              <a:spcAft>
+                <a:spcPts val="0"/>
+              </a:spcAft>
+              <a:buFont typeface="Arial" panose="020B0604020202020204" pitchFamily="34" charset="0"/>
+              <a:buNone/>
+            </a:pPr>
+            <a:r>
+              <a:rPr lang="fr-FR" sz="1800" b="0" i="0" u="none" strike="noStrike" kern="1200" dirty="0">
+                <a:solidFill>
+                  <a:srgbClr val="000000"/>
+                </a:solidFill>
+                <a:effectLst/>
+                <a:latin typeface="Calibri" panose="020F0502020204030204" pitchFamily="34" charset="0"/>
+              </a:rPr>
+              <a:t>Pour ce projet, une fonction coût a été développée dans l’objectif de pénaliser des Faux Négatifs. </a:t>
+            </a:r>
+          </a:p>
+          <a:p>
+            <a:pPr marL="0" marR="0" indent="0" algn="l" rtl="0" eaLnBrk="1" fontAlgn="auto" latinLnBrk="0" hangingPunct="1">
+              <a:spcBef>
+                <a:spcPts val="0"/>
+              </a:spcBef>
+              <a:spcAft>
+                <a:spcPts val="0"/>
+              </a:spcAft>
+              <a:buFont typeface="Arial" panose="020B0604020202020204" pitchFamily="34" charset="0"/>
+              <a:buNone/>
+            </a:pPr>
+            <a:endParaRPr lang="es-ES" sz="1800" b="0" i="0" u="none" strike="noStrike" kern="1200" dirty="0">
+              <a:solidFill>
+                <a:srgbClr val="000000"/>
+              </a:solidFill>
+              <a:effectLst/>
+              <a:latin typeface="Calibri" panose="020F0502020204030204" pitchFamily="34" charset="0"/>
+            </a:endParaRPr>
+          </a:p>
+          <a:p>
             <a:pPr marL="285750" marR="0" indent="-285750" algn="l" rtl="0" eaLnBrk="1" fontAlgn="auto" latinLnBrk="0" hangingPunct="1">
               <a:spcBef>
                 <a:spcPts val="0"/>
@@ -1476,16 +2073,183 @@
               </a:rPr>
               <a:t>incorrecte</a:t>
             </a:r>
+          </a:p>
+          <a:p>
+            <a:pPr marL="285750" marR="0" indent="-285750" algn="l" rtl="0" eaLnBrk="1" fontAlgn="auto" latinLnBrk="0" hangingPunct="1">
+              <a:spcBef>
+                <a:spcPts val="0"/>
+              </a:spcBef>
+              <a:spcAft>
+                <a:spcPts val="0"/>
+              </a:spcAft>
+              <a:buFont typeface="Arial" panose="020B0604020202020204" pitchFamily="34" charset="0"/>
+              <a:buChar char="•"/>
+            </a:pPr>
+            <a:endParaRPr lang="fr-FR" sz="1800" b="1" i="0" u="sng" strike="noStrike" kern="1200" dirty="0">
+              <a:solidFill>
+                <a:srgbClr val="FF0000"/>
+              </a:solidFill>
+              <a:effectLst/>
+              <a:latin typeface="Calibri" panose="020F0502020204030204" pitchFamily="34" charset="0"/>
+            </a:endParaRPr>
+          </a:p>
+          <a:p>
+            <a:pPr marL="0" marR="0" indent="0" algn="l" rtl="0" eaLnBrk="1" fontAlgn="auto" latinLnBrk="0" hangingPunct="1">
+              <a:spcBef>
+                <a:spcPts val="0"/>
+              </a:spcBef>
+              <a:spcAft>
+                <a:spcPts val="0"/>
+              </a:spcAft>
+              <a:buFont typeface="Arial" panose="020B0604020202020204" pitchFamily="34" charset="0"/>
+              <a:buNone/>
+            </a:pPr>
+            <a:r>
+              <a:rPr lang="fr-FR" sz="1800" dirty="0">
+                <a:effectLst/>
+                <a:latin typeface="Calibri" panose="020F0502020204030204" pitchFamily="34" charset="0"/>
+                <a:ea typeface="Calibri" panose="020F0502020204030204" pitchFamily="34" charset="0"/>
+                <a:cs typeface="Arial" panose="020B0604020202020204" pitchFamily="34" charset="0"/>
+              </a:rPr>
+              <a:t>Ces valeurs de coefficients signifient que les </a:t>
+            </a:r>
+            <a:r>
+              <a:rPr lang="fr-FR" sz="1800" u="sng" dirty="0">
+                <a:effectLst/>
+                <a:latin typeface="Calibri" panose="020F0502020204030204" pitchFamily="34" charset="0"/>
+                <a:ea typeface="Calibri" panose="020F0502020204030204" pitchFamily="34" charset="0"/>
+                <a:cs typeface="Arial" panose="020B0604020202020204" pitchFamily="34" charset="0"/>
+              </a:rPr>
+              <a:t>Faux Négatif (FN)</a:t>
+            </a:r>
+            <a:r>
+              <a:rPr lang="fr-FR" sz="1800" dirty="0">
+                <a:effectLst/>
+                <a:latin typeface="Calibri" panose="020F0502020204030204" pitchFamily="34" charset="0"/>
+                <a:ea typeface="Calibri" panose="020F0502020204030204" pitchFamily="34" charset="0"/>
+                <a:cs typeface="Arial" panose="020B0604020202020204" pitchFamily="34" charset="0"/>
+              </a:rPr>
+              <a:t> engendrent des pertes 10 fois par rapport aux autres. </a:t>
+            </a:r>
+          </a:p>
+          <a:p>
+            <a:pPr marL="0" marR="0" indent="0" algn="l" rtl="0" eaLnBrk="1" fontAlgn="auto" latinLnBrk="0" hangingPunct="1">
+              <a:spcBef>
+                <a:spcPts val="0"/>
+              </a:spcBef>
+              <a:spcAft>
+                <a:spcPts val="0"/>
+              </a:spcAft>
+              <a:buFont typeface="Arial" panose="020B0604020202020204" pitchFamily="34" charset="0"/>
+              <a:buNone/>
+            </a:pPr>
             <a:endParaRPr lang="fr-FR" sz="1800" b="0" i="0" u="none" strike="noStrike" dirty="0">
               <a:effectLst/>
-              <a:latin typeface="Arial" panose="020B0604020202020204" pitchFamily="34" charset="0"/>
+              <a:latin typeface="Calibri" panose="020F0502020204030204" pitchFamily="34" charset="0"/>
+              <a:cs typeface="Arial" panose="020B0604020202020204" pitchFamily="34" charset="0"/>
             </a:endParaRPr>
           </a:p>
           <a:p>
-            <a:pPr marL="171450" indent="-171450">
-              <a:buFontTx/>
-              <a:buChar char="-"/>
+            <a:pPr marL="0" marR="0" indent="0" algn="l" defTabSz="914400" rtl="0" eaLnBrk="1" fontAlgn="auto" latinLnBrk="0" hangingPunct="1">
+              <a:spcBef>
+                <a:spcPts val="0"/>
+              </a:spcBef>
+              <a:spcAft>
+                <a:spcPts val="0"/>
+              </a:spcAft>
+              <a:buFont typeface="Arial" panose="020B0604020202020204" pitchFamily="34" charset="0"/>
+              <a:buNone/>
             </a:pPr>
+            <a:r>
+              <a:rPr lang="fr-FR" sz="1200" i="1" kern="1200" dirty="0">
+                <a:solidFill>
+                  <a:srgbClr val="212121"/>
+                </a:solidFill>
+                <a:effectLst/>
+                <a:latin typeface="+mn-lt"/>
+                <a:ea typeface="+mn-ea"/>
+                <a:cs typeface="+mn-cs"/>
+              </a:rPr>
+              <a:t># Total des cas en défaut et non en défaut</a:t>
+            </a:r>
+          </a:p>
+          <a:p>
+            <a:pPr marL="0" marR="0" indent="0" algn="l" defTabSz="914400" rtl="0" eaLnBrk="1" fontAlgn="auto" latinLnBrk="0" hangingPunct="1">
+              <a:spcBef>
+                <a:spcPts val="0"/>
+              </a:spcBef>
+              <a:spcAft>
+                <a:spcPts val="0"/>
+              </a:spcAft>
+              <a:buFont typeface="Arial" panose="020B0604020202020204" pitchFamily="34" charset="0"/>
+              <a:buNone/>
+            </a:pPr>
+            <a:r>
+              <a:rPr lang="fr-FR" sz="1200" i="1" kern="1200" dirty="0">
+                <a:solidFill>
+                  <a:srgbClr val="212121"/>
+                </a:solidFill>
+                <a:effectLst/>
+                <a:latin typeface="+mn-lt"/>
+                <a:ea typeface="+mn-ea"/>
+                <a:cs typeface="+mn-cs"/>
+              </a:rPr>
+              <a:t># Calcul des gains en fonction </a:t>
+            </a:r>
+            <a:r>
+              <a:rPr lang="fr-FR" sz="1200" i="1" kern="1200">
+                <a:solidFill>
+                  <a:srgbClr val="212121"/>
+                </a:solidFill>
+                <a:effectLst/>
+                <a:latin typeface="+mn-lt"/>
+                <a:ea typeface="+mn-ea"/>
+                <a:cs typeface="+mn-cs"/>
+              </a:rPr>
+              <a:t>du taux </a:t>
+            </a:r>
+            <a:r>
+              <a:rPr lang="fr-FR" sz="1200" i="1" kern="1200" dirty="0">
+                <a:solidFill>
+                  <a:srgbClr val="212121"/>
+                </a:solidFill>
+                <a:effectLst/>
+                <a:latin typeface="+mn-lt"/>
+                <a:ea typeface="+mn-ea"/>
+                <a:cs typeface="+mn-cs"/>
+              </a:rPr>
+              <a:t>/ valeurs</a:t>
+            </a:r>
+          </a:p>
+          <a:p>
+            <a:pPr marL="0" marR="0" indent="0" algn="l" rtl="0" eaLnBrk="1" fontAlgn="auto" latinLnBrk="0" hangingPunct="1">
+              <a:spcBef>
+                <a:spcPts val="0"/>
+              </a:spcBef>
+              <a:spcAft>
+                <a:spcPts val="0"/>
+              </a:spcAft>
+              <a:buFont typeface="Arial" panose="020B0604020202020204" pitchFamily="34" charset="0"/>
+              <a:buNone/>
+            </a:pPr>
+            <a:r>
+              <a:rPr lang="en-CA" i="1" dirty="0">
+                <a:solidFill>
+                  <a:srgbClr val="212121"/>
+                </a:solidFill>
+                <a:effectLst/>
+              </a:rPr>
+              <a:t>#</a:t>
+            </a:r>
+            <a:r>
+              <a:rPr lang="fr-FR" i="1" dirty="0">
+                <a:solidFill>
+                  <a:srgbClr val="212121"/>
+                </a:solidFill>
+                <a:effectLst/>
+              </a:rPr>
+              <a:t> Normaliser pour obtenir le score entre 0 (base de référence) et 1</a:t>
+            </a:r>
             <a:endParaRPr lang="fr-FR" dirty="0"/>
           </a:p>
         </p:txBody>
@@ -3650,7 +4414,7 @@
           <a:bodyPr/>
           <a:lstStyle/>
           <a:p>
-            <a:pPr marL="171450" marR="0" lvl="0" indent="-171450" algn="l" defTabSz="914400" rtl="0" eaLnBrk="1" fontAlgn="auto" latinLnBrk="0" hangingPunct="1">
+            <a:pPr marL="0" marR="0" lvl="0" indent="0" algn="l" defTabSz="914400" rtl="0" eaLnBrk="1" fontAlgn="auto" latinLnBrk="0" hangingPunct="1">
               <a:lnSpc>
                 <a:spcPct val="100000"/>
               </a:lnSpc>
@@ -3663,29 +4427,78 @@
               <a:buClrTx/>
               <a:buSzTx/>
               <a:buFont typeface="Arial" panose="020B0604020202020204" pitchFamily="34" charset="0"/>
-              <a:buChar char="•"/>
+              <a:buNone/>
               <a:tabLst/>
               <a:defRPr/>
             </a:pPr>
             <a:r>
-              <a:rPr lang="fr-FR" dirty="0"/>
-              <a:t>L’entreprise </a:t>
-            </a:r>
-            <a:r>
-              <a:rPr lang="fr-FR" b="1" dirty="0">
-                <a:solidFill>
-                  <a:srgbClr val="FCB414"/>
-                </a:solidFill>
-              </a:rPr>
-              <a:t>Prêt à dépenser </a:t>
-            </a:r>
-            <a:r>
-              <a:rPr lang="fr-FR" dirty="0"/>
-              <a:t>propose des crédits à la consommation pour des personnes ayant peu ou pas du tout d'historique de prêt.</a:t>
-            </a:r>
-          </a:p>
-          <a:p>
-            <a:pPr marL="171450" marR="0" lvl="0" indent="-171450" algn="l" defTabSz="914400" rtl="0" eaLnBrk="1" fontAlgn="auto" latinLnBrk="0" hangingPunct="1">
+              <a:rPr lang="es-ES" dirty="0" err="1"/>
+              <a:t>Tout</a:t>
+            </a:r>
+            <a:r>
+              <a:rPr lang="es-ES" dirty="0"/>
+              <a:t> </a:t>
+            </a:r>
+            <a:r>
+              <a:rPr lang="es-ES" dirty="0" err="1"/>
+              <a:t>d’abord</a:t>
+            </a:r>
+            <a:r>
+              <a:rPr lang="es-ES" dirty="0"/>
+              <a:t> </a:t>
+            </a:r>
+            <a:r>
+              <a:rPr lang="es-ES" dirty="0" err="1"/>
+              <a:t>il</a:t>
+            </a:r>
+            <a:r>
+              <a:rPr lang="es-ES" dirty="0"/>
+              <a:t> </a:t>
+            </a:r>
+            <a:r>
+              <a:rPr lang="es-ES" dirty="0" err="1"/>
+              <a:t>faut</a:t>
+            </a:r>
+            <a:r>
+              <a:rPr lang="es-ES" dirty="0"/>
+              <a:t> </a:t>
+            </a:r>
+            <a:r>
+              <a:rPr lang="es-ES" dirty="0" err="1"/>
+              <a:t>dire</a:t>
+            </a:r>
+            <a:r>
+              <a:rPr lang="es-ES" dirty="0"/>
+              <a:t> ce </a:t>
+            </a:r>
+            <a:r>
+              <a:rPr lang="es-ES" dirty="0" err="1"/>
+              <a:t>quoi</a:t>
+            </a:r>
+            <a:r>
+              <a:rPr lang="es-ES" dirty="0"/>
+              <a:t> </a:t>
+            </a:r>
+            <a:r>
+              <a:rPr lang="es-ES" dirty="0" err="1"/>
+              <a:t>Prêt</a:t>
+            </a:r>
+            <a:r>
+              <a:rPr lang="es-ES" dirty="0"/>
+              <a:t> à </a:t>
+            </a:r>
+            <a:r>
+              <a:rPr lang="es-ES" dirty="0" err="1"/>
+              <a:t>depénser</a:t>
+            </a:r>
+            <a:r>
+              <a:rPr lang="es-ES" dirty="0"/>
+              <a:t>. </a:t>
+            </a:r>
+            <a:endParaRPr lang="fr-FR" dirty="0"/>
+          </a:p>
+          <a:p>
+            <a:pPr marL="0" marR="0" lvl="0" indent="0" algn="l" defTabSz="914400" rtl="0" eaLnBrk="1" fontAlgn="auto" latinLnBrk="0" hangingPunct="1">
               <a:lnSpc>
                 <a:spcPct val="100000"/>
               </a:lnSpc>
@@ -3698,13 +4511,88 @@
               <a:buClrTx/>
               <a:buSzTx/>
               <a:buFont typeface="Arial" panose="020B0604020202020204" pitchFamily="34" charset="0"/>
-              <a:buChar char="•"/>
+              <a:buNone/>
               <a:tabLst/>
               <a:defRPr/>
             </a:pPr>
+            <a:endParaRPr lang="fr-FR" dirty="0"/>
+          </a:p>
+          <a:p>
+            <a:pPr marL="0" marR="0" lvl="0" indent="0" algn="l" defTabSz="914400" rtl="0" eaLnBrk="1" fontAlgn="auto" latinLnBrk="0" hangingPunct="1">
+              <a:lnSpc>
+                <a:spcPct val="100000"/>
+              </a:lnSpc>
+              <a:spcBef>
+                <a:spcPts val="0"/>
+              </a:spcBef>
+              <a:spcAft>
+                <a:spcPts val="0"/>
+              </a:spcAft>
+              <a:buClrTx/>
+              <a:buSzTx/>
+              <a:buFont typeface="Arial" panose="020B0604020202020204" pitchFamily="34" charset="0"/>
+              <a:buNone/>
+              <a:tabLst/>
+              <a:defRPr/>
+            </a:pPr>
             <a:r>
               <a:rPr lang="fr-FR" dirty="0"/>
-              <a:t>Données basées sur compétition dans </a:t>
+              <a:t>L’entreprise </a:t>
+            </a:r>
+            <a:r>
+              <a:rPr lang="fr-FR" b="1" dirty="0">
+                <a:solidFill>
+                  <a:srgbClr val="FCB414"/>
+                </a:solidFill>
+              </a:rPr>
+              <a:t>Prêt à dépenser </a:t>
+            </a:r>
+            <a:r>
+              <a:rPr lang="fr-FR" dirty="0"/>
+              <a:t>propose des crédits à la consommation pour des personnes ayant peu ou pas du tout d'historique de prêt.</a:t>
+            </a:r>
+          </a:p>
+          <a:p>
+            <a:pPr marL="0" marR="0" lvl="0" indent="0" algn="l" defTabSz="914400" rtl="0" eaLnBrk="1" fontAlgn="auto" latinLnBrk="0" hangingPunct="1">
+              <a:lnSpc>
+                <a:spcPct val="100000"/>
+              </a:lnSpc>
+              <a:spcBef>
+                <a:spcPts val="0"/>
+              </a:spcBef>
+              <a:spcAft>
+                <a:spcPts val="0"/>
+              </a:spcAft>
+              <a:buClrTx/>
+              <a:buSzTx/>
+              <a:buFont typeface="Arial" panose="020B0604020202020204" pitchFamily="34" charset="0"/>
+              <a:buNone/>
+              <a:tabLst/>
+              <a:defRPr/>
+            </a:pPr>
+            <a:endParaRPr lang="fr-FR" dirty="0"/>
+          </a:p>
+          <a:p>
+            <a:pPr marL="0" marR="0" lvl="0" indent="0" algn="l" defTabSz="914400" rtl="0" eaLnBrk="1" fontAlgn="auto" latinLnBrk="0" hangingPunct="1">
+              <a:lnSpc>
+                <a:spcPct val="100000"/>
+              </a:lnSpc>
+              <a:spcBef>
+                <a:spcPts val="0"/>
+              </a:spcBef>
+              <a:spcAft>
+                <a:spcPts val="0"/>
+              </a:spcAft>
+              <a:buClrTx/>
+              <a:buSzTx/>
+              <a:buFont typeface="Arial" panose="020B0604020202020204" pitchFamily="34" charset="0"/>
+              <a:buNone/>
+              <a:tabLst/>
+              <a:defRPr/>
+            </a:pPr>
+            <a:r>
+              <a:rPr lang="fr-FR" dirty="0"/>
+              <a:t>Les données sont basées sur la compétition dans </a:t>
             </a:r>
             <a:r>
               <a:rPr lang="fr-FR" dirty="0" err="1"/>
@@ -3920,6 +4808,154 @@
           <a:bodyPr/>
           <a:lstStyle/>
           <a:p>
+            <a:pPr marL="0" indent="0">
+              <a:buFontTx/>
+              <a:buNone/>
+            </a:pPr>
+            <a:r>
+              <a:rPr lang="fr-FR" dirty="0"/>
+              <a:t>Il y a 7 sous ensemble des données qui ont des relations entre eux</a:t>
+            </a:r>
+          </a:p>
+          <a:p>
+            <a:pPr marL="0" indent="0">
+              <a:buFontTx/>
+              <a:buNone/>
+            </a:pPr>
+            <a:endParaRPr lang="fr-FR" dirty="0"/>
+          </a:p>
+          <a:p>
+            <a:pPr marL="0" indent="0">
+              <a:buFontTx/>
+              <a:buNone/>
+            </a:pPr>
+            <a:r>
+              <a:rPr lang="es-ES" dirty="0"/>
+              <a:t>À </a:t>
+            </a:r>
+            <a:r>
+              <a:rPr lang="es-ES" dirty="0" err="1"/>
+              <a:t>droite</a:t>
+            </a:r>
+            <a:r>
+              <a:rPr lang="es-ES" dirty="0"/>
+              <a:t> </a:t>
+            </a:r>
+            <a:r>
+              <a:rPr lang="es-ES" dirty="0" err="1"/>
+              <a:t>on</a:t>
+            </a:r>
+            <a:r>
+              <a:rPr lang="es-ES" dirty="0"/>
+              <a:t> </a:t>
+            </a:r>
+            <a:r>
+              <a:rPr lang="es-ES" dirty="0" err="1"/>
+              <a:t>peut</a:t>
+            </a:r>
+            <a:r>
+              <a:rPr lang="es-ES" dirty="0"/>
+              <a:t> </a:t>
+            </a:r>
+            <a:r>
+              <a:rPr lang="es-ES" dirty="0" err="1"/>
+              <a:t>noter</a:t>
+            </a:r>
+            <a:r>
+              <a:rPr lang="es-ES" dirty="0"/>
+              <a:t> </a:t>
+            </a:r>
+            <a:r>
+              <a:rPr lang="fr-FR" dirty="0"/>
+              <a:t>les ensembles des données qui sont propres de Home </a:t>
+            </a:r>
+            <a:r>
+              <a:rPr lang="fr-FR" dirty="0" err="1"/>
+              <a:t>Credit</a:t>
+            </a:r>
+            <a:endParaRPr lang="fr-FR" dirty="0"/>
+          </a:p>
+          <a:p>
+            <a:pPr marL="171450" indent="-171450">
+              <a:buFontTx/>
+              <a:buChar char="-"/>
+            </a:pPr>
+            <a:r>
+              <a:rPr lang="fr-FR" dirty="0" err="1"/>
+              <a:t>Previos_application</a:t>
+            </a:r>
+            <a:r>
+              <a:rPr lang="fr-FR" dirty="0"/>
+              <a:t>: Demandes de crédit antérieures</a:t>
+            </a:r>
+          </a:p>
+          <a:p>
+            <a:pPr marL="171450" indent="-171450">
+              <a:buFontTx/>
+              <a:buChar char="-"/>
+            </a:pPr>
+            <a:r>
+              <a:rPr lang="fr-FR" dirty="0" err="1"/>
+              <a:t>Pos_cash_balance</a:t>
+            </a:r>
+            <a:r>
+              <a:rPr lang="fr-FR" dirty="0"/>
+              <a:t>: Des bilans mensuels des anciens points de vente et des prêts cash</a:t>
+            </a:r>
+          </a:p>
+          <a:p>
+            <a:pPr marL="171450" indent="-171450">
+              <a:buFontTx/>
+              <a:buChar char="-"/>
+            </a:pPr>
+            <a:r>
+              <a:rPr lang="fr-FR" dirty="0" err="1"/>
+              <a:t>Installements_payments</a:t>
+            </a:r>
+            <a:r>
+              <a:rPr lang="fr-FR" dirty="0"/>
+              <a:t>: Historique de remboursement des crédits précédemment</a:t>
+            </a:r>
+          </a:p>
+          <a:p>
+            <a:pPr marL="171450" indent="-171450">
+              <a:buFontTx/>
+              <a:buChar char="-"/>
+            </a:pPr>
+            <a:r>
+              <a:rPr lang="fr-FR" dirty="0" err="1"/>
+              <a:t>Credit_card_balance</a:t>
+            </a:r>
+            <a:r>
+              <a:rPr lang="fr-FR" dirty="0"/>
+              <a:t>: Solde mensuel des cartes de crédit antérieures</a:t>
+            </a:r>
+          </a:p>
+          <a:p>
+            <a:pPr marL="0" indent="0">
+              <a:buFontTx/>
+              <a:buNone/>
+            </a:pPr>
+            <a:endParaRPr lang="fr-FR" dirty="0"/>
+          </a:p>
+          <a:p>
+            <a:pPr marL="0" indent="0">
+              <a:buFontTx/>
+              <a:buNone/>
+            </a:pPr>
+            <a:endParaRPr lang="fr-FR" dirty="0"/>
+          </a:p>
+          <a:p>
+            <a:pPr marL="0" indent="0">
+              <a:buFontTx/>
+              <a:buNone/>
+            </a:pPr>
+            <a:r>
+              <a:rPr lang="fr-FR" dirty="0"/>
+              <a:t>À gauche, ceux qui viennent d'autres institutions</a:t>
+            </a:r>
+          </a:p>
+          <a:p>
             <a:pPr marL="171450" indent="-171450">
               <a:buFontTx/>
               <a:buChar char="-"/>
@@ -4005,62 +5041,6 @@
               <a:buChar char="-"/>
             </a:pPr>
             <a:endParaRPr lang="fr-FR" dirty="0"/>
-          </a:p>
-          <a:p>
-            <a:pPr marL="171450" indent="-171450">
-              <a:buFontTx/>
-              <a:buChar char="-"/>
-            </a:pPr>
-            <a:r>
-              <a:rPr lang="fr-FR" dirty="0" err="1"/>
-              <a:t>Previos_application</a:t>
-            </a:r>
-            <a:r>
-              <a:rPr lang="fr-FR" dirty="0"/>
-              <a:t>: Demandes de crédit antérieures</a:t>
-            </a:r>
-          </a:p>
-          <a:p>
-            <a:pPr marL="171450" indent="-171450">
-              <a:buFontTx/>
-              <a:buChar char="-"/>
-            </a:pPr>
-            <a:r>
-              <a:rPr lang="fr-FR" dirty="0" err="1"/>
-              <a:t>Pos_cash_balance</a:t>
-            </a:r>
-            <a:r>
-              <a:rPr lang="fr-FR" dirty="0"/>
-              <a:t>: Des bilans mensuels des anciens points de vente et des prêts cash</a:t>
-            </a:r>
-          </a:p>
-          <a:p>
-            <a:pPr marL="171450" indent="-171450">
-              <a:buFontTx/>
-              <a:buChar char="-"/>
-            </a:pPr>
-            <a:r>
-              <a:rPr lang="fr-FR" dirty="0" err="1"/>
-              <a:t>Installements_payments</a:t>
-            </a:r>
-            <a:r>
-              <a:rPr lang="fr-FR" dirty="0"/>
-              <a:t>: Historique de remboursement des crédits précédemment</a:t>
-            </a:r>
-          </a:p>
-          <a:p>
-            <a:pPr marL="171450" indent="-171450">
-              <a:buFontTx/>
-              <a:buChar char="-"/>
-            </a:pPr>
-            <a:r>
-              <a:rPr lang="fr-FR" dirty="0" err="1"/>
-              <a:t>Credit_card_balance</a:t>
-            </a:r>
-            <a:r>
-              <a:rPr lang="fr-FR" dirty="0"/>
-              <a:t>: Solde mensuel des cartes de crédit antérieures</a:t>
-            </a:r>
           </a:p>
         </p:txBody>
       </p:sp>
@@ -4163,8 +5143,13 @@
             </a:pPr>
             <a:r>
               <a:rPr lang="fr-FR" dirty="0"/>
-              <a:t>On arrive à l’analyse exploratoire</a:t>
-            </a:r>
+              <a:t>On arrive à le kernel </a:t>
+            </a:r>
+            <a:r>
+              <a:rPr lang="fr-FR" dirty="0" err="1"/>
+              <a:t>kaggle</a:t>
+            </a:r>
+            <a:endParaRPr lang="fr-FR" dirty="0"/>
           </a:p>
           <a:p>
             <a:endParaRPr lang="fr-FR" dirty="0"/>
@@ -4251,6 +5236,163 @@
           <a:bodyPr/>
           <a:lstStyle/>
           <a:p>
+            <a:pPr marL="0" marR="0" lvl="0" indent="0" algn="l" defTabSz="914400" rtl="0" eaLnBrk="1" fontAlgn="auto" latinLnBrk="0" hangingPunct="1">
+              <a:lnSpc>
+                <a:spcPct val="100000"/>
+              </a:lnSpc>
+              <a:spcBef>
+                <a:spcPts val="0"/>
+              </a:spcBef>
+              <a:spcAft>
+                <a:spcPts val="0"/>
+              </a:spcAft>
+              <a:buClrTx/>
+              <a:buSzTx/>
+              <a:buFontTx/>
+              <a:buNone/>
+              <a:tabLst/>
+              <a:defRPr/>
+            </a:pPr>
+            <a:r>
+              <a:rPr lang="fr-FR" dirty="0">
+                <a:solidFill>
+                  <a:srgbClr val="000000"/>
+                </a:solidFill>
+                <a:latin typeface="docs-Roboto"/>
+              </a:rPr>
+              <a:t>Après avoir analyse en façon général plusieurs kernels. On a décidé d’utiliser le kernel qui s’appelle </a:t>
+            </a:r>
+            <a:r>
+              <a:rPr lang="fr-FR" dirty="0" err="1">
+                <a:solidFill>
+                  <a:srgbClr val="000000"/>
+                </a:solidFill>
+                <a:latin typeface="docs-Roboto"/>
+              </a:rPr>
+              <a:t>LightGBM</a:t>
+            </a:r>
+            <a:r>
+              <a:rPr lang="fr-FR" dirty="0">
+                <a:solidFill>
+                  <a:srgbClr val="000000"/>
+                </a:solidFill>
+                <a:latin typeface="docs-Roboto"/>
+              </a:rPr>
+              <a:t> </a:t>
+            </a:r>
+            <a:r>
+              <a:rPr lang="fr-FR" dirty="0" err="1">
+                <a:solidFill>
+                  <a:srgbClr val="000000"/>
+                </a:solidFill>
+                <a:latin typeface="docs-Roboto"/>
+              </a:rPr>
+              <a:t>with</a:t>
+            </a:r>
+            <a:r>
+              <a:rPr lang="fr-FR" dirty="0">
+                <a:solidFill>
+                  <a:srgbClr val="000000"/>
+                </a:solidFill>
+                <a:latin typeface="docs-Roboto"/>
+              </a:rPr>
+              <a:t> Simple </a:t>
+            </a:r>
+            <a:r>
+              <a:rPr lang="fr-FR" dirty="0" err="1">
+                <a:solidFill>
+                  <a:srgbClr val="000000"/>
+                </a:solidFill>
+                <a:latin typeface="docs-Roboto"/>
+              </a:rPr>
+              <a:t>Features</a:t>
+            </a:r>
+            <a:endParaRPr lang="fr-FR" dirty="0">
+              <a:solidFill>
+                <a:srgbClr val="000000"/>
+              </a:solidFill>
+              <a:latin typeface="docs-Roboto"/>
+            </a:endParaRPr>
+          </a:p>
+          <a:p>
+            <a:pPr marL="0" marR="0" lvl="0" indent="0" algn="l" defTabSz="914400" rtl="0" eaLnBrk="1" fontAlgn="auto" latinLnBrk="0" hangingPunct="1">
+              <a:lnSpc>
+                <a:spcPct val="100000"/>
+              </a:lnSpc>
+              <a:spcBef>
+                <a:spcPts val="0"/>
+              </a:spcBef>
+              <a:spcAft>
+                <a:spcPts val="0"/>
+              </a:spcAft>
+              <a:buClrTx/>
+              <a:buSzTx/>
+              <a:buFontTx/>
+              <a:buNone/>
+              <a:tabLst/>
+              <a:defRPr/>
+            </a:pPr>
+            <a:endParaRPr lang="fr-FR" dirty="0">
+              <a:solidFill>
+                <a:srgbClr val="000000"/>
+              </a:solidFill>
+              <a:latin typeface="docs-Roboto"/>
+            </a:endParaRPr>
+          </a:p>
+          <a:p>
+            <a:pPr marL="0" marR="0" lvl="0" indent="0" algn="l" defTabSz="914400" rtl="0" eaLnBrk="1" fontAlgn="auto" latinLnBrk="0" hangingPunct="1">
+              <a:lnSpc>
+                <a:spcPct val="100000"/>
+              </a:lnSpc>
+              <a:spcBef>
+                <a:spcPts val="0"/>
+              </a:spcBef>
+              <a:spcAft>
+                <a:spcPts val="0"/>
+              </a:spcAft>
+              <a:buClrTx/>
+              <a:buSzTx/>
+              <a:buFontTx/>
+              <a:buNone/>
+              <a:tabLst/>
+              <a:defRPr/>
+            </a:pPr>
+            <a:r>
+              <a:rPr lang="fr-FR" dirty="0">
+                <a:solidFill>
+                  <a:srgbClr val="000000"/>
+                </a:solidFill>
+                <a:latin typeface="docs-Roboto"/>
+              </a:rPr>
+              <a:t>Voici les justifications pourquoi ce kernel</a:t>
+            </a:r>
+          </a:p>
+          <a:p>
+            <a:pPr marL="0" marR="0" lvl="0" indent="0" algn="l" defTabSz="914400" rtl="0" eaLnBrk="1" fontAlgn="auto" latinLnBrk="0" hangingPunct="1">
+              <a:lnSpc>
+                <a:spcPct val="100000"/>
+              </a:lnSpc>
+              <a:spcBef>
+                <a:spcPts val="0"/>
+              </a:spcBef>
+              <a:spcAft>
+                <a:spcPts val="0"/>
+              </a:spcAft>
+              <a:buClrTx/>
+              <a:buSzTx/>
+              <a:buFontTx/>
+              <a:buNone/>
+              <a:tabLst/>
+              <a:defRPr/>
+            </a:pPr>
+            <a:endParaRPr lang="fr-FR" dirty="0">
+              <a:solidFill>
+                <a:srgbClr val="000000"/>
+              </a:solidFill>
+              <a:latin typeface="docs-Roboto"/>
+            </a:endParaRPr>
+          </a:p>
+          <a:p>
             <a:pPr marL="171450" marR="0" lvl="0" indent="-171450" algn="l" defTabSz="914400" rtl="0" eaLnBrk="1" fontAlgn="auto" latinLnBrk="0" hangingPunct="1">
               <a:lnSpc>
                 <a:spcPct val="100000"/>
@@ -4311,7 +5453,7 @@
                 </a:solidFill>
                 <a:latin typeface="docs-Roboto"/>
               </a:rPr>
-              <a:t> que je n'avais pas utilisé encore</a:t>
+              <a:t> que je n'avais jamais lui utilisé </a:t>
             </a:r>
           </a:p>
           <a:p>
@@ -4431,129 +5573,310 @@
           <a:bodyPr/>
           <a:lstStyle/>
           <a:p>
-            <a:pPr marL="171450" indent="-171450">
+            <a:pPr marL="0" indent="0">
               <a:buFontTx/>
-              <a:buChar char="-"/>
+              <a:buNone/>
             </a:pPr>
             <a:r>
-              <a:rPr lang="en-US" dirty="0"/>
-              <a:t>df</a:t>
-            </a:r>
-            <a:r>
-              <a:rPr lang="en-US" dirty="0">
-                <a:solidFill>
-                  <a:srgbClr val="F8F8F2"/>
+              <a:rPr lang="fr-FR" dirty="0"/>
+              <a:t>Mais, il faut bien comprendre ce qu'il fait</a:t>
+            </a:r>
+          </a:p>
+          <a:p>
+            <a:pPr marL="0" indent="0">
+              <a:buFontTx/>
+              <a:buNone/>
+            </a:pPr>
+            <a:endParaRPr lang="fr-FR" dirty="0"/>
+          </a:p>
+          <a:p>
+            <a:pPr marL="0" marR="0" lvl="0" indent="0" algn="l" defTabSz="914400" rtl="0" eaLnBrk="1" fontAlgn="auto" latinLnBrk="0" hangingPunct="1">
+              <a:lnSpc>
+                <a:spcPct val="100000"/>
+              </a:lnSpc>
+              <a:spcBef>
+                <a:spcPts val="0"/>
+              </a:spcBef>
+              <a:spcAft>
+                <a:spcPts val="0"/>
+              </a:spcAft>
+              <a:buClrTx/>
+              <a:buSzTx/>
+              <a:buFontTx/>
+              <a:buNone/>
+              <a:tabLst/>
+              <a:defRPr/>
+            </a:pPr>
+            <a:r>
+              <a:rPr lang="fr-FR" sz="1200" u="none" strike="noStrike" dirty="0">
+                <a:ln>
+                  <a:solidFill>
+                    <a:schemeClr val="bg1"/>
+                  </a:solidFill>
+                </a:ln>
+                <a:solidFill>
+                  <a:schemeClr val="bg1"/>
                 </a:solidFill>
                 <a:effectLst/>
-              </a:rPr>
-              <a:t>[</a:t>
-            </a:r>
-            <a:r>
-              <a:rPr lang="en-US" dirty="0">
-                <a:solidFill>
-                  <a:srgbClr val="E6DB74"/>
+                <a:latin typeface="docs-Roboto"/>
+              </a:rPr>
+              <a:t>Tout au long du kernel, il fait des traitements pour obtenir des nouvelles données</a:t>
+            </a:r>
+          </a:p>
+          <a:p>
+            <a:pPr marL="0" marR="0" lvl="0" indent="0" algn="l" defTabSz="914400" rtl="0" eaLnBrk="1" fontAlgn="auto" latinLnBrk="0" hangingPunct="1">
+              <a:lnSpc>
+                <a:spcPct val="100000"/>
+              </a:lnSpc>
+              <a:spcBef>
+                <a:spcPts val="0"/>
+              </a:spcBef>
+              <a:spcAft>
+                <a:spcPts val="0"/>
+              </a:spcAft>
+              <a:buClrTx/>
+              <a:buSzTx/>
+              <a:buFontTx/>
+              <a:buNone/>
+              <a:tabLst/>
+              <a:defRPr/>
+            </a:pPr>
+            <a:endParaRPr lang="fr-FR" sz="1200" u="none" strike="noStrike" dirty="0">
+              <a:ln>
+                <a:solidFill>
+                  <a:schemeClr val="bg1"/>
+                </a:solidFill>
+              </a:ln>
+              <a:solidFill>
+                <a:schemeClr val="bg1"/>
+              </a:solidFill>
+              <a:effectLst/>
+              <a:latin typeface="docs-Roboto"/>
+            </a:endParaRPr>
+          </a:p>
+          <a:p>
+            <a:pPr marL="0" marR="0" lvl="0" indent="0" algn="l" defTabSz="914400" rtl="0" eaLnBrk="1" fontAlgn="auto" latinLnBrk="0" hangingPunct="1">
+              <a:lnSpc>
+                <a:spcPct val="100000"/>
+              </a:lnSpc>
+              <a:spcBef>
+                <a:spcPts val="0"/>
+              </a:spcBef>
+              <a:spcAft>
+                <a:spcPts val="0"/>
+              </a:spcAft>
+              <a:buClrTx/>
+              <a:buSzTx/>
+              <a:buFontTx/>
+              <a:buNone/>
+              <a:tabLst/>
+              <a:defRPr/>
+            </a:pPr>
+            <a:r>
+              <a:rPr lang="fr-FR" sz="1200" u="none" strike="noStrike" dirty="0">
+                <a:ln>
+                  <a:solidFill>
+                    <a:schemeClr val="bg1"/>
+                  </a:solidFill>
+                </a:ln>
+                <a:solidFill>
+                  <a:schemeClr val="bg1"/>
                 </a:solidFill>
                 <a:effectLst/>
-              </a:rPr>
-              <a:t>'DAYS_EMPLOYED_PERC'</a:t>
-            </a:r>
-            <a:r>
-              <a:rPr lang="en-US" dirty="0">
-                <a:solidFill>
-                  <a:srgbClr val="F8F8F2"/>
+                <a:latin typeface="docs-Roboto"/>
+              </a:rPr>
+              <a:t>Variable catégorielles </a:t>
+            </a:r>
+            <a:r>
+              <a:rPr lang="fr-FR" sz="1200" u="none" strike="noStrike" dirty="0">
+                <a:ln>
+                  <a:solidFill>
+                    <a:schemeClr val="bg1"/>
+                  </a:solidFill>
+                </a:ln>
+                <a:solidFill>
+                  <a:schemeClr val="bg1"/>
                 </a:solidFill>
                 <a:effectLst/>
-              </a:rPr>
-              <a:t>]</a:t>
-            </a:r>
-            <a:r>
-              <a:rPr lang="en-US" dirty="0"/>
-              <a:t> </a:t>
-            </a:r>
-            <a:r>
-              <a:rPr lang="en-US" dirty="0">
-                <a:solidFill>
-                  <a:srgbClr val="F8F8F2"/>
-                </a:solidFill>
+                <a:latin typeface="docs-Roboto"/>
+                <a:sym typeface="Wingdings" panose="05000000000000000000" pitchFamily="2" charset="2"/>
+              </a:rPr>
+              <a:t> </a:t>
+            </a:r>
+            <a:r>
+              <a:rPr lang="fr-FR" dirty="0" err="1">
                 <a:effectLst/>
               </a:rPr>
-              <a:t>=</a:t>
-            </a:r>
-            <a:r>
-              <a:rPr lang="en-US" dirty="0"/>
-              <a:t> df</a:t>
-            </a:r>
-            <a:r>
-              <a:rPr lang="en-US" dirty="0">
-                <a:solidFill>
-                  <a:srgbClr val="F8F8F2"/>
+              <a:t>get_dummies</a:t>
+            </a:r>
+            <a:endParaRPr lang="fr-FR" dirty="0">
+              <a:effectLst/>
+            </a:endParaRPr>
+          </a:p>
+          <a:p>
+            <a:pPr marL="0" marR="0" lvl="0" indent="0" algn="l" defTabSz="914400" rtl="0" eaLnBrk="1" fontAlgn="auto" latinLnBrk="0" hangingPunct="1">
+              <a:lnSpc>
+                <a:spcPct val="100000"/>
+              </a:lnSpc>
+              <a:spcBef>
+                <a:spcPts val="0"/>
+              </a:spcBef>
+              <a:spcAft>
+                <a:spcPts val="0"/>
+              </a:spcAft>
+              <a:buClrTx/>
+              <a:buSzTx/>
+              <a:buFontTx/>
+              <a:buNone/>
+              <a:tabLst/>
+              <a:defRPr/>
+            </a:pPr>
+            <a:r>
+              <a:rPr lang="fr-FR" sz="1200" u="none" strike="noStrike" dirty="0">
+                <a:ln>
+                  <a:solidFill>
+                    <a:schemeClr val="bg1"/>
+                  </a:solidFill>
+                </a:ln>
+                <a:solidFill>
+                  <a:schemeClr val="bg1"/>
                 </a:solidFill>
                 <a:effectLst/>
-              </a:rPr>
-              <a:t>[</a:t>
-            </a:r>
-            <a:r>
-              <a:rPr lang="en-US" dirty="0">
-                <a:solidFill>
-                  <a:srgbClr val="E6DB74"/>
+                <a:latin typeface="docs-Roboto"/>
+              </a:rPr>
+              <a:t>Variable </a:t>
+            </a:r>
+            <a:r>
+              <a:rPr lang="fr-FR" sz="1200" u="none" strike="noStrike" dirty="0" err="1">
+                <a:ln>
+                  <a:solidFill>
+                    <a:schemeClr val="bg1"/>
+                  </a:solidFill>
+                </a:ln>
+                <a:solidFill>
+                  <a:schemeClr val="bg1"/>
                 </a:solidFill>
                 <a:effectLst/>
-              </a:rPr>
-              <a:t>'DAYS_EMPLOYED'</a:t>
-            </a:r>
-            <a:r>
-              <a:rPr lang="en-US" dirty="0">
-                <a:solidFill>
-                  <a:srgbClr val="F8F8F2"/>
+                <a:latin typeface="docs-Roboto"/>
+              </a:rPr>
+              <a:t>numeriques</a:t>
+            </a:r>
+            <a:endParaRPr lang="fr-FR" sz="1200" u="none" strike="noStrike" dirty="0">
+              <a:ln>
+                <a:solidFill>
+                  <a:schemeClr val="bg1"/>
+                </a:solidFill>
+              </a:ln>
+              <a:solidFill>
+                <a:schemeClr val="bg1"/>
+              </a:solidFill>
+              <a:effectLst/>
+              <a:latin typeface="docs-Roboto"/>
+            </a:endParaRPr>
+          </a:p>
+          <a:p>
+            <a:pPr marL="0" marR="0" lvl="0" indent="0" algn="l" defTabSz="914400" rtl="0" eaLnBrk="1" fontAlgn="auto" latinLnBrk="0" hangingPunct="1">
+              <a:lnSpc>
+                <a:spcPct val="100000"/>
+              </a:lnSpc>
+              <a:spcBef>
+                <a:spcPts val="0"/>
+              </a:spcBef>
+              <a:spcAft>
+                <a:spcPts val="0"/>
+              </a:spcAft>
+              <a:buClrTx/>
+              <a:buSzTx/>
+              <a:buFontTx/>
+              <a:buNone/>
+              <a:tabLst/>
+              <a:defRPr/>
+            </a:pPr>
+            <a:endParaRPr lang="fr-FR" sz="1200" b="1" u="none" strike="noStrike" dirty="0">
+              <a:ln>
+                <a:solidFill>
+                  <a:schemeClr val="bg1"/>
+                </a:solidFill>
+              </a:ln>
+              <a:solidFill>
+                <a:schemeClr val="bg1"/>
+              </a:solidFill>
+              <a:effectLst/>
+              <a:latin typeface="docs-Roboto"/>
+            </a:endParaRPr>
+          </a:p>
+          <a:p>
+            <a:pPr marL="0" marR="0" lvl="0" indent="0" algn="l" defTabSz="914400" rtl="0" eaLnBrk="1" fontAlgn="auto" latinLnBrk="0" hangingPunct="1">
+              <a:lnSpc>
+                <a:spcPct val="100000"/>
+              </a:lnSpc>
+              <a:spcBef>
+                <a:spcPts val="0"/>
+              </a:spcBef>
+              <a:spcAft>
+                <a:spcPts val="0"/>
+              </a:spcAft>
+              <a:buClrTx/>
+              <a:buSzTx/>
+              <a:buFontTx/>
+              <a:buNone/>
+              <a:tabLst/>
+              <a:defRPr/>
+            </a:pPr>
+            <a:r>
+              <a:rPr lang="fr-FR" sz="1200" u="none" strike="noStrike" kern="1200" dirty="0">
+                <a:ln>
+                  <a:solidFill>
+                    <a:schemeClr val="bg1"/>
+                  </a:solidFill>
+                </a:ln>
+                <a:solidFill>
+                  <a:schemeClr val="bg1"/>
                 </a:solidFill>
                 <a:effectLst/>
-              </a:rPr>
-              <a:t>]</a:t>
-            </a:r>
-            <a:r>
-              <a:rPr lang="en-US" dirty="0"/>
-              <a:t> </a:t>
-            </a:r>
-            <a:r>
-              <a:rPr lang="en-US" dirty="0">
-                <a:solidFill>
-                  <a:srgbClr val="F8F8F2"/>
+                <a:latin typeface="docs-Roboto"/>
+                <a:ea typeface="+mn-ea"/>
+                <a:cs typeface="+mn-cs"/>
+              </a:rPr>
+              <a:t>il fait l'unification de tous les variables obtenue dans un seul </a:t>
+            </a:r>
+            <a:r>
+              <a:rPr lang="fr-FR" sz="1200" u="none" strike="noStrike" kern="1200" dirty="0" err="1">
+                <a:ln>
+                  <a:solidFill>
+                    <a:schemeClr val="bg1"/>
+                  </a:solidFill>
+                </a:ln>
+                <a:solidFill>
+                  <a:schemeClr val="bg1"/>
                 </a:solidFill>
                 <a:effectLst/>
-              </a:rPr>
-              <a:t>/</a:t>
-            </a:r>
-            <a:r>
-              <a:rPr lang="en-US" dirty="0"/>
-              <a:t> df</a:t>
-            </a:r>
-            <a:r>
-              <a:rPr lang="en-US" dirty="0">
-                <a:solidFill>
-                  <a:srgbClr val="F8F8F2"/>
-                </a:solidFill>
-                <a:effectLst/>
-              </a:rPr>
-              <a:t>[</a:t>
-            </a:r>
-            <a:r>
-              <a:rPr lang="en-US" dirty="0">
-                <a:solidFill>
-                  <a:srgbClr val="E6DB74"/>
-                </a:solidFill>
-                <a:effectLst/>
-              </a:rPr>
-              <a:t>'DAYS_BIRTH'</a:t>
-            </a:r>
-            <a:r>
-              <a:rPr lang="en-US" dirty="0">
-                <a:solidFill>
-                  <a:srgbClr val="F8F8F2"/>
-                </a:solidFill>
-                <a:effectLst/>
-              </a:rPr>
-              <a:t>]</a:t>
-            </a:r>
+                <a:latin typeface="docs-Roboto"/>
+                <a:ea typeface="+mn-ea"/>
+                <a:cs typeface="+mn-cs"/>
+              </a:rPr>
+              <a:t>dataset</a:t>
+            </a:r>
+            <a:endParaRPr lang="fr-FR" sz="1200" u="none" strike="noStrike" kern="1200" dirty="0">
+              <a:ln>
+                <a:solidFill>
+                  <a:schemeClr val="bg1"/>
+                </a:solidFill>
+              </a:ln>
+              <a:solidFill>
+                <a:schemeClr val="bg1"/>
+              </a:solidFill>
+              <a:effectLst/>
+              <a:latin typeface="docs-Roboto"/>
+              <a:ea typeface="+mn-ea"/>
+              <a:cs typeface="+mn-cs"/>
+            </a:endParaRPr>
+          </a:p>
+          <a:p>
+            <a:pPr marL="0" indent="0">
+              <a:buFontTx/>
+              <a:buNone/>
+            </a:pPr>
             <a:endParaRPr lang="fr-FR" dirty="0"/>
           </a:p>
         </p:txBody>
@@ -12715,7 +14038,7 @@
               <a:rPr lang="fr-FR" sz="1400" dirty="0">
                 <a:latin typeface="docs-Roboto"/>
               </a:rPr>
-              <a:t>Imputation de la moyennée basée sur la colonne</a:t>
+              <a:t>Imputation de la moyenne basée sur la colonne</a:t>
             </a:r>
           </a:p>
         </p:txBody>
@@ -13517,7 +14840,7 @@
         <p:spPr>
           <a:xfrm>
             <a:off x="7667775" y="1846316"/>
-            <a:ext cx="3685245" cy="400110"/>
+            <a:ext cx="4524225" cy="400110"/>
           </a:xfrm>
           <a:prstGeom prst="rect">
             <a:avLst/>
@@ -13533,6 +14856,18 @@
             <a:r>
               <a:rPr lang="fr-FR" sz="2000" dirty="0"/>
               <a:t>Utilisation du </a:t>
+            </a:r>
+            <a:r>
+              <a:rPr lang="fr-FR" sz="2000" b="1" u="sng" dirty="0" err="1">
+                <a:latin typeface="docs-Roboto"/>
+              </a:rPr>
+              <a:t>Oversampling</a:t>
+            </a:r>
+            <a:r>
+              <a:rPr lang="fr-FR" sz="2000" b="1" u="sng" dirty="0">
+                <a:latin typeface="docs-Roboto"/>
+              </a:rPr>
+              <a:t> - </a:t>
             </a:r>
             <a:r>
               <a:rPr lang="fr-FR" sz="2000" b="1" u="sng" dirty="0"/>
@@ -13600,7 +14935,7 @@
         <p:spPr>
           <a:xfrm>
             <a:off x="7658512" y="2264796"/>
-            <a:ext cx="3395567" cy="923330"/>
+            <a:ext cx="3395567" cy="646331"/>
           </a:xfrm>
           <a:prstGeom prst="rect">
             <a:avLst/>
@@ -13617,12 +14952,6 @@
               <a:buFont typeface="Wingdings" panose="05000000000000000000" pitchFamily="2" charset="2"/>
               <a:buChar char="§"/>
             </a:pPr>
-            <a:r>
-              <a:rPr lang="fr-FR" b="1" u="sng" dirty="0">
-                <a:latin typeface="docs-Roboto"/>
-              </a:rPr>
-              <a:t>Oversampling </a:t>
-            </a:r>
             <a:r>
               <a:rPr lang="fr-FR" dirty="0">
                 <a:latin typeface="docs-Roboto"/>
@@ -23480,7 +24809,7 @@
         </p:nvGrpSpPr>
         <p:grpSpPr>
           <a:xfrm>
-            <a:off x="2429912" y="1690234"/>
+            <a:off x="2429912" y="1815281"/>
             <a:ext cx="7332176" cy="3104855"/>
             <a:chOff x="2618531" y="1918605"/>
             <a:chExt cx="7332176" cy="3104855"/>
@@ -32221,7 +33550,7 @@
                 </a:solidFill>
                 <a:latin typeface="Google Sans"/>
               </a:rPr>
-              <a:t>Développer un algorithme de classification qui classifie la demande en crédit accepté ou rejeté.</a:t>
+              <a:t>Développer un algorithme qui classifie la demande en crédit accepté ou rejeté.</a:t>
             </a:r>
             <a:endParaRPr lang="fr-FR" sz="2000" b="1" u="none" strike="noStrike" dirty="0">
               <a:ln>
@@ -35935,6 +37264,24 @@
                 <a:latin typeface="docs-Roboto"/>
               </a:rPr>
               <a:t>Boosting</a:t>
+            </a:r>
+            <a:r>
+              <a:rPr lang="fr-FR" dirty="0">
+                <a:solidFill>
+                  <a:srgbClr val="000000"/>
+                </a:solidFill>
+                <a:latin typeface="docs-Roboto"/>
+              </a:rPr>
+              <a:t> - </a:t>
+            </a:r>
+            <a:r>
+              <a:rPr lang="fr-FR" dirty="0" err="1">
+                <a:solidFill>
+                  <a:srgbClr val="000000"/>
+                </a:solidFill>
+                <a:latin typeface="docs-Roboto"/>
+              </a:rPr>
+              <a:t>LightGBM</a:t>
             </a:r>
             <a:endParaRPr lang="fr-FR" dirty="0">
               <a:solidFill>

--- a/supports/P7_presentation_final.pptx
+++ b/supports/P7_presentation_final.pptx
@@ -241,7 +241,7 @@
           <a:p>
             <a:fld id="{081908C2-F1FA-4AA1-810C-31F86594FA86}" type="datetimeFigureOut">
               <a:rPr lang="en-US" smtClean="0"/>
-              <a:t>2/7/2022</a:t>
+              <a:t>2/9/2022</a:t>
             </a:fld>
             <a:endParaRPr lang="en-US"/>
           </a:p>
@@ -406,7 +406,7 @@
           <a:p>
             <a:fld id="{56E8D31E-EEDD-42CA-A79A-B9539977145E}" type="datetimeFigureOut">
               <a:rPr lang="en-US" smtClean="0"/>
-              <a:t>2/7/2022</a:t>
+              <a:t>2/9/2022</a:t>
             </a:fld>
             <a:endParaRPr lang="en-US"/>
           </a:p>
@@ -1170,55 +1170,55 @@
               <a:defRPr/>
             </a:pPr>
             <a:r>
-              <a:rPr lang="es-ES" b="1" dirty="0" err="1"/>
+              <a:rPr lang="es-ES" b="0" dirty="0" err="1"/>
               <a:t>Il</a:t>
             </a:r>
             <a:r>
-              <a:rPr lang="es-ES" b="1" dirty="0"/>
+              <a:rPr lang="es-ES" b="0" dirty="0"/>
               <a:t> </a:t>
             </a:r>
             <a:r>
-              <a:rPr lang="es-ES" b="1" dirty="0" err="1"/>
+              <a:rPr lang="es-ES" b="0" dirty="0" err="1"/>
               <a:t>faut</a:t>
             </a:r>
             <a:r>
-              <a:rPr lang="es-ES" b="1" dirty="0"/>
+              <a:rPr lang="es-ES" b="0" dirty="0"/>
               <a:t> </a:t>
             </a:r>
             <a:r>
-              <a:rPr lang="es-ES" b="1" dirty="0" err="1"/>
+              <a:rPr lang="es-ES" b="0" dirty="0" err="1"/>
               <a:t>dire</a:t>
             </a:r>
             <a:r>
-              <a:rPr lang="es-ES" b="1" dirty="0"/>
+              <a:rPr lang="es-ES" b="0" dirty="0"/>
               <a:t> </a:t>
             </a:r>
             <a:r>
-              <a:rPr lang="es-ES" b="1" dirty="0" err="1"/>
+              <a:rPr lang="es-ES" b="0" dirty="0" err="1"/>
               <a:t>qu’on</a:t>
             </a:r>
             <a:r>
-              <a:rPr lang="es-ES" b="1" dirty="0"/>
+              <a:rPr lang="es-ES" b="0" dirty="0"/>
               <a:t> a </a:t>
             </a:r>
             <a:r>
-              <a:rPr lang="es-ES" b="1" dirty="0" err="1"/>
+              <a:rPr lang="es-ES" b="0" dirty="0" err="1"/>
               <a:t>pris</a:t>
             </a:r>
             <a:r>
-              <a:rPr lang="es-ES" b="1" dirty="0"/>
+              <a:rPr lang="es-ES" b="0" dirty="0"/>
               <a:t> en </a:t>
             </a:r>
             <a:r>
-              <a:rPr lang="es-ES" b="1" dirty="0" err="1"/>
+              <a:rPr lang="es-ES" b="0" dirty="0" err="1"/>
               <a:t>compte</a:t>
             </a:r>
             <a:r>
-              <a:rPr lang="es-ES" b="1" dirty="0"/>
+              <a:rPr lang="es-ES" b="0" dirty="0"/>
               <a:t> </a:t>
             </a:r>
             <a:r>
-              <a:rPr lang="fr-FR" sz="1200" b="1" dirty="0">
+              <a:rPr lang="fr-FR" sz="1200" b="0" dirty="0">
                 <a:effectLst/>
                 <a:latin typeface="Calibri" panose="020F0502020204030204" pitchFamily="34" charset="0"/>
                 <a:ea typeface="Calibri" panose="020F0502020204030204" pitchFamily="34" charset="0"/>
@@ -1227,7 +1227,7 @@
               <a:t>le </a:t>
             </a:r>
             <a:r>
-              <a:rPr lang="fr-FR" sz="1200" b="1" dirty="0" err="1">
+              <a:rPr lang="fr-FR" sz="1200" b="0" dirty="0" err="1">
                 <a:effectLst/>
                 <a:latin typeface="Calibri" panose="020F0502020204030204" pitchFamily="34" charset="0"/>
                 <a:ea typeface="Calibri" panose="020F0502020204030204" pitchFamily="34" charset="0"/>
@@ -1236,7 +1236,7 @@
               <a:t>Feature</a:t>
             </a:r>
             <a:r>
-              <a:rPr lang="fr-FR" sz="1200" b="1" dirty="0">
+              <a:rPr lang="fr-FR" sz="1200" b="0" dirty="0">
                 <a:effectLst/>
                 <a:latin typeface="Calibri" panose="020F0502020204030204" pitchFamily="34" charset="0"/>
                 <a:ea typeface="Calibri" panose="020F0502020204030204" pitchFamily="34" charset="0"/>
@@ -1479,7 +1479,7 @@
                 <a:ea typeface="Calibri" panose="020F0502020204030204" pitchFamily="34" charset="0"/>
                 <a:cs typeface="Arial" panose="020B0604020202020204" pitchFamily="34" charset="0"/>
               </a:rPr>
-              <a:t>L’analyse exploratoire a montré que la mission s’agit d’un problème de classification déséquilibré.</a:t>
+              <a:t>L’analyse exploratoire a montré que la mission a un problème de classification déséquilibré.</a:t>
             </a:r>
           </a:p>
           <a:p>
@@ -1532,7 +1532,7 @@
                 <a:ea typeface="Calibri" panose="020F0502020204030204" pitchFamily="34" charset="0"/>
                 <a:cs typeface="Arial" panose="020B0604020202020204" pitchFamily="34" charset="0"/>
               </a:rPr>
-              <a:t>Une modification de l’ensemble de données est possible avant d’entraîner le modèle prédictif afin d’équilibrer les données (égaliser les clases).</a:t>
+              <a:t>On peut noter ça là ou… </a:t>
             </a:r>
           </a:p>
           <a:p>
@@ -1561,6 +1561,23 @@
             </a:endParaRPr>
           </a:p>
           <a:p>
+            <a:pPr marL="0" marR="0" lvl="0" indent="0" algn="l" defTabSz="914400" rtl="0" eaLnBrk="1" fontAlgn="auto" latinLnBrk="0" hangingPunct="1">
+              <a:lnSpc>
+                <a:spcPct val="100000"/>
+              </a:lnSpc>
+              <a:spcBef>
+                <a:spcPts val="0"/>
+              </a:spcBef>
+              <a:spcAft>
+                <a:spcPts val="0"/>
+              </a:spcAft>
+              <a:buClrTx/>
+              <a:buSzTx/>
+              <a:buFontTx/>
+              <a:buNone/>
+              <a:tabLst/>
+              <a:defRPr/>
+            </a:pPr>
             <a:r>
               <a:rPr lang="fr-FR" sz="1800" dirty="0">
                 <a:effectLst/>
@@ -1568,7 +1585,60 @@
                 <a:ea typeface="Calibri" panose="020F0502020204030204" pitchFamily="34" charset="0"/>
                 <a:cs typeface="Arial" panose="020B0604020202020204" pitchFamily="34" charset="0"/>
               </a:rPr>
-              <a:t>SMOTE (</a:t>
+              <a:t>Et on a besoin de faire attention sur la classe minoritaire </a:t>
+            </a:r>
+          </a:p>
+          <a:p>
+            <a:pPr marL="0" marR="0" lvl="0" indent="0" algn="l" defTabSz="914400" rtl="0" eaLnBrk="1" fontAlgn="auto" latinLnBrk="0" hangingPunct="1">
+              <a:lnSpc>
+                <a:spcPct val="100000"/>
+              </a:lnSpc>
+              <a:spcBef>
+                <a:spcPts val="0"/>
+              </a:spcBef>
+              <a:spcAft>
+                <a:spcPts val="0"/>
+              </a:spcAft>
+              <a:buClrTx/>
+              <a:buSzTx/>
+              <a:buFontTx/>
+              <a:buNone/>
+              <a:tabLst/>
+              <a:defRPr/>
+            </a:pPr>
+            <a:endParaRPr lang="fr-FR" sz="1800" dirty="0">
+              <a:effectLst/>
+              <a:latin typeface="Calibri" panose="020F0502020204030204" pitchFamily="34" charset="0"/>
+              <a:ea typeface="Calibri" panose="020F0502020204030204" pitchFamily="34" charset="0"/>
+              <a:cs typeface="Arial" panose="020B0604020202020204" pitchFamily="34" charset="0"/>
+            </a:endParaRPr>
+          </a:p>
+          <a:p>
+            <a:pPr marL="0" marR="0" lvl="0" indent="0" algn="l" defTabSz="914400" rtl="0" eaLnBrk="1" fontAlgn="auto" latinLnBrk="0" hangingPunct="1">
+              <a:lnSpc>
+                <a:spcPct val="100000"/>
+              </a:lnSpc>
+              <a:spcBef>
+                <a:spcPts val="0"/>
+              </a:spcBef>
+              <a:spcAft>
+                <a:spcPts val="0"/>
+              </a:spcAft>
+              <a:buClrTx/>
+              <a:buSzTx/>
+              <a:buFontTx/>
+              <a:buNone/>
+              <a:tabLst/>
+              <a:defRPr/>
+            </a:pPr>
+            <a:r>
+              <a:rPr lang="fr-FR" sz="1800" dirty="0">
+                <a:effectLst/>
+                <a:latin typeface="Calibri" panose="020F0502020204030204" pitchFamily="34" charset="0"/>
+                <a:ea typeface="Calibri" panose="020F0502020204030204" pitchFamily="34" charset="0"/>
+                <a:cs typeface="Arial" panose="020B0604020202020204" pitchFamily="34" charset="0"/>
+              </a:rPr>
+              <a:t>Alors, on a utilisé la technique de </a:t>
             </a:r>
             <a:r>
               <a:rPr lang="fr-FR" sz="1800" dirty="0" err="1">
@@ -1577,53 +1647,14 @@
                 <a:ea typeface="Calibri" panose="020F0502020204030204" pitchFamily="34" charset="0"/>
                 <a:cs typeface="Arial" panose="020B0604020202020204" pitchFamily="34" charset="0"/>
               </a:rPr>
-              <a:t>Synthetic</a:t>
-            </a:r>
-            <a:r>
-              <a:rPr lang="fr-FR" sz="1800" dirty="0">
-                <a:effectLst/>
-                <a:latin typeface="Calibri" panose="020F0502020204030204" pitchFamily="34" charset="0"/>
-                <a:ea typeface="Calibri" panose="020F0502020204030204" pitchFamily="34" charset="0"/>
-                <a:cs typeface="Arial" panose="020B0604020202020204" pitchFamily="34" charset="0"/>
-              </a:rPr>
-              <a:t> </a:t>
-            </a:r>
-            <a:r>
-              <a:rPr lang="fr-FR" sz="1800" dirty="0" err="1">
-                <a:effectLst/>
-                <a:latin typeface="Calibri" panose="020F0502020204030204" pitchFamily="34" charset="0"/>
-                <a:ea typeface="Calibri" panose="020F0502020204030204" pitchFamily="34" charset="0"/>
-                <a:cs typeface="Arial" panose="020B0604020202020204" pitchFamily="34" charset="0"/>
-              </a:rPr>
-              <a:t>Minority</a:t>
-            </a:r>
-            <a:r>
-              <a:rPr lang="fr-FR" sz="1800" dirty="0">
-                <a:effectLst/>
-                <a:latin typeface="Calibri" panose="020F0502020204030204" pitchFamily="34" charset="0"/>
-                <a:ea typeface="Calibri" panose="020F0502020204030204" pitchFamily="34" charset="0"/>
-                <a:cs typeface="Arial" panose="020B0604020202020204" pitchFamily="34" charset="0"/>
-              </a:rPr>
-              <a:t> </a:t>
-            </a:r>
-            <a:r>
-              <a:rPr lang="fr-FR" sz="1800" dirty="0" err="1">
-                <a:effectLst/>
-                <a:latin typeface="Calibri" panose="020F0502020204030204" pitchFamily="34" charset="0"/>
-                <a:ea typeface="Calibri" panose="020F0502020204030204" pitchFamily="34" charset="0"/>
-                <a:cs typeface="Arial" panose="020B0604020202020204" pitchFamily="34" charset="0"/>
-              </a:rPr>
               <a:t>Oversampling</a:t>
             </a:r>
-            <a:r>
-              <a:rPr lang="fr-FR" sz="1800" dirty="0">
-                <a:effectLst/>
-                <a:latin typeface="Calibri" panose="020F0502020204030204" pitchFamily="34" charset="0"/>
-                <a:ea typeface="Calibri" panose="020F0502020204030204" pitchFamily="34" charset="0"/>
-                <a:cs typeface="Arial" panose="020B0604020202020204" pitchFamily="34" charset="0"/>
-              </a:rPr>
-              <a:t> Technique) : Consiste à synthétiser des éléments pour la classe minoritaire, à partir de ceux qui existent déjà en choisissant aléatoirement un point de la classe minoritaire et à calculer les k plus proches voisins de ce point.</a:t>
-            </a:r>
+            <a:endParaRPr lang="fr-FR" sz="1800" dirty="0">
+              <a:effectLst/>
+              <a:latin typeface="Calibri" panose="020F0502020204030204" pitchFamily="34" charset="0"/>
+              <a:ea typeface="Calibri" panose="020F0502020204030204" pitchFamily="34" charset="0"/>
+              <a:cs typeface="Arial" panose="020B0604020202020204" pitchFamily="34" charset="0"/>
+            </a:endParaRPr>
           </a:p>
           <a:p>
             <a:pPr marL="0" marR="0" lvl="0" indent="0" algn="l" defTabSz="914400" rtl="0" eaLnBrk="1" fontAlgn="auto" latinLnBrk="0" hangingPunct="1">
@@ -1796,6 +1827,47 @@
               <a:buFont typeface="Arial" panose="020B0604020202020204" pitchFamily="34" charset="0"/>
               <a:buNone/>
             </a:pPr>
+            <a:endParaRPr lang="fr-FR" sz="1800" b="0" i="0" u="none" strike="noStrike" kern="1200" dirty="0">
+              <a:solidFill>
+                <a:srgbClr val="000000"/>
+              </a:solidFill>
+              <a:effectLst/>
+              <a:latin typeface="Calibri" panose="020F0502020204030204" pitchFamily="34" charset="0"/>
+            </a:endParaRPr>
+          </a:p>
+          <a:p>
+            <a:pPr marL="0" marR="0" indent="0" algn="l" rtl="0" eaLnBrk="1" fontAlgn="auto" latinLnBrk="0" hangingPunct="1">
+              <a:spcBef>
+                <a:spcPts val="0"/>
+              </a:spcBef>
+              <a:spcAft>
+                <a:spcPts val="0"/>
+              </a:spcAft>
+              <a:buFont typeface="Arial" panose="020B0604020202020204" pitchFamily="34" charset="0"/>
+              <a:buNone/>
+            </a:pPr>
+            <a:r>
+              <a:rPr lang="fr-FR" sz="1800" b="0" i="0" u="none" strike="noStrike" kern="1200" dirty="0">
+                <a:solidFill>
+                  <a:srgbClr val="000000"/>
+                </a:solidFill>
+                <a:effectLst/>
+                <a:latin typeface="Calibri" panose="020F0502020204030204" pitchFamily="34" charset="0"/>
+              </a:rPr>
+              <a:t>Mais, dans ce cas, qu’est-ce qu’un faux négatif?</a:t>
+            </a:r>
+          </a:p>
+          <a:p>
+            <a:pPr marL="0" marR="0" indent="0" algn="l" rtl="0" eaLnBrk="1" fontAlgn="auto" latinLnBrk="0" hangingPunct="1">
+              <a:spcBef>
+                <a:spcPts val="0"/>
+              </a:spcBef>
+              <a:spcAft>
+                <a:spcPts val="0"/>
+              </a:spcAft>
+              <a:buFont typeface="Arial" panose="020B0604020202020204" pitchFamily="34" charset="0"/>
+              <a:buNone/>
+            </a:pPr>
             <a:endParaRPr lang="es-ES" sz="1800" b="0" i="0" u="none" strike="noStrike" kern="1200" dirty="0">
               <a:solidFill>
                 <a:srgbClr val="000000"/>
@@ -1803,6 +1875,85 @@
               <a:effectLst/>
               <a:latin typeface="Calibri" panose="020F0502020204030204" pitchFamily="34" charset="0"/>
             </a:endParaRPr>
+          </a:p>
+          <a:p>
+            <a:pPr marL="285750" marR="0" lvl="0" indent="-285750" algn="l" defTabSz="914400" rtl="0" eaLnBrk="1" fontAlgn="auto" latinLnBrk="0" hangingPunct="1">
+              <a:lnSpc>
+                <a:spcPct val="100000"/>
+              </a:lnSpc>
+              <a:spcBef>
+                <a:spcPts val="0"/>
+              </a:spcBef>
+              <a:spcAft>
+                <a:spcPts val="0"/>
+              </a:spcAft>
+              <a:buClrTx/>
+              <a:buSzTx/>
+              <a:buFont typeface="Arial" panose="020B0604020202020204" pitchFamily="34" charset="0"/>
+              <a:buChar char="•"/>
+              <a:tabLst/>
+              <a:defRPr/>
+            </a:pPr>
+            <a:r>
+              <a:rPr lang="es-ES" sz="1800" b="0" i="0" u="none" strike="noStrike" kern="1200" dirty="0">
+                <a:solidFill>
+                  <a:srgbClr val="000000"/>
+                </a:solidFill>
+                <a:effectLst/>
+                <a:latin typeface="Calibri" panose="020F0502020204030204" pitchFamily="34" charset="0"/>
+              </a:rPr>
+              <a:t>FN: </a:t>
+            </a:r>
+            <a:r>
+              <a:rPr lang="fr-FR" sz="1800" b="0" i="0" u="none" strike="noStrike" kern="1200" dirty="0">
+                <a:solidFill>
+                  <a:srgbClr val="7F7F7F"/>
+                </a:solidFill>
+                <a:effectLst/>
+                <a:latin typeface="Calibri" panose="020F0502020204030204" pitchFamily="34" charset="0"/>
+              </a:rPr>
+              <a:t>des prêts qui </a:t>
+            </a:r>
+            <a:r>
+              <a:rPr lang="fr-FR" sz="1800" b="1" i="0" u="sng" strike="noStrike" kern="1200" dirty="0">
+                <a:solidFill>
+                  <a:srgbClr val="FF0000"/>
+                </a:solidFill>
+                <a:effectLst/>
+                <a:latin typeface="Calibri" panose="020F0502020204030204" pitchFamily="34" charset="0"/>
+              </a:rPr>
+              <a:t>sont en défaut</a:t>
+            </a:r>
+            <a:r>
+              <a:rPr lang="fr-FR" sz="1800" b="0" i="0" u="none" strike="noStrike" kern="1200" dirty="0">
+                <a:solidFill>
+                  <a:srgbClr val="7F7F7F"/>
+                </a:solidFill>
+                <a:effectLst/>
+                <a:latin typeface="Calibri" panose="020F0502020204030204" pitchFamily="34" charset="0"/>
+              </a:rPr>
+              <a:t> et ont été prédites de manière </a:t>
+            </a:r>
+            <a:r>
+              <a:rPr lang="fr-FR" sz="1800" b="1" i="0" u="sng" strike="noStrike" kern="1200" dirty="0">
+                <a:solidFill>
+                  <a:srgbClr val="FF0000"/>
+                </a:solidFill>
+                <a:effectLst/>
+                <a:latin typeface="Calibri" panose="020F0502020204030204" pitchFamily="34" charset="0"/>
+              </a:rPr>
+              <a:t>incorrecte.</a:t>
+            </a:r>
+            <a:r>
+              <a:rPr lang="fr-FR" sz="1800" b="0" i="0" u="none" strike="noStrike" kern="1200" dirty="0">
+                <a:solidFill>
+                  <a:srgbClr val="FF0000"/>
+                </a:solidFill>
+                <a:effectLst/>
+                <a:latin typeface="Calibri" panose="020F0502020204030204" pitchFamily="34" charset="0"/>
+              </a:rPr>
+              <a:t> ça veut dire qu'ils ont été prédits comme s'ils n'étaient pas en défaut</a:t>
+            </a:r>
           </a:p>
           <a:p>
             <a:pPr marL="285750" marR="0" indent="-285750" algn="l" rtl="0" eaLnBrk="1" fontAlgn="auto" latinLnBrk="0" hangingPunct="1">
@@ -1826,34 +1977,24 @@
               <a:t>TN: </a:t>
             </a:r>
             <a:r>
-              <a:rPr lang="fr-FR" sz="1800" b="0" i="0" u="none" strike="noStrike" kern="1200" dirty="0">
-                <a:solidFill>
-                  <a:srgbClr val="7F7F7F"/>
+              <a:rPr lang="fr-FR" sz="1800" b="1" i="0" u="sng" strike="noStrike" kern="1200" dirty="0">
+                <a:solidFill>
+                  <a:srgbClr val="00B050"/>
                 </a:solidFill>
                 <a:effectLst/>
                 <a:latin typeface="Calibri" panose="020F0502020204030204" pitchFamily="34" charset="0"/>
               </a:rPr>
-              <a:t>des prêts qui </a:t>
-            </a:r>
-            <a:r>
-              <a:rPr lang="fr-FR" sz="1800" b="1" i="0" u="sng" strike="noStrike" kern="1200" dirty="0">
-                <a:solidFill>
-                  <a:srgbClr val="00B050"/>
+              <a:t>Ne sont pas en défaut</a:t>
+            </a:r>
+            <a:r>
+              <a:rPr lang="fr-FR" sz="1800" b="0" i="0" u="none" strike="noStrike" kern="1200" dirty="0">
+                <a:solidFill>
+                  <a:srgbClr val="7F7F7F"/>
                 </a:solidFill>
                 <a:effectLst/>
                 <a:latin typeface="Calibri" panose="020F0502020204030204" pitchFamily="34" charset="0"/>
               </a:rPr>
-              <a:t>ne sont pas en défaut</a:t>
-            </a:r>
-            <a:r>
-              <a:rPr lang="fr-FR" sz="1800" b="0" i="0" u="none" strike="noStrike" kern="1200" dirty="0">
-                <a:solidFill>
-                  <a:srgbClr val="7F7F7F"/>
-                </a:solidFill>
-                <a:effectLst/>
-                <a:latin typeface="Calibri" panose="020F0502020204030204" pitchFamily="34" charset="0"/>
-              </a:rPr>
-              <a:t> et ont été prédits </a:t>
+              <a:t>. Prédits </a:t>
             </a:r>
             <a:r>
               <a:rPr lang="fr-FR" sz="1800" b="1" i="0" u="sng" strike="noStrike" kern="1200" dirty="0">
@@ -1902,34 +2043,24 @@
               <a:t>: </a:t>
             </a:r>
             <a:r>
-              <a:rPr lang="fr-FR" sz="1800" b="0" i="0" u="none" strike="noStrike" kern="1200" dirty="0">
-                <a:solidFill>
-                  <a:srgbClr val="7F7F7F"/>
+              <a:rPr lang="fr-FR" sz="1800" b="1" i="0" u="sng" strike="noStrike" kern="1200" dirty="0">
+                <a:solidFill>
+                  <a:srgbClr val="00B050"/>
                 </a:solidFill>
                 <a:effectLst/>
                 <a:latin typeface="Calibri" panose="020F0502020204030204" pitchFamily="34" charset="0"/>
               </a:rPr>
-              <a:t>des prêts qui </a:t>
-            </a:r>
-            <a:r>
-              <a:rPr lang="fr-FR" sz="1800" b="1" i="0" u="sng" strike="noStrike" kern="1200" dirty="0">
-                <a:solidFill>
-                  <a:srgbClr val="00B050"/>
+              <a:t>Sont en défaut</a:t>
+            </a:r>
+            <a:r>
+              <a:rPr lang="fr-FR" sz="1800" b="0" i="0" u="none" strike="noStrike" kern="1200" dirty="0">
+                <a:solidFill>
+                  <a:srgbClr val="7F7F7F"/>
                 </a:solidFill>
                 <a:effectLst/>
                 <a:latin typeface="Calibri" panose="020F0502020204030204" pitchFamily="34" charset="0"/>
               </a:rPr>
-              <a:t>sont en défaut </a:t>
-            </a:r>
-            <a:r>
-              <a:rPr lang="fr-FR" sz="1800" b="0" i="0" u="none" strike="noStrike" kern="1200" dirty="0">
-                <a:solidFill>
-                  <a:srgbClr val="7F7F7F"/>
-                </a:solidFill>
-                <a:effectLst/>
-                <a:latin typeface="Calibri" panose="020F0502020204030204" pitchFamily="34" charset="0"/>
-              </a:rPr>
-              <a:t>et ont été prédits </a:t>
+              <a:t>. Prédits </a:t>
             </a:r>
             <a:r>
               <a:rPr lang="fr-FR" sz="1800" b="1" i="0" u="sng" strike="noStrike" kern="1200" dirty="0">
@@ -1968,49 +2099,35 @@
               <a:t>FP: </a:t>
             </a:r>
             <a:r>
-              <a:rPr lang="fr-FR" sz="1800" b="0" i="0" u="none" strike="noStrike" kern="1200" dirty="0">
-                <a:solidFill>
-                  <a:srgbClr val="7F7F7F"/>
+              <a:rPr lang="fr-FR" sz="1800" b="1" i="0" u="sng" strike="noStrike" kern="1200" dirty="0">
+                <a:solidFill>
+                  <a:srgbClr val="5B9BD5"/>
                 </a:solidFill>
                 <a:effectLst/>
                 <a:latin typeface="Calibri" panose="020F0502020204030204" pitchFamily="34" charset="0"/>
               </a:rPr>
-              <a:t>des prêts qui </a:t>
-            </a:r>
-            <a:r>
-              <a:rPr lang="fr-FR" sz="1800" b="1" i="0" u="sng" strike="noStrike" kern="1200" dirty="0">
-                <a:solidFill>
-                  <a:srgbClr val="5B9BD5"/>
+              <a:t>Ne sont pas en défaut</a:t>
+            </a:r>
+            <a:r>
+              <a:rPr lang="fr-FR" sz="1800" b="0" i="0" u="none" strike="noStrike" kern="1200" dirty="0">
+                <a:solidFill>
+                  <a:srgbClr val="7F7F7F"/>
                 </a:solidFill>
                 <a:effectLst/>
                 <a:latin typeface="Calibri" panose="020F0502020204030204" pitchFamily="34" charset="0"/>
               </a:rPr>
-              <a:t>ne sont pas en défaut</a:t>
-            </a:r>
-            <a:r>
-              <a:rPr lang="fr-FR" sz="1800" b="0" i="0" u="none" strike="noStrike" kern="1200" dirty="0">
-                <a:solidFill>
-                  <a:srgbClr val="7F7F7F"/>
+              <a:t>. Prédits </a:t>
+            </a:r>
+            <a:r>
+              <a:rPr lang="fr-FR" sz="1800" b="1" i="0" u="sng" strike="noStrike" kern="1200" dirty="0">
+                <a:solidFill>
+                  <a:srgbClr val="5B9BD5"/>
                 </a:solidFill>
                 <a:effectLst/>
                 <a:latin typeface="Calibri" panose="020F0502020204030204" pitchFamily="34" charset="0"/>
               </a:rPr>
-              <a:t> et ont été prédites de manière </a:t>
-            </a:r>
-            <a:r>
-              <a:rPr lang="fr-FR" sz="1800" b="1" i="0" u="sng" strike="noStrike" kern="1200" dirty="0">
-                <a:solidFill>
-                  <a:srgbClr val="5B9BD5"/>
-                </a:solidFill>
-                <a:effectLst/>
-                <a:latin typeface="Calibri" panose="020F0502020204030204" pitchFamily="34" charset="0"/>
-              </a:rPr>
               <a:t>incorrecte</a:t>
             </a:r>
-            <a:endParaRPr lang="fr-FR" sz="1800" b="0" i="0" u="none" strike="noStrike" dirty="0">
-              <a:effectLst/>
-              <a:latin typeface="Arial" panose="020B0604020202020204" pitchFamily="34" charset="0"/>
-            </a:endParaRPr>
           </a:p>
           <a:p>
             <a:pPr marL="285750" marR="0" indent="-285750" algn="l" rtl="0" eaLnBrk="1" fontAlgn="auto" latinLnBrk="0" hangingPunct="1">
@@ -2023,56 +2140,39 @@
               <a:buFont typeface="Arial" panose="020B0604020202020204" pitchFamily="34" charset="0"/>
               <a:buChar char="•"/>
             </a:pPr>
-            <a:r>
-              <a:rPr lang="es-ES" sz="1800" b="0" i="0" u="none" strike="noStrike" kern="1200" dirty="0">
-                <a:solidFill>
-                  <a:srgbClr val="000000"/>
+            <a:endParaRPr lang="fr-FR" sz="1800" b="1" i="0" u="sng" strike="noStrike" kern="1200" dirty="0">
+              <a:solidFill>
+                <a:srgbClr val="5B9BD5"/>
+              </a:solidFill>
+              <a:effectLst/>
+              <a:latin typeface="Calibri" panose="020F0502020204030204" pitchFamily="34" charset="0"/>
+            </a:endParaRPr>
+          </a:p>
+          <a:p>
+            <a:pPr marL="0" marR="0" indent="0" algn="l" rtl="0" eaLnBrk="1" fontAlgn="auto" latinLnBrk="0" hangingPunct="1">
+              <a:spcBef>
+                <a:spcPts val="0"/>
+              </a:spcBef>
+              <a:spcAft>
+                <a:spcPts val="0"/>
+              </a:spcAft>
+              <a:buFont typeface="Arial" panose="020B0604020202020204" pitchFamily="34" charset="0"/>
+              <a:buNone/>
+            </a:pPr>
+            <a:r>
+              <a:rPr lang="fr-FR" sz="1800" b="0" i="0" u="none" strike="noStrike" kern="1200" dirty="0">
+                <a:solidFill>
+                  <a:srgbClr val="5B9BD5"/>
                 </a:solidFill>
                 <a:effectLst/>
                 <a:latin typeface="Calibri" panose="020F0502020204030204" pitchFamily="34" charset="0"/>
               </a:rPr>
-              <a:t>FN: </a:t>
-            </a:r>
-            <a:r>
-              <a:rPr lang="fr-FR" sz="1800" b="0" i="0" u="none" strike="noStrike" kern="1200" dirty="0">
-                <a:solidFill>
-                  <a:srgbClr val="7F7F7F"/>
-                </a:solidFill>
-                <a:effectLst/>
-                <a:latin typeface="Calibri" panose="020F0502020204030204" pitchFamily="34" charset="0"/>
-              </a:rPr>
-              <a:t>des prêts qui </a:t>
-            </a:r>
-            <a:r>
-              <a:rPr lang="fr-FR" sz="1800" b="1" i="0" u="sng" strike="noStrike" kern="1200" dirty="0">
-                <a:solidFill>
-                  <a:srgbClr val="FF0000"/>
-                </a:solidFill>
-                <a:effectLst/>
-                <a:latin typeface="Calibri" panose="020F0502020204030204" pitchFamily="34" charset="0"/>
-              </a:rPr>
-              <a:t>sont en défaut</a:t>
-            </a:r>
-            <a:r>
-              <a:rPr lang="fr-FR" sz="1800" b="0" i="0" u="none" strike="noStrike" kern="1200" dirty="0">
-                <a:solidFill>
-                  <a:srgbClr val="7F7F7F"/>
-                </a:solidFill>
-                <a:effectLst/>
-                <a:latin typeface="Calibri" panose="020F0502020204030204" pitchFamily="34" charset="0"/>
-              </a:rPr>
-              <a:t> et ont été prédites de manière </a:t>
-            </a:r>
-            <a:r>
-              <a:rPr lang="fr-FR" sz="1800" b="1" i="0" u="sng" strike="noStrike" kern="1200" dirty="0">
-                <a:solidFill>
-                  <a:srgbClr val="FF0000"/>
-                </a:solidFill>
-                <a:effectLst/>
-                <a:latin typeface="Calibri" panose="020F0502020204030204" pitchFamily="34" charset="0"/>
-              </a:rPr>
-              <a:t>incorrecte</a:t>
-            </a:r>
+              <a:t>C’est pour cela qu’on a décidé d’assigner 10 fois moins aux faux négatifs par rapport aux autres</a:t>
+            </a:r>
+            <a:endParaRPr lang="fr-FR" sz="1800" b="0" i="0" u="none" strike="noStrike" dirty="0">
+              <a:effectLst/>
+              <a:latin typeface="Arial" panose="020B0604020202020204" pitchFamily="34" charset="0"/>
+            </a:endParaRPr>
           </a:p>
           <a:p>
             <a:pPr marL="285750" marR="0" indent="-285750" algn="l" rtl="0" eaLnBrk="1" fontAlgn="auto" latinLnBrk="0" hangingPunct="1">
@@ -2094,62 +2194,6 @@
             </a:endParaRPr>
           </a:p>
           <a:p>
-            <a:pPr marL="0" marR="0" indent="0" algn="l" rtl="0" eaLnBrk="1" fontAlgn="auto" latinLnBrk="0" hangingPunct="1">
-              <a:spcBef>
-                <a:spcPts val="0"/>
-              </a:spcBef>
-              <a:spcAft>
-                <a:spcPts val="0"/>
-              </a:spcAft>
-              <a:buFont typeface="Arial" panose="020B0604020202020204" pitchFamily="34" charset="0"/>
-              <a:buNone/>
-            </a:pPr>
-            <a:r>
-              <a:rPr lang="fr-FR" sz="1800" dirty="0">
-                <a:effectLst/>
-                <a:latin typeface="Calibri" panose="020F0502020204030204" pitchFamily="34" charset="0"/>
-                <a:ea typeface="Calibri" panose="020F0502020204030204" pitchFamily="34" charset="0"/>
-                <a:cs typeface="Arial" panose="020B0604020202020204" pitchFamily="34" charset="0"/>
-              </a:rPr>
-              <a:t>Ces valeurs de coefficients signifient que les </a:t>
-            </a:r>
-            <a:r>
-              <a:rPr lang="fr-FR" sz="1800" u="sng" dirty="0">
-                <a:effectLst/>
-                <a:latin typeface="Calibri" panose="020F0502020204030204" pitchFamily="34" charset="0"/>
-                <a:ea typeface="Calibri" panose="020F0502020204030204" pitchFamily="34" charset="0"/>
-                <a:cs typeface="Arial" panose="020B0604020202020204" pitchFamily="34" charset="0"/>
-              </a:rPr>
-              <a:t>Faux Négatif (FN)</a:t>
-            </a:r>
-            <a:r>
-              <a:rPr lang="fr-FR" sz="1800" dirty="0">
-                <a:effectLst/>
-                <a:latin typeface="Calibri" panose="020F0502020204030204" pitchFamily="34" charset="0"/>
-                <a:ea typeface="Calibri" panose="020F0502020204030204" pitchFamily="34" charset="0"/>
-                <a:cs typeface="Arial" panose="020B0604020202020204" pitchFamily="34" charset="0"/>
-              </a:rPr>
-              <a:t> engendrent des pertes 10 fois par rapport aux autres. </a:t>
-            </a:r>
-          </a:p>
-          <a:p>
-            <a:pPr marL="0" marR="0" indent="0" algn="l" rtl="0" eaLnBrk="1" fontAlgn="auto" latinLnBrk="0" hangingPunct="1">
-              <a:spcBef>
-                <a:spcPts val="0"/>
-              </a:spcBef>
-              <a:spcAft>
-                <a:spcPts val="0"/>
-              </a:spcAft>
-              <a:buFont typeface="Arial" panose="020B0604020202020204" pitchFamily="34" charset="0"/>
-              <a:buNone/>
-            </a:pPr>
-            <a:endParaRPr lang="fr-FR" sz="1800" b="0" i="0" u="none" strike="noStrike" dirty="0">
-              <a:effectLst/>
-              <a:latin typeface="Calibri" panose="020F0502020204030204" pitchFamily="34" charset="0"/>
-              <a:cs typeface="Arial" panose="020B0604020202020204" pitchFamily="34" charset="0"/>
-            </a:endParaRPr>
-          </a:p>
-          <a:p>
             <a:pPr marL="0" marR="0" indent="0" algn="l" defTabSz="914400" rtl="0" eaLnBrk="1" fontAlgn="auto" latinLnBrk="0" hangingPunct="1">
               <a:spcBef>
                 <a:spcPts val="0"/>
@@ -2194,31 +2238,7 @@
                 <a:ea typeface="+mn-ea"/>
                 <a:cs typeface="+mn-cs"/>
               </a:rPr>
-              <a:t># Calcul des gains en fonction </a:t>
-            </a:r>
-            <a:r>
-              <a:rPr lang="fr-FR" sz="1200" i="1" kern="1200">
-                <a:solidFill>
-                  <a:srgbClr val="212121"/>
-                </a:solidFill>
-                <a:effectLst/>
-                <a:latin typeface="+mn-lt"/>
-                <a:ea typeface="+mn-ea"/>
-                <a:cs typeface="+mn-cs"/>
-              </a:rPr>
-              <a:t>du taux </a:t>
-            </a:r>
-            <a:r>
-              <a:rPr lang="fr-FR" sz="1200" i="1" kern="1200" dirty="0">
-                <a:solidFill>
-                  <a:srgbClr val="212121"/>
-                </a:solidFill>
-                <a:effectLst/>
-                <a:latin typeface="+mn-lt"/>
-                <a:ea typeface="+mn-ea"/>
-                <a:cs typeface="+mn-cs"/>
-              </a:rPr>
-              <a:t>/ valeurs</a:t>
+              <a:t># Calcul des gains en fonction du taux / valeurs</a:t>
             </a:r>
           </a:p>
           <a:p>
@@ -2334,6 +2354,192 @@
           <a:bodyPr/>
           <a:lstStyle/>
           <a:p>
+            <a:pPr marL="0" indent="0" algn="l">
+              <a:buFont typeface="Arial" panose="020B0604020202020204" pitchFamily="34" charset="0"/>
+              <a:buNone/>
+            </a:pPr>
+            <a:r>
+              <a:rPr lang="fr-FR" b="0" i="0" dirty="0">
+                <a:solidFill>
+                  <a:srgbClr val="404040"/>
+                </a:solidFill>
+                <a:effectLst/>
+                <a:latin typeface="Lato" panose="020F0502020204030203" pitchFamily="34" charset="0"/>
+              </a:rPr>
+              <a:t>Pour la </a:t>
+            </a:r>
+            <a:r>
+              <a:rPr lang="fr-FR" b="0" i="0" dirty="0" err="1">
+                <a:solidFill>
+                  <a:srgbClr val="404040"/>
+                </a:solidFill>
+                <a:effectLst/>
+                <a:latin typeface="Lato" panose="020F0502020204030203" pitchFamily="34" charset="0"/>
+              </a:rPr>
+              <a:t>hyperparametrisation</a:t>
+            </a:r>
+            <a:r>
+              <a:rPr lang="fr-FR" b="0" i="0" dirty="0">
+                <a:solidFill>
+                  <a:srgbClr val="404040"/>
+                </a:solidFill>
+                <a:effectLst/>
+                <a:latin typeface="Lato" panose="020F0502020204030203" pitchFamily="34" charset="0"/>
+              </a:rPr>
+              <a:t> on a utilisé </a:t>
+            </a:r>
+            <a:r>
+              <a:rPr lang="fr-FR" b="0" i="0" dirty="0" err="1">
+                <a:solidFill>
+                  <a:srgbClr val="404040"/>
+                </a:solidFill>
+                <a:effectLst/>
+                <a:latin typeface="Lato" panose="020F0502020204030203" pitchFamily="34" charset="0"/>
+              </a:rPr>
+              <a:t>Hyperopt</a:t>
+            </a:r>
+            <a:endParaRPr lang="fr-FR" b="0" i="0" dirty="0">
+              <a:solidFill>
+                <a:srgbClr val="404040"/>
+              </a:solidFill>
+              <a:effectLst/>
+              <a:latin typeface="Lato" panose="020F0502020204030203" pitchFamily="34" charset="0"/>
+            </a:endParaRPr>
+          </a:p>
+          <a:p>
+            <a:pPr marL="0" indent="0" algn="l">
+              <a:buFont typeface="Arial" panose="020B0604020202020204" pitchFamily="34" charset="0"/>
+              <a:buNone/>
+            </a:pPr>
+            <a:endParaRPr lang="fr-FR" b="0" i="0" dirty="0">
+              <a:solidFill>
+                <a:srgbClr val="404040"/>
+              </a:solidFill>
+              <a:effectLst/>
+              <a:latin typeface="Lato" panose="020F0502020204030203" pitchFamily="34" charset="0"/>
+            </a:endParaRPr>
+          </a:p>
+          <a:p>
+            <a:pPr marL="0" indent="0" algn="l">
+              <a:buFont typeface="Arial" panose="020B0604020202020204" pitchFamily="34" charset="0"/>
+              <a:buNone/>
+            </a:pPr>
+            <a:r>
+              <a:rPr lang="fr-FR" b="0" i="0" dirty="0">
+                <a:solidFill>
+                  <a:srgbClr val="404040"/>
+                </a:solidFill>
+                <a:effectLst/>
+                <a:latin typeface="Lato" panose="020F0502020204030203" pitchFamily="34" charset="0"/>
+              </a:rPr>
+              <a:t>On a </a:t>
+            </a:r>
+            <a:r>
+              <a:rPr lang="fr-FR" b="0" i="0" dirty="0" err="1">
+                <a:solidFill>
+                  <a:srgbClr val="404040"/>
+                </a:solidFill>
+                <a:effectLst/>
+                <a:latin typeface="Lato" panose="020F0502020204030203" pitchFamily="34" charset="0"/>
+              </a:rPr>
+              <a:t>definí</a:t>
+            </a:r>
+            <a:r>
+              <a:rPr lang="fr-FR" b="0" i="0" dirty="0">
+                <a:solidFill>
+                  <a:srgbClr val="404040"/>
+                </a:solidFill>
+                <a:effectLst/>
+                <a:latin typeface="Lato" panose="020F0502020204030203" pitchFamily="34" charset="0"/>
+              </a:rPr>
+              <a:t> des paramètres basés sur les paramètres déjà existants dans le kernel choisi </a:t>
+            </a:r>
+          </a:p>
+          <a:p>
+            <a:pPr marL="0" indent="0" algn="l">
+              <a:buFont typeface="Arial" panose="020B0604020202020204" pitchFamily="34" charset="0"/>
+              <a:buNone/>
+            </a:pPr>
+            <a:endParaRPr lang="fr-FR" b="0" i="0" dirty="0">
+              <a:solidFill>
+                <a:srgbClr val="404040"/>
+              </a:solidFill>
+              <a:effectLst/>
+              <a:latin typeface="Lato" panose="020F0502020204030203" pitchFamily="34" charset="0"/>
+            </a:endParaRPr>
+          </a:p>
+          <a:p>
+            <a:pPr marL="0" marR="0" lvl="0" indent="0" algn="l" defTabSz="914400" rtl="0" eaLnBrk="1" fontAlgn="auto" latinLnBrk="0" hangingPunct="1">
+              <a:lnSpc>
+                <a:spcPct val="100000"/>
+              </a:lnSpc>
+              <a:spcBef>
+                <a:spcPts val="0"/>
+              </a:spcBef>
+              <a:spcAft>
+                <a:spcPts val="0"/>
+              </a:spcAft>
+              <a:buClrTx/>
+              <a:buSzTx/>
+              <a:buFont typeface="Arial" panose="020B0604020202020204" pitchFamily="34" charset="0"/>
+              <a:buNone/>
+              <a:tabLst/>
+              <a:defRPr/>
+            </a:pPr>
+            <a:r>
+              <a:rPr lang="fr-FR" b="0" i="0" dirty="0">
+                <a:solidFill>
+                  <a:srgbClr val="404040"/>
+                </a:solidFill>
+                <a:effectLst/>
+                <a:latin typeface="Lato" panose="020F0502020204030203" pitchFamily="34" charset="0"/>
+              </a:rPr>
+              <a:t>En faisant l'augmentation de seuil de chaque côté pour chaque paramètre. </a:t>
+            </a:r>
+          </a:p>
+          <a:p>
+            <a:pPr marL="171450" indent="-171450" algn="l">
+              <a:buFont typeface="Arial" panose="020B0604020202020204" pitchFamily="34" charset="0"/>
+              <a:buChar char="•"/>
+            </a:pPr>
+            <a:endParaRPr lang="fr-FR" b="1" i="0" dirty="0">
+              <a:solidFill>
+                <a:srgbClr val="404040"/>
+              </a:solidFill>
+              <a:effectLst/>
+              <a:latin typeface="Lato" panose="020F0502020204030203" pitchFamily="34" charset="0"/>
+            </a:endParaRPr>
+          </a:p>
+          <a:p>
+            <a:pPr marL="0" indent="0" algn="l">
+              <a:buFont typeface="Arial" panose="020B0604020202020204" pitchFamily="34" charset="0"/>
+              <a:buNone/>
+            </a:pPr>
+            <a:r>
+              <a:rPr lang="fr-FR" b="0" i="0" dirty="0">
+                <a:solidFill>
+                  <a:srgbClr val="404040"/>
+                </a:solidFill>
+                <a:effectLst/>
+                <a:latin typeface="Lato" panose="020F0502020204030203" pitchFamily="34" charset="0"/>
+              </a:rPr>
+              <a:t>Pour dire au moment de la modélisation d’utiliser 80% de données</a:t>
+            </a:r>
+          </a:p>
+          <a:p>
+            <a:pPr marL="171450" indent="-171450" algn="l">
+              <a:buFont typeface="Arial" panose="020B0604020202020204" pitchFamily="34" charset="0"/>
+              <a:buChar char="•"/>
+            </a:pPr>
+            <a:endParaRPr lang="fr-FR" b="1" i="0" dirty="0">
+              <a:solidFill>
+                <a:srgbClr val="404040"/>
+              </a:solidFill>
+              <a:effectLst/>
+              <a:latin typeface="Lato" panose="020F0502020204030203" pitchFamily="34" charset="0"/>
+            </a:endParaRPr>
+          </a:p>
+          <a:p>
             <a:pPr marL="171450" indent="-171450" algn="l">
               <a:buFont typeface="Arial" panose="020B0604020202020204" pitchFamily="34" charset="0"/>
               <a:buChar char="•"/>
@@ -3171,7 +3377,46 @@
                 </a:solidFill>
                 <a:latin typeface="CIDFont+F2"/>
               </a:rPr>
-              <a:t>Plus le modèle est performant, plus l’aire sous la courbe est maximisé.</a:t>
+              <a:t>Plus le modèle est performant, plus l’aire sous la courbe est maximisé ou </a:t>
+            </a:r>
+          </a:p>
+          <a:p>
+            <a:pPr algn="l"/>
+            <a:endParaRPr lang="fr-FR" sz="1800" b="0" i="0" u="none" strike="noStrike" baseline="0" dirty="0">
+              <a:solidFill>
+                <a:srgbClr val="142D6E"/>
+              </a:solidFill>
+              <a:latin typeface="CIDFont+F2"/>
+            </a:endParaRPr>
+          </a:p>
+          <a:p>
+            <a:pPr algn="l"/>
+            <a:r>
+              <a:rPr lang="fr-FR" sz="1800" b="0" i="0" u="none" strike="noStrike" baseline="0" dirty="0">
+                <a:solidFill>
+                  <a:srgbClr val="142D6E"/>
+                </a:solidFill>
+                <a:latin typeface="CIDFont+F2"/>
+              </a:rPr>
+              <a:t>la </a:t>
+            </a:r>
+            <a:r>
+              <a:rPr lang="fr-FR" sz="1800" b="0" i="0" u="none" strike="noStrike" baseline="0" dirty="0" err="1">
+                <a:solidFill>
+                  <a:srgbClr val="142D6E"/>
+                </a:solidFill>
+                <a:latin typeface="CIDFont+F2"/>
+              </a:rPr>
+              <a:t>curve</a:t>
+            </a:r>
+            <a:r>
+              <a:rPr lang="fr-FR" sz="1800" b="0" i="0" u="none" strike="noStrike" baseline="0" dirty="0">
+                <a:solidFill>
+                  <a:srgbClr val="142D6E"/>
+                </a:solidFill>
+                <a:latin typeface="CIDFont+F2"/>
+              </a:rPr>
+              <a:t> est éloignée du milieu</a:t>
             </a:r>
           </a:p>
           <a:p>
@@ -3581,7 +3826,95 @@
               <a:buFont typeface="Arial" panose="020B0604020202020204" pitchFamily="34" charset="0"/>
               <a:buNone/>
             </a:pPr>
-            <a:endParaRPr lang="fr-FR" b="0" i="0" dirty="0">
+            <a:r>
+              <a:rPr lang="fr-FR" b="0" i="0" noProof="0" dirty="0">
+                <a:solidFill>
+                  <a:srgbClr val="404040"/>
+                </a:solidFill>
+                <a:effectLst/>
+                <a:latin typeface="Lato" panose="020F0502020204030203" pitchFamily="34" charset="0"/>
+              </a:rPr>
+              <a:t>Voici les outils utilisé pour développer le tableau du bord</a:t>
+            </a:r>
+          </a:p>
+          <a:p>
+            <a:pPr algn="l">
+              <a:buFont typeface="Arial" panose="020B0604020202020204" pitchFamily="34" charset="0"/>
+              <a:buNone/>
+            </a:pPr>
+            <a:endParaRPr lang="fr-FR" b="0" i="0" noProof="0" dirty="0">
+              <a:solidFill>
+                <a:srgbClr val="404040"/>
+              </a:solidFill>
+              <a:effectLst/>
+              <a:latin typeface="Lato" panose="020F0502020204030203" pitchFamily="34" charset="0"/>
+            </a:endParaRPr>
+          </a:p>
+          <a:p>
+            <a:pPr algn="l">
+              <a:buFont typeface="Arial" panose="020B0604020202020204" pitchFamily="34" charset="0"/>
+              <a:buNone/>
+            </a:pPr>
+            <a:r>
+              <a:rPr lang="fr-FR" b="0" i="0" noProof="0" dirty="0" err="1">
+                <a:solidFill>
+                  <a:srgbClr val="404040"/>
+                </a:solidFill>
+                <a:effectLst/>
+                <a:latin typeface="Lato" panose="020F0502020204030203" pitchFamily="34" charset="0"/>
+              </a:rPr>
+              <a:t>Github</a:t>
+            </a:r>
+            <a:r>
+              <a:rPr lang="fr-FR" b="0" i="0" noProof="0" dirty="0">
+                <a:solidFill>
+                  <a:srgbClr val="404040"/>
+                </a:solidFill>
+                <a:effectLst/>
+                <a:latin typeface="Lato" panose="020F0502020204030203" pitchFamily="34" charset="0"/>
+              </a:rPr>
+              <a:t> : logiciel de version de code</a:t>
+            </a:r>
+          </a:p>
+          <a:p>
+            <a:pPr algn="l">
+              <a:buFont typeface="Arial" panose="020B0604020202020204" pitchFamily="34" charset="0"/>
+              <a:buNone/>
+            </a:pPr>
+            <a:endParaRPr lang="fr-FR" b="0" i="0" noProof="0" dirty="0">
+              <a:solidFill>
+                <a:srgbClr val="404040"/>
+              </a:solidFill>
+              <a:effectLst/>
+              <a:latin typeface="Lato" panose="020F0502020204030203" pitchFamily="34" charset="0"/>
+            </a:endParaRPr>
+          </a:p>
+          <a:p>
+            <a:pPr algn="l">
+              <a:buFont typeface="Arial" panose="020B0604020202020204" pitchFamily="34" charset="0"/>
+              <a:buNone/>
+            </a:pPr>
+            <a:r>
+              <a:rPr lang="fr-FR" b="0" i="0" noProof="0" dirty="0">
+                <a:solidFill>
+                  <a:srgbClr val="404040"/>
+                </a:solidFill>
+                <a:effectLst/>
+                <a:latin typeface="Lato" panose="020F0502020204030203" pitchFamily="34" charset="0"/>
+              </a:rPr>
+              <a:t>Docker : le </a:t>
+            </a:r>
+            <a:r>
+              <a:rPr lang="fr-FR" sz="1800" b="0" i="0" u="none" strike="noStrike" dirty="0">
+                <a:solidFill>
+                  <a:srgbClr val="000000"/>
+                </a:solidFill>
+                <a:effectLst/>
+                <a:latin typeface="Arial" panose="020B0604020202020204" pitchFamily="34" charset="0"/>
+              </a:rPr>
+              <a:t>déploiement</a:t>
+            </a:r>
+            <a:endParaRPr lang="fr-FR" b="0" i="0" noProof="0" dirty="0">
               <a:solidFill>
                 <a:srgbClr val="404040"/>
               </a:solidFill>
@@ -3675,6 +4008,163 @@
               <a:buFont typeface="Arial" panose="020B0604020202020204" pitchFamily="34" charset="0"/>
               <a:buNone/>
             </a:pPr>
+            <a:r>
+              <a:rPr lang="es-ES" b="0" i="0" dirty="0" err="1">
+                <a:solidFill>
+                  <a:srgbClr val="404040"/>
+                </a:solidFill>
+                <a:effectLst/>
+                <a:latin typeface="Lato" panose="020F0502020204030203" pitchFamily="34" charset="0"/>
+              </a:rPr>
+              <a:t>Uvicorn</a:t>
+            </a:r>
+            <a:r>
+              <a:rPr lang="es-ES" b="0" i="0" dirty="0">
+                <a:solidFill>
+                  <a:srgbClr val="404040"/>
+                </a:solidFill>
+                <a:effectLst/>
+                <a:latin typeface="Lato" panose="020F0502020204030203" pitchFamily="34" charset="0"/>
+              </a:rPr>
+              <a:t> : </a:t>
+            </a:r>
+            <a:r>
+              <a:rPr lang="es-ES" b="0" i="0" dirty="0" err="1">
+                <a:solidFill>
+                  <a:srgbClr val="404040"/>
+                </a:solidFill>
+                <a:effectLst/>
+                <a:latin typeface="Lato" panose="020F0502020204030203" pitchFamily="34" charset="0"/>
+              </a:rPr>
+              <a:t>Serveur</a:t>
+            </a:r>
+            <a:r>
+              <a:rPr lang="es-ES" b="0" i="0" dirty="0">
+                <a:solidFill>
+                  <a:srgbClr val="404040"/>
+                </a:solidFill>
+                <a:effectLst/>
+                <a:latin typeface="Lato" panose="020F0502020204030203" pitchFamily="34" charset="0"/>
+              </a:rPr>
+              <a:t> local</a:t>
+            </a:r>
+          </a:p>
+          <a:p>
+            <a:pPr algn="l">
+              <a:buFont typeface="Arial" panose="020B0604020202020204" pitchFamily="34" charset="0"/>
+              <a:buNone/>
+            </a:pPr>
+            <a:r>
+              <a:rPr lang="es-ES" b="0" i="0" dirty="0" err="1">
+                <a:solidFill>
+                  <a:srgbClr val="404040"/>
+                </a:solidFill>
+                <a:effectLst/>
+                <a:latin typeface="Lato" panose="020F0502020204030203" pitchFamily="34" charset="0"/>
+              </a:rPr>
+              <a:t>Système</a:t>
+            </a:r>
+            <a:r>
+              <a:rPr lang="es-ES" b="0" i="0" dirty="0">
+                <a:solidFill>
+                  <a:srgbClr val="404040"/>
+                </a:solidFill>
+                <a:effectLst/>
+                <a:latin typeface="Lato" panose="020F0502020204030203" pitchFamily="34" charset="0"/>
+              </a:rPr>
+              <a:t> </a:t>
+            </a:r>
+            <a:r>
+              <a:rPr lang="es-ES" b="0" i="0" dirty="0" err="1">
+                <a:solidFill>
+                  <a:srgbClr val="404040"/>
+                </a:solidFill>
+                <a:effectLst/>
+                <a:latin typeface="Lato" panose="020F0502020204030203" pitchFamily="34" charset="0"/>
+              </a:rPr>
+              <a:t>d’explotation</a:t>
+            </a:r>
+            <a:r>
+              <a:rPr lang="es-ES" b="0" i="0" dirty="0">
+                <a:solidFill>
+                  <a:srgbClr val="404040"/>
+                </a:solidFill>
+                <a:effectLst/>
+                <a:latin typeface="Lato" panose="020F0502020204030203" pitchFamily="34" charset="0"/>
+              </a:rPr>
+              <a:t> Ubuntu</a:t>
+            </a:r>
+          </a:p>
+          <a:p>
+            <a:pPr algn="l">
+              <a:buFont typeface="Arial" panose="020B0604020202020204" pitchFamily="34" charset="0"/>
+              <a:buNone/>
+            </a:pPr>
+            <a:endParaRPr lang="es-ES" b="0" i="0" dirty="0">
+              <a:solidFill>
+                <a:srgbClr val="404040"/>
+              </a:solidFill>
+              <a:effectLst/>
+              <a:latin typeface="Lato" panose="020F0502020204030203" pitchFamily="34" charset="0"/>
+            </a:endParaRPr>
+          </a:p>
+          <a:p>
+            <a:pPr algn="l">
+              <a:buFont typeface="Arial" panose="020B0604020202020204" pitchFamily="34" charset="0"/>
+              <a:buNone/>
+            </a:pPr>
+            <a:r>
+              <a:rPr lang="es-ES" b="0" i="0" dirty="0" err="1">
+                <a:solidFill>
+                  <a:srgbClr val="404040"/>
+                </a:solidFill>
+                <a:effectLst/>
+                <a:latin typeface="Lato" panose="020F0502020204030203" pitchFamily="34" charset="0"/>
+              </a:rPr>
+              <a:t>déploiement</a:t>
+            </a:r>
+            <a:endParaRPr lang="es-ES" b="0" i="0" dirty="0">
+              <a:solidFill>
+                <a:srgbClr val="404040"/>
+              </a:solidFill>
+              <a:effectLst/>
+              <a:latin typeface="Lato" panose="020F0502020204030203" pitchFamily="34" charset="0"/>
+            </a:endParaRPr>
+          </a:p>
+          <a:p>
+            <a:pPr marL="0" marR="0" lvl="0" indent="0" algn="l" defTabSz="914400" rtl="0" eaLnBrk="1" fontAlgn="auto" latinLnBrk="0" hangingPunct="1">
+              <a:lnSpc>
+                <a:spcPct val="100000"/>
+              </a:lnSpc>
+              <a:spcBef>
+                <a:spcPts val="0"/>
+              </a:spcBef>
+              <a:spcAft>
+                <a:spcPts val="0"/>
+              </a:spcAft>
+              <a:buClrTx/>
+              <a:buSzTx/>
+              <a:buFont typeface="Arial" panose="020B0604020202020204" pitchFamily="34" charset="0"/>
+              <a:buNone/>
+              <a:tabLst/>
+              <a:defRPr/>
+            </a:pPr>
+            <a:r>
+              <a:rPr lang="es-ES" b="0" i="0" dirty="0">
+                <a:solidFill>
+                  <a:srgbClr val="404040"/>
+                </a:solidFill>
+                <a:effectLst/>
+                <a:latin typeface="Lato" panose="020F0502020204030203" pitchFamily="34" charset="0"/>
+              </a:rPr>
+              <a:t>AMI basé sur Ubuntu</a:t>
+            </a:r>
+          </a:p>
+          <a:p>
+            <a:pPr algn="l">
+              <a:buFont typeface="Arial" panose="020B0604020202020204" pitchFamily="34" charset="0"/>
+              <a:buNone/>
+            </a:pPr>
             <a:endParaRPr lang="fr-FR" b="0" i="0" dirty="0">
               <a:solidFill>
                 <a:srgbClr val="404040"/>
@@ -3769,6 +4259,46 @@
               <a:buFont typeface="Arial" panose="020B0604020202020204" pitchFamily="34" charset="0"/>
               <a:buNone/>
             </a:pPr>
+            <a:r>
+              <a:rPr lang="es-ES" b="0" i="0" dirty="0">
+                <a:solidFill>
+                  <a:srgbClr val="404040"/>
+                </a:solidFill>
+                <a:effectLst/>
+                <a:latin typeface="Lato" panose="020F0502020204030203" pitchFamily="34" charset="0"/>
+              </a:rPr>
+              <a:t>Nombre </a:t>
+            </a:r>
+            <a:r>
+              <a:rPr lang="es-ES" b="0" i="0" dirty="0" err="1">
+                <a:solidFill>
+                  <a:srgbClr val="404040"/>
+                </a:solidFill>
+                <a:effectLst/>
+                <a:latin typeface="Lato" panose="020F0502020204030203" pitchFamily="34" charset="0"/>
+              </a:rPr>
+              <a:t>d’ane</a:t>
+            </a:r>
+            <a:r>
+              <a:rPr lang="es-ES" b="0" i="0" dirty="0">
+                <a:solidFill>
+                  <a:srgbClr val="404040"/>
+                </a:solidFill>
+                <a:effectLst/>
+                <a:latin typeface="Lato" panose="020F0502020204030203" pitchFamily="34" charset="0"/>
+              </a:rPr>
+              <a:t> </a:t>
+            </a:r>
+            <a:r>
+              <a:rPr lang="es-ES" b="0" i="0" dirty="0" err="1">
+                <a:solidFill>
+                  <a:srgbClr val="404040"/>
+                </a:solidFill>
+                <a:effectLst/>
+                <a:latin typeface="Lato" panose="020F0502020204030203" pitchFamily="34" charset="0"/>
+              </a:rPr>
+              <a:t>travailler</a:t>
+            </a:r>
             <a:endParaRPr lang="fr-FR" b="0" i="0" dirty="0">
               <a:solidFill>
                 <a:srgbClr val="404040"/>
@@ -3957,6 +4487,36 @@
               <a:buFont typeface="Arial" panose="020B0604020202020204" pitchFamily="34" charset="0"/>
               <a:buNone/>
             </a:pPr>
+            <a:r>
+              <a:rPr lang="es-ES" b="0" i="0" dirty="0" err="1">
+                <a:solidFill>
+                  <a:srgbClr val="404040"/>
+                </a:solidFill>
+                <a:effectLst/>
+                <a:latin typeface="Lato" panose="020F0502020204030203" pitchFamily="34" charset="0"/>
+              </a:rPr>
+              <a:t>Qu’étaint</a:t>
+            </a:r>
+            <a:r>
+              <a:rPr lang="es-ES" b="0" i="0" dirty="0">
+                <a:solidFill>
+                  <a:srgbClr val="404040"/>
+                </a:solidFill>
+                <a:effectLst/>
+                <a:latin typeface="Lato" panose="020F0502020204030203" pitchFamily="34" charset="0"/>
+              </a:rPr>
+              <a:t> </a:t>
+            </a:r>
+            <a:r>
+              <a:rPr lang="es-ES" b="0" i="0" dirty="0" err="1">
+                <a:solidFill>
+                  <a:srgbClr val="404040"/>
+                </a:solidFill>
+                <a:effectLst/>
+                <a:latin typeface="Lato" panose="020F0502020204030203" pitchFamily="34" charset="0"/>
+              </a:rPr>
+              <a:t>remboursé</a:t>
+            </a:r>
             <a:endParaRPr lang="fr-FR" b="0" i="0" dirty="0">
               <a:solidFill>
                 <a:srgbClr val="404040"/>
@@ -4219,9 +4779,298 @@
           <a:bodyPr/>
           <a:lstStyle/>
           <a:p>
+            <a:pPr marL="0" marR="0" lvl="0" indent="0" algn="l" defTabSz="914400" rtl="0" eaLnBrk="1" fontAlgn="auto" latinLnBrk="0" hangingPunct="1">
+              <a:lnSpc>
+                <a:spcPct val="100000"/>
+              </a:lnSpc>
+              <a:spcBef>
+                <a:spcPts val="0"/>
+              </a:spcBef>
+              <a:spcAft>
+                <a:spcPts val="0"/>
+              </a:spcAft>
+              <a:buClrTx/>
+              <a:buSzTx/>
+              <a:buFontTx/>
+              <a:buNone/>
+              <a:tabLst/>
+              <a:defRPr/>
+            </a:pPr>
+            <a:r>
+              <a:rPr lang="fr-FR" sz="1200" b="0" dirty="0">
+                <a:effectLst/>
+                <a:latin typeface="+mj-lt"/>
+                <a:ea typeface="Calibri" panose="020F0502020204030204" pitchFamily="34" charset="0"/>
+                <a:cs typeface="Arial" panose="020B0604020202020204" pitchFamily="34" charset="0"/>
+              </a:rPr>
+              <a:t>Données</a:t>
+            </a:r>
+            <a:r>
+              <a:rPr lang="fr-FR" sz="1200" b="0" dirty="0">
+                <a:ln>
+                  <a:solidFill>
+                    <a:srgbClr val="7451EB"/>
+                  </a:solidFill>
+                </a:ln>
+                <a:solidFill>
+                  <a:srgbClr val="7451EB"/>
+                </a:solidFill>
+                <a:latin typeface="+mj-lt"/>
+              </a:rPr>
+              <a:t> déséquilibrés : prédiction pauvre principalement dans la clase minoritaire</a:t>
+            </a:r>
+            <a:endParaRPr lang="fr-FR" sz="1200" b="0" dirty="0">
+              <a:effectLst/>
+              <a:latin typeface="+mj-lt"/>
+              <a:ea typeface="Calibri" panose="020F0502020204030204" pitchFamily="34" charset="0"/>
+              <a:cs typeface="Arial" panose="020B0604020202020204" pitchFamily="34" charset="0"/>
+            </a:endParaRPr>
+          </a:p>
+          <a:p>
+            <a:pPr marL="0" marR="0" lvl="0" indent="0" algn="l" defTabSz="914400" rtl="0" eaLnBrk="1" fontAlgn="auto" latinLnBrk="0" hangingPunct="1">
+              <a:lnSpc>
+                <a:spcPct val="100000"/>
+              </a:lnSpc>
+              <a:spcBef>
+                <a:spcPts val="0"/>
+              </a:spcBef>
+              <a:spcAft>
+                <a:spcPts val="0"/>
+              </a:spcAft>
+              <a:buClrTx/>
+              <a:buSzTx/>
+              <a:buFontTx/>
+              <a:buNone/>
+              <a:tabLst/>
+              <a:defRPr/>
+            </a:pPr>
+            <a:endParaRPr lang="fr-FR" sz="1200" dirty="0">
+              <a:effectLst/>
+              <a:latin typeface="Calibri" panose="020F0502020204030204" pitchFamily="34" charset="0"/>
+              <a:ea typeface="Calibri" panose="020F0502020204030204" pitchFamily="34" charset="0"/>
+              <a:cs typeface="Arial" panose="020B0604020202020204" pitchFamily="34" charset="0"/>
+            </a:endParaRPr>
+          </a:p>
+          <a:p>
+            <a:r>
+              <a:rPr lang="fr-FR" sz="1200" dirty="0">
+                <a:effectLst/>
+                <a:latin typeface="Calibri" panose="020F0502020204030204" pitchFamily="34" charset="0"/>
+                <a:ea typeface="Calibri" panose="020F0502020204030204" pitchFamily="34" charset="0"/>
+                <a:cs typeface="Arial" panose="020B0604020202020204" pitchFamily="34" charset="0"/>
+              </a:rPr>
+              <a:t>SMOTE (</a:t>
+            </a:r>
+            <a:r>
+              <a:rPr lang="fr-FR" sz="1200" dirty="0" err="1">
+                <a:effectLst/>
+                <a:latin typeface="Calibri" panose="020F0502020204030204" pitchFamily="34" charset="0"/>
+                <a:ea typeface="Calibri" panose="020F0502020204030204" pitchFamily="34" charset="0"/>
+                <a:cs typeface="Arial" panose="020B0604020202020204" pitchFamily="34" charset="0"/>
+              </a:rPr>
+              <a:t>Synthetic</a:t>
+            </a:r>
+            <a:r>
+              <a:rPr lang="fr-FR" sz="1200" dirty="0">
+                <a:effectLst/>
+                <a:latin typeface="Calibri" panose="020F0502020204030204" pitchFamily="34" charset="0"/>
+                <a:ea typeface="Calibri" panose="020F0502020204030204" pitchFamily="34" charset="0"/>
+                <a:cs typeface="Arial" panose="020B0604020202020204" pitchFamily="34" charset="0"/>
+              </a:rPr>
+              <a:t> </a:t>
+            </a:r>
+            <a:r>
+              <a:rPr lang="fr-FR" sz="1200" dirty="0" err="1">
+                <a:effectLst/>
+                <a:latin typeface="Calibri" panose="020F0502020204030204" pitchFamily="34" charset="0"/>
+                <a:ea typeface="Calibri" panose="020F0502020204030204" pitchFamily="34" charset="0"/>
+                <a:cs typeface="Arial" panose="020B0604020202020204" pitchFamily="34" charset="0"/>
+              </a:rPr>
+              <a:t>Minority</a:t>
+            </a:r>
+            <a:r>
+              <a:rPr lang="fr-FR" sz="1200" dirty="0">
+                <a:effectLst/>
+                <a:latin typeface="Calibri" panose="020F0502020204030204" pitchFamily="34" charset="0"/>
+                <a:ea typeface="Calibri" panose="020F0502020204030204" pitchFamily="34" charset="0"/>
+                <a:cs typeface="Arial" panose="020B0604020202020204" pitchFamily="34" charset="0"/>
+              </a:rPr>
+              <a:t> </a:t>
+            </a:r>
+            <a:r>
+              <a:rPr lang="fr-FR" sz="1200" dirty="0" err="1">
+                <a:effectLst/>
+                <a:latin typeface="Calibri" panose="020F0502020204030204" pitchFamily="34" charset="0"/>
+                <a:ea typeface="Calibri" panose="020F0502020204030204" pitchFamily="34" charset="0"/>
+                <a:cs typeface="Arial" panose="020B0604020202020204" pitchFamily="34" charset="0"/>
+              </a:rPr>
+              <a:t>Oversampling</a:t>
+            </a:r>
+            <a:r>
+              <a:rPr lang="fr-FR" sz="1200" dirty="0">
+                <a:effectLst/>
+                <a:latin typeface="Calibri" panose="020F0502020204030204" pitchFamily="34" charset="0"/>
+                <a:ea typeface="Calibri" panose="020F0502020204030204" pitchFamily="34" charset="0"/>
+                <a:cs typeface="Arial" panose="020B0604020202020204" pitchFamily="34" charset="0"/>
+              </a:rPr>
+              <a:t> Technique) : Consiste à synthétiser des éléments pour la classe minoritaire, à partir de ceux qui existent déjà en choisissant aléatoirement un point de la classe minoritaire et à calculer les k plus proches voisins de ce point.</a:t>
+            </a:r>
+          </a:p>
+          <a:p>
+            <a:endParaRPr lang="fr-FR" sz="1200" dirty="0">
+              <a:effectLst/>
+              <a:latin typeface="Calibri" panose="020F0502020204030204" pitchFamily="34" charset="0"/>
+              <a:ea typeface="Calibri" panose="020F0502020204030204" pitchFamily="34" charset="0"/>
+              <a:cs typeface="Arial" panose="020B0604020202020204" pitchFamily="34" charset="0"/>
+            </a:endParaRPr>
+          </a:p>
+          <a:p>
+            <a:r>
+              <a:rPr lang="fr-FR" sz="1200" dirty="0" err="1">
+                <a:effectLst/>
+                <a:latin typeface="Calibri" panose="020F0502020204030204" pitchFamily="34" charset="0"/>
+                <a:ea typeface="Calibri" panose="020F0502020204030204" pitchFamily="34" charset="0"/>
+                <a:cs typeface="Arial" panose="020B0604020202020204" pitchFamily="34" charset="0"/>
+              </a:rPr>
+              <a:t>LightGBM</a:t>
+            </a:r>
+            <a:r>
+              <a:rPr lang="fr-FR" sz="1200" dirty="0">
+                <a:effectLst/>
+                <a:latin typeface="Calibri" panose="020F0502020204030204" pitchFamily="34" charset="0"/>
+                <a:ea typeface="Calibri" panose="020F0502020204030204" pitchFamily="34" charset="0"/>
+                <a:cs typeface="Arial" panose="020B0604020202020204" pitchFamily="34" charset="0"/>
+              </a:rPr>
+              <a:t> est un gradient </a:t>
+            </a:r>
+            <a:r>
+              <a:rPr lang="fr-FR" sz="1200" dirty="0" err="1">
+                <a:effectLst/>
+                <a:latin typeface="Calibri" panose="020F0502020204030204" pitchFamily="34" charset="0"/>
+                <a:ea typeface="Calibri" panose="020F0502020204030204" pitchFamily="34" charset="0"/>
+                <a:cs typeface="Arial" panose="020B0604020202020204" pitchFamily="34" charset="0"/>
+              </a:rPr>
+              <a:t>boosting</a:t>
+            </a:r>
+            <a:r>
+              <a:rPr lang="fr-FR" sz="1200" dirty="0">
+                <a:effectLst/>
+                <a:latin typeface="Calibri" panose="020F0502020204030204" pitchFamily="34" charset="0"/>
+                <a:ea typeface="Calibri" panose="020F0502020204030204" pitchFamily="34" charset="0"/>
+                <a:cs typeface="Arial" panose="020B0604020202020204" pitchFamily="34" charset="0"/>
+              </a:rPr>
+              <a:t> </a:t>
+            </a:r>
+            <a:r>
+              <a:rPr lang="fr-FR" sz="1200" dirty="0" err="1">
+                <a:effectLst/>
+                <a:latin typeface="Calibri" panose="020F0502020204030204" pitchFamily="34" charset="0"/>
+                <a:ea typeface="Calibri" panose="020F0502020204030204" pitchFamily="34" charset="0"/>
+                <a:cs typeface="Arial" panose="020B0604020202020204" pitchFamily="34" charset="0"/>
+              </a:rPr>
+              <a:t>framework</a:t>
+            </a:r>
+            <a:r>
+              <a:rPr lang="fr-FR" sz="1200" dirty="0">
+                <a:effectLst/>
+                <a:latin typeface="Calibri" panose="020F0502020204030204" pitchFamily="34" charset="0"/>
+                <a:ea typeface="Calibri" panose="020F0502020204030204" pitchFamily="34" charset="0"/>
+                <a:cs typeface="Arial" panose="020B0604020202020204" pitchFamily="34" charset="0"/>
+              </a:rPr>
+              <a:t>: </a:t>
+            </a:r>
+          </a:p>
+          <a:p>
             <a:pPr marL="171450" indent="-171450">
+              <a:buFontTx/>
+              <a:buChar char="-"/>
+            </a:pPr>
+            <a:r>
+              <a:rPr lang="fr-FR" sz="1200" dirty="0">
+                <a:effectLst/>
+                <a:latin typeface="Calibri" panose="020F0502020204030204" pitchFamily="34" charset="0"/>
+                <a:ea typeface="Calibri" panose="020F0502020204030204" pitchFamily="34" charset="0"/>
+                <a:cs typeface="Arial" panose="020B0604020202020204" pitchFamily="34" charset="0"/>
+              </a:rPr>
+              <a:t>C'est rapide au moment de la modélisation.</a:t>
+            </a:r>
+          </a:p>
+          <a:p>
+            <a:pPr marL="171450" indent="-171450">
+              <a:buFontTx/>
+              <a:buChar char="-"/>
+            </a:pPr>
+            <a:r>
+              <a:rPr lang="fr-FR" sz="1200" dirty="0">
+                <a:effectLst/>
+                <a:latin typeface="Calibri" panose="020F0502020204030204" pitchFamily="34" charset="0"/>
+                <a:ea typeface="Calibri" panose="020F0502020204030204" pitchFamily="34" charset="0"/>
+                <a:cs typeface="Arial" panose="020B0604020202020204" pitchFamily="34" charset="0"/>
+              </a:rPr>
+              <a:t>Il a une utilisation plus efficace de la mémoire</a:t>
+            </a:r>
+          </a:p>
+          <a:p>
+            <a:pPr marL="171450" indent="-171450">
+              <a:buFontTx/>
+              <a:buChar char="-"/>
+            </a:pPr>
+            <a:r>
+              <a:rPr lang="fr-FR" sz="1200" dirty="0">
+                <a:effectLst/>
+                <a:latin typeface="Calibri" panose="020F0502020204030204" pitchFamily="34" charset="0"/>
+                <a:ea typeface="Calibri" panose="020F0502020204030204" pitchFamily="34" charset="0"/>
+                <a:cs typeface="Arial" panose="020B0604020202020204" pitchFamily="34" charset="0"/>
+              </a:rPr>
+              <a:t>Il peut utiliser des données à grande échelle</a:t>
+            </a:r>
+          </a:p>
+          <a:p>
+            <a:pPr marL="171450" indent="-171450">
+              <a:buFontTx/>
+              <a:buChar char="-"/>
+            </a:pPr>
+            <a:endParaRPr lang="fr-FR" sz="1200" dirty="0">
+              <a:effectLst/>
+              <a:latin typeface="Calibri" panose="020F0502020204030204" pitchFamily="34" charset="0"/>
+              <a:ea typeface="Calibri" panose="020F0502020204030204" pitchFamily="34" charset="0"/>
+              <a:cs typeface="Arial" panose="020B0604020202020204" pitchFamily="34" charset="0"/>
+            </a:endParaRPr>
+          </a:p>
+          <a:p>
+            <a:pPr marL="0" indent="0">
+              <a:buFontTx/>
+              <a:buNone/>
+            </a:pPr>
+            <a:r>
+              <a:rPr lang="fr-FR" sz="1200" dirty="0" err="1">
+                <a:effectLst/>
+                <a:latin typeface="Calibri" panose="020F0502020204030204" pitchFamily="34" charset="0"/>
+                <a:ea typeface="Calibri" panose="020F0502020204030204" pitchFamily="34" charset="0"/>
+                <a:cs typeface="Arial" panose="020B0604020202020204" pitchFamily="34" charset="0"/>
+              </a:rPr>
+              <a:t>HyperOpt</a:t>
+            </a:r>
+            <a:r>
+              <a:rPr lang="fr-FR" sz="1200">
+                <a:effectLst/>
+                <a:latin typeface="Calibri" panose="020F0502020204030204" pitchFamily="34" charset="0"/>
+                <a:ea typeface="Calibri" panose="020F0502020204030204" pitchFamily="34" charset="0"/>
+                <a:cs typeface="Arial" panose="020B0604020202020204" pitchFamily="34" charset="0"/>
+              </a:rPr>
+              <a:t> : la recherche d'une configuration optimale d'hyperparamètres basée sur l'optimisation bayésienne</a:t>
+            </a:r>
+            <a:endParaRPr lang="fr-FR" sz="1200" dirty="0">
+              <a:effectLst/>
+              <a:latin typeface="Calibri" panose="020F0502020204030204" pitchFamily="34" charset="0"/>
+              <a:ea typeface="Calibri" panose="020F0502020204030204" pitchFamily="34" charset="0"/>
+              <a:cs typeface="Arial" panose="020B0604020202020204" pitchFamily="34" charset="0"/>
+            </a:endParaRPr>
+          </a:p>
+          <a:p>
+            <a:pPr marL="0" indent="0">
               <a:buFont typeface="Wingdings" panose="05000000000000000000" pitchFamily="2" charset="2"/>
-              <a:buChar char="§"/>
+              <a:buNone/>
             </a:pPr>
             <a:endParaRPr lang="fr-FR" dirty="0"/>
           </a:p>
@@ -4473,7 +5322,7 @@
             </a:r>
             <a:r>
               <a:rPr lang="es-ES" dirty="0" err="1"/>
-              <a:t>quoi</a:t>
+              <a:t>qu’est</a:t>
             </a:r>
             <a:r>
               <a:rPr lang="es-ES" dirty="0"/>
@@ -4495,7 +5344,6 @@
               <a:rPr lang="es-ES" dirty="0"/>
               <a:t>. </a:t>
             </a:r>
-            <a:endParaRPr lang="fr-FR" dirty="0"/>
           </a:p>
           <a:p>
             <a:pPr marL="0" marR="0" lvl="0" indent="0" algn="l" defTabSz="914400" rtl="0" eaLnBrk="1" fontAlgn="auto" latinLnBrk="0" hangingPunct="1">
@@ -4536,20 +5384,24 @@
               <a:defRPr/>
             </a:pPr>
             <a:r>
+              <a:rPr lang="fr-FR" b="1" dirty="0">
+                <a:solidFill>
+                  <a:srgbClr val="FCB414"/>
+                </a:solidFill>
+              </a:rPr>
+              <a:t>Prêt à dépenser </a:t>
+            </a:r>
+            <a:r>
+              <a:rPr lang="fr-FR" b="0" dirty="0">
+                <a:solidFill>
+                  <a:srgbClr val="FCB414"/>
+                </a:solidFill>
+              </a:rPr>
+              <a:t>est un société qui </a:t>
+            </a:r>
+            <a:r>
               <a:rPr lang="fr-FR" dirty="0"/>
-              <a:t>L’entreprise </a:t>
-            </a:r>
-            <a:r>
-              <a:rPr lang="fr-FR" b="1" dirty="0">
-                <a:solidFill>
-                  <a:srgbClr val="FCB414"/>
-                </a:solidFill>
-              </a:rPr>
-              <a:t>Prêt à dépenser </a:t>
-            </a:r>
-            <a:r>
-              <a:rPr lang="fr-FR" dirty="0"/>
-              <a:t>propose des crédits à la consommation pour des personnes ayant peu ou pas du tout d'historique de prêt.</a:t>
+              <a:t>propose des crédits à la consommation pour des personnes ayant peu ou aucune historique de prêt.</a:t>
             </a:r>
           </a:p>
           <a:p>
@@ -4896,39 +5748,11 @@
             </a:pPr>
             <a:r>
               <a:rPr lang="fr-FR" dirty="0" err="1"/>
-              <a:t>Pos_cash_balance</a:t>
-            </a:r>
-            <a:r>
-              <a:rPr lang="fr-FR" dirty="0"/>
-              <a:t>: Des bilans mensuels des anciens points de vente et des prêts cash</a:t>
-            </a:r>
-          </a:p>
-          <a:p>
-            <a:pPr marL="171450" indent="-171450">
-              <a:buFontTx/>
-              <a:buChar char="-"/>
-            </a:pPr>
-            <a:r>
-              <a:rPr lang="fr-FR" dirty="0" err="1"/>
               <a:t>Installements_payments</a:t>
             </a:r>
             <a:r>
               <a:rPr lang="fr-FR" dirty="0"/>
               <a:t>: Historique de remboursement des crédits précédemment</a:t>
-            </a:r>
-          </a:p>
-          <a:p>
-            <a:pPr marL="171450" indent="-171450">
-              <a:buFontTx/>
-              <a:buChar char="-"/>
-            </a:pPr>
-            <a:r>
-              <a:rPr lang="fr-FR" dirty="0" err="1"/>
-              <a:t>Credit_card_balance</a:t>
-            </a:r>
-            <a:r>
-              <a:rPr lang="fr-FR" dirty="0"/>
-              <a:t>: Solde mensuel des cartes de crédit antérieures</a:t>
             </a:r>
           </a:p>
           <a:p>
@@ -4943,13 +5767,6 @@
               <a:buFontTx/>
               <a:buNone/>
             </a:pPr>
-            <a:endParaRPr lang="fr-FR" dirty="0"/>
-          </a:p>
-          <a:p>
-            <a:pPr marL="0" indent="0">
-              <a:buFontTx/>
-              <a:buNone/>
-            </a:pPr>
             <a:r>
               <a:rPr lang="fr-FR" dirty="0"/>
               <a:t>À gauche, ceux qui viennent d'autres institutions</a:t>
@@ -4986,11 +5803,11 @@
             </a:r>
             <a:r>
               <a:rPr lang="es-ES" dirty="0"/>
-              <a:t> (</a:t>
+              <a:t> </a:t>
             </a:r>
             <a:r>
               <a:rPr lang="es-ES" dirty="0" err="1"/>
-              <a:t>autres</a:t>
+              <a:t>dans</a:t>
             </a:r>
             <a:r>
               <a:rPr lang="es-ES" dirty="0"/>
@@ -4998,7 +5815,7 @@
             </a:r>
             <a:r>
               <a:rPr lang="es-ES" dirty="0" err="1"/>
-              <a:t>institutions</a:t>
+              <a:t>d’autres</a:t>
             </a:r>
             <a:r>
               <a:rPr lang="es-ES" dirty="0"/>
@@ -5006,41 +5823,17 @@
             </a:r>
             <a:r>
               <a:rPr lang="es-ES" dirty="0" err="1"/>
+              <a:t>institutions</a:t>
+            </a:r>
+            <a:r>
+              <a:rPr lang="es-ES" dirty="0"/>
+              <a:t> </a:t>
+            </a:r>
+            <a:r>
+              <a:rPr lang="es-ES" dirty="0" err="1"/>
               <a:t>financières</a:t>
             </a:r>
-            <a:r>
-              <a:rPr lang="es-ES" dirty="0"/>
-              <a:t>)</a:t>
-            </a:r>
-          </a:p>
-          <a:p>
-            <a:pPr marL="171450" indent="-171450">
-              <a:buFontTx/>
-              <a:buChar char="-"/>
-            </a:pPr>
-            <a:r>
-              <a:rPr lang="fr-FR" dirty="0" err="1"/>
-              <a:t>Bureau_balance</a:t>
-            </a:r>
-            <a:r>
-              <a:rPr lang="fr-FR" dirty="0"/>
-              <a:t>: Soldes </a:t>
-            </a:r>
-            <a:r>
-              <a:rPr lang="fr-FR" dirty="0" err="1"/>
-              <a:t>mensueles</a:t>
-            </a:r>
-            <a:r>
-              <a:rPr lang="fr-FR" dirty="0"/>
-              <a:t> de crédits précédents</a:t>
-            </a:r>
-          </a:p>
-          <a:p>
-            <a:pPr marL="171450" indent="-171450">
-              <a:buFontTx/>
-              <a:buChar char="-"/>
-            </a:pPr>
-            <a:endParaRPr lang="fr-FR" dirty="0"/>
+            <a:endParaRPr lang="es-ES" dirty="0"/>
           </a:p>
         </p:txBody>
       </p:sp>
@@ -5364,7 +6157,7 @@
                 </a:solidFill>
                 <a:latin typeface="docs-Roboto"/>
               </a:rPr>
-              <a:t>Voici les justifications pourquoi ce kernel</a:t>
+              <a:t>Voici les justifications de pourquoi ce kernel</a:t>
             </a:r>
           </a:p>
           <a:p>
@@ -6148,7 +6941,7 @@
           <a:p>
             <a:fld id="{E1DCD729-31D5-4480-98D7-69012EF3B7DD}" type="datetimeFigureOut">
               <a:rPr lang="en-US" smtClean="0"/>
-              <a:t>2/7/2022</a:t>
+              <a:t>2/9/2022</a:t>
             </a:fld>
             <a:endParaRPr lang="en-US"/>
           </a:p>
@@ -6346,7 +7139,7 @@
           <a:p>
             <a:fld id="{E1DCD729-31D5-4480-98D7-69012EF3B7DD}" type="datetimeFigureOut">
               <a:rPr lang="en-US" smtClean="0"/>
-              <a:t>2/7/2022</a:t>
+              <a:t>2/9/2022</a:t>
             </a:fld>
             <a:endParaRPr lang="en-US"/>
           </a:p>
@@ -6554,7 +7347,7 @@
           <a:p>
             <a:fld id="{E1DCD729-31D5-4480-98D7-69012EF3B7DD}" type="datetimeFigureOut">
               <a:rPr lang="en-US" smtClean="0"/>
-              <a:t>2/7/2022</a:t>
+              <a:t>2/9/2022</a:t>
             </a:fld>
             <a:endParaRPr lang="en-US"/>
           </a:p>
@@ -6752,7 +7545,7 @@
           <a:p>
             <a:fld id="{E1DCD729-31D5-4480-98D7-69012EF3B7DD}" type="datetimeFigureOut">
               <a:rPr lang="en-US" smtClean="0"/>
-              <a:t>2/7/2022</a:t>
+              <a:t>2/9/2022</a:t>
             </a:fld>
             <a:endParaRPr lang="en-US"/>
           </a:p>
@@ -7027,7 +7820,7 @@
           <a:p>
             <a:fld id="{E1DCD729-31D5-4480-98D7-69012EF3B7DD}" type="datetimeFigureOut">
               <a:rPr lang="en-US" smtClean="0"/>
-              <a:t>2/7/2022</a:t>
+              <a:t>2/9/2022</a:t>
             </a:fld>
             <a:endParaRPr lang="en-US"/>
           </a:p>
@@ -7292,7 +8085,7 @@
           <a:p>
             <a:fld id="{E1DCD729-31D5-4480-98D7-69012EF3B7DD}" type="datetimeFigureOut">
               <a:rPr lang="en-US" smtClean="0"/>
-              <a:t>2/7/2022</a:t>
+              <a:t>2/9/2022</a:t>
             </a:fld>
             <a:endParaRPr lang="en-US"/>
           </a:p>
@@ -7704,7 +8497,7 @@
           <a:p>
             <a:fld id="{E1DCD729-31D5-4480-98D7-69012EF3B7DD}" type="datetimeFigureOut">
               <a:rPr lang="en-US" smtClean="0"/>
-              <a:t>2/7/2022</a:t>
+              <a:t>2/9/2022</a:t>
             </a:fld>
             <a:endParaRPr lang="en-US"/>
           </a:p>
@@ -7845,7 +8638,7 @@
           <a:p>
             <a:fld id="{E1DCD729-31D5-4480-98D7-69012EF3B7DD}" type="datetimeFigureOut">
               <a:rPr lang="en-US" smtClean="0"/>
-              <a:t>2/7/2022</a:t>
+              <a:t>2/9/2022</a:t>
             </a:fld>
             <a:endParaRPr lang="en-US"/>
           </a:p>
@@ -7958,7 +8751,7 @@
           <a:p>
             <a:fld id="{E1DCD729-31D5-4480-98D7-69012EF3B7DD}" type="datetimeFigureOut">
               <a:rPr lang="en-US" smtClean="0"/>
-              <a:t>2/7/2022</a:t>
+              <a:t>2/9/2022</a:t>
             </a:fld>
             <a:endParaRPr lang="en-US"/>
           </a:p>
@@ -8269,7 +9062,7 @@
           <a:p>
             <a:fld id="{E1DCD729-31D5-4480-98D7-69012EF3B7DD}" type="datetimeFigureOut">
               <a:rPr lang="en-US" smtClean="0"/>
-              <a:t>2/7/2022</a:t>
+              <a:t>2/9/2022</a:t>
             </a:fld>
             <a:endParaRPr lang="en-US"/>
           </a:p>
@@ -8557,7 +9350,7 @@
           <a:p>
             <a:fld id="{E1DCD729-31D5-4480-98D7-69012EF3B7DD}" type="datetimeFigureOut">
               <a:rPr lang="en-US" smtClean="0"/>
-              <a:t>2/7/2022</a:t>
+              <a:t>2/9/2022</a:t>
             </a:fld>
             <a:endParaRPr lang="en-US"/>
           </a:p>
@@ -8807,7 +9600,7 @@
           <a:p>
             <a:fld id="{E1DCD729-31D5-4480-98D7-69012EF3B7DD}" type="datetimeFigureOut">
               <a:rPr lang="en-US" smtClean="0"/>
-              <a:t>2/7/2022</a:t>
+              <a:t>2/9/2022</a:t>
             </a:fld>
             <a:endParaRPr lang="en-US"/>
           </a:p>
@@ -21143,283 +21936,6 @@
           <a:chExt cx="0" cy="0"/>
         </a:xfrm>
       </p:grpSpPr>
-      <p:grpSp>
-        <p:nvGrpSpPr>
-          <p:cNvPr id="2" name="Groupe 1">
-            <a:extLst>
-              <a:ext uri="{FF2B5EF4-FFF2-40B4-BE49-F238E27FC236}">
-                <a16:creationId xmlns:a16="http://schemas.microsoft.com/office/drawing/2014/main" id="{F976FFCC-1B5E-405F-9356-4652FA0F7693}"/>
-              </a:ext>
-            </a:extLst>
-          </p:cNvPr>
-          <p:cNvGrpSpPr/>
-          <p:nvPr/>
-        </p:nvGrpSpPr>
-        <p:grpSpPr>
-          <a:xfrm>
-            <a:off x="9831895" y="217482"/>
-            <a:ext cx="2227800" cy="856800"/>
-            <a:chOff x="8519097" y="3565933"/>
-            <a:chExt cx="2227800" cy="856800"/>
-          </a:xfrm>
-        </p:grpSpPr>
-        <p:sp>
-          <p:nvSpPr>
-            <p:cNvPr id="18" name="Google Shape;189;p19">
-              <a:extLst>
-                <a:ext uri="{FF2B5EF4-FFF2-40B4-BE49-F238E27FC236}">
-                  <a16:creationId xmlns:a16="http://schemas.microsoft.com/office/drawing/2014/main" id="{CC18A325-A9E3-47A6-9C4D-8D3C4F053200}"/>
-                </a:ext>
-              </a:extLst>
-            </p:cNvPr>
-            <p:cNvSpPr/>
-            <p:nvPr/>
-          </p:nvSpPr>
-          <p:spPr>
-            <a:xfrm>
-              <a:off x="8519097" y="3565933"/>
-              <a:ext cx="2227800" cy="856800"/>
-            </a:xfrm>
-            <a:prstGeom prst="chevron">
-              <a:avLst>
-                <a:gd name="adj" fmla="val 50000"/>
-              </a:avLst>
-            </a:prstGeom>
-            <a:solidFill>
-              <a:srgbClr val="7451EB"/>
-            </a:solidFill>
-            <a:ln>
-              <a:solidFill>
-                <a:srgbClr val="7451EB"/>
-              </a:solidFill>
-            </a:ln>
-          </p:spPr>
-          <p:txBody>
-            <a:bodyPr spcFirstLastPara="1" wrap="square" lIns="91425" tIns="91425" rIns="91425" bIns="91425" anchor="ctr" anchorCtr="0">
-              <a:noAutofit/>
-            </a:bodyPr>
-            <a:lstStyle/>
-            <a:p>
-              <a:pPr marL="0" lvl="0" indent="0" algn="l" rtl="0">
-                <a:spcBef>
-                  <a:spcPts val="0"/>
-                </a:spcBef>
-                <a:spcAft>
-                  <a:spcPts val="0"/>
-                </a:spcAft>
-                <a:buNone/>
-              </a:pPr>
-              <a:endParaRPr dirty="0"/>
-            </a:p>
-          </p:txBody>
-        </p:sp>
-        <p:sp>
-          <p:nvSpPr>
-            <p:cNvPr id="19" name="Google Shape;193;p19">
-              <a:extLst>
-                <a:ext uri="{FF2B5EF4-FFF2-40B4-BE49-F238E27FC236}">
-                  <a16:creationId xmlns:a16="http://schemas.microsoft.com/office/drawing/2014/main" id="{E10F0CB0-6212-484A-A33F-7475E8325343}"/>
-                </a:ext>
-              </a:extLst>
-            </p:cNvPr>
-            <p:cNvSpPr txBox="1"/>
-            <p:nvPr/>
-          </p:nvSpPr>
-          <p:spPr>
-            <a:xfrm>
-              <a:off x="8746278" y="3763395"/>
-              <a:ext cx="1409614" cy="464551"/>
-            </a:xfrm>
-            <a:prstGeom prst="rect">
-              <a:avLst/>
-            </a:prstGeom>
-            <a:noFill/>
-            <a:ln>
-              <a:noFill/>
-            </a:ln>
-          </p:spPr>
-          <p:txBody>
-            <a:bodyPr spcFirstLastPara="1" wrap="square" lIns="91425" tIns="91425" rIns="91425" bIns="91425" anchor="ctr" anchorCtr="0">
-              <a:noAutofit/>
-            </a:bodyPr>
-            <a:lstStyle/>
-            <a:p>
-              <a:pPr marL="0" lvl="0" indent="0" algn="r" rtl="0">
-                <a:spcBef>
-                  <a:spcPts val="0"/>
-                </a:spcBef>
-                <a:spcAft>
-                  <a:spcPts val="0"/>
-                </a:spcAft>
-                <a:buNone/>
-              </a:pPr>
-              <a:r>
-                <a:rPr lang="fr-FR" sz="2000" dirty="0" err="1">
-                  <a:solidFill>
-                    <a:schemeClr val="lt1"/>
-                  </a:solidFill>
-                  <a:latin typeface="Google Sans"/>
-                  <a:ea typeface="Fira Sans Condensed Medium"/>
-                  <a:cs typeface="Fira Sans Condensed Medium"/>
-                  <a:sym typeface="Fira Sans Condensed Medium"/>
-                </a:rPr>
-                <a:t>Hyperopt</a:t>
-              </a:r>
-              <a:endParaRPr sz="2000" dirty="0">
-                <a:solidFill>
-                  <a:srgbClr val="FFFFFF"/>
-                </a:solidFill>
-                <a:latin typeface="Google Sans"/>
-                <a:ea typeface="Fira Sans Condensed Medium"/>
-                <a:cs typeface="Fira Sans Condensed Medium"/>
-                <a:sym typeface="Fira Sans Condensed Medium"/>
-              </a:endParaRPr>
-            </a:p>
-          </p:txBody>
-        </p:sp>
-        <p:sp>
-          <p:nvSpPr>
-            <p:cNvPr id="25" name="Google Shape;197;p19">
-              <a:extLst>
-                <a:ext uri="{FF2B5EF4-FFF2-40B4-BE49-F238E27FC236}">
-                  <a16:creationId xmlns:a16="http://schemas.microsoft.com/office/drawing/2014/main" id="{CC4F9EE9-BA3C-4E41-AA88-186F44FBA3C4}"/>
-                </a:ext>
-              </a:extLst>
-            </p:cNvPr>
-            <p:cNvSpPr/>
-            <p:nvPr/>
-          </p:nvSpPr>
-          <p:spPr>
-            <a:xfrm>
-              <a:off x="10145008" y="3796028"/>
-              <a:ext cx="396600" cy="396600"/>
-            </a:xfrm>
-            <a:prstGeom prst="ellipse">
-              <a:avLst/>
-            </a:prstGeom>
-            <a:solidFill>
-              <a:srgbClr val="FFFFFF"/>
-            </a:solidFill>
-            <a:ln>
-              <a:noFill/>
-            </a:ln>
-          </p:spPr>
-          <p:txBody>
-            <a:bodyPr spcFirstLastPara="1" wrap="square" lIns="91425" tIns="91425" rIns="91425" bIns="91425" anchor="ctr" anchorCtr="0">
-              <a:noAutofit/>
-            </a:bodyPr>
-            <a:lstStyle/>
-            <a:p>
-              <a:pPr marL="0" lvl="0" indent="0" algn="l" rtl="0">
-                <a:spcBef>
-                  <a:spcPts val="0"/>
-                </a:spcBef>
-                <a:spcAft>
-                  <a:spcPts val="0"/>
-                </a:spcAft>
-                <a:buNone/>
-              </a:pPr>
-              <a:endParaRPr sz="2100">
-                <a:solidFill>
-                  <a:schemeClr val="accent1"/>
-                </a:solidFill>
-                <a:latin typeface="Fira Sans Condensed Medium"/>
-                <a:ea typeface="Fira Sans Condensed Medium"/>
-                <a:cs typeface="Fira Sans Condensed Medium"/>
-                <a:sym typeface="Fira Sans Condensed Medium"/>
-              </a:endParaRPr>
-            </a:p>
-          </p:txBody>
-        </p:sp>
-        <p:sp>
-          <p:nvSpPr>
-            <p:cNvPr id="26" name="Google Shape;204;p19">
-              <a:extLst>
-                <a:ext uri="{FF2B5EF4-FFF2-40B4-BE49-F238E27FC236}">
-                  <a16:creationId xmlns:a16="http://schemas.microsoft.com/office/drawing/2014/main" id="{D817CCB1-28A8-4EA7-904A-A313B125AE3F}"/>
-                </a:ext>
-              </a:extLst>
-            </p:cNvPr>
-            <p:cNvSpPr txBox="1"/>
-            <p:nvPr/>
-          </p:nvSpPr>
-          <p:spPr>
-            <a:xfrm>
-              <a:off x="10145509" y="3795897"/>
-              <a:ext cx="396600" cy="396600"/>
-            </a:xfrm>
-            <a:prstGeom prst="rect">
-              <a:avLst/>
-            </a:prstGeom>
-            <a:noFill/>
-            <a:ln>
-              <a:noFill/>
-            </a:ln>
-          </p:spPr>
-          <p:txBody>
-            <a:bodyPr spcFirstLastPara="1" wrap="square" lIns="91425" tIns="91425" rIns="91425" bIns="91425" anchor="ctr" anchorCtr="0">
-              <a:noAutofit/>
-            </a:bodyPr>
-            <a:lstStyle/>
-            <a:p>
-              <a:pPr marL="0" lvl="0" indent="0" algn="ctr" rtl="0">
-                <a:spcBef>
-                  <a:spcPts val="0"/>
-                </a:spcBef>
-                <a:spcAft>
-                  <a:spcPts val="0"/>
-                </a:spcAft>
-                <a:buNone/>
-              </a:pPr>
-              <a:endParaRPr sz="2000" dirty="0">
-                <a:solidFill>
-                  <a:schemeClr val="accent1"/>
-                </a:solidFill>
-                <a:latin typeface="Fira Sans Condensed Medium"/>
-                <a:ea typeface="Fira Sans Condensed Medium"/>
-                <a:cs typeface="Fira Sans Condensed Medium"/>
-                <a:sym typeface="Fira Sans Condensed Medium"/>
-              </a:endParaRPr>
-            </a:p>
-          </p:txBody>
-        </p:sp>
-        <p:pic>
-          <p:nvPicPr>
-            <p:cNvPr id="28" name="Image 27">
-              <a:extLst>
-                <a:ext uri="{FF2B5EF4-FFF2-40B4-BE49-F238E27FC236}">
-                  <a16:creationId xmlns:a16="http://schemas.microsoft.com/office/drawing/2014/main" id="{06535061-F15D-48DB-8FDC-9D9AAECD3E8C}"/>
-                </a:ext>
-              </a:extLst>
-            </p:cNvPr>
-            <p:cNvPicPr>
-              <a:picLocks noChangeAspect="1"/>
-            </p:cNvPicPr>
-            <p:nvPr/>
-          </p:nvPicPr>
-          <p:blipFill>
-            <a:blip r:embed="rId3">
-              <a:extLst>
-                <a:ext uri="{28A0092B-C50C-407E-A947-70E740481C1C}">
-                  <a14:useLocalDpi xmlns:a14="http://schemas.microsoft.com/office/drawing/2010/main" val="0"/>
-                </a:ext>
-              </a:extLst>
-            </a:blip>
-            <a:stretch>
-              <a:fillRect/>
-            </a:stretch>
-          </p:blipFill>
-          <p:spPr>
-            <a:xfrm>
-              <a:off x="10203193" y="3836668"/>
-              <a:ext cx="304762" cy="304762"/>
-            </a:xfrm>
-            <a:prstGeom prst="rect">
-              <a:avLst/>
-            </a:prstGeom>
-          </p:spPr>
-        </p:pic>
-      </p:grpSp>
       <p:sp>
         <p:nvSpPr>
           <p:cNvPr id="5" name="Rectangle 4">
@@ -21757,7 +22273,7 @@
           <p:nvPr/>
         </p:nvPicPr>
         <p:blipFill>
-          <a:blip r:embed="rId4"/>
+          <a:blip r:embed="rId3"/>
           <a:stretch>
             <a:fillRect/>
           </a:stretch>
@@ -21822,7 +22338,7 @@
           <p:nvPr/>
         </p:nvPicPr>
         <p:blipFill>
-          <a:blip r:embed="rId5">
+          <a:blip r:embed="rId4">
             <a:duotone>
               <a:schemeClr val="accent6">
                 <a:shade val="45000"/>
@@ -21915,7 +22431,7 @@
           <p:nvPr/>
         </p:nvPicPr>
         <p:blipFill>
-          <a:blip r:embed="rId5">
+          <a:blip r:embed="rId4">
             <a:duotone>
               <a:schemeClr val="accent6">
                 <a:shade val="45000"/>
@@ -22064,7 +22580,7 @@
           <p:nvPr/>
         </p:nvPicPr>
         <p:blipFill>
-          <a:blip r:embed="rId5">
+          <a:blip r:embed="rId4">
             <a:duotone>
               <a:schemeClr val="accent6">
                 <a:shade val="45000"/>
